--- a/PPT/Design Pattern 1 - Pengantar Design Pattern.pptx
+++ b/PPT/Design Pattern 1 - Pengantar Design Pattern.pptx
@@ -5,7 +5,7 @@
     <p:sldMasterId id="2147483792" r:id="rId1"/>
   </p:sldMasterIdLst>
   <p:notesMasterIdLst>
-    <p:notesMasterId r:id="rId15"/>
+    <p:notesMasterId r:id="rId17"/>
   </p:notesMasterIdLst>
   <p:sldIdLst>
     <p:sldId id="256" r:id="rId2"/>
@@ -21,6 +21,8 @@
     <p:sldId id="271" r:id="rId12"/>
     <p:sldId id="272" r:id="rId13"/>
     <p:sldId id="273" r:id="rId14"/>
+    <p:sldId id="274" r:id="rId15"/>
+    <p:sldId id="275" r:id="rId16"/>
   </p:sldIdLst>
   <p:sldSz cx="12192000" cy="6858000"/>
   <p:notesSz cx="6858000" cy="9144000"/>
@@ -6596,13 +6598,17 @@
       </dgm:t>
     </dgm:pt>
     <dgm:pt modelId="{C4A5245C-A223-4734-9144-CCD8AC562FA1}">
-      <dgm:prSet phldrT="[Text]" phldr="1"/>
+      <dgm:prSet phldrT="[Text]"/>
       <dgm:spPr/>
       <dgm:t>
         <a:bodyPr/>
         <a:lstStyle/>
         <a:p>
-          <a:endParaRPr lang="en-US"/>
+          <a:r>
+            <a:rPr lang="id-ID" dirty="0" smtClean="0"/>
+            <a:t>Ainurrofik</a:t>
+          </a:r>
+          <a:endParaRPr lang="en-US" dirty="0"/>
         </a:p>
       </dgm:t>
     </dgm:pt>
@@ -6629,13 +6635,17 @@
       </dgm:t>
     </dgm:pt>
     <dgm:pt modelId="{36E0EA69-C9CE-43B3-8009-D9F595539014}">
-      <dgm:prSet phldrT="[Text]" phldr="1"/>
+      <dgm:prSet phldrT="[Text]"/>
       <dgm:spPr/>
       <dgm:t>
         <a:bodyPr/>
         <a:lstStyle/>
         <a:p>
-          <a:endParaRPr lang="en-US"/>
+          <a:r>
+            <a:rPr lang="id-ID" dirty="0" smtClean="0"/>
+            <a:t>Deni A.</a:t>
+          </a:r>
+          <a:endParaRPr lang="en-US" dirty="0"/>
         </a:p>
       </dgm:t>
     </dgm:pt>
@@ -6699,13 +6709,17 @@
       </dgm:t>
     </dgm:pt>
     <dgm:pt modelId="{CF0E1081-A5A0-423E-B311-F4F5DA6C8D35}">
-      <dgm:prSet phldrT="[Text]" phldr="1"/>
+      <dgm:prSet phldrT="[Text]"/>
       <dgm:spPr/>
       <dgm:t>
         <a:bodyPr/>
         <a:lstStyle/>
         <a:p>
-          <a:endParaRPr lang="en-US"/>
+          <a:r>
+            <a:rPr lang="id-ID" dirty="0" smtClean="0"/>
+            <a:t>Rizki A.A.</a:t>
+          </a:r>
+          <a:endParaRPr lang="en-US" dirty="0"/>
         </a:p>
       </dgm:t>
     </dgm:pt>
@@ -6732,12 +6746,16 @@
       </dgm:t>
     </dgm:pt>
     <dgm:pt modelId="{C9C6F18B-53EF-4BC7-A519-C08556112F28}">
-      <dgm:prSet phldrT="[Text]" phldr="1"/>
+      <dgm:prSet phldrT="[Text]"/>
       <dgm:spPr/>
       <dgm:t>
         <a:bodyPr/>
         <a:lstStyle/>
         <a:p>
+          <a:r>
+            <a:rPr lang="id-ID" dirty="0" smtClean="0"/>
+            <a:t>Ayu R.W.</a:t>
+          </a:r>
           <a:endParaRPr lang="en-US" dirty="0"/>
         </a:p>
       </dgm:t>
@@ -7060,18 +7078,22 @@
         </a:p>
       </dgm:t>
     </dgm:pt>
-    <dgm:pt modelId="{3484BC91-9518-4342-A082-E2EF20E498CD}">
+    <dgm:pt modelId="{1F261EE2-231E-44E2-AE25-A71B7EB8CBF0}">
       <dgm:prSet phldrT="[Text]"/>
       <dgm:spPr/>
       <dgm:t>
         <a:bodyPr/>
         <a:lstStyle/>
         <a:p>
+          <a:r>
+            <a:rPr lang="id-ID" dirty="0" smtClean="0"/>
+            <a:t>Ngatiyo H.C.</a:t>
+          </a:r>
           <a:endParaRPr lang="en-US" dirty="0"/>
         </a:p>
       </dgm:t>
     </dgm:pt>
-    <dgm:pt modelId="{06EE27DD-9C18-4F51-A740-8950393F6B10}" type="parTrans" cxnId="{906AEA46-0ED5-45BC-A59F-C2DC1A8F13C7}">
+    <dgm:pt modelId="{48B6A5DE-6C71-42E9-A06F-1DB4590F4E63}" type="parTrans" cxnId="{1B4D14A2-04E3-44E5-B765-C46E3F3857B6}">
       <dgm:prSet/>
       <dgm:spPr/>
       <dgm:t>
@@ -7082,7 +7104,7 @@
         </a:p>
       </dgm:t>
     </dgm:pt>
-    <dgm:pt modelId="{33B0773F-9011-4B09-A3CD-1B62F9423A7C}" type="sibTrans" cxnId="{906AEA46-0ED5-45BC-A59F-C2DC1A8F13C7}">
+    <dgm:pt modelId="{B01C89DE-3A6A-420A-A182-05A1B5228620}" type="sibTrans" cxnId="{1B4D14A2-04E3-44E5-B765-C46E3F3857B6}">
       <dgm:prSet/>
       <dgm:spPr/>
       <dgm:t>
@@ -7093,18 +7115,22 @@
         </a:p>
       </dgm:t>
     </dgm:pt>
-    <dgm:pt modelId="{1F261EE2-231E-44E2-AE25-A71B7EB8CBF0}">
+    <dgm:pt modelId="{60B14F4F-6714-495B-8DA5-2D9875AF5E16}">
       <dgm:prSet phldrT="[Text]"/>
       <dgm:spPr/>
       <dgm:t>
         <a:bodyPr/>
         <a:lstStyle/>
         <a:p>
+          <a:r>
+            <a:rPr lang="id-ID" dirty="0" smtClean="0"/>
+            <a:t>Nuril F.</a:t>
+          </a:r>
           <a:endParaRPr lang="en-US" dirty="0"/>
         </a:p>
       </dgm:t>
     </dgm:pt>
-    <dgm:pt modelId="{48B6A5DE-6C71-42E9-A06F-1DB4590F4E63}" type="parTrans" cxnId="{1B4D14A2-04E3-44E5-B765-C46E3F3857B6}">
+    <dgm:pt modelId="{86E531CB-19D9-4067-BE04-6072725DB957}" type="parTrans" cxnId="{85C49C1B-8C45-4987-A0BC-5CE2D7E1C71D}">
       <dgm:prSet/>
       <dgm:spPr/>
       <dgm:t>
@@ -7115,7 +7141,7 @@
         </a:p>
       </dgm:t>
     </dgm:pt>
-    <dgm:pt modelId="{B01C89DE-3A6A-420A-A182-05A1B5228620}" type="sibTrans" cxnId="{1B4D14A2-04E3-44E5-B765-C46E3F3857B6}">
+    <dgm:pt modelId="{54B2CC93-8D63-48C0-AD90-6A2E4738E94E}" type="sibTrans" cxnId="{85C49C1B-8C45-4987-A0BC-5CE2D7E1C71D}">
       <dgm:prSet/>
       <dgm:spPr/>
       <dgm:t>
@@ -7126,18 +7152,22 @@
         </a:p>
       </dgm:t>
     </dgm:pt>
-    <dgm:pt modelId="{60B14F4F-6714-495B-8DA5-2D9875AF5E16}">
+    <dgm:pt modelId="{4A9F798E-FA47-4AEE-8943-C87D6C8659ED}">
       <dgm:prSet phldrT="[Text]"/>
       <dgm:spPr/>
       <dgm:t>
         <a:bodyPr/>
         <a:lstStyle/>
         <a:p>
+          <a:r>
+            <a:rPr lang="id-ID" dirty="0" smtClean="0"/>
+            <a:t>Mutya D.A.</a:t>
+          </a:r>
           <a:endParaRPr lang="en-US" dirty="0"/>
         </a:p>
       </dgm:t>
     </dgm:pt>
-    <dgm:pt modelId="{86E531CB-19D9-4067-BE04-6072725DB957}" type="parTrans" cxnId="{85C49C1B-8C45-4987-A0BC-5CE2D7E1C71D}">
+    <dgm:pt modelId="{60986FDA-2A10-4FE6-B36A-27ACA41BA819}" type="parTrans" cxnId="{DA1E6485-3FDF-42B1-A3EE-D740DAB839FB}">
       <dgm:prSet/>
       <dgm:spPr/>
       <dgm:t>
@@ -7148,7 +7178,7 @@
         </a:p>
       </dgm:t>
     </dgm:pt>
-    <dgm:pt modelId="{54B2CC93-8D63-48C0-AD90-6A2E4738E94E}" type="sibTrans" cxnId="{85C49C1B-8C45-4987-A0BC-5CE2D7E1C71D}">
+    <dgm:pt modelId="{AFCB121A-1F3D-42B9-AEFF-E99C00F5F5D3}" type="sibTrans" cxnId="{DA1E6485-3FDF-42B1-A3EE-D740DAB839FB}">
       <dgm:prSet/>
       <dgm:spPr/>
       <dgm:t>
@@ -7159,38 +7189,281 @@
         </a:p>
       </dgm:t>
     </dgm:pt>
-    <dgm:pt modelId="{4A9F798E-FA47-4AEE-8943-C87D6C8659ED}">
+    <dgm:pt modelId="{A306397A-FD8A-4A92-9B05-B5BD5E5D21BA}">
       <dgm:prSet phldrT="[Text]"/>
       <dgm:spPr/>
       <dgm:t>
         <a:bodyPr/>
         <a:lstStyle/>
         <a:p>
+          <a:r>
+            <a:rPr lang="id-ID" dirty="0" smtClean="0"/>
+            <a:t>Riyan M.</a:t>
+          </a:r>
           <a:endParaRPr lang="en-US" dirty="0"/>
         </a:p>
       </dgm:t>
     </dgm:pt>
-    <dgm:pt modelId="{60986FDA-2A10-4FE6-B36A-27ACA41BA819}" type="parTrans" cxnId="{DA1E6485-3FDF-42B1-A3EE-D740DAB839FB}">
+    <dgm:pt modelId="{D43180A0-C41F-4FC4-9C0F-6E5B1BAFBD59}" type="parTrans" cxnId="{CF97DB5B-65E1-4991-9ED9-7B8E44AD232C}">
       <dgm:prSet/>
+      <dgm:spPr/>
+    </dgm:pt>
+    <dgm:pt modelId="{140F001B-BEE5-4717-BBAE-20F870899868}" type="sibTrans" cxnId="{CF97DB5B-65E1-4991-9ED9-7B8E44AD232C}">
+      <dgm:prSet/>
+      <dgm:spPr/>
+    </dgm:pt>
+    <dgm:pt modelId="{A996C5A9-4947-4D29-B699-B26785264ED5}">
+      <dgm:prSet phldrT="[Text]"/>
       <dgm:spPr/>
       <dgm:t>
         <a:bodyPr/>
         <a:lstStyle/>
         <a:p>
-          <a:endParaRPr lang="en-US"/>
+          <a:r>
+            <a:rPr lang="id-ID" dirty="0" smtClean="0"/>
+            <a:t>Sella R.</a:t>
+          </a:r>
+          <a:endParaRPr lang="en-US" dirty="0"/>
         </a:p>
       </dgm:t>
     </dgm:pt>
-    <dgm:pt modelId="{AFCB121A-1F3D-42B9-AEFF-E99C00F5F5D3}" type="sibTrans" cxnId="{DA1E6485-3FDF-42B1-A3EE-D740DAB839FB}">
+    <dgm:pt modelId="{7242D98F-A396-4CEB-9169-8F02AE8BE390}" type="parTrans" cxnId="{28BBA3E4-B396-486A-A3D5-8D43497F6A8F}">
       <dgm:prSet/>
+      <dgm:spPr/>
+    </dgm:pt>
+    <dgm:pt modelId="{F7BE18F4-2E59-4F81-AFC8-C3BA16AC6844}" type="sibTrans" cxnId="{28BBA3E4-B396-486A-A3D5-8D43497F6A8F}">
+      <dgm:prSet/>
+      <dgm:spPr/>
+    </dgm:pt>
+    <dgm:pt modelId="{178E4E3C-1507-44BA-BDAA-DB95B3160951}">
+      <dgm:prSet phldrT="[Text]"/>
       <dgm:spPr/>
       <dgm:t>
         <a:bodyPr/>
         <a:lstStyle/>
         <a:p>
-          <a:endParaRPr lang="en-US"/>
+          <a:r>
+            <a:rPr lang="id-ID" dirty="0" smtClean="0"/>
+            <a:t>Wahyu R.</a:t>
+          </a:r>
+          <a:endParaRPr lang="en-US" dirty="0"/>
         </a:p>
       </dgm:t>
+    </dgm:pt>
+    <dgm:pt modelId="{E359FB85-12C3-423D-9B69-3BD38860A57C}" type="parTrans" cxnId="{8A9B450E-DEB2-46D4-BD7B-4FF59A1700F2}">
+      <dgm:prSet/>
+      <dgm:spPr/>
+    </dgm:pt>
+    <dgm:pt modelId="{70DEA222-7EAA-4E5B-AD3A-17C88791A32B}" type="sibTrans" cxnId="{8A9B450E-DEB2-46D4-BD7B-4FF59A1700F2}">
+      <dgm:prSet/>
+      <dgm:spPr/>
+    </dgm:pt>
+    <dgm:pt modelId="{E1C73923-9676-459A-93D9-4F878295478D}">
+      <dgm:prSet phldrT="[Text]"/>
+      <dgm:spPr/>
+      <dgm:t>
+        <a:bodyPr/>
+        <a:lstStyle/>
+        <a:p>
+          <a:r>
+            <a:rPr lang="id-ID" dirty="0" smtClean="0"/>
+            <a:t>Arif S.B.</a:t>
+          </a:r>
+          <a:endParaRPr lang="en-US" dirty="0"/>
+        </a:p>
+      </dgm:t>
+    </dgm:pt>
+    <dgm:pt modelId="{DD6392C2-C549-4D5E-8788-CA93168E26B8}" type="parTrans" cxnId="{E7254408-A893-4752-91B2-C9E90F77538B}">
+      <dgm:prSet/>
+      <dgm:spPr/>
+    </dgm:pt>
+    <dgm:pt modelId="{1B3C4E13-9A98-4B65-8F9C-0959CD12F83B}" type="sibTrans" cxnId="{E7254408-A893-4752-91B2-C9E90F77538B}">
+      <dgm:prSet/>
+      <dgm:spPr/>
+    </dgm:pt>
+    <dgm:pt modelId="{5B424229-9BD9-4730-B57C-1C1BF0D7B026}">
+      <dgm:prSet phldrT="[Text]"/>
+      <dgm:spPr/>
+      <dgm:t>
+        <a:bodyPr/>
+        <a:lstStyle/>
+        <a:p>
+          <a:r>
+            <a:rPr lang="id-ID" dirty="0" smtClean="0"/>
+            <a:t>Shofia S.J.</a:t>
+          </a:r>
+          <a:endParaRPr lang="en-US" dirty="0"/>
+        </a:p>
+      </dgm:t>
+    </dgm:pt>
+    <dgm:pt modelId="{287B9A01-FEEB-44A0-A753-DFDEBA0016E9}" type="parTrans" cxnId="{A73CAD19-3968-424C-84DD-6BC5127F2786}">
+      <dgm:prSet/>
+      <dgm:spPr/>
+    </dgm:pt>
+    <dgm:pt modelId="{86F05E20-D099-4F51-A69E-F659B82AEAF3}" type="sibTrans" cxnId="{A73CAD19-3968-424C-84DD-6BC5127F2786}">
+      <dgm:prSet/>
+      <dgm:spPr/>
+    </dgm:pt>
+    <dgm:pt modelId="{804B3186-2F6C-432D-9628-4C5A774D7E51}">
+      <dgm:prSet phldrT="[Text]"/>
+      <dgm:spPr/>
+      <dgm:t>
+        <a:bodyPr/>
+        <a:lstStyle/>
+        <a:p>
+          <a:r>
+            <a:rPr lang="id-ID" dirty="0" smtClean="0"/>
+            <a:t>Putri A.</a:t>
+          </a:r>
+          <a:endParaRPr lang="en-US" dirty="0"/>
+        </a:p>
+      </dgm:t>
+    </dgm:pt>
+    <dgm:pt modelId="{0906AAD6-C936-4A39-97F8-CA1E3AD80F34}" type="parTrans" cxnId="{74D1D777-5BDF-4F0B-BC1B-5ED6F9A91847}">
+      <dgm:prSet/>
+      <dgm:spPr/>
+    </dgm:pt>
+    <dgm:pt modelId="{5FD21FA2-E740-4B5D-8406-4D606A86E3D5}" type="sibTrans" cxnId="{74D1D777-5BDF-4F0B-BC1B-5ED6F9A91847}">
+      <dgm:prSet/>
+      <dgm:spPr/>
+    </dgm:pt>
+    <dgm:pt modelId="{B1096D3B-0A8E-41E8-B965-A90D6E3D5D8D}">
+      <dgm:prSet phldrT="[Text]"/>
+      <dgm:spPr/>
+      <dgm:t>
+        <a:bodyPr/>
+        <a:lstStyle/>
+        <a:p>
+          <a:r>
+            <a:rPr lang="id-ID" dirty="0" smtClean="0"/>
+            <a:t>A. Khairur R.</a:t>
+          </a:r>
+          <a:endParaRPr lang="en-US" dirty="0"/>
+        </a:p>
+      </dgm:t>
+    </dgm:pt>
+    <dgm:pt modelId="{1B0EC32B-512F-4515-9558-1F4C756F0E5D}" type="parTrans" cxnId="{E719A26F-79AE-4215-A380-83E80804B9E9}">
+      <dgm:prSet/>
+      <dgm:spPr/>
+    </dgm:pt>
+    <dgm:pt modelId="{BC1CB25D-367D-430D-910F-602AD2833874}" type="sibTrans" cxnId="{E719A26F-79AE-4215-A380-83E80804B9E9}">
+      <dgm:prSet/>
+      <dgm:spPr/>
+    </dgm:pt>
+    <dgm:pt modelId="{DE532163-8338-4F50-BD90-692325F14BD7}">
+      <dgm:prSet phldrT="[Text]"/>
+      <dgm:spPr/>
+      <dgm:t>
+        <a:bodyPr/>
+        <a:lstStyle/>
+        <a:p>
+          <a:r>
+            <a:rPr lang="id-ID" smtClean="0"/>
+            <a:t>Audylam G</a:t>
+          </a:r>
+          <a:endParaRPr lang="en-US" dirty="0"/>
+        </a:p>
+      </dgm:t>
+    </dgm:pt>
+    <dgm:pt modelId="{51576583-7FFF-4F35-9D3D-1409979E0074}" type="parTrans" cxnId="{5ABE7987-B56C-45CD-AE7A-F10B806CE247}">
+      <dgm:prSet/>
+      <dgm:spPr/>
+    </dgm:pt>
+    <dgm:pt modelId="{21923EEF-DE32-4541-8FF2-DCF074832E19}" type="sibTrans" cxnId="{5ABE7987-B56C-45CD-AE7A-F10B806CE247}">
+      <dgm:prSet/>
+      <dgm:spPr/>
+    </dgm:pt>
+    <dgm:pt modelId="{2D9CDFDE-BB88-4DF0-AACA-0D5E3E25BE02}">
+      <dgm:prSet phldrT="[Text]"/>
+      <dgm:spPr/>
+      <dgm:t>
+        <a:bodyPr/>
+        <a:lstStyle/>
+        <a:p>
+          <a:r>
+            <a:rPr lang="id-ID" dirty="0" smtClean="0"/>
+            <a:t>Hasan F.</a:t>
+          </a:r>
+          <a:endParaRPr lang="en-US" dirty="0"/>
+        </a:p>
+      </dgm:t>
+    </dgm:pt>
+    <dgm:pt modelId="{F1097E6B-7F72-453A-9E9F-8F1992E2441F}" type="parTrans" cxnId="{7D6AE2BB-1FB9-4FEB-BAA7-1FE70407DE9F}">
+      <dgm:prSet/>
+      <dgm:spPr/>
+    </dgm:pt>
+    <dgm:pt modelId="{699E83C1-184C-4315-9D49-71332BB59620}" type="sibTrans" cxnId="{7D6AE2BB-1FB9-4FEB-BAA7-1FE70407DE9F}">
+      <dgm:prSet/>
+      <dgm:spPr/>
+    </dgm:pt>
+    <dgm:pt modelId="{D311CF7F-F17F-4FBA-AA0E-12048A0E5690}">
+      <dgm:prSet phldrT="[Text]"/>
+      <dgm:spPr/>
+      <dgm:t>
+        <a:bodyPr/>
+        <a:lstStyle/>
+        <a:p>
+          <a:r>
+            <a:rPr lang="id-ID" dirty="0" smtClean="0"/>
+            <a:t>Miftahul A</a:t>
+          </a:r>
+          <a:endParaRPr lang="en-US" dirty="0"/>
+        </a:p>
+      </dgm:t>
+    </dgm:pt>
+    <dgm:pt modelId="{C2558B89-4095-4739-9790-754C36A06C91}" type="parTrans" cxnId="{522272EA-1905-4C14-B926-9251D20E72A4}">
+      <dgm:prSet/>
+      <dgm:spPr/>
+    </dgm:pt>
+    <dgm:pt modelId="{B5D90C1B-7167-4CF2-9804-F7B6B26855FD}" type="sibTrans" cxnId="{522272EA-1905-4C14-B926-9251D20E72A4}">
+      <dgm:prSet/>
+      <dgm:spPr/>
+    </dgm:pt>
+    <dgm:pt modelId="{256B49A3-F9DB-4F2C-BFC9-15F8CCEDA242}">
+      <dgm:prSet phldrT="[Text]"/>
+      <dgm:spPr/>
+      <dgm:t>
+        <a:bodyPr/>
+        <a:lstStyle/>
+        <a:p>
+          <a:r>
+            <a:rPr lang="id-ID" dirty="0" smtClean="0"/>
+            <a:t>Anindi W.K.</a:t>
+          </a:r>
+          <a:endParaRPr lang="en-US" dirty="0"/>
+        </a:p>
+      </dgm:t>
+    </dgm:pt>
+    <dgm:pt modelId="{A68638D8-361A-43F4-835E-0697E2DFFAED}" type="parTrans" cxnId="{0830E8DD-AC5C-4889-A408-03A95CAF07C9}">
+      <dgm:prSet/>
+      <dgm:spPr/>
+    </dgm:pt>
+    <dgm:pt modelId="{B3C76673-5F1B-4DC0-807E-0CDBBE4D093B}" type="sibTrans" cxnId="{0830E8DD-AC5C-4889-A408-03A95CAF07C9}">
+      <dgm:prSet/>
+      <dgm:spPr/>
+    </dgm:pt>
+    <dgm:pt modelId="{77970FF4-2135-4297-A73A-57F53800574C}">
+      <dgm:prSet phldrT="[Text]"/>
+      <dgm:spPr/>
+      <dgm:t>
+        <a:bodyPr/>
+        <a:lstStyle/>
+        <a:p>
+          <a:r>
+            <a:rPr lang="id-ID" dirty="0" smtClean="0"/>
+            <a:t>Maria U.</a:t>
+          </a:r>
+          <a:endParaRPr lang="en-US" dirty="0"/>
+        </a:p>
+      </dgm:t>
+    </dgm:pt>
+    <dgm:pt modelId="{5BC4A808-2BD5-4E3C-AC4D-25FF0A2A68B2}" type="parTrans" cxnId="{62251155-074C-46AC-A8C2-0DA03E1D4678}">
+      <dgm:prSet/>
+      <dgm:spPr/>
+    </dgm:pt>
+    <dgm:pt modelId="{9FD10741-0598-40C0-B539-71CEC6364BAD}" type="sibTrans" cxnId="{62251155-074C-46AC-A8C2-0DA03E1D4678}">
+      <dgm:prSet/>
+      <dgm:spPr/>
     </dgm:pt>
     <dgm:pt modelId="{037FC8AB-3228-430C-8BD5-49F00BCE1B18}" type="pres">
       <dgm:prSet presAssocID="{944F5C5E-15DF-4AF5-B2F5-8901863886B4}" presName="diagram" presStyleCnt="0">
@@ -7201,6 +7474,13 @@
         </dgm:presLayoutVars>
       </dgm:prSet>
       <dgm:spPr/>
+      <dgm:t>
+        <a:bodyPr/>
+        <a:lstStyle/>
+        <a:p>
+          <a:endParaRPr lang="en-US"/>
+        </a:p>
+      </dgm:t>
     </dgm:pt>
     <dgm:pt modelId="{B54EEFB0-D6F8-4919-9173-F7E25C88667D}" type="pres">
       <dgm:prSet presAssocID="{6996BAD6-637C-484E-8284-38552B941EDD}" presName="compNode" presStyleCnt="0"/>
@@ -7213,6 +7493,13 @@
         </dgm:presLayoutVars>
       </dgm:prSet>
       <dgm:spPr/>
+      <dgm:t>
+        <a:bodyPr/>
+        <a:lstStyle/>
+        <a:p>
+          <a:endParaRPr lang="en-US"/>
+        </a:p>
+      </dgm:t>
     </dgm:pt>
     <dgm:pt modelId="{78720607-78D3-4738-BAC1-313A3881A5ED}" type="pres">
       <dgm:prSet presAssocID="{6996BAD6-637C-484E-8284-38552B941EDD}" presName="parentText" presStyleLbl="node1" presStyleIdx="0" presStyleCnt="0">
@@ -7222,10 +7509,24 @@
         </dgm:presLayoutVars>
       </dgm:prSet>
       <dgm:spPr/>
+      <dgm:t>
+        <a:bodyPr/>
+        <a:lstStyle/>
+        <a:p>
+          <a:endParaRPr lang="en-US"/>
+        </a:p>
+      </dgm:t>
     </dgm:pt>
     <dgm:pt modelId="{D1AA0F5F-12AD-4C3A-8147-6725D9524E49}" type="pres">
       <dgm:prSet presAssocID="{6996BAD6-637C-484E-8284-38552B941EDD}" presName="parentRect" presStyleLbl="alignNode1" presStyleIdx="0" presStyleCnt="10"/>
       <dgm:spPr/>
+      <dgm:t>
+        <a:bodyPr/>
+        <a:lstStyle/>
+        <a:p>
+          <a:endParaRPr lang="en-US"/>
+        </a:p>
+      </dgm:t>
     </dgm:pt>
     <dgm:pt modelId="{70094C68-B5BE-40DE-82FF-6887C09E86A4}" type="pres">
       <dgm:prSet presAssocID="{6996BAD6-637C-484E-8284-38552B941EDD}" presName="adorn" presStyleLbl="fgAccFollowNode1" presStyleIdx="0" presStyleCnt="10"/>
@@ -7234,6 +7535,13 @@
     <dgm:pt modelId="{FEFC49F0-1002-41CC-8541-7CD757666D35}" type="pres">
       <dgm:prSet presAssocID="{0CFA2CC3-C4D1-4B98-8595-05BC8889CA4C}" presName="sibTrans" presStyleLbl="sibTrans2D1" presStyleIdx="0" presStyleCnt="0"/>
       <dgm:spPr/>
+      <dgm:t>
+        <a:bodyPr/>
+        <a:lstStyle/>
+        <a:p>
+          <a:endParaRPr lang="en-US"/>
+        </a:p>
+      </dgm:t>
     </dgm:pt>
     <dgm:pt modelId="{45D221F9-F353-4936-89E9-675545E33722}" type="pres">
       <dgm:prSet presAssocID="{0BD4D64B-A6F5-4C13-A925-B438DEEDDD45}" presName="compNode" presStyleCnt="0"/>
@@ -7246,6 +7554,13 @@
         </dgm:presLayoutVars>
       </dgm:prSet>
       <dgm:spPr/>
+      <dgm:t>
+        <a:bodyPr/>
+        <a:lstStyle/>
+        <a:p>
+          <a:endParaRPr lang="en-US"/>
+        </a:p>
+      </dgm:t>
     </dgm:pt>
     <dgm:pt modelId="{40F12FF5-D1BB-4199-B455-7241D6FC8ECC}" type="pres">
       <dgm:prSet presAssocID="{0BD4D64B-A6F5-4C13-A925-B438DEEDDD45}" presName="parentText" presStyleLbl="node1" presStyleIdx="0" presStyleCnt="0">
@@ -7255,10 +7570,24 @@
         </dgm:presLayoutVars>
       </dgm:prSet>
       <dgm:spPr/>
+      <dgm:t>
+        <a:bodyPr/>
+        <a:lstStyle/>
+        <a:p>
+          <a:endParaRPr lang="en-US"/>
+        </a:p>
+      </dgm:t>
     </dgm:pt>
     <dgm:pt modelId="{333CF238-3B17-4D44-845C-78B4FF70C6AE}" type="pres">
       <dgm:prSet presAssocID="{0BD4D64B-A6F5-4C13-A925-B438DEEDDD45}" presName="parentRect" presStyleLbl="alignNode1" presStyleIdx="1" presStyleCnt="10"/>
       <dgm:spPr/>
+      <dgm:t>
+        <a:bodyPr/>
+        <a:lstStyle/>
+        <a:p>
+          <a:endParaRPr lang="en-US"/>
+        </a:p>
+      </dgm:t>
     </dgm:pt>
     <dgm:pt modelId="{30E9A2AC-8E45-4E10-A1BA-20AA4AF28257}" type="pres">
       <dgm:prSet presAssocID="{0BD4D64B-A6F5-4C13-A925-B438DEEDDD45}" presName="adorn" presStyleLbl="fgAccFollowNode1" presStyleIdx="1" presStyleCnt="10"/>
@@ -7267,6 +7596,13 @@
     <dgm:pt modelId="{D3422584-9CF3-463A-B128-399F89DA7E9D}" type="pres">
       <dgm:prSet presAssocID="{8CBCB4E5-74A2-4C48-86B8-49363F1EB6C6}" presName="sibTrans" presStyleLbl="sibTrans2D1" presStyleIdx="0" presStyleCnt="0"/>
       <dgm:spPr/>
+      <dgm:t>
+        <a:bodyPr/>
+        <a:lstStyle/>
+        <a:p>
+          <a:endParaRPr lang="en-US"/>
+        </a:p>
+      </dgm:t>
     </dgm:pt>
     <dgm:pt modelId="{CDCCFAD0-46F0-4EE8-A977-6D4AD1B30A5D}" type="pres">
       <dgm:prSet presAssocID="{8B9DBA0C-297F-4153-AB4E-F6C5133570E7}" presName="compNode" presStyleCnt="0"/>
@@ -7279,6 +7615,13 @@
         </dgm:presLayoutVars>
       </dgm:prSet>
       <dgm:spPr/>
+      <dgm:t>
+        <a:bodyPr/>
+        <a:lstStyle/>
+        <a:p>
+          <a:endParaRPr lang="en-US"/>
+        </a:p>
+      </dgm:t>
     </dgm:pt>
     <dgm:pt modelId="{2CE9B22A-8D1D-4782-BFE6-4DDE3AEB11BF}" type="pres">
       <dgm:prSet presAssocID="{8B9DBA0C-297F-4153-AB4E-F6C5133570E7}" presName="parentText" presStyleLbl="node1" presStyleIdx="0" presStyleCnt="0">
@@ -7288,10 +7631,24 @@
         </dgm:presLayoutVars>
       </dgm:prSet>
       <dgm:spPr/>
+      <dgm:t>
+        <a:bodyPr/>
+        <a:lstStyle/>
+        <a:p>
+          <a:endParaRPr lang="en-US"/>
+        </a:p>
+      </dgm:t>
     </dgm:pt>
     <dgm:pt modelId="{320C1E14-01F0-4DEE-B3E2-1D7C2B034099}" type="pres">
       <dgm:prSet presAssocID="{8B9DBA0C-297F-4153-AB4E-F6C5133570E7}" presName="parentRect" presStyleLbl="alignNode1" presStyleIdx="2" presStyleCnt="10"/>
       <dgm:spPr/>
+      <dgm:t>
+        <a:bodyPr/>
+        <a:lstStyle/>
+        <a:p>
+          <a:endParaRPr lang="en-US"/>
+        </a:p>
+      </dgm:t>
     </dgm:pt>
     <dgm:pt modelId="{B1E0855A-E74E-4EF5-A4E3-3CBB8277368D}" type="pres">
       <dgm:prSet presAssocID="{8B9DBA0C-297F-4153-AB4E-F6C5133570E7}" presName="adorn" presStyleLbl="fgAccFollowNode1" presStyleIdx="2" presStyleCnt="10"/>
@@ -7300,6 +7657,13 @@
     <dgm:pt modelId="{DD26E716-2F56-4580-ADBB-C444D367765B}" type="pres">
       <dgm:prSet presAssocID="{DF4BDFFF-41CA-4B31-8AD5-0B2542B6208D}" presName="sibTrans" presStyleLbl="sibTrans2D1" presStyleIdx="0" presStyleCnt="0"/>
       <dgm:spPr/>
+      <dgm:t>
+        <a:bodyPr/>
+        <a:lstStyle/>
+        <a:p>
+          <a:endParaRPr lang="en-US"/>
+        </a:p>
+      </dgm:t>
     </dgm:pt>
     <dgm:pt modelId="{F72630D2-97C6-4748-ABB5-2F5378374C2E}" type="pres">
       <dgm:prSet presAssocID="{A0519A28-DD5B-4345-9DB3-DEA6309762CE}" presName="compNode" presStyleCnt="0"/>
@@ -7312,6 +7676,13 @@
         </dgm:presLayoutVars>
       </dgm:prSet>
       <dgm:spPr/>
+      <dgm:t>
+        <a:bodyPr/>
+        <a:lstStyle/>
+        <a:p>
+          <a:endParaRPr lang="en-US"/>
+        </a:p>
+      </dgm:t>
     </dgm:pt>
     <dgm:pt modelId="{19B860F0-6FCD-480C-A460-A6B50608D078}" type="pres">
       <dgm:prSet presAssocID="{A0519A28-DD5B-4345-9DB3-DEA6309762CE}" presName="parentText" presStyleLbl="node1" presStyleIdx="0" presStyleCnt="0">
@@ -7321,10 +7692,24 @@
         </dgm:presLayoutVars>
       </dgm:prSet>
       <dgm:spPr/>
+      <dgm:t>
+        <a:bodyPr/>
+        <a:lstStyle/>
+        <a:p>
+          <a:endParaRPr lang="en-US"/>
+        </a:p>
+      </dgm:t>
     </dgm:pt>
     <dgm:pt modelId="{318AACCD-F906-45D1-AD28-0DB3AC3F4751}" type="pres">
       <dgm:prSet presAssocID="{A0519A28-DD5B-4345-9DB3-DEA6309762CE}" presName="parentRect" presStyleLbl="alignNode1" presStyleIdx="3" presStyleCnt="10"/>
       <dgm:spPr/>
+      <dgm:t>
+        <a:bodyPr/>
+        <a:lstStyle/>
+        <a:p>
+          <a:endParaRPr lang="en-US"/>
+        </a:p>
+      </dgm:t>
     </dgm:pt>
     <dgm:pt modelId="{16755752-A2E2-4948-A3C1-57FCA8A78CE0}" type="pres">
       <dgm:prSet presAssocID="{A0519A28-DD5B-4345-9DB3-DEA6309762CE}" presName="adorn" presStyleLbl="fgAccFollowNode1" presStyleIdx="3" presStyleCnt="10"/>
@@ -7333,6 +7718,13 @@
     <dgm:pt modelId="{3447EB20-3484-4B16-AB09-CD30073B76C2}" type="pres">
       <dgm:prSet presAssocID="{484485F4-327F-4683-AE30-C6A3C816C884}" presName="sibTrans" presStyleLbl="sibTrans2D1" presStyleIdx="0" presStyleCnt="0"/>
       <dgm:spPr/>
+      <dgm:t>
+        <a:bodyPr/>
+        <a:lstStyle/>
+        <a:p>
+          <a:endParaRPr lang="en-US"/>
+        </a:p>
+      </dgm:t>
     </dgm:pt>
     <dgm:pt modelId="{8383B565-0029-4497-9C43-BD4E614FBDF3}" type="pres">
       <dgm:prSet presAssocID="{9D758E8D-5E9C-4A53-A5F6-B645809F728B}" presName="compNode" presStyleCnt="0"/>
@@ -7354,10 +7746,24 @@
         </dgm:presLayoutVars>
       </dgm:prSet>
       <dgm:spPr/>
+      <dgm:t>
+        <a:bodyPr/>
+        <a:lstStyle/>
+        <a:p>
+          <a:endParaRPr lang="en-US"/>
+        </a:p>
+      </dgm:t>
     </dgm:pt>
     <dgm:pt modelId="{64C58537-A40B-4953-A8D7-BF3769C7CD9D}" type="pres">
       <dgm:prSet presAssocID="{9D758E8D-5E9C-4A53-A5F6-B645809F728B}" presName="parentRect" presStyleLbl="alignNode1" presStyleIdx="4" presStyleCnt="10"/>
       <dgm:spPr/>
+      <dgm:t>
+        <a:bodyPr/>
+        <a:lstStyle/>
+        <a:p>
+          <a:endParaRPr lang="en-US"/>
+        </a:p>
+      </dgm:t>
     </dgm:pt>
     <dgm:pt modelId="{69505C7F-AC53-4160-91C5-A38461B726EA}" type="pres">
       <dgm:prSet presAssocID="{9D758E8D-5E9C-4A53-A5F6-B645809F728B}" presName="adorn" presStyleLbl="fgAccFollowNode1" presStyleIdx="4" presStyleCnt="10"/>
@@ -7366,6 +7772,13 @@
     <dgm:pt modelId="{6C0FC4BC-C733-495E-BF23-3A0FB53B51F2}" type="pres">
       <dgm:prSet presAssocID="{4B45AE6D-4646-4FED-AE24-E646BAEF29F7}" presName="sibTrans" presStyleLbl="sibTrans2D1" presStyleIdx="0" presStyleCnt="0"/>
       <dgm:spPr/>
+      <dgm:t>
+        <a:bodyPr/>
+        <a:lstStyle/>
+        <a:p>
+          <a:endParaRPr lang="en-US"/>
+        </a:p>
+      </dgm:t>
     </dgm:pt>
     <dgm:pt modelId="{2CEF3599-95D0-4FF5-B469-C5BA21AD5AD8}" type="pres">
       <dgm:prSet presAssocID="{097C38C6-5512-4B94-9673-047C8E927ADF}" presName="compNode" presStyleCnt="0"/>
@@ -7378,6 +7791,13 @@
         </dgm:presLayoutVars>
       </dgm:prSet>
       <dgm:spPr/>
+      <dgm:t>
+        <a:bodyPr/>
+        <a:lstStyle/>
+        <a:p>
+          <a:endParaRPr lang="en-US"/>
+        </a:p>
+      </dgm:t>
     </dgm:pt>
     <dgm:pt modelId="{15E7639D-8B23-42A6-BD8A-CE7BA1AC75B9}" type="pres">
       <dgm:prSet presAssocID="{097C38C6-5512-4B94-9673-047C8E927ADF}" presName="parentText" presStyleLbl="node1" presStyleIdx="0" presStyleCnt="0">
@@ -7387,10 +7807,24 @@
         </dgm:presLayoutVars>
       </dgm:prSet>
       <dgm:spPr/>
+      <dgm:t>
+        <a:bodyPr/>
+        <a:lstStyle/>
+        <a:p>
+          <a:endParaRPr lang="en-US"/>
+        </a:p>
+      </dgm:t>
     </dgm:pt>
     <dgm:pt modelId="{6A797303-0B30-43AA-814B-4026A142F97D}" type="pres">
       <dgm:prSet presAssocID="{097C38C6-5512-4B94-9673-047C8E927ADF}" presName="parentRect" presStyleLbl="alignNode1" presStyleIdx="5" presStyleCnt="10"/>
       <dgm:spPr/>
+      <dgm:t>
+        <a:bodyPr/>
+        <a:lstStyle/>
+        <a:p>
+          <a:endParaRPr lang="en-US"/>
+        </a:p>
+      </dgm:t>
     </dgm:pt>
     <dgm:pt modelId="{359DE6A7-69BC-4356-8D93-D3CE4642CF44}" type="pres">
       <dgm:prSet presAssocID="{097C38C6-5512-4B94-9673-047C8E927ADF}" presName="adorn" presStyleLbl="fgAccFollowNode1" presStyleIdx="5" presStyleCnt="10"/>
@@ -7399,6 +7833,13 @@
     <dgm:pt modelId="{7106B1BE-5DC8-4244-A4CF-5D46693A9569}" type="pres">
       <dgm:prSet presAssocID="{3CFE6C0B-AF1A-425F-B99A-5526FED0FFD8}" presName="sibTrans" presStyleLbl="sibTrans2D1" presStyleIdx="0" presStyleCnt="0"/>
       <dgm:spPr/>
+      <dgm:t>
+        <a:bodyPr/>
+        <a:lstStyle/>
+        <a:p>
+          <a:endParaRPr lang="en-US"/>
+        </a:p>
+      </dgm:t>
     </dgm:pt>
     <dgm:pt modelId="{D41196FA-46D1-409A-9A39-275B633AE9CF}" type="pres">
       <dgm:prSet presAssocID="{FB8789B6-0444-4603-AEAB-2D02ACFCD7CA}" presName="compNode" presStyleCnt="0"/>
@@ -7420,10 +7861,24 @@
         </dgm:presLayoutVars>
       </dgm:prSet>
       <dgm:spPr/>
+      <dgm:t>
+        <a:bodyPr/>
+        <a:lstStyle/>
+        <a:p>
+          <a:endParaRPr lang="en-US"/>
+        </a:p>
+      </dgm:t>
     </dgm:pt>
     <dgm:pt modelId="{ADDA6BFD-484D-4C59-866B-F1D25AF904F7}" type="pres">
       <dgm:prSet presAssocID="{FB8789B6-0444-4603-AEAB-2D02ACFCD7CA}" presName="parentRect" presStyleLbl="alignNode1" presStyleIdx="6" presStyleCnt="10"/>
       <dgm:spPr/>
+      <dgm:t>
+        <a:bodyPr/>
+        <a:lstStyle/>
+        <a:p>
+          <a:endParaRPr lang="en-US"/>
+        </a:p>
+      </dgm:t>
     </dgm:pt>
     <dgm:pt modelId="{BB317E2A-2D58-4106-934F-264CB3235CAE}" type="pres">
       <dgm:prSet presAssocID="{FB8789B6-0444-4603-AEAB-2D02ACFCD7CA}" presName="adorn" presStyleLbl="fgAccFollowNode1" presStyleIdx="6" presStyleCnt="10"/>
@@ -7432,6 +7887,13 @@
     <dgm:pt modelId="{1DC35D28-A2AB-4BB6-9931-1C6DDCCE1BEF}" type="pres">
       <dgm:prSet presAssocID="{F31A48A7-8D14-42B8-97EE-B5FAA0065B92}" presName="sibTrans" presStyleLbl="sibTrans2D1" presStyleIdx="0" presStyleCnt="0"/>
       <dgm:spPr/>
+      <dgm:t>
+        <a:bodyPr/>
+        <a:lstStyle/>
+        <a:p>
+          <a:endParaRPr lang="en-US"/>
+        </a:p>
+      </dgm:t>
     </dgm:pt>
     <dgm:pt modelId="{67868EEC-8661-4389-AE45-E9F4258CC762}" type="pres">
       <dgm:prSet presAssocID="{C9BA539F-FAC1-4773-B73B-8E08B739C4B9}" presName="compNode" presStyleCnt="0"/>
@@ -7444,6 +7906,13 @@
         </dgm:presLayoutVars>
       </dgm:prSet>
       <dgm:spPr/>
+      <dgm:t>
+        <a:bodyPr/>
+        <a:lstStyle/>
+        <a:p>
+          <a:endParaRPr lang="en-US"/>
+        </a:p>
+      </dgm:t>
     </dgm:pt>
     <dgm:pt modelId="{D5049AFC-9707-4DBC-8BDD-A2A26376592A}" type="pres">
       <dgm:prSet presAssocID="{C9BA539F-FAC1-4773-B73B-8E08B739C4B9}" presName="parentText" presStyleLbl="node1" presStyleIdx="0" presStyleCnt="0">
@@ -7453,10 +7922,24 @@
         </dgm:presLayoutVars>
       </dgm:prSet>
       <dgm:spPr/>
+      <dgm:t>
+        <a:bodyPr/>
+        <a:lstStyle/>
+        <a:p>
+          <a:endParaRPr lang="en-US"/>
+        </a:p>
+      </dgm:t>
     </dgm:pt>
     <dgm:pt modelId="{4C88545F-A2BE-4690-B2A9-8354CDFDD2F7}" type="pres">
       <dgm:prSet presAssocID="{C9BA539F-FAC1-4773-B73B-8E08B739C4B9}" presName="parentRect" presStyleLbl="alignNode1" presStyleIdx="7" presStyleCnt="10"/>
       <dgm:spPr/>
+      <dgm:t>
+        <a:bodyPr/>
+        <a:lstStyle/>
+        <a:p>
+          <a:endParaRPr lang="en-US"/>
+        </a:p>
+      </dgm:t>
     </dgm:pt>
     <dgm:pt modelId="{34B0F557-D18B-4A4F-891B-956D2B2781A3}" type="pres">
       <dgm:prSet presAssocID="{C9BA539F-FAC1-4773-B73B-8E08B739C4B9}" presName="adorn" presStyleLbl="fgAccFollowNode1" presStyleIdx="7" presStyleCnt="10"/>
@@ -7465,6 +7948,13 @@
     <dgm:pt modelId="{64F777EE-70B9-40FF-83EE-932E5587D93B}" type="pres">
       <dgm:prSet presAssocID="{07B19E19-8EA3-4615-A2F5-CFAE07443C3A}" presName="sibTrans" presStyleLbl="sibTrans2D1" presStyleIdx="0" presStyleCnt="0"/>
       <dgm:spPr/>
+      <dgm:t>
+        <a:bodyPr/>
+        <a:lstStyle/>
+        <a:p>
+          <a:endParaRPr lang="en-US"/>
+        </a:p>
+      </dgm:t>
     </dgm:pt>
     <dgm:pt modelId="{61894268-2952-4D46-9A40-5A1CEC231C73}" type="pres">
       <dgm:prSet presAssocID="{AC888093-4416-48FF-AE74-D898570BF359}" presName="compNode" presStyleCnt="0"/>
@@ -7477,6 +7967,13 @@
         </dgm:presLayoutVars>
       </dgm:prSet>
       <dgm:spPr/>
+      <dgm:t>
+        <a:bodyPr/>
+        <a:lstStyle/>
+        <a:p>
+          <a:endParaRPr lang="en-US"/>
+        </a:p>
+      </dgm:t>
     </dgm:pt>
     <dgm:pt modelId="{DC61F918-0D66-43D4-A810-548E7FB8E7A1}" type="pres">
       <dgm:prSet presAssocID="{AC888093-4416-48FF-AE74-D898570BF359}" presName="parentText" presStyleLbl="node1" presStyleIdx="0" presStyleCnt="0">
@@ -7486,10 +7983,24 @@
         </dgm:presLayoutVars>
       </dgm:prSet>
       <dgm:spPr/>
+      <dgm:t>
+        <a:bodyPr/>
+        <a:lstStyle/>
+        <a:p>
+          <a:endParaRPr lang="en-US"/>
+        </a:p>
+      </dgm:t>
     </dgm:pt>
     <dgm:pt modelId="{1D756465-5B86-4E74-BE6A-16850F6E9514}" type="pres">
       <dgm:prSet presAssocID="{AC888093-4416-48FF-AE74-D898570BF359}" presName="parentRect" presStyleLbl="alignNode1" presStyleIdx="8" presStyleCnt="10"/>
       <dgm:spPr/>
+      <dgm:t>
+        <a:bodyPr/>
+        <a:lstStyle/>
+        <a:p>
+          <a:endParaRPr lang="en-US"/>
+        </a:p>
+      </dgm:t>
     </dgm:pt>
     <dgm:pt modelId="{FB65B613-FDC2-4F18-873F-B3A154F7780B}" type="pres">
       <dgm:prSet presAssocID="{AC888093-4416-48FF-AE74-D898570BF359}" presName="adorn" presStyleLbl="fgAccFollowNode1" presStyleIdx="8" presStyleCnt="10"/>
@@ -7498,6 +8009,13 @@
     <dgm:pt modelId="{01ED4087-3B8E-47FE-B66D-F67EE6B65FD5}" type="pres">
       <dgm:prSet presAssocID="{17EACF50-53A6-43AE-93C4-0A6130CF57D0}" presName="sibTrans" presStyleLbl="sibTrans2D1" presStyleIdx="0" presStyleCnt="0"/>
       <dgm:spPr/>
+      <dgm:t>
+        <a:bodyPr/>
+        <a:lstStyle/>
+        <a:p>
+          <a:endParaRPr lang="en-US"/>
+        </a:p>
+      </dgm:t>
     </dgm:pt>
     <dgm:pt modelId="{6E1D1463-23FF-4FDA-AEF9-9C446869148D}" type="pres">
       <dgm:prSet presAssocID="{1952FD3C-EBD0-40E0-A927-E57211C747C9}" presName="compNode" presStyleCnt="0"/>
@@ -7510,6 +8028,13 @@
         </dgm:presLayoutVars>
       </dgm:prSet>
       <dgm:spPr/>
+      <dgm:t>
+        <a:bodyPr/>
+        <a:lstStyle/>
+        <a:p>
+          <a:endParaRPr lang="en-US"/>
+        </a:p>
+      </dgm:t>
     </dgm:pt>
     <dgm:pt modelId="{057699E5-25FB-4021-A253-F4EDD5AEF4E7}" type="pres">
       <dgm:prSet presAssocID="{1952FD3C-EBD0-40E0-A927-E57211C747C9}" presName="parentText" presStyleLbl="node1" presStyleIdx="0" presStyleCnt="0">
@@ -7519,10 +8044,24 @@
         </dgm:presLayoutVars>
       </dgm:prSet>
       <dgm:spPr/>
+      <dgm:t>
+        <a:bodyPr/>
+        <a:lstStyle/>
+        <a:p>
+          <a:endParaRPr lang="en-US"/>
+        </a:p>
+      </dgm:t>
     </dgm:pt>
     <dgm:pt modelId="{AC103858-2B44-42E1-994E-604DB1225965}" type="pres">
       <dgm:prSet presAssocID="{1952FD3C-EBD0-40E0-A927-E57211C747C9}" presName="parentRect" presStyleLbl="alignNode1" presStyleIdx="9" presStyleCnt="10"/>
       <dgm:spPr/>
+      <dgm:t>
+        <a:bodyPr/>
+        <a:lstStyle/>
+        <a:p>
+          <a:endParaRPr lang="en-US"/>
+        </a:p>
+      </dgm:t>
     </dgm:pt>
     <dgm:pt modelId="{4ABB3540-DAAD-467E-8283-9C7852BBC395}" type="pres">
       <dgm:prSet presAssocID="{1952FD3C-EBD0-40E0-A927-E57211C747C9}" presName="adorn" presStyleLbl="fgAccFollowNode1" presStyleIdx="9" presStyleCnt="10"/>
@@ -7530,62 +8069,84 @@
     </dgm:pt>
   </dgm:ptLst>
   <dgm:cxnLst>
+    <dgm:cxn modelId="{8A9B450E-DEB2-46D4-BD7B-4FF59A1700F2}" srcId="{097C38C6-5512-4B94-9673-047C8E927ADF}" destId="{178E4E3C-1507-44BA-BDAA-DB95B3160951}" srcOrd="2" destOrd="0" parTransId="{E359FB85-12C3-423D-9B69-3BD38860A57C}" sibTransId="{70DEA222-7EAA-4E5B-AD3A-17C88791A32B}"/>
+    <dgm:cxn modelId="{5543561C-8DD1-4D36-B437-745BDE7334F6}" type="presOf" srcId="{CF0E1081-A5A0-423E-B311-F4F5DA6C8D35}" destId="{FB986A98-5540-4BAC-ABC3-BF510E30DB8B}" srcOrd="0" destOrd="0" presId="urn:microsoft.com/office/officeart/2005/8/layout/bList2"/>
+    <dgm:cxn modelId="{1B89B033-9288-459D-824D-D54A7DED52D6}" type="presOf" srcId="{5B424229-9BD9-4730-B57C-1C1BF0D7B026}" destId="{A999AC6A-1F69-4AF1-9D2F-37CE7AEAD4B2}" srcOrd="0" destOrd="1" presId="urn:microsoft.com/office/officeart/2005/8/layout/bList2"/>
+    <dgm:cxn modelId="{E7254408-A893-4752-91B2-C9E90F77538B}" srcId="{AC888093-4416-48FF-AE74-D898570BF359}" destId="{E1C73923-9676-459A-93D9-4F878295478D}" srcOrd="0" destOrd="0" parTransId="{DD6392C2-C549-4D5E-8788-CA93168E26B8}" sibTransId="{1B3C4E13-9A98-4B65-8F9C-0959CD12F83B}"/>
+    <dgm:cxn modelId="{7F58CC44-1ACF-459F-B21D-1B6D40FBBBB0}" type="presOf" srcId="{3CFE6C0B-AF1A-425F-B99A-5526FED0FFD8}" destId="{7106B1BE-5DC8-4244-A4CF-5D46693A9569}" srcOrd="0" destOrd="0" presId="urn:microsoft.com/office/officeart/2005/8/layout/bList2"/>
+    <dgm:cxn modelId="{9D990B0D-2AC7-405F-A32D-411B9447D486}" type="presOf" srcId="{8CBCB4E5-74A2-4C48-86B8-49363F1EB6C6}" destId="{D3422584-9CF3-463A-B128-399F89DA7E9D}" srcOrd="0" destOrd="0" presId="urn:microsoft.com/office/officeart/2005/8/layout/bList2"/>
+    <dgm:cxn modelId="{70DEEDF4-34FB-4CCA-8090-DA2EE951A137}" type="presOf" srcId="{DF4BDFFF-41CA-4B31-8AD5-0B2542B6208D}" destId="{DD26E716-2F56-4580-ADBB-C444D367765B}" srcOrd="0" destOrd="0" presId="urn:microsoft.com/office/officeart/2005/8/layout/bList2"/>
+    <dgm:cxn modelId="{03EA8409-1048-4F4B-BC08-361944FCBDB8}" type="presOf" srcId="{6996BAD6-637C-484E-8284-38552B941EDD}" destId="{78720607-78D3-4738-BAC1-313A3881A5ED}" srcOrd="0" destOrd="0" presId="urn:microsoft.com/office/officeart/2005/8/layout/bList2"/>
+    <dgm:cxn modelId="{3EE308CD-8A06-4894-9E62-97F34619BB8F}" srcId="{944F5C5E-15DF-4AF5-B2F5-8901863886B4}" destId="{C9BA539F-FAC1-4773-B73B-8E08B739C4B9}" srcOrd="7" destOrd="0" parTransId="{19CD10BB-A6CE-48EC-8771-706C848DAE05}" sibTransId="{07B19E19-8EA3-4615-A2F5-CFAE07443C3A}"/>
+    <dgm:cxn modelId="{62251155-074C-46AC-A8C2-0DA03E1D4678}" srcId="{C9BA539F-FAC1-4773-B73B-8E08B739C4B9}" destId="{77970FF4-2135-4297-A73A-57F53800574C}" srcOrd="1" destOrd="0" parTransId="{5BC4A808-2BD5-4E3C-AC4D-25FF0A2A68B2}" sibTransId="{9FD10741-0598-40C0-B539-71CEC6364BAD}"/>
+    <dgm:cxn modelId="{51ECA39F-CC0D-408C-86E6-A48FCB01D1F0}" type="presOf" srcId="{944F5C5E-15DF-4AF5-B2F5-8901863886B4}" destId="{037FC8AB-3228-430C-8BD5-49F00BCE1B18}" srcOrd="0" destOrd="0" presId="urn:microsoft.com/office/officeart/2005/8/layout/bList2"/>
     <dgm:cxn modelId="{106A0DE0-5689-48AD-9E41-5249EC794615}" type="presOf" srcId="{4A9F798E-FA47-4AEE-8943-C87D6C8659ED}" destId="{72EFF0F2-E9BD-4176-93DA-7A69664A6B9B}" srcOrd="0" destOrd="0" presId="urn:microsoft.com/office/officeart/2005/8/layout/bList2"/>
-    <dgm:cxn modelId="{9FC60AA2-0FC7-4D28-BF85-5457E5F2D783}" type="presOf" srcId="{FB8789B6-0444-4603-AEAB-2D02ACFCD7CA}" destId="{ADDA6BFD-484D-4C59-866B-F1D25AF904F7}" srcOrd="1" destOrd="0" presId="urn:microsoft.com/office/officeart/2005/8/layout/bList2"/>
-    <dgm:cxn modelId="{104BF20F-35BB-4124-A269-8544775EF153}" type="presOf" srcId="{AC888093-4416-48FF-AE74-D898570BF359}" destId="{1D756465-5B86-4E74-BE6A-16850F6E9514}" srcOrd="1" destOrd="0" presId="urn:microsoft.com/office/officeart/2005/8/layout/bList2"/>
-    <dgm:cxn modelId="{C40EEF6B-A613-49D1-B264-AF88BF6EDA21}" srcId="{6996BAD6-637C-484E-8284-38552B941EDD}" destId="{36E0EA69-C9CE-43B3-8009-D9F595539014}" srcOrd="1" destOrd="0" parTransId="{460B4579-B870-4E43-BBEB-3E16DC00168F}" sibTransId="{DE21B01C-C42E-4043-89A2-0D7ECE89D496}"/>
-    <dgm:cxn modelId="{3A5E5D08-2AF5-4296-A308-B98F1D485896}" type="presOf" srcId="{8B9DBA0C-297F-4153-AB4E-F6C5133570E7}" destId="{320C1E14-01F0-4DEE-B3E2-1D7C2B034099}" srcOrd="1" destOrd="0" presId="urn:microsoft.com/office/officeart/2005/8/layout/bList2"/>
-    <dgm:cxn modelId="{51ECA39F-CC0D-408C-86E6-A48FCB01D1F0}" type="presOf" srcId="{944F5C5E-15DF-4AF5-B2F5-8901863886B4}" destId="{037FC8AB-3228-430C-8BD5-49F00BCE1B18}" srcOrd="0" destOrd="0" presId="urn:microsoft.com/office/officeart/2005/8/layout/bList2"/>
-    <dgm:cxn modelId="{AD0487D6-419F-409E-96BF-E58DA9562851}" type="presOf" srcId="{0BD4D64B-A6F5-4C13-A925-B438DEEDDD45}" destId="{333CF238-3B17-4D44-845C-78B4FF70C6AE}" srcOrd="1" destOrd="0" presId="urn:microsoft.com/office/officeart/2005/8/layout/bList2"/>
+    <dgm:cxn modelId="{810CC725-A909-4571-9AF5-5989AA38303F}" srcId="{944F5C5E-15DF-4AF5-B2F5-8901863886B4}" destId="{8B9DBA0C-297F-4153-AB4E-F6C5133570E7}" srcOrd="2" destOrd="0" parTransId="{DC57AF16-6615-4C3B-A7DC-E27F63F83213}" sibTransId="{DF4BDFFF-41CA-4B31-8AD5-0B2542B6208D}"/>
+    <dgm:cxn modelId="{2EFA709A-F64A-4267-BF2A-C663A7A6DB76}" type="presOf" srcId="{484485F4-327F-4683-AE30-C6A3C816C884}" destId="{3447EB20-3484-4B16-AB09-CD30073B76C2}" srcOrd="0" destOrd="0" presId="urn:microsoft.com/office/officeart/2005/8/layout/bList2"/>
+    <dgm:cxn modelId="{E291CE6E-D2C6-4DC6-9CA3-483BD53252DE}" type="presOf" srcId="{C4A5245C-A223-4734-9144-CCD8AC562FA1}" destId="{35D45351-E668-4707-A3D3-51FB4FB4AF95}" srcOrd="0" destOrd="0" presId="urn:microsoft.com/office/officeart/2005/8/layout/bList2"/>
+    <dgm:cxn modelId="{85C49C1B-8C45-4987-A0BC-5CE2D7E1C71D}" srcId="{A0519A28-DD5B-4345-9DB3-DEA6309762CE}" destId="{60B14F4F-6714-495B-8DA5-2D9875AF5E16}" srcOrd="1" destOrd="0" parTransId="{86E531CB-19D9-4067-BE04-6072725DB957}" sibTransId="{54B2CC93-8D63-48C0-AD90-6A2E4738E94E}"/>
+    <dgm:cxn modelId="{4E2134B0-D29B-46BD-9E2C-5CCDBF00A09B}" type="presOf" srcId="{A0519A28-DD5B-4345-9DB3-DEA6309762CE}" destId="{19B860F0-6FCD-480C-A460-A6B50608D078}" srcOrd="0" destOrd="0" presId="urn:microsoft.com/office/officeart/2005/8/layout/bList2"/>
+    <dgm:cxn modelId="{4722F85D-3935-44EE-8819-B7D3F510295D}" type="presOf" srcId="{C9C6F18B-53EF-4BC7-A519-C08556112F28}" destId="{FB986A98-5540-4BAC-ABC3-BF510E30DB8B}" srcOrd="0" destOrd="1" presId="urn:microsoft.com/office/officeart/2005/8/layout/bList2"/>
+    <dgm:cxn modelId="{63EB5B1E-9062-4187-BB5F-C0497FA67124}" type="presOf" srcId="{9D758E8D-5E9C-4A53-A5F6-B645809F728B}" destId="{9B8D5D73-4F0B-4727-B2A6-9ADD2963B38E}" srcOrd="0" destOrd="0" presId="urn:microsoft.com/office/officeart/2005/8/layout/bList2"/>
+    <dgm:cxn modelId="{EB7191AD-B9E0-4BA4-9BDD-8DBE39A53736}" srcId="{944F5C5E-15DF-4AF5-B2F5-8901863886B4}" destId="{9D758E8D-5E9C-4A53-A5F6-B645809F728B}" srcOrd="4" destOrd="0" parTransId="{A869442D-185A-465F-BFD3-E6F465A72290}" sibTransId="{4B45AE6D-4646-4FED-AE24-E646BAEF29F7}"/>
+    <dgm:cxn modelId="{0F3B5C66-E404-4BE0-AB2A-ED42C5725E1F}" type="presOf" srcId="{A306397A-FD8A-4A92-9B05-B5BD5E5D21BA}" destId="{C174BB0B-CC4F-4673-A7E4-45B9416E2CBE}" srcOrd="0" destOrd="0" presId="urn:microsoft.com/office/officeart/2005/8/layout/bList2"/>
+    <dgm:cxn modelId="{9FCC7DEA-D57E-440A-9197-D1679679F86A}" type="presOf" srcId="{6996BAD6-637C-484E-8284-38552B941EDD}" destId="{D1AA0F5F-12AD-4C3A-8147-6725D9524E49}" srcOrd="1" destOrd="0" presId="urn:microsoft.com/office/officeart/2005/8/layout/bList2"/>
+    <dgm:cxn modelId="{AD6BDFB9-99E7-4F38-ADCC-6404A420C9D8}" type="presOf" srcId="{9D758E8D-5E9C-4A53-A5F6-B645809F728B}" destId="{64C58537-A40B-4953-A8D7-BF3769C7CD9D}" srcOrd="1" destOrd="0" presId="urn:microsoft.com/office/officeart/2005/8/layout/bList2"/>
+    <dgm:cxn modelId="{5AEFFE35-11CC-4AF1-9B39-92681D375726}" type="presOf" srcId="{178E4E3C-1507-44BA-BDAA-DB95B3160951}" destId="{C174BB0B-CC4F-4673-A7E4-45B9416E2CBE}" srcOrd="0" destOrd="2" presId="urn:microsoft.com/office/officeart/2005/8/layout/bList2"/>
+    <dgm:cxn modelId="{522272EA-1905-4C14-B926-9251D20E72A4}" srcId="{1952FD3C-EBD0-40E0-A927-E57211C747C9}" destId="{D311CF7F-F17F-4FBA-AA0E-12048A0E5690}" srcOrd="1" destOrd="0" parTransId="{C2558B89-4095-4739-9790-754C36A06C91}" sibTransId="{B5D90C1B-7167-4CF2-9804-F7B6B26855FD}"/>
+    <dgm:cxn modelId="{6E3D90D5-0B1D-4D73-948D-43D713C93A22}" type="presOf" srcId="{4B45AE6D-4646-4FED-AE24-E646BAEF29F7}" destId="{6C0FC4BC-C733-495E-BF23-3A0FB53B51F2}" srcOrd="0" destOrd="0" presId="urn:microsoft.com/office/officeart/2005/8/layout/bList2"/>
     <dgm:cxn modelId="{AAB25E1F-56A3-4AF7-A187-9DFADD734128}" srcId="{944F5C5E-15DF-4AF5-B2F5-8901863886B4}" destId="{0BD4D64B-A6F5-4C13-A925-B438DEEDDD45}" srcOrd="1" destOrd="0" parTransId="{1EF3F798-27D0-4E66-A609-BD2AAF1B290E}" sibTransId="{8CBCB4E5-74A2-4C48-86B8-49363F1EB6C6}"/>
-    <dgm:cxn modelId="{9FCC7DEA-D57E-440A-9197-D1679679F86A}" type="presOf" srcId="{6996BAD6-637C-484E-8284-38552B941EDD}" destId="{D1AA0F5F-12AD-4C3A-8147-6725D9524E49}" srcOrd="1" destOrd="0" presId="urn:microsoft.com/office/officeart/2005/8/layout/bList2"/>
-    <dgm:cxn modelId="{F72D56F7-DF28-4891-96E9-0385CDFAF63C}" srcId="{944F5C5E-15DF-4AF5-B2F5-8901863886B4}" destId="{1952FD3C-EBD0-40E0-A927-E57211C747C9}" srcOrd="9" destOrd="0" parTransId="{BDD55622-85AC-4A56-98E3-06716F7D853D}" sibTransId="{8C4AFDB7-9E31-4277-AC0A-1D53E241F11A}"/>
-    <dgm:cxn modelId="{00E4E542-9AF0-4E39-9CA8-ED8B67E4568D}" type="presOf" srcId="{07B19E19-8EA3-4615-A2F5-CFAE07443C3A}" destId="{64F777EE-70B9-40FF-83EE-932E5587D93B}" srcOrd="0" destOrd="0" presId="urn:microsoft.com/office/officeart/2005/8/layout/bList2"/>
-    <dgm:cxn modelId="{6E3D90D5-0B1D-4D73-948D-43D713C93A22}" type="presOf" srcId="{4B45AE6D-4646-4FED-AE24-E646BAEF29F7}" destId="{6C0FC4BC-C733-495E-BF23-3A0FB53B51F2}" srcOrd="0" destOrd="0" presId="urn:microsoft.com/office/officeart/2005/8/layout/bList2"/>
-    <dgm:cxn modelId="{5543561C-8DD1-4D36-B437-745BDE7334F6}" type="presOf" srcId="{CF0E1081-A5A0-423E-B311-F4F5DA6C8D35}" destId="{FB986A98-5540-4BAC-ABC3-BF510E30DB8B}" srcOrd="0" destOrd="0" presId="urn:microsoft.com/office/officeart/2005/8/layout/bList2"/>
-    <dgm:cxn modelId="{7C199C34-C16C-4948-B4AD-F1759647BCE4}" type="presOf" srcId="{097C38C6-5512-4B94-9673-047C8E927ADF}" destId="{15E7639D-8B23-42A6-BD8A-CE7BA1AC75B9}" srcOrd="0" destOrd="0" presId="urn:microsoft.com/office/officeart/2005/8/layout/bList2"/>
-    <dgm:cxn modelId="{E291CE6E-D2C6-4DC6-9CA3-483BD53252DE}" type="presOf" srcId="{C4A5245C-A223-4734-9144-CCD8AC562FA1}" destId="{35D45351-E668-4707-A3D3-51FB4FB4AF95}" srcOrd="0" destOrd="0" presId="urn:microsoft.com/office/officeart/2005/8/layout/bList2"/>
-    <dgm:cxn modelId="{440E512F-F864-4DC3-BC00-854307966324}" type="presOf" srcId="{A0519A28-DD5B-4345-9DB3-DEA6309762CE}" destId="{318AACCD-F906-45D1-AD28-0DB3AC3F4751}" srcOrd="1" destOrd="0" presId="urn:microsoft.com/office/officeart/2005/8/layout/bList2"/>
-    <dgm:cxn modelId="{D4EC6013-B0D4-4ED4-9CEA-4548205ED7A1}" srcId="{944F5C5E-15DF-4AF5-B2F5-8901863886B4}" destId="{097C38C6-5512-4B94-9673-047C8E927ADF}" srcOrd="5" destOrd="0" parTransId="{2567CA3C-4AE8-4655-9CB4-4564A304ED90}" sibTransId="{3CFE6C0B-AF1A-425F-B99A-5526FED0FFD8}"/>
-    <dgm:cxn modelId="{69BB4675-7636-4FFE-85BB-E1487A571B57}" srcId="{944F5C5E-15DF-4AF5-B2F5-8901863886B4}" destId="{AC888093-4416-48FF-AE74-D898570BF359}" srcOrd="8" destOrd="0" parTransId="{F8D252F9-239C-4C97-BB7B-FDE295BDBD2B}" sibTransId="{17EACF50-53A6-43AE-93C4-0A6130CF57D0}"/>
     <dgm:cxn modelId="{7CFE7B01-C2D0-448C-ABBF-8007E56BA072}" srcId="{944F5C5E-15DF-4AF5-B2F5-8901863886B4}" destId="{6996BAD6-637C-484E-8284-38552B941EDD}" srcOrd="0" destOrd="0" parTransId="{C2B040E5-8F9C-4953-A5E5-F2CF677858C9}" sibTransId="{0CFA2CC3-C4D1-4B98-8595-05BC8889CA4C}"/>
     <dgm:cxn modelId="{5A034DF3-0BE1-4945-9493-32754418328A}" type="presOf" srcId="{1F261EE2-231E-44E2-AE25-A71B7EB8CBF0}" destId="{B4062244-E435-4A83-BF14-C633A35AA45F}" srcOrd="0" destOrd="0" presId="urn:microsoft.com/office/officeart/2005/8/layout/bList2"/>
+    <dgm:cxn modelId="{7574C5A9-FFE8-4D95-936F-B9381107A931}" type="presOf" srcId="{A996C5A9-4947-4D29-B699-B26785264ED5}" destId="{C174BB0B-CC4F-4673-A7E4-45B9416E2CBE}" srcOrd="0" destOrd="1" presId="urn:microsoft.com/office/officeart/2005/8/layout/bList2"/>
+    <dgm:cxn modelId="{74D1D777-5BDF-4F0B-BC1B-5ED6F9A91847}" srcId="{AC888093-4416-48FF-AE74-D898570BF359}" destId="{804B3186-2F6C-432D-9628-4C5A774D7E51}" srcOrd="2" destOrd="0" parTransId="{0906AAD6-C936-4A39-97F8-CA1E3AD80F34}" sibTransId="{5FD21FA2-E740-4B5D-8406-4D606A86E3D5}"/>
+    <dgm:cxn modelId="{440E512F-F864-4DC3-BC00-854307966324}" type="presOf" srcId="{A0519A28-DD5B-4345-9DB3-DEA6309762CE}" destId="{318AACCD-F906-45D1-AD28-0DB3AC3F4751}" srcOrd="1" destOrd="0" presId="urn:microsoft.com/office/officeart/2005/8/layout/bList2"/>
+    <dgm:cxn modelId="{C003C8C1-5045-469E-976F-A3419C066802}" type="presOf" srcId="{60B14F4F-6714-495B-8DA5-2D9875AF5E16}" destId="{72EFF0F2-E9BD-4176-93DA-7A69664A6B9B}" srcOrd="0" destOrd="1" presId="urn:microsoft.com/office/officeart/2005/8/layout/bList2"/>
+    <dgm:cxn modelId="{E96947F4-5470-47CF-AAE5-D83C52B72B7D}" type="presOf" srcId="{DE532163-8338-4F50-BD90-692325F14BD7}" destId="{72EFF0F2-E9BD-4176-93DA-7A69664A6B9B}" srcOrd="0" destOrd="2" presId="urn:microsoft.com/office/officeart/2005/8/layout/bList2"/>
+    <dgm:cxn modelId="{50DDA2F0-3A97-473A-8844-E145E302FE93}" type="presOf" srcId="{097C38C6-5512-4B94-9673-047C8E927ADF}" destId="{6A797303-0B30-43AA-814B-4026A142F97D}" srcOrd="1" destOrd="0" presId="urn:microsoft.com/office/officeart/2005/8/layout/bList2"/>
+    <dgm:cxn modelId="{BA056E1F-7B09-4C26-AA09-18C3FA53C454}" type="presOf" srcId="{8B9DBA0C-297F-4153-AB4E-F6C5133570E7}" destId="{2CE9B22A-8D1D-4782-BFE6-4DDE3AEB11BF}" srcOrd="0" destOrd="0" presId="urn:microsoft.com/office/officeart/2005/8/layout/bList2"/>
+    <dgm:cxn modelId="{2D9FDED5-3497-473E-9B64-B2CBE05F3153}" type="presOf" srcId="{AC888093-4416-48FF-AE74-D898570BF359}" destId="{DC61F918-0D66-43D4-A810-548E7FB8E7A1}" srcOrd="0" destOrd="0" presId="urn:microsoft.com/office/officeart/2005/8/layout/bList2"/>
+    <dgm:cxn modelId="{CFCCD8FF-2A75-4000-9324-5F10F8A8437A}" type="presOf" srcId="{C9BA539F-FAC1-4773-B73B-8E08B739C4B9}" destId="{D5049AFC-9707-4DBC-8BDD-A2A26376592A}" srcOrd="0" destOrd="0" presId="urn:microsoft.com/office/officeart/2005/8/layout/bList2"/>
+    <dgm:cxn modelId="{053B67A9-FF36-4DDE-A6D5-D0E6E3751B31}" srcId="{6996BAD6-637C-484E-8284-38552B941EDD}" destId="{C4A5245C-A223-4734-9144-CCD8AC562FA1}" srcOrd="0" destOrd="0" parTransId="{83666F0D-ADB9-49F0-9EBF-D94FE51569A4}" sibTransId="{B06C21CF-BA5D-48B4-B74F-054256102C71}"/>
+    <dgm:cxn modelId="{0382DB31-A159-4D6A-BEEC-38B9E7057928}" type="presOf" srcId="{77970FF4-2135-4297-A73A-57F53800574C}" destId="{B75CCBEA-A2DA-45C2-80CD-FF8A1FE60543}" srcOrd="0" destOrd="1" presId="urn:microsoft.com/office/officeart/2005/8/layout/bList2"/>
+    <dgm:cxn modelId="{A73CAD19-3968-424C-84DD-6BC5127F2786}" srcId="{AC888093-4416-48FF-AE74-D898570BF359}" destId="{5B424229-9BD9-4730-B57C-1C1BF0D7B026}" srcOrd="1" destOrd="0" parTransId="{287B9A01-FEEB-44A0-A753-DFDEBA0016E9}" sibTransId="{86F05E20-D099-4F51-A69E-F659B82AEAF3}"/>
+    <dgm:cxn modelId="{F72D56F7-DF28-4891-96E9-0385CDFAF63C}" srcId="{944F5C5E-15DF-4AF5-B2F5-8901863886B4}" destId="{1952FD3C-EBD0-40E0-A927-E57211C747C9}" srcOrd="9" destOrd="0" parTransId="{BDD55622-85AC-4A56-98E3-06716F7D853D}" sibTransId="{8C4AFDB7-9E31-4277-AC0A-1D53E241F11A}"/>
+    <dgm:cxn modelId="{867FBF68-5063-4EE0-9B9B-7828037A5532}" type="presOf" srcId="{D311CF7F-F17F-4FBA-AA0E-12048A0E5690}" destId="{D853D8C2-E0C8-4F90-91EA-786545408879}" srcOrd="0" destOrd="1" presId="urn:microsoft.com/office/officeart/2005/8/layout/bList2"/>
+    <dgm:cxn modelId="{1B4D14A2-04E3-44E5-B765-C46E3F3857B6}" srcId="{8B9DBA0C-297F-4153-AB4E-F6C5133570E7}" destId="{1F261EE2-231E-44E2-AE25-A71B7EB8CBF0}" srcOrd="0" destOrd="0" parTransId="{48B6A5DE-6C71-42E9-A06F-1DB4590F4E63}" sibTransId="{B01C89DE-3A6A-420A-A182-05A1B5228620}"/>
+    <dgm:cxn modelId="{0830E8DD-AC5C-4889-A408-03A95CAF07C9}" srcId="{C9BA539F-FAC1-4773-B73B-8E08B739C4B9}" destId="{256B49A3-F9DB-4F2C-BFC9-15F8CCEDA242}" srcOrd="0" destOrd="0" parTransId="{A68638D8-361A-43F4-835E-0697E2DFFAED}" sibTransId="{B3C76673-5F1B-4DC0-807E-0CDBBE4D093B}"/>
+    <dgm:cxn modelId="{9AADBE94-63B0-4303-84D8-228CCF759343}" type="presOf" srcId="{0CFA2CC3-C4D1-4B98-8595-05BC8889CA4C}" destId="{FEFC49F0-1002-41CC-8541-7CD757666D35}" srcOrd="0" destOrd="0" presId="urn:microsoft.com/office/officeart/2005/8/layout/bList2"/>
+    <dgm:cxn modelId="{5D290812-1BF7-4DBF-976F-7565E20040BF}" type="presOf" srcId="{256B49A3-F9DB-4F2C-BFC9-15F8CCEDA242}" destId="{B75CCBEA-A2DA-45C2-80CD-FF8A1FE60543}" srcOrd="0" destOrd="0" presId="urn:microsoft.com/office/officeart/2005/8/layout/bList2"/>
+    <dgm:cxn modelId="{F600E6E9-C960-4F40-B41D-5B3397427BC2}" type="presOf" srcId="{B1096D3B-0A8E-41E8-B965-A90D6E3D5D8D}" destId="{B4062244-E435-4A83-BF14-C633A35AA45F}" srcOrd="0" destOrd="1" presId="urn:microsoft.com/office/officeart/2005/8/layout/bList2"/>
+    <dgm:cxn modelId="{7C199C34-C16C-4948-B4AD-F1759647BCE4}" type="presOf" srcId="{097C38C6-5512-4B94-9673-047C8E927ADF}" destId="{15E7639D-8B23-42A6-BD8A-CE7BA1AC75B9}" srcOrd="0" destOrd="0" presId="urn:microsoft.com/office/officeart/2005/8/layout/bList2"/>
+    <dgm:cxn modelId="{104BF20F-35BB-4124-A269-8544775EF153}" type="presOf" srcId="{AC888093-4416-48FF-AE74-D898570BF359}" destId="{1D756465-5B86-4E74-BE6A-16850F6E9514}" srcOrd="1" destOrd="0" presId="urn:microsoft.com/office/officeart/2005/8/layout/bList2"/>
+    <dgm:cxn modelId="{3A5E5D08-2AF5-4296-A308-B98F1D485896}" type="presOf" srcId="{8B9DBA0C-297F-4153-AB4E-F6C5133570E7}" destId="{320C1E14-01F0-4DEE-B3E2-1D7C2B034099}" srcOrd="1" destOrd="0" presId="urn:microsoft.com/office/officeart/2005/8/layout/bList2"/>
+    <dgm:cxn modelId="{7D6AE2BB-1FB9-4FEB-BAA7-1FE70407DE9F}" srcId="{1952FD3C-EBD0-40E0-A927-E57211C747C9}" destId="{2D9CDFDE-BB88-4DF0-AACA-0D5E3E25BE02}" srcOrd="0" destOrd="0" parTransId="{F1097E6B-7F72-453A-9E9F-8F1992E2441F}" sibTransId="{699E83C1-184C-4315-9D49-71332BB59620}"/>
+    <dgm:cxn modelId="{721EC606-C2E1-4C3D-A611-A32C9D5D0FF3}" type="presOf" srcId="{1952FD3C-EBD0-40E0-A927-E57211C747C9}" destId="{057699E5-25FB-4021-A253-F4EDD5AEF4E7}" srcOrd="0" destOrd="0" presId="urn:microsoft.com/office/officeart/2005/8/layout/bList2"/>
+    <dgm:cxn modelId="{A0F01A86-AD30-435B-94ED-62A7ED7A5B0A}" type="presOf" srcId="{FB8789B6-0444-4603-AEAB-2D02ACFCD7CA}" destId="{DB31427A-01BC-4D02-9C7C-B5D6FD6F21E9}" srcOrd="0" destOrd="0" presId="urn:microsoft.com/office/officeart/2005/8/layout/bList2"/>
+    <dgm:cxn modelId="{C40EEF6B-A613-49D1-B264-AF88BF6EDA21}" srcId="{6996BAD6-637C-484E-8284-38552B941EDD}" destId="{36E0EA69-C9CE-43B3-8009-D9F595539014}" srcOrd="1" destOrd="0" parTransId="{460B4579-B870-4E43-BBEB-3E16DC00168F}" sibTransId="{DE21B01C-C42E-4043-89A2-0D7ECE89D496}"/>
+    <dgm:cxn modelId="{00E4E542-9AF0-4E39-9CA8-ED8B67E4568D}" type="presOf" srcId="{07B19E19-8EA3-4615-A2F5-CFAE07443C3A}" destId="{64F777EE-70B9-40FF-83EE-932E5587D93B}" srcOrd="0" destOrd="0" presId="urn:microsoft.com/office/officeart/2005/8/layout/bList2"/>
+    <dgm:cxn modelId="{5ABE7987-B56C-45CD-AE7A-F10B806CE247}" srcId="{A0519A28-DD5B-4345-9DB3-DEA6309762CE}" destId="{DE532163-8338-4F50-BD90-692325F14BD7}" srcOrd="2" destOrd="0" parTransId="{51576583-7FFF-4F35-9D3D-1409979E0074}" sibTransId="{21923EEF-DE32-4541-8FF2-DCF074832E19}"/>
+    <dgm:cxn modelId="{89679101-F2BE-4F0B-BAE5-9F39DEF13A9B}" type="presOf" srcId="{E1C73923-9676-459A-93D9-4F878295478D}" destId="{A999AC6A-1F69-4AF1-9D2F-37CE7AEAD4B2}" srcOrd="0" destOrd="0" presId="urn:microsoft.com/office/officeart/2005/8/layout/bList2"/>
+    <dgm:cxn modelId="{E40506D5-B49D-4CCE-84ED-CFC990788BBF}" type="presOf" srcId="{0BD4D64B-A6F5-4C13-A925-B438DEEDDD45}" destId="{40F12FF5-D1BB-4199-B455-7241D6FC8ECC}" srcOrd="0" destOrd="0" presId="urn:microsoft.com/office/officeart/2005/8/layout/bList2"/>
+    <dgm:cxn modelId="{CF97DB5B-65E1-4991-9ED9-7B8E44AD232C}" srcId="{097C38C6-5512-4B94-9673-047C8E927ADF}" destId="{A306397A-FD8A-4A92-9B05-B5BD5E5D21BA}" srcOrd="0" destOrd="0" parTransId="{D43180A0-C41F-4FC4-9C0F-6E5B1BAFBD59}" sibTransId="{140F001B-BEE5-4717-BBAE-20F870899868}"/>
+    <dgm:cxn modelId="{9FC60AA2-0FC7-4D28-BF85-5457E5F2D783}" type="presOf" srcId="{FB8789B6-0444-4603-AEAB-2D02ACFCD7CA}" destId="{ADDA6BFD-484D-4C59-866B-F1D25AF904F7}" srcOrd="1" destOrd="0" presId="urn:microsoft.com/office/officeart/2005/8/layout/bList2"/>
+    <dgm:cxn modelId="{6A0C563C-C47F-49D9-9614-9B3B9124EE56}" type="presOf" srcId="{17EACF50-53A6-43AE-93C4-0A6130CF57D0}" destId="{01ED4087-3B8E-47FE-B66D-F67EE6B65FD5}" srcOrd="0" destOrd="0" presId="urn:microsoft.com/office/officeart/2005/8/layout/bList2"/>
+    <dgm:cxn modelId="{0DB858A3-180A-44DC-BDCB-25F03ABAF9C4}" srcId="{0BD4D64B-A6F5-4C13-A925-B438DEEDDD45}" destId="{CF0E1081-A5A0-423E-B311-F4F5DA6C8D35}" srcOrd="0" destOrd="0" parTransId="{8D136886-24CD-4887-BC2A-5FDCBB436461}" sibTransId="{F63A997B-6C93-45F3-8181-7E5E0C72CEE3}"/>
+    <dgm:cxn modelId="{215E258C-8BF3-4386-8B4D-42D9733CBA80}" srcId="{944F5C5E-15DF-4AF5-B2F5-8901863886B4}" destId="{A0519A28-DD5B-4345-9DB3-DEA6309762CE}" srcOrd="3" destOrd="0" parTransId="{3450BB66-44AF-47FB-B20C-3B96084A5E23}" sibTransId="{484485F4-327F-4683-AE30-C6A3C816C884}"/>
+    <dgm:cxn modelId="{19E50D93-C1A3-44F0-BEFF-07D722B204E6}" type="presOf" srcId="{36E0EA69-C9CE-43B3-8009-D9F595539014}" destId="{35D45351-E668-4707-A3D3-51FB4FB4AF95}" srcOrd="0" destOrd="1" presId="urn:microsoft.com/office/officeart/2005/8/layout/bList2"/>
+    <dgm:cxn modelId="{61085C7F-75EE-4A89-A9E7-AF8E5D273B2F}" srcId="{944F5C5E-15DF-4AF5-B2F5-8901863886B4}" destId="{FB8789B6-0444-4603-AEAB-2D02ACFCD7CA}" srcOrd="6" destOrd="0" parTransId="{32F1259E-07FE-4572-859E-A8D5A78BBFA2}" sibTransId="{F31A48A7-8D14-42B8-97EE-B5FAA0065B92}"/>
+    <dgm:cxn modelId="{D4EC6013-B0D4-4ED4-9CEA-4548205ED7A1}" srcId="{944F5C5E-15DF-4AF5-B2F5-8901863886B4}" destId="{097C38C6-5512-4B94-9673-047C8E927ADF}" srcOrd="5" destOrd="0" parTransId="{2567CA3C-4AE8-4655-9CB4-4564A304ED90}" sibTransId="{3CFE6C0B-AF1A-425F-B99A-5526FED0FFD8}"/>
     <dgm:cxn modelId="{851C9C06-92B8-4B50-867C-2BE03D093094}" type="presOf" srcId="{1952FD3C-EBD0-40E0-A927-E57211C747C9}" destId="{AC103858-2B44-42E1-994E-604DB1225965}" srcOrd="1" destOrd="0" presId="urn:microsoft.com/office/officeart/2005/8/layout/bList2"/>
-    <dgm:cxn modelId="{CF35C62C-69DE-4187-BC75-D8D9FB692631}" type="presOf" srcId="{3484BC91-9518-4342-A082-E2EF20E498CD}" destId="{B4062244-E435-4A83-BF14-C633A35AA45F}" srcOrd="0" destOrd="1" presId="urn:microsoft.com/office/officeart/2005/8/layout/bList2"/>
-    <dgm:cxn modelId="{6A0C563C-C47F-49D9-9614-9B3B9124EE56}" type="presOf" srcId="{17EACF50-53A6-43AE-93C4-0A6130CF57D0}" destId="{01ED4087-3B8E-47FE-B66D-F67EE6B65FD5}" srcOrd="0" destOrd="0" presId="urn:microsoft.com/office/officeart/2005/8/layout/bList2"/>
-    <dgm:cxn modelId="{A0F01A86-AD30-435B-94ED-62A7ED7A5B0A}" type="presOf" srcId="{FB8789B6-0444-4603-AEAB-2D02ACFCD7CA}" destId="{DB31427A-01BC-4D02-9C7C-B5D6FD6F21E9}" srcOrd="0" destOrd="0" presId="urn:microsoft.com/office/officeart/2005/8/layout/bList2"/>
-    <dgm:cxn modelId="{C003C8C1-5045-469E-976F-A3419C066802}" type="presOf" srcId="{60B14F4F-6714-495B-8DA5-2D9875AF5E16}" destId="{72EFF0F2-E9BD-4176-93DA-7A69664A6B9B}" srcOrd="0" destOrd="1" presId="urn:microsoft.com/office/officeart/2005/8/layout/bList2"/>
-    <dgm:cxn modelId="{CFCCD8FF-2A75-4000-9324-5F10F8A8437A}" type="presOf" srcId="{C9BA539F-FAC1-4773-B73B-8E08B739C4B9}" destId="{D5049AFC-9707-4DBC-8BDD-A2A26376592A}" srcOrd="0" destOrd="0" presId="urn:microsoft.com/office/officeart/2005/8/layout/bList2"/>
-    <dgm:cxn modelId="{E40506D5-B49D-4CCE-84ED-CFC990788BBF}" type="presOf" srcId="{0BD4D64B-A6F5-4C13-A925-B438DEEDDD45}" destId="{40F12FF5-D1BB-4199-B455-7241D6FC8ECC}" srcOrd="0" destOrd="0" presId="urn:microsoft.com/office/officeart/2005/8/layout/bList2"/>
-    <dgm:cxn modelId="{2EFA709A-F64A-4267-BF2A-C663A7A6DB76}" type="presOf" srcId="{484485F4-327F-4683-AE30-C6A3C816C884}" destId="{3447EB20-3484-4B16-AB09-CD30073B76C2}" srcOrd="0" destOrd="0" presId="urn:microsoft.com/office/officeart/2005/8/layout/bList2"/>
-    <dgm:cxn modelId="{9AADBE94-63B0-4303-84D8-228CCF759343}" type="presOf" srcId="{0CFA2CC3-C4D1-4B98-8595-05BC8889CA4C}" destId="{FEFC49F0-1002-41CC-8541-7CD757666D35}" srcOrd="0" destOrd="0" presId="urn:microsoft.com/office/officeart/2005/8/layout/bList2"/>
-    <dgm:cxn modelId="{85C49C1B-8C45-4987-A0BC-5CE2D7E1C71D}" srcId="{A0519A28-DD5B-4345-9DB3-DEA6309762CE}" destId="{60B14F4F-6714-495B-8DA5-2D9875AF5E16}" srcOrd="1" destOrd="0" parTransId="{86E531CB-19D9-4067-BE04-6072725DB957}" sibTransId="{54B2CC93-8D63-48C0-AD90-6A2E4738E94E}"/>
-    <dgm:cxn modelId="{053B67A9-FF36-4DDE-A6D5-D0E6E3751B31}" srcId="{6996BAD6-637C-484E-8284-38552B941EDD}" destId="{C4A5245C-A223-4734-9144-CCD8AC562FA1}" srcOrd="0" destOrd="0" parTransId="{83666F0D-ADB9-49F0-9EBF-D94FE51569A4}" sibTransId="{B06C21CF-BA5D-48B4-B74F-054256102C71}"/>
-    <dgm:cxn modelId="{63EB5B1E-9062-4187-BB5F-C0497FA67124}" type="presOf" srcId="{9D758E8D-5E9C-4A53-A5F6-B645809F728B}" destId="{9B8D5D73-4F0B-4727-B2A6-9ADD2963B38E}" srcOrd="0" destOrd="0" presId="urn:microsoft.com/office/officeart/2005/8/layout/bList2"/>
-    <dgm:cxn modelId="{03EA8409-1048-4F4B-BC08-361944FCBDB8}" type="presOf" srcId="{6996BAD6-637C-484E-8284-38552B941EDD}" destId="{78720607-78D3-4738-BAC1-313A3881A5ED}" srcOrd="0" destOrd="0" presId="urn:microsoft.com/office/officeart/2005/8/layout/bList2"/>
-    <dgm:cxn modelId="{9D990B0D-2AC7-405F-A32D-411B9447D486}" type="presOf" srcId="{8CBCB4E5-74A2-4C48-86B8-49363F1EB6C6}" destId="{D3422584-9CF3-463A-B128-399F89DA7E9D}" srcOrd="0" destOrd="0" presId="urn:microsoft.com/office/officeart/2005/8/layout/bList2"/>
-    <dgm:cxn modelId="{AD6BDFB9-99E7-4F38-ADCC-6404A420C9D8}" type="presOf" srcId="{9D758E8D-5E9C-4A53-A5F6-B645809F728B}" destId="{64C58537-A40B-4953-A8D7-BF3769C7CD9D}" srcOrd="1" destOrd="0" presId="urn:microsoft.com/office/officeart/2005/8/layout/bList2"/>
-    <dgm:cxn modelId="{50DDA2F0-3A97-473A-8844-E145E302FE93}" type="presOf" srcId="{097C38C6-5512-4B94-9673-047C8E927ADF}" destId="{6A797303-0B30-43AA-814B-4026A142F97D}" srcOrd="1" destOrd="0" presId="urn:microsoft.com/office/officeart/2005/8/layout/bList2"/>
-    <dgm:cxn modelId="{4722F85D-3935-44EE-8819-B7D3F510295D}" type="presOf" srcId="{C9C6F18B-53EF-4BC7-A519-C08556112F28}" destId="{FB986A98-5540-4BAC-ABC3-BF510E30DB8B}" srcOrd="0" destOrd="1" presId="urn:microsoft.com/office/officeart/2005/8/layout/bList2"/>
-    <dgm:cxn modelId="{19E50D93-C1A3-44F0-BEFF-07D722B204E6}" type="presOf" srcId="{36E0EA69-C9CE-43B3-8009-D9F595539014}" destId="{35D45351-E668-4707-A3D3-51FB4FB4AF95}" srcOrd="0" destOrd="1" presId="urn:microsoft.com/office/officeart/2005/8/layout/bList2"/>
-    <dgm:cxn modelId="{0DB858A3-180A-44DC-BDCB-25F03ABAF9C4}" srcId="{0BD4D64B-A6F5-4C13-A925-B438DEEDDD45}" destId="{CF0E1081-A5A0-423E-B311-F4F5DA6C8D35}" srcOrd="0" destOrd="0" parTransId="{8D136886-24CD-4887-BC2A-5FDCBB436461}" sibTransId="{F63A997B-6C93-45F3-8181-7E5E0C72CEE3}"/>
-    <dgm:cxn modelId="{906AEA46-0ED5-45BC-A59F-C2DC1A8F13C7}" srcId="{8B9DBA0C-297F-4153-AB4E-F6C5133570E7}" destId="{3484BC91-9518-4342-A082-E2EF20E498CD}" srcOrd="1" destOrd="0" parTransId="{06EE27DD-9C18-4F51-A740-8950393F6B10}" sibTransId="{33B0773F-9011-4B09-A3CD-1B62F9423A7C}"/>
-    <dgm:cxn modelId="{215E258C-8BF3-4386-8B4D-42D9733CBA80}" srcId="{944F5C5E-15DF-4AF5-B2F5-8901863886B4}" destId="{A0519A28-DD5B-4345-9DB3-DEA6309762CE}" srcOrd="3" destOrd="0" parTransId="{3450BB66-44AF-47FB-B20C-3B96084A5E23}" sibTransId="{484485F4-327F-4683-AE30-C6A3C816C884}"/>
-    <dgm:cxn modelId="{721EC606-C2E1-4C3D-A611-A32C9D5D0FF3}" type="presOf" srcId="{1952FD3C-EBD0-40E0-A927-E57211C747C9}" destId="{057699E5-25FB-4021-A253-F4EDD5AEF4E7}" srcOrd="0" destOrd="0" presId="urn:microsoft.com/office/officeart/2005/8/layout/bList2"/>
     <dgm:cxn modelId="{743CA6C6-7BB0-4920-AB7E-1E372B230746}" type="presOf" srcId="{F31A48A7-8D14-42B8-97EE-B5FAA0065B92}" destId="{1DC35D28-A2AB-4BB6-9931-1C6DDCCE1BEF}" srcOrd="0" destOrd="0" presId="urn:microsoft.com/office/officeart/2005/8/layout/bList2"/>
+    <dgm:cxn modelId="{F7FE111A-AC88-4B2D-ABE6-4F276AC61C56}" type="presOf" srcId="{2D9CDFDE-BB88-4DF0-AACA-0D5E3E25BE02}" destId="{D853D8C2-E0C8-4F90-91EA-786545408879}" srcOrd="0" destOrd="0" presId="urn:microsoft.com/office/officeart/2005/8/layout/bList2"/>
+    <dgm:cxn modelId="{0E6D459A-D4FF-4504-8C3C-907B97A1EC7F}" type="presOf" srcId="{C9BA539F-FAC1-4773-B73B-8E08B739C4B9}" destId="{4C88545F-A2BE-4690-B2A9-8354CDFDD2F7}" srcOrd="1" destOrd="0" presId="urn:microsoft.com/office/officeart/2005/8/layout/bList2"/>
+    <dgm:cxn modelId="{2CE73AC9-F7C8-46D8-AE1C-9387E947F560}" type="presOf" srcId="{804B3186-2F6C-432D-9628-4C5A774D7E51}" destId="{A999AC6A-1F69-4AF1-9D2F-37CE7AEAD4B2}" srcOrd="0" destOrd="2" presId="urn:microsoft.com/office/officeart/2005/8/layout/bList2"/>
+    <dgm:cxn modelId="{AD0487D6-419F-409E-96BF-E58DA9562851}" type="presOf" srcId="{0BD4D64B-A6F5-4C13-A925-B438DEEDDD45}" destId="{333CF238-3B17-4D44-845C-78B4FF70C6AE}" srcOrd="1" destOrd="0" presId="urn:microsoft.com/office/officeart/2005/8/layout/bList2"/>
+    <dgm:cxn modelId="{FFCD5C5F-0831-4C40-AC68-BB7CAD856DAD}" srcId="{0BD4D64B-A6F5-4C13-A925-B438DEEDDD45}" destId="{C9C6F18B-53EF-4BC7-A519-C08556112F28}" srcOrd="1" destOrd="0" parTransId="{E70F5C11-8012-4EAB-A15C-6DAB66432E65}" sibTransId="{EEC3361C-BF2C-45DA-82CE-BC803D6DBB90}"/>
+    <dgm:cxn modelId="{69BB4675-7636-4FFE-85BB-E1487A571B57}" srcId="{944F5C5E-15DF-4AF5-B2F5-8901863886B4}" destId="{AC888093-4416-48FF-AE74-D898570BF359}" srcOrd="8" destOrd="0" parTransId="{F8D252F9-239C-4C97-BB7B-FDE295BDBD2B}" sibTransId="{17EACF50-53A6-43AE-93C4-0A6130CF57D0}"/>
+    <dgm:cxn modelId="{28BBA3E4-B396-486A-A3D5-8D43497F6A8F}" srcId="{097C38C6-5512-4B94-9673-047C8E927ADF}" destId="{A996C5A9-4947-4D29-B699-B26785264ED5}" srcOrd="1" destOrd="0" parTransId="{7242D98F-A396-4CEB-9169-8F02AE8BE390}" sibTransId="{F7BE18F4-2E59-4F81-AFC8-C3BA16AC6844}"/>
+    <dgm:cxn modelId="{E719A26F-79AE-4215-A380-83E80804B9E9}" srcId="{8B9DBA0C-297F-4153-AB4E-F6C5133570E7}" destId="{B1096D3B-0A8E-41E8-B965-A90D6E3D5D8D}" srcOrd="1" destOrd="0" parTransId="{1B0EC32B-512F-4515-9558-1F4C756F0E5D}" sibTransId="{BC1CB25D-367D-430D-910F-602AD2833874}"/>
     <dgm:cxn modelId="{DA1E6485-3FDF-42B1-A3EE-D740DAB839FB}" srcId="{A0519A28-DD5B-4345-9DB3-DEA6309762CE}" destId="{4A9F798E-FA47-4AEE-8943-C87D6C8659ED}" srcOrd="0" destOrd="0" parTransId="{60986FDA-2A10-4FE6-B36A-27ACA41BA819}" sibTransId="{AFCB121A-1F3D-42B9-AEFF-E99C00F5F5D3}"/>
-    <dgm:cxn modelId="{2D9FDED5-3497-473E-9B64-B2CBE05F3153}" type="presOf" srcId="{AC888093-4416-48FF-AE74-D898570BF359}" destId="{DC61F918-0D66-43D4-A810-548E7FB8E7A1}" srcOrd="0" destOrd="0" presId="urn:microsoft.com/office/officeart/2005/8/layout/bList2"/>
-    <dgm:cxn modelId="{BA056E1F-7B09-4C26-AA09-18C3FA53C454}" type="presOf" srcId="{8B9DBA0C-297F-4153-AB4E-F6C5133570E7}" destId="{2CE9B22A-8D1D-4782-BFE6-4DDE3AEB11BF}" srcOrd="0" destOrd="0" presId="urn:microsoft.com/office/officeart/2005/8/layout/bList2"/>
-    <dgm:cxn modelId="{1B4D14A2-04E3-44E5-B765-C46E3F3857B6}" srcId="{8B9DBA0C-297F-4153-AB4E-F6C5133570E7}" destId="{1F261EE2-231E-44E2-AE25-A71B7EB8CBF0}" srcOrd="0" destOrd="0" parTransId="{48B6A5DE-6C71-42E9-A06F-1DB4590F4E63}" sibTransId="{B01C89DE-3A6A-420A-A182-05A1B5228620}"/>
-    <dgm:cxn modelId="{0E6D459A-D4FF-4504-8C3C-907B97A1EC7F}" type="presOf" srcId="{C9BA539F-FAC1-4773-B73B-8E08B739C4B9}" destId="{4C88545F-A2BE-4690-B2A9-8354CDFDD2F7}" srcOrd="1" destOrd="0" presId="urn:microsoft.com/office/officeart/2005/8/layout/bList2"/>
-    <dgm:cxn modelId="{70DEEDF4-34FB-4CCA-8090-DA2EE951A137}" type="presOf" srcId="{DF4BDFFF-41CA-4B31-8AD5-0B2542B6208D}" destId="{DD26E716-2F56-4580-ADBB-C444D367765B}" srcOrd="0" destOrd="0" presId="urn:microsoft.com/office/officeart/2005/8/layout/bList2"/>
-    <dgm:cxn modelId="{FFCD5C5F-0831-4C40-AC68-BB7CAD856DAD}" srcId="{0BD4D64B-A6F5-4C13-A925-B438DEEDDD45}" destId="{C9C6F18B-53EF-4BC7-A519-C08556112F28}" srcOrd="1" destOrd="0" parTransId="{E70F5C11-8012-4EAB-A15C-6DAB66432E65}" sibTransId="{EEC3361C-BF2C-45DA-82CE-BC803D6DBB90}"/>
-    <dgm:cxn modelId="{61085C7F-75EE-4A89-A9E7-AF8E5D273B2F}" srcId="{944F5C5E-15DF-4AF5-B2F5-8901863886B4}" destId="{FB8789B6-0444-4603-AEAB-2D02ACFCD7CA}" srcOrd="6" destOrd="0" parTransId="{32F1259E-07FE-4572-859E-A8D5A78BBFA2}" sibTransId="{F31A48A7-8D14-42B8-97EE-B5FAA0065B92}"/>
-    <dgm:cxn modelId="{4E2134B0-D29B-46BD-9E2C-5CCDBF00A09B}" type="presOf" srcId="{A0519A28-DD5B-4345-9DB3-DEA6309762CE}" destId="{19B860F0-6FCD-480C-A460-A6B50608D078}" srcOrd="0" destOrd="0" presId="urn:microsoft.com/office/officeart/2005/8/layout/bList2"/>
-    <dgm:cxn modelId="{EB7191AD-B9E0-4BA4-9BDD-8DBE39A53736}" srcId="{944F5C5E-15DF-4AF5-B2F5-8901863886B4}" destId="{9D758E8D-5E9C-4A53-A5F6-B645809F728B}" srcOrd="4" destOrd="0" parTransId="{A869442D-185A-465F-BFD3-E6F465A72290}" sibTransId="{4B45AE6D-4646-4FED-AE24-E646BAEF29F7}"/>
-    <dgm:cxn modelId="{810CC725-A909-4571-9AF5-5989AA38303F}" srcId="{944F5C5E-15DF-4AF5-B2F5-8901863886B4}" destId="{8B9DBA0C-297F-4153-AB4E-F6C5133570E7}" srcOrd="2" destOrd="0" parTransId="{DC57AF16-6615-4C3B-A7DC-E27F63F83213}" sibTransId="{DF4BDFFF-41CA-4B31-8AD5-0B2542B6208D}"/>
-    <dgm:cxn modelId="{7F58CC44-1ACF-459F-B21D-1B6D40FBBBB0}" type="presOf" srcId="{3CFE6C0B-AF1A-425F-B99A-5526FED0FFD8}" destId="{7106B1BE-5DC8-4244-A4CF-5D46693A9569}" srcOrd="0" destOrd="0" presId="urn:microsoft.com/office/officeart/2005/8/layout/bList2"/>
-    <dgm:cxn modelId="{3EE308CD-8A06-4894-9E62-97F34619BB8F}" srcId="{944F5C5E-15DF-4AF5-B2F5-8901863886B4}" destId="{C9BA539F-FAC1-4773-B73B-8E08B739C4B9}" srcOrd="7" destOrd="0" parTransId="{19CD10BB-A6CE-48EC-8771-706C848DAE05}" sibTransId="{07B19E19-8EA3-4615-A2F5-CFAE07443C3A}"/>
     <dgm:cxn modelId="{0DA4DDE3-EF12-4F37-BF63-BD2EE7E34E18}" type="presParOf" srcId="{037FC8AB-3228-430C-8BD5-49F00BCE1B18}" destId="{B54EEFB0-D6F8-4919-9173-F7E25C88667D}" srcOrd="0" destOrd="0" presId="urn:microsoft.com/office/officeart/2005/8/layout/bList2"/>
     <dgm:cxn modelId="{4FB4B1F1-42C9-40FC-BFBB-09EAA0D881C9}" type="presParOf" srcId="{B54EEFB0-D6F8-4919-9173-F7E25C88667D}" destId="{35D45351-E668-4707-A3D3-51FB4FB4AF95}" srcOrd="0" destOrd="0" presId="urn:microsoft.com/office/officeart/2005/8/layout/bList2"/>
     <dgm:cxn modelId="{D4235BAB-3379-470E-A457-1E36F09815C6}" type="presParOf" srcId="{B54EEFB0-D6F8-4919-9173-F7E25C88667D}" destId="{78720607-78D3-4738-BAC1-313A3881A5ED}" srcOrd="1" destOrd="0" presId="urn:microsoft.com/office/officeart/2005/8/layout/bList2"/>
@@ -10170,12 +10731,12 @@
         <a:fontRef idx="minor"/>
       </dsp:style>
       <dsp:txBody>
-        <a:bodyPr spcFirstLastPara="0" vert="horz" wrap="square" lIns="46990" tIns="140970" rIns="46990" bIns="46990" numCol="1" spcCol="1270" anchor="t" anchorCtr="0">
+        <a:bodyPr spcFirstLastPara="0" vert="horz" wrap="square" lIns="25400" tIns="76200" rIns="25400" bIns="25400" numCol="1" spcCol="1270" anchor="t" anchorCtr="0">
           <a:noAutofit/>
         </a:bodyPr>
         <a:lstStyle/>
         <a:p>
-          <a:pPr marL="285750" lvl="1" indent="-285750" algn="l" defTabSz="1644650">
+          <a:pPr marL="228600" lvl="1" indent="-228600" algn="l" defTabSz="889000">
             <a:lnSpc>
               <a:spcPct val="90000"/>
             </a:lnSpc>
@@ -10187,10 +10748,14 @@
             </a:spcAft>
             <a:buChar char="••"/>
           </a:pPr>
-          <a:endParaRPr lang="en-US" sz="3700" kern="1200"/>
-        </a:p>
-        <a:p>
-          <a:pPr marL="285750" lvl="1" indent="-285750" algn="l" defTabSz="1644650">
+          <a:r>
+            <a:rPr lang="id-ID" sz="2000" kern="1200" dirty="0" smtClean="0"/>
+            <a:t>Ainurrofik</a:t>
+          </a:r>
+          <a:endParaRPr lang="en-US" sz="2000" kern="1200" dirty="0"/>
+        </a:p>
+        <a:p>
+          <a:pPr marL="228600" lvl="1" indent="-228600" algn="l" defTabSz="889000">
             <a:lnSpc>
               <a:spcPct val="90000"/>
             </a:lnSpc>
@@ -10202,7 +10767,11 @@
             </a:spcAft>
             <a:buChar char="••"/>
           </a:pPr>
-          <a:endParaRPr lang="en-US" sz="3700" kern="1200"/>
+          <a:r>
+            <a:rPr lang="id-ID" sz="2000" kern="1200" dirty="0" smtClean="0"/>
+            <a:t>Deni A.</a:t>
+          </a:r>
+          <a:endParaRPr lang="en-US" sz="2000" kern="1200" dirty="0"/>
         </a:p>
       </dsp:txBody>
       <dsp:txXfrm>
@@ -10389,12 +10958,12 @@
         <a:fontRef idx="minor"/>
       </dsp:style>
       <dsp:txBody>
-        <a:bodyPr spcFirstLastPara="0" vert="horz" wrap="square" lIns="46990" tIns="140970" rIns="46990" bIns="46990" numCol="1" spcCol="1270" anchor="t" anchorCtr="0">
+        <a:bodyPr spcFirstLastPara="0" vert="horz" wrap="square" lIns="25400" tIns="76200" rIns="25400" bIns="25400" numCol="1" spcCol="1270" anchor="t" anchorCtr="0">
           <a:noAutofit/>
         </a:bodyPr>
         <a:lstStyle/>
         <a:p>
-          <a:pPr marL="285750" lvl="1" indent="-285750" algn="l" defTabSz="1644650">
+          <a:pPr marL="228600" lvl="1" indent="-228600" algn="l" defTabSz="889000">
             <a:lnSpc>
               <a:spcPct val="90000"/>
             </a:lnSpc>
@@ -10406,10 +10975,14 @@
             </a:spcAft>
             <a:buChar char="••"/>
           </a:pPr>
-          <a:endParaRPr lang="en-US" sz="3700" kern="1200"/>
-        </a:p>
-        <a:p>
-          <a:pPr marL="285750" lvl="1" indent="-285750" algn="l" defTabSz="1644650">
+          <a:r>
+            <a:rPr lang="id-ID" sz="2000" kern="1200" dirty="0" smtClean="0"/>
+            <a:t>Rizki A.A.</a:t>
+          </a:r>
+          <a:endParaRPr lang="en-US" sz="2000" kern="1200" dirty="0"/>
+        </a:p>
+        <a:p>
+          <a:pPr marL="228600" lvl="1" indent="-228600" algn="l" defTabSz="889000">
             <a:lnSpc>
               <a:spcPct val="90000"/>
             </a:lnSpc>
@@ -10421,7 +10994,11 @@
             </a:spcAft>
             <a:buChar char="••"/>
           </a:pPr>
-          <a:endParaRPr lang="en-US" sz="3700" kern="1200" dirty="0"/>
+          <a:r>
+            <a:rPr lang="id-ID" sz="2000" kern="1200" dirty="0" smtClean="0"/>
+            <a:t>Ayu R.W.</a:t>
+          </a:r>
+          <a:endParaRPr lang="en-US" sz="2000" kern="1200" dirty="0"/>
         </a:p>
       </dsp:txBody>
       <dsp:txXfrm>
@@ -10608,12 +11185,12 @@
         <a:fontRef idx="minor"/>
       </dsp:style>
       <dsp:txBody>
-        <a:bodyPr spcFirstLastPara="0" vert="horz" wrap="square" lIns="46990" tIns="140970" rIns="46990" bIns="46990" numCol="1" spcCol="1270" anchor="t" anchorCtr="0">
+        <a:bodyPr spcFirstLastPara="0" vert="horz" wrap="square" lIns="25400" tIns="76200" rIns="25400" bIns="25400" numCol="1" spcCol="1270" anchor="t" anchorCtr="0">
           <a:noAutofit/>
         </a:bodyPr>
         <a:lstStyle/>
         <a:p>
-          <a:pPr marL="285750" lvl="1" indent="-285750" algn="l" defTabSz="1644650">
+          <a:pPr marL="228600" lvl="1" indent="-228600" algn="l" defTabSz="889000">
             <a:lnSpc>
               <a:spcPct val="90000"/>
             </a:lnSpc>
@@ -10625,10 +11202,14 @@
             </a:spcAft>
             <a:buChar char="••"/>
           </a:pPr>
-          <a:endParaRPr lang="en-US" sz="3700" kern="1200" dirty="0"/>
-        </a:p>
-        <a:p>
-          <a:pPr marL="285750" lvl="1" indent="-285750" algn="l" defTabSz="1644650">
+          <a:r>
+            <a:rPr lang="id-ID" sz="2000" kern="1200" dirty="0" smtClean="0"/>
+            <a:t>Ngatiyo H.C.</a:t>
+          </a:r>
+          <a:endParaRPr lang="en-US" sz="2000" kern="1200" dirty="0"/>
+        </a:p>
+        <a:p>
+          <a:pPr marL="228600" lvl="1" indent="-228600" algn="l" defTabSz="889000">
             <a:lnSpc>
               <a:spcPct val="90000"/>
             </a:lnSpc>
@@ -10640,7 +11221,11 @@
             </a:spcAft>
             <a:buChar char="••"/>
           </a:pPr>
-          <a:endParaRPr lang="en-US" sz="3700" kern="1200" dirty="0"/>
+          <a:r>
+            <a:rPr lang="id-ID" sz="2000" kern="1200" dirty="0" smtClean="0"/>
+            <a:t>A. Khairur R.</a:t>
+          </a:r>
+          <a:endParaRPr lang="en-US" sz="2000" kern="1200" dirty="0"/>
         </a:p>
       </dsp:txBody>
       <dsp:txXfrm>
@@ -10827,12 +11412,12 @@
         <a:fontRef idx="minor"/>
       </dsp:style>
       <dsp:txBody>
-        <a:bodyPr spcFirstLastPara="0" vert="horz" wrap="square" lIns="46990" tIns="140970" rIns="46990" bIns="46990" numCol="1" spcCol="1270" anchor="t" anchorCtr="0">
+        <a:bodyPr spcFirstLastPara="0" vert="horz" wrap="square" lIns="25400" tIns="76200" rIns="25400" bIns="25400" numCol="1" spcCol="1270" anchor="t" anchorCtr="0">
           <a:noAutofit/>
         </a:bodyPr>
         <a:lstStyle/>
         <a:p>
-          <a:pPr marL="285750" lvl="1" indent="-285750" algn="l" defTabSz="1644650">
+          <a:pPr marL="228600" lvl="1" indent="-228600" algn="l" defTabSz="889000">
             <a:lnSpc>
               <a:spcPct val="90000"/>
             </a:lnSpc>
@@ -10844,10 +11429,14 @@
             </a:spcAft>
             <a:buChar char="••"/>
           </a:pPr>
-          <a:endParaRPr lang="en-US" sz="3700" kern="1200" dirty="0"/>
-        </a:p>
-        <a:p>
-          <a:pPr marL="285750" lvl="1" indent="-285750" algn="l" defTabSz="1644650">
+          <a:r>
+            <a:rPr lang="id-ID" sz="2000" kern="1200" dirty="0" smtClean="0"/>
+            <a:t>Mutya D.A.</a:t>
+          </a:r>
+          <a:endParaRPr lang="en-US" sz="2000" kern="1200" dirty="0"/>
+        </a:p>
+        <a:p>
+          <a:pPr marL="228600" lvl="1" indent="-228600" algn="l" defTabSz="889000">
             <a:lnSpc>
               <a:spcPct val="90000"/>
             </a:lnSpc>
@@ -10859,7 +11448,30 @@
             </a:spcAft>
             <a:buChar char="••"/>
           </a:pPr>
-          <a:endParaRPr lang="en-US" sz="3700" kern="1200" dirty="0"/>
+          <a:r>
+            <a:rPr lang="id-ID" sz="2000" kern="1200" dirty="0" smtClean="0"/>
+            <a:t>Nuril F.</a:t>
+          </a:r>
+          <a:endParaRPr lang="en-US" sz="2000" kern="1200" dirty="0"/>
+        </a:p>
+        <a:p>
+          <a:pPr marL="228600" lvl="1" indent="-228600" algn="l" defTabSz="889000">
+            <a:lnSpc>
+              <a:spcPct val="90000"/>
+            </a:lnSpc>
+            <a:spcBef>
+              <a:spcPct val="0"/>
+            </a:spcBef>
+            <a:spcAft>
+              <a:spcPct val="15000"/>
+            </a:spcAft>
+            <a:buChar char="••"/>
+          </a:pPr>
+          <a:r>
+            <a:rPr lang="id-ID" sz="2000" kern="1200" smtClean="0"/>
+            <a:t>Audylam G</a:t>
+          </a:r>
+          <a:endParaRPr lang="en-US" sz="2000" kern="1200" dirty="0"/>
         </a:p>
       </dsp:txBody>
       <dsp:txXfrm>
@@ -11224,6 +11836,73 @@
         </a:effectRef>
         <a:fontRef idx="minor"/>
       </dsp:style>
+      <dsp:txBody>
+        <a:bodyPr spcFirstLastPara="0" vert="horz" wrap="square" lIns="25400" tIns="76200" rIns="25400" bIns="25400" numCol="1" spcCol="1270" anchor="t" anchorCtr="0">
+          <a:noAutofit/>
+        </a:bodyPr>
+        <a:lstStyle/>
+        <a:p>
+          <a:pPr marL="228600" lvl="1" indent="-228600" algn="l" defTabSz="889000">
+            <a:lnSpc>
+              <a:spcPct val="90000"/>
+            </a:lnSpc>
+            <a:spcBef>
+              <a:spcPct val="0"/>
+            </a:spcBef>
+            <a:spcAft>
+              <a:spcPct val="15000"/>
+            </a:spcAft>
+            <a:buChar char="••"/>
+          </a:pPr>
+          <a:r>
+            <a:rPr lang="id-ID" sz="2000" kern="1200" dirty="0" smtClean="0"/>
+            <a:t>Riyan M.</a:t>
+          </a:r>
+          <a:endParaRPr lang="en-US" sz="2000" kern="1200" dirty="0"/>
+        </a:p>
+        <a:p>
+          <a:pPr marL="228600" lvl="1" indent="-228600" algn="l" defTabSz="889000">
+            <a:lnSpc>
+              <a:spcPct val="90000"/>
+            </a:lnSpc>
+            <a:spcBef>
+              <a:spcPct val="0"/>
+            </a:spcBef>
+            <a:spcAft>
+              <a:spcPct val="15000"/>
+            </a:spcAft>
+            <a:buChar char="••"/>
+          </a:pPr>
+          <a:r>
+            <a:rPr lang="id-ID" sz="2000" kern="1200" dirty="0" smtClean="0"/>
+            <a:t>Sella R.</a:t>
+          </a:r>
+          <a:endParaRPr lang="en-US" sz="2000" kern="1200" dirty="0"/>
+        </a:p>
+        <a:p>
+          <a:pPr marL="228600" lvl="1" indent="-228600" algn="l" defTabSz="889000">
+            <a:lnSpc>
+              <a:spcPct val="90000"/>
+            </a:lnSpc>
+            <a:spcBef>
+              <a:spcPct val="0"/>
+            </a:spcBef>
+            <a:spcAft>
+              <a:spcPct val="15000"/>
+            </a:spcAft>
+            <a:buChar char="••"/>
+          </a:pPr>
+          <a:r>
+            <a:rPr lang="id-ID" sz="2000" kern="1200" dirty="0" smtClean="0"/>
+            <a:t>Wahyu R.</a:t>
+          </a:r>
+          <a:endParaRPr lang="en-US" sz="2000" kern="1200" dirty="0"/>
+        </a:p>
+      </dsp:txBody>
+      <dsp:txXfrm>
+        <a:off x="203968" y="2180814"/>
+        <a:ext cx="1569861" cy="1185895"/>
+      </dsp:txXfrm>
     </dsp:sp>
     <dsp:sp modelId="{6A797303-0B30-43AA-814B-4026A142F97D}">
       <dsp:nvSpPr>
@@ -11582,6 +12261,54 @@
         </a:effectRef>
         <a:fontRef idx="minor"/>
       </dsp:style>
+      <dsp:txBody>
+        <a:bodyPr spcFirstLastPara="0" vert="horz" wrap="square" lIns="25400" tIns="76200" rIns="25400" bIns="25400" numCol="1" spcCol="1270" anchor="t" anchorCtr="0">
+          <a:noAutofit/>
+        </a:bodyPr>
+        <a:lstStyle/>
+        <a:p>
+          <a:pPr marL="228600" lvl="1" indent="-228600" algn="l" defTabSz="889000">
+            <a:lnSpc>
+              <a:spcPct val="90000"/>
+            </a:lnSpc>
+            <a:spcBef>
+              <a:spcPct val="0"/>
+            </a:spcBef>
+            <a:spcAft>
+              <a:spcPct val="15000"/>
+            </a:spcAft>
+            <a:buChar char="••"/>
+          </a:pPr>
+          <a:r>
+            <a:rPr lang="id-ID" sz="2000" kern="1200" dirty="0" smtClean="0"/>
+            <a:t>Anindi W.K.</a:t>
+          </a:r>
+          <a:endParaRPr lang="en-US" sz="2000" kern="1200" dirty="0"/>
+        </a:p>
+        <a:p>
+          <a:pPr marL="228600" lvl="1" indent="-228600" algn="l" defTabSz="889000">
+            <a:lnSpc>
+              <a:spcPct val="90000"/>
+            </a:lnSpc>
+            <a:spcBef>
+              <a:spcPct val="0"/>
+            </a:spcBef>
+            <a:spcAft>
+              <a:spcPct val="15000"/>
+            </a:spcAft>
+            <a:buChar char="••"/>
+          </a:pPr>
+          <a:r>
+            <a:rPr lang="id-ID" sz="2000" kern="1200" dirty="0" smtClean="0"/>
+            <a:t>Maria U.</a:t>
+          </a:r>
+          <a:endParaRPr lang="en-US" sz="2000" kern="1200" dirty="0"/>
+        </a:p>
+      </dsp:txBody>
+      <dsp:txXfrm>
+        <a:off x="4008084" y="2180814"/>
+        <a:ext cx="1569861" cy="1185895"/>
+      </dsp:txXfrm>
     </dsp:sp>
     <dsp:sp modelId="{4C88545F-A2BE-4690-B2A9-8354CDFDD2F7}">
       <dsp:nvSpPr>
@@ -11761,6 +12488,73 @@
         </a:effectRef>
         <a:fontRef idx="minor"/>
       </dsp:style>
+      <dsp:txBody>
+        <a:bodyPr spcFirstLastPara="0" vert="horz" wrap="square" lIns="25400" tIns="76200" rIns="25400" bIns="25400" numCol="1" spcCol="1270" anchor="t" anchorCtr="0">
+          <a:noAutofit/>
+        </a:bodyPr>
+        <a:lstStyle/>
+        <a:p>
+          <a:pPr marL="228600" lvl="1" indent="-228600" algn="l" defTabSz="889000">
+            <a:lnSpc>
+              <a:spcPct val="90000"/>
+            </a:lnSpc>
+            <a:spcBef>
+              <a:spcPct val="0"/>
+            </a:spcBef>
+            <a:spcAft>
+              <a:spcPct val="15000"/>
+            </a:spcAft>
+            <a:buChar char="••"/>
+          </a:pPr>
+          <a:r>
+            <a:rPr lang="id-ID" sz="2000" kern="1200" dirty="0" smtClean="0"/>
+            <a:t>Arif S.B.</a:t>
+          </a:r>
+          <a:endParaRPr lang="en-US" sz="2000" kern="1200" dirty="0"/>
+        </a:p>
+        <a:p>
+          <a:pPr marL="228600" lvl="1" indent="-228600" algn="l" defTabSz="889000">
+            <a:lnSpc>
+              <a:spcPct val="90000"/>
+            </a:lnSpc>
+            <a:spcBef>
+              <a:spcPct val="0"/>
+            </a:spcBef>
+            <a:spcAft>
+              <a:spcPct val="15000"/>
+            </a:spcAft>
+            <a:buChar char="••"/>
+          </a:pPr>
+          <a:r>
+            <a:rPr lang="id-ID" sz="2000" kern="1200" dirty="0" smtClean="0"/>
+            <a:t>Shofia S.J.</a:t>
+          </a:r>
+          <a:endParaRPr lang="en-US" sz="2000" kern="1200" dirty="0"/>
+        </a:p>
+        <a:p>
+          <a:pPr marL="228600" lvl="1" indent="-228600" algn="l" defTabSz="889000">
+            <a:lnSpc>
+              <a:spcPct val="90000"/>
+            </a:lnSpc>
+            <a:spcBef>
+              <a:spcPct val="0"/>
+            </a:spcBef>
+            <a:spcAft>
+              <a:spcPct val="15000"/>
+            </a:spcAft>
+            <a:buChar char="••"/>
+          </a:pPr>
+          <a:r>
+            <a:rPr lang="id-ID" sz="2000" kern="1200" dirty="0" smtClean="0"/>
+            <a:t>Putri A.</a:t>
+          </a:r>
+          <a:endParaRPr lang="en-US" sz="2000" kern="1200" dirty="0"/>
+        </a:p>
+      </dsp:txBody>
+      <dsp:txXfrm>
+        <a:off x="5910143" y="2180814"/>
+        <a:ext cx="1569861" cy="1185895"/>
+      </dsp:txXfrm>
     </dsp:sp>
     <dsp:sp modelId="{1D756465-5B86-4E74-BE6A-16850F6E9514}">
       <dsp:nvSpPr>
@@ -11940,6 +12734,54 @@
         </a:effectRef>
         <a:fontRef idx="minor"/>
       </dsp:style>
+      <dsp:txBody>
+        <a:bodyPr spcFirstLastPara="0" vert="horz" wrap="square" lIns="25400" tIns="76200" rIns="25400" bIns="25400" numCol="1" spcCol="1270" anchor="t" anchorCtr="0">
+          <a:noAutofit/>
+        </a:bodyPr>
+        <a:lstStyle/>
+        <a:p>
+          <a:pPr marL="228600" lvl="1" indent="-228600" algn="l" defTabSz="889000">
+            <a:lnSpc>
+              <a:spcPct val="90000"/>
+            </a:lnSpc>
+            <a:spcBef>
+              <a:spcPct val="0"/>
+            </a:spcBef>
+            <a:spcAft>
+              <a:spcPct val="15000"/>
+            </a:spcAft>
+            <a:buChar char="••"/>
+          </a:pPr>
+          <a:r>
+            <a:rPr lang="id-ID" sz="2000" kern="1200" dirty="0" smtClean="0"/>
+            <a:t>Hasan F.</a:t>
+          </a:r>
+          <a:endParaRPr lang="en-US" sz="2000" kern="1200" dirty="0"/>
+        </a:p>
+        <a:p>
+          <a:pPr marL="228600" lvl="1" indent="-228600" algn="l" defTabSz="889000">
+            <a:lnSpc>
+              <a:spcPct val="90000"/>
+            </a:lnSpc>
+            <a:spcBef>
+              <a:spcPct val="0"/>
+            </a:spcBef>
+            <a:spcAft>
+              <a:spcPct val="15000"/>
+            </a:spcAft>
+            <a:buChar char="••"/>
+          </a:pPr>
+          <a:r>
+            <a:rPr lang="id-ID" sz="2000" kern="1200" dirty="0" smtClean="0"/>
+            <a:t>Miftahul A</a:t>
+          </a:r>
+          <a:endParaRPr lang="en-US" sz="2000" kern="1200" dirty="0"/>
+        </a:p>
+      </dsp:txBody>
+      <dsp:txXfrm>
+        <a:off x="7812201" y="2180814"/>
+        <a:ext cx="1569861" cy="1185895"/>
+      </dsp:txXfrm>
     </dsp:sp>
     <dsp:sp modelId="{AC103858-2B44-42E1-994E-604DB1225965}">
       <dsp:nvSpPr>
@@ -23498,7 +24340,7 @@
             <p:ph idx="1"/>
             <p:extLst>
               <p:ext uri="{D42A27DB-BD31-4B8C-83A1-F6EECF244321}">
-                <p14:modId xmlns:p14="http://schemas.microsoft.com/office/powerpoint/2010/main" val="2299099815"/>
+                <p14:modId xmlns:p14="http://schemas.microsoft.com/office/powerpoint/2010/main" val="1785700271"/>
               </p:ext>
             </p:extLst>
           </p:nvPr>
@@ -23563,6 +24405,408 @@
     <p:extLst>
       <p:ext uri="{BB962C8B-B14F-4D97-AF65-F5344CB8AC3E}">
         <p14:creationId xmlns:p14="http://schemas.microsoft.com/office/powerpoint/2010/main" val="3991994929"/>
+      </p:ext>
+    </p:extLst>
+  </p:cSld>
+  <p:clrMapOvr>
+    <a:masterClrMapping/>
+  </p:clrMapOvr>
+  <p:timing>
+    <p:tnLst>
+      <p:par>
+        <p:cTn id="1" dur="indefinite" restart="never" nodeType="tmRoot"/>
+      </p:par>
+    </p:tnLst>
+  </p:timing>
+</p:sld>
+</file>
+
+<file path=ppt/slides/slide14.xml><?xml version="1.0" encoding="utf-8"?>
+<p:sld xmlns:a="http://schemas.openxmlformats.org/drawingml/2006/main" xmlns:r="http://schemas.openxmlformats.org/officeDocument/2006/relationships" xmlns:p="http://schemas.openxmlformats.org/presentationml/2006/main">
+  <p:cSld>
+    <p:spTree>
+      <p:nvGrpSpPr>
+        <p:cNvPr id="1" name=""/>
+        <p:cNvGrpSpPr/>
+        <p:nvPr/>
+      </p:nvGrpSpPr>
+      <p:grpSpPr>
+        <a:xfrm>
+          <a:off x="0" y="0"/>
+          <a:ext cx="0" cy="0"/>
+          <a:chOff x="0" y="0"/>
+          <a:chExt cx="0" cy="0"/>
+        </a:xfrm>
+      </p:grpSpPr>
+      <p:sp>
+        <p:nvSpPr>
+          <p:cNvPr id="2" name="Title 1"/>
+          <p:cNvSpPr>
+            <a:spLocks noGrp="1"/>
+          </p:cNvSpPr>
+          <p:nvPr>
+            <p:ph type="title"/>
+          </p:nvPr>
+        </p:nvSpPr>
+        <p:spPr/>
+        <p:txBody>
+          <a:bodyPr/>
+          <a:lstStyle/>
+          <a:p>
+            <a:r>
+              <a:rPr lang="id-ID" dirty="0" smtClean="0"/>
+              <a:t>Tugas Presentasi Kelompok</a:t>
+            </a:r>
+            <a:endParaRPr lang="id-ID" dirty="0"/>
+          </a:p>
+        </p:txBody>
+      </p:sp>
+      <p:sp>
+        <p:nvSpPr>
+          <p:cNvPr id="3" name="Content Placeholder 2"/>
+          <p:cNvSpPr>
+            <a:spLocks noGrp="1"/>
+          </p:cNvSpPr>
+          <p:nvPr>
+            <p:ph idx="1"/>
+          </p:nvPr>
+        </p:nvSpPr>
+        <p:spPr/>
+        <p:txBody>
+          <a:bodyPr>
+            <a:normAutofit/>
+          </a:bodyPr>
+          <a:lstStyle/>
+          <a:p>
+            <a:r>
+              <a:rPr lang="id-ID" sz="2800" dirty="0" smtClean="0"/>
+              <a:t>Buat sebuah file/slide presentasi (PPT) terkait design pattern yang Anda dapatkan!</a:t>
+            </a:r>
+          </a:p>
+          <a:p>
+            <a:pPr lvl="1"/>
+            <a:r>
+              <a:rPr lang="id-ID" sz="2400" dirty="0" smtClean="0"/>
+              <a:t>Definisi terkait pattern</a:t>
+            </a:r>
+          </a:p>
+          <a:p>
+            <a:pPr lvl="1"/>
+            <a:r>
+              <a:rPr lang="id-ID" sz="2400" dirty="0" smtClean="0"/>
+              <a:t>Kapan menggunakan pattern tersebut (problem)</a:t>
+            </a:r>
+          </a:p>
+          <a:p>
+            <a:pPr lvl="1"/>
+            <a:r>
+              <a:rPr lang="id-ID" sz="2400" dirty="0" smtClean="0"/>
+              <a:t>Prinsip / ide dasar pattern tersebut (solution)</a:t>
+            </a:r>
+          </a:p>
+          <a:p>
+            <a:pPr lvl="1"/>
+            <a:r>
+              <a:rPr lang="id-ID" sz="2400" dirty="0" smtClean="0"/>
+              <a:t>Contoh-contoh kasus (kode program/class diagram)</a:t>
+            </a:r>
+          </a:p>
+          <a:p>
+            <a:pPr marL="128016" lvl="1" indent="0">
+              <a:buNone/>
+            </a:pPr>
+            <a:endParaRPr lang="id-ID" sz="2400" dirty="0"/>
+          </a:p>
+          <a:p>
+            <a:pPr marL="128016" lvl="1" indent="0">
+              <a:buNone/>
+            </a:pPr>
+            <a:r>
+              <a:rPr lang="id-ID" sz="2400" dirty="0" smtClean="0"/>
+              <a:t>Deadline pengumpulan slide tanggal </a:t>
+            </a:r>
+            <a:r>
+              <a:rPr lang="id-ID" sz="2400" b="1" dirty="0" smtClean="0"/>
+              <a:t>3 FEBRUARI 2017</a:t>
+            </a:r>
+            <a:r>
+              <a:rPr lang="id-ID" sz="2400" dirty="0" smtClean="0"/>
+              <a:t> via email </a:t>
+            </a:r>
+            <a:r>
+              <a:rPr lang="id-ID" sz="2400" b="1" dirty="0" smtClean="0">
+                <a:hlinkClick r:id="rId2"/>
+              </a:rPr>
+              <a:t>umam@stikombanyuwangi.ac.id</a:t>
+            </a:r>
+            <a:r>
+              <a:rPr lang="id-ID" sz="2400" b="1" dirty="0" smtClean="0"/>
+              <a:t> </a:t>
+            </a:r>
+            <a:endParaRPr lang="id-ID" sz="2400" dirty="0"/>
+          </a:p>
+        </p:txBody>
+      </p:sp>
+      <p:sp>
+        <p:nvSpPr>
+          <p:cNvPr id="4" name="Footer Placeholder 3"/>
+          <p:cNvSpPr>
+            <a:spLocks noGrp="1"/>
+          </p:cNvSpPr>
+          <p:nvPr>
+            <p:ph type="ftr" sz="quarter" idx="11"/>
+          </p:nvPr>
+        </p:nvSpPr>
+        <p:spPr/>
+        <p:txBody>
+          <a:bodyPr/>
+          <a:lstStyle/>
+          <a:p>
+            <a:r>
+              <a:rPr lang="en-US" smtClean="0"/>
+              <a:t>Design Pattern - Pengantar Design Pattern</a:t>
+            </a:r>
+            <a:endParaRPr lang="en-US" dirty="0"/>
+          </a:p>
+        </p:txBody>
+      </p:sp>
+      <p:sp>
+        <p:nvSpPr>
+          <p:cNvPr id="5" name="Slide Number Placeholder 4"/>
+          <p:cNvSpPr>
+            <a:spLocks noGrp="1"/>
+          </p:cNvSpPr>
+          <p:nvPr>
+            <p:ph type="sldNum" sz="quarter" idx="12"/>
+          </p:nvPr>
+        </p:nvSpPr>
+        <p:spPr/>
+        <p:txBody>
+          <a:bodyPr/>
+          <a:lstStyle/>
+          <a:p>
+            <a:fld id="{48F63A3B-78C7-47BE-AE5E-E10140E04643}" type="slidenum">
+              <a:rPr lang="en-US" smtClean="0"/>
+              <a:t>14</a:t>
+            </a:fld>
+            <a:endParaRPr lang="en-US" dirty="0"/>
+          </a:p>
+        </p:txBody>
+      </p:sp>
+    </p:spTree>
+    <p:extLst>
+      <p:ext uri="{BB962C8B-B14F-4D97-AF65-F5344CB8AC3E}">
+        <p14:creationId xmlns:p14="http://schemas.microsoft.com/office/powerpoint/2010/main" val="1431404446"/>
+      </p:ext>
+    </p:extLst>
+  </p:cSld>
+  <p:clrMapOvr>
+    <a:masterClrMapping/>
+  </p:clrMapOvr>
+  <p:timing>
+    <p:tnLst>
+      <p:par>
+        <p:cTn id="1" dur="indefinite" restart="never" nodeType="tmRoot"/>
+      </p:par>
+    </p:tnLst>
+  </p:timing>
+</p:sld>
+</file>
+
+<file path=ppt/slides/slide15.xml><?xml version="1.0" encoding="utf-8"?>
+<p:sld xmlns:a="http://schemas.openxmlformats.org/drawingml/2006/main" xmlns:r="http://schemas.openxmlformats.org/officeDocument/2006/relationships" xmlns:p="http://schemas.openxmlformats.org/presentationml/2006/main">
+  <p:cSld>
+    <p:spTree>
+      <p:nvGrpSpPr>
+        <p:cNvPr id="1" name=""/>
+        <p:cNvGrpSpPr/>
+        <p:nvPr/>
+      </p:nvGrpSpPr>
+      <p:grpSpPr>
+        <a:xfrm>
+          <a:off x="0" y="0"/>
+          <a:ext cx="0" cy="0"/>
+          <a:chOff x="0" y="0"/>
+          <a:chExt cx="0" cy="0"/>
+        </a:xfrm>
+      </p:grpSpPr>
+      <p:sp>
+        <p:nvSpPr>
+          <p:cNvPr id="2" name="Title 1"/>
+          <p:cNvSpPr>
+            <a:spLocks noGrp="1"/>
+          </p:cNvSpPr>
+          <p:nvPr>
+            <p:ph type="title"/>
+          </p:nvPr>
+        </p:nvSpPr>
+        <p:spPr/>
+        <p:txBody>
+          <a:bodyPr/>
+          <a:lstStyle/>
+          <a:p>
+            <a:r>
+              <a:rPr lang="id-ID" dirty="0" smtClean="0"/>
+              <a:t>UTS &amp; UAS</a:t>
+            </a:r>
+            <a:endParaRPr lang="id-ID" dirty="0"/>
+          </a:p>
+        </p:txBody>
+      </p:sp>
+      <p:sp>
+        <p:nvSpPr>
+          <p:cNvPr id="6" name="Text Placeholder 5"/>
+          <p:cNvSpPr>
+            <a:spLocks noGrp="1"/>
+          </p:cNvSpPr>
+          <p:nvPr>
+            <p:ph type="body" idx="1"/>
+          </p:nvPr>
+        </p:nvSpPr>
+        <p:spPr/>
+        <p:txBody>
+          <a:bodyPr/>
+          <a:lstStyle/>
+          <a:p>
+            <a:r>
+              <a:rPr lang="id-ID" dirty="0" smtClean="0"/>
+              <a:t>UTS</a:t>
+            </a:r>
+            <a:endParaRPr lang="id-ID" dirty="0"/>
+          </a:p>
+        </p:txBody>
+      </p:sp>
+      <p:sp>
+        <p:nvSpPr>
+          <p:cNvPr id="7" name="Content Placeholder 6"/>
+          <p:cNvSpPr>
+            <a:spLocks noGrp="1"/>
+          </p:cNvSpPr>
+          <p:nvPr>
+            <p:ph sz="half" idx="2"/>
+          </p:nvPr>
+        </p:nvSpPr>
+        <p:spPr/>
+        <p:txBody>
+          <a:bodyPr>
+            <a:normAutofit/>
+          </a:bodyPr>
+          <a:lstStyle/>
+          <a:p>
+            <a:r>
+              <a:rPr lang="id-ID" sz="2800" dirty="0" smtClean="0"/>
+              <a:t>Usulkan sebuah aplikasi sederhana yang akan dikembangkan dengan pendekatan pattern kelompok Anda! Gambarkan rancangannya dalam </a:t>
+            </a:r>
+            <a:r>
+              <a:rPr lang="id-ID" sz="2800" b="1" dirty="0" smtClean="0"/>
+              <a:t>class diagram</a:t>
+            </a:r>
+            <a:r>
+              <a:rPr lang="id-ID" sz="2800" dirty="0" smtClean="0"/>
+              <a:t>!</a:t>
+            </a:r>
+            <a:endParaRPr lang="id-ID" sz="2800" dirty="0"/>
+          </a:p>
+        </p:txBody>
+      </p:sp>
+      <p:sp>
+        <p:nvSpPr>
+          <p:cNvPr id="8" name="Text Placeholder 7"/>
+          <p:cNvSpPr>
+            <a:spLocks noGrp="1"/>
+          </p:cNvSpPr>
+          <p:nvPr>
+            <p:ph type="body" sz="quarter" idx="3"/>
+          </p:nvPr>
+        </p:nvSpPr>
+        <p:spPr/>
+        <p:txBody>
+          <a:bodyPr/>
+          <a:lstStyle/>
+          <a:p>
+            <a:r>
+              <a:rPr lang="id-ID" dirty="0" smtClean="0"/>
+              <a:t>UAS</a:t>
+            </a:r>
+            <a:endParaRPr lang="id-ID" dirty="0"/>
+          </a:p>
+        </p:txBody>
+      </p:sp>
+      <p:sp>
+        <p:nvSpPr>
+          <p:cNvPr id="9" name="Content Placeholder 8"/>
+          <p:cNvSpPr>
+            <a:spLocks noGrp="1"/>
+          </p:cNvSpPr>
+          <p:nvPr>
+            <p:ph sz="quarter" idx="4"/>
+          </p:nvPr>
+        </p:nvSpPr>
+        <p:spPr/>
+        <p:txBody>
+          <a:bodyPr>
+            <a:normAutofit/>
+          </a:bodyPr>
+          <a:lstStyle/>
+          <a:p>
+            <a:r>
+              <a:rPr lang="id-ID" sz="2800" dirty="0" smtClean="0"/>
+              <a:t>Implementasikan rancangan Anda di UTS ke dalam aplikasi jadi (desktop based / web based)!</a:t>
+            </a:r>
+            <a:endParaRPr lang="id-ID" sz="2800" dirty="0"/>
+          </a:p>
+        </p:txBody>
+      </p:sp>
+      <p:sp>
+        <p:nvSpPr>
+          <p:cNvPr id="4" name="Footer Placeholder 3"/>
+          <p:cNvSpPr>
+            <a:spLocks noGrp="1"/>
+          </p:cNvSpPr>
+          <p:nvPr>
+            <p:ph type="ftr" sz="quarter" idx="11"/>
+          </p:nvPr>
+        </p:nvSpPr>
+        <p:spPr/>
+        <p:txBody>
+          <a:bodyPr/>
+          <a:lstStyle/>
+          <a:p>
+            <a:r>
+              <a:rPr lang="en-US" smtClean="0"/>
+              <a:t>Design Pattern - Pengantar Design Pattern</a:t>
+            </a:r>
+            <a:endParaRPr lang="en-US" dirty="0"/>
+          </a:p>
+        </p:txBody>
+      </p:sp>
+      <p:sp>
+        <p:nvSpPr>
+          <p:cNvPr id="5" name="Slide Number Placeholder 4"/>
+          <p:cNvSpPr>
+            <a:spLocks noGrp="1"/>
+          </p:cNvSpPr>
+          <p:nvPr>
+            <p:ph type="sldNum" sz="quarter" idx="12"/>
+          </p:nvPr>
+        </p:nvSpPr>
+        <p:spPr/>
+        <p:txBody>
+          <a:bodyPr/>
+          <a:lstStyle/>
+          <a:p>
+            <a:fld id="{48F63A3B-78C7-47BE-AE5E-E10140E04643}" type="slidenum">
+              <a:rPr lang="en-US" smtClean="0"/>
+              <a:t>15</a:t>
+            </a:fld>
+            <a:endParaRPr lang="en-US" dirty="0"/>
+          </a:p>
+        </p:txBody>
+      </p:sp>
+    </p:spTree>
+    <p:extLst>
+      <p:ext uri="{BB962C8B-B14F-4D97-AF65-F5344CB8AC3E}">
+        <p14:creationId xmlns:p14="http://schemas.microsoft.com/office/powerpoint/2010/main" val="2191104763"/>
       </p:ext>
     </p:extLst>
   </p:cSld>
@@ -24065,6 +25309,13 @@
   <p:clrMapOvr>
     <a:masterClrMapping/>
   </p:clrMapOvr>
+  <p:timing>
+    <p:tnLst>
+      <p:par>
+        <p:cTn id="1" dur="indefinite" restart="never" nodeType="tmRoot"/>
+      </p:par>
+    </p:tnLst>
+  </p:timing>
 </p:sld>
 </file>
 
@@ -24693,11 +25944,7 @@
             <a:pPr lvl="1"/>
             <a:r>
               <a:rPr lang="id-ID" sz="2400" dirty="0" smtClean="0"/>
-              <a:t>Antar-proyek atau </a:t>
-            </a:r>
-            <a:r>
-              <a:rPr lang="id-ID" sz="2400" dirty="0" smtClean="0"/>
-              <a:t>antar-programer</a:t>
+              <a:t>Antar-proyek atau antar-programer</a:t>
             </a:r>
           </a:p>
           <a:p>

--- a/PPT/Design Pattern 1 - Pengantar Design Pattern.pptx
+++ b/PPT/Design Pattern 1 - Pengantar Design Pattern.pptx
@@ -8070,9 +8070,9 @@
   </dgm:ptLst>
   <dgm:cxnLst>
     <dgm:cxn modelId="{8A9B450E-DEB2-46D4-BD7B-4FF59A1700F2}" srcId="{097C38C6-5512-4B94-9673-047C8E927ADF}" destId="{178E4E3C-1507-44BA-BDAA-DB95B3160951}" srcOrd="2" destOrd="0" parTransId="{E359FB85-12C3-423D-9B69-3BD38860A57C}" sibTransId="{70DEA222-7EAA-4E5B-AD3A-17C88791A32B}"/>
-    <dgm:cxn modelId="{5543561C-8DD1-4D36-B437-745BDE7334F6}" type="presOf" srcId="{CF0E1081-A5A0-423E-B311-F4F5DA6C8D35}" destId="{FB986A98-5540-4BAC-ABC3-BF510E30DB8B}" srcOrd="0" destOrd="0" presId="urn:microsoft.com/office/officeart/2005/8/layout/bList2"/>
     <dgm:cxn modelId="{1B89B033-9288-459D-824D-D54A7DED52D6}" type="presOf" srcId="{5B424229-9BD9-4730-B57C-1C1BF0D7B026}" destId="{A999AC6A-1F69-4AF1-9D2F-37CE7AEAD4B2}" srcOrd="0" destOrd="1" presId="urn:microsoft.com/office/officeart/2005/8/layout/bList2"/>
     <dgm:cxn modelId="{E7254408-A893-4752-91B2-C9E90F77538B}" srcId="{AC888093-4416-48FF-AE74-D898570BF359}" destId="{E1C73923-9676-459A-93D9-4F878295478D}" srcOrd="0" destOrd="0" parTransId="{DD6392C2-C549-4D5E-8788-CA93168E26B8}" sibTransId="{1B3C4E13-9A98-4B65-8F9C-0959CD12F83B}"/>
+    <dgm:cxn modelId="{5543561C-8DD1-4D36-B437-745BDE7334F6}" type="presOf" srcId="{CF0E1081-A5A0-423E-B311-F4F5DA6C8D35}" destId="{FB986A98-5540-4BAC-ABC3-BF510E30DB8B}" srcOrd="0" destOrd="0" presId="urn:microsoft.com/office/officeart/2005/8/layout/bList2"/>
     <dgm:cxn modelId="{7F58CC44-1ACF-459F-B21D-1B6D40FBBBB0}" type="presOf" srcId="{3CFE6C0B-AF1A-425F-B99A-5526FED0FFD8}" destId="{7106B1BE-5DC8-4244-A4CF-5D46693A9569}" srcOrd="0" destOrd="0" presId="urn:microsoft.com/office/officeart/2005/8/layout/bList2"/>
     <dgm:cxn modelId="{9D990B0D-2AC7-405F-A32D-411B9447D486}" type="presOf" srcId="{8CBCB4E5-74A2-4C48-86B8-49363F1EB6C6}" destId="{D3422584-9CF3-463A-B128-399F89DA7E9D}" srcOrd="0" destOrd="0" presId="urn:microsoft.com/office/officeart/2005/8/layout/bList2"/>
     <dgm:cxn modelId="{70DEEDF4-34FB-4CCA-8090-DA2EE951A137}" type="presOf" srcId="{DF4BDFFF-41CA-4B31-8AD5-0B2542B6208D}" destId="{DD26E716-2F56-4580-ADBB-C444D367765B}" srcOrd="0" destOrd="0" presId="urn:microsoft.com/office/officeart/2005/8/layout/bList2"/>
@@ -8091,29 +8091,29 @@
     <dgm:cxn modelId="{EB7191AD-B9E0-4BA4-9BDD-8DBE39A53736}" srcId="{944F5C5E-15DF-4AF5-B2F5-8901863886B4}" destId="{9D758E8D-5E9C-4A53-A5F6-B645809F728B}" srcOrd="4" destOrd="0" parTransId="{A869442D-185A-465F-BFD3-E6F465A72290}" sibTransId="{4B45AE6D-4646-4FED-AE24-E646BAEF29F7}"/>
     <dgm:cxn modelId="{0F3B5C66-E404-4BE0-AB2A-ED42C5725E1F}" type="presOf" srcId="{A306397A-FD8A-4A92-9B05-B5BD5E5D21BA}" destId="{C174BB0B-CC4F-4673-A7E4-45B9416E2CBE}" srcOrd="0" destOrd="0" presId="urn:microsoft.com/office/officeart/2005/8/layout/bList2"/>
     <dgm:cxn modelId="{9FCC7DEA-D57E-440A-9197-D1679679F86A}" type="presOf" srcId="{6996BAD6-637C-484E-8284-38552B941EDD}" destId="{D1AA0F5F-12AD-4C3A-8147-6725D9524E49}" srcOrd="1" destOrd="0" presId="urn:microsoft.com/office/officeart/2005/8/layout/bList2"/>
+    <dgm:cxn modelId="{5AEFFE35-11CC-4AF1-9B39-92681D375726}" type="presOf" srcId="{178E4E3C-1507-44BA-BDAA-DB95B3160951}" destId="{C174BB0B-CC4F-4673-A7E4-45B9416E2CBE}" srcOrd="0" destOrd="2" presId="urn:microsoft.com/office/officeart/2005/8/layout/bList2"/>
     <dgm:cxn modelId="{AD6BDFB9-99E7-4F38-ADCC-6404A420C9D8}" type="presOf" srcId="{9D758E8D-5E9C-4A53-A5F6-B645809F728B}" destId="{64C58537-A40B-4953-A8D7-BF3769C7CD9D}" srcOrd="1" destOrd="0" presId="urn:microsoft.com/office/officeart/2005/8/layout/bList2"/>
-    <dgm:cxn modelId="{5AEFFE35-11CC-4AF1-9B39-92681D375726}" type="presOf" srcId="{178E4E3C-1507-44BA-BDAA-DB95B3160951}" destId="{C174BB0B-CC4F-4673-A7E4-45B9416E2CBE}" srcOrd="0" destOrd="2" presId="urn:microsoft.com/office/officeart/2005/8/layout/bList2"/>
     <dgm:cxn modelId="{522272EA-1905-4C14-B926-9251D20E72A4}" srcId="{1952FD3C-EBD0-40E0-A927-E57211C747C9}" destId="{D311CF7F-F17F-4FBA-AA0E-12048A0E5690}" srcOrd="1" destOrd="0" parTransId="{C2558B89-4095-4739-9790-754C36A06C91}" sibTransId="{B5D90C1B-7167-4CF2-9804-F7B6B26855FD}"/>
     <dgm:cxn modelId="{6E3D90D5-0B1D-4D73-948D-43D713C93A22}" type="presOf" srcId="{4B45AE6D-4646-4FED-AE24-E646BAEF29F7}" destId="{6C0FC4BC-C733-495E-BF23-3A0FB53B51F2}" srcOrd="0" destOrd="0" presId="urn:microsoft.com/office/officeart/2005/8/layout/bList2"/>
     <dgm:cxn modelId="{AAB25E1F-56A3-4AF7-A187-9DFADD734128}" srcId="{944F5C5E-15DF-4AF5-B2F5-8901863886B4}" destId="{0BD4D64B-A6F5-4C13-A925-B438DEEDDD45}" srcOrd="1" destOrd="0" parTransId="{1EF3F798-27D0-4E66-A609-BD2AAF1B290E}" sibTransId="{8CBCB4E5-74A2-4C48-86B8-49363F1EB6C6}"/>
     <dgm:cxn modelId="{7CFE7B01-C2D0-448C-ABBF-8007E56BA072}" srcId="{944F5C5E-15DF-4AF5-B2F5-8901863886B4}" destId="{6996BAD6-637C-484E-8284-38552B941EDD}" srcOrd="0" destOrd="0" parTransId="{C2B040E5-8F9C-4953-A5E5-F2CF677858C9}" sibTransId="{0CFA2CC3-C4D1-4B98-8595-05BC8889CA4C}"/>
+    <dgm:cxn modelId="{7574C5A9-FFE8-4D95-936F-B9381107A931}" type="presOf" srcId="{A996C5A9-4947-4D29-B699-B26785264ED5}" destId="{C174BB0B-CC4F-4673-A7E4-45B9416E2CBE}" srcOrd="0" destOrd="1" presId="urn:microsoft.com/office/officeart/2005/8/layout/bList2"/>
     <dgm:cxn modelId="{5A034DF3-0BE1-4945-9493-32754418328A}" type="presOf" srcId="{1F261EE2-231E-44E2-AE25-A71B7EB8CBF0}" destId="{B4062244-E435-4A83-BF14-C633A35AA45F}" srcOrd="0" destOrd="0" presId="urn:microsoft.com/office/officeart/2005/8/layout/bList2"/>
-    <dgm:cxn modelId="{7574C5A9-FFE8-4D95-936F-B9381107A931}" type="presOf" srcId="{A996C5A9-4947-4D29-B699-B26785264ED5}" destId="{C174BB0B-CC4F-4673-A7E4-45B9416E2CBE}" srcOrd="0" destOrd="1" presId="urn:microsoft.com/office/officeart/2005/8/layout/bList2"/>
     <dgm:cxn modelId="{74D1D777-5BDF-4F0B-BC1B-5ED6F9A91847}" srcId="{AC888093-4416-48FF-AE74-D898570BF359}" destId="{804B3186-2F6C-432D-9628-4C5A774D7E51}" srcOrd="2" destOrd="0" parTransId="{0906AAD6-C936-4A39-97F8-CA1E3AD80F34}" sibTransId="{5FD21FA2-E740-4B5D-8406-4D606A86E3D5}"/>
     <dgm:cxn modelId="{440E512F-F864-4DC3-BC00-854307966324}" type="presOf" srcId="{A0519A28-DD5B-4345-9DB3-DEA6309762CE}" destId="{318AACCD-F906-45D1-AD28-0DB3AC3F4751}" srcOrd="1" destOrd="0" presId="urn:microsoft.com/office/officeart/2005/8/layout/bList2"/>
     <dgm:cxn modelId="{C003C8C1-5045-469E-976F-A3419C066802}" type="presOf" srcId="{60B14F4F-6714-495B-8DA5-2D9875AF5E16}" destId="{72EFF0F2-E9BD-4176-93DA-7A69664A6B9B}" srcOrd="0" destOrd="1" presId="urn:microsoft.com/office/officeart/2005/8/layout/bList2"/>
     <dgm:cxn modelId="{E96947F4-5470-47CF-AAE5-D83C52B72B7D}" type="presOf" srcId="{DE532163-8338-4F50-BD90-692325F14BD7}" destId="{72EFF0F2-E9BD-4176-93DA-7A69664A6B9B}" srcOrd="0" destOrd="2" presId="urn:microsoft.com/office/officeart/2005/8/layout/bList2"/>
     <dgm:cxn modelId="{50DDA2F0-3A97-473A-8844-E145E302FE93}" type="presOf" srcId="{097C38C6-5512-4B94-9673-047C8E927ADF}" destId="{6A797303-0B30-43AA-814B-4026A142F97D}" srcOrd="1" destOrd="0" presId="urn:microsoft.com/office/officeart/2005/8/layout/bList2"/>
     <dgm:cxn modelId="{BA056E1F-7B09-4C26-AA09-18C3FA53C454}" type="presOf" srcId="{8B9DBA0C-297F-4153-AB4E-F6C5133570E7}" destId="{2CE9B22A-8D1D-4782-BFE6-4DDE3AEB11BF}" srcOrd="0" destOrd="0" presId="urn:microsoft.com/office/officeart/2005/8/layout/bList2"/>
+    <dgm:cxn modelId="{CFCCD8FF-2A75-4000-9324-5F10F8A8437A}" type="presOf" srcId="{C9BA539F-FAC1-4773-B73B-8E08B739C4B9}" destId="{D5049AFC-9707-4DBC-8BDD-A2A26376592A}" srcOrd="0" destOrd="0" presId="urn:microsoft.com/office/officeart/2005/8/layout/bList2"/>
     <dgm:cxn modelId="{2D9FDED5-3497-473E-9B64-B2CBE05F3153}" type="presOf" srcId="{AC888093-4416-48FF-AE74-D898570BF359}" destId="{DC61F918-0D66-43D4-A810-548E7FB8E7A1}" srcOrd="0" destOrd="0" presId="urn:microsoft.com/office/officeart/2005/8/layout/bList2"/>
-    <dgm:cxn modelId="{CFCCD8FF-2A75-4000-9324-5F10F8A8437A}" type="presOf" srcId="{C9BA539F-FAC1-4773-B73B-8E08B739C4B9}" destId="{D5049AFC-9707-4DBC-8BDD-A2A26376592A}" srcOrd="0" destOrd="0" presId="urn:microsoft.com/office/officeart/2005/8/layout/bList2"/>
     <dgm:cxn modelId="{053B67A9-FF36-4DDE-A6D5-D0E6E3751B31}" srcId="{6996BAD6-637C-484E-8284-38552B941EDD}" destId="{C4A5245C-A223-4734-9144-CCD8AC562FA1}" srcOrd="0" destOrd="0" parTransId="{83666F0D-ADB9-49F0-9EBF-D94FE51569A4}" sibTransId="{B06C21CF-BA5D-48B4-B74F-054256102C71}"/>
     <dgm:cxn modelId="{0382DB31-A159-4D6A-BEEC-38B9E7057928}" type="presOf" srcId="{77970FF4-2135-4297-A73A-57F53800574C}" destId="{B75CCBEA-A2DA-45C2-80CD-FF8A1FE60543}" srcOrd="0" destOrd="1" presId="urn:microsoft.com/office/officeart/2005/8/layout/bList2"/>
     <dgm:cxn modelId="{A73CAD19-3968-424C-84DD-6BC5127F2786}" srcId="{AC888093-4416-48FF-AE74-D898570BF359}" destId="{5B424229-9BD9-4730-B57C-1C1BF0D7B026}" srcOrd="1" destOrd="0" parTransId="{287B9A01-FEEB-44A0-A753-DFDEBA0016E9}" sibTransId="{86F05E20-D099-4F51-A69E-F659B82AEAF3}"/>
     <dgm:cxn modelId="{F72D56F7-DF28-4891-96E9-0385CDFAF63C}" srcId="{944F5C5E-15DF-4AF5-B2F5-8901863886B4}" destId="{1952FD3C-EBD0-40E0-A927-E57211C747C9}" srcOrd="9" destOrd="0" parTransId="{BDD55622-85AC-4A56-98E3-06716F7D853D}" sibTransId="{8C4AFDB7-9E31-4277-AC0A-1D53E241F11A}"/>
     <dgm:cxn modelId="{867FBF68-5063-4EE0-9B9B-7828037A5532}" type="presOf" srcId="{D311CF7F-F17F-4FBA-AA0E-12048A0E5690}" destId="{D853D8C2-E0C8-4F90-91EA-786545408879}" srcOrd="0" destOrd="1" presId="urn:microsoft.com/office/officeart/2005/8/layout/bList2"/>
+    <dgm:cxn modelId="{0830E8DD-AC5C-4889-A408-03A95CAF07C9}" srcId="{C9BA539F-FAC1-4773-B73B-8E08B739C4B9}" destId="{256B49A3-F9DB-4F2C-BFC9-15F8CCEDA242}" srcOrd="0" destOrd="0" parTransId="{A68638D8-361A-43F4-835E-0697E2DFFAED}" sibTransId="{B3C76673-5F1B-4DC0-807E-0CDBBE4D093B}"/>
     <dgm:cxn modelId="{1B4D14A2-04E3-44E5-B765-C46E3F3857B6}" srcId="{8B9DBA0C-297F-4153-AB4E-F6C5133570E7}" destId="{1F261EE2-231E-44E2-AE25-A71B7EB8CBF0}" srcOrd="0" destOrd="0" parTransId="{48B6A5DE-6C71-42E9-A06F-1DB4590F4E63}" sibTransId="{B01C89DE-3A6A-420A-A182-05A1B5228620}"/>
-    <dgm:cxn modelId="{0830E8DD-AC5C-4889-A408-03A95CAF07C9}" srcId="{C9BA539F-FAC1-4773-B73B-8E08B739C4B9}" destId="{256B49A3-F9DB-4F2C-BFC9-15F8CCEDA242}" srcOrd="0" destOrd="0" parTransId="{A68638D8-361A-43F4-835E-0697E2DFFAED}" sibTransId="{B3C76673-5F1B-4DC0-807E-0CDBBE4D093B}"/>
     <dgm:cxn modelId="{9AADBE94-63B0-4303-84D8-228CCF759343}" type="presOf" srcId="{0CFA2CC3-C4D1-4B98-8595-05BC8889CA4C}" destId="{FEFC49F0-1002-41CC-8541-7CD757666D35}" srcOrd="0" destOrd="0" presId="urn:microsoft.com/office/officeart/2005/8/layout/bList2"/>
     <dgm:cxn modelId="{5D290812-1BF7-4DBF-976F-7565E20040BF}" type="presOf" srcId="{256B49A3-F9DB-4F2C-BFC9-15F8CCEDA242}" destId="{B75CCBEA-A2DA-45C2-80CD-FF8A1FE60543}" srcOrd="0" destOrd="0" presId="urn:microsoft.com/office/officeart/2005/8/layout/bList2"/>
     <dgm:cxn modelId="{F600E6E9-C960-4F40-B41D-5B3397427BC2}" type="presOf" srcId="{B1096D3B-0A8E-41E8-B965-A90D6E3D5D8D}" destId="{B4062244-E435-4A83-BF14-C633A35AA45F}" srcOrd="0" destOrd="1" presId="urn:microsoft.com/office/officeart/2005/8/layout/bList2"/>
@@ -8139,8 +8139,8 @@
     <dgm:cxn modelId="{851C9C06-92B8-4B50-867C-2BE03D093094}" type="presOf" srcId="{1952FD3C-EBD0-40E0-A927-E57211C747C9}" destId="{AC103858-2B44-42E1-994E-604DB1225965}" srcOrd="1" destOrd="0" presId="urn:microsoft.com/office/officeart/2005/8/layout/bList2"/>
     <dgm:cxn modelId="{743CA6C6-7BB0-4920-AB7E-1E372B230746}" type="presOf" srcId="{F31A48A7-8D14-42B8-97EE-B5FAA0065B92}" destId="{1DC35D28-A2AB-4BB6-9931-1C6DDCCE1BEF}" srcOrd="0" destOrd="0" presId="urn:microsoft.com/office/officeart/2005/8/layout/bList2"/>
     <dgm:cxn modelId="{F7FE111A-AC88-4B2D-ABE6-4F276AC61C56}" type="presOf" srcId="{2D9CDFDE-BB88-4DF0-AACA-0D5E3E25BE02}" destId="{D853D8C2-E0C8-4F90-91EA-786545408879}" srcOrd="0" destOrd="0" presId="urn:microsoft.com/office/officeart/2005/8/layout/bList2"/>
+    <dgm:cxn modelId="{2CE73AC9-F7C8-46D8-AE1C-9387E947F560}" type="presOf" srcId="{804B3186-2F6C-432D-9628-4C5A774D7E51}" destId="{A999AC6A-1F69-4AF1-9D2F-37CE7AEAD4B2}" srcOrd="0" destOrd="2" presId="urn:microsoft.com/office/officeart/2005/8/layout/bList2"/>
     <dgm:cxn modelId="{0E6D459A-D4FF-4504-8C3C-907B97A1EC7F}" type="presOf" srcId="{C9BA539F-FAC1-4773-B73B-8E08B739C4B9}" destId="{4C88545F-A2BE-4690-B2A9-8354CDFDD2F7}" srcOrd="1" destOrd="0" presId="urn:microsoft.com/office/officeart/2005/8/layout/bList2"/>
-    <dgm:cxn modelId="{2CE73AC9-F7C8-46D8-AE1C-9387E947F560}" type="presOf" srcId="{804B3186-2F6C-432D-9628-4C5A774D7E51}" destId="{A999AC6A-1F69-4AF1-9D2F-37CE7AEAD4B2}" srcOrd="0" destOrd="2" presId="urn:microsoft.com/office/officeart/2005/8/layout/bList2"/>
     <dgm:cxn modelId="{AD0487D6-419F-409E-96BF-E58DA9562851}" type="presOf" srcId="{0BD4D64B-A6F5-4C13-A925-B438DEEDDD45}" destId="{333CF238-3B17-4D44-845C-78B4FF70C6AE}" srcOrd="1" destOrd="0" presId="urn:microsoft.com/office/officeart/2005/8/layout/bList2"/>
     <dgm:cxn modelId="{FFCD5C5F-0831-4C40-AC68-BB7CAD856DAD}" srcId="{0BD4D64B-A6F5-4C13-A925-B438DEEDDD45}" destId="{C9C6F18B-53EF-4BC7-A519-C08556112F28}" srcOrd="1" destOrd="0" parTransId="{E70F5C11-8012-4EAB-A15C-6DAB66432E65}" sibTransId="{EEC3361C-BF2C-45DA-82CE-BC803D6DBB90}"/>
     <dgm:cxn modelId="{69BB4675-7636-4FFE-85BB-E1487A571B57}" srcId="{944F5C5E-15DF-4AF5-B2F5-8901863886B4}" destId="{AC888093-4416-48FF-AE74-D898570BF359}" srcOrd="8" destOrd="0" parTransId="{F8D252F9-239C-4C97-BB7B-FDE295BDBD2B}" sibTransId="{17EACF50-53A6-43AE-93C4-0A6130CF57D0}"/>
@@ -19167,7 +19167,7 @@
           <a:p>
             <a:fld id="{CB72CE30-0798-4FA5-A77A-173E68FCFABD}" type="datetimeFigureOut">
               <a:rPr lang="id-ID" smtClean="0"/>
-              <a:t>23/01/2017</a:t>
+              <a:t>26/01/2017</a:t>
             </a:fld>
             <a:endParaRPr lang="id-ID"/>
           </a:p>
@@ -19587,7 +19587,7 @@
           <a:p>
             <a:fld id="{2797BE76-A178-44FD-B133-ADB874CDF211}" type="datetime1">
               <a:rPr lang="en-US" smtClean="0"/>
-              <a:t>1/23/2017</a:t>
+              <a:t>1/26/2017</a:t>
             </a:fld>
             <a:endParaRPr lang="en-US" dirty="0"/>
           </a:p>
@@ -19844,7 +19844,7 @@
           <a:p>
             <a:fld id="{B2CA0F8C-A7A6-41AB-B81F-DE18C292EF2C}" type="datetime1">
               <a:rPr lang="en-US" smtClean="0"/>
-              <a:t>1/23/2017</a:t>
+              <a:t>1/26/2017</a:t>
             </a:fld>
             <a:endParaRPr lang="en-US" dirty="0"/>
           </a:p>
@@ -20028,7 +20028,7 @@
           <a:p>
             <a:fld id="{692B3E27-1A14-41D5-B46F-31C175907593}" type="datetime1">
               <a:rPr lang="en-US" smtClean="0"/>
-              <a:t>1/23/2017</a:t>
+              <a:t>1/26/2017</a:t>
             </a:fld>
             <a:endParaRPr lang="en-US" dirty="0"/>
           </a:p>
@@ -20237,7 +20237,7 @@
           <a:p>
             <a:fld id="{7F612A62-92D0-4DBF-BA41-D7CEE15F44C1}" type="datetime1">
               <a:rPr lang="en-US" smtClean="0"/>
-              <a:t>1/23/2017</a:t>
+              <a:t>1/26/2017</a:t>
             </a:fld>
             <a:endParaRPr lang="en-US" dirty="0"/>
           </a:p>
@@ -20498,7 +20498,7 @@
           <a:p>
             <a:fld id="{A44D3D01-C2A4-4AAD-9587-13019A4E2239}" type="datetime1">
               <a:rPr lang="en-US" smtClean="0"/>
-              <a:t>1/23/2017</a:t>
+              <a:t>1/26/2017</a:t>
             </a:fld>
             <a:endParaRPr lang="en-US" dirty="0"/>
           </a:p>
@@ -20824,7 +20824,7 @@
           <a:p>
             <a:fld id="{751237B3-AFB9-40FD-975A-9E5837A7FEE7}" type="datetime1">
               <a:rPr lang="en-US" smtClean="0"/>
-              <a:t>1/23/2017</a:t>
+              <a:t>1/26/2017</a:t>
             </a:fld>
             <a:endParaRPr lang="en-US" dirty="0"/>
           </a:p>
@@ -21226,7 +21226,7 @@
           <a:p>
             <a:fld id="{147213DB-5280-4713-BCD1-D2F9B0E95645}" type="datetime1">
               <a:rPr lang="en-US" smtClean="0"/>
-              <a:t>1/23/2017</a:t>
+              <a:t>1/26/2017</a:t>
             </a:fld>
             <a:endParaRPr lang="en-US" dirty="0"/>
           </a:p>
@@ -21348,7 +21348,7 @@
           <a:p>
             <a:fld id="{C08F8B92-BBA1-4F32-A025-92D61069222C}" type="datetime1">
               <a:rPr lang="en-US" smtClean="0"/>
-              <a:t>1/23/2017</a:t>
+              <a:t>1/26/2017</a:t>
             </a:fld>
             <a:endParaRPr lang="en-US" dirty="0"/>
           </a:p>
@@ -21447,7 +21447,7 @@
           <a:p>
             <a:fld id="{E61A73E5-40FA-4FC1-BF4B-9154337BA112}" type="datetime1">
               <a:rPr lang="en-US" smtClean="0"/>
-              <a:t>1/23/2017</a:t>
+              <a:t>1/26/2017</a:t>
             </a:fld>
             <a:endParaRPr lang="en-US" dirty="0"/>
           </a:p>
@@ -21741,7 +21741,7 @@
           <a:p>
             <a:fld id="{E1C3C029-3F97-4BC2-A0B3-1BCA895D2B8C}" type="datetime1">
               <a:rPr lang="en-US" smtClean="0"/>
-              <a:t>1/23/2017</a:t>
+              <a:t>1/26/2017</a:t>
             </a:fld>
             <a:endParaRPr lang="en-US" dirty="0"/>
           </a:p>
@@ -22025,7 +22025,7 @@
           <a:p>
             <a:fld id="{5EB5E58D-AC6A-4B2C-B39C-F218B826CEFD}" type="datetime1">
               <a:rPr lang="en-US" smtClean="0"/>
-              <a:t>1/23/2017</a:t>
+              <a:t>1/26/2017</a:t>
             </a:fld>
             <a:endParaRPr lang="en-US" dirty="0"/>
           </a:p>
@@ -22279,7 +22279,7 @@
           <a:p>
             <a:fld id="{932C9AE0-82BA-494E-82ED-815FE58AD3CD}" type="datetime1">
               <a:rPr lang="en-US" smtClean="0"/>
-              <a:t>1/23/2017</a:t>
+              <a:t>1/26/2017</a:t>
             </a:fld>
             <a:endParaRPr lang="en-US" dirty="0"/>
           </a:p>
@@ -24751,7 +24751,20 @@
           <a:p>
             <a:r>
               <a:rPr lang="id-ID" sz="2800" dirty="0" smtClean="0"/>
-              <a:t>Implementasikan rancangan Anda di UTS ke dalam aplikasi jadi (desktop based / web based)!</a:t>
+              <a:t>Implementasikan rancangan Anda di UTS ke dalam aplikasi jadi (desktop based / web based</a:t>
+            </a:r>
+            <a:r>
+              <a:rPr lang="id-ID" sz="2800" dirty="0" smtClean="0"/>
+              <a:t>)!</a:t>
+            </a:r>
+          </a:p>
+          <a:p>
+            <a:endParaRPr lang="id-ID" sz="2800" dirty="0"/>
+          </a:p>
+          <a:p>
+            <a:r>
+              <a:rPr lang="id-ID" sz="2800" smtClean="0"/>
+              <a:t>Tampilan bukan yang utama (meskipun tetap ada harganya)</a:t>
             </a:r>
             <a:endParaRPr lang="id-ID" sz="2800" dirty="0"/>
           </a:p>

--- a/PPT/Design Pattern 1 - Pengantar Design Pattern.pptx
+++ b/PPT/Design Pattern 1 - Pengantar Design Pattern.pptx
@@ -7207,10 +7207,24 @@
     <dgm:pt modelId="{D43180A0-C41F-4FC4-9C0F-6E5B1BAFBD59}" type="parTrans" cxnId="{CF97DB5B-65E1-4991-9ED9-7B8E44AD232C}">
       <dgm:prSet/>
       <dgm:spPr/>
+      <dgm:t>
+        <a:bodyPr/>
+        <a:lstStyle/>
+        <a:p>
+          <a:endParaRPr lang="en-US"/>
+        </a:p>
+      </dgm:t>
     </dgm:pt>
     <dgm:pt modelId="{140F001B-BEE5-4717-BBAE-20F870899868}" type="sibTrans" cxnId="{CF97DB5B-65E1-4991-9ED9-7B8E44AD232C}">
       <dgm:prSet/>
       <dgm:spPr/>
+      <dgm:t>
+        <a:bodyPr/>
+        <a:lstStyle/>
+        <a:p>
+          <a:endParaRPr lang="en-US"/>
+        </a:p>
+      </dgm:t>
     </dgm:pt>
     <dgm:pt modelId="{A996C5A9-4947-4D29-B699-B26785264ED5}">
       <dgm:prSet phldrT="[Text]"/>
@@ -7230,10 +7244,24 @@
     <dgm:pt modelId="{7242D98F-A396-4CEB-9169-8F02AE8BE390}" type="parTrans" cxnId="{28BBA3E4-B396-486A-A3D5-8D43497F6A8F}">
       <dgm:prSet/>
       <dgm:spPr/>
+      <dgm:t>
+        <a:bodyPr/>
+        <a:lstStyle/>
+        <a:p>
+          <a:endParaRPr lang="en-US"/>
+        </a:p>
+      </dgm:t>
     </dgm:pt>
     <dgm:pt modelId="{F7BE18F4-2E59-4F81-AFC8-C3BA16AC6844}" type="sibTrans" cxnId="{28BBA3E4-B396-486A-A3D5-8D43497F6A8F}">
       <dgm:prSet/>
       <dgm:spPr/>
+      <dgm:t>
+        <a:bodyPr/>
+        <a:lstStyle/>
+        <a:p>
+          <a:endParaRPr lang="en-US"/>
+        </a:p>
+      </dgm:t>
     </dgm:pt>
     <dgm:pt modelId="{178E4E3C-1507-44BA-BDAA-DB95B3160951}">
       <dgm:prSet phldrT="[Text]"/>
@@ -7253,10 +7281,24 @@
     <dgm:pt modelId="{E359FB85-12C3-423D-9B69-3BD38860A57C}" type="parTrans" cxnId="{8A9B450E-DEB2-46D4-BD7B-4FF59A1700F2}">
       <dgm:prSet/>
       <dgm:spPr/>
+      <dgm:t>
+        <a:bodyPr/>
+        <a:lstStyle/>
+        <a:p>
+          <a:endParaRPr lang="en-US"/>
+        </a:p>
+      </dgm:t>
     </dgm:pt>
     <dgm:pt modelId="{70DEA222-7EAA-4E5B-AD3A-17C88791A32B}" type="sibTrans" cxnId="{8A9B450E-DEB2-46D4-BD7B-4FF59A1700F2}">
       <dgm:prSet/>
       <dgm:spPr/>
+      <dgm:t>
+        <a:bodyPr/>
+        <a:lstStyle/>
+        <a:p>
+          <a:endParaRPr lang="en-US"/>
+        </a:p>
+      </dgm:t>
     </dgm:pt>
     <dgm:pt modelId="{E1C73923-9676-459A-93D9-4F878295478D}">
       <dgm:prSet phldrT="[Text]"/>
@@ -7276,10 +7318,24 @@
     <dgm:pt modelId="{DD6392C2-C549-4D5E-8788-CA93168E26B8}" type="parTrans" cxnId="{E7254408-A893-4752-91B2-C9E90F77538B}">
       <dgm:prSet/>
       <dgm:spPr/>
+      <dgm:t>
+        <a:bodyPr/>
+        <a:lstStyle/>
+        <a:p>
+          <a:endParaRPr lang="en-US"/>
+        </a:p>
+      </dgm:t>
     </dgm:pt>
     <dgm:pt modelId="{1B3C4E13-9A98-4B65-8F9C-0959CD12F83B}" type="sibTrans" cxnId="{E7254408-A893-4752-91B2-C9E90F77538B}">
       <dgm:prSet/>
       <dgm:spPr/>
+      <dgm:t>
+        <a:bodyPr/>
+        <a:lstStyle/>
+        <a:p>
+          <a:endParaRPr lang="en-US"/>
+        </a:p>
+      </dgm:t>
     </dgm:pt>
     <dgm:pt modelId="{5B424229-9BD9-4730-B57C-1C1BF0D7B026}">
       <dgm:prSet phldrT="[Text]"/>
@@ -7299,10 +7355,24 @@
     <dgm:pt modelId="{287B9A01-FEEB-44A0-A753-DFDEBA0016E9}" type="parTrans" cxnId="{A73CAD19-3968-424C-84DD-6BC5127F2786}">
       <dgm:prSet/>
       <dgm:spPr/>
+      <dgm:t>
+        <a:bodyPr/>
+        <a:lstStyle/>
+        <a:p>
+          <a:endParaRPr lang="en-US"/>
+        </a:p>
+      </dgm:t>
     </dgm:pt>
     <dgm:pt modelId="{86F05E20-D099-4F51-A69E-F659B82AEAF3}" type="sibTrans" cxnId="{A73CAD19-3968-424C-84DD-6BC5127F2786}">
       <dgm:prSet/>
       <dgm:spPr/>
+      <dgm:t>
+        <a:bodyPr/>
+        <a:lstStyle/>
+        <a:p>
+          <a:endParaRPr lang="en-US"/>
+        </a:p>
+      </dgm:t>
     </dgm:pt>
     <dgm:pt modelId="{804B3186-2F6C-432D-9628-4C5A774D7E51}">
       <dgm:prSet phldrT="[Text]"/>
@@ -7322,10 +7392,24 @@
     <dgm:pt modelId="{0906AAD6-C936-4A39-97F8-CA1E3AD80F34}" type="parTrans" cxnId="{74D1D777-5BDF-4F0B-BC1B-5ED6F9A91847}">
       <dgm:prSet/>
       <dgm:spPr/>
+      <dgm:t>
+        <a:bodyPr/>
+        <a:lstStyle/>
+        <a:p>
+          <a:endParaRPr lang="en-US"/>
+        </a:p>
+      </dgm:t>
     </dgm:pt>
     <dgm:pt modelId="{5FD21FA2-E740-4B5D-8406-4D606A86E3D5}" type="sibTrans" cxnId="{74D1D777-5BDF-4F0B-BC1B-5ED6F9A91847}">
       <dgm:prSet/>
       <dgm:spPr/>
+      <dgm:t>
+        <a:bodyPr/>
+        <a:lstStyle/>
+        <a:p>
+          <a:endParaRPr lang="en-US"/>
+        </a:p>
+      </dgm:t>
     </dgm:pt>
     <dgm:pt modelId="{B1096D3B-0A8E-41E8-B965-A90D6E3D5D8D}">
       <dgm:prSet phldrT="[Text]"/>
@@ -7345,10 +7429,24 @@
     <dgm:pt modelId="{1B0EC32B-512F-4515-9558-1F4C756F0E5D}" type="parTrans" cxnId="{E719A26F-79AE-4215-A380-83E80804B9E9}">
       <dgm:prSet/>
       <dgm:spPr/>
+      <dgm:t>
+        <a:bodyPr/>
+        <a:lstStyle/>
+        <a:p>
+          <a:endParaRPr lang="en-US"/>
+        </a:p>
+      </dgm:t>
     </dgm:pt>
     <dgm:pt modelId="{BC1CB25D-367D-430D-910F-602AD2833874}" type="sibTrans" cxnId="{E719A26F-79AE-4215-A380-83E80804B9E9}">
       <dgm:prSet/>
       <dgm:spPr/>
+      <dgm:t>
+        <a:bodyPr/>
+        <a:lstStyle/>
+        <a:p>
+          <a:endParaRPr lang="en-US"/>
+        </a:p>
+      </dgm:t>
     </dgm:pt>
     <dgm:pt modelId="{DE532163-8338-4F50-BD90-692325F14BD7}">
       <dgm:prSet phldrT="[Text]"/>
@@ -7368,10 +7466,24 @@
     <dgm:pt modelId="{51576583-7FFF-4F35-9D3D-1409979E0074}" type="parTrans" cxnId="{5ABE7987-B56C-45CD-AE7A-F10B806CE247}">
       <dgm:prSet/>
       <dgm:spPr/>
+      <dgm:t>
+        <a:bodyPr/>
+        <a:lstStyle/>
+        <a:p>
+          <a:endParaRPr lang="en-US"/>
+        </a:p>
+      </dgm:t>
     </dgm:pt>
     <dgm:pt modelId="{21923EEF-DE32-4541-8FF2-DCF074832E19}" type="sibTrans" cxnId="{5ABE7987-B56C-45CD-AE7A-F10B806CE247}">
       <dgm:prSet/>
       <dgm:spPr/>
+      <dgm:t>
+        <a:bodyPr/>
+        <a:lstStyle/>
+        <a:p>
+          <a:endParaRPr lang="en-US"/>
+        </a:p>
+      </dgm:t>
     </dgm:pt>
     <dgm:pt modelId="{2D9CDFDE-BB88-4DF0-AACA-0D5E3E25BE02}">
       <dgm:prSet phldrT="[Text]"/>
@@ -7391,10 +7503,24 @@
     <dgm:pt modelId="{F1097E6B-7F72-453A-9E9F-8F1992E2441F}" type="parTrans" cxnId="{7D6AE2BB-1FB9-4FEB-BAA7-1FE70407DE9F}">
       <dgm:prSet/>
       <dgm:spPr/>
+      <dgm:t>
+        <a:bodyPr/>
+        <a:lstStyle/>
+        <a:p>
+          <a:endParaRPr lang="en-US"/>
+        </a:p>
+      </dgm:t>
     </dgm:pt>
     <dgm:pt modelId="{699E83C1-184C-4315-9D49-71332BB59620}" type="sibTrans" cxnId="{7D6AE2BB-1FB9-4FEB-BAA7-1FE70407DE9F}">
       <dgm:prSet/>
       <dgm:spPr/>
+      <dgm:t>
+        <a:bodyPr/>
+        <a:lstStyle/>
+        <a:p>
+          <a:endParaRPr lang="en-US"/>
+        </a:p>
+      </dgm:t>
     </dgm:pt>
     <dgm:pt modelId="{D311CF7F-F17F-4FBA-AA0E-12048A0E5690}">
       <dgm:prSet phldrT="[Text]"/>
@@ -7414,10 +7540,24 @@
     <dgm:pt modelId="{C2558B89-4095-4739-9790-754C36A06C91}" type="parTrans" cxnId="{522272EA-1905-4C14-B926-9251D20E72A4}">
       <dgm:prSet/>
       <dgm:spPr/>
+      <dgm:t>
+        <a:bodyPr/>
+        <a:lstStyle/>
+        <a:p>
+          <a:endParaRPr lang="en-US"/>
+        </a:p>
+      </dgm:t>
     </dgm:pt>
     <dgm:pt modelId="{B5D90C1B-7167-4CF2-9804-F7B6B26855FD}" type="sibTrans" cxnId="{522272EA-1905-4C14-B926-9251D20E72A4}">
       <dgm:prSet/>
       <dgm:spPr/>
+      <dgm:t>
+        <a:bodyPr/>
+        <a:lstStyle/>
+        <a:p>
+          <a:endParaRPr lang="en-US"/>
+        </a:p>
+      </dgm:t>
     </dgm:pt>
     <dgm:pt modelId="{256B49A3-F9DB-4F2C-BFC9-15F8CCEDA242}">
       <dgm:prSet phldrT="[Text]"/>
@@ -7437,10 +7577,24 @@
     <dgm:pt modelId="{A68638D8-361A-43F4-835E-0697E2DFFAED}" type="parTrans" cxnId="{0830E8DD-AC5C-4889-A408-03A95CAF07C9}">
       <dgm:prSet/>
       <dgm:spPr/>
+      <dgm:t>
+        <a:bodyPr/>
+        <a:lstStyle/>
+        <a:p>
+          <a:endParaRPr lang="en-US"/>
+        </a:p>
+      </dgm:t>
     </dgm:pt>
     <dgm:pt modelId="{B3C76673-5F1B-4DC0-807E-0CDBBE4D093B}" type="sibTrans" cxnId="{0830E8DD-AC5C-4889-A408-03A95CAF07C9}">
       <dgm:prSet/>
       <dgm:spPr/>
+      <dgm:t>
+        <a:bodyPr/>
+        <a:lstStyle/>
+        <a:p>
+          <a:endParaRPr lang="en-US"/>
+        </a:p>
+      </dgm:t>
     </dgm:pt>
     <dgm:pt modelId="{77970FF4-2135-4297-A73A-57F53800574C}">
       <dgm:prSet phldrT="[Text]"/>
@@ -7460,10 +7614,172 @@
     <dgm:pt modelId="{5BC4A808-2BD5-4E3C-AC4D-25FF0A2A68B2}" type="parTrans" cxnId="{62251155-074C-46AC-A8C2-0DA03E1D4678}">
       <dgm:prSet/>
       <dgm:spPr/>
+      <dgm:t>
+        <a:bodyPr/>
+        <a:lstStyle/>
+        <a:p>
+          <a:endParaRPr lang="en-US"/>
+        </a:p>
+      </dgm:t>
     </dgm:pt>
     <dgm:pt modelId="{9FD10741-0598-40C0-B539-71CEC6364BAD}" type="sibTrans" cxnId="{62251155-074C-46AC-A8C2-0DA03E1D4678}">
       <dgm:prSet/>
       <dgm:spPr/>
+      <dgm:t>
+        <a:bodyPr/>
+        <a:lstStyle/>
+        <a:p>
+          <a:endParaRPr lang="en-US"/>
+        </a:p>
+      </dgm:t>
+    </dgm:pt>
+    <dgm:pt modelId="{F1A2F367-48E5-407B-A4A3-2D6E03B12C96}">
+      <dgm:prSet phldrT="[Text]"/>
+      <dgm:spPr/>
+      <dgm:t>
+        <a:bodyPr/>
+        <a:lstStyle/>
+        <a:p>
+          <a:r>
+            <a:rPr lang="id-ID" dirty="0" smtClean="0"/>
+            <a:t>Royhan R.F.</a:t>
+          </a:r>
+          <a:endParaRPr lang="en-US" dirty="0"/>
+        </a:p>
+      </dgm:t>
+    </dgm:pt>
+    <dgm:pt modelId="{D83FA98D-3F0A-46EE-9C2A-209679473417}" type="parTrans" cxnId="{6C6DFE00-0ABB-4BFD-9BF8-F51DB0B3F613}">
+      <dgm:prSet/>
+      <dgm:spPr/>
+      <dgm:t>
+        <a:bodyPr/>
+        <a:lstStyle/>
+        <a:p>
+          <a:endParaRPr lang="en-US"/>
+        </a:p>
+      </dgm:t>
+    </dgm:pt>
+    <dgm:pt modelId="{BA754B7F-5622-4166-80DC-838E7A123FC0}" type="sibTrans" cxnId="{6C6DFE00-0ABB-4BFD-9BF8-F51DB0B3F613}">
+      <dgm:prSet/>
+      <dgm:spPr/>
+      <dgm:t>
+        <a:bodyPr/>
+        <a:lstStyle/>
+        <a:p>
+          <a:endParaRPr lang="en-US"/>
+        </a:p>
+      </dgm:t>
+    </dgm:pt>
+    <dgm:pt modelId="{1525448E-D8AB-495B-B9D0-186A7C2B5731}">
+      <dgm:prSet phldrT="[Text]"/>
+      <dgm:spPr/>
+      <dgm:t>
+        <a:bodyPr/>
+        <a:lstStyle/>
+        <a:p>
+          <a:r>
+            <a:rPr lang="id-ID" dirty="0" smtClean="0"/>
+            <a:t>Erizka N.N.</a:t>
+          </a:r>
+          <a:endParaRPr lang="en-US" dirty="0"/>
+        </a:p>
+      </dgm:t>
+    </dgm:pt>
+    <dgm:pt modelId="{3CED5F13-3246-46F0-B0E4-56D400D4411C}" type="parTrans" cxnId="{0B689F1C-FA16-4DD4-BD42-0D7128BFD383}">
+      <dgm:prSet/>
+      <dgm:spPr/>
+      <dgm:t>
+        <a:bodyPr/>
+        <a:lstStyle/>
+        <a:p>
+          <a:endParaRPr lang="en-US"/>
+        </a:p>
+      </dgm:t>
+    </dgm:pt>
+    <dgm:pt modelId="{951B07C8-5625-4B27-AA3D-A4ECAE7E4709}" type="sibTrans" cxnId="{0B689F1C-FA16-4DD4-BD42-0D7128BFD383}">
+      <dgm:prSet/>
+      <dgm:spPr/>
+      <dgm:t>
+        <a:bodyPr/>
+        <a:lstStyle/>
+        <a:p>
+          <a:endParaRPr lang="en-US"/>
+        </a:p>
+      </dgm:t>
+    </dgm:pt>
+    <dgm:pt modelId="{63D5E2E1-1A7B-47B3-9985-AA6138BF7787}">
+      <dgm:prSet phldrT="[Text]"/>
+      <dgm:spPr/>
+      <dgm:t>
+        <a:bodyPr/>
+        <a:lstStyle/>
+        <a:p>
+          <a:r>
+            <a:rPr lang="id-ID" dirty="0" smtClean="0"/>
+            <a:t>Adi S.H.</a:t>
+          </a:r>
+          <a:endParaRPr lang="en-US" dirty="0"/>
+        </a:p>
+      </dgm:t>
+    </dgm:pt>
+    <dgm:pt modelId="{6089D38E-6EC3-4E02-BD34-093A4D7B11AC}" type="parTrans" cxnId="{50F8327D-5245-4010-BC84-7ED2F2FCA968}">
+      <dgm:prSet/>
+      <dgm:spPr/>
+      <dgm:t>
+        <a:bodyPr/>
+        <a:lstStyle/>
+        <a:p>
+          <a:endParaRPr lang="en-US"/>
+        </a:p>
+      </dgm:t>
+    </dgm:pt>
+    <dgm:pt modelId="{3C423122-6019-4CEB-A130-9F3E56DB9736}" type="sibTrans" cxnId="{50F8327D-5245-4010-BC84-7ED2F2FCA968}">
+      <dgm:prSet/>
+      <dgm:spPr/>
+      <dgm:t>
+        <a:bodyPr/>
+        <a:lstStyle/>
+        <a:p>
+          <a:endParaRPr lang="en-US"/>
+        </a:p>
+      </dgm:t>
+    </dgm:pt>
+    <dgm:pt modelId="{A56D34C8-0B3B-4D69-BB6E-FB2FE35D3DD5}">
+      <dgm:prSet phldrT="[Text]"/>
+      <dgm:spPr/>
+      <dgm:t>
+        <a:bodyPr/>
+        <a:lstStyle/>
+        <a:p>
+          <a:r>
+            <a:rPr lang="id-ID" dirty="0" smtClean="0"/>
+            <a:t>Anes Y.P.</a:t>
+          </a:r>
+          <a:endParaRPr lang="en-US" dirty="0"/>
+        </a:p>
+      </dgm:t>
+    </dgm:pt>
+    <dgm:pt modelId="{3CBC599C-5605-49C1-91A2-7AF0E120A0BE}" type="parTrans" cxnId="{667B3F96-3607-494E-8303-FCF1643BCBEA}">
+      <dgm:prSet/>
+      <dgm:spPr/>
+      <dgm:t>
+        <a:bodyPr/>
+        <a:lstStyle/>
+        <a:p>
+          <a:endParaRPr lang="en-US"/>
+        </a:p>
+      </dgm:t>
+    </dgm:pt>
+    <dgm:pt modelId="{6BEF67A3-95FD-4CB8-A6EB-E5267B8C1B79}" type="sibTrans" cxnId="{667B3F96-3607-494E-8303-FCF1643BCBEA}">
+      <dgm:prSet/>
+      <dgm:spPr/>
+      <dgm:t>
+        <a:bodyPr/>
+        <a:lstStyle/>
+        <a:p>
+          <a:endParaRPr lang="en-US"/>
+        </a:p>
+      </dgm:t>
     </dgm:pt>
     <dgm:pt modelId="{037FC8AB-3228-430C-8BD5-49F00BCE1B18}" type="pres">
       <dgm:prSet presAssocID="{944F5C5E-15DF-4AF5-B2F5-8901863886B4}" presName="diagram" presStyleCnt="0">
@@ -7737,6 +8053,13 @@
         </dgm:presLayoutVars>
       </dgm:prSet>
       <dgm:spPr/>
+      <dgm:t>
+        <a:bodyPr/>
+        <a:lstStyle/>
+        <a:p>
+          <a:endParaRPr lang="en-US"/>
+        </a:p>
+      </dgm:t>
     </dgm:pt>
     <dgm:pt modelId="{9B8D5D73-4F0B-4727-B2A6-9ADD2963B38E}" type="pres">
       <dgm:prSet presAssocID="{9D758E8D-5E9C-4A53-A5F6-B645809F728B}" presName="parentText" presStyleLbl="node1" presStyleIdx="0" presStyleCnt="0">
@@ -7852,6 +8175,13 @@
         </dgm:presLayoutVars>
       </dgm:prSet>
       <dgm:spPr/>
+      <dgm:t>
+        <a:bodyPr/>
+        <a:lstStyle/>
+        <a:p>
+          <a:endParaRPr lang="en-US"/>
+        </a:p>
+      </dgm:t>
     </dgm:pt>
     <dgm:pt modelId="{DB31427A-01BC-4D02-9C7C-B5D6FD6F21E9}" type="pres">
       <dgm:prSet presAssocID="{FB8789B6-0444-4603-AEAB-2D02ACFCD7CA}" presName="parentText" presStyleLbl="node1" presStyleIdx="0" presStyleCnt="0">
@@ -8077,6 +8407,7 @@
     <dgm:cxn modelId="{9D990B0D-2AC7-405F-A32D-411B9447D486}" type="presOf" srcId="{8CBCB4E5-74A2-4C48-86B8-49363F1EB6C6}" destId="{D3422584-9CF3-463A-B128-399F89DA7E9D}" srcOrd="0" destOrd="0" presId="urn:microsoft.com/office/officeart/2005/8/layout/bList2"/>
     <dgm:cxn modelId="{70DEEDF4-34FB-4CCA-8090-DA2EE951A137}" type="presOf" srcId="{DF4BDFFF-41CA-4B31-8AD5-0B2542B6208D}" destId="{DD26E716-2F56-4580-ADBB-C444D367765B}" srcOrd="0" destOrd="0" presId="urn:microsoft.com/office/officeart/2005/8/layout/bList2"/>
     <dgm:cxn modelId="{03EA8409-1048-4F4B-BC08-361944FCBDB8}" type="presOf" srcId="{6996BAD6-637C-484E-8284-38552B941EDD}" destId="{78720607-78D3-4738-BAC1-313A3881A5ED}" srcOrd="0" destOrd="0" presId="urn:microsoft.com/office/officeart/2005/8/layout/bList2"/>
+    <dgm:cxn modelId="{50F8327D-5245-4010-BC84-7ED2F2FCA968}" srcId="{9D758E8D-5E9C-4A53-A5F6-B645809F728B}" destId="{63D5E2E1-1A7B-47B3-9985-AA6138BF7787}" srcOrd="0" destOrd="0" parTransId="{6089D38E-6EC3-4E02-BD34-093A4D7B11AC}" sibTransId="{3C423122-6019-4CEB-A130-9F3E56DB9736}"/>
     <dgm:cxn modelId="{3EE308CD-8A06-4894-9E62-97F34619BB8F}" srcId="{944F5C5E-15DF-4AF5-B2F5-8901863886B4}" destId="{C9BA539F-FAC1-4773-B73B-8E08B739C4B9}" srcOrd="7" destOrd="0" parTransId="{19CD10BB-A6CE-48EC-8771-706C848DAE05}" sibTransId="{07B19E19-8EA3-4615-A2F5-CFAE07443C3A}"/>
     <dgm:cxn modelId="{62251155-074C-46AC-A8C2-0DA03E1D4678}" srcId="{C9BA539F-FAC1-4773-B73B-8E08B739C4B9}" destId="{77970FF4-2135-4297-A73A-57F53800574C}" srcOrd="1" destOrd="0" parTransId="{5BC4A808-2BD5-4E3C-AC4D-25FF0A2A68B2}" sibTransId="{9FD10741-0598-40C0-B539-71CEC6364BAD}"/>
     <dgm:cxn modelId="{51ECA39F-CC0D-408C-86E6-A48FCB01D1F0}" type="presOf" srcId="{944F5C5E-15DF-4AF5-B2F5-8901863886B4}" destId="{037FC8AB-3228-430C-8BD5-49F00BCE1B18}" srcOrd="0" destOrd="0" presId="urn:microsoft.com/office/officeart/2005/8/layout/bList2"/>
@@ -8085,9 +8416,12 @@
     <dgm:cxn modelId="{2EFA709A-F64A-4267-BF2A-C663A7A6DB76}" type="presOf" srcId="{484485F4-327F-4683-AE30-C6A3C816C884}" destId="{3447EB20-3484-4B16-AB09-CD30073B76C2}" srcOrd="0" destOrd="0" presId="urn:microsoft.com/office/officeart/2005/8/layout/bList2"/>
     <dgm:cxn modelId="{E291CE6E-D2C6-4DC6-9CA3-483BD53252DE}" type="presOf" srcId="{C4A5245C-A223-4734-9144-CCD8AC562FA1}" destId="{35D45351-E668-4707-A3D3-51FB4FB4AF95}" srcOrd="0" destOrd="0" presId="urn:microsoft.com/office/officeart/2005/8/layout/bList2"/>
     <dgm:cxn modelId="{85C49C1B-8C45-4987-A0BC-5CE2D7E1C71D}" srcId="{A0519A28-DD5B-4345-9DB3-DEA6309762CE}" destId="{60B14F4F-6714-495B-8DA5-2D9875AF5E16}" srcOrd="1" destOrd="0" parTransId="{86E531CB-19D9-4067-BE04-6072725DB957}" sibTransId="{54B2CC93-8D63-48C0-AD90-6A2E4738E94E}"/>
+    <dgm:cxn modelId="{53641035-ACA8-4C71-9E83-ABEF3B13EF98}" type="presOf" srcId="{F1A2F367-48E5-407B-A4A3-2D6E03B12C96}" destId="{8C2B451B-6F08-4093-BEBB-CC4A0CFBCDD8}" srcOrd="0" destOrd="0" presId="urn:microsoft.com/office/officeart/2005/8/layout/bList2"/>
     <dgm:cxn modelId="{4E2134B0-D29B-46BD-9E2C-5CCDBF00A09B}" type="presOf" srcId="{A0519A28-DD5B-4345-9DB3-DEA6309762CE}" destId="{19B860F0-6FCD-480C-A460-A6B50608D078}" srcOrd="0" destOrd="0" presId="urn:microsoft.com/office/officeart/2005/8/layout/bList2"/>
     <dgm:cxn modelId="{4722F85D-3935-44EE-8819-B7D3F510295D}" type="presOf" srcId="{C9C6F18B-53EF-4BC7-A519-C08556112F28}" destId="{FB986A98-5540-4BAC-ABC3-BF510E30DB8B}" srcOrd="0" destOrd="1" presId="urn:microsoft.com/office/officeart/2005/8/layout/bList2"/>
+    <dgm:cxn modelId="{6C6DFE00-0ABB-4BFD-9BF8-F51DB0B3F613}" srcId="{FB8789B6-0444-4603-AEAB-2D02ACFCD7CA}" destId="{F1A2F367-48E5-407B-A4A3-2D6E03B12C96}" srcOrd="0" destOrd="0" parTransId="{D83FA98D-3F0A-46EE-9C2A-209679473417}" sibTransId="{BA754B7F-5622-4166-80DC-838E7A123FC0}"/>
     <dgm:cxn modelId="{63EB5B1E-9062-4187-BB5F-C0497FA67124}" type="presOf" srcId="{9D758E8D-5E9C-4A53-A5F6-B645809F728B}" destId="{9B8D5D73-4F0B-4727-B2A6-9ADD2963B38E}" srcOrd="0" destOrd="0" presId="urn:microsoft.com/office/officeart/2005/8/layout/bList2"/>
+    <dgm:cxn modelId="{667B3F96-3607-494E-8303-FCF1643BCBEA}" srcId="{9D758E8D-5E9C-4A53-A5F6-B645809F728B}" destId="{A56D34C8-0B3B-4D69-BB6E-FB2FE35D3DD5}" srcOrd="1" destOrd="0" parTransId="{3CBC599C-5605-49C1-91A2-7AF0E120A0BE}" sibTransId="{6BEF67A3-95FD-4CB8-A6EB-E5267B8C1B79}"/>
     <dgm:cxn modelId="{EB7191AD-B9E0-4BA4-9BDD-8DBE39A53736}" srcId="{944F5C5E-15DF-4AF5-B2F5-8901863886B4}" destId="{9D758E8D-5E9C-4A53-A5F6-B645809F728B}" srcOrd="4" destOrd="0" parTransId="{A869442D-185A-465F-BFD3-E6F465A72290}" sibTransId="{4B45AE6D-4646-4FED-AE24-E646BAEF29F7}"/>
     <dgm:cxn modelId="{0F3B5C66-E404-4BE0-AB2A-ED42C5725E1F}" type="presOf" srcId="{A306397A-FD8A-4A92-9B05-B5BD5E5D21BA}" destId="{C174BB0B-CC4F-4673-A7E4-45B9416E2CBE}" srcOrd="0" destOrd="0" presId="urn:microsoft.com/office/officeart/2005/8/layout/bList2"/>
     <dgm:cxn modelId="{9FCC7DEA-D57E-440A-9197-D1679679F86A}" type="presOf" srcId="{6996BAD6-637C-484E-8284-38552B941EDD}" destId="{D1AA0F5F-12AD-4C3A-8147-6725D9524E49}" srcOrd="1" destOrd="0" presId="urn:microsoft.com/office/officeart/2005/8/layout/bList2"/>
@@ -8101,9 +8435,11 @@
     <dgm:cxn modelId="{5A034DF3-0BE1-4945-9493-32754418328A}" type="presOf" srcId="{1F261EE2-231E-44E2-AE25-A71B7EB8CBF0}" destId="{B4062244-E435-4A83-BF14-C633A35AA45F}" srcOrd="0" destOrd="0" presId="urn:microsoft.com/office/officeart/2005/8/layout/bList2"/>
     <dgm:cxn modelId="{74D1D777-5BDF-4F0B-BC1B-5ED6F9A91847}" srcId="{AC888093-4416-48FF-AE74-D898570BF359}" destId="{804B3186-2F6C-432D-9628-4C5A774D7E51}" srcOrd="2" destOrd="0" parTransId="{0906AAD6-C936-4A39-97F8-CA1E3AD80F34}" sibTransId="{5FD21FA2-E740-4B5D-8406-4D606A86E3D5}"/>
     <dgm:cxn modelId="{440E512F-F864-4DC3-BC00-854307966324}" type="presOf" srcId="{A0519A28-DD5B-4345-9DB3-DEA6309762CE}" destId="{318AACCD-F906-45D1-AD28-0DB3AC3F4751}" srcOrd="1" destOrd="0" presId="urn:microsoft.com/office/officeart/2005/8/layout/bList2"/>
+    <dgm:cxn modelId="{96FAF2B4-4889-4C24-9BAF-1AFE20BDD2CF}" type="presOf" srcId="{63D5E2E1-1A7B-47B3-9985-AA6138BF7787}" destId="{88B429D6-3E5F-44F3-BED1-4555888A5EEF}" srcOrd="0" destOrd="0" presId="urn:microsoft.com/office/officeart/2005/8/layout/bList2"/>
     <dgm:cxn modelId="{C003C8C1-5045-469E-976F-A3419C066802}" type="presOf" srcId="{60B14F4F-6714-495B-8DA5-2D9875AF5E16}" destId="{72EFF0F2-E9BD-4176-93DA-7A69664A6B9B}" srcOrd="0" destOrd="1" presId="urn:microsoft.com/office/officeart/2005/8/layout/bList2"/>
     <dgm:cxn modelId="{E96947F4-5470-47CF-AAE5-D83C52B72B7D}" type="presOf" srcId="{DE532163-8338-4F50-BD90-692325F14BD7}" destId="{72EFF0F2-E9BD-4176-93DA-7A69664A6B9B}" srcOrd="0" destOrd="2" presId="urn:microsoft.com/office/officeart/2005/8/layout/bList2"/>
     <dgm:cxn modelId="{50DDA2F0-3A97-473A-8844-E145E302FE93}" type="presOf" srcId="{097C38C6-5512-4B94-9673-047C8E927ADF}" destId="{6A797303-0B30-43AA-814B-4026A142F97D}" srcOrd="1" destOrd="0" presId="urn:microsoft.com/office/officeart/2005/8/layout/bList2"/>
+    <dgm:cxn modelId="{0B689F1C-FA16-4DD4-BD42-0D7128BFD383}" srcId="{FB8789B6-0444-4603-AEAB-2D02ACFCD7CA}" destId="{1525448E-D8AB-495B-B9D0-186A7C2B5731}" srcOrd="1" destOrd="0" parTransId="{3CED5F13-3246-46F0-B0E4-56D400D4411C}" sibTransId="{951B07C8-5625-4B27-AA3D-A4ECAE7E4709}"/>
     <dgm:cxn modelId="{BA056E1F-7B09-4C26-AA09-18C3FA53C454}" type="presOf" srcId="{8B9DBA0C-297F-4153-AB4E-F6C5133570E7}" destId="{2CE9B22A-8D1D-4782-BFE6-4DDE3AEB11BF}" srcOrd="0" destOrd="0" presId="urn:microsoft.com/office/officeart/2005/8/layout/bList2"/>
     <dgm:cxn modelId="{CFCCD8FF-2A75-4000-9324-5F10F8A8437A}" type="presOf" srcId="{C9BA539F-FAC1-4773-B73B-8E08B739C4B9}" destId="{D5049AFC-9707-4DBC-8BDD-A2A26376592A}" srcOrd="0" destOrd="0" presId="urn:microsoft.com/office/officeart/2005/8/layout/bList2"/>
     <dgm:cxn modelId="{2D9FDED5-3497-473E-9B64-B2CBE05F3153}" type="presOf" srcId="{AC888093-4416-48FF-AE74-D898570BF359}" destId="{DC61F918-0D66-43D4-A810-548E7FB8E7A1}" srcOrd="0" destOrd="0" presId="urn:microsoft.com/office/officeart/2005/8/layout/bList2"/>
@@ -8121,6 +8457,7 @@
     <dgm:cxn modelId="{104BF20F-35BB-4124-A269-8544775EF153}" type="presOf" srcId="{AC888093-4416-48FF-AE74-D898570BF359}" destId="{1D756465-5B86-4E74-BE6A-16850F6E9514}" srcOrd="1" destOrd="0" presId="urn:microsoft.com/office/officeart/2005/8/layout/bList2"/>
     <dgm:cxn modelId="{3A5E5D08-2AF5-4296-A308-B98F1D485896}" type="presOf" srcId="{8B9DBA0C-297F-4153-AB4E-F6C5133570E7}" destId="{320C1E14-01F0-4DEE-B3E2-1D7C2B034099}" srcOrd="1" destOrd="0" presId="urn:microsoft.com/office/officeart/2005/8/layout/bList2"/>
     <dgm:cxn modelId="{7D6AE2BB-1FB9-4FEB-BAA7-1FE70407DE9F}" srcId="{1952FD3C-EBD0-40E0-A927-E57211C747C9}" destId="{2D9CDFDE-BB88-4DF0-AACA-0D5E3E25BE02}" srcOrd="0" destOrd="0" parTransId="{F1097E6B-7F72-453A-9E9F-8F1992E2441F}" sibTransId="{699E83C1-184C-4315-9D49-71332BB59620}"/>
+    <dgm:cxn modelId="{16033353-7992-4111-8515-3E9226E4B015}" type="presOf" srcId="{1525448E-D8AB-495B-B9D0-186A7C2B5731}" destId="{8C2B451B-6F08-4093-BEBB-CC4A0CFBCDD8}" srcOrd="0" destOrd="1" presId="urn:microsoft.com/office/officeart/2005/8/layout/bList2"/>
     <dgm:cxn modelId="{721EC606-C2E1-4C3D-A611-A32C9D5D0FF3}" type="presOf" srcId="{1952FD3C-EBD0-40E0-A927-E57211C747C9}" destId="{057699E5-25FB-4021-A253-F4EDD5AEF4E7}" srcOrd="0" destOrd="0" presId="urn:microsoft.com/office/officeart/2005/8/layout/bList2"/>
     <dgm:cxn modelId="{A0F01A86-AD30-435B-94ED-62A7ED7A5B0A}" type="presOf" srcId="{FB8789B6-0444-4603-AEAB-2D02ACFCD7CA}" destId="{DB31427A-01BC-4D02-9C7C-B5D6FD6F21E9}" srcOrd="0" destOrd="0" presId="urn:microsoft.com/office/officeart/2005/8/layout/bList2"/>
     <dgm:cxn modelId="{C40EEF6B-A613-49D1-B264-AF88BF6EDA21}" srcId="{6996BAD6-637C-484E-8284-38552B941EDD}" destId="{36E0EA69-C9CE-43B3-8009-D9F595539014}" srcOrd="1" destOrd="0" parTransId="{460B4579-B870-4E43-BBEB-3E16DC00168F}" sibTransId="{DE21B01C-C42E-4043-89A2-0D7ECE89D496}"/>
@@ -8133,6 +8470,7 @@
     <dgm:cxn modelId="{6A0C563C-C47F-49D9-9614-9B3B9124EE56}" type="presOf" srcId="{17EACF50-53A6-43AE-93C4-0A6130CF57D0}" destId="{01ED4087-3B8E-47FE-B66D-F67EE6B65FD5}" srcOrd="0" destOrd="0" presId="urn:microsoft.com/office/officeart/2005/8/layout/bList2"/>
     <dgm:cxn modelId="{0DB858A3-180A-44DC-BDCB-25F03ABAF9C4}" srcId="{0BD4D64B-A6F5-4C13-A925-B438DEEDDD45}" destId="{CF0E1081-A5A0-423E-B311-F4F5DA6C8D35}" srcOrd="0" destOrd="0" parTransId="{8D136886-24CD-4887-BC2A-5FDCBB436461}" sibTransId="{F63A997B-6C93-45F3-8181-7E5E0C72CEE3}"/>
     <dgm:cxn modelId="{215E258C-8BF3-4386-8B4D-42D9733CBA80}" srcId="{944F5C5E-15DF-4AF5-B2F5-8901863886B4}" destId="{A0519A28-DD5B-4345-9DB3-DEA6309762CE}" srcOrd="3" destOrd="0" parTransId="{3450BB66-44AF-47FB-B20C-3B96084A5E23}" sibTransId="{484485F4-327F-4683-AE30-C6A3C816C884}"/>
+    <dgm:cxn modelId="{59440E3C-32AB-49D5-BF3E-6C4EC509F1B0}" type="presOf" srcId="{A56D34C8-0B3B-4D69-BB6E-FB2FE35D3DD5}" destId="{88B429D6-3E5F-44F3-BED1-4555888A5EEF}" srcOrd="0" destOrd="1" presId="urn:microsoft.com/office/officeart/2005/8/layout/bList2"/>
     <dgm:cxn modelId="{19E50D93-C1A3-44F0-BEFF-07D722B204E6}" type="presOf" srcId="{36E0EA69-C9CE-43B3-8009-D9F595539014}" destId="{35D45351-E668-4707-A3D3-51FB4FB4AF95}" srcOrd="0" destOrd="1" presId="urn:microsoft.com/office/officeart/2005/8/layout/bList2"/>
     <dgm:cxn modelId="{61085C7F-75EE-4A89-A9E7-AF8E5D273B2F}" srcId="{944F5C5E-15DF-4AF5-B2F5-8901863886B4}" destId="{FB8789B6-0444-4603-AEAB-2D02ACFCD7CA}" srcOrd="6" destOrd="0" parTransId="{32F1259E-07FE-4572-859E-A8D5A78BBFA2}" sibTransId="{F31A48A7-8D14-42B8-97EE-B5FAA0065B92}"/>
     <dgm:cxn modelId="{D4EC6013-B0D4-4ED4-9CEA-4548205ED7A1}" srcId="{944F5C5E-15DF-4AF5-B2F5-8901863886B4}" destId="{097C38C6-5512-4B94-9673-047C8E927ADF}" srcOrd="5" destOrd="0" parTransId="{2567CA3C-4AE8-4655-9CB4-4564A304ED90}" sibTransId="{3CFE6C0B-AF1A-425F-B99A-5526FED0FFD8}"/>
@@ -11657,6 +11995,54 @@
         </a:effectRef>
         <a:fontRef idx="minor"/>
       </dsp:style>
+      <dsp:txBody>
+        <a:bodyPr spcFirstLastPara="0" vert="horz" wrap="square" lIns="25400" tIns="76200" rIns="25400" bIns="25400" numCol="1" spcCol="1270" anchor="t" anchorCtr="0">
+          <a:noAutofit/>
+        </a:bodyPr>
+        <a:lstStyle/>
+        <a:p>
+          <a:pPr marL="228600" lvl="1" indent="-228600" algn="l" defTabSz="889000">
+            <a:lnSpc>
+              <a:spcPct val="90000"/>
+            </a:lnSpc>
+            <a:spcBef>
+              <a:spcPct val="0"/>
+            </a:spcBef>
+            <a:spcAft>
+              <a:spcPct val="15000"/>
+            </a:spcAft>
+            <a:buChar char="••"/>
+          </a:pPr>
+          <a:r>
+            <a:rPr lang="id-ID" sz="2000" kern="1200" dirty="0" smtClean="0"/>
+            <a:t>Adi S.H.</a:t>
+          </a:r>
+          <a:endParaRPr lang="en-US" sz="2000" kern="1200" dirty="0"/>
+        </a:p>
+        <a:p>
+          <a:pPr marL="228600" lvl="1" indent="-228600" algn="l" defTabSz="889000">
+            <a:lnSpc>
+              <a:spcPct val="90000"/>
+            </a:lnSpc>
+            <a:spcBef>
+              <a:spcPct val="0"/>
+            </a:spcBef>
+            <a:spcAft>
+              <a:spcPct val="15000"/>
+            </a:spcAft>
+            <a:buChar char="••"/>
+          </a:pPr>
+          <a:r>
+            <a:rPr lang="id-ID" sz="2000" kern="1200" dirty="0" smtClean="0"/>
+            <a:t>Anes Y.P.</a:t>
+          </a:r>
+          <a:endParaRPr lang="en-US" sz="2000" kern="1200" dirty="0"/>
+        </a:p>
+      </dsp:txBody>
+      <dsp:txXfrm>
+        <a:off x="7812201" y="32157"/>
+        <a:ext cx="1569861" cy="1185895"/>
+      </dsp:txXfrm>
     </dsp:sp>
     <dsp:sp modelId="{64C58537-A40B-4953-A8D7-BF3769C7CD9D}">
       <dsp:nvSpPr>
@@ -12082,6 +12468,54 @@
         </a:effectRef>
         <a:fontRef idx="minor"/>
       </dsp:style>
+      <dsp:txBody>
+        <a:bodyPr spcFirstLastPara="0" vert="horz" wrap="square" lIns="25400" tIns="76200" rIns="25400" bIns="25400" numCol="1" spcCol="1270" anchor="t" anchorCtr="0">
+          <a:noAutofit/>
+        </a:bodyPr>
+        <a:lstStyle/>
+        <a:p>
+          <a:pPr marL="228600" lvl="1" indent="-228600" algn="l" defTabSz="889000">
+            <a:lnSpc>
+              <a:spcPct val="90000"/>
+            </a:lnSpc>
+            <a:spcBef>
+              <a:spcPct val="0"/>
+            </a:spcBef>
+            <a:spcAft>
+              <a:spcPct val="15000"/>
+            </a:spcAft>
+            <a:buChar char="••"/>
+          </a:pPr>
+          <a:r>
+            <a:rPr lang="id-ID" sz="2000" kern="1200" dirty="0" smtClean="0"/>
+            <a:t>Royhan R.F.</a:t>
+          </a:r>
+          <a:endParaRPr lang="en-US" sz="2000" kern="1200" dirty="0"/>
+        </a:p>
+        <a:p>
+          <a:pPr marL="228600" lvl="1" indent="-228600" algn="l" defTabSz="889000">
+            <a:lnSpc>
+              <a:spcPct val="90000"/>
+            </a:lnSpc>
+            <a:spcBef>
+              <a:spcPct val="0"/>
+            </a:spcBef>
+            <a:spcAft>
+              <a:spcPct val="15000"/>
+            </a:spcAft>
+            <a:buChar char="••"/>
+          </a:pPr>
+          <a:r>
+            <a:rPr lang="id-ID" sz="2000" kern="1200" dirty="0" smtClean="0"/>
+            <a:t>Erizka N.N.</a:t>
+          </a:r>
+          <a:endParaRPr lang="en-US" sz="2000" kern="1200" dirty="0"/>
+        </a:p>
+      </dsp:txBody>
+      <dsp:txXfrm>
+        <a:off x="2106026" y="2180814"/>
+        <a:ext cx="1569861" cy="1185895"/>
+      </dsp:txXfrm>
     </dsp:sp>
     <dsp:sp modelId="{ADDA6BFD-484D-4C59-866B-F1D25AF904F7}">
       <dsp:nvSpPr>
@@ -19167,7 +19601,7 @@
           <a:p>
             <a:fld id="{CB72CE30-0798-4FA5-A77A-173E68FCFABD}" type="datetimeFigureOut">
               <a:rPr lang="id-ID" smtClean="0"/>
-              <a:t>26/01/2017</a:t>
+              <a:t>30/01/2017</a:t>
             </a:fld>
             <a:endParaRPr lang="id-ID"/>
           </a:p>
@@ -19587,7 +20021,7 @@
           <a:p>
             <a:fld id="{2797BE76-A178-44FD-B133-ADB874CDF211}" type="datetime1">
               <a:rPr lang="en-US" smtClean="0"/>
-              <a:t>1/26/2017</a:t>
+              <a:t>1/30/2017</a:t>
             </a:fld>
             <a:endParaRPr lang="en-US" dirty="0"/>
           </a:p>
@@ -19844,7 +20278,7 @@
           <a:p>
             <a:fld id="{B2CA0F8C-A7A6-41AB-B81F-DE18C292EF2C}" type="datetime1">
               <a:rPr lang="en-US" smtClean="0"/>
-              <a:t>1/26/2017</a:t>
+              <a:t>1/30/2017</a:t>
             </a:fld>
             <a:endParaRPr lang="en-US" dirty="0"/>
           </a:p>
@@ -20028,7 +20462,7 @@
           <a:p>
             <a:fld id="{692B3E27-1A14-41D5-B46F-31C175907593}" type="datetime1">
               <a:rPr lang="en-US" smtClean="0"/>
-              <a:t>1/26/2017</a:t>
+              <a:t>1/30/2017</a:t>
             </a:fld>
             <a:endParaRPr lang="en-US" dirty="0"/>
           </a:p>
@@ -20237,7 +20671,7 @@
           <a:p>
             <a:fld id="{7F612A62-92D0-4DBF-BA41-D7CEE15F44C1}" type="datetime1">
               <a:rPr lang="en-US" smtClean="0"/>
-              <a:t>1/26/2017</a:t>
+              <a:t>1/30/2017</a:t>
             </a:fld>
             <a:endParaRPr lang="en-US" dirty="0"/>
           </a:p>
@@ -20498,7 +20932,7 @@
           <a:p>
             <a:fld id="{A44D3D01-C2A4-4AAD-9587-13019A4E2239}" type="datetime1">
               <a:rPr lang="en-US" smtClean="0"/>
-              <a:t>1/26/2017</a:t>
+              <a:t>1/30/2017</a:t>
             </a:fld>
             <a:endParaRPr lang="en-US" dirty="0"/>
           </a:p>
@@ -20824,7 +21258,7 @@
           <a:p>
             <a:fld id="{751237B3-AFB9-40FD-975A-9E5837A7FEE7}" type="datetime1">
               <a:rPr lang="en-US" smtClean="0"/>
-              <a:t>1/26/2017</a:t>
+              <a:t>1/30/2017</a:t>
             </a:fld>
             <a:endParaRPr lang="en-US" dirty="0"/>
           </a:p>
@@ -21226,7 +21660,7 @@
           <a:p>
             <a:fld id="{147213DB-5280-4713-BCD1-D2F9B0E95645}" type="datetime1">
               <a:rPr lang="en-US" smtClean="0"/>
-              <a:t>1/26/2017</a:t>
+              <a:t>1/30/2017</a:t>
             </a:fld>
             <a:endParaRPr lang="en-US" dirty="0"/>
           </a:p>
@@ -21348,7 +21782,7 @@
           <a:p>
             <a:fld id="{C08F8B92-BBA1-4F32-A025-92D61069222C}" type="datetime1">
               <a:rPr lang="en-US" smtClean="0"/>
-              <a:t>1/26/2017</a:t>
+              <a:t>1/30/2017</a:t>
             </a:fld>
             <a:endParaRPr lang="en-US" dirty="0"/>
           </a:p>
@@ -21447,7 +21881,7 @@
           <a:p>
             <a:fld id="{E61A73E5-40FA-4FC1-BF4B-9154337BA112}" type="datetime1">
               <a:rPr lang="en-US" smtClean="0"/>
-              <a:t>1/26/2017</a:t>
+              <a:t>1/30/2017</a:t>
             </a:fld>
             <a:endParaRPr lang="en-US" dirty="0"/>
           </a:p>
@@ -21741,7 +22175,7 @@
           <a:p>
             <a:fld id="{E1C3C029-3F97-4BC2-A0B3-1BCA895D2B8C}" type="datetime1">
               <a:rPr lang="en-US" smtClean="0"/>
-              <a:t>1/26/2017</a:t>
+              <a:t>1/30/2017</a:t>
             </a:fld>
             <a:endParaRPr lang="en-US" dirty="0"/>
           </a:p>
@@ -22025,7 +22459,7 @@
           <a:p>
             <a:fld id="{5EB5E58D-AC6A-4B2C-B39C-F218B826CEFD}" type="datetime1">
               <a:rPr lang="en-US" smtClean="0"/>
-              <a:t>1/26/2017</a:t>
+              <a:t>1/30/2017</a:t>
             </a:fld>
             <a:endParaRPr lang="en-US" dirty="0"/>
           </a:p>
@@ -22279,7 +22713,7 @@
           <a:p>
             <a:fld id="{932C9AE0-82BA-494E-82ED-815FE58AD3CD}" type="datetime1">
               <a:rPr lang="en-US" smtClean="0"/>
-              <a:t>1/26/2017</a:t>
+              <a:t>1/30/2017</a:t>
             </a:fld>
             <a:endParaRPr lang="en-US" dirty="0"/>
           </a:p>
@@ -24340,7 +24774,7 @@
             <p:ph idx="1"/>
             <p:extLst>
               <p:ext uri="{D42A27DB-BD31-4B8C-83A1-F6EECF244321}">
-                <p14:modId xmlns:p14="http://schemas.microsoft.com/office/powerpoint/2010/main" val="1785700271"/>
+                <p14:modId xmlns:p14="http://schemas.microsoft.com/office/powerpoint/2010/main" val="2383323527"/>
               </p:ext>
             </p:extLst>
           </p:nvPr>
@@ -24480,7 +24914,31 @@
           <a:p>
             <a:r>
               <a:rPr lang="id-ID" sz="2800" dirty="0" smtClean="0"/>
-              <a:t>Buat sebuah file/slide presentasi (PPT) terkait design pattern yang Anda dapatkan!</a:t>
+              <a:t>Buat </a:t>
+            </a:r>
+            <a:r>
+              <a:rPr lang="id-ID" sz="2800" smtClean="0"/>
+              <a:t>sebuah </a:t>
+            </a:r>
+            <a:r>
+              <a:rPr lang="id-ID" sz="2800" smtClean="0"/>
+              <a:t>file </a:t>
+            </a:r>
+            <a:r>
+              <a:rPr lang="id-ID" sz="2800" dirty="0" smtClean="0"/>
+              <a:t>presentasi (PPT) </a:t>
+            </a:r>
+            <a:r>
+              <a:rPr lang="id-ID" sz="2800" smtClean="0"/>
+              <a:t>terkait </a:t>
+            </a:r>
+            <a:r>
+              <a:rPr lang="id-ID" sz="2800" smtClean="0"/>
+              <a:t>jenis design </a:t>
+            </a:r>
+            <a:r>
+              <a:rPr lang="id-ID" sz="2800" dirty="0" smtClean="0"/>
+              <a:t>pattern yang Anda dapatkan!</a:t>
             </a:r>
           </a:p>
           <a:p>
@@ -24508,8 +24966,20 @@
             <a:pPr lvl="1"/>
             <a:r>
               <a:rPr lang="id-ID" sz="2400" dirty="0" smtClean="0"/>
-              <a:t>Contoh-contoh kasus (kode program/class diagram)</a:t>
+              <a:t>Contoh-contoh kasus (kode program/class diagram</a:t>
             </a:r>
+            <a:r>
+              <a:rPr lang="id-ID" sz="2400" dirty="0" smtClean="0"/>
+              <a:t>)</a:t>
+            </a:r>
+          </a:p>
+          <a:p>
+            <a:pPr lvl="1"/>
+            <a:r>
+              <a:rPr lang="id-ID" sz="2400" dirty="0" smtClean="0"/>
+              <a:t>dll</a:t>
+            </a:r>
+            <a:endParaRPr lang="id-ID" sz="2400" dirty="0" smtClean="0"/>
           </a:p>
           <a:p>
             <a:pPr marL="128016" lvl="1" indent="0">
@@ -24751,11 +25221,7 @@
           <a:p>
             <a:r>
               <a:rPr lang="id-ID" sz="2800" dirty="0" smtClean="0"/>
-              <a:t>Implementasikan rancangan Anda di UTS ke dalam aplikasi jadi (desktop based / web based</a:t>
-            </a:r>
-            <a:r>
-              <a:rPr lang="id-ID" sz="2800" dirty="0" smtClean="0"/>
-              <a:t>)!</a:t>
+              <a:t>Implementasikan rancangan Anda di UTS ke dalam aplikasi jadi (desktop based / web based)!</a:t>
             </a:r>
           </a:p>
           <a:p>

--- a/PPT/Design Pattern 1 - Pengantar Design Pattern.pptx
+++ b/PPT/Design Pattern 1 - Pengantar Design Pattern.pptx
@@ -5,7 +5,7 @@
     <p:sldMasterId id="2147483792" r:id="rId1"/>
   </p:sldMasterIdLst>
   <p:notesMasterIdLst>
-    <p:notesMasterId r:id="rId17"/>
+    <p:notesMasterId r:id="rId16"/>
   </p:notesMasterIdLst>
   <p:sldIdLst>
     <p:sldId id="256" r:id="rId2"/>
@@ -22,7 +22,6 @@
     <p:sldId id="272" r:id="rId13"/>
     <p:sldId id="273" r:id="rId14"/>
     <p:sldId id="274" r:id="rId15"/>
-    <p:sldId id="275" r:id="rId16"/>
   </p:sldIdLst>
   <p:sldSz cx="12192000" cy="6858000"/>
   <p:notesSz cx="6858000" cy="9144000"/>
@@ -129,6 +128,841 @@
 </p:presentation>
 </file>
 
+<file path=ppt/charts/chart1.xml><?xml version="1.0" encoding="utf-8"?>
+<c:chartSpace xmlns:c="http://schemas.openxmlformats.org/drawingml/2006/chart" xmlns:a="http://schemas.openxmlformats.org/drawingml/2006/main" xmlns:r="http://schemas.openxmlformats.org/officeDocument/2006/relationships" xmlns:c16r2="http://schemas.microsoft.com/office/drawing/2015/06/chart">
+  <c:date1904 val="0"/>
+  <c:lang val="en-US"/>
+  <c:roundedCorners val="0"/>
+  <mc:AlternateContent xmlns:mc="http://schemas.openxmlformats.org/markup-compatibility/2006">
+    <mc:Choice xmlns:c14="http://schemas.microsoft.com/office/drawing/2007/8/2/chart" Requires="c14">
+      <c14:style val="102"/>
+    </mc:Choice>
+    <mc:Fallback>
+      <c:style val="2"/>
+    </mc:Fallback>
+  </mc:AlternateContent>
+  <c:chart>
+    <c:title>
+      <c:layout/>
+      <c:overlay val="0"/>
+      <c:spPr>
+        <a:noFill/>
+        <a:ln>
+          <a:noFill/>
+        </a:ln>
+        <a:effectLst/>
+      </c:spPr>
+      <c:txPr>
+        <a:bodyPr rot="0" spcFirstLastPara="1" vertOverflow="ellipsis" vert="horz" wrap="square" anchor="ctr" anchorCtr="1"/>
+        <a:lstStyle/>
+        <a:p>
+          <a:pPr>
+            <a:defRPr sz="1862" b="0" i="0" u="none" strike="noStrike" kern="1200" spc="0" baseline="0">
+              <a:solidFill>
+                <a:schemeClr val="tx1">
+                  <a:lumMod val="65000"/>
+                  <a:lumOff val="35000"/>
+                </a:schemeClr>
+              </a:solidFill>
+              <a:latin typeface="+mn-lt"/>
+              <a:ea typeface="+mn-ea"/>
+              <a:cs typeface="+mn-cs"/>
+            </a:defRPr>
+          </a:pPr>
+          <a:endParaRPr lang="id-ID"/>
+        </a:p>
+      </c:txPr>
+    </c:title>
+    <c:autoTitleDeleted val="0"/>
+    <c:plotArea>
+      <c:layout/>
+      <c:pieChart>
+        <c:varyColors val="1"/>
+        <c:ser>
+          <c:idx val="0"/>
+          <c:order val="0"/>
+          <c:tx>
+            <c:strRef>
+              <c:f>Sheet1!$B$1</c:f>
+              <c:strCache>
+                <c:ptCount val="1"/>
+                <c:pt idx="0">
+                  <c:v>Komponen Penilaian Design Pattern</c:v>
+                </c:pt>
+              </c:strCache>
+            </c:strRef>
+          </c:tx>
+          <c:dPt>
+            <c:idx val="0"/>
+            <c:bubble3D val="0"/>
+            <c:spPr>
+              <a:solidFill>
+                <a:schemeClr val="accent1"/>
+              </a:solidFill>
+              <a:ln w="19050">
+                <a:solidFill>
+                  <a:schemeClr val="lt1"/>
+                </a:solidFill>
+              </a:ln>
+              <a:effectLst/>
+            </c:spPr>
+          </c:dPt>
+          <c:dPt>
+            <c:idx val="1"/>
+            <c:bubble3D val="0"/>
+            <c:spPr>
+              <a:solidFill>
+                <a:schemeClr val="accent2"/>
+              </a:solidFill>
+              <a:ln w="19050">
+                <a:solidFill>
+                  <a:schemeClr val="lt1"/>
+                </a:solidFill>
+              </a:ln>
+              <a:effectLst/>
+            </c:spPr>
+          </c:dPt>
+          <c:dPt>
+            <c:idx val="2"/>
+            <c:bubble3D val="0"/>
+            <c:spPr>
+              <a:solidFill>
+                <a:schemeClr val="accent3"/>
+              </a:solidFill>
+              <a:ln w="19050">
+                <a:solidFill>
+                  <a:schemeClr val="lt1"/>
+                </a:solidFill>
+              </a:ln>
+              <a:effectLst/>
+            </c:spPr>
+          </c:dPt>
+          <c:dPt>
+            <c:idx val="3"/>
+            <c:bubble3D val="0"/>
+            <c:spPr>
+              <a:solidFill>
+                <a:schemeClr val="accent4"/>
+              </a:solidFill>
+              <a:ln w="19050">
+                <a:solidFill>
+                  <a:schemeClr val="lt1"/>
+                </a:solidFill>
+              </a:ln>
+              <a:effectLst/>
+            </c:spPr>
+          </c:dPt>
+          <c:dLbls>
+            <c:spPr>
+              <a:noFill/>
+              <a:ln>
+                <a:noFill/>
+              </a:ln>
+              <a:effectLst/>
+            </c:spPr>
+            <c:txPr>
+              <a:bodyPr rot="0" spcFirstLastPara="1" vertOverflow="ellipsis" vert="horz" wrap="square" lIns="38100" tIns="19050" rIns="38100" bIns="19050" anchor="ctr" anchorCtr="1">
+                <a:spAutoFit/>
+              </a:bodyPr>
+              <a:lstStyle/>
+              <a:p>
+                <a:pPr>
+                  <a:defRPr sz="1800" b="0" i="0" u="none" strike="noStrike" kern="1200" baseline="0">
+                    <a:solidFill>
+                      <a:schemeClr val="tx1">
+                        <a:lumMod val="75000"/>
+                        <a:lumOff val="25000"/>
+                      </a:schemeClr>
+                    </a:solidFill>
+                    <a:latin typeface="+mn-lt"/>
+                    <a:ea typeface="+mn-ea"/>
+                    <a:cs typeface="+mn-cs"/>
+                  </a:defRPr>
+                </a:pPr>
+                <a:endParaRPr lang="id-ID"/>
+              </a:p>
+            </c:txPr>
+            <c:dLblPos val="bestFit"/>
+            <c:showLegendKey val="0"/>
+            <c:showVal val="0"/>
+            <c:showCatName val="1"/>
+            <c:showSerName val="0"/>
+            <c:showPercent val="1"/>
+            <c:showBubbleSize val="0"/>
+            <c:showLeaderLines val="1"/>
+            <c:leaderLines>
+              <c:spPr>
+                <a:ln w="9525" cap="flat" cmpd="sng" algn="ctr">
+                  <a:solidFill>
+                    <a:schemeClr val="tx1">
+                      <a:lumMod val="35000"/>
+                      <a:lumOff val="65000"/>
+                    </a:schemeClr>
+                  </a:solidFill>
+                  <a:round/>
+                </a:ln>
+                <a:effectLst/>
+              </c:spPr>
+            </c:leaderLines>
+            <c:extLst>
+              <c:ext xmlns:c15="http://schemas.microsoft.com/office/drawing/2012/chart" uri="{CE6537A1-D6FC-4f65-9D91-7224C49458BB}">
+                <c15:layout/>
+              </c:ext>
+            </c:extLst>
+          </c:dLbls>
+          <c:cat>
+            <c:strRef>
+              <c:f>Sheet1!$A$2:$A$5</c:f>
+              <c:strCache>
+                <c:ptCount val="4"/>
+                <c:pt idx="0">
+                  <c:v>Kehadiran</c:v>
+                </c:pt>
+                <c:pt idx="1">
+                  <c:v>Tugas</c:v>
+                </c:pt>
+                <c:pt idx="2">
+                  <c:v>UTS</c:v>
+                </c:pt>
+                <c:pt idx="3">
+                  <c:v>UAS</c:v>
+                </c:pt>
+              </c:strCache>
+            </c:strRef>
+          </c:cat>
+          <c:val>
+            <c:numRef>
+              <c:f>Sheet1!$B$2:$B$5</c:f>
+              <c:numCache>
+                <c:formatCode>General</c:formatCode>
+                <c:ptCount val="4"/>
+                <c:pt idx="0">
+                  <c:v>10</c:v>
+                </c:pt>
+                <c:pt idx="1">
+                  <c:v>25</c:v>
+                </c:pt>
+                <c:pt idx="2">
+                  <c:v>30</c:v>
+                </c:pt>
+                <c:pt idx="3">
+                  <c:v>35</c:v>
+                </c:pt>
+              </c:numCache>
+            </c:numRef>
+          </c:val>
+          <c:extLst>
+            <c:ext xmlns:c16="http://schemas.microsoft.com/office/drawing/2014/chart" uri="{C3380CC4-5D6E-409C-BE32-E72D297353CC}">
+              <c16:uniqueId val="{00000000-FAE6-4CE9-8694-20685CF0BD6A}"/>
+            </c:ext>
+          </c:extLst>
+        </c:ser>
+        <c:dLbls>
+          <c:dLblPos val="bestFit"/>
+          <c:showLegendKey val="0"/>
+          <c:showVal val="1"/>
+          <c:showCatName val="0"/>
+          <c:showSerName val="0"/>
+          <c:showPercent val="0"/>
+          <c:showBubbleSize val="0"/>
+          <c:showLeaderLines val="1"/>
+        </c:dLbls>
+        <c:firstSliceAng val="0"/>
+      </c:pieChart>
+      <c:spPr>
+        <a:noFill/>
+        <a:ln>
+          <a:noFill/>
+        </a:ln>
+        <a:effectLst/>
+      </c:spPr>
+    </c:plotArea>
+    <c:plotVisOnly val="1"/>
+    <c:dispBlanksAs val="gap"/>
+    <c:showDLblsOverMax val="0"/>
+  </c:chart>
+  <c:spPr>
+    <a:noFill/>
+    <a:ln>
+      <a:noFill/>
+    </a:ln>
+    <a:effectLst/>
+  </c:spPr>
+  <c:txPr>
+    <a:bodyPr/>
+    <a:lstStyle/>
+    <a:p>
+      <a:pPr>
+        <a:defRPr/>
+      </a:pPr>
+      <a:endParaRPr lang="id-ID"/>
+    </a:p>
+  </c:txPr>
+  <c:externalData r:id="rId3">
+    <c:autoUpdate val="0"/>
+  </c:externalData>
+</c:chartSpace>
+</file>
+
+<file path=ppt/charts/colors1.xml><?xml version="1.0" encoding="utf-8"?>
+<cs:colorStyle xmlns:cs="http://schemas.microsoft.com/office/drawing/2012/chartStyle" xmlns:a="http://schemas.openxmlformats.org/drawingml/2006/main" meth="cycle" id="10">
+  <a:schemeClr val="accent1"/>
+  <a:schemeClr val="accent2"/>
+  <a:schemeClr val="accent3"/>
+  <a:schemeClr val="accent4"/>
+  <a:schemeClr val="accent5"/>
+  <a:schemeClr val="accent6"/>
+  <cs:variation/>
+  <cs:variation>
+    <a:lumMod val="60000"/>
+  </cs:variation>
+  <cs:variation>
+    <a:lumMod val="80000"/>
+    <a:lumOff val="20000"/>
+  </cs:variation>
+  <cs:variation>
+    <a:lumMod val="80000"/>
+  </cs:variation>
+  <cs:variation>
+    <a:lumMod val="60000"/>
+    <a:lumOff val="40000"/>
+  </cs:variation>
+  <cs:variation>
+    <a:lumMod val="50000"/>
+  </cs:variation>
+  <cs:variation>
+    <a:lumMod val="70000"/>
+    <a:lumOff val="30000"/>
+  </cs:variation>
+  <cs:variation>
+    <a:lumMod val="70000"/>
+  </cs:variation>
+  <cs:variation>
+    <a:lumMod val="50000"/>
+    <a:lumOff val="50000"/>
+  </cs:variation>
+</cs:colorStyle>
+</file>
+
+<file path=ppt/charts/style1.xml><?xml version="1.0" encoding="utf-8"?>
+<cs:chartStyle xmlns:cs="http://schemas.microsoft.com/office/drawing/2012/chartStyle" xmlns:a="http://schemas.openxmlformats.org/drawingml/2006/main" id="251">
+  <cs:axisTitle>
+    <cs:lnRef idx="0"/>
+    <cs:fillRef idx="0"/>
+    <cs:effectRef idx="0"/>
+    <cs:fontRef idx="minor">
+      <a:schemeClr val="tx1">
+        <a:lumMod val="65000"/>
+        <a:lumOff val="35000"/>
+      </a:schemeClr>
+    </cs:fontRef>
+    <cs:defRPr sz="1330" kern="1200"/>
+  </cs:axisTitle>
+  <cs:categoryAxis>
+    <cs:lnRef idx="0"/>
+    <cs:fillRef idx="0"/>
+    <cs:effectRef idx="0"/>
+    <cs:fontRef idx="minor">
+      <a:schemeClr val="tx1">
+        <a:lumMod val="65000"/>
+        <a:lumOff val="35000"/>
+      </a:schemeClr>
+    </cs:fontRef>
+    <cs:spPr>
+      <a:ln w="9525" cap="flat" cmpd="sng" algn="ctr">
+        <a:solidFill>
+          <a:schemeClr val="tx1">
+            <a:lumMod val="15000"/>
+            <a:lumOff val="85000"/>
+          </a:schemeClr>
+        </a:solidFill>
+        <a:round/>
+      </a:ln>
+    </cs:spPr>
+    <cs:defRPr sz="1197" kern="1200"/>
+  </cs:categoryAxis>
+  <cs:chartArea mods="allowNoFillOverride allowNoLineOverride">
+    <cs:lnRef idx="0"/>
+    <cs:fillRef idx="0"/>
+    <cs:effectRef idx="0"/>
+    <cs:fontRef idx="minor">
+      <a:schemeClr val="tx1"/>
+    </cs:fontRef>
+    <cs:spPr>
+      <a:solidFill>
+        <a:schemeClr val="bg1"/>
+      </a:solidFill>
+      <a:ln w="9525" cap="flat" cmpd="sng" algn="ctr">
+        <a:solidFill>
+          <a:schemeClr val="tx1">
+            <a:lumMod val="15000"/>
+            <a:lumOff val="85000"/>
+          </a:schemeClr>
+        </a:solidFill>
+        <a:round/>
+      </a:ln>
+    </cs:spPr>
+    <cs:defRPr sz="1197" kern="1200"/>
+  </cs:chartArea>
+  <cs:dataLabel>
+    <cs:lnRef idx="0"/>
+    <cs:fillRef idx="0"/>
+    <cs:effectRef idx="0"/>
+    <cs:fontRef idx="minor">
+      <a:schemeClr val="tx1">
+        <a:lumMod val="75000"/>
+        <a:lumOff val="25000"/>
+      </a:schemeClr>
+    </cs:fontRef>
+    <cs:defRPr sz="1197" kern="1200"/>
+  </cs:dataLabel>
+  <cs:dataLabelCallout>
+    <cs:lnRef idx="0"/>
+    <cs:fillRef idx="0"/>
+    <cs:effectRef idx="0"/>
+    <cs:fontRef idx="minor">
+      <a:schemeClr val="dk1">
+        <a:lumMod val="65000"/>
+        <a:lumOff val="35000"/>
+      </a:schemeClr>
+    </cs:fontRef>
+    <cs:spPr>
+      <a:solidFill>
+        <a:schemeClr val="lt1"/>
+      </a:solidFill>
+      <a:ln>
+        <a:solidFill>
+          <a:schemeClr val="dk1">
+            <a:lumMod val="25000"/>
+            <a:lumOff val="75000"/>
+          </a:schemeClr>
+        </a:solidFill>
+      </a:ln>
+    </cs:spPr>
+    <cs:defRPr sz="1197" kern="1200"/>
+    <cs:bodyPr rot="0" spcFirstLastPara="1" vertOverflow="clip" horzOverflow="clip" vert="horz" wrap="square" lIns="36576" tIns="18288" rIns="36576" bIns="18288" anchor="ctr" anchorCtr="1">
+      <a:spAutoFit/>
+    </cs:bodyPr>
+  </cs:dataLabelCallout>
+  <cs:dataPoint>
+    <cs:lnRef idx="0"/>
+    <cs:fillRef idx="1">
+      <cs:styleClr val="auto"/>
+    </cs:fillRef>
+    <cs:effectRef idx="0"/>
+    <cs:fontRef idx="minor">
+      <a:schemeClr val="tx1"/>
+    </cs:fontRef>
+    <cs:spPr>
+      <a:ln w="19050">
+        <a:solidFill>
+          <a:schemeClr val="lt1"/>
+        </a:solidFill>
+      </a:ln>
+    </cs:spPr>
+  </cs:dataPoint>
+  <cs:dataPoint3D>
+    <cs:lnRef idx="0"/>
+    <cs:fillRef idx="1">
+      <cs:styleClr val="auto"/>
+    </cs:fillRef>
+    <cs:effectRef idx="0"/>
+    <cs:fontRef idx="minor">
+      <a:schemeClr val="tx1"/>
+    </cs:fontRef>
+    <cs:spPr>
+      <a:ln w="25400">
+        <a:solidFill>
+          <a:schemeClr val="lt1"/>
+        </a:solidFill>
+      </a:ln>
+    </cs:spPr>
+  </cs:dataPoint3D>
+  <cs:dataPointLine>
+    <cs:lnRef idx="0">
+      <cs:styleClr val="auto"/>
+    </cs:lnRef>
+    <cs:fillRef idx="0"/>
+    <cs:effectRef idx="0"/>
+    <cs:fontRef idx="minor">
+      <a:schemeClr val="tx1"/>
+    </cs:fontRef>
+    <cs:spPr>
+      <a:ln w="28575" cap="rnd">
+        <a:solidFill>
+          <a:schemeClr val="phClr"/>
+        </a:solidFill>
+        <a:round/>
+      </a:ln>
+    </cs:spPr>
+  </cs:dataPointLine>
+  <cs:dataPointMarker>
+    <cs:lnRef idx="0">
+      <cs:styleClr val="auto"/>
+    </cs:lnRef>
+    <cs:fillRef idx="1">
+      <cs:styleClr val="auto"/>
+    </cs:fillRef>
+    <cs:effectRef idx="0"/>
+    <cs:fontRef idx="minor">
+      <a:schemeClr val="tx1"/>
+    </cs:fontRef>
+    <cs:spPr>
+      <a:ln w="9525">
+        <a:solidFill>
+          <a:schemeClr val="phClr"/>
+        </a:solidFill>
+      </a:ln>
+    </cs:spPr>
+  </cs:dataPointMarker>
+  <cs:dataPointMarkerLayout symbol="circle" size="5"/>
+  <cs:dataPointWireframe>
+    <cs:lnRef idx="0">
+      <cs:styleClr val="auto"/>
+    </cs:lnRef>
+    <cs:fillRef idx="0"/>
+    <cs:effectRef idx="0"/>
+    <cs:fontRef idx="minor">
+      <a:schemeClr val="tx1"/>
+    </cs:fontRef>
+    <cs:spPr>
+      <a:ln w="9525" cap="rnd">
+        <a:solidFill>
+          <a:schemeClr val="phClr"/>
+        </a:solidFill>
+        <a:round/>
+      </a:ln>
+    </cs:spPr>
+  </cs:dataPointWireframe>
+  <cs:dataTable>
+    <cs:lnRef idx="0"/>
+    <cs:fillRef idx="0"/>
+    <cs:effectRef idx="0"/>
+    <cs:fontRef idx="minor">
+      <a:schemeClr val="tx1">
+        <a:lumMod val="65000"/>
+        <a:lumOff val="35000"/>
+      </a:schemeClr>
+    </cs:fontRef>
+    <cs:spPr>
+      <a:noFill/>
+      <a:ln w="9525" cap="flat" cmpd="sng" algn="ctr">
+        <a:solidFill>
+          <a:schemeClr val="tx1">
+            <a:lumMod val="15000"/>
+            <a:lumOff val="85000"/>
+          </a:schemeClr>
+        </a:solidFill>
+        <a:round/>
+      </a:ln>
+    </cs:spPr>
+    <cs:defRPr sz="1197" kern="1200"/>
+  </cs:dataTable>
+  <cs:downBar>
+    <cs:lnRef idx="0"/>
+    <cs:fillRef idx="0"/>
+    <cs:effectRef idx="0"/>
+    <cs:fontRef idx="minor">
+      <a:schemeClr val="tx1"/>
+    </cs:fontRef>
+    <cs:spPr>
+      <a:solidFill>
+        <a:schemeClr val="dk1">
+          <a:lumMod val="75000"/>
+          <a:lumOff val="25000"/>
+        </a:schemeClr>
+      </a:solidFill>
+      <a:ln w="9525" cap="flat" cmpd="sng" algn="ctr">
+        <a:solidFill>
+          <a:schemeClr val="tx1">
+            <a:lumMod val="65000"/>
+            <a:lumOff val="35000"/>
+          </a:schemeClr>
+        </a:solidFill>
+        <a:round/>
+      </a:ln>
+    </cs:spPr>
+  </cs:downBar>
+  <cs:dropLine>
+    <cs:lnRef idx="0"/>
+    <cs:fillRef idx="0"/>
+    <cs:effectRef idx="0"/>
+    <cs:fontRef idx="minor">
+      <a:schemeClr val="tx1"/>
+    </cs:fontRef>
+    <cs:spPr>
+      <a:ln w="9525" cap="flat" cmpd="sng" algn="ctr">
+        <a:solidFill>
+          <a:schemeClr val="tx1">
+            <a:lumMod val="35000"/>
+            <a:lumOff val="65000"/>
+          </a:schemeClr>
+        </a:solidFill>
+        <a:round/>
+      </a:ln>
+    </cs:spPr>
+  </cs:dropLine>
+  <cs:errorBar>
+    <cs:lnRef idx="0"/>
+    <cs:fillRef idx="0"/>
+    <cs:effectRef idx="0"/>
+    <cs:fontRef idx="minor">
+      <a:schemeClr val="tx1"/>
+    </cs:fontRef>
+    <cs:spPr>
+      <a:ln w="9525" cap="flat" cmpd="sng" algn="ctr">
+        <a:solidFill>
+          <a:schemeClr val="tx1">
+            <a:lumMod val="65000"/>
+            <a:lumOff val="35000"/>
+          </a:schemeClr>
+        </a:solidFill>
+        <a:round/>
+      </a:ln>
+    </cs:spPr>
+  </cs:errorBar>
+  <cs:floor>
+    <cs:lnRef idx="0"/>
+    <cs:fillRef idx="0"/>
+    <cs:effectRef idx="0"/>
+    <cs:fontRef idx="minor">
+      <a:schemeClr val="tx1"/>
+    </cs:fontRef>
+    <cs:spPr>
+      <a:noFill/>
+      <a:ln>
+        <a:noFill/>
+      </a:ln>
+    </cs:spPr>
+  </cs:floor>
+  <cs:gridlineMajor>
+    <cs:lnRef idx="0"/>
+    <cs:fillRef idx="0"/>
+    <cs:effectRef idx="0"/>
+    <cs:fontRef idx="minor">
+      <a:schemeClr val="tx1"/>
+    </cs:fontRef>
+    <cs:spPr>
+      <a:ln w="9525" cap="flat" cmpd="sng" algn="ctr">
+        <a:solidFill>
+          <a:schemeClr val="tx1">
+            <a:lumMod val="15000"/>
+            <a:lumOff val="85000"/>
+          </a:schemeClr>
+        </a:solidFill>
+        <a:round/>
+      </a:ln>
+    </cs:spPr>
+  </cs:gridlineMajor>
+  <cs:gridlineMinor>
+    <cs:lnRef idx="0"/>
+    <cs:fillRef idx="0"/>
+    <cs:effectRef idx="0"/>
+    <cs:fontRef idx="minor">
+      <a:schemeClr val="tx1"/>
+    </cs:fontRef>
+    <cs:spPr>
+      <a:ln w="9525" cap="flat" cmpd="sng" algn="ctr">
+        <a:solidFill>
+          <a:schemeClr val="tx1">
+            <a:lumMod val="5000"/>
+            <a:lumOff val="95000"/>
+          </a:schemeClr>
+        </a:solidFill>
+        <a:round/>
+      </a:ln>
+    </cs:spPr>
+  </cs:gridlineMinor>
+  <cs:hiLoLine>
+    <cs:lnRef idx="0"/>
+    <cs:fillRef idx="0"/>
+    <cs:effectRef idx="0"/>
+    <cs:fontRef idx="minor">
+      <a:schemeClr val="tx1"/>
+    </cs:fontRef>
+    <cs:spPr>
+      <a:ln w="9525" cap="flat" cmpd="sng" algn="ctr">
+        <a:solidFill>
+          <a:schemeClr val="tx1">
+            <a:lumMod val="50000"/>
+            <a:lumOff val="50000"/>
+          </a:schemeClr>
+        </a:solidFill>
+        <a:round/>
+      </a:ln>
+    </cs:spPr>
+  </cs:hiLoLine>
+  <cs:leaderLine>
+    <cs:lnRef idx="0"/>
+    <cs:fillRef idx="0"/>
+    <cs:effectRef idx="0"/>
+    <cs:fontRef idx="minor">
+      <a:schemeClr val="tx1"/>
+    </cs:fontRef>
+    <cs:spPr>
+      <a:ln w="9525" cap="flat" cmpd="sng" algn="ctr">
+        <a:solidFill>
+          <a:schemeClr val="tx1">
+            <a:lumMod val="35000"/>
+            <a:lumOff val="65000"/>
+          </a:schemeClr>
+        </a:solidFill>
+        <a:round/>
+      </a:ln>
+    </cs:spPr>
+  </cs:leaderLine>
+  <cs:legend>
+    <cs:lnRef idx="0"/>
+    <cs:fillRef idx="0"/>
+    <cs:effectRef idx="0"/>
+    <cs:fontRef idx="minor">
+      <a:schemeClr val="tx1">
+        <a:lumMod val="65000"/>
+        <a:lumOff val="35000"/>
+      </a:schemeClr>
+    </cs:fontRef>
+    <cs:defRPr sz="1197" kern="1200"/>
+  </cs:legend>
+  <cs:plotArea mods="allowNoFillOverride allowNoLineOverride">
+    <cs:lnRef idx="0"/>
+    <cs:fillRef idx="0"/>
+    <cs:effectRef idx="0"/>
+    <cs:fontRef idx="minor">
+      <a:schemeClr val="tx1"/>
+    </cs:fontRef>
+  </cs:plotArea>
+  <cs:plotArea3D mods="allowNoFillOverride allowNoLineOverride">
+    <cs:lnRef idx="0"/>
+    <cs:fillRef idx="0"/>
+    <cs:effectRef idx="0"/>
+    <cs:fontRef idx="minor">
+      <a:schemeClr val="tx1"/>
+    </cs:fontRef>
+  </cs:plotArea3D>
+  <cs:seriesAxis>
+    <cs:lnRef idx="0"/>
+    <cs:fillRef idx="0"/>
+    <cs:effectRef idx="0"/>
+    <cs:fontRef idx="minor">
+      <a:schemeClr val="tx1">
+        <a:lumMod val="65000"/>
+        <a:lumOff val="35000"/>
+      </a:schemeClr>
+    </cs:fontRef>
+    <cs:defRPr sz="1197" kern="1200"/>
+  </cs:seriesAxis>
+  <cs:seriesLine>
+    <cs:lnRef idx="0"/>
+    <cs:fillRef idx="0"/>
+    <cs:effectRef idx="0"/>
+    <cs:fontRef idx="minor">
+      <a:schemeClr val="tx1"/>
+    </cs:fontRef>
+    <cs:spPr>
+      <a:ln w="9525" cap="flat" cmpd="sng" algn="ctr">
+        <a:solidFill>
+          <a:schemeClr val="tx1">
+            <a:lumMod val="35000"/>
+            <a:lumOff val="65000"/>
+          </a:schemeClr>
+        </a:solidFill>
+        <a:round/>
+      </a:ln>
+    </cs:spPr>
+  </cs:seriesLine>
+  <cs:title>
+    <cs:lnRef idx="0"/>
+    <cs:fillRef idx="0"/>
+    <cs:effectRef idx="0"/>
+    <cs:fontRef idx="minor">
+      <a:schemeClr val="tx1">
+        <a:lumMod val="65000"/>
+        <a:lumOff val="35000"/>
+      </a:schemeClr>
+    </cs:fontRef>
+    <cs:defRPr sz="1862" b="0" kern="1200" spc="0" baseline="0"/>
+  </cs:title>
+  <cs:trendline>
+    <cs:lnRef idx="0">
+      <cs:styleClr val="auto"/>
+    </cs:lnRef>
+    <cs:fillRef idx="0"/>
+    <cs:effectRef idx="0"/>
+    <cs:fontRef idx="minor">
+      <a:schemeClr val="tx1"/>
+    </cs:fontRef>
+    <cs:spPr>
+      <a:ln w="19050" cap="rnd">
+        <a:solidFill>
+          <a:schemeClr val="phClr"/>
+        </a:solidFill>
+        <a:prstDash val="sysDot"/>
+      </a:ln>
+    </cs:spPr>
+  </cs:trendline>
+  <cs:trendlineLabel>
+    <cs:lnRef idx="0"/>
+    <cs:fillRef idx="0"/>
+    <cs:effectRef idx="0"/>
+    <cs:fontRef idx="minor">
+      <a:schemeClr val="tx1">
+        <a:lumMod val="65000"/>
+        <a:lumOff val="35000"/>
+      </a:schemeClr>
+    </cs:fontRef>
+    <cs:defRPr sz="1197" kern="1200"/>
+  </cs:trendlineLabel>
+  <cs:upBar>
+    <cs:lnRef idx="0"/>
+    <cs:fillRef idx="0"/>
+    <cs:effectRef idx="0"/>
+    <cs:fontRef idx="minor">
+      <a:schemeClr val="tx1"/>
+    </cs:fontRef>
+    <cs:spPr>
+      <a:solidFill>
+        <a:schemeClr val="lt1"/>
+      </a:solidFill>
+      <a:ln w="9525" cap="flat" cmpd="sng" algn="ctr">
+        <a:solidFill>
+          <a:schemeClr val="tx1">
+            <a:lumMod val="65000"/>
+            <a:lumOff val="35000"/>
+          </a:schemeClr>
+        </a:solidFill>
+        <a:round/>
+      </a:ln>
+    </cs:spPr>
+  </cs:upBar>
+  <cs:valueAxis>
+    <cs:lnRef idx="0"/>
+    <cs:fillRef idx="0"/>
+    <cs:effectRef idx="0"/>
+    <cs:fontRef idx="minor">
+      <a:schemeClr val="tx1">
+        <a:lumMod val="65000"/>
+        <a:lumOff val="35000"/>
+      </a:schemeClr>
+    </cs:fontRef>
+    <cs:defRPr sz="1197" kern="1200"/>
+  </cs:valueAxis>
+  <cs:wall>
+    <cs:lnRef idx="0"/>
+    <cs:fillRef idx="0"/>
+    <cs:effectRef idx="0"/>
+    <cs:fontRef idx="minor">
+      <a:schemeClr val="tx1"/>
+    </cs:fontRef>
+    <cs:spPr>
+      <a:noFill/>
+      <a:ln>
+        <a:noFill/>
+      </a:ln>
+    </cs:spPr>
+  </cs:wall>
+</cs:chartStyle>
+</file>
+
 <file path=ppt/diagrams/colors1.xml><?xml version="1.0" encoding="utf-8"?>
 <dgm:colorsDef xmlns:dgm="http://schemas.openxmlformats.org/drawingml/2006/diagram" xmlns:a="http://schemas.openxmlformats.org/drawingml/2006/main" uniqueId="urn:microsoft.com/office/officeart/2005/8/colors/accent1_2">
   <dgm:title val=""/>
@@ -2543,753 +3377,6 @@
 </file>
 
 <file path=ppt/diagrams/colors4.xml><?xml version="1.0" encoding="utf-8"?>
-<dgm:colorsDef xmlns:dgm="http://schemas.openxmlformats.org/drawingml/2006/diagram" xmlns:a="http://schemas.openxmlformats.org/drawingml/2006/main" uniqueId="urn:microsoft.com/office/officeart/2005/8/colors/accent1_2">
-  <dgm:title val=""/>
-  <dgm:desc val=""/>
-  <dgm:catLst>
-    <dgm:cat type="accent1" pri="11200"/>
-  </dgm:catLst>
-  <dgm:styleLbl name="node0">
-    <dgm:fillClrLst meth="repeat">
-      <a:schemeClr val="accent1"/>
-    </dgm:fillClrLst>
-    <dgm:linClrLst meth="repeat">
-      <a:schemeClr val="lt1"/>
-    </dgm:linClrLst>
-    <dgm:effectClrLst/>
-    <dgm:txLinClrLst/>
-    <dgm:txFillClrLst/>
-    <dgm:txEffectClrLst/>
-  </dgm:styleLbl>
-  <dgm:styleLbl name="alignNode1">
-    <dgm:fillClrLst meth="repeat">
-      <a:schemeClr val="accent1"/>
-    </dgm:fillClrLst>
-    <dgm:linClrLst meth="repeat">
-      <a:schemeClr val="accent1"/>
-    </dgm:linClrLst>
-    <dgm:effectClrLst/>
-    <dgm:txLinClrLst/>
-    <dgm:txFillClrLst/>
-    <dgm:txEffectClrLst/>
-  </dgm:styleLbl>
-  <dgm:styleLbl name="node1">
-    <dgm:fillClrLst meth="repeat">
-      <a:schemeClr val="accent1"/>
-    </dgm:fillClrLst>
-    <dgm:linClrLst meth="repeat">
-      <a:schemeClr val="lt1"/>
-    </dgm:linClrLst>
-    <dgm:effectClrLst/>
-    <dgm:txLinClrLst/>
-    <dgm:txFillClrLst/>
-    <dgm:txEffectClrLst/>
-  </dgm:styleLbl>
-  <dgm:styleLbl name="lnNode1">
-    <dgm:fillClrLst meth="repeat">
-      <a:schemeClr val="accent1"/>
-    </dgm:fillClrLst>
-    <dgm:linClrLst meth="repeat">
-      <a:schemeClr val="lt1"/>
-    </dgm:linClrLst>
-    <dgm:effectClrLst/>
-    <dgm:txLinClrLst/>
-    <dgm:txFillClrLst/>
-    <dgm:txEffectClrLst/>
-  </dgm:styleLbl>
-  <dgm:styleLbl name="vennNode1">
-    <dgm:fillClrLst meth="repeat">
-      <a:schemeClr val="accent1">
-        <a:alpha val="50000"/>
-      </a:schemeClr>
-    </dgm:fillClrLst>
-    <dgm:linClrLst meth="repeat">
-      <a:schemeClr val="lt1"/>
-    </dgm:linClrLst>
-    <dgm:effectClrLst/>
-    <dgm:txLinClrLst/>
-    <dgm:txFillClrLst/>
-    <dgm:txEffectClrLst/>
-  </dgm:styleLbl>
-  <dgm:styleLbl name="node2">
-    <dgm:fillClrLst meth="repeat">
-      <a:schemeClr val="accent1"/>
-    </dgm:fillClrLst>
-    <dgm:linClrLst meth="repeat">
-      <a:schemeClr val="lt1"/>
-    </dgm:linClrLst>
-    <dgm:effectClrLst/>
-    <dgm:txLinClrLst/>
-    <dgm:txFillClrLst/>
-    <dgm:txEffectClrLst/>
-  </dgm:styleLbl>
-  <dgm:styleLbl name="node3">
-    <dgm:fillClrLst meth="repeat">
-      <a:schemeClr val="accent1"/>
-    </dgm:fillClrLst>
-    <dgm:linClrLst meth="repeat">
-      <a:schemeClr val="lt1"/>
-    </dgm:linClrLst>
-    <dgm:effectClrLst/>
-    <dgm:txLinClrLst/>
-    <dgm:txFillClrLst/>
-    <dgm:txEffectClrLst/>
-  </dgm:styleLbl>
-  <dgm:styleLbl name="node4">
-    <dgm:fillClrLst meth="repeat">
-      <a:schemeClr val="accent1"/>
-    </dgm:fillClrLst>
-    <dgm:linClrLst meth="repeat">
-      <a:schemeClr val="lt1"/>
-    </dgm:linClrLst>
-    <dgm:effectClrLst/>
-    <dgm:txLinClrLst/>
-    <dgm:txFillClrLst/>
-    <dgm:txEffectClrLst/>
-  </dgm:styleLbl>
-  <dgm:styleLbl name="fgImgPlace1">
-    <dgm:fillClrLst meth="repeat">
-      <a:schemeClr val="accent1">
-        <a:tint val="50000"/>
-      </a:schemeClr>
-    </dgm:fillClrLst>
-    <dgm:linClrLst meth="repeat">
-      <a:schemeClr val="lt1"/>
-    </dgm:linClrLst>
-    <dgm:effectClrLst/>
-    <dgm:txLinClrLst/>
-    <dgm:txFillClrLst meth="repeat">
-      <a:schemeClr val="lt1"/>
-    </dgm:txFillClrLst>
-    <dgm:txEffectClrLst/>
-  </dgm:styleLbl>
-  <dgm:styleLbl name="alignImgPlace1">
-    <dgm:fillClrLst meth="repeat">
-      <a:schemeClr val="accent1">
-        <a:tint val="50000"/>
-      </a:schemeClr>
-    </dgm:fillClrLst>
-    <dgm:linClrLst meth="repeat">
-      <a:schemeClr val="lt1"/>
-    </dgm:linClrLst>
-    <dgm:effectClrLst/>
-    <dgm:txLinClrLst/>
-    <dgm:txFillClrLst meth="repeat">
-      <a:schemeClr val="lt1"/>
-    </dgm:txFillClrLst>
-    <dgm:txEffectClrLst/>
-  </dgm:styleLbl>
-  <dgm:styleLbl name="bgImgPlace1">
-    <dgm:fillClrLst meth="repeat">
-      <a:schemeClr val="accent1">
-        <a:tint val="50000"/>
-      </a:schemeClr>
-    </dgm:fillClrLst>
-    <dgm:linClrLst meth="repeat">
-      <a:schemeClr val="lt1"/>
-    </dgm:linClrLst>
-    <dgm:effectClrLst/>
-    <dgm:txLinClrLst/>
-    <dgm:txFillClrLst meth="repeat">
-      <a:schemeClr val="lt1"/>
-    </dgm:txFillClrLst>
-    <dgm:txEffectClrLst/>
-  </dgm:styleLbl>
-  <dgm:styleLbl name="sibTrans2D1">
-    <dgm:fillClrLst meth="repeat">
-      <a:schemeClr val="accent1">
-        <a:tint val="60000"/>
-      </a:schemeClr>
-    </dgm:fillClrLst>
-    <dgm:linClrLst meth="repeat">
-      <a:schemeClr val="accent1">
-        <a:tint val="60000"/>
-      </a:schemeClr>
-    </dgm:linClrLst>
-    <dgm:effectClrLst/>
-    <dgm:txLinClrLst/>
-    <dgm:txFillClrLst/>
-    <dgm:txEffectClrLst/>
-  </dgm:styleLbl>
-  <dgm:styleLbl name="fgSibTrans2D1">
-    <dgm:fillClrLst meth="repeat">
-      <a:schemeClr val="accent1">
-        <a:tint val="60000"/>
-      </a:schemeClr>
-    </dgm:fillClrLst>
-    <dgm:linClrLst meth="repeat">
-      <a:schemeClr val="accent1">
-        <a:tint val="60000"/>
-      </a:schemeClr>
-    </dgm:linClrLst>
-    <dgm:effectClrLst/>
-    <dgm:txLinClrLst/>
-    <dgm:txFillClrLst/>
-    <dgm:txEffectClrLst/>
-  </dgm:styleLbl>
-  <dgm:styleLbl name="bgSibTrans2D1">
-    <dgm:fillClrLst meth="repeat">
-      <a:schemeClr val="accent1">
-        <a:tint val="60000"/>
-      </a:schemeClr>
-    </dgm:fillClrLst>
-    <dgm:linClrLst meth="repeat">
-      <a:schemeClr val="accent1">
-        <a:tint val="60000"/>
-      </a:schemeClr>
-    </dgm:linClrLst>
-    <dgm:effectClrLst/>
-    <dgm:txLinClrLst/>
-    <dgm:txFillClrLst/>
-    <dgm:txEffectClrLst/>
-  </dgm:styleLbl>
-  <dgm:styleLbl name="sibTrans1D1">
-    <dgm:fillClrLst meth="repeat">
-      <a:schemeClr val="accent1"/>
-    </dgm:fillClrLst>
-    <dgm:linClrLst meth="repeat">
-      <a:schemeClr val="accent1"/>
-    </dgm:linClrLst>
-    <dgm:effectClrLst/>
-    <dgm:txLinClrLst/>
-    <dgm:txFillClrLst meth="repeat">
-      <a:schemeClr val="tx1"/>
-    </dgm:txFillClrLst>
-    <dgm:txEffectClrLst/>
-  </dgm:styleLbl>
-  <dgm:styleLbl name="callout">
-    <dgm:fillClrLst meth="repeat">
-      <a:schemeClr val="accent1"/>
-    </dgm:fillClrLst>
-    <dgm:linClrLst meth="repeat">
-      <a:schemeClr val="accent1">
-        <a:tint val="50000"/>
-      </a:schemeClr>
-    </dgm:linClrLst>
-    <dgm:effectClrLst/>
-    <dgm:txLinClrLst/>
-    <dgm:txFillClrLst meth="repeat">
-      <a:schemeClr val="tx1"/>
-    </dgm:txFillClrLst>
-    <dgm:txEffectClrLst/>
-  </dgm:styleLbl>
-  <dgm:styleLbl name="asst0">
-    <dgm:fillClrLst meth="repeat">
-      <a:schemeClr val="accent1"/>
-    </dgm:fillClrLst>
-    <dgm:linClrLst meth="repeat">
-      <a:schemeClr val="lt1"/>
-    </dgm:linClrLst>
-    <dgm:effectClrLst/>
-    <dgm:txLinClrLst/>
-    <dgm:txFillClrLst/>
-    <dgm:txEffectClrLst/>
-  </dgm:styleLbl>
-  <dgm:styleLbl name="asst1">
-    <dgm:fillClrLst meth="repeat">
-      <a:schemeClr val="accent1"/>
-    </dgm:fillClrLst>
-    <dgm:linClrLst meth="repeat">
-      <a:schemeClr val="lt1"/>
-    </dgm:linClrLst>
-    <dgm:effectClrLst/>
-    <dgm:txLinClrLst/>
-    <dgm:txFillClrLst/>
-    <dgm:txEffectClrLst/>
-  </dgm:styleLbl>
-  <dgm:styleLbl name="asst2">
-    <dgm:fillClrLst meth="repeat">
-      <a:schemeClr val="accent1"/>
-    </dgm:fillClrLst>
-    <dgm:linClrLst meth="repeat">
-      <a:schemeClr val="lt1"/>
-    </dgm:linClrLst>
-    <dgm:effectClrLst/>
-    <dgm:txLinClrLst/>
-    <dgm:txFillClrLst/>
-    <dgm:txEffectClrLst/>
-  </dgm:styleLbl>
-  <dgm:styleLbl name="asst3">
-    <dgm:fillClrLst meth="repeat">
-      <a:schemeClr val="accent1"/>
-    </dgm:fillClrLst>
-    <dgm:linClrLst meth="repeat">
-      <a:schemeClr val="lt1"/>
-    </dgm:linClrLst>
-    <dgm:effectClrLst/>
-    <dgm:txLinClrLst/>
-    <dgm:txFillClrLst/>
-    <dgm:txEffectClrLst/>
-  </dgm:styleLbl>
-  <dgm:styleLbl name="asst4">
-    <dgm:fillClrLst meth="repeat">
-      <a:schemeClr val="accent1"/>
-    </dgm:fillClrLst>
-    <dgm:linClrLst meth="repeat">
-      <a:schemeClr val="lt1"/>
-    </dgm:linClrLst>
-    <dgm:effectClrLst/>
-    <dgm:txLinClrLst/>
-    <dgm:txFillClrLst/>
-    <dgm:txEffectClrLst/>
-  </dgm:styleLbl>
-  <dgm:styleLbl name="parChTrans2D1">
-    <dgm:fillClrLst meth="repeat">
-      <a:schemeClr val="accent1">
-        <a:tint val="60000"/>
-      </a:schemeClr>
-    </dgm:fillClrLst>
-    <dgm:linClrLst meth="repeat">
-      <a:schemeClr val="accent1">
-        <a:tint val="60000"/>
-      </a:schemeClr>
-    </dgm:linClrLst>
-    <dgm:effectClrLst/>
-    <dgm:txLinClrLst/>
-    <dgm:txFillClrLst meth="repeat">
-      <a:schemeClr val="lt1"/>
-    </dgm:txFillClrLst>
-    <dgm:txEffectClrLst/>
-  </dgm:styleLbl>
-  <dgm:styleLbl name="parChTrans2D2">
-    <dgm:fillClrLst meth="repeat">
-      <a:schemeClr val="accent1"/>
-    </dgm:fillClrLst>
-    <dgm:linClrLst meth="repeat">
-      <a:schemeClr val="accent1"/>
-    </dgm:linClrLst>
-    <dgm:effectClrLst/>
-    <dgm:txLinClrLst/>
-    <dgm:txFillClrLst meth="repeat">
-      <a:schemeClr val="lt1"/>
-    </dgm:txFillClrLst>
-    <dgm:txEffectClrLst/>
-  </dgm:styleLbl>
-  <dgm:styleLbl name="parChTrans2D3">
-    <dgm:fillClrLst meth="repeat">
-      <a:schemeClr val="accent1"/>
-    </dgm:fillClrLst>
-    <dgm:linClrLst meth="repeat">
-      <a:schemeClr val="accent1"/>
-    </dgm:linClrLst>
-    <dgm:effectClrLst/>
-    <dgm:txLinClrLst/>
-    <dgm:txFillClrLst meth="repeat">
-      <a:schemeClr val="lt1"/>
-    </dgm:txFillClrLst>
-    <dgm:txEffectClrLst/>
-  </dgm:styleLbl>
-  <dgm:styleLbl name="parChTrans2D4">
-    <dgm:fillClrLst meth="repeat">
-      <a:schemeClr val="accent1"/>
-    </dgm:fillClrLst>
-    <dgm:linClrLst meth="repeat">
-      <a:schemeClr val="accent1"/>
-    </dgm:linClrLst>
-    <dgm:effectClrLst/>
-    <dgm:txLinClrLst/>
-    <dgm:txFillClrLst meth="repeat">
-      <a:schemeClr val="lt1"/>
-    </dgm:txFillClrLst>
-    <dgm:txEffectClrLst/>
-  </dgm:styleLbl>
-  <dgm:styleLbl name="parChTrans1D1">
-    <dgm:fillClrLst meth="repeat">
-      <a:schemeClr val="accent1"/>
-    </dgm:fillClrLst>
-    <dgm:linClrLst meth="repeat">
-      <a:schemeClr val="accent1">
-        <a:shade val="60000"/>
-      </a:schemeClr>
-    </dgm:linClrLst>
-    <dgm:effectClrLst/>
-    <dgm:txLinClrLst/>
-    <dgm:txFillClrLst meth="repeat">
-      <a:schemeClr val="tx1"/>
-    </dgm:txFillClrLst>
-    <dgm:txEffectClrLst/>
-  </dgm:styleLbl>
-  <dgm:styleLbl name="parChTrans1D2">
-    <dgm:fillClrLst meth="repeat">
-      <a:schemeClr val="accent1"/>
-    </dgm:fillClrLst>
-    <dgm:linClrLst meth="repeat">
-      <a:schemeClr val="accent1">
-        <a:shade val="60000"/>
-      </a:schemeClr>
-    </dgm:linClrLst>
-    <dgm:effectClrLst/>
-    <dgm:txLinClrLst/>
-    <dgm:txFillClrLst meth="repeat">
-      <a:schemeClr val="tx1"/>
-    </dgm:txFillClrLst>
-    <dgm:txEffectClrLst/>
-  </dgm:styleLbl>
-  <dgm:styleLbl name="parChTrans1D3">
-    <dgm:fillClrLst meth="repeat">
-      <a:schemeClr val="accent1"/>
-    </dgm:fillClrLst>
-    <dgm:linClrLst meth="repeat">
-      <a:schemeClr val="accent1">
-        <a:shade val="80000"/>
-      </a:schemeClr>
-    </dgm:linClrLst>
-    <dgm:effectClrLst/>
-    <dgm:txLinClrLst/>
-    <dgm:txFillClrLst meth="repeat">
-      <a:schemeClr val="tx1"/>
-    </dgm:txFillClrLst>
-    <dgm:txEffectClrLst/>
-  </dgm:styleLbl>
-  <dgm:styleLbl name="parChTrans1D4">
-    <dgm:fillClrLst meth="repeat">
-      <a:schemeClr val="accent1"/>
-    </dgm:fillClrLst>
-    <dgm:linClrLst meth="repeat">
-      <a:schemeClr val="accent1">
-        <a:shade val="80000"/>
-      </a:schemeClr>
-    </dgm:linClrLst>
-    <dgm:effectClrLst/>
-    <dgm:txLinClrLst/>
-    <dgm:txFillClrLst meth="repeat">
-      <a:schemeClr val="tx1"/>
-    </dgm:txFillClrLst>
-    <dgm:txEffectClrLst/>
-  </dgm:styleLbl>
-  <dgm:styleLbl name="fgAcc1">
-    <dgm:fillClrLst meth="repeat">
-      <a:schemeClr val="lt1">
-        <a:alpha val="90000"/>
-      </a:schemeClr>
-    </dgm:fillClrLst>
-    <dgm:linClrLst meth="repeat">
-      <a:schemeClr val="accent1"/>
-    </dgm:linClrLst>
-    <dgm:effectClrLst/>
-    <dgm:txLinClrLst/>
-    <dgm:txFillClrLst meth="repeat">
-      <a:schemeClr val="dk1"/>
-    </dgm:txFillClrLst>
-    <dgm:txEffectClrLst/>
-  </dgm:styleLbl>
-  <dgm:styleLbl name="conFgAcc1">
-    <dgm:fillClrLst meth="repeat">
-      <a:schemeClr val="lt1">
-        <a:alpha val="90000"/>
-      </a:schemeClr>
-    </dgm:fillClrLst>
-    <dgm:linClrLst meth="repeat">
-      <a:schemeClr val="accent1"/>
-    </dgm:linClrLst>
-    <dgm:effectClrLst/>
-    <dgm:txLinClrLst/>
-    <dgm:txFillClrLst meth="repeat">
-      <a:schemeClr val="dk1"/>
-    </dgm:txFillClrLst>
-    <dgm:txEffectClrLst/>
-  </dgm:styleLbl>
-  <dgm:styleLbl name="alignAcc1">
-    <dgm:fillClrLst meth="repeat">
-      <a:schemeClr val="lt1">
-        <a:alpha val="90000"/>
-      </a:schemeClr>
-    </dgm:fillClrLst>
-    <dgm:linClrLst meth="repeat">
-      <a:schemeClr val="accent1"/>
-    </dgm:linClrLst>
-    <dgm:effectClrLst/>
-    <dgm:txLinClrLst/>
-    <dgm:txFillClrLst meth="repeat">
-      <a:schemeClr val="dk1"/>
-    </dgm:txFillClrLst>
-    <dgm:txEffectClrLst/>
-  </dgm:styleLbl>
-  <dgm:styleLbl name="trAlignAcc1">
-    <dgm:fillClrLst meth="repeat">
-      <a:schemeClr val="lt1">
-        <a:alpha val="40000"/>
-      </a:schemeClr>
-    </dgm:fillClrLst>
-    <dgm:linClrLst meth="repeat">
-      <a:schemeClr val="accent1"/>
-    </dgm:linClrLst>
-    <dgm:effectClrLst/>
-    <dgm:txLinClrLst/>
-    <dgm:txFillClrLst meth="repeat">
-      <a:schemeClr val="dk1"/>
-    </dgm:txFillClrLst>
-    <dgm:txEffectClrLst/>
-  </dgm:styleLbl>
-  <dgm:styleLbl name="bgAcc1">
-    <dgm:fillClrLst meth="repeat">
-      <a:schemeClr val="lt1">
-        <a:alpha val="90000"/>
-      </a:schemeClr>
-    </dgm:fillClrLst>
-    <dgm:linClrLst meth="repeat">
-      <a:schemeClr val="accent1"/>
-    </dgm:linClrLst>
-    <dgm:effectClrLst/>
-    <dgm:txLinClrLst/>
-    <dgm:txFillClrLst meth="repeat">
-      <a:schemeClr val="dk1"/>
-    </dgm:txFillClrLst>
-    <dgm:txEffectClrLst/>
-  </dgm:styleLbl>
-  <dgm:styleLbl name="solidFgAcc1">
-    <dgm:fillClrLst meth="repeat">
-      <a:schemeClr val="lt1"/>
-    </dgm:fillClrLst>
-    <dgm:linClrLst meth="repeat">
-      <a:schemeClr val="accent1"/>
-    </dgm:linClrLst>
-    <dgm:effectClrLst/>
-    <dgm:txLinClrLst/>
-    <dgm:txFillClrLst meth="repeat">
-      <a:schemeClr val="dk1"/>
-    </dgm:txFillClrLst>
-    <dgm:txEffectClrLst/>
-  </dgm:styleLbl>
-  <dgm:styleLbl name="solidAlignAcc1">
-    <dgm:fillClrLst meth="repeat">
-      <a:schemeClr val="lt1"/>
-    </dgm:fillClrLst>
-    <dgm:linClrLst meth="repeat">
-      <a:schemeClr val="accent1"/>
-    </dgm:linClrLst>
-    <dgm:effectClrLst/>
-    <dgm:txLinClrLst/>
-    <dgm:txFillClrLst meth="repeat">
-      <a:schemeClr val="dk1"/>
-    </dgm:txFillClrLst>
-    <dgm:txEffectClrLst/>
-  </dgm:styleLbl>
-  <dgm:styleLbl name="solidBgAcc1">
-    <dgm:fillClrLst meth="repeat">
-      <a:schemeClr val="lt1"/>
-    </dgm:fillClrLst>
-    <dgm:linClrLst meth="repeat">
-      <a:schemeClr val="accent1"/>
-    </dgm:linClrLst>
-    <dgm:effectClrLst/>
-    <dgm:txLinClrLst/>
-    <dgm:txFillClrLst meth="repeat">
-      <a:schemeClr val="dk1"/>
-    </dgm:txFillClrLst>
-    <dgm:txEffectClrLst/>
-  </dgm:styleLbl>
-  <dgm:styleLbl name="fgAccFollowNode1">
-    <dgm:fillClrLst meth="repeat">
-      <a:schemeClr val="accent1">
-        <a:alpha val="90000"/>
-        <a:tint val="40000"/>
-      </a:schemeClr>
-    </dgm:fillClrLst>
-    <dgm:linClrLst meth="repeat">
-      <a:schemeClr val="accent1">
-        <a:alpha val="90000"/>
-        <a:tint val="40000"/>
-      </a:schemeClr>
-    </dgm:linClrLst>
-    <dgm:effectClrLst/>
-    <dgm:txLinClrLst/>
-    <dgm:txFillClrLst meth="repeat">
-      <a:schemeClr val="dk1"/>
-    </dgm:txFillClrLst>
-    <dgm:txEffectClrLst/>
-  </dgm:styleLbl>
-  <dgm:styleLbl name="alignAccFollowNode1">
-    <dgm:fillClrLst meth="repeat">
-      <a:schemeClr val="accent1">
-        <a:alpha val="90000"/>
-        <a:tint val="40000"/>
-      </a:schemeClr>
-    </dgm:fillClrLst>
-    <dgm:linClrLst meth="repeat">
-      <a:schemeClr val="accent1">
-        <a:alpha val="90000"/>
-        <a:tint val="40000"/>
-      </a:schemeClr>
-    </dgm:linClrLst>
-    <dgm:effectClrLst/>
-    <dgm:txLinClrLst/>
-    <dgm:txFillClrLst meth="repeat">
-      <a:schemeClr val="dk1"/>
-    </dgm:txFillClrLst>
-    <dgm:txEffectClrLst/>
-  </dgm:styleLbl>
-  <dgm:styleLbl name="bgAccFollowNode1">
-    <dgm:fillClrLst meth="repeat">
-      <a:schemeClr val="accent1">
-        <a:alpha val="90000"/>
-        <a:tint val="40000"/>
-      </a:schemeClr>
-    </dgm:fillClrLst>
-    <dgm:linClrLst meth="repeat">
-      <a:schemeClr val="accent1">
-        <a:alpha val="90000"/>
-        <a:tint val="40000"/>
-      </a:schemeClr>
-    </dgm:linClrLst>
-    <dgm:effectClrLst/>
-    <dgm:txLinClrLst/>
-    <dgm:txFillClrLst meth="repeat">
-      <a:schemeClr val="dk1"/>
-    </dgm:txFillClrLst>
-    <dgm:txEffectClrLst/>
-  </dgm:styleLbl>
-  <dgm:styleLbl name="fgAcc0">
-    <dgm:fillClrLst meth="repeat">
-      <a:schemeClr val="lt1">
-        <a:alpha val="90000"/>
-      </a:schemeClr>
-    </dgm:fillClrLst>
-    <dgm:linClrLst meth="repeat">
-      <a:schemeClr val="accent1"/>
-    </dgm:linClrLst>
-    <dgm:effectClrLst/>
-    <dgm:txLinClrLst/>
-    <dgm:txFillClrLst meth="repeat">
-      <a:schemeClr val="dk1"/>
-    </dgm:txFillClrLst>
-    <dgm:txEffectClrLst/>
-  </dgm:styleLbl>
-  <dgm:styleLbl name="fgAcc2">
-    <dgm:fillClrLst meth="repeat">
-      <a:schemeClr val="lt1">
-        <a:alpha val="90000"/>
-      </a:schemeClr>
-    </dgm:fillClrLst>
-    <dgm:linClrLst meth="repeat">
-      <a:schemeClr val="accent1"/>
-    </dgm:linClrLst>
-    <dgm:effectClrLst/>
-    <dgm:txLinClrLst/>
-    <dgm:txFillClrLst meth="repeat">
-      <a:schemeClr val="dk1"/>
-    </dgm:txFillClrLst>
-    <dgm:txEffectClrLst/>
-  </dgm:styleLbl>
-  <dgm:styleLbl name="fgAcc3">
-    <dgm:fillClrLst meth="repeat">
-      <a:schemeClr val="lt1">
-        <a:alpha val="90000"/>
-      </a:schemeClr>
-    </dgm:fillClrLst>
-    <dgm:linClrLst meth="repeat">
-      <a:schemeClr val="accent1"/>
-    </dgm:linClrLst>
-    <dgm:effectClrLst/>
-    <dgm:txLinClrLst/>
-    <dgm:txFillClrLst meth="repeat">
-      <a:schemeClr val="dk1"/>
-    </dgm:txFillClrLst>
-    <dgm:txEffectClrLst/>
-  </dgm:styleLbl>
-  <dgm:styleLbl name="fgAcc4">
-    <dgm:fillClrLst meth="repeat">
-      <a:schemeClr val="lt1">
-        <a:alpha val="90000"/>
-      </a:schemeClr>
-    </dgm:fillClrLst>
-    <dgm:linClrLst meth="repeat">
-      <a:schemeClr val="accent1"/>
-    </dgm:linClrLst>
-    <dgm:effectClrLst/>
-    <dgm:txLinClrLst/>
-    <dgm:txFillClrLst meth="repeat">
-      <a:schemeClr val="dk1"/>
-    </dgm:txFillClrLst>
-    <dgm:txEffectClrLst/>
-  </dgm:styleLbl>
-  <dgm:styleLbl name="bgShp">
-    <dgm:fillClrLst meth="repeat">
-      <a:schemeClr val="accent1">
-        <a:tint val="40000"/>
-      </a:schemeClr>
-    </dgm:fillClrLst>
-    <dgm:linClrLst meth="repeat">
-      <a:schemeClr val="accent1"/>
-    </dgm:linClrLst>
-    <dgm:effectClrLst/>
-    <dgm:txLinClrLst/>
-    <dgm:txFillClrLst meth="repeat">
-      <a:schemeClr val="dk1"/>
-    </dgm:txFillClrLst>
-    <dgm:txEffectClrLst/>
-  </dgm:styleLbl>
-  <dgm:styleLbl name="dkBgShp">
-    <dgm:fillClrLst meth="repeat">
-      <a:schemeClr val="accent1">
-        <a:shade val="80000"/>
-      </a:schemeClr>
-    </dgm:fillClrLst>
-    <dgm:linClrLst meth="repeat">
-      <a:schemeClr val="accent1"/>
-    </dgm:linClrLst>
-    <dgm:effectClrLst/>
-    <dgm:txLinClrLst/>
-    <dgm:txFillClrLst meth="repeat">
-      <a:schemeClr val="lt1"/>
-    </dgm:txFillClrLst>
-    <dgm:txEffectClrLst/>
-  </dgm:styleLbl>
-  <dgm:styleLbl name="trBgShp">
-    <dgm:fillClrLst meth="repeat">
-      <a:schemeClr val="accent1">
-        <a:tint val="50000"/>
-        <a:alpha val="40000"/>
-      </a:schemeClr>
-    </dgm:fillClrLst>
-    <dgm:linClrLst meth="repeat">
-      <a:schemeClr val="accent1"/>
-    </dgm:linClrLst>
-    <dgm:effectClrLst/>
-    <dgm:txLinClrLst/>
-    <dgm:txFillClrLst meth="repeat">
-      <a:schemeClr val="lt1"/>
-    </dgm:txFillClrLst>
-    <dgm:txEffectClrLst/>
-  </dgm:styleLbl>
-  <dgm:styleLbl name="fgShp">
-    <dgm:fillClrLst meth="repeat">
-      <a:schemeClr val="accent1">
-        <a:tint val="60000"/>
-      </a:schemeClr>
-    </dgm:fillClrLst>
-    <dgm:linClrLst meth="repeat">
-      <a:schemeClr val="lt1"/>
-    </dgm:linClrLst>
-    <dgm:effectClrLst/>
-    <dgm:txLinClrLst/>
-    <dgm:txFillClrLst meth="repeat">
-      <a:schemeClr val="dk1"/>
-    </dgm:txFillClrLst>
-    <dgm:txEffectClrLst/>
-  </dgm:styleLbl>
-  <dgm:styleLbl name="revTx">
-    <dgm:fillClrLst meth="repeat">
-      <a:schemeClr val="lt1">
-        <a:alpha val="0"/>
-      </a:schemeClr>
-    </dgm:fillClrLst>
-    <dgm:linClrLst meth="repeat">
-      <a:schemeClr val="dk1">
-        <a:alpha val="0"/>
-      </a:schemeClr>
-    </dgm:linClrLst>
-    <dgm:effectClrLst/>
-    <dgm:txLinClrLst/>
-    <dgm:txFillClrLst meth="repeat">
-      <a:schemeClr val="tx1"/>
-    </dgm:txFillClrLst>
-    <dgm:txEffectClrLst/>
-  </dgm:styleLbl>
-</dgm:colorsDef>
-</file>
-
-<file path=ppt/diagrams/colors5.xml><?xml version="1.0" encoding="utf-8"?>
 <dgm:colorsDef xmlns:dgm="http://schemas.openxmlformats.org/drawingml/2006/diagram" xmlns:a="http://schemas.openxmlformats.org/drawingml/2006/main" uniqueId="urn:microsoft.com/office/officeart/2005/8/colors/accent1_2">
   <dgm:title val=""/>
   <dgm:desc val=""/>
@@ -6546,2015 +6633,6 @@
 </dgm:dataModel>
 </file>
 
-<file path=ppt/diagrams/data5.xml><?xml version="1.0" encoding="utf-8"?>
-<dgm:dataModel xmlns:dgm="http://schemas.openxmlformats.org/drawingml/2006/diagram" xmlns:a="http://schemas.openxmlformats.org/drawingml/2006/main">
-  <dgm:ptLst>
-    <dgm:pt modelId="{944F5C5E-15DF-4AF5-B2F5-8901863886B4}" type="doc">
-      <dgm:prSet loTypeId="urn:microsoft.com/office/officeart/2005/8/layout/bList2" loCatId="list" qsTypeId="urn:microsoft.com/office/officeart/2005/8/quickstyle/simple1" qsCatId="simple" csTypeId="urn:microsoft.com/office/officeart/2005/8/colors/accent1_2" csCatId="accent1" phldr="1"/>
-      <dgm:spPr/>
-      <dgm:t>
-        <a:bodyPr/>
-        <a:lstStyle/>
-        <a:p>
-          <a:endParaRPr lang="en-US"/>
-        </a:p>
-      </dgm:t>
-    </dgm:pt>
-    <dgm:pt modelId="{6996BAD6-637C-484E-8284-38552B941EDD}">
-      <dgm:prSet phldrT="[Text]"/>
-      <dgm:spPr/>
-      <dgm:t>
-        <a:bodyPr/>
-        <a:lstStyle/>
-        <a:p>
-          <a:r>
-            <a:rPr lang="id-ID" dirty="0" smtClean="0"/>
-            <a:t>Adapter</a:t>
-          </a:r>
-          <a:endParaRPr lang="en-US" dirty="0"/>
-        </a:p>
-      </dgm:t>
-    </dgm:pt>
-    <dgm:pt modelId="{C2B040E5-8F9C-4953-A5E5-F2CF677858C9}" type="parTrans" cxnId="{7CFE7B01-C2D0-448C-ABBF-8007E56BA072}">
-      <dgm:prSet/>
-      <dgm:spPr/>
-      <dgm:t>
-        <a:bodyPr/>
-        <a:lstStyle/>
-        <a:p>
-          <a:endParaRPr lang="en-US"/>
-        </a:p>
-      </dgm:t>
-    </dgm:pt>
-    <dgm:pt modelId="{0CFA2CC3-C4D1-4B98-8595-05BC8889CA4C}" type="sibTrans" cxnId="{7CFE7B01-C2D0-448C-ABBF-8007E56BA072}">
-      <dgm:prSet/>
-      <dgm:spPr/>
-      <dgm:t>
-        <a:bodyPr/>
-        <a:lstStyle/>
-        <a:p>
-          <a:endParaRPr lang="en-US"/>
-        </a:p>
-      </dgm:t>
-    </dgm:pt>
-    <dgm:pt modelId="{C4A5245C-A223-4734-9144-CCD8AC562FA1}">
-      <dgm:prSet phldrT="[Text]"/>
-      <dgm:spPr/>
-      <dgm:t>
-        <a:bodyPr/>
-        <a:lstStyle/>
-        <a:p>
-          <a:r>
-            <a:rPr lang="id-ID" dirty="0" smtClean="0"/>
-            <a:t>Ainurrofik</a:t>
-          </a:r>
-          <a:endParaRPr lang="en-US" dirty="0"/>
-        </a:p>
-      </dgm:t>
-    </dgm:pt>
-    <dgm:pt modelId="{83666F0D-ADB9-49F0-9EBF-D94FE51569A4}" type="parTrans" cxnId="{053B67A9-FF36-4DDE-A6D5-D0E6E3751B31}">
-      <dgm:prSet/>
-      <dgm:spPr/>
-      <dgm:t>
-        <a:bodyPr/>
-        <a:lstStyle/>
-        <a:p>
-          <a:endParaRPr lang="en-US"/>
-        </a:p>
-      </dgm:t>
-    </dgm:pt>
-    <dgm:pt modelId="{B06C21CF-BA5D-48B4-B74F-054256102C71}" type="sibTrans" cxnId="{053B67A9-FF36-4DDE-A6D5-D0E6E3751B31}">
-      <dgm:prSet/>
-      <dgm:spPr/>
-      <dgm:t>
-        <a:bodyPr/>
-        <a:lstStyle/>
-        <a:p>
-          <a:endParaRPr lang="en-US"/>
-        </a:p>
-      </dgm:t>
-    </dgm:pt>
-    <dgm:pt modelId="{36E0EA69-C9CE-43B3-8009-D9F595539014}">
-      <dgm:prSet phldrT="[Text]"/>
-      <dgm:spPr/>
-      <dgm:t>
-        <a:bodyPr/>
-        <a:lstStyle/>
-        <a:p>
-          <a:r>
-            <a:rPr lang="id-ID" dirty="0" smtClean="0"/>
-            <a:t>Deni A.</a:t>
-          </a:r>
-          <a:endParaRPr lang="en-US" dirty="0"/>
-        </a:p>
-      </dgm:t>
-    </dgm:pt>
-    <dgm:pt modelId="{460B4579-B870-4E43-BBEB-3E16DC00168F}" type="parTrans" cxnId="{C40EEF6B-A613-49D1-B264-AF88BF6EDA21}">
-      <dgm:prSet/>
-      <dgm:spPr/>
-      <dgm:t>
-        <a:bodyPr/>
-        <a:lstStyle/>
-        <a:p>
-          <a:endParaRPr lang="en-US"/>
-        </a:p>
-      </dgm:t>
-    </dgm:pt>
-    <dgm:pt modelId="{DE21B01C-C42E-4043-89A2-0D7ECE89D496}" type="sibTrans" cxnId="{C40EEF6B-A613-49D1-B264-AF88BF6EDA21}">
-      <dgm:prSet/>
-      <dgm:spPr/>
-      <dgm:t>
-        <a:bodyPr/>
-        <a:lstStyle/>
-        <a:p>
-          <a:endParaRPr lang="en-US"/>
-        </a:p>
-      </dgm:t>
-    </dgm:pt>
-    <dgm:pt modelId="{0BD4D64B-A6F5-4C13-A925-B438DEEDDD45}">
-      <dgm:prSet phldrT="[Text]"/>
-      <dgm:spPr/>
-      <dgm:t>
-        <a:bodyPr/>
-        <a:lstStyle/>
-        <a:p>
-          <a:r>
-            <a:rPr lang="id-ID" dirty="0" smtClean="0"/>
-            <a:t>Command</a:t>
-          </a:r>
-          <a:endParaRPr lang="en-US" dirty="0"/>
-        </a:p>
-      </dgm:t>
-    </dgm:pt>
-    <dgm:pt modelId="{1EF3F798-27D0-4E66-A609-BD2AAF1B290E}" type="parTrans" cxnId="{AAB25E1F-56A3-4AF7-A187-9DFADD734128}">
-      <dgm:prSet/>
-      <dgm:spPr/>
-      <dgm:t>
-        <a:bodyPr/>
-        <a:lstStyle/>
-        <a:p>
-          <a:endParaRPr lang="en-US"/>
-        </a:p>
-      </dgm:t>
-    </dgm:pt>
-    <dgm:pt modelId="{8CBCB4E5-74A2-4C48-86B8-49363F1EB6C6}" type="sibTrans" cxnId="{AAB25E1F-56A3-4AF7-A187-9DFADD734128}">
-      <dgm:prSet/>
-      <dgm:spPr/>
-      <dgm:t>
-        <a:bodyPr/>
-        <a:lstStyle/>
-        <a:p>
-          <a:endParaRPr lang="en-US"/>
-        </a:p>
-      </dgm:t>
-    </dgm:pt>
-    <dgm:pt modelId="{CF0E1081-A5A0-423E-B311-F4F5DA6C8D35}">
-      <dgm:prSet phldrT="[Text]"/>
-      <dgm:spPr/>
-      <dgm:t>
-        <a:bodyPr/>
-        <a:lstStyle/>
-        <a:p>
-          <a:r>
-            <a:rPr lang="id-ID" dirty="0" smtClean="0"/>
-            <a:t>Rizki A.A.</a:t>
-          </a:r>
-          <a:endParaRPr lang="en-US" dirty="0"/>
-        </a:p>
-      </dgm:t>
-    </dgm:pt>
-    <dgm:pt modelId="{8D136886-24CD-4887-BC2A-5FDCBB436461}" type="parTrans" cxnId="{0DB858A3-180A-44DC-BDCB-25F03ABAF9C4}">
-      <dgm:prSet/>
-      <dgm:spPr/>
-      <dgm:t>
-        <a:bodyPr/>
-        <a:lstStyle/>
-        <a:p>
-          <a:endParaRPr lang="en-US"/>
-        </a:p>
-      </dgm:t>
-    </dgm:pt>
-    <dgm:pt modelId="{F63A997B-6C93-45F3-8181-7E5E0C72CEE3}" type="sibTrans" cxnId="{0DB858A3-180A-44DC-BDCB-25F03ABAF9C4}">
-      <dgm:prSet/>
-      <dgm:spPr/>
-      <dgm:t>
-        <a:bodyPr/>
-        <a:lstStyle/>
-        <a:p>
-          <a:endParaRPr lang="en-US"/>
-        </a:p>
-      </dgm:t>
-    </dgm:pt>
-    <dgm:pt modelId="{C9C6F18B-53EF-4BC7-A519-C08556112F28}">
-      <dgm:prSet phldrT="[Text]"/>
-      <dgm:spPr/>
-      <dgm:t>
-        <a:bodyPr/>
-        <a:lstStyle/>
-        <a:p>
-          <a:r>
-            <a:rPr lang="id-ID" dirty="0" smtClean="0"/>
-            <a:t>Ayu R.W.</a:t>
-          </a:r>
-          <a:endParaRPr lang="en-US" dirty="0"/>
-        </a:p>
-      </dgm:t>
-    </dgm:pt>
-    <dgm:pt modelId="{E70F5C11-8012-4EAB-A15C-6DAB66432E65}" type="parTrans" cxnId="{FFCD5C5F-0831-4C40-AC68-BB7CAD856DAD}">
-      <dgm:prSet/>
-      <dgm:spPr/>
-      <dgm:t>
-        <a:bodyPr/>
-        <a:lstStyle/>
-        <a:p>
-          <a:endParaRPr lang="en-US"/>
-        </a:p>
-      </dgm:t>
-    </dgm:pt>
-    <dgm:pt modelId="{EEC3361C-BF2C-45DA-82CE-BC803D6DBB90}" type="sibTrans" cxnId="{FFCD5C5F-0831-4C40-AC68-BB7CAD856DAD}">
-      <dgm:prSet/>
-      <dgm:spPr/>
-      <dgm:t>
-        <a:bodyPr/>
-        <a:lstStyle/>
-        <a:p>
-          <a:endParaRPr lang="en-US"/>
-        </a:p>
-      </dgm:t>
-    </dgm:pt>
-    <dgm:pt modelId="{8B9DBA0C-297F-4153-AB4E-F6C5133570E7}">
-      <dgm:prSet phldrT="[Text]"/>
-      <dgm:spPr/>
-      <dgm:t>
-        <a:bodyPr/>
-        <a:lstStyle/>
-        <a:p>
-          <a:r>
-            <a:rPr lang="id-ID" dirty="0" smtClean="0"/>
-            <a:t>Composite</a:t>
-          </a:r>
-          <a:endParaRPr lang="en-US" dirty="0"/>
-        </a:p>
-      </dgm:t>
-    </dgm:pt>
-    <dgm:pt modelId="{DC57AF16-6615-4C3B-A7DC-E27F63F83213}" type="parTrans" cxnId="{810CC725-A909-4571-9AF5-5989AA38303F}">
-      <dgm:prSet/>
-      <dgm:spPr/>
-      <dgm:t>
-        <a:bodyPr/>
-        <a:lstStyle/>
-        <a:p>
-          <a:endParaRPr lang="en-US"/>
-        </a:p>
-      </dgm:t>
-    </dgm:pt>
-    <dgm:pt modelId="{DF4BDFFF-41CA-4B31-8AD5-0B2542B6208D}" type="sibTrans" cxnId="{810CC725-A909-4571-9AF5-5989AA38303F}">
-      <dgm:prSet/>
-      <dgm:spPr/>
-      <dgm:t>
-        <a:bodyPr/>
-        <a:lstStyle/>
-        <a:p>
-          <a:endParaRPr lang="en-US"/>
-        </a:p>
-      </dgm:t>
-    </dgm:pt>
-    <dgm:pt modelId="{A0519A28-DD5B-4345-9DB3-DEA6309762CE}">
-      <dgm:prSet phldrT="[Text]"/>
-      <dgm:spPr/>
-      <dgm:t>
-        <a:bodyPr/>
-        <a:lstStyle/>
-        <a:p>
-          <a:r>
-            <a:rPr lang="id-ID" dirty="0" smtClean="0"/>
-            <a:t>Decorator</a:t>
-          </a:r>
-          <a:endParaRPr lang="en-US" dirty="0"/>
-        </a:p>
-      </dgm:t>
-    </dgm:pt>
-    <dgm:pt modelId="{3450BB66-44AF-47FB-B20C-3B96084A5E23}" type="parTrans" cxnId="{215E258C-8BF3-4386-8B4D-42D9733CBA80}">
-      <dgm:prSet/>
-      <dgm:spPr/>
-      <dgm:t>
-        <a:bodyPr/>
-        <a:lstStyle/>
-        <a:p>
-          <a:endParaRPr lang="en-US"/>
-        </a:p>
-      </dgm:t>
-    </dgm:pt>
-    <dgm:pt modelId="{484485F4-327F-4683-AE30-C6A3C816C884}" type="sibTrans" cxnId="{215E258C-8BF3-4386-8B4D-42D9733CBA80}">
-      <dgm:prSet/>
-      <dgm:spPr/>
-      <dgm:t>
-        <a:bodyPr/>
-        <a:lstStyle/>
-        <a:p>
-          <a:endParaRPr lang="en-US"/>
-        </a:p>
-      </dgm:t>
-    </dgm:pt>
-    <dgm:pt modelId="{9D758E8D-5E9C-4A53-A5F6-B645809F728B}">
-      <dgm:prSet phldrT="[Text]"/>
-      <dgm:spPr/>
-      <dgm:t>
-        <a:bodyPr/>
-        <a:lstStyle/>
-        <a:p>
-          <a:r>
-            <a:rPr lang="id-ID" dirty="0" smtClean="0"/>
-            <a:t>Facade</a:t>
-          </a:r>
-          <a:endParaRPr lang="en-US" dirty="0"/>
-        </a:p>
-      </dgm:t>
-    </dgm:pt>
-    <dgm:pt modelId="{A869442D-185A-465F-BFD3-E6F465A72290}" type="parTrans" cxnId="{EB7191AD-B9E0-4BA4-9BDD-8DBE39A53736}">
-      <dgm:prSet/>
-      <dgm:spPr/>
-      <dgm:t>
-        <a:bodyPr/>
-        <a:lstStyle/>
-        <a:p>
-          <a:endParaRPr lang="en-US"/>
-        </a:p>
-      </dgm:t>
-    </dgm:pt>
-    <dgm:pt modelId="{4B45AE6D-4646-4FED-AE24-E646BAEF29F7}" type="sibTrans" cxnId="{EB7191AD-B9E0-4BA4-9BDD-8DBE39A53736}">
-      <dgm:prSet/>
-      <dgm:spPr/>
-      <dgm:t>
-        <a:bodyPr/>
-        <a:lstStyle/>
-        <a:p>
-          <a:endParaRPr lang="en-US"/>
-        </a:p>
-      </dgm:t>
-    </dgm:pt>
-    <dgm:pt modelId="{097C38C6-5512-4B94-9673-047C8E927ADF}">
-      <dgm:prSet phldrT="[Text]"/>
-      <dgm:spPr/>
-      <dgm:t>
-        <a:bodyPr/>
-        <a:lstStyle/>
-        <a:p>
-          <a:r>
-            <a:rPr lang="id-ID" dirty="0" smtClean="0"/>
-            <a:t>Factory</a:t>
-          </a:r>
-          <a:endParaRPr lang="en-US" dirty="0"/>
-        </a:p>
-      </dgm:t>
-    </dgm:pt>
-    <dgm:pt modelId="{2567CA3C-4AE8-4655-9CB4-4564A304ED90}" type="parTrans" cxnId="{D4EC6013-B0D4-4ED4-9CEA-4548205ED7A1}">
-      <dgm:prSet/>
-      <dgm:spPr/>
-      <dgm:t>
-        <a:bodyPr/>
-        <a:lstStyle/>
-        <a:p>
-          <a:endParaRPr lang="en-US"/>
-        </a:p>
-      </dgm:t>
-    </dgm:pt>
-    <dgm:pt modelId="{3CFE6C0B-AF1A-425F-B99A-5526FED0FFD8}" type="sibTrans" cxnId="{D4EC6013-B0D4-4ED4-9CEA-4548205ED7A1}">
-      <dgm:prSet/>
-      <dgm:spPr/>
-      <dgm:t>
-        <a:bodyPr/>
-        <a:lstStyle/>
-        <a:p>
-          <a:endParaRPr lang="en-US"/>
-        </a:p>
-      </dgm:t>
-    </dgm:pt>
-    <dgm:pt modelId="{FB8789B6-0444-4603-AEAB-2D02ACFCD7CA}">
-      <dgm:prSet phldrT="[Text]"/>
-      <dgm:spPr/>
-      <dgm:t>
-        <a:bodyPr/>
-        <a:lstStyle/>
-        <a:p>
-          <a:r>
-            <a:rPr lang="id-ID" dirty="0" smtClean="0"/>
-            <a:t>Iterator</a:t>
-          </a:r>
-          <a:endParaRPr lang="en-US" dirty="0"/>
-        </a:p>
-      </dgm:t>
-    </dgm:pt>
-    <dgm:pt modelId="{32F1259E-07FE-4572-859E-A8D5A78BBFA2}" type="parTrans" cxnId="{61085C7F-75EE-4A89-A9E7-AF8E5D273B2F}">
-      <dgm:prSet/>
-      <dgm:spPr/>
-      <dgm:t>
-        <a:bodyPr/>
-        <a:lstStyle/>
-        <a:p>
-          <a:endParaRPr lang="en-US"/>
-        </a:p>
-      </dgm:t>
-    </dgm:pt>
-    <dgm:pt modelId="{F31A48A7-8D14-42B8-97EE-B5FAA0065B92}" type="sibTrans" cxnId="{61085C7F-75EE-4A89-A9E7-AF8E5D273B2F}">
-      <dgm:prSet/>
-      <dgm:spPr/>
-      <dgm:t>
-        <a:bodyPr/>
-        <a:lstStyle/>
-        <a:p>
-          <a:endParaRPr lang="en-US"/>
-        </a:p>
-      </dgm:t>
-    </dgm:pt>
-    <dgm:pt modelId="{C9BA539F-FAC1-4773-B73B-8E08B739C4B9}">
-      <dgm:prSet phldrT="[Text]"/>
-      <dgm:spPr/>
-      <dgm:t>
-        <a:bodyPr/>
-        <a:lstStyle/>
-        <a:p>
-          <a:r>
-            <a:rPr lang="id-ID" dirty="0" smtClean="0"/>
-            <a:t>Observer</a:t>
-          </a:r>
-          <a:endParaRPr lang="en-US" dirty="0"/>
-        </a:p>
-      </dgm:t>
-    </dgm:pt>
-    <dgm:pt modelId="{19CD10BB-A6CE-48EC-8771-706C848DAE05}" type="parTrans" cxnId="{3EE308CD-8A06-4894-9E62-97F34619BB8F}">
-      <dgm:prSet/>
-      <dgm:spPr/>
-      <dgm:t>
-        <a:bodyPr/>
-        <a:lstStyle/>
-        <a:p>
-          <a:endParaRPr lang="en-US"/>
-        </a:p>
-      </dgm:t>
-    </dgm:pt>
-    <dgm:pt modelId="{07B19E19-8EA3-4615-A2F5-CFAE07443C3A}" type="sibTrans" cxnId="{3EE308CD-8A06-4894-9E62-97F34619BB8F}">
-      <dgm:prSet/>
-      <dgm:spPr/>
-      <dgm:t>
-        <a:bodyPr/>
-        <a:lstStyle/>
-        <a:p>
-          <a:endParaRPr lang="en-US"/>
-        </a:p>
-      </dgm:t>
-    </dgm:pt>
-    <dgm:pt modelId="{AC888093-4416-48FF-AE74-D898570BF359}">
-      <dgm:prSet phldrT="[Text]"/>
-      <dgm:spPr/>
-      <dgm:t>
-        <a:bodyPr/>
-        <a:lstStyle/>
-        <a:p>
-          <a:r>
-            <a:rPr lang="id-ID" dirty="0" smtClean="0"/>
-            <a:t>Singleton</a:t>
-          </a:r>
-          <a:endParaRPr lang="en-US" dirty="0"/>
-        </a:p>
-      </dgm:t>
-    </dgm:pt>
-    <dgm:pt modelId="{F8D252F9-239C-4C97-BB7B-FDE295BDBD2B}" type="parTrans" cxnId="{69BB4675-7636-4FFE-85BB-E1487A571B57}">
-      <dgm:prSet/>
-      <dgm:spPr/>
-      <dgm:t>
-        <a:bodyPr/>
-        <a:lstStyle/>
-        <a:p>
-          <a:endParaRPr lang="en-US"/>
-        </a:p>
-      </dgm:t>
-    </dgm:pt>
-    <dgm:pt modelId="{17EACF50-53A6-43AE-93C4-0A6130CF57D0}" type="sibTrans" cxnId="{69BB4675-7636-4FFE-85BB-E1487A571B57}">
-      <dgm:prSet/>
-      <dgm:spPr/>
-      <dgm:t>
-        <a:bodyPr/>
-        <a:lstStyle/>
-        <a:p>
-          <a:endParaRPr lang="en-US"/>
-        </a:p>
-      </dgm:t>
-    </dgm:pt>
-    <dgm:pt modelId="{1952FD3C-EBD0-40E0-A927-E57211C747C9}">
-      <dgm:prSet phldrT="[Text]"/>
-      <dgm:spPr/>
-      <dgm:t>
-        <a:bodyPr/>
-        <a:lstStyle/>
-        <a:p>
-          <a:r>
-            <a:rPr lang="id-ID" dirty="0" smtClean="0"/>
-            <a:t>Template</a:t>
-          </a:r>
-          <a:endParaRPr lang="en-US" dirty="0"/>
-        </a:p>
-      </dgm:t>
-    </dgm:pt>
-    <dgm:pt modelId="{BDD55622-85AC-4A56-98E3-06716F7D853D}" type="parTrans" cxnId="{F72D56F7-DF28-4891-96E9-0385CDFAF63C}">
-      <dgm:prSet/>
-      <dgm:spPr/>
-      <dgm:t>
-        <a:bodyPr/>
-        <a:lstStyle/>
-        <a:p>
-          <a:endParaRPr lang="en-US"/>
-        </a:p>
-      </dgm:t>
-    </dgm:pt>
-    <dgm:pt modelId="{8C4AFDB7-9E31-4277-AC0A-1D53E241F11A}" type="sibTrans" cxnId="{F72D56F7-DF28-4891-96E9-0385CDFAF63C}">
-      <dgm:prSet/>
-      <dgm:spPr/>
-      <dgm:t>
-        <a:bodyPr/>
-        <a:lstStyle/>
-        <a:p>
-          <a:endParaRPr lang="en-US"/>
-        </a:p>
-      </dgm:t>
-    </dgm:pt>
-    <dgm:pt modelId="{1F261EE2-231E-44E2-AE25-A71B7EB8CBF0}">
-      <dgm:prSet phldrT="[Text]"/>
-      <dgm:spPr/>
-      <dgm:t>
-        <a:bodyPr/>
-        <a:lstStyle/>
-        <a:p>
-          <a:r>
-            <a:rPr lang="id-ID" dirty="0" smtClean="0"/>
-            <a:t>Ngatiyo H.C.</a:t>
-          </a:r>
-          <a:endParaRPr lang="en-US" dirty="0"/>
-        </a:p>
-      </dgm:t>
-    </dgm:pt>
-    <dgm:pt modelId="{48B6A5DE-6C71-42E9-A06F-1DB4590F4E63}" type="parTrans" cxnId="{1B4D14A2-04E3-44E5-B765-C46E3F3857B6}">
-      <dgm:prSet/>
-      <dgm:spPr/>
-      <dgm:t>
-        <a:bodyPr/>
-        <a:lstStyle/>
-        <a:p>
-          <a:endParaRPr lang="en-US"/>
-        </a:p>
-      </dgm:t>
-    </dgm:pt>
-    <dgm:pt modelId="{B01C89DE-3A6A-420A-A182-05A1B5228620}" type="sibTrans" cxnId="{1B4D14A2-04E3-44E5-B765-C46E3F3857B6}">
-      <dgm:prSet/>
-      <dgm:spPr/>
-      <dgm:t>
-        <a:bodyPr/>
-        <a:lstStyle/>
-        <a:p>
-          <a:endParaRPr lang="en-US"/>
-        </a:p>
-      </dgm:t>
-    </dgm:pt>
-    <dgm:pt modelId="{60B14F4F-6714-495B-8DA5-2D9875AF5E16}">
-      <dgm:prSet phldrT="[Text]"/>
-      <dgm:spPr/>
-      <dgm:t>
-        <a:bodyPr/>
-        <a:lstStyle/>
-        <a:p>
-          <a:r>
-            <a:rPr lang="id-ID" dirty="0" smtClean="0"/>
-            <a:t>Nuril F.</a:t>
-          </a:r>
-          <a:endParaRPr lang="en-US" dirty="0"/>
-        </a:p>
-      </dgm:t>
-    </dgm:pt>
-    <dgm:pt modelId="{86E531CB-19D9-4067-BE04-6072725DB957}" type="parTrans" cxnId="{85C49C1B-8C45-4987-A0BC-5CE2D7E1C71D}">
-      <dgm:prSet/>
-      <dgm:spPr/>
-      <dgm:t>
-        <a:bodyPr/>
-        <a:lstStyle/>
-        <a:p>
-          <a:endParaRPr lang="en-US"/>
-        </a:p>
-      </dgm:t>
-    </dgm:pt>
-    <dgm:pt modelId="{54B2CC93-8D63-48C0-AD90-6A2E4738E94E}" type="sibTrans" cxnId="{85C49C1B-8C45-4987-A0BC-5CE2D7E1C71D}">
-      <dgm:prSet/>
-      <dgm:spPr/>
-      <dgm:t>
-        <a:bodyPr/>
-        <a:lstStyle/>
-        <a:p>
-          <a:endParaRPr lang="en-US"/>
-        </a:p>
-      </dgm:t>
-    </dgm:pt>
-    <dgm:pt modelId="{4A9F798E-FA47-4AEE-8943-C87D6C8659ED}">
-      <dgm:prSet phldrT="[Text]"/>
-      <dgm:spPr/>
-      <dgm:t>
-        <a:bodyPr/>
-        <a:lstStyle/>
-        <a:p>
-          <a:r>
-            <a:rPr lang="id-ID" dirty="0" smtClean="0"/>
-            <a:t>Mutya D.A.</a:t>
-          </a:r>
-          <a:endParaRPr lang="en-US" dirty="0"/>
-        </a:p>
-      </dgm:t>
-    </dgm:pt>
-    <dgm:pt modelId="{60986FDA-2A10-4FE6-B36A-27ACA41BA819}" type="parTrans" cxnId="{DA1E6485-3FDF-42B1-A3EE-D740DAB839FB}">
-      <dgm:prSet/>
-      <dgm:spPr/>
-      <dgm:t>
-        <a:bodyPr/>
-        <a:lstStyle/>
-        <a:p>
-          <a:endParaRPr lang="en-US"/>
-        </a:p>
-      </dgm:t>
-    </dgm:pt>
-    <dgm:pt modelId="{AFCB121A-1F3D-42B9-AEFF-E99C00F5F5D3}" type="sibTrans" cxnId="{DA1E6485-3FDF-42B1-A3EE-D740DAB839FB}">
-      <dgm:prSet/>
-      <dgm:spPr/>
-      <dgm:t>
-        <a:bodyPr/>
-        <a:lstStyle/>
-        <a:p>
-          <a:endParaRPr lang="en-US"/>
-        </a:p>
-      </dgm:t>
-    </dgm:pt>
-    <dgm:pt modelId="{A306397A-FD8A-4A92-9B05-B5BD5E5D21BA}">
-      <dgm:prSet phldrT="[Text]"/>
-      <dgm:spPr/>
-      <dgm:t>
-        <a:bodyPr/>
-        <a:lstStyle/>
-        <a:p>
-          <a:r>
-            <a:rPr lang="id-ID" dirty="0" smtClean="0"/>
-            <a:t>Riyan M.</a:t>
-          </a:r>
-          <a:endParaRPr lang="en-US" dirty="0"/>
-        </a:p>
-      </dgm:t>
-    </dgm:pt>
-    <dgm:pt modelId="{D43180A0-C41F-4FC4-9C0F-6E5B1BAFBD59}" type="parTrans" cxnId="{CF97DB5B-65E1-4991-9ED9-7B8E44AD232C}">
-      <dgm:prSet/>
-      <dgm:spPr/>
-      <dgm:t>
-        <a:bodyPr/>
-        <a:lstStyle/>
-        <a:p>
-          <a:endParaRPr lang="en-US"/>
-        </a:p>
-      </dgm:t>
-    </dgm:pt>
-    <dgm:pt modelId="{140F001B-BEE5-4717-BBAE-20F870899868}" type="sibTrans" cxnId="{CF97DB5B-65E1-4991-9ED9-7B8E44AD232C}">
-      <dgm:prSet/>
-      <dgm:spPr/>
-      <dgm:t>
-        <a:bodyPr/>
-        <a:lstStyle/>
-        <a:p>
-          <a:endParaRPr lang="en-US"/>
-        </a:p>
-      </dgm:t>
-    </dgm:pt>
-    <dgm:pt modelId="{A996C5A9-4947-4D29-B699-B26785264ED5}">
-      <dgm:prSet phldrT="[Text]"/>
-      <dgm:spPr/>
-      <dgm:t>
-        <a:bodyPr/>
-        <a:lstStyle/>
-        <a:p>
-          <a:r>
-            <a:rPr lang="id-ID" dirty="0" smtClean="0"/>
-            <a:t>Sella R.</a:t>
-          </a:r>
-          <a:endParaRPr lang="en-US" dirty="0"/>
-        </a:p>
-      </dgm:t>
-    </dgm:pt>
-    <dgm:pt modelId="{7242D98F-A396-4CEB-9169-8F02AE8BE390}" type="parTrans" cxnId="{28BBA3E4-B396-486A-A3D5-8D43497F6A8F}">
-      <dgm:prSet/>
-      <dgm:spPr/>
-      <dgm:t>
-        <a:bodyPr/>
-        <a:lstStyle/>
-        <a:p>
-          <a:endParaRPr lang="en-US"/>
-        </a:p>
-      </dgm:t>
-    </dgm:pt>
-    <dgm:pt modelId="{F7BE18F4-2E59-4F81-AFC8-C3BA16AC6844}" type="sibTrans" cxnId="{28BBA3E4-B396-486A-A3D5-8D43497F6A8F}">
-      <dgm:prSet/>
-      <dgm:spPr/>
-      <dgm:t>
-        <a:bodyPr/>
-        <a:lstStyle/>
-        <a:p>
-          <a:endParaRPr lang="en-US"/>
-        </a:p>
-      </dgm:t>
-    </dgm:pt>
-    <dgm:pt modelId="{178E4E3C-1507-44BA-BDAA-DB95B3160951}">
-      <dgm:prSet phldrT="[Text]"/>
-      <dgm:spPr/>
-      <dgm:t>
-        <a:bodyPr/>
-        <a:lstStyle/>
-        <a:p>
-          <a:r>
-            <a:rPr lang="id-ID" dirty="0" smtClean="0"/>
-            <a:t>Wahyu R.</a:t>
-          </a:r>
-          <a:endParaRPr lang="en-US" dirty="0"/>
-        </a:p>
-      </dgm:t>
-    </dgm:pt>
-    <dgm:pt modelId="{E359FB85-12C3-423D-9B69-3BD38860A57C}" type="parTrans" cxnId="{8A9B450E-DEB2-46D4-BD7B-4FF59A1700F2}">
-      <dgm:prSet/>
-      <dgm:spPr/>
-      <dgm:t>
-        <a:bodyPr/>
-        <a:lstStyle/>
-        <a:p>
-          <a:endParaRPr lang="en-US"/>
-        </a:p>
-      </dgm:t>
-    </dgm:pt>
-    <dgm:pt modelId="{70DEA222-7EAA-4E5B-AD3A-17C88791A32B}" type="sibTrans" cxnId="{8A9B450E-DEB2-46D4-BD7B-4FF59A1700F2}">
-      <dgm:prSet/>
-      <dgm:spPr/>
-      <dgm:t>
-        <a:bodyPr/>
-        <a:lstStyle/>
-        <a:p>
-          <a:endParaRPr lang="en-US"/>
-        </a:p>
-      </dgm:t>
-    </dgm:pt>
-    <dgm:pt modelId="{E1C73923-9676-459A-93D9-4F878295478D}">
-      <dgm:prSet phldrT="[Text]"/>
-      <dgm:spPr/>
-      <dgm:t>
-        <a:bodyPr/>
-        <a:lstStyle/>
-        <a:p>
-          <a:r>
-            <a:rPr lang="id-ID" dirty="0" smtClean="0"/>
-            <a:t>Arif S.B.</a:t>
-          </a:r>
-          <a:endParaRPr lang="en-US" dirty="0"/>
-        </a:p>
-      </dgm:t>
-    </dgm:pt>
-    <dgm:pt modelId="{DD6392C2-C549-4D5E-8788-CA93168E26B8}" type="parTrans" cxnId="{E7254408-A893-4752-91B2-C9E90F77538B}">
-      <dgm:prSet/>
-      <dgm:spPr/>
-      <dgm:t>
-        <a:bodyPr/>
-        <a:lstStyle/>
-        <a:p>
-          <a:endParaRPr lang="en-US"/>
-        </a:p>
-      </dgm:t>
-    </dgm:pt>
-    <dgm:pt modelId="{1B3C4E13-9A98-4B65-8F9C-0959CD12F83B}" type="sibTrans" cxnId="{E7254408-A893-4752-91B2-C9E90F77538B}">
-      <dgm:prSet/>
-      <dgm:spPr/>
-      <dgm:t>
-        <a:bodyPr/>
-        <a:lstStyle/>
-        <a:p>
-          <a:endParaRPr lang="en-US"/>
-        </a:p>
-      </dgm:t>
-    </dgm:pt>
-    <dgm:pt modelId="{5B424229-9BD9-4730-B57C-1C1BF0D7B026}">
-      <dgm:prSet phldrT="[Text]"/>
-      <dgm:spPr/>
-      <dgm:t>
-        <a:bodyPr/>
-        <a:lstStyle/>
-        <a:p>
-          <a:r>
-            <a:rPr lang="id-ID" dirty="0" smtClean="0"/>
-            <a:t>Shofia S.J.</a:t>
-          </a:r>
-          <a:endParaRPr lang="en-US" dirty="0"/>
-        </a:p>
-      </dgm:t>
-    </dgm:pt>
-    <dgm:pt modelId="{287B9A01-FEEB-44A0-A753-DFDEBA0016E9}" type="parTrans" cxnId="{A73CAD19-3968-424C-84DD-6BC5127F2786}">
-      <dgm:prSet/>
-      <dgm:spPr/>
-      <dgm:t>
-        <a:bodyPr/>
-        <a:lstStyle/>
-        <a:p>
-          <a:endParaRPr lang="en-US"/>
-        </a:p>
-      </dgm:t>
-    </dgm:pt>
-    <dgm:pt modelId="{86F05E20-D099-4F51-A69E-F659B82AEAF3}" type="sibTrans" cxnId="{A73CAD19-3968-424C-84DD-6BC5127F2786}">
-      <dgm:prSet/>
-      <dgm:spPr/>
-      <dgm:t>
-        <a:bodyPr/>
-        <a:lstStyle/>
-        <a:p>
-          <a:endParaRPr lang="en-US"/>
-        </a:p>
-      </dgm:t>
-    </dgm:pt>
-    <dgm:pt modelId="{804B3186-2F6C-432D-9628-4C5A774D7E51}">
-      <dgm:prSet phldrT="[Text]"/>
-      <dgm:spPr/>
-      <dgm:t>
-        <a:bodyPr/>
-        <a:lstStyle/>
-        <a:p>
-          <a:r>
-            <a:rPr lang="id-ID" dirty="0" smtClean="0"/>
-            <a:t>Putri A.</a:t>
-          </a:r>
-          <a:endParaRPr lang="en-US" dirty="0"/>
-        </a:p>
-      </dgm:t>
-    </dgm:pt>
-    <dgm:pt modelId="{0906AAD6-C936-4A39-97F8-CA1E3AD80F34}" type="parTrans" cxnId="{74D1D777-5BDF-4F0B-BC1B-5ED6F9A91847}">
-      <dgm:prSet/>
-      <dgm:spPr/>
-      <dgm:t>
-        <a:bodyPr/>
-        <a:lstStyle/>
-        <a:p>
-          <a:endParaRPr lang="en-US"/>
-        </a:p>
-      </dgm:t>
-    </dgm:pt>
-    <dgm:pt modelId="{5FD21FA2-E740-4B5D-8406-4D606A86E3D5}" type="sibTrans" cxnId="{74D1D777-5BDF-4F0B-BC1B-5ED6F9A91847}">
-      <dgm:prSet/>
-      <dgm:spPr/>
-      <dgm:t>
-        <a:bodyPr/>
-        <a:lstStyle/>
-        <a:p>
-          <a:endParaRPr lang="en-US"/>
-        </a:p>
-      </dgm:t>
-    </dgm:pt>
-    <dgm:pt modelId="{B1096D3B-0A8E-41E8-B965-A90D6E3D5D8D}">
-      <dgm:prSet phldrT="[Text]"/>
-      <dgm:spPr/>
-      <dgm:t>
-        <a:bodyPr/>
-        <a:lstStyle/>
-        <a:p>
-          <a:r>
-            <a:rPr lang="id-ID" dirty="0" smtClean="0"/>
-            <a:t>A. Khairur R.</a:t>
-          </a:r>
-          <a:endParaRPr lang="en-US" dirty="0"/>
-        </a:p>
-      </dgm:t>
-    </dgm:pt>
-    <dgm:pt modelId="{1B0EC32B-512F-4515-9558-1F4C756F0E5D}" type="parTrans" cxnId="{E719A26F-79AE-4215-A380-83E80804B9E9}">
-      <dgm:prSet/>
-      <dgm:spPr/>
-      <dgm:t>
-        <a:bodyPr/>
-        <a:lstStyle/>
-        <a:p>
-          <a:endParaRPr lang="en-US"/>
-        </a:p>
-      </dgm:t>
-    </dgm:pt>
-    <dgm:pt modelId="{BC1CB25D-367D-430D-910F-602AD2833874}" type="sibTrans" cxnId="{E719A26F-79AE-4215-A380-83E80804B9E9}">
-      <dgm:prSet/>
-      <dgm:spPr/>
-      <dgm:t>
-        <a:bodyPr/>
-        <a:lstStyle/>
-        <a:p>
-          <a:endParaRPr lang="en-US"/>
-        </a:p>
-      </dgm:t>
-    </dgm:pt>
-    <dgm:pt modelId="{DE532163-8338-4F50-BD90-692325F14BD7}">
-      <dgm:prSet phldrT="[Text]"/>
-      <dgm:spPr/>
-      <dgm:t>
-        <a:bodyPr/>
-        <a:lstStyle/>
-        <a:p>
-          <a:r>
-            <a:rPr lang="id-ID" smtClean="0"/>
-            <a:t>Audylam G</a:t>
-          </a:r>
-          <a:endParaRPr lang="en-US" dirty="0"/>
-        </a:p>
-      </dgm:t>
-    </dgm:pt>
-    <dgm:pt modelId="{51576583-7FFF-4F35-9D3D-1409979E0074}" type="parTrans" cxnId="{5ABE7987-B56C-45CD-AE7A-F10B806CE247}">
-      <dgm:prSet/>
-      <dgm:spPr/>
-      <dgm:t>
-        <a:bodyPr/>
-        <a:lstStyle/>
-        <a:p>
-          <a:endParaRPr lang="en-US"/>
-        </a:p>
-      </dgm:t>
-    </dgm:pt>
-    <dgm:pt modelId="{21923EEF-DE32-4541-8FF2-DCF074832E19}" type="sibTrans" cxnId="{5ABE7987-B56C-45CD-AE7A-F10B806CE247}">
-      <dgm:prSet/>
-      <dgm:spPr/>
-      <dgm:t>
-        <a:bodyPr/>
-        <a:lstStyle/>
-        <a:p>
-          <a:endParaRPr lang="en-US"/>
-        </a:p>
-      </dgm:t>
-    </dgm:pt>
-    <dgm:pt modelId="{2D9CDFDE-BB88-4DF0-AACA-0D5E3E25BE02}">
-      <dgm:prSet phldrT="[Text]"/>
-      <dgm:spPr/>
-      <dgm:t>
-        <a:bodyPr/>
-        <a:lstStyle/>
-        <a:p>
-          <a:r>
-            <a:rPr lang="id-ID" dirty="0" smtClean="0"/>
-            <a:t>Hasan F.</a:t>
-          </a:r>
-          <a:endParaRPr lang="en-US" dirty="0"/>
-        </a:p>
-      </dgm:t>
-    </dgm:pt>
-    <dgm:pt modelId="{F1097E6B-7F72-453A-9E9F-8F1992E2441F}" type="parTrans" cxnId="{7D6AE2BB-1FB9-4FEB-BAA7-1FE70407DE9F}">
-      <dgm:prSet/>
-      <dgm:spPr/>
-      <dgm:t>
-        <a:bodyPr/>
-        <a:lstStyle/>
-        <a:p>
-          <a:endParaRPr lang="en-US"/>
-        </a:p>
-      </dgm:t>
-    </dgm:pt>
-    <dgm:pt modelId="{699E83C1-184C-4315-9D49-71332BB59620}" type="sibTrans" cxnId="{7D6AE2BB-1FB9-4FEB-BAA7-1FE70407DE9F}">
-      <dgm:prSet/>
-      <dgm:spPr/>
-      <dgm:t>
-        <a:bodyPr/>
-        <a:lstStyle/>
-        <a:p>
-          <a:endParaRPr lang="en-US"/>
-        </a:p>
-      </dgm:t>
-    </dgm:pt>
-    <dgm:pt modelId="{D311CF7F-F17F-4FBA-AA0E-12048A0E5690}">
-      <dgm:prSet phldrT="[Text]"/>
-      <dgm:spPr/>
-      <dgm:t>
-        <a:bodyPr/>
-        <a:lstStyle/>
-        <a:p>
-          <a:r>
-            <a:rPr lang="id-ID" dirty="0" smtClean="0"/>
-            <a:t>Miftahul A</a:t>
-          </a:r>
-          <a:endParaRPr lang="en-US" dirty="0"/>
-        </a:p>
-      </dgm:t>
-    </dgm:pt>
-    <dgm:pt modelId="{C2558B89-4095-4739-9790-754C36A06C91}" type="parTrans" cxnId="{522272EA-1905-4C14-B926-9251D20E72A4}">
-      <dgm:prSet/>
-      <dgm:spPr/>
-      <dgm:t>
-        <a:bodyPr/>
-        <a:lstStyle/>
-        <a:p>
-          <a:endParaRPr lang="en-US"/>
-        </a:p>
-      </dgm:t>
-    </dgm:pt>
-    <dgm:pt modelId="{B5D90C1B-7167-4CF2-9804-F7B6B26855FD}" type="sibTrans" cxnId="{522272EA-1905-4C14-B926-9251D20E72A4}">
-      <dgm:prSet/>
-      <dgm:spPr/>
-      <dgm:t>
-        <a:bodyPr/>
-        <a:lstStyle/>
-        <a:p>
-          <a:endParaRPr lang="en-US"/>
-        </a:p>
-      </dgm:t>
-    </dgm:pt>
-    <dgm:pt modelId="{256B49A3-F9DB-4F2C-BFC9-15F8CCEDA242}">
-      <dgm:prSet phldrT="[Text]"/>
-      <dgm:spPr/>
-      <dgm:t>
-        <a:bodyPr/>
-        <a:lstStyle/>
-        <a:p>
-          <a:r>
-            <a:rPr lang="id-ID" dirty="0" smtClean="0"/>
-            <a:t>Anindi W.K.</a:t>
-          </a:r>
-          <a:endParaRPr lang="en-US" dirty="0"/>
-        </a:p>
-      </dgm:t>
-    </dgm:pt>
-    <dgm:pt modelId="{A68638D8-361A-43F4-835E-0697E2DFFAED}" type="parTrans" cxnId="{0830E8DD-AC5C-4889-A408-03A95CAF07C9}">
-      <dgm:prSet/>
-      <dgm:spPr/>
-      <dgm:t>
-        <a:bodyPr/>
-        <a:lstStyle/>
-        <a:p>
-          <a:endParaRPr lang="en-US"/>
-        </a:p>
-      </dgm:t>
-    </dgm:pt>
-    <dgm:pt modelId="{B3C76673-5F1B-4DC0-807E-0CDBBE4D093B}" type="sibTrans" cxnId="{0830E8DD-AC5C-4889-A408-03A95CAF07C9}">
-      <dgm:prSet/>
-      <dgm:spPr/>
-      <dgm:t>
-        <a:bodyPr/>
-        <a:lstStyle/>
-        <a:p>
-          <a:endParaRPr lang="en-US"/>
-        </a:p>
-      </dgm:t>
-    </dgm:pt>
-    <dgm:pt modelId="{77970FF4-2135-4297-A73A-57F53800574C}">
-      <dgm:prSet phldrT="[Text]"/>
-      <dgm:spPr/>
-      <dgm:t>
-        <a:bodyPr/>
-        <a:lstStyle/>
-        <a:p>
-          <a:r>
-            <a:rPr lang="id-ID" dirty="0" smtClean="0"/>
-            <a:t>Maria U.</a:t>
-          </a:r>
-          <a:endParaRPr lang="en-US" dirty="0"/>
-        </a:p>
-      </dgm:t>
-    </dgm:pt>
-    <dgm:pt modelId="{5BC4A808-2BD5-4E3C-AC4D-25FF0A2A68B2}" type="parTrans" cxnId="{62251155-074C-46AC-A8C2-0DA03E1D4678}">
-      <dgm:prSet/>
-      <dgm:spPr/>
-      <dgm:t>
-        <a:bodyPr/>
-        <a:lstStyle/>
-        <a:p>
-          <a:endParaRPr lang="en-US"/>
-        </a:p>
-      </dgm:t>
-    </dgm:pt>
-    <dgm:pt modelId="{9FD10741-0598-40C0-B539-71CEC6364BAD}" type="sibTrans" cxnId="{62251155-074C-46AC-A8C2-0DA03E1D4678}">
-      <dgm:prSet/>
-      <dgm:spPr/>
-      <dgm:t>
-        <a:bodyPr/>
-        <a:lstStyle/>
-        <a:p>
-          <a:endParaRPr lang="en-US"/>
-        </a:p>
-      </dgm:t>
-    </dgm:pt>
-    <dgm:pt modelId="{F1A2F367-48E5-407B-A4A3-2D6E03B12C96}">
-      <dgm:prSet phldrT="[Text]"/>
-      <dgm:spPr/>
-      <dgm:t>
-        <a:bodyPr/>
-        <a:lstStyle/>
-        <a:p>
-          <a:r>
-            <a:rPr lang="id-ID" dirty="0" smtClean="0"/>
-            <a:t>Royhan R.F.</a:t>
-          </a:r>
-          <a:endParaRPr lang="en-US" dirty="0"/>
-        </a:p>
-      </dgm:t>
-    </dgm:pt>
-    <dgm:pt modelId="{D83FA98D-3F0A-46EE-9C2A-209679473417}" type="parTrans" cxnId="{6C6DFE00-0ABB-4BFD-9BF8-F51DB0B3F613}">
-      <dgm:prSet/>
-      <dgm:spPr/>
-      <dgm:t>
-        <a:bodyPr/>
-        <a:lstStyle/>
-        <a:p>
-          <a:endParaRPr lang="en-US"/>
-        </a:p>
-      </dgm:t>
-    </dgm:pt>
-    <dgm:pt modelId="{BA754B7F-5622-4166-80DC-838E7A123FC0}" type="sibTrans" cxnId="{6C6DFE00-0ABB-4BFD-9BF8-F51DB0B3F613}">
-      <dgm:prSet/>
-      <dgm:spPr/>
-      <dgm:t>
-        <a:bodyPr/>
-        <a:lstStyle/>
-        <a:p>
-          <a:endParaRPr lang="en-US"/>
-        </a:p>
-      </dgm:t>
-    </dgm:pt>
-    <dgm:pt modelId="{1525448E-D8AB-495B-B9D0-186A7C2B5731}">
-      <dgm:prSet phldrT="[Text]"/>
-      <dgm:spPr/>
-      <dgm:t>
-        <a:bodyPr/>
-        <a:lstStyle/>
-        <a:p>
-          <a:r>
-            <a:rPr lang="id-ID" dirty="0" smtClean="0"/>
-            <a:t>Erizka N.N.</a:t>
-          </a:r>
-          <a:endParaRPr lang="en-US" dirty="0"/>
-        </a:p>
-      </dgm:t>
-    </dgm:pt>
-    <dgm:pt modelId="{3CED5F13-3246-46F0-B0E4-56D400D4411C}" type="parTrans" cxnId="{0B689F1C-FA16-4DD4-BD42-0D7128BFD383}">
-      <dgm:prSet/>
-      <dgm:spPr/>
-      <dgm:t>
-        <a:bodyPr/>
-        <a:lstStyle/>
-        <a:p>
-          <a:endParaRPr lang="en-US"/>
-        </a:p>
-      </dgm:t>
-    </dgm:pt>
-    <dgm:pt modelId="{951B07C8-5625-4B27-AA3D-A4ECAE7E4709}" type="sibTrans" cxnId="{0B689F1C-FA16-4DD4-BD42-0D7128BFD383}">
-      <dgm:prSet/>
-      <dgm:spPr/>
-      <dgm:t>
-        <a:bodyPr/>
-        <a:lstStyle/>
-        <a:p>
-          <a:endParaRPr lang="en-US"/>
-        </a:p>
-      </dgm:t>
-    </dgm:pt>
-    <dgm:pt modelId="{63D5E2E1-1A7B-47B3-9985-AA6138BF7787}">
-      <dgm:prSet phldrT="[Text]"/>
-      <dgm:spPr/>
-      <dgm:t>
-        <a:bodyPr/>
-        <a:lstStyle/>
-        <a:p>
-          <a:r>
-            <a:rPr lang="id-ID" dirty="0" smtClean="0"/>
-            <a:t>Adi S.H.</a:t>
-          </a:r>
-          <a:endParaRPr lang="en-US" dirty="0"/>
-        </a:p>
-      </dgm:t>
-    </dgm:pt>
-    <dgm:pt modelId="{6089D38E-6EC3-4E02-BD34-093A4D7B11AC}" type="parTrans" cxnId="{50F8327D-5245-4010-BC84-7ED2F2FCA968}">
-      <dgm:prSet/>
-      <dgm:spPr/>
-      <dgm:t>
-        <a:bodyPr/>
-        <a:lstStyle/>
-        <a:p>
-          <a:endParaRPr lang="en-US"/>
-        </a:p>
-      </dgm:t>
-    </dgm:pt>
-    <dgm:pt modelId="{3C423122-6019-4CEB-A130-9F3E56DB9736}" type="sibTrans" cxnId="{50F8327D-5245-4010-BC84-7ED2F2FCA968}">
-      <dgm:prSet/>
-      <dgm:spPr/>
-      <dgm:t>
-        <a:bodyPr/>
-        <a:lstStyle/>
-        <a:p>
-          <a:endParaRPr lang="en-US"/>
-        </a:p>
-      </dgm:t>
-    </dgm:pt>
-    <dgm:pt modelId="{A56D34C8-0B3B-4D69-BB6E-FB2FE35D3DD5}">
-      <dgm:prSet phldrT="[Text]"/>
-      <dgm:spPr/>
-      <dgm:t>
-        <a:bodyPr/>
-        <a:lstStyle/>
-        <a:p>
-          <a:r>
-            <a:rPr lang="id-ID" dirty="0" smtClean="0"/>
-            <a:t>Anes Y.P.</a:t>
-          </a:r>
-          <a:endParaRPr lang="en-US" dirty="0"/>
-        </a:p>
-      </dgm:t>
-    </dgm:pt>
-    <dgm:pt modelId="{3CBC599C-5605-49C1-91A2-7AF0E120A0BE}" type="parTrans" cxnId="{667B3F96-3607-494E-8303-FCF1643BCBEA}">
-      <dgm:prSet/>
-      <dgm:spPr/>
-      <dgm:t>
-        <a:bodyPr/>
-        <a:lstStyle/>
-        <a:p>
-          <a:endParaRPr lang="en-US"/>
-        </a:p>
-      </dgm:t>
-    </dgm:pt>
-    <dgm:pt modelId="{6BEF67A3-95FD-4CB8-A6EB-E5267B8C1B79}" type="sibTrans" cxnId="{667B3F96-3607-494E-8303-FCF1643BCBEA}">
-      <dgm:prSet/>
-      <dgm:spPr/>
-      <dgm:t>
-        <a:bodyPr/>
-        <a:lstStyle/>
-        <a:p>
-          <a:endParaRPr lang="en-US"/>
-        </a:p>
-      </dgm:t>
-    </dgm:pt>
-    <dgm:pt modelId="{037FC8AB-3228-430C-8BD5-49F00BCE1B18}" type="pres">
-      <dgm:prSet presAssocID="{944F5C5E-15DF-4AF5-B2F5-8901863886B4}" presName="diagram" presStyleCnt="0">
-        <dgm:presLayoutVars>
-          <dgm:dir/>
-          <dgm:animLvl val="lvl"/>
-          <dgm:resizeHandles val="exact"/>
-        </dgm:presLayoutVars>
-      </dgm:prSet>
-      <dgm:spPr/>
-      <dgm:t>
-        <a:bodyPr/>
-        <a:lstStyle/>
-        <a:p>
-          <a:endParaRPr lang="en-US"/>
-        </a:p>
-      </dgm:t>
-    </dgm:pt>
-    <dgm:pt modelId="{B54EEFB0-D6F8-4919-9173-F7E25C88667D}" type="pres">
-      <dgm:prSet presAssocID="{6996BAD6-637C-484E-8284-38552B941EDD}" presName="compNode" presStyleCnt="0"/>
-      <dgm:spPr/>
-    </dgm:pt>
-    <dgm:pt modelId="{35D45351-E668-4707-A3D3-51FB4FB4AF95}" type="pres">
-      <dgm:prSet presAssocID="{6996BAD6-637C-484E-8284-38552B941EDD}" presName="childRect" presStyleLbl="bgAcc1" presStyleIdx="0" presStyleCnt="10">
-        <dgm:presLayoutVars>
-          <dgm:bulletEnabled val="1"/>
-        </dgm:presLayoutVars>
-      </dgm:prSet>
-      <dgm:spPr/>
-      <dgm:t>
-        <a:bodyPr/>
-        <a:lstStyle/>
-        <a:p>
-          <a:endParaRPr lang="en-US"/>
-        </a:p>
-      </dgm:t>
-    </dgm:pt>
-    <dgm:pt modelId="{78720607-78D3-4738-BAC1-313A3881A5ED}" type="pres">
-      <dgm:prSet presAssocID="{6996BAD6-637C-484E-8284-38552B941EDD}" presName="parentText" presStyleLbl="node1" presStyleIdx="0" presStyleCnt="0">
-        <dgm:presLayoutVars>
-          <dgm:chMax val="0"/>
-          <dgm:bulletEnabled val="1"/>
-        </dgm:presLayoutVars>
-      </dgm:prSet>
-      <dgm:spPr/>
-      <dgm:t>
-        <a:bodyPr/>
-        <a:lstStyle/>
-        <a:p>
-          <a:endParaRPr lang="en-US"/>
-        </a:p>
-      </dgm:t>
-    </dgm:pt>
-    <dgm:pt modelId="{D1AA0F5F-12AD-4C3A-8147-6725D9524E49}" type="pres">
-      <dgm:prSet presAssocID="{6996BAD6-637C-484E-8284-38552B941EDD}" presName="parentRect" presStyleLbl="alignNode1" presStyleIdx="0" presStyleCnt="10"/>
-      <dgm:spPr/>
-      <dgm:t>
-        <a:bodyPr/>
-        <a:lstStyle/>
-        <a:p>
-          <a:endParaRPr lang="en-US"/>
-        </a:p>
-      </dgm:t>
-    </dgm:pt>
-    <dgm:pt modelId="{70094C68-B5BE-40DE-82FF-6887C09E86A4}" type="pres">
-      <dgm:prSet presAssocID="{6996BAD6-637C-484E-8284-38552B941EDD}" presName="adorn" presStyleLbl="fgAccFollowNode1" presStyleIdx="0" presStyleCnt="10"/>
-      <dgm:spPr/>
-    </dgm:pt>
-    <dgm:pt modelId="{FEFC49F0-1002-41CC-8541-7CD757666D35}" type="pres">
-      <dgm:prSet presAssocID="{0CFA2CC3-C4D1-4B98-8595-05BC8889CA4C}" presName="sibTrans" presStyleLbl="sibTrans2D1" presStyleIdx="0" presStyleCnt="0"/>
-      <dgm:spPr/>
-      <dgm:t>
-        <a:bodyPr/>
-        <a:lstStyle/>
-        <a:p>
-          <a:endParaRPr lang="en-US"/>
-        </a:p>
-      </dgm:t>
-    </dgm:pt>
-    <dgm:pt modelId="{45D221F9-F353-4936-89E9-675545E33722}" type="pres">
-      <dgm:prSet presAssocID="{0BD4D64B-A6F5-4C13-A925-B438DEEDDD45}" presName="compNode" presStyleCnt="0"/>
-      <dgm:spPr/>
-    </dgm:pt>
-    <dgm:pt modelId="{FB986A98-5540-4BAC-ABC3-BF510E30DB8B}" type="pres">
-      <dgm:prSet presAssocID="{0BD4D64B-A6F5-4C13-A925-B438DEEDDD45}" presName="childRect" presStyleLbl="bgAcc1" presStyleIdx="1" presStyleCnt="10">
-        <dgm:presLayoutVars>
-          <dgm:bulletEnabled val="1"/>
-        </dgm:presLayoutVars>
-      </dgm:prSet>
-      <dgm:spPr/>
-      <dgm:t>
-        <a:bodyPr/>
-        <a:lstStyle/>
-        <a:p>
-          <a:endParaRPr lang="en-US"/>
-        </a:p>
-      </dgm:t>
-    </dgm:pt>
-    <dgm:pt modelId="{40F12FF5-D1BB-4199-B455-7241D6FC8ECC}" type="pres">
-      <dgm:prSet presAssocID="{0BD4D64B-A6F5-4C13-A925-B438DEEDDD45}" presName="parentText" presStyleLbl="node1" presStyleIdx="0" presStyleCnt="0">
-        <dgm:presLayoutVars>
-          <dgm:chMax val="0"/>
-          <dgm:bulletEnabled val="1"/>
-        </dgm:presLayoutVars>
-      </dgm:prSet>
-      <dgm:spPr/>
-      <dgm:t>
-        <a:bodyPr/>
-        <a:lstStyle/>
-        <a:p>
-          <a:endParaRPr lang="en-US"/>
-        </a:p>
-      </dgm:t>
-    </dgm:pt>
-    <dgm:pt modelId="{333CF238-3B17-4D44-845C-78B4FF70C6AE}" type="pres">
-      <dgm:prSet presAssocID="{0BD4D64B-A6F5-4C13-A925-B438DEEDDD45}" presName="parentRect" presStyleLbl="alignNode1" presStyleIdx="1" presStyleCnt="10"/>
-      <dgm:spPr/>
-      <dgm:t>
-        <a:bodyPr/>
-        <a:lstStyle/>
-        <a:p>
-          <a:endParaRPr lang="en-US"/>
-        </a:p>
-      </dgm:t>
-    </dgm:pt>
-    <dgm:pt modelId="{30E9A2AC-8E45-4E10-A1BA-20AA4AF28257}" type="pres">
-      <dgm:prSet presAssocID="{0BD4D64B-A6F5-4C13-A925-B438DEEDDD45}" presName="adorn" presStyleLbl="fgAccFollowNode1" presStyleIdx="1" presStyleCnt="10"/>
-      <dgm:spPr/>
-    </dgm:pt>
-    <dgm:pt modelId="{D3422584-9CF3-463A-B128-399F89DA7E9D}" type="pres">
-      <dgm:prSet presAssocID="{8CBCB4E5-74A2-4C48-86B8-49363F1EB6C6}" presName="sibTrans" presStyleLbl="sibTrans2D1" presStyleIdx="0" presStyleCnt="0"/>
-      <dgm:spPr/>
-      <dgm:t>
-        <a:bodyPr/>
-        <a:lstStyle/>
-        <a:p>
-          <a:endParaRPr lang="en-US"/>
-        </a:p>
-      </dgm:t>
-    </dgm:pt>
-    <dgm:pt modelId="{CDCCFAD0-46F0-4EE8-A977-6D4AD1B30A5D}" type="pres">
-      <dgm:prSet presAssocID="{8B9DBA0C-297F-4153-AB4E-F6C5133570E7}" presName="compNode" presStyleCnt="0"/>
-      <dgm:spPr/>
-    </dgm:pt>
-    <dgm:pt modelId="{B4062244-E435-4A83-BF14-C633A35AA45F}" type="pres">
-      <dgm:prSet presAssocID="{8B9DBA0C-297F-4153-AB4E-F6C5133570E7}" presName="childRect" presStyleLbl="bgAcc1" presStyleIdx="2" presStyleCnt="10">
-        <dgm:presLayoutVars>
-          <dgm:bulletEnabled val="1"/>
-        </dgm:presLayoutVars>
-      </dgm:prSet>
-      <dgm:spPr/>
-      <dgm:t>
-        <a:bodyPr/>
-        <a:lstStyle/>
-        <a:p>
-          <a:endParaRPr lang="en-US"/>
-        </a:p>
-      </dgm:t>
-    </dgm:pt>
-    <dgm:pt modelId="{2CE9B22A-8D1D-4782-BFE6-4DDE3AEB11BF}" type="pres">
-      <dgm:prSet presAssocID="{8B9DBA0C-297F-4153-AB4E-F6C5133570E7}" presName="parentText" presStyleLbl="node1" presStyleIdx="0" presStyleCnt="0">
-        <dgm:presLayoutVars>
-          <dgm:chMax val="0"/>
-          <dgm:bulletEnabled val="1"/>
-        </dgm:presLayoutVars>
-      </dgm:prSet>
-      <dgm:spPr/>
-      <dgm:t>
-        <a:bodyPr/>
-        <a:lstStyle/>
-        <a:p>
-          <a:endParaRPr lang="en-US"/>
-        </a:p>
-      </dgm:t>
-    </dgm:pt>
-    <dgm:pt modelId="{320C1E14-01F0-4DEE-B3E2-1D7C2B034099}" type="pres">
-      <dgm:prSet presAssocID="{8B9DBA0C-297F-4153-AB4E-F6C5133570E7}" presName="parentRect" presStyleLbl="alignNode1" presStyleIdx="2" presStyleCnt="10"/>
-      <dgm:spPr/>
-      <dgm:t>
-        <a:bodyPr/>
-        <a:lstStyle/>
-        <a:p>
-          <a:endParaRPr lang="en-US"/>
-        </a:p>
-      </dgm:t>
-    </dgm:pt>
-    <dgm:pt modelId="{B1E0855A-E74E-4EF5-A4E3-3CBB8277368D}" type="pres">
-      <dgm:prSet presAssocID="{8B9DBA0C-297F-4153-AB4E-F6C5133570E7}" presName="adorn" presStyleLbl="fgAccFollowNode1" presStyleIdx="2" presStyleCnt="10"/>
-      <dgm:spPr/>
-    </dgm:pt>
-    <dgm:pt modelId="{DD26E716-2F56-4580-ADBB-C444D367765B}" type="pres">
-      <dgm:prSet presAssocID="{DF4BDFFF-41CA-4B31-8AD5-0B2542B6208D}" presName="sibTrans" presStyleLbl="sibTrans2D1" presStyleIdx="0" presStyleCnt="0"/>
-      <dgm:spPr/>
-      <dgm:t>
-        <a:bodyPr/>
-        <a:lstStyle/>
-        <a:p>
-          <a:endParaRPr lang="en-US"/>
-        </a:p>
-      </dgm:t>
-    </dgm:pt>
-    <dgm:pt modelId="{F72630D2-97C6-4748-ABB5-2F5378374C2E}" type="pres">
-      <dgm:prSet presAssocID="{A0519A28-DD5B-4345-9DB3-DEA6309762CE}" presName="compNode" presStyleCnt="0"/>
-      <dgm:spPr/>
-    </dgm:pt>
-    <dgm:pt modelId="{72EFF0F2-E9BD-4176-93DA-7A69664A6B9B}" type="pres">
-      <dgm:prSet presAssocID="{A0519A28-DD5B-4345-9DB3-DEA6309762CE}" presName="childRect" presStyleLbl="bgAcc1" presStyleIdx="3" presStyleCnt="10">
-        <dgm:presLayoutVars>
-          <dgm:bulletEnabled val="1"/>
-        </dgm:presLayoutVars>
-      </dgm:prSet>
-      <dgm:spPr/>
-      <dgm:t>
-        <a:bodyPr/>
-        <a:lstStyle/>
-        <a:p>
-          <a:endParaRPr lang="en-US"/>
-        </a:p>
-      </dgm:t>
-    </dgm:pt>
-    <dgm:pt modelId="{19B860F0-6FCD-480C-A460-A6B50608D078}" type="pres">
-      <dgm:prSet presAssocID="{A0519A28-DD5B-4345-9DB3-DEA6309762CE}" presName="parentText" presStyleLbl="node1" presStyleIdx="0" presStyleCnt="0">
-        <dgm:presLayoutVars>
-          <dgm:chMax val="0"/>
-          <dgm:bulletEnabled val="1"/>
-        </dgm:presLayoutVars>
-      </dgm:prSet>
-      <dgm:spPr/>
-      <dgm:t>
-        <a:bodyPr/>
-        <a:lstStyle/>
-        <a:p>
-          <a:endParaRPr lang="en-US"/>
-        </a:p>
-      </dgm:t>
-    </dgm:pt>
-    <dgm:pt modelId="{318AACCD-F906-45D1-AD28-0DB3AC3F4751}" type="pres">
-      <dgm:prSet presAssocID="{A0519A28-DD5B-4345-9DB3-DEA6309762CE}" presName="parentRect" presStyleLbl="alignNode1" presStyleIdx="3" presStyleCnt="10"/>
-      <dgm:spPr/>
-      <dgm:t>
-        <a:bodyPr/>
-        <a:lstStyle/>
-        <a:p>
-          <a:endParaRPr lang="en-US"/>
-        </a:p>
-      </dgm:t>
-    </dgm:pt>
-    <dgm:pt modelId="{16755752-A2E2-4948-A3C1-57FCA8A78CE0}" type="pres">
-      <dgm:prSet presAssocID="{A0519A28-DD5B-4345-9DB3-DEA6309762CE}" presName="adorn" presStyleLbl="fgAccFollowNode1" presStyleIdx="3" presStyleCnt="10"/>
-      <dgm:spPr/>
-    </dgm:pt>
-    <dgm:pt modelId="{3447EB20-3484-4B16-AB09-CD30073B76C2}" type="pres">
-      <dgm:prSet presAssocID="{484485F4-327F-4683-AE30-C6A3C816C884}" presName="sibTrans" presStyleLbl="sibTrans2D1" presStyleIdx="0" presStyleCnt="0"/>
-      <dgm:spPr/>
-      <dgm:t>
-        <a:bodyPr/>
-        <a:lstStyle/>
-        <a:p>
-          <a:endParaRPr lang="en-US"/>
-        </a:p>
-      </dgm:t>
-    </dgm:pt>
-    <dgm:pt modelId="{8383B565-0029-4497-9C43-BD4E614FBDF3}" type="pres">
-      <dgm:prSet presAssocID="{9D758E8D-5E9C-4A53-A5F6-B645809F728B}" presName="compNode" presStyleCnt="0"/>
-      <dgm:spPr/>
-    </dgm:pt>
-    <dgm:pt modelId="{88B429D6-3E5F-44F3-BED1-4555888A5EEF}" type="pres">
-      <dgm:prSet presAssocID="{9D758E8D-5E9C-4A53-A5F6-B645809F728B}" presName="childRect" presStyleLbl="bgAcc1" presStyleIdx="4" presStyleCnt="10">
-        <dgm:presLayoutVars>
-          <dgm:bulletEnabled val="1"/>
-        </dgm:presLayoutVars>
-      </dgm:prSet>
-      <dgm:spPr/>
-      <dgm:t>
-        <a:bodyPr/>
-        <a:lstStyle/>
-        <a:p>
-          <a:endParaRPr lang="en-US"/>
-        </a:p>
-      </dgm:t>
-    </dgm:pt>
-    <dgm:pt modelId="{9B8D5D73-4F0B-4727-B2A6-9ADD2963B38E}" type="pres">
-      <dgm:prSet presAssocID="{9D758E8D-5E9C-4A53-A5F6-B645809F728B}" presName="parentText" presStyleLbl="node1" presStyleIdx="0" presStyleCnt="0">
-        <dgm:presLayoutVars>
-          <dgm:chMax val="0"/>
-          <dgm:bulletEnabled val="1"/>
-        </dgm:presLayoutVars>
-      </dgm:prSet>
-      <dgm:spPr/>
-      <dgm:t>
-        <a:bodyPr/>
-        <a:lstStyle/>
-        <a:p>
-          <a:endParaRPr lang="en-US"/>
-        </a:p>
-      </dgm:t>
-    </dgm:pt>
-    <dgm:pt modelId="{64C58537-A40B-4953-A8D7-BF3769C7CD9D}" type="pres">
-      <dgm:prSet presAssocID="{9D758E8D-5E9C-4A53-A5F6-B645809F728B}" presName="parentRect" presStyleLbl="alignNode1" presStyleIdx="4" presStyleCnt="10"/>
-      <dgm:spPr/>
-      <dgm:t>
-        <a:bodyPr/>
-        <a:lstStyle/>
-        <a:p>
-          <a:endParaRPr lang="en-US"/>
-        </a:p>
-      </dgm:t>
-    </dgm:pt>
-    <dgm:pt modelId="{69505C7F-AC53-4160-91C5-A38461B726EA}" type="pres">
-      <dgm:prSet presAssocID="{9D758E8D-5E9C-4A53-A5F6-B645809F728B}" presName="adorn" presStyleLbl="fgAccFollowNode1" presStyleIdx="4" presStyleCnt="10"/>
-      <dgm:spPr/>
-    </dgm:pt>
-    <dgm:pt modelId="{6C0FC4BC-C733-495E-BF23-3A0FB53B51F2}" type="pres">
-      <dgm:prSet presAssocID="{4B45AE6D-4646-4FED-AE24-E646BAEF29F7}" presName="sibTrans" presStyleLbl="sibTrans2D1" presStyleIdx="0" presStyleCnt="0"/>
-      <dgm:spPr/>
-      <dgm:t>
-        <a:bodyPr/>
-        <a:lstStyle/>
-        <a:p>
-          <a:endParaRPr lang="en-US"/>
-        </a:p>
-      </dgm:t>
-    </dgm:pt>
-    <dgm:pt modelId="{2CEF3599-95D0-4FF5-B469-C5BA21AD5AD8}" type="pres">
-      <dgm:prSet presAssocID="{097C38C6-5512-4B94-9673-047C8E927ADF}" presName="compNode" presStyleCnt="0"/>
-      <dgm:spPr/>
-    </dgm:pt>
-    <dgm:pt modelId="{C174BB0B-CC4F-4673-A7E4-45B9416E2CBE}" type="pres">
-      <dgm:prSet presAssocID="{097C38C6-5512-4B94-9673-047C8E927ADF}" presName="childRect" presStyleLbl="bgAcc1" presStyleIdx="5" presStyleCnt="10">
-        <dgm:presLayoutVars>
-          <dgm:bulletEnabled val="1"/>
-        </dgm:presLayoutVars>
-      </dgm:prSet>
-      <dgm:spPr/>
-      <dgm:t>
-        <a:bodyPr/>
-        <a:lstStyle/>
-        <a:p>
-          <a:endParaRPr lang="en-US"/>
-        </a:p>
-      </dgm:t>
-    </dgm:pt>
-    <dgm:pt modelId="{15E7639D-8B23-42A6-BD8A-CE7BA1AC75B9}" type="pres">
-      <dgm:prSet presAssocID="{097C38C6-5512-4B94-9673-047C8E927ADF}" presName="parentText" presStyleLbl="node1" presStyleIdx="0" presStyleCnt="0">
-        <dgm:presLayoutVars>
-          <dgm:chMax val="0"/>
-          <dgm:bulletEnabled val="1"/>
-        </dgm:presLayoutVars>
-      </dgm:prSet>
-      <dgm:spPr/>
-      <dgm:t>
-        <a:bodyPr/>
-        <a:lstStyle/>
-        <a:p>
-          <a:endParaRPr lang="en-US"/>
-        </a:p>
-      </dgm:t>
-    </dgm:pt>
-    <dgm:pt modelId="{6A797303-0B30-43AA-814B-4026A142F97D}" type="pres">
-      <dgm:prSet presAssocID="{097C38C6-5512-4B94-9673-047C8E927ADF}" presName="parentRect" presStyleLbl="alignNode1" presStyleIdx="5" presStyleCnt="10"/>
-      <dgm:spPr/>
-      <dgm:t>
-        <a:bodyPr/>
-        <a:lstStyle/>
-        <a:p>
-          <a:endParaRPr lang="en-US"/>
-        </a:p>
-      </dgm:t>
-    </dgm:pt>
-    <dgm:pt modelId="{359DE6A7-69BC-4356-8D93-D3CE4642CF44}" type="pres">
-      <dgm:prSet presAssocID="{097C38C6-5512-4B94-9673-047C8E927ADF}" presName="adorn" presStyleLbl="fgAccFollowNode1" presStyleIdx="5" presStyleCnt="10"/>
-      <dgm:spPr/>
-    </dgm:pt>
-    <dgm:pt modelId="{7106B1BE-5DC8-4244-A4CF-5D46693A9569}" type="pres">
-      <dgm:prSet presAssocID="{3CFE6C0B-AF1A-425F-B99A-5526FED0FFD8}" presName="sibTrans" presStyleLbl="sibTrans2D1" presStyleIdx="0" presStyleCnt="0"/>
-      <dgm:spPr/>
-      <dgm:t>
-        <a:bodyPr/>
-        <a:lstStyle/>
-        <a:p>
-          <a:endParaRPr lang="en-US"/>
-        </a:p>
-      </dgm:t>
-    </dgm:pt>
-    <dgm:pt modelId="{D41196FA-46D1-409A-9A39-275B633AE9CF}" type="pres">
-      <dgm:prSet presAssocID="{FB8789B6-0444-4603-AEAB-2D02ACFCD7CA}" presName="compNode" presStyleCnt="0"/>
-      <dgm:spPr/>
-    </dgm:pt>
-    <dgm:pt modelId="{8C2B451B-6F08-4093-BEBB-CC4A0CFBCDD8}" type="pres">
-      <dgm:prSet presAssocID="{FB8789B6-0444-4603-AEAB-2D02ACFCD7CA}" presName="childRect" presStyleLbl="bgAcc1" presStyleIdx="6" presStyleCnt="10">
-        <dgm:presLayoutVars>
-          <dgm:bulletEnabled val="1"/>
-        </dgm:presLayoutVars>
-      </dgm:prSet>
-      <dgm:spPr/>
-      <dgm:t>
-        <a:bodyPr/>
-        <a:lstStyle/>
-        <a:p>
-          <a:endParaRPr lang="en-US"/>
-        </a:p>
-      </dgm:t>
-    </dgm:pt>
-    <dgm:pt modelId="{DB31427A-01BC-4D02-9C7C-B5D6FD6F21E9}" type="pres">
-      <dgm:prSet presAssocID="{FB8789B6-0444-4603-AEAB-2D02ACFCD7CA}" presName="parentText" presStyleLbl="node1" presStyleIdx="0" presStyleCnt="0">
-        <dgm:presLayoutVars>
-          <dgm:chMax val="0"/>
-          <dgm:bulletEnabled val="1"/>
-        </dgm:presLayoutVars>
-      </dgm:prSet>
-      <dgm:spPr/>
-      <dgm:t>
-        <a:bodyPr/>
-        <a:lstStyle/>
-        <a:p>
-          <a:endParaRPr lang="en-US"/>
-        </a:p>
-      </dgm:t>
-    </dgm:pt>
-    <dgm:pt modelId="{ADDA6BFD-484D-4C59-866B-F1D25AF904F7}" type="pres">
-      <dgm:prSet presAssocID="{FB8789B6-0444-4603-AEAB-2D02ACFCD7CA}" presName="parentRect" presStyleLbl="alignNode1" presStyleIdx="6" presStyleCnt="10"/>
-      <dgm:spPr/>
-      <dgm:t>
-        <a:bodyPr/>
-        <a:lstStyle/>
-        <a:p>
-          <a:endParaRPr lang="en-US"/>
-        </a:p>
-      </dgm:t>
-    </dgm:pt>
-    <dgm:pt modelId="{BB317E2A-2D58-4106-934F-264CB3235CAE}" type="pres">
-      <dgm:prSet presAssocID="{FB8789B6-0444-4603-AEAB-2D02ACFCD7CA}" presName="adorn" presStyleLbl="fgAccFollowNode1" presStyleIdx="6" presStyleCnt="10"/>
-      <dgm:spPr/>
-    </dgm:pt>
-    <dgm:pt modelId="{1DC35D28-A2AB-4BB6-9931-1C6DDCCE1BEF}" type="pres">
-      <dgm:prSet presAssocID="{F31A48A7-8D14-42B8-97EE-B5FAA0065B92}" presName="sibTrans" presStyleLbl="sibTrans2D1" presStyleIdx="0" presStyleCnt="0"/>
-      <dgm:spPr/>
-      <dgm:t>
-        <a:bodyPr/>
-        <a:lstStyle/>
-        <a:p>
-          <a:endParaRPr lang="en-US"/>
-        </a:p>
-      </dgm:t>
-    </dgm:pt>
-    <dgm:pt modelId="{67868EEC-8661-4389-AE45-E9F4258CC762}" type="pres">
-      <dgm:prSet presAssocID="{C9BA539F-FAC1-4773-B73B-8E08B739C4B9}" presName="compNode" presStyleCnt="0"/>
-      <dgm:spPr/>
-    </dgm:pt>
-    <dgm:pt modelId="{B75CCBEA-A2DA-45C2-80CD-FF8A1FE60543}" type="pres">
-      <dgm:prSet presAssocID="{C9BA539F-FAC1-4773-B73B-8E08B739C4B9}" presName="childRect" presStyleLbl="bgAcc1" presStyleIdx="7" presStyleCnt="10">
-        <dgm:presLayoutVars>
-          <dgm:bulletEnabled val="1"/>
-        </dgm:presLayoutVars>
-      </dgm:prSet>
-      <dgm:spPr/>
-      <dgm:t>
-        <a:bodyPr/>
-        <a:lstStyle/>
-        <a:p>
-          <a:endParaRPr lang="en-US"/>
-        </a:p>
-      </dgm:t>
-    </dgm:pt>
-    <dgm:pt modelId="{D5049AFC-9707-4DBC-8BDD-A2A26376592A}" type="pres">
-      <dgm:prSet presAssocID="{C9BA539F-FAC1-4773-B73B-8E08B739C4B9}" presName="parentText" presStyleLbl="node1" presStyleIdx="0" presStyleCnt="0">
-        <dgm:presLayoutVars>
-          <dgm:chMax val="0"/>
-          <dgm:bulletEnabled val="1"/>
-        </dgm:presLayoutVars>
-      </dgm:prSet>
-      <dgm:spPr/>
-      <dgm:t>
-        <a:bodyPr/>
-        <a:lstStyle/>
-        <a:p>
-          <a:endParaRPr lang="en-US"/>
-        </a:p>
-      </dgm:t>
-    </dgm:pt>
-    <dgm:pt modelId="{4C88545F-A2BE-4690-B2A9-8354CDFDD2F7}" type="pres">
-      <dgm:prSet presAssocID="{C9BA539F-FAC1-4773-B73B-8E08B739C4B9}" presName="parentRect" presStyleLbl="alignNode1" presStyleIdx="7" presStyleCnt="10"/>
-      <dgm:spPr/>
-      <dgm:t>
-        <a:bodyPr/>
-        <a:lstStyle/>
-        <a:p>
-          <a:endParaRPr lang="en-US"/>
-        </a:p>
-      </dgm:t>
-    </dgm:pt>
-    <dgm:pt modelId="{34B0F557-D18B-4A4F-891B-956D2B2781A3}" type="pres">
-      <dgm:prSet presAssocID="{C9BA539F-FAC1-4773-B73B-8E08B739C4B9}" presName="adorn" presStyleLbl="fgAccFollowNode1" presStyleIdx="7" presStyleCnt="10"/>
-      <dgm:spPr/>
-    </dgm:pt>
-    <dgm:pt modelId="{64F777EE-70B9-40FF-83EE-932E5587D93B}" type="pres">
-      <dgm:prSet presAssocID="{07B19E19-8EA3-4615-A2F5-CFAE07443C3A}" presName="sibTrans" presStyleLbl="sibTrans2D1" presStyleIdx="0" presStyleCnt="0"/>
-      <dgm:spPr/>
-      <dgm:t>
-        <a:bodyPr/>
-        <a:lstStyle/>
-        <a:p>
-          <a:endParaRPr lang="en-US"/>
-        </a:p>
-      </dgm:t>
-    </dgm:pt>
-    <dgm:pt modelId="{61894268-2952-4D46-9A40-5A1CEC231C73}" type="pres">
-      <dgm:prSet presAssocID="{AC888093-4416-48FF-AE74-D898570BF359}" presName="compNode" presStyleCnt="0"/>
-      <dgm:spPr/>
-    </dgm:pt>
-    <dgm:pt modelId="{A999AC6A-1F69-4AF1-9D2F-37CE7AEAD4B2}" type="pres">
-      <dgm:prSet presAssocID="{AC888093-4416-48FF-AE74-D898570BF359}" presName="childRect" presStyleLbl="bgAcc1" presStyleIdx="8" presStyleCnt="10">
-        <dgm:presLayoutVars>
-          <dgm:bulletEnabled val="1"/>
-        </dgm:presLayoutVars>
-      </dgm:prSet>
-      <dgm:spPr/>
-      <dgm:t>
-        <a:bodyPr/>
-        <a:lstStyle/>
-        <a:p>
-          <a:endParaRPr lang="en-US"/>
-        </a:p>
-      </dgm:t>
-    </dgm:pt>
-    <dgm:pt modelId="{DC61F918-0D66-43D4-A810-548E7FB8E7A1}" type="pres">
-      <dgm:prSet presAssocID="{AC888093-4416-48FF-AE74-D898570BF359}" presName="parentText" presStyleLbl="node1" presStyleIdx="0" presStyleCnt="0">
-        <dgm:presLayoutVars>
-          <dgm:chMax val="0"/>
-          <dgm:bulletEnabled val="1"/>
-        </dgm:presLayoutVars>
-      </dgm:prSet>
-      <dgm:spPr/>
-      <dgm:t>
-        <a:bodyPr/>
-        <a:lstStyle/>
-        <a:p>
-          <a:endParaRPr lang="en-US"/>
-        </a:p>
-      </dgm:t>
-    </dgm:pt>
-    <dgm:pt modelId="{1D756465-5B86-4E74-BE6A-16850F6E9514}" type="pres">
-      <dgm:prSet presAssocID="{AC888093-4416-48FF-AE74-D898570BF359}" presName="parentRect" presStyleLbl="alignNode1" presStyleIdx="8" presStyleCnt="10"/>
-      <dgm:spPr/>
-      <dgm:t>
-        <a:bodyPr/>
-        <a:lstStyle/>
-        <a:p>
-          <a:endParaRPr lang="en-US"/>
-        </a:p>
-      </dgm:t>
-    </dgm:pt>
-    <dgm:pt modelId="{FB65B613-FDC2-4F18-873F-B3A154F7780B}" type="pres">
-      <dgm:prSet presAssocID="{AC888093-4416-48FF-AE74-D898570BF359}" presName="adorn" presStyleLbl="fgAccFollowNode1" presStyleIdx="8" presStyleCnt="10"/>
-      <dgm:spPr/>
-    </dgm:pt>
-    <dgm:pt modelId="{01ED4087-3B8E-47FE-B66D-F67EE6B65FD5}" type="pres">
-      <dgm:prSet presAssocID="{17EACF50-53A6-43AE-93C4-0A6130CF57D0}" presName="sibTrans" presStyleLbl="sibTrans2D1" presStyleIdx="0" presStyleCnt="0"/>
-      <dgm:spPr/>
-      <dgm:t>
-        <a:bodyPr/>
-        <a:lstStyle/>
-        <a:p>
-          <a:endParaRPr lang="en-US"/>
-        </a:p>
-      </dgm:t>
-    </dgm:pt>
-    <dgm:pt modelId="{6E1D1463-23FF-4FDA-AEF9-9C446869148D}" type="pres">
-      <dgm:prSet presAssocID="{1952FD3C-EBD0-40E0-A927-E57211C747C9}" presName="compNode" presStyleCnt="0"/>
-      <dgm:spPr/>
-    </dgm:pt>
-    <dgm:pt modelId="{D853D8C2-E0C8-4F90-91EA-786545408879}" type="pres">
-      <dgm:prSet presAssocID="{1952FD3C-EBD0-40E0-A927-E57211C747C9}" presName="childRect" presStyleLbl="bgAcc1" presStyleIdx="9" presStyleCnt="10">
-        <dgm:presLayoutVars>
-          <dgm:bulletEnabled val="1"/>
-        </dgm:presLayoutVars>
-      </dgm:prSet>
-      <dgm:spPr/>
-      <dgm:t>
-        <a:bodyPr/>
-        <a:lstStyle/>
-        <a:p>
-          <a:endParaRPr lang="en-US"/>
-        </a:p>
-      </dgm:t>
-    </dgm:pt>
-    <dgm:pt modelId="{057699E5-25FB-4021-A253-F4EDD5AEF4E7}" type="pres">
-      <dgm:prSet presAssocID="{1952FD3C-EBD0-40E0-A927-E57211C747C9}" presName="parentText" presStyleLbl="node1" presStyleIdx="0" presStyleCnt="0">
-        <dgm:presLayoutVars>
-          <dgm:chMax val="0"/>
-          <dgm:bulletEnabled val="1"/>
-        </dgm:presLayoutVars>
-      </dgm:prSet>
-      <dgm:spPr/>
-      <dgm:t>
-        <a:bodyPr/>
-        <a:lstStyle/>
-        <a:p>
-          <a:endParaRPr lang="en-US"/>
-        </a:p>
-      </dgm:t>
-    </dgm:pt>
-    <dgm:pt modelId="{AC103858-2B44-42E1-994E-604DB1225965}" type="pres">
-      <dgm:prSet presAssocID="{1952FD3C-EBD0-40E0-A927-E57211C747C9}" presName="parentRect" presStyleLbl="alignNode1" presStyleIdx="9" presStyleCnt="10"/>
-      <dgm:spPr/>
-      <dgm:t>
-        <a:bodyPr/>
-        <a:lstStyle/>
-        <a:p>
-          <a:endParaRPr lang="en-US"/>
-        </a:p>
-      </dgm:t>
-    </dgm:pt>
-    <dgm:pt modelId="{4ABB3540-DAAD-467E-8283-9C7852BBC395}" type="pres">
-      <dgm:prSet presAssocID="{1952FD3C-EBD0-40E0-A927-E57211C747C9}" presName="adorn" presStyleLbl="fgAccFollowNode1" presStyleIdx="9" presStyleCnt="10"/>
-      <dgm:spPr/>
-    </dgm:pt>
-  </dgm:ptLst>
-  <dgm:cxnLst>
-    <dgm:cxn modelId="{8A9B450E-DEB2-46D4-BD7B-4FF59A1700F2}" srcId="{097C38C6-5512-4B94-9673-047C8E927ADF}" destId="{178E4E3C-1507-44BA-BDAA-DB95B3160951}" srcOrd="2" destOrd="0" parTransId="{E359FB85-12C3-423D-9B69-3BD38860A57C}" sibTransId="{70DEA222-7EAA-4E5B-AD3A-17C88791A32B}"/>
-    <dgm:cxn modelId="{1B89B033-9288-459D-824D-D54A7DED52D6}" type="presOf" srcId="{5B424229-9BD9-4730-B57C-1C1BF0D7B026}" destId="{A999AC6A-1F69-4AF1-9D2F-37CE7AEAD4B2}" srcOrd="0" destOrd="1" presId="urn:microsoft.com/office/officeart/2005/8/layout/bList2"/>
-    <dgm:cxn modelId="{E7254408-A893-4752-91B2-C9E90F77538B}" srcId="{AC888093-4416-48FF-AE74-D898570BF359}" destId="{E1C73923-9676-459A-93D9-4F878295478D}" srcOrd="0" destOrd="0" parTransId="{DD6392C2-C549-4D5E-8788-CA93168E26B8}" sibTransId="{1B3C4E13-9A98-4B65-8F9C-0959CD12F83B}"/>
-    <dgm:cxn modelId="{5543561C-8DD1-4D36-B437-745BDE7334F6}" type="presOf" srcId="{CF0E1081-A5A0-423E-B311-F4F5DA6C8D35}" destId="{FB986A98-5540-4BAC-ABC3-BF510E30DB8B}" srcOrd="0" destOrd="0" presId="urn:microsoft.com/office/officeart/2005/8/layout/bList2"/>
-    <dgm:cxn modelId="{7F58CC44-1ACF-459F-B21D-1B6D40FBBBB0}" type="presOf" srcId="{3CFE6C0B-AF1A-425F-B99A-5526FED0FFD8}" destId="{7106B1BE-5DC8-4244-A4CF-5D46693A9569}" srcOrd="0" destOrd="0" presId="urn:microsoft.com/office/officeart/2005/8/layout/bList2"/>
-    <dgm:cxn modelId="{9D990B0D-2AC7-405F-A32D-411B9447D486}" type="presOf" srcId="{8CBCB4E5-74A2-4C48-86B8-49363F1EB6C6}" destId="{D3422584-9CF3-463A-B128-399F89DA7E9D}" srcOrd="0" destOrd="0" presId="urn:microsoft.com/office/officeart/2005/8/layout/bList2"/>
-    <dgm:cxn modelId="{70DEEDF4-34FB-4CCA-8090-DA2EE951A137}" type="presOf" srcId="{DF4BDFFF-41CA-4B31-8AD5-0B2542B6208D}" destId="{DD26E716-2F56-4580-ADBB-C444D367765B}" srcOrd="0" destOrd="0" presId="urn:microsoft.com/office/officeart/2005/8/layout/bList2"/>
-    <dgm:cxn modelId="{03EA8409-1048-4F4B-BC08-361944FCBDB8}" type="presOf" srcId="{6996BAD6-637C-484E-8284-38552B941EDD}" destId="{78720607-78D3-4738-BAC1-313A3881A5ED}" srcOrd="0" destOrd="0" presId="urn:microsoft.com/office/officeart/2005/8/layout/bList2"/>
-    <dgm:cxn modelId="{50F8327D-5245-4010-BC84-7ED2F2FCA968}" srcId="{9D758E8D-5E9C-4A53-A5F6-B645809F728B}" destId="{63D5E2E1-1A7B-47B3-9985-AA6138BF7787}" srcOrd="0" destOrd="0" parTransId="{6089D38E-6EC3-4E02-BD34-093A4D7B11AC}" sibTransId="{3C423122-6019-4CEB-A130-9F3E56DB9736}"/>
-    <dgm:cxn modelId="{3EE308CD-8A06-4894-9E62-97F34619BB8F}" srcId="{944F5C5E-15DF-4AF5-B2F5-8901863886B4}" destId="{C9BA539F-FAC1-4773-B73B-8E08B739C4B9}" srcOrd="7" destOrd="0" parTransId="{19CD10BB-A6CE-48EC-8771-706C848DAE05}" sibTransId="{07B19E19-8EA3-4615-A2F5-CFAE07443C3A}"/>
-    <dgm:cxn modelId="{62251155-074C-46AC-A8C2-0DA03E1D4678}" srcId="{C9BA539F-FAC1-4773-B73B-8E08B739C4B9}" destId="{77970FF4-2135-4297-A73A-57F53800574C}" srcOrd="1" destOrd="0" parTransId="{5BC4A808-2BD5-4E3C-AC4D-25FF0A2A68B2}" sibTransId="{9FD10741-0598-40C0-B539-71CEC6364BAD}"/>
-    <dgm:cxn modelId="{51ECA39F-CC0D-408C-86E6-A48FCB01D1F0}" type="presOf" srcId="{944F5C5E-15DF-4AF5-B2F5-8901863886B4}" destId="{037FC8AB-3228-430C-8BD5-49F00BCE1B18}" srcOrd="0" destOrd="0" presId="urn:microsoft.com/office/officeart/2005/8/layout/bList2"/>
-    <dgm:cxn modelId="{106A0DE0-5689-48AD-9E41-5249EC794615}" type="presOf" srcId="{4A9F798E-FA47-4AEE-8943-C87D6C8659ED}" destId="{72EFF0F2-E9BD-4176-93DA-7A69664A6B9B}" srcOrd="0" destOrd="0" presId="urn:microsoft.com/office/officeart/2005/8/layout/bList2"/>
-    <dgm:cxn modelId="{810CC725-A909-4571-9AF5-5989AA38303F}" srcId="{944F5C5E-15DF-4AF5-B2F5-8901863886B4}" destId="{8B9DBA0C-297F-4153-AB4E-F6C5133570E7}" srcOrd="2" destOrd="0" parTransId="{DC57AF16-6615-4C3B-A7DC-E27F63F83213}" sibTransId="{DF4BDFFF-41CA-4B31-8AD5-0B2542B6208D}"/>
-    <dgm:cxn modelId="{2EFA709A-F64A-4267-BF2A-C663A7A6DB76}" type="presOf" srcId="{484485F4-327F-4683-AE30-C6A3C816C884}" destId="{3447EB20-3484-4B16-AB09-CD30073B76C2}" srcOrd="0" destOrd="0" presId="urn:microsoft.com/office/officeart/2005/8/layout/bList2"/>
-    <dgm:cxn modelId="{E291CE6E-D2C6-4DC6-9CA3-483BD53252DE}" type="presOf" srcId="{C4A5245C-A223-4734-9144-CCD8AC562FA1}" destId="{35D45351-E668-4707-A3D3-51FB4FB4AF95}" srcOrd="0" destOrd="0" presId="urn:microsoft.com/office/officeart/2005/8/layout/bList2"/>
-    <dgm:cxn modelId="{85C49C1B-8C45-4987-A0BC-5CE2D7E1C71D}" srcId="{A0519A28-DD5B-4345-9DB3-DEA6309762CE}" destId="{60B14F4F-6714-495B-8DA5-2D9875AF5E16}" srcOrd="1" destOrd="0" parTransId="{86E531CB-19D9-4067-BE04-6072725DB957}" sibTransId="{54B2CC93-8D63-48C0-AD90-6A2E4738E94E}"/>
-    <dgm:cxn modelId="{53641035-ACA8-4C71-9E83-ABEF3B13EF98}" type="presOf" srcId="{F1A2F367-48E5-407B-A4A3-2D6E03B12C96}" destId="{8C2B451B-6F08-4093-BEBB-CC4A0CFBCDD8}" srcOrd="0" destOrd="0" presId="urn:microsoft.com/office/officeart/2005/8/layout/bList2"/>
-    <dgm:cxn modelId="{4E2134B0-D29B-46BD-9E2C-5CCDBF00A09B}" type="presOf" srcId="{A0519A28-DD5B-4345-9DB3-DEA6309762CE}" destId="{19B860F0-6FCD-480C-A460-A6B50608D078}" srcOrd="0" destOrd="0" presId="urn:microsoft.com/office/officeart/2005/8/layout/bList2"/>
-    <dgm:cxn modelId="{4722F85D-3935-44EE-8819-B7D3F510295D}" type="presOf" srcId="{C9C6F18B-53EF-4BC7-A519-C08556112F28}" destId="{FB986A98-5540-4BAC-ABC3-BF510E30DB8B}" srcOrd="0" destOrd="1" presId="urn:microsoft.com/office/officeart/2005/8/layout/bList2"/>
-    <dgm:cxn modelId="{6C6DFE00-0ABB-4BFD-9BF8-F51DB0B3F613}" srcId="{FB8789B6-0444-4603-AEAB-2D02ACFCD7CA}" destId="{F1A2F367-48E5-407B-A4A3-2D6E03B12C96}" srcOrd="0" destOrd="0" parTransId="{D83FA98D-3F0A-46EE-9C2A-209679473417}" sibTransId="{BA754B7F-5622-4166-80DC-838E7A123FC0}"/>
-    <dgm:cxn modelId="{63EB5B1E-9062-4187-BB5F-C0497FA67124}" type="presOf" srcId="{9D758E8D-5E9C-4A53-A5F6-B645809F728B}" destId="{9B8D5D73-4F0B-4727-B2A6-9ADD2963B38E}" srcOrd="0" destOrd="0" presId="urn:microsoft.com/office/officeart/2005/8/layout/bList2"/>
-    <dgm:cxn modelId="{667B3F96-3607-494E-8303-FCF1643BCBEA}" srcId="{9D758E8D-5E9C-4A53-A5F6-B645809F728B}" destId="{A56D34C8-0B3B-4D69-BB6E-FB2FE35D3DD5}" srcOrd="1" destOrd="0" parTransId="{3CBC599C-5605-49C1-91A2-7AF0E120A0BE}" sibTransId="{6BEF67A3-95FD-4CB8-A6EB-E5267B8C1B79}"/>
-    <dgm:cxn modelId="{EB7191AD-B9E0-4BA4-9BDD-8DBE39A53736}" srcId="{944F5C5E-15DF-4AF5-B2F5-8901863886B4}" destId="{9D758E8D-5E9C-4A53-A5F6-B645809F728B}" srcOrd="4" destOrd="0" parTransId="{A869442D-185A-465F-BFD3-E6F465A72290}" sibTransId="{4B45AE6D-4646-4FED-AE24-E646BAEF29F7}"/>
-    <dgm:cxn modelId="{0F3B5C66-E404-4BE0-AB2A-ED42C5725E1F}" type="presOf" srcId="{A306397A-FD8A-4A92-9B05-B5BD5E5D21BA}" destId="{C174BB0B-CC4F-4673-A7E4-45B9416E2CBE}" srcOrd="0" destOrd="0" presId="urn:microsoft.com/office/officeart/2005/8/layout/bList2"/>
-    <dgm:cxn modelId="{9FCC7DEA-D57E-440A-9197-D1679679F86A}" type="presOf" srcId="{6996BAD6-637C-484E-8284-38552B941EDD}" destId="{D1AA0F5F-12AD-4C3A-8147-6725D9524E49}" srcOrd="1" destOrd="0" presId="urn:microsoft.com/office/officeart/2005/8/layout/bList2"/>
-    <dgm:cxn modelId="{5AEFFE35-11CC-4AF1-9B39-92681D375726}" type="presOf" srcId="{178E4E3C-1507-44BA-BDAA-DB95B3160951}" destId="{C174BB0B-CC4F-4673-A7E4-45B9416E2CBE}" srcOrd="0" destOrd="2" presId="urn:microsoft.com/office/officeart/2005/8/layout/bList2"/>
-    <dgm:cxn modelId="{AD6BDFB9-99E7-4F38-ADCC-6404A420C9D8}" type="presOf" srcId="{9D758E8D-5E9C-4A53-A5F6-B645809F728B}" destId="{64C58537-A40B-4953-A8D7-BF3769C7CD9D}" srcOrd="1" destOrd="0" presId="urn:microsoft.com/office/officeart/2005/8/layout/bList2"/>
-    <dgm:cxn modelId="{522272EA-1905-4C14-B926-9251D20E72A4}" srcId="{1952FD3C-EBD0-40E0-A927-E57211C747C9}" destId="{D311CF7F-F17F-4FBA-AA0E-12048A0E5690}" srcOrd="1" destOrd="0" parTransId="{C2558B89-4095-4739-9790-754C36A06C91}" sibTransId="{B5D90C1B-7167-4CF2-9804-F7B6B26855FD}"/>
-    <dgm:cxn modelId="{6E3D90D5-0B1D-4D73-948D-43D713C93A22}" type="presOf" srcId="{4B45AE6D-4646-4FED-AE24-E646BAEF29F7}" destId="{6C0FC4BC-C733-495E-BF23-3A0FB53B51F2}" srcOrd="0" destOrd="0" presId="urn:microsoft.com/office/officeart/2005/8/layout/bList2"/>
-    <dgm:cxn modelId="{AAB25E1F-56A3-4AF7-A187-9DFADD734128}" srcId="{944F5C5E-15DF-4AF5-B2F5-8901863886B4}" destId="{0BD4D64B-A6F5-4C13-A925-B438DEEDDD45}" srcOrd="1" destOrd="0" parTransId="{1EF3F798-27D0-4E66-A609-BD2AAF1B290E}" sibTransId="{8CBCB4E5-74A2-4C48-86B8-49363F1EB6C6}"/>
-    <dgm:cxn modelId="{7CFE7B01-C2D0-448C-ABBF-8007E56BA072}" srcId="{944F5C5E-15DF-4AF5-B2F5-8901863886B4}" destId="{6996BAD6-637C-484E-8284-38552B941EDD}" srcOrd="0" destOrd="0" parTransId="{C2B040E5-8F9C-4953-A5E5-F2CF677858C9}" sibTransId="{0CFA2CC3-C4D1-4B98-8595-05BC8889CA4C}"/>
-    <dgm:cxn modelId="{7574C5A9-FFE8-4D95-936F-B9381107A931}" type="presOf" srcId="{A996C5A9-4947-4D29-B699-B26785264ED5}" destId="{C174BB0B-CC4F-4673-A7E4-45B9416E2CBE}" srcOrd="0" destOrd="1" presId="urn:microsoft.com/office/officeart/2005/8/layout/bList2"/>
-    <dgm:cxn modelId="{5A034DF3-0BE1-4945-9493-32754418328A}" type="presOf" srcId="{1F261EE2-231E-44E2-AE25-A71B7EB8CBF0}" destId="{B4062244-E435-4A83-BF14-C633A35AA45F}" srcOrd="0" destOrd="0" presId="urn:microsoft.com/office/officeart/2005/8/layout/bList2"/>
-    <dgm:cxn modelId="{74D1D777-5BDF-4F0B-BC1B-5ED6F9A91847}" srcId="{AC888093-4416-48FF-AE74-D898570BF359}" destId="{804B3186-2F6C-432D-9628-4C5A774D7E51}" srcOrd="2" destOrd="0" parTransId="{0906AAD6-C936-4A39-97F8-CA1E3AD80F34}" sibTransId="{5FD21FA2-E740-4B5D-8406-4D606A86E3D5}"/>
-    <dgm:cxn modelId="{440E512F-F864-4DC3-BC00-854307966324}" type="presOf" srcId="{A0519A28-DD5B-4345-9DB3-DEA6309762CE}" destId="{318AACCD-F906-45D1-AD28-0DB3AC3F4751}" srcOrd="1" destOrd="0" presId="urn:microsoft.com/office/officeart/2005/8/layout/bList2"/>
-    <dgm:cxn modelId="{96FAF2B4-4889-4C24-9BAF-1AFE20BDD2CF}" type="presOf" srcId="{63D5E2E1-1A7B-47B3-9985-AA6138BF7787}" destId="{88B429D6-3E5F-44F3-BED1-4555888A5EEF}" srcOrd="0" destOrd="0" presId="urn:microsoft.com/office/officeart/2005/8/layout/bList2"/>
-    <dgm:cxn modelId="{C003C8C1-5045-469E-976F-A3419C066802}" type="presOf" srcId="{60B14F4F-6714-495B-8DA5-2D9875AF5E16}" destId="{72EFF0F2-E9BD-4176-93DA-7A69664A6B9B}" srcOrd="0" destOrd="1" presId="urn:microsoft.com/office/officeart/2005/8/layout/bList2"/>
-    <dgm:cxn modelId="{E96947F4-5470-47CF-AAE5-D83C52B72B7D}" type="presOf" srcId="{DE532163-8338-4F50-BD90-692325F14BD7}" destId="{72EFF0F2-E9BD-4176-93DA-7A69664A6B9B}" srcOrd="0" destOrd="2" presId="urn:microsoft.com/office/officeart/2005/8/layout/bList2"/>
-    <dgm:cxn modelId="{50DDA2F0-3A97-473A-8844-E145E302FE93}" type="presOf" srcId="{097C38C6-5512-4B94-9673-047C8E927ADF}" destId="{6A797303-0B30-43AA-814B-4026A142F97D}" srcOrd="1" destOrd="0" presId="urn:microsoft.com/office/officeart/2005/8/layout/bList2"/>
-    <dgm:cxn modelId="{0B689F1C-FA16-4DD4-BD42-0D7128BFD383}" srcId="{FB8789B6-0444-4603-AEAB-2D02ACFCD7CA}" destId="{1525448E-D8AB-495B-B9D0-186A7C2B5731}" srcOrd="1" destOrd="0" parTransId="{3CED5F13-3246-46F0-B0E4-56D400D4411C}" sibTransId="{951B07C8-5625-4B27-AA3D-A4ECAE7E4709}"/>
-    <dgm:cxn modelId="{BA056E1F-7B09-4C26-AA09-18C3FA53C454}" type="presOf" srcId="{8B9DBA0C-297F-4153-AB4E-F6C5133570E7}" destId="{2CE9B22A-8D1D-4782-BFE6-4DDE3AEB11BF}" srcOrd="0" destOrd="0" presId="urn:microsoft.com/office/officeart/2005/8/layout/bList2"/>
-    <dgm:cxn modelId="{CFCCD8FF-2A75-4000-9324-5F10F8A8437A}" type="presOf" srcId="{C9BA539F-FAC1-4773-B73B-8E08B739C4B9}" destId="{D5049AFC-9707-4DBC-8BDD-A2A26376592A}" srcOrd="0" destOrd="0" presId="urn:microsoft.com/office/officeart/2005/8/layout/bList2"/>
-    <dgm:cxn modelId="{2D9FDED5-3497-473E-9B64-B2CBE05F3153}" type="presOf" srcId="{AC888093-4416-48FF-AE74-D898570BF359}" destId="{DC61F918-0D66-43D4-A810-548E7FB8E7A1}" srcOrd="0" destOrd="0" presId="urn:microsoft.com/office/officeart/2005/8/layout/bList2"/>
-    <dgm:cxn modelId="{053B67A9-FF36-4DDE-A6D5-D0E6E3751B31}" srcId="{6996BAD6-637C-484E-8284-38552B941EDD}" destId="{C4A5245C-A223-4734-9144-CCD8AC562FA1}" srcOrd="0" destOrd="0" parTransId="{83666F0D-ADB9-49F0-9EBF-D94FE51569A4}" sibTransId="{B06C21CF-BA5D-48B4-B74F-054256102C71}"/>
-    <dgm:cxn modelId="{0382DB31-A159-4D6A-BEEC-38B9E7057928}" type="presOf" srcId="{77970FF4-2135-4297-A73A-57F53800574C}" destId="{B75CCBEA-A2DA-45C2-80CD-FF8A1FE60543}" srcOrd="0" destOrd="1" presId="urn:microsoft.com/office/officeart/2005/8/layout/bList2"/>
-    <dgm:cxn modelId="{A73CAD19-3968-424C-84DD-6BC5127F2786}" srcId="{AC888093-4416-48FF-AE74-D898570BF359}" destId="{5B424229-9BD9-4730-B57C-1C1BF0D7B026}" srcOrd="1" destOrd="0" parTransId="{287B9A01-FEEB-44A0-A753-DFDEBA0016E9}" sibTransId="{86F05E20-D099-4F51-A69E-F659B82AEAF3}"/>
-    <dgm:cxn modelId="{F72D56F7-DF28-4891-96E9-0385CDFAF63C}" srcId="{944F5C5E-15DF-4AF5-B2F5-8901863886B4}" destId="{1952FD3C-EBD0-40E0-A927-E57211C747C9}" srcOrd="9" destOrd="0" parTransId="{BDD55622-85AC-4A56-98E3-06716F7D853D}" sibTransId="{8C4AFDB7-9E31-4277-AC0A-1D53E241F11A}"/>
-    <dgm:cxn modelId="{867FBF68-5063-4EE0-9B9B-7828037A5532}" type="presOf" srcId="{D311CF7F-F17F-4FBA-AA0E-12048A0E5690}" destId="{D853D8C2-E0C8-4F90-91EA-786545408879}" srcOrd="0" destOrd="1" presId="urn:microsoft.com/office/officeart/2005/8/layout/bList2"/>
-    <dgm:cxn modelId="{0830E8DD-AC5C-4889-A408-03A95CAF07C9}" srcId="{C9BA539F-FAC1-4773-B73B-8E08B739C4B9}" destId="{256B49A3-F9DB-4F2C-BFC9-15F8CCEDA242}" srcOrd="0" destOrd="0" parTransId="{A68638D8-361A-43F4-835E-0697E2DFFAED}" sibTransId="{B3C76673-5F1B-4DC0-807E-0CDBBE4D093B}"/>
-    <dgm:cxn modelId="{1B4D14A2-04E3-44E5-B765-C46E3F3857B6}" srcId="{8B9DBA0C-297F-4153-AB4E-F6C5133570E7}" destId="{1F261EE2-231E-44E2-AE25-A71B7EB8CBF0}" srcOrd="0" destOrd="0" parTransId="{48B6A5DE-6C71-42E9-A06F-1DB4590F4E63}" sibTransId="{B01C89DE-3A6A-420A-A182-05A1B5228620}"/>
-    <dgm:cxn modelId="{9AADBE94-63B0-4303-84D8-228CCF759343}" type="presOf" srcId="{0CFA2CC3-C4D1-4B98-8595-05BC8889CA4C}" destId="{FEFC49F0-1002-41CC-8541-7CD757666D35}" srcOrd="0" destOrd="0" presId="urn:microsoft.com/office/officeart/2005/8/layout/bList2"/>
-    <dgm:cxn modelId="{5D290812-1BF7-4DBF-976F-7565E20040BF}" type="presOf" srcId="{256B49A3-F9DB-4F2C-BFC9-15F8CCEDA242}" destId="{B75CCBEA-A2DA-45C2-80CD-FF8A1FE60543}" srcOrd="0" destOrd="0" presId="urn:microsoft.com/office/officeart/2005/8/layout/bList2"/>
-    <dgm:cxn modelId="{F600E6E9-C960-4F40-B41D-5B3397427BC2}" type="presOf" srcId="{B1096D3B-0A8E-41E8-B965-A90D6E3D5D8D}" destId="{B4062244-E435-4A83-BF14-C633A35AA45F}" srcOrd="0" destOrd="1" presId="urn:microsoft.com/office/officeart/2005/8/layout/bList2"/>
-    <dgm:cxn modelId="{7C199C34-C16C-4948-B4AD-F1759647BCE4}" type="presOf" srcId="{097C38C6-5512-4B94-9673-047C8E927ADF}" destId="{15E7639D-8B23-42A6-BD8A-CE7BA1AC75B9}" srcOrd="0" destOrd="0" presId="urn:microsoft.com/office/officeart/2005/8/layout/bList2"/>
-    <dgm:cxn modelId="{104BF20F-35BB-4124-A269-8544775EF153}" type="presOf" srcId="{AC888093-4416-48FF-AE74-D898570BF359}" destId="{1D756465-5B86-4E74-BE6A-16850F6E9514}" srcOrd="1" destOrd="0" presId="urn:microsoft.com/office/officeart/2005/8/layout/bList2"/>
-    <dgm:cxn modelId="{3A5E5D08-2AF5-4296-A308-B98F1D485896}" type="presOf" srcId="{8B9DBA0C-297F-4153-AB4E-F6C5133570E7}" destId="{320C1E14-01F0-4DEE-B3E2-1D7C2B034099}" srcOrd="1" destOrd="0" presId="urn:microsoft.com/office/officeart/2005/8/layout/bList2"/>
-    <dgm:cxn modelId="{7D6AE2BB-1FB9-4FEB-BAA7-1FE70407DE9F}" srcId="{1952FD3C-EBD0-40E0-A927-E57211C747C9}" destId="{2D9CDFDE-BB88-4DF0-AACA-0D5E3E25BE02}" srcOrd="0" destOrd="0" parTransId="{F1097E6B-7F72-453A-9E9F-8F1992E2441F}" sibTransId="{699E83C1-184C-4315-9D49-71332BB59620}"/>
-    <dgm:cxn modelId="{16033353-7992-4111-8515-3E9226E4B015}" type="presOf" srcId="{1525448E-D8AB-495B-B9D0-186A7C2B5731}" destId="{8C2B451B-6F08-4093-BEBB-CC4A0CFBCDD8}" srcOrd="0" destOrd="1" presId="urn:microsoft.com/office/officeart/2005/8/layout/bList2"/>
-    <dgm:cxn modelId="{721EC606-C2E1-4C3D-A611-A32C9D5D0FF3}" type="presOf" srcId="{1952FD3C-EBD0-40E0-A927-E57211C747C9}" destId="{057699E5-25FB-4021-A253-F4EDD5AEF4E7}" srcOrd="0" destOrd="0" presId="urn:microsoft.com/office/officeart/2005/8/layout/bList2"/>
-    <dgm:cxn modelId="{A0F01A86-AD30-435B-94ED-62A7ED7A5B0A}" type="presOf" srcId="{FB8789B6-0444-4603-AEAB-2D02ACFCD7CA}" destId="{DB31427A-01BC-4D02-9C7C-B5D6FD6F21E9}" srcOrd="0" destOrd="0" presId="urn:microsoft.com/office/officeart/2005/8/layout/bList2"/>
-    <dgm:cxn modelId="{C40EEF6B-A613-49D1-B264-AF88BF6EDA21}" srcId="{6996BAD6-637C-484E-8284-38552B941EDD}" destId="{36E0EA69-C9CE-43B3-8009-D9F595539014}" srcOrd="1" destOrd="0" parTransId="{460B4579-B870-4E43-BBEB-3E16DC00168F}" sibTransId="{DE21B01C-C42E-4043-89A2-0D7ECE89D496}"/>
-    <dgm:cxn modelId="{00E4E542-9AF0-4E39-9CA8-ED8B67E4568D}" type="presOf" srcId="{07B19E19-8EA3-4615-A2F5-CFAE07443C3A}" destId="{64F777EE-70B9-40FF-83EE-932E5587D93B}" srcOrd="0" destOrd="0" presId="urn:microsoft.com/office/officeart/2005/8/layout/bList2"/>
-    <dgm:cxn modelId="{5ABE7987-B56C-45CD-AE7A-F10B806CE247}" srcId="{A0519A28-DD5B-4345-9DB3-DEA6309762CE}" destId="{DE532163-8338-4F50-BD90-692325F14BD7}" srcOrd="2" destOrd="0" parTransId="{51576583-7FFF-4F35-9D3D-1409979E0074}" sibTransId="{21923EEF-DE32-4541-8FF2-DCF074832E19}"/>
-    <dgm:cxn modelId="{89679101-F2BE-4F0B-BAE5-9F39DEF13A9B}" type="presOf" srcId="{E1C73923-9676-459A-93D9-4F878295478D}" destId="{A999AC6A-1F69-4AF1-9D2F-37CE7AEAD4B2}" srcOrd="0" destOrd="0" presId="urn:microsoft.com/office/officeart/2005/8/layout/bList2"/>
-    <dgm:cxn modelId="{E40506D5-B49D-4CCE-84ED-CFC990788BBF}" type="presOf" srcId="{0BD4D64B-A6F5-4C13-A925-B438DEEDDD45}" destId="{40F12FF5-D1BB-4199-B455-7241D6FC8ECC}" srcOrd="0" destOrd="0" presId="urn:microsoft.com/office/officeart/2005/8/layout/bList2"/>
-    <dgm:cxn modelId="{CF97DB5B-65E1-4991-9ED9-7B8E44AD232C}" srcId="{097C38C6-5512-4B94-9673-047C8E927ADF}" destId="{A306397A-FD8A-4A92-9B05-B5BD5E5D21BA}" srcOrd="0" destOrd="0" parTransId="{D43180A0-C41F-4FC4-9C0F-6E5B1BAFBD59}" sibTransId="{140F001B-BEE5-4717-BBAE-20F870899868}"/>
-    <dgm:cxn modelId="{9FC60AA2-0FC7-4D28-BF85-5457E5F2D783}" type="presOf" srcId="{FB8789B6-0444-4603-AEAB-2D02ACFCD7CA}" destId="{ADDA6BFD-484D-4C59-866B-F1D25AF904F7}" srcOrd="1" destOrd="0" presId="urn:microsoft.com/office/officeart/2005/8/layout/bList2"/>
-    <dgm:cxn modelId="{6A0C563C-C47F-49D9-9614-9B3B9124EE56}" type="presOf" srcId="{17EACF50-53A6-43AE-93C4-0A6130CF57D0}" destId="{01ED4087-3B8E-47FE-B66D-F67EE6B65FD5}" srcOrd="0" destOrd="0" presId="urn:microsoft.com/office/officeart/2005/8/layout/bList2"/>
-    <dgm:cxn modelId="{0DB858A3-180A-44DC-BDCB-25F03ABAF9C4}" srcId="{0BD4D64B-A6F5-4C13-A925-B438DEEDDD45}" destId="{CF0E1081-A5A0-423E-B311-F4F5DA6C8D35}" srcOrd="0" destOrd="0" parTransId="{8D136886-24CD-4887-BC2A-5FDCBB436461}" sibTransId="{F63A997B-6C93-45F3-8181-7E5E0C72CEE3}"/>
-    <dgm:cxn modelId="{215E258C-8BF3-4386-8B4D-42D9733CBA80}" srcId="{944F5C5E-15DF-4AF5-B2F5-8901863886B4}" destId="{A0519A28-DD5B-4345-9DB3-DEA6309762CE}" srcOrd="3" destOrd="0" parTransId="{3450BB66-44AF-47FB-B20C-3B96084A5E23}" sibTransId="{484485F4-327F-4683-AE30-C6A3C816C884}"/>
-    <dgm:cxn modelId="{59440E3C-32AB-49D5-BF3E-6C4EC509F1B0}" type="presOf" srcId="{A56D34C8-0B3B-4D69-BB6E-FB2FE35D3DD5}" destId="{88B429D6-3E5F-44F3-BED1-4555888A5EEF}" srcOrd="0" destOrd="1" presId="urn:microsoft.com/office/officeart/2005/8/layout/bList2"/>
-    <dgm:cxn modelId="{19E50D93-C1A3-44F0-BEFF-07D722B204E6}" type="presOf" srcId="{36E0EA69-C9CE-43B3-8009-D9F595539014}" destId="{35D45351-E668-4707-A3D3-51FB4FB4AF95}" srcOrd="0" destOrd="1" presId="urn:microsoft.com/office/officeart/2005/8/layout/bList2"/>
-    <dgm:cxn modelId="{61085C7F-75EE-4A89-A9E7-AF8E5D273B2F}" srcId="{944F5C5E-15DF-4AF5-B2F5-8901863886B4}" destId="{FB8789B6-0444-4603-AEAB-2D02ACFCD7CA}" srcOrd="6" destOrd="0" parTransId="{32F1259E-07FE-4572-859E-A8D5A78BBFA2}" sibTransId="{F31A48A7-8D14-42B8-97EE-B5FAA0065B92}"/>
-    <dgm:cxn modelId="{D4EC6013-B0D4-4ED4-9CEA-4548205ED7A1}" srcId="{944F5C5E-15DF-4AF5-B2F5-8901863886B4}" destId="{097C38C6-5512-4B94-9673-047C8E927ADF}" srcOrd="5" destOrd="0" parTransId="{2567CA3C-4AE8-4655-9CB4-4564A304ED90}" sibTransId="{3CFE6C0B-AF1A-425F-B99A-5526FED0FFD8}"/>
-    <dgm:cxn modelId="{851C9C06-92B8-4B50-867C-2BE03D093094}" type="presOf" srcId="{1952FD3C-EBD0-40E0-A927-E57211C747C9}" destId="{AC103858-2B44-42E1-994E-604DB1225965}" srcOrd="1" destOrd="0" presId="urn:microsoft.com/office/officeart/2005/8/layout/bList2"/>
-    <dgm:cxn modelId="{743CA6C6-7BB0-4920-AB7E-1E372B230746}" type="presOf" srcId="{F31A48A7-8D14-42B8-97EE-B5FAA0065B92}" destId="{1DC35D28-A2AB-4BB6-9931-1C6DDCCE1BEF}" srcOrd="0" destOrd="0" presId="urn:microsoft.com/office/officeart/2005/8/layout/bList2"/>
-    <dgm:cxn modelId="{F7FE111A-AC88-4B2D-ABE6-4F276AC61C56}" type="presOf" srcId="{2D9CDFDE-BB88-4DF0-AACA-0D5E3E25BE02}" destId="{D853D8C2-E0C8-4F90-91EA-786545408879}" srcOrd="0" destOrd="0" presId="urn:microsoft.com/office/officeart/2005/8/layout/bList2"/>
-    <dgm:cxn modelId="{2CE73AC9-F7C8-46D8-AE1C-9387E947F560}" type="presOf" srcId="{804B3186-2F6C-432D-9628-4C5A774D7E51}" destId="{A999AC6A-1F69-4AF1-9D2F-37CE7AEAD4B2}" srcOrd="0" destOrd="2" presId="urn:microsoft.com/office/officeart/2005/8/layout/bList2"/>
-    <dgm:cxn modelId="{0E6D459A-D4FF-4504-8C3C-907B97A1EC7F}" type="presOf" srcId="{C9BA539F-FAC1-4773-B73B-8E08B739C4B9}" destId="{4C88545F-A2BE-4690-B2A9-8354CDFDD2F7}" srcOrd="1" destOrd="0" presId="urn:microsoft.com/office/officeart/2005/8/layout/bList2"/>
-    <dgm:cxn modelId="{AD0487D6-419F-409E-96BF-E58DA9562851}" type="presOf" srcId="{0BD4D64B-A6F5-4C13-A925-B438DEEDDD45}" destId="{333CF238-3B17-4D44-845C-78B4FF70C6AE}" srcOrd="1" destOrd="0" presId="urn:microsoft.com/office/officeart/2005/8/layout/bList2"/>
-    <dgm:cxn modelId="{FFCD5C5F-0831-4C40-AC68-BB7CAD856DAD}" srcId="{0BD4D64B-A6F5-4C13-A925-B438DEEDDD45}" destId="{C9C6F18B-53EF-4BC7-A519-C08556112F28}" srcOrd="1" destOrd="0" parTransId="{E70F5C11-8012-4EAB-A15C-6DAB66432E65}" sibTransId="{EEC3361C-BF2C-45DA-82CE-BC803D6DBB90}"/>
-    <dgm:cxn modelId="{69BB4675-7636-4FFE-85BB-E1487A571B57}" srcId="{944F5C5E-15DF-4AF5-B2F5-8901863886B4}" destId="{AC888093-4416-48FF-AE74-D898570BF359}" srcOrd="8" destOrd="0" parTransId="{F8D252F9-239C-4C97-BB7B-FDE295BDBD2B}" sibTransId="{17EACF50-53A6-43AE-93C4-0A6130CF57D0}"/>
-    <dgm:cxn modelId="{28BBA3E4-B396-486A-A3D5-8D43497F6A8F}" srcId="{097C38C6-5512-4B94-9673-047C8E927ADF}" destId="{A996C5A9-4947-4D29-B699-B26785264ED5}" srcOrd="1" destOrd="0" parTransId="{7242D98F-A396-4CEB-9169-8F02AE8BE390}" sibTransId="{F7BE18F4-2E59-4F81-AFC8-C3BA16AC6844}"/>
-    <dgm:cxn modelId="{E719A26F-79AE-4215-A380-83E80804B9E9}" srcId="{8B9DBA0C-297F-4153-AB4E-F6C5133570E7}" destId="{B1096D3B-0A8E-41E8-B965-A90D6E3D5D8D}" srcOrd="1" destOrd="0" parTransId="{1B0EC32B-512F-4515-9558-1F4C756F0E5D}" sibTransId="{BC1CB25D-367D-430D-910F-602AD2833874}"/>
-    <dgm:cxn modelId="{DA1E6485-3FDF-42B1-A3EE-D740DAB839FB}" srcId="{A0519A28-DD5B-4345-9DB3-DEA6309762CE}" destId="{4A9F798E-FA47-4AEE-8943-C87D6C8659ED}" srcOrd="0" destOrd="0" parTransId="{60986FDA-2A10-4FE6-B36A-27ACA41BA819}" sibTransId="{AFCB121A-1F3D-42B9-AEFF-E99C00F5F5D3}"/>
-    <dgm:cxn modelId="{0DA4DDE3-EF12-4F37-BF63-BD2EE7E34E18}" type="presParOf" srcId="{037FC8AB-3228-430C-8BD5-49F00BCE1B18}" destId="{B54EEFB0-D6F8-4919-9173-F7E25C88667D}" srcOrd="0" destOrd="0" presId="urn:microsoft.com/office/officeart/2005/8/layout/bList2"/>
-    <dgm:cxn modelId="{4FB4B1F1-42C9-40FC-BFBB-09EAA0D881C9}" type="presParOf" srcId="{B54EEFB0-D6F8-4919-9173-F7E25C88667D}" destId="{35D45351-E668-4707-A3D3-51FB4FB4AF95}" srcOrd="0" destOrd="0" presId="urn:microsoft.com/office/officeart/2005/8/layout/bList2"/>
-    <dgm:cxn modelId="{D4235BAB-3379-470E-A457-1E36F09815C6}" type="presParOf" srcId="{B54EEFB0-D6F8-4919-9173-F7E25C88667D}" destId="{78720607-78D3-4738-BAC1-313A3881A5ED}" srcOrd="1" destOrd="0" presId="urn:microsoft.com/office/officeart/2005/8/layout/bList2"/>
-    <dgm:cxn modelId="{EAE882A5-7365-4B21-A234-1FD86C26287A}" type="presParOf" srcId="{B54EEFB0-D6F8-4919-9173-F7E25C88667D}" destId="{D1AA0F5F-12AD-4C3A-8147-6725D9524E49}" srcOrd="2" destOrd="0" presId="urn:microsoft.com/office/officeart/2005/8/layout/bList2"/>
-    <dgm:cxn modelId="{733B6266-A035-40EB-96E4-6D5BC9B50236}" type="presParOf" srcId="{B54EEFB0-D6F8-4919-9173-F7E25C88667D}" destId="{70094C68-B5BE-40DE-82FF-6887C09E86A4}" srcOrd="3" destOrd="0" presId="urn:microsoft.com/office/officeart/2005/8/layout/bList2"/>
-    <dgm:cxn modelId="{3AE6718C-08AC-4DD4-8A9C-93D77DA946AE}" type="presParOf" srcId="{037FC8AB-3228-430C-8BD5-49F00BCE1B18}" destId="{FEFC49F0-1002-41CC-8541-7CD757666D35}" srcOrd="1" destOrd="0" presId="urn:microsoft.com/office/officeart/2005/8/layout/bList2"/>
-    <dgm:cxn modelId="{93E07C04-BBAF-4FD0-A348-009D4E0FEE3E}" type="presParOf" srcId="{037FC8AB-3228-430C-8BD5-49F00BCE1B18}" destId="{45D221F9-F353-4936-89E9-675545E33722}" srcOrd="2" destOrd="0" presId="urn:microsoft.com/office/officeart/2005/8/layout/bList2"/>
-    <dgm:cxn modelId="{AC12BE83-F676-42F6-920B-E8E0468AD8E9}" type="presParOf" srcId="{45D221F9-F353-4936-89E9-675545E33722}" destId="{FB986A98-5540-4BAC-ABC3-BF510E30DB8B}" srcOrd="0" destOrd="0" presId="urn:microsoft.com/office/officeart/2005/8/layout/bList2"/>
-    <dgm:cxn modelId="{C6D4200A-79C6-4B28-836F-8215EA005BB4}" type="presParOf" srcId="{45D221F9-F353-4936-89E9-675545E33722}" destId="{40F12FF5-D1BB-4199-B455-7241D6FC8ECC}" srcOrd="1" destOrd="0" presId="urn:microsoft.com/office/officeart/2005/8/layout/bList2"/>
-    <dgm:cxn modelId="{EE88FAD1-59E3-4CFF-B283-D51E1CA05CF8}" type="presParOf" srcId="{45D221F9-F353-4936-89E9-675545E33722}" destId="{333CF238-3B17-4D44-845C-78B4FF70C6AE}" srcOrd="2" destOrd="0" presId="urn:microsoft.com/office/officeart/2005/8/layout/bList2"/>
-    <dgm:cxn modelId="{069E2F93-FD27-42AE-85AB-199262574EA3}" type="presParOf" srcId="{45D221F9-F353-4936-89E9-675545E33722}" destId="{30E9A2AC-8E45-4E10-A1BA-20AA4AF28257}" srcOrd="3" destOrd="0" presId="urn:microsoft.com/office/officeart/2005/8/layout/bList2"/>
-    <dgm:cxn modelId="{DAA2F6B3-8FB1-419E-A267-EE4217438939}" type="presParOf" srcId="{037FC8AB-3228-430C-8BD5-49F00BCE1B18}" destId="{D3422584-9CF3-463A-B128-399F89DA7E9D}" srcOrd="3" destOrd="0" presId="urn:microsoft.com/office/officeart/2005/8/layout/bList2"/>
-    <dgm:cxn modelId="{2054887E-7F36-4DAF-A320-143990CAA78A}" type="presParOf" srcId="{037FC8AB-3228-430C-8BD5-49F00BCE1B18}" destId="{CDCCFAD0-46F0-4EE8-A977-6D4AD1B30A5D}" srcOrd="4" destOrd="0" presId="urn:microsoft.com/office/officeart/2005/8/layout/bList2"/>
-    <dgm:cxn modelId="{2379E74E-845A-48D9-9645-92F6ACE84593}" type="presParOf" srcId="{CDCCFAD0-46F0-4EE8-A977-6D4AD1B30A5D}" destId="{B4062244-E435-4A83-BF14-C633A35AA45F}" srcOrd="0" destOrd="0" presId="urn:microsoft.com/office/officeart/2005/8/layout/bList2"/>
-    <dgm:cxn modelId="{DA2AFB70-CF11-4B39-BB02-7523AC30BBA4}" type="presParOf" srcId="{CDCCFAD0-46F0-4EE8-A977-6D4AD1B30A5D}" destId="{2CE9B22A-8D1D-4782-BFE6-4DDE3AEB11BF}" srcOrd="1" destOrd="0" presId="urn:microsoft.com/office/officeart/2005/8/layout/bList2"/>
-    <dgm:cxn modelId="{54E05960-F2DB-4089-A2A6-D19CE16B5C6A}" type="presParOf" srcId="{CDCCFAD0-46F0-4EE8-A977-6D4AD1B30A5D}" destId="{320C1E14-01F0-4DEE-B3E2-1D7C2B034099}" srcOrd="2" destOrd="0" presId="urn:microsoft.com/office/officeart/2005/8/layout/bList2"/>
-    <dgm:cxn modelId="{0F7715F5-7BB4-4976-BCF3-53DF11AD0426}" type="presParOf" srcId="{CDCCFAD0-46F0-4EE8-A977-6D4AD1B30A5D}" destId="{B1E0855A-E74E-4EF5-A4E3-3CBB8277368D}" srcOrd="3" destOrd="0" presId="urn:microsoft.com/office/officeart/2005/8/layout/bList2"/>
-    <dgm:cxn modelId="{796965C8-028B-480A-8DAB-2EE9E99AA6B0}" type="presParOf" srcId="{037FC8AB-3228-430C-8BD5-49F00BCE1B18}" destId="{DD26E716-2F56-4580-ADBB-C444D367765B}" srcOrd="5" destOrd="0" presId="urn:microsoft.com/office/officeart/2005/8/layout/bList2"/>
-    <dgm:cxn modelId="{65A6EAFC-4F39-448B-A21B-5537FDC384D4}" type="presParOf" srcId="{037FC8AB-3228-430C-8BD5-49F00BCE1B18}" destId="{F72630D2-97C6-4748-ABB5-2F5378374C2E}" srcOrd="6" destOrd="0" presId="urn:microsoft.com/office/officeart/2005/8/layout/bList2"/>
-    <dgm:cxn modelId="{E6C8E0BB-C71F-430F-A187-80AC2A1A92FE}" type="presParOf" srcId="{F72630D2-97C6-4748-ABB5-2F5378374C2E}" destId="{72EFF0F2-E9BD-4176-93DA-7A69664A6B9B}" srcOrd="0" destOrd="0" presId="urn:microsoft.com/office/officeart/2005/8/layout/bList2"/>
-    <dgm:cxn modelId="{E233D24A-EDE1-452E-8CA4-33E5A3AAB128}" type="presParOf" srcId="{F72630D2-97C6-4748-ABB5-2F5378374C2E}" destId="{19B860F0-6FCD-480C-A460-A6B50608D078}" srcOrd="1" destOrd="0" presId="urn:microsoft.com/office/officeart/2005/8/layout/bList2"/>
-    <dgm:cxn modelId="{34A88504-F7AD-44AD-9C76-16D103C4E529}" type="presParOf" srcId="{F72630D2-97C6-4748-ABB5-2F5378374C2E}" destId="{318AACCD-F906-45D1-AD28-0DB3AC3F4751}" srcOrd="2" destOrd="0" presId="urn:microsoft.com/office/officeart/2005/8/layout/bList2"/>
-    <dgm:cxn modelId="{28E9FE8F-9F86-4BED-BC29-F7848ACBCBD0}" type="presParOf" srcId="{F72630D2-97C6-4748-ABB5-2F5378374C2E}" destId="{16755752-A2E2-4948-A3C1-57FCA8A78CE0}" srcOrd="3" destOrd="0" presId="urn:microsoft.com/office/officeart/2005/8/layout/bList2"/>
-    <dgm:cxn modelId="{97AE8F38-BDC3-43D8-BAA0-660059AE89D1}" type="presParOf" srcId="{037FC8AB-3228-430C-8BD5-49F00BCE1B18}" destId="{3447EB20-3484-4B16-AB09-CD30073B76C2}" srcOrd="7" destOrd="0" presId="urn:microsoft.com/office/officeart/2005/8/layout/bList2"/>
-    <dgm:cxn modelId="{DD4C1FAA-E517-452D-AFB0-D51322C8F4F3}" type="presParOf" srcId="{037FC8AB-3228-430C-8BD5-49F00BCE1B18}" destId="{8383B565-0029-4497-9C43-BD4E614FBDF3}" srcOrd="8" destOrd="0" presId="urn:microsoft.com/office/officeart/2005/8/layout/bList2"/>
-    <dgm:cxn modelId="{D5211556-4AB4-4B8A-B341-E452B421AC5D}" type="presParOf" srcId="{8383B565-0029-4497-9C43-BD4E614FBDF3}" destId="{88B429D6-3E5F-44F3-BED1-4555888A5EEF}" srcOrd="0" destOrd="0" presId="urn:microsoft.com/office/officeart/2005/8/layout/bList2"/>
-    <dgm:cxn modelId="{B60BBC49-6069-4BE7-A45A-624DB020EAA9}" type="presParOf" srcId="{8383B565-0029-4497-9C43-BD4E614FBDF3}" destId="{9B8D5D73-4F0B-4727-B2A6-9ADD2963B38E}" srcOrd="1" destOrd="0" presId="urn:microsoft.com/office/officeart/2005/8/layout/bList2"/>
-    <dgm:cxn modelId="{816F506F-BD70-421F-AF66-4C956BC9A60D}" type="presParOf" srcId="{8383B565-0029-4497-9C43-BD4E614FBDF3}" destId="{64C58537-A40B-4953-A8D7-BF3769C7CD9D}" srcOrd="2" destOrd="0" presId="urn:microsoft.com/office/officeart/2005/8/layout/bList2"/>
-    <dgm:cxn modelId="{7E1FC46F-2F10-4E36-8E45-66C08D42817C}" type="presParOf" srcId="{8383B565-0029-4497-9C43-BD4E614FBDF3}" destId="{69505C7F-AC53-4160-91C5-A38461B726EA}" srcOrd="3" destOrd="0" presId="urn:microsoft.com/office/officeart/2005/8/layout/bList2"/>
-    <dgm:cxn modelId="{446EB574-7E70-407C-9ADA-7FCDDEDBEC07}" type="presParOf" srcId="{037FC8AB-3228-430C-8BD5-49F00BCE1B18}" destId="{6C0FC4BC-C733-495E-BF23-3A0FB53B51F2}" srcOrd="9" destOrd="0" presId="urn:microsoft.com/office/officeart/2005/8/layout/bList2"/>
-    <dgm:cxn modelId="{9F159F23-A545-4762-8111-0042C4DE7F2C}" type="presParOf" srcId="{037FC8AB-3228-430C-8BD5-49F00BCE1B18}" destId="{2CEF3599-95D0-4FF5-B469-C5BA21AD5AD8}" srcOrd="10" destOrd="0" presId="urn:microsoft.com/office/officeart/2005/8/layout/bList2"/>
-    <dgm:cxn modelId="{3FDA1034-9F9C-42EA-9FAD-480B320EB225}" type="presParOf" srcId="{2CEF3599-95D0-4FF5-B469-C5BA21AD5AD8}" destId="{C174BB0B-CC4F-4673-A7E4-45B9416E2CBE}" srcOrd="0" destOrd="0" presId="urn:microsoft.com/office/officeart/2005/8/layout/bList2"/>
-    <dgm:cxn modelId="{C225E4DA-D09D-4DE7-9C9B-D8E85CCEEC7E}" type="presParOf" srcId="{2CEF3599-95D0-4FF5-B469-C5BA21AD5AD8}" destId="{15E7639D-8B23-42A6-BD8A-CE7BA1AC75B9}" srcOrd="1" destOrd="0" presId="urn:microsoft.com/office/officeart/2005/8/layout/bList2"/>
-    <dgm:cxn modelId="{69CA7D3C-4A71-43BD-A306-12B03EE51C80}" type="presParOf" srcId="{2CEF3599-95D0-4FF5-B469-C5BA21AD5AD8}" destId="{6A797303-0B30-43AA-814B-4026A142F97D}" srcOrd="2" destOrd="0" presId="urn:microsoft.com/office/officeart/2005/8/layout/bList2"/>
-    <dgm:cxn modelId="{B6399DF2-22A1-49F7-9A2F-6F8023A0D465}" type="presParOf" srcId="{2CEF3599-95D0-4FF5-B469-C5BA21AD5AD8}" destId="{359DE6A7-69BC-4356-8D93-D3CE4642CF44}" srcOrd="3" destOrd="0" presId="urn:microsoft.com/office/officeart/2005/8/layout/bList2"/>
-    <dgm:cxn modelId="{76BE3DC8-C899-41C9-BCA2-2ADE5CFE4A44}" type="presParOf" srcId="{037FC8AB-3228-430C-8BD5-49F00BCE1B18}" destId="{7106B1BE-5DC8-4244-A4CF-5D46693A9569}" srcOrd="11" destOrd="0" presId="urn:microsoft.com/office/officeart/2005/8/layout/bList2"/>
-    <dgm:cxn modelId="{6CB97BC3-9717-4428-A41C-ECFC58CAFAB5}" type="presParOf" srcId="{037FC8AB-3228-430C-8BD5-49F00BCE1B18}" destId="{D41196FA-46D1-409A-9A39-275B633AE9CF}" srcOrd="12" destOrd="0" presId="urn:microsoft.com/office/officeart/2005/8/layout/bList2"/>
-    <dgm:cxn modelId="{ABDFF04F-7D3A-4BE8-A640-0B1BA019FD5C}" type="presParOf" srcId="{D41196FA-46D1-409A-9A39-275B633AE9CF}" destId="{8C2B451B-6F08-4093-BEBB-CC4A0CFBCDD8}" srcOrd="0" destOrd="0" presId="urn:microsoft.com/office/officeart/2005/8/layout/bList2"/>
-    <dgm:cxn modelId="{A9B26FBB-91A7-4D2E-A3E3-5C61194858B0}" type="presParOf" srcId="{D41196FA-46D1-409A-9A39-275B633AE9CF}" destId="{DB31427A-01BC-4D02-9C7C-B5D6FD6F21E9}" srcOrd="1" destOrd="0" presId="urn:microsoft.com/office/officeart/2005/8/layout/bList2"/>
-    <dgm:cxn modelId="{3414A4E6-64DE-41A8-99F5-F646DE0E464A}" type="presParOf" srcId="{D41196FA-46D1-409A-9A39-275B633AE9CF}" destId="{ADDA6BFD-484D-4C59-866B-F1D25AF904F7}" srcOrd="2" destOrd="0" presId="urn:microsoft.com/office/officeart/2005/8/layout/bList2"/>
-    <dgm:cxn modelId="{AAAB02E3-F2CF-4ECE-AA12-23D78EAD8E6E}" type="presParOf" srcId="{D41196FA-46D1-409A-9A39-275B633AE9CF}" destId="{BB317E2A-2D58-4106-934F-264CB3235CAE}" srcOrd="3" destOrd="0" presId="urn:microsoft.com/office/officeart/2005/8/layout/bList2"/>
-    <dgm:cxn modelId="{D4C01162-8F94-4305-B7DD-6D39F6432ADD}" type="presParOf" srcId="{037FC8AB-3228-430C-8BD5-49F00BCE1B18}" destId="{1DC35D28-A2AB-4BB6-9931-1C6DDCCE1BEF}" srcOrd="13" destOrd="0" presId="urn:microsoft.com/office/officeart/2005/8/layout/bList2"/>
-    <dgm:cxn modelId="{1A4BB265-FBB8-45BA-AFE3-49991719ACEB}" type="presParOf" srcId="{037FC8AB-3228-430C-8BD5-49F00BCE1B18}" destId="{67868EEC-8661-4389-AE45-E9F4258CC762}" srcOrd="14" destOrd="0" presId="urn:microsoft.com/office/officeart/2005/8/layout/bList2"/>
-    <dgm:cxn modelId="{E3AA6F1D-B3B8-4542-AAA9-3A12145963B1}" type="presParOf" srcId="{67868EEC-8661-4389-AE45-E9F4258CC762}" destId="{B75CCBEA-A2DA-45C2-80CD-FF8A1FE60543}" srcOrd="0" destOrd="0" presId="urn:microsoft.com/office/officeart/2005/8/layout/bList2"/>
-    <dgm:cxn modelId="{B1EA4423-8AD4-4387-88F9-0249E8521135}" type="presParOf" srcId="{67868EEC-8661-4389-AE45-E9F4258CC762}" destId="{D5049AFC-9707-4DBC-8BDD-A2A26376592A}" srcOrd="1" destOrd="0" presId="urn:microsoft.com/office/officeart/2005/8/layout/bList2"/>
-    <dgm:cxn modelId="{FFC99509-F592-4137-9EEA-2071B0E982F2}" type="presParOf" srcId="{67868EEC-8661-4389-AE45-E9F4258CC762}" destId="{4C88545F-A2BE-4690-B2A9-8354CDFDD2F7}" srcOrd="2" destOrd="0" presId="urn:microsoft.com/office/officeart/2005/8/layout/bList2"/>
-    <dgm:cxn modelId="{B01DB7B1-8F4F-46C1-AF08-B26DD741837F}" type="presParOf" srcId="{67868EEC-8661-4389-AE45-E9F4258CC762}" destId="{34B0F557-D18B-4A4F-891B-956D2B2781A3}" srcOrd="3" destOrd="0" presId="urn:microsoft.com/office/officeart/2005/8/layout/bList2"/>
-    <dgm:cxn modelId="{B56D4E2F-0022-41B1-B2FB-328C931AC954}" type="presParOf" srcId="{037FC8AB-3228-430C-8BD5-49F00BCE1B18}" destId="{64F777EE-70B9-40FF-83EE-932E5587D93B}" srcOrd="15" destOrd="0" presId="urn:microsoft.com/office/officeart/2005/8/layout/bList2"/>
-    <dgm:cxn modelId="{0E60D785-2630-4D21-9B3B-F55FF55F2231}" type="presParOf" srcId="{037FC8AB-3228-430C-8BD5-49F00BCE1B18}" destId="{61894268-2952-4D46-9A40-5A1CEC231C73}" srcOrd="16" destOrd="0" presId="urn:microsoft.com/office/officeart/2005/8/layout/bList2"/>
-    <dgm:cxn modelId="{D87DB0AC-79EA-47BF-B755-A3BBE26F0EDC}" type="presParOf" srcId="{61894268-2952-4D46-9A40-5A1CEC231C73}" destId="{A999AC6A-1F69-4AF1-9D2F-37CE7AEAD4B2}" srcOrd="0" destOrd="0" presId="urn:microsoft.com/office/officeart/2005/8/layout/bList2"/>
-    <dgm:cxn modelId="{D8CE73F2-1B30-44DD-B690-94478E29B42B}" type="presParOf" srcId="{61894268-2952-4D46-9A40-5A1CEC231C73}" destId="{DC61F918-0D66-43D4-A810-548E7FB8E7A1}" srcOrd="1" destOrd="0" presId="urn:microsoft.com/office/officeart/2005/8/layout/bList2"/>
-    <dgm:cxn modelId="{702FBCCA-AC0A-4E96-A958-08DB68BD3CBC}" type="presParOf" srcId="{61894268-2952-4D46-9A40-5A1CEC231C73}" destId="{1D756465-5B86-4E74-BE6A-16850F6E9514}" srcOrd="2" destOrd="0" presId="urn:microsoft.com/office/officeart/2005/8/layout/bList2"/>
-    <dgm:cxn modelId="{532FDE3C-42FB-43C9-8AA9-20AE5E0D1FD5}" type="presParOf" srcId="{61894268-2952-4D46-9A40-5A1CEC231C73}" destId="{FB65B613-FDC2-4F18-873F-B3A154F7780B}" srcOrd="3" destOrd="0" presId="urn:microsoft.com/office/officeart/2005/8/layout/bList2"/>
-    <dgm:cxn modelId="{2B911E23-6681-43AC-8EEF-CA6A1A6CAC17}" type="presParOf" srcId="{037FC8AB-3228-430C-8BD5-49F00BCE1B18}" destId="{01ED4087-3B8E-47FE-B66D-F67EE6B65FD5}" srcOrd="17" destOrd="0" presId="urn:microsoft.com/office/officeart/2005/8/layout/bList2"/>
-    <dgm:cxn modelId="{46B1D5B4-AF71-470A-9037-92D9BD0000E4}" type="presParOf" srcId="{037FC8AB-3228-430C-8BD5-49F00BCE1B18}" destId="{6E1D1463-23FF-4FDA-AEF9-9C446869148D}" srcOrd="18" destOrd="0" presId="urn:microsoft.com/office/officeart/2005/8/layout/bList2"/>
-    <dgm:cxn modelId="{9EE105D6-9427-43DD-BC91-9CB3F70327A5}" type="presParOf" srcId="{6E1D1463-23FF-4FDA-AEF9-9C446869148D}" destId="{D853D8C2-E0C8-4F90-91EA-786545408879}" srcOrd="0" destOrd="0" presId="urn:microsoft.com/office/officeart/2005/8/layout/bList2"/>
-    <dgm:cxn modelId="{568A20F6-3F2C-4B22-AE84-48ABE88CC796}" type="presParOf" srcId="{6E1D1463-23FF-4FDA-AEF9-9C446869148D}" destId="{057699E5-25FB-4021-A253-F4EDD5AEF4E7}" srcOrd="1" destOrd="0" presId="urn:microsoft.com/office/officeart/2005/8/layout/bList2"/>
-    <dgm:cxn modelId="{3B3A26F4-1C1C-480B-9447-98F0B2A8E7FB}" type="presParOf" srcId="{6E1D1463-23FF-4FDA-AEF9-9C446869148D}" destId="{AC103858-2B44-42E1-994E-604DB1225965}" srcOrd="2" destOrd="0" presId="urn:microsoft.com/office/officeart/2005/8/layout/bList2"/>
-    <dgm:cxn modelId="{495F557B-590E-4DAD-BDC3-07786B100906}" type="presParOf" srcId="{6E1D1463-23FF-4FDA-AEF9-9C446869148D}" destId="{4ABB3540-DAAD-467E-8283-9C7852BBC395}" srcOrd="3" destOrd="0" presId="urn:microsoft.com/office/officeart/2005/8/layout/bList2"/>
-  </dgm:cxnLst>
-  <dgm:bg/>
-  <dgm:whole/>
-  <dgm:extLst>
-    <a:ext uri="http://schemas.microsoft.com/office/drawing/2008/diagram">
-      <dsp:dataModelExt xmlns:dsp="http://schemas.microsoft.com/office/drawing/2008/diagram" relId="rId6" minVer="http://schemas.openxmlformats.org/drawingml/2006/diagram"/>
-    </a:ext>
-  </dgm:extLst>
-</dgm:dataModel>
-</file>
-
 <file path=ppt/diagrams/drawing1.xml><?xml version="1.0" encoding="utf-8"?>
 <dsp:drawing xmlns:dgm="http://schemas.openxmlformats.org/drawingml/2006/diagram" xmlns:dsp="http://schemas.microsoft.com/office/drawing/2008/diagram" xmlns:a="http://schemas.openxmlformats.org/drawingml/2006/main">
   <dsp:spTree>
@@ -11010,2345 +9088,6 @@
 </dsp:drawing>
 </file>
 
-<file path=ppt/diagrams/drawing5.xml><?xml version="1.0" encoding="utf-8"?>
-<dsp:drawing xmlns:dgm="http://schemas.openxmlformats.org/drawingml/2006/diagram" xmlns:dsp="http://schemas.microsoft.com/office/drawing/2008/diagram" xmlns:a="http://schemas.openxmlformats.org/drawingml/2006/main">
-  <dsp:spTree>
-    <dsp:nvGrpSpPr>
-      <dsp:cNvPr id="0" name=""/>
-      <dsp:cNvGrpSpPr/>
-    </dsp:nvGrpSpPr>
-    <dsp:grpSpPr/>
-    <dsp:sp modelId="{35D45351-E668-4707-A3D3-51FB4FB4AF95}">
-      <dsp:nvSpPr>
-        <dsp:cNvPr id="0" name=""/>
-        <dsp:cNvSpPr/>
-      </dsp:nvSpPr>
-      <dsp:spPr>
-        <a:xfrm>
-          <a:off x="175514" y="3703"/>
-          <a:ext cx="1626769" cy="1214349"/>
-        </a:xfrm>
-        <a:prstGeom prst="round2SameRect">
-          <a:avLst>
-            <a:gd name="adj1" fmla="val 8000"/>
-            <a:gd name="adj2" fmla="val 0"/>
-          </a:avLst>
-        </a:prstGeom>
-        <a:solidFill>
-          <a:schemeClr val="lt1">
-            <a:alpha val="90000"/>
-            <a:hueOff val="0"/>
-            <a:satOff val="0"/>
-            <a:lumOff val="0"/>
-            <a:alphaOff val="0"/>
-          </a:schemeClr>
-        </a:solidFill>
-        <a:ln w="15875" cap="flat" cmpd="sng" algn="ctr">
-          <a:solidFill>
-            <a:schemeClr val="accent1">
-              <a:hueOff val="0"/>
-              <a:satOff val="0"/>
-              <a:lumOff val="0"/>
-              <a:alphaOff val="0"/>
-            </a:schemeClr>
-          </a:solidFill>
-          <a:prstDash val="solid"/>
-        </a:ln>
-        <a:effectLst/>
-      </dsp:spPr>
-      <dsp:style>
-        <a:lnRef idx="2">
-          <a:scrgbClr r="0" g="0" b="0"/>
-        </a:lnRef>
-        <a:fillRef idx="1">
-          <a:scrgbClr r="0" g="0" b="0"/>
-        </a:fillRef>
-        <a:effectRef idx="0">
-          <a:scrgbClr r="0" g="0" b="0"/>
-        </a:effectRef>
-        <a:fontRef idx="minor"/>
-      </dsp:style>
-      <dsp:txBody>
-        <a:bodyPr spcFirstLastPara="0" vert="horz" wrap="square" lIns="25400" tIns="76200" rIns="25400" bIns="25400" numCol="1" spcCol="1270" anchor="t" anchorCtr="0">
-          <a:noAutofit/>
-        </a:bodyPr>
-        <a:lstStyle/>
-        <a:p>
-          <a:pPr marL="228600" lvl="1" indent="-228600" algn="l" defTabSz="889000">
-            <a:lnSpc>
-              <a:spcPct val="90000"/>
-            </a:lnSpc>
-            <a:spcBef>
-              <a:spcPct val="0"/>
-            </a:spcBef>
-            <a:spcAft>
-              <a:spcPct val="15000"/>
-            </a:spcAft>
-            <a:buChar char="••"/>
-          </a:pPr>
-          <a:r>
-            <a:rPr lang="id-ID" sz="2000" kern="1200" dirty="0" smtClean="0"/>
-            <a:t>Ainurrofik</a:t>
-          </a:r>
-          <a:endParaRPr lang="en-US" sz="2000" kern="1200" dirty="0"/>
-        </a:p>
-        <a:p>
-          <a:pPr marL="228600" lvl="1" indent="-228600" algn="l" defTabSz="889000">
-            <a:lnSpc>
-              <a:spcPct val="90000"/>
-            </a:lnSpc>
-            <a:spcBef>
-              <a:spcPct val="0"/>
-            </a:spcBef>
-            <a:spcAft>
-              <a:spcPct val="15000"/>
-            </a:spcAft>
-            <a:buChar char="••"/>
-          </a:pPr>
-          <a:r>
-            <a:rPr lang="id-ID" sz="2000" kern="1200" dirty="0" smtClean="0"/>
-            <a:t>Deni A.</a:t>
-          </a:r>
-          <a:endParaRPr lang="en-US" sz="2000" kern="1200" dirty="0"/>
-        </a:p>
-      </dsp:txBody>
-      <dsp:txXfrm>
-        <a:off x="203968" y="32157"/>
-        <a:ext cx="1569861" cy="1185895"/>
-      </dsp:txXfrm>
-    </dsp:sp>
-    <dsp:sp modelId="{D1AA0F5F-12AD-4C3A-8147-6725D9524E49}">
-      <dsp:nvSpPr>
-        <dsp:cNvPr id="0" name=""/>
-        <dsp:cNvSpPr/>
-      </dsp:nvSpPr>
-      <dsp:spPr>
-        <a:xfrm>
-          <a:off x="175514" y="1218052"/>
-          <a:ext cx="1626769" cy="522170"/>
-        </a:xfrm>
-        <a:prstGeom prst="rect">
-          <a:avLst/>
-        </a:prstGeom>
-        <a:solidFill>
-          <a:schemeClr val="accent1">
-            <a:hueOff val="0"/>
-            <a:satOff val="0"/>
-            <a:lumOff val="0"/>
-            <a:alphaOff val="0"/>
-          </a:schemeClr>
-        </a:solidFill>
-        <a:ln w="15875" cap="flat" cmpd="sng" algn="ctr">
-          <a:solidFill>
-            <a:schemeClr val="accent1">
-              <a:hueOff val="0"/>
-              <a:satOff val="0"/>
-              <a:lumOff val="0"/>
-              <a:alphaOff val="0"/>
-            </a:schemeClr>
-          </a:solidFill>
-          <a:prstDash val="solid"/>
-        </a:ln>
-        <a:effectLst/>
-      </dsp:spPr>
-      <dsp:style>
-        <a:lnRef idx="2">
-          <a:scrgbClr r="0" g="0" b="0"/>
-        </a:lnRef>
-        <a:fillRef idx="1">
-          <a:scrgbClr r="0" g="0" b="0"/>
-        </a:fillRef>
-        <a:effectRef idx="0">
-          <a:scrgbClr r="0" g="0" b="0"/>
-        </a:effectRef>
-        <a:fontRef idx="minor">
-          <a:schemeClr val="lt1"/>
-        </a:fontRef>
-      </dsp:style>
-      <dsp:txBody>
-        <a:bodyPr spcFirstLastPara="0" vert="horz" wrap="square" lIns="72390" tIns="0" rIns="24130" bIns="0" numCol="1" spcCol="1270" anchor="ctr" anchorCtr="0">
-          <a:noAutofit/>
-        </a:bodyPr>
-        <a:lstStyle/>
-        <a:p>
-          <a:pPr lvl="0" algn="l" defTabSz="844550">
-            <a:lnSpc>
-              <a:spcPct val="90000"/>
-            </a:lnSpc>
-            <a:spcBef>
-              <a:spcPct val="0"/>
-            </a:spcBef>
-            <a:spcAft>
-              <a:spcPct val="35000"/>
-            </a:spcAft>
-          </a:pPr>
-          <a:r>
-            <a:rPr lang="id-ID" sz="1900" kern="1200" dirty="0" smtClean="0"/>
-            <a:t>Adapter</a:t>
-          </a:r>
-          <a:endParaRPr lang="en-US" sz="1900" kern="1200" dirty="0"/>
-        </a:p>
-      </dsp:txBody>
-      <dsp:txXfrm>
-        <a:off x="175514" y="1218052"/>
-        <a:ext cx="1145612" cy="522170"/>
-      </dsp:txXfrm>
-    </dsp:sp>
-    <dsp:sp modelId="{70094C68-B5BE-40DE-82FF-6887C09E86A4}">
-      <dsp:nvSpPr>
-        <dsp:cNvPr id="0" name=""/>
-        <dsp:cNvSpPr/>
-      </dsp:nvSpPr>
-      <dsp:spPr>
-        <a:xfrm>
-          <a:off x="1367145" y="1300994"/>
-          <a:ext cx="569369" cy="569369"/>
-        </a:xfrm>
-        <a:prstGeom prst="ellipse">
-          <a:avLst/>
-        </a:prstGeom>
-        <a:solidFill>
-          <a:schemeClr val="accent1">
-            <a:alpha val="90000"/>
-            <a:tint val="40000"/>
-            <a:hueOff val="0"/>
-            <a:satOff val="0"/>
-            <a:lumOff val="0"/>
-            <a:alphaOff val="0"/>
-          </a:schemeClr>
-        </a:solidFill>
-        <a:ln w="15875" cap="flat" cmpd="sng" algn="ctr">
-          <a:solidFill>
-            <a:schemeClr val="accent1">
-              <a:alpha val="90000"/>
-              <a:tint val="40000"/>
-              <a:hueOff val="0"/>
-              <a:satOff val="0"/>
-              <a:lumOff val="0"/>
-              <a:alphaOff val="0"/>
-            </a:schemeClr>
-          </a:solidFill>
-          <a:prstDash val="solid"/>
-        </a:ln>
-        <a:effectLst/>
-      </dsp:spPr>
-      <dsp:style>
-        <a:lnRef idx="2">
-          <a:scrgbClr r="0" g="0" b="0"/>
-        </a:lnRef>
-        <a:fillRef idx="1">
-          <a:scrgbClr r="0" g="0" b="0"/>
-        </a:fillRef>
-        <a:effectRef idx="0">
-          <a:scrgbClr r="0" g="0" b="0"/>
-        </a:effectRef>
-        <a:fontRef idx="minor"/>
-      </dsp:style>
-    </dsp:sp>
-    <dsp:sp modelId="{FB986A98-5540-4BAC-ABC3-BF510E30DB8B}">
-      <dsp:nvSpPr>
-        <dsp:cNvPr id="0" name=""/>
-        <dsp:cNvSpPr/>
-      </dsp:nvSpPr>
-      <dsp:spPr>
-        <a:xfrm>
-          <a:off x="2077572" y="3703"/>
-          <a:ext cx="1626769" cy="1214349"/>
-        </a:xfrm>
-        <a:prstGeom prst="round2SameRect">
-          <a:avLst>
-            <a:gd name="adj1" fmla="val 8000"/>
-            <a:gd name="adj2" fmla="val 0"/>
-          </a:avLst>
-        </a:prstGeom>
-        <a:solidFill>
-          <a:schemeClr val="lt1">
-            <a:alpha val="90000"/>
-            <a:hueOff val="0"/>
-            <a:satOff val="0"/>
-            <a:lumOff val="0"/>
-            <a:alphaOff val="0"/>
-          </a:schemeClr>
-        </a:solidFill>
-        <a:ln w="15875" cap="flat" cmpd="sng" algn="ctr">
-          <a:solidFill>
-            <a:schemeClr val="accent1">
-              <a:hueOff val="0"/>
-              <a:satOff val="0"/>
-              <a:lumOff val="0"/>
-              <a:alphaOff val="0"/>
-            </a:schemeClr>
-          </a:solidFill>
-          <a:prstDash val="solid"/>
-        </a:ln>
-        <a:effectLst/>
-      </dsp:spPr>
-      <dsp:style>
-        <a:lnRef idx="2">
-          <a:scrgbClr r="0" g="0" b="0"/>
-        </a:lnRef>
-        <a:fillRef idx="1">
-          <a:scrgbClr r="0" g="0" b="0"/>
-        </a:fillRef>
-        <a:effectRef idx="0">
-          <a:scrgbClr r="0" g="0" b="0"/>
-        </a:effectRef>
-        <a:fontRef idx="minor"/>
-      </dsp:style>
-      <dsp:txBody>
-        <a:bodyPr spcFirstLastPara="0" vert="horz" wrap="square" lIns="25400" tIns="76200" rIns="25400" bIns="25400" numCol="1" spcCol="1270" anchor="t" anchorCtr="0">
-          <a:noAutofit/>
-        </a:bodyPr>
-        <a:lstStyle/>
-        <a:p>
-          <a:pPr marL="228600" lvl="1" indent="-228600" algn="l" defTabSz="889000">
-            <a:lnSpc>
-              <a:spcPct val="90000"/>
-            </a:lnSpc>
-            <a:spcBef>
-              <a:spcPct val="0"/>
-            </a:spcBef>
-            <a:spcAft>
-              <a:spcPct val="15000"/>
-            </a:spcAft>
-            <a:buChar char="••"/>
-          </a:pPr>
-          <a:r>
-            <a:rPr lang="id-ID" sz="2000" kern="1200" dirty="0" smtClean="0"/>
-            <a:t>Rizki A.A.</a:t>
-          </a:r>
-          <a:endParaRPr lang="en-US" sz="2000" kern="1200" dirty="0"/>
-        </a:p>
-        <a:p>
-          <a:pPr marL="228600" lvl="1" indent="-228600" algn="l" defTabSz="889000">
-            <a:lnSpc>
-              <a:spcPct val="90000"/>
-            </a:lnSpc>
-            <a:spcBef>
-              <a:spcPct val="0"/>
-            </a:spcBef>
-            <a:spcAft>
-              <a:spcPct val="15000"/>
-            </a:spcAft>
-            <a:buChar char="••"/>
-          </a:pPr>
-          <a:r>
-            <a:rPr lang="id-ID" sz="2000" kern="1200" dirty="0" smtClean="0"/>
-            <a:t>Ayu R.W.</a:t>
-          </a:r>
-          <a:endParaRPr lang="en-US" sz="2000" kern="1200" dirty="0"/>
-        </a:p>
-      </dsp:txBody>
-      <dsp:txXfrm>
-        <a:off x="2106026" y="32157"/>
-        <a:ext cx="1569861" cy="1185895"/>
-      </dsp:txXfrm>
-    </dsp:sp>
-    <dsp:sp modelId="{333CF238-3B17-4D44-845C-78B4FF70C6AE}">
-      <dsp:nvSpPr>
-        <dsp:cNvPr id="0" name=""/>
-        <dsp:cNvSpPr/>
-      </dsp:nvSpPr>
-      <dsp:spPr>
-        <a:xfrm>
-          <a:off x="2077572" y="1218052"/>
-          <a:ext cx="1626769" cy="522170"/>
-        </a:xfrm>
-        <a:prstGeom prst="rect">
-          <a:avLst/>
-        </a:prstGeom>
-        <a:solidFill>
-          <a:schemeClr val="accent1">
-            <a:hueOff val="0"/>
-            <a:satOff val="0"/>
-            <a:lumOff val="0"/>
-            <a:alphaOff val="0"/>
-          </a:schemeClr>
-        </a:solidFill>
-        <a:ln w="15875" cap="flat" cmpd="sng" algn="ctr">
-          <a:solidFill>
-            <a:schemeClr val="accent1">
-              <a:hueOff val="0"/>
-              <a:satOff val="0"/>
-              <a:lumOff val="0"/>
-              <a:alphaOff val="0"/>
-            </a:schemeClr>
-          </a:solidFill>
-          <a:prstDash val="solid"/>
-        </a:ln>
-        <a:effectLst/>
-      </dsp:spPr>
-      <dsp:style>
-        <a:lnRef idx="2">
-          <a:scrgbClr r="0" g="0" b="0"/>
-        </a:lnRef>
-        <a:fillRef idx="1">
-          <a:scrgbClr r="0" g="0" b="0"/>
-        </a:fillRef>
-        <a:effectRef idx="0">
-          <a:scrgbClr r="0" g="0" b="0"/>
-        </a:effectRef>
-        <a:fontRef idx="minor">
-          <a:schemeClr val="lt1"/>
-        </a:fontRef>
-      </dsp:style>
-      <dsp:txBody>
-        <a:bodyPr spcFirstLastPara="0" vert="horz" wrap="square" lIns="72390" tIns="0" rIns="24130" bIns="0" numCol="1" spcCol="1270" anchor="ctr" anchorCtr="0">
-          <a:noAutofit/>
-        </a:bodyPr>
-        <a:lstStyle/>
-        <a:p>
-          <a:pPr lvl="0" algn="l" defTabSz="844550">
-            <a:lnSpc>
-              <a:spcPct val="90000"/>
-            </a:lnSpc>
-            <a:spcBef>
-              <a:spcPct val="0"/>
-            </a:spcBef>
-            <a:spcAft>
-              <a:spcPct val="35000"/>
-            </a:spcAft>
-          </a:pPr>
-          <a:r>
-            <a:rPr lang="id-ID" sz="1900" kern="1200" dirty="0" smtClean="0"/>
-            <a:t>Command</a:t>
-          </a:r>
-          <a:endParaRPr lang="en-US" sz="1900" kern="1200" dirty="0"/>
-        </a:p>
-      </dsp:txBody>
-      <dsp:txXfrm>
-        <a:off x="2077572" y="1218052"/>
-        <a:ext cx="1145612" cy="522170"/>
-      </dsp:txXfrm>
-    </dsp:sp>
-    <dsp:sp modelId="{30E9A2AC-8E45-4E10-A1BA-20AA4AF28257}">
-      <dsp:nvSpPr>
-        <dsp:cNvPr id="0" name=""/>
-        <dsp:cNvSpPr/>
-      </dsp:nvSpPr>
-      <dsp:spPr>
-        <a:xfrm>
-          <a:off x="3269203" y="1300994"/>
-          <a:ext cx="569369" cy="569369"/>
-        </a:xfrm>
-        <a:prstGeom prst="ellipse">
-          <a:avLst/>
-        </a:prstGeom>
-        <a:solidFill>
-          <a:schemeClr val="accent1">
-            <a:alpha val="90000"/>
-            <a:tint val="40000"/>
-            <a:hueOff val="0"/>
-            <a:satOff val="0"/>
-            <a:lumOff val="0"/>
-            <a:alphaOff val="0"/>
-          </a:schemeClr>
-        </a:solidFill>
-        <a:ln w="15875" cap="flat" cmpd="sng" algn="ctr">
-          <a:solidFill>
-            <a:schemeClr val="accent1">
-              <a:alpha val="90000"/>
-              <a:tint val="40000"/>
-              <a:hueOff val="0"/>
-              <a:satOff val="0"/>
-              <a:lumOff val="0"/>
-              <a:alphaOff val="0"/>
-            </a:schemeClr>
-          </a:solidFill>
-          <a:prstDash val="solid"/>
-        </a:ln>
-        <a:effectLst/>
-      </dsp:spPr>
-      <dsp:style>
-        <a:lnRef idx="2">
-          <a:scrgbClr r="0" g="0" b="0"/>
-        </a:lnRef>
-        <a:fillRef idx="1">
-          <a:scrgbClr r="0" g="0" b="0"/>
-        </a:fillRef>
-        <a:effectRef idx="0">
-          <a:scrgbClr r="0" g="0" b="0"/>
-        </a:effectRef>
-        <a:fontRef idx="minor"/>
-      </dsp:style>
-    </dsp:sp>
-    <dsp:sp modelId="{B4062244-E435-4A83-BF14-C633A35AA45F}">
-      <dsp:nvSpPr>
-        <dsp:cNvPr id="0" name=""/>
-        <dsp:cNvSpPr/>
-      </dsp:nvSpPr>
-      <dsp:spPr>
-        <a:xfrm>
-          <a:off x="3979630" y="3703"/>
-          <a:ext cx="1626769" cy="1214349"/>
-        </a:xfrm>
-        <a:prstGeom prst="round2SameRect">
-          <a:avLst>
-            <a:gd name="adj1" fmla="val 8000"/>
-            <a:gd name="adj2" fmla="val 0"/>
-          </a:avLst>
-        </a:prstGeom>
-        <a:solidFill>
-          <a:schemeClr val="lt1">
-            <a:alpha val="90000"/>
-            <a:hueOff val="0"/>
-            <a:satOff val="0"/>
-            <a:lumOff val="0"/>
-            <a:alphaOff val="0"/>
-          </a:schemeClr>
-        </a:solidFill>
-        <a:ln w="15875" cap="flat" cmpd="sng" algn="ctr">
-          <a:solidFill>
-            <a:schemeClr val="accent1">
-              <a:hueOff val="0"/>
-              <a:satOff val="0"/>
-              <a:lumOff val="0"/>
-              <a:alphaOff val="0"/>
-            </a:schemeClr>
-          </a:solidFill>
-          <a:prstDash val="solid"/>
-        </a:ln>
-        <a:effectLst/>
-      </dsp:spPr>
-      <dsp:style>
-        <a:lnRef idx="2">
-          <a:scrgbClr r="0" g="0" b="0"/>
-        </a:lnRef>
-        <a:fillRef idx="1">
-          <a:scrgbClr r="0" g="0" b="0"/>
-        </a:fillRef>
-        <a:effectRef idx="0">
-          <a:scrgbClr r="0" g="0" b="0"/>
-        </a:effectRef>
-        <a:fontRef idx="minor"/>
-      </dsp:style>
-      <dsp:txBody>
-        <a:bodyPr spcFirstLastPara="0" vert="horz" wrap="square" lIns="25400" tIns="76200" rIns="25400" bIns="25400" numCol="1" spcCol="1270" anchor="t" anchorCtr="0">
-          <a:noAutofit/>
-        </a:bodyPr>
-        <a:lstStyle/>
-        <a:p>
-          <a:pPr marL="228600" lvl="1" indent="-228600" algn="l" defTabSz="889000">
-            <a:lnSpc>
-              <a:spcPct val="90000"/>
-            </a:lnSpc>
-            <a:spcBef>
-              <a:spcPct val="0"/>
-            </a:spcBef>
-            <a:spcAft>
-              <a:spcPct val="15000"/>
-            </a:spcAft>
-            <a:buChar char="••"/>
-          </a:pPr>
-          <a:r>
-            <a:rPr lang="id-ID" sz="2000" kern="1200" dirty="0" smtClean="0"/>
-            <a:t>Ngatiyo H.C.</a:t>
-          </a:r>
-          <a:endParaRPr lang="en-US" sz="2000" kern="1200" dirty="0"/>
-        </a:p>
-        <a:p>
-          <a:pPr marL="228600" lvl="1" indent="-228600" algn="l" defTabSz="889000">
-            <a:lnSpc>
-              <a:spcPct val="90000"/>
-            </a:lnSpc>
-            <a:spcBef>
-              <a:spcPct val="0"/>
-            </a:spcBef>
-            <a:spcAft>
-              <a:spcPct val="15000"/>
-            </a:spcAft>
-            <a:buChar char="••"/>
-          </a:pPr>
-          <a:r>
-            <a:rPr lang="id-ID" sz="2000" kern="1200" dirty="0" smtClean="0"/>
-            <a:t>A. Khairur R.</a:t>
-          </a:r>
-          <a:endParaRPr lang="en-US" sz="2000" kern="1200" dirty="0"/>
-        </a:p>
-      </dsp:txBody>
-      <dsp:txXfrm>
-        <a:off x="4008084" y="32157"/>
-        <a:ext cx="1569861" cy="1185895"/>
-      </dsp:txXfrm>
-    </dsp:sp>
-    <dsp:sp modelId="{320C1E14-01F0-4DEE-B3E2-1D7C2B034099}">
-      <dsp:nvSpPr>
-        <dsp:cNvPr id="0" name=""/>
-        <dsp:cNvSpPr/>
-      </dsp:nvSpPr>
-      <dsp:spPr>
-        <a:xfrm>
-          <a:off x="3979630" y="1218052"/>
-          <a:ext cx="1626769" cy="522170"/>
-        </a:xfrm>
-        <a:prstGeom prst="rect">
-          <a:avLst/>
-        </a:prstGeom>
-        <a:solidFill>
-          <a:schemeClr val="accent1">
-            <a:hueOff val="0"/>
-            <a:satOff val="0"/>
-            <a:lumOff val="0"/>
-            <a:alphaOff val="0"/>
-          </a:schemeClr>
-        </a:solidFill>
-        <a:ln w="15875" cap="flat" cmpd="sng" algn="ctr">
-          <a:solidFill>
-            <a:schemeClr val="accent1">
-              <a:hueOff val="0"/>
-              <a:satOff val="0"/>
-              <a:lumOff val="0"/>
-              <a:alphaOff val="0"/>
-            </a:schemeClr>
-          </a:solidFill>
-          <a:prstDash val="solid"/>
-        </a:ln>
-        <a:effectLst/>
-      </dsp:spPr>
-      <dsp:style>
-        <a:lnRef idx="2">
-          <a:scrgbClr r="0" g="0" b="0"/>
-        </a:lnRef>
-        <a:fillRef idx="1">
-          <a:scrgbClr r="0" g="0" b="0"/>
-        </a:fillRef>
-        <a:effectRef idx="0">
-          <a:scrgbClr r="0" g="0" b="0"/>
-        </a:effectRef>
-        <a:fontRef idx="minor">
-          <a:schemeClr val="lt1"/>
-        </a:fontRef>
-      </dsp:style>
-      <dsp:txBody>
-        <a:bodyPr spcFirstLastPara="0" vert="horz" wrap="square" lIns="72390" tIns="0" rIns="24130" bIns="0" numCol="1" spcCol="1270" anchor="ctr" anchorCtr="0">
-          <a:noAutofit/>
-        </a:bodyPr>
-        <a:lstStyle/>
-        <a:p>
-          <a:pPr lvl="0" algn="l" defTabSz="844550">
-            <a:lnSpc>
-              <a:spcPct val="90000"/>
-            </a:lnSpc>
-            <a:spcBef>
-              <a:spcPct val="0"/>
-            </a:spcBef>
-            <a:spcAft>
-              <a:spcPct val="35000"/>
-            </a:spcAft>
-          </a:pPr>
-          <a:r>
-            <a:rPr lang="id-ID" sz="1900" kern="1200" dirty="0" smtClean="0"/>
-            <a:t>Composite</a:t>
-          </a:r>
-          <a:endParaRPr lang="en-US" sz="1900" kern="1200" dirty="0"/>
-        </a:p>
-      </dsp:txBody>
-      <dsp:txXfrm>
-        <a:off x="3979630" y="1218052"/>
-        <a:ext cx="1145612" cy="522170"/>
-      </dsp:txXfrm>
-    </dsp:sp>
-    <dsp:sp modelId="{B1E0855A-E74E-4EF5-A4E3-3CBB8277368D}">
-      <dsp:nvSpPr>
-        <dsp:cNvPr id="0" name=""/>
-        <dsp:cNvSpPr/>
-      </dsp:nvSpPr>
-      <dsp:spPr>
-        <a:xfrm>
-          <a:off x="5171261" y="1300994"/>
-          <a:ext cx="569369" cy="569369"/>
-        </a:xfrm>
-        <a:prstGeom prst="ellipse">
-          <a:avLst/>
-        </a:prstGeom>
-        <a:solidFill>
-          <a:schemeClr val="accent1">
-            <a:alpha val="90000"/>
-            <a:tint val="40000"/>
-            <a:hueOff val="0"/>
-            <a:satOff val="0"/>
-            <a:lumOff val="0"/>
-            <a:alphaOff val="0"/>
-          </a:schemeClr>
-        </a:solidFill>
-        <a:ln w="15875" cap="flat" cmpd="sng" algn="ctr">
-          <a:solidFill>
-            <a:schemeClr val="accent1">
-              <a:alpha val="90000"/>
-              <a:tint val="40000"/>
-              <a:hueOff val="0"/>
-              <a:satOff val="0"/>
-              <a:lumOff val="0"/>
-              <a:alphaOff val="0"/>
-            </a:schemeClr>
-          </a:solidFill>
-          <a:prstDash val="solid"/>
-        </a:ln>
-        <a:effectLst/>
-      </dsp:spPr>
-      <dsp:style>
-        <a:lnRef idx="2">
-          <a:scrgbClr r="0" g="0" b="0"/>
-        </a:lnRef>
-        <a:fillRef idx="1">
-          <a:scrgbClr r="0" g="0" b="0"/>
-        </a:fillRef>
-        <a:effectRef idx="0">
-          <a:scrgbClr r="0" g="0" b="0"/>
-        </a:effectRef>
-        <a:fontRef idx="minor"/>
-      </dsp:style>
-    </dsp:sp>
-    <dsp:sp modelId="{72EFF0F2-E9BD-4176-93DA-7A69664A6B9B}">
-      <dsp:nvSpPr>
-        <dsp:cNvPr id="0" name=""/>
-        <dsp:cNvSpPr/>
-      </dsp:nvSpPr>
-      <dsp:spPr>
-        <a:xfrm>
-          <a:off x="5881689" y="3703"/>
-          <a:ext cx="1626769" cy="1214349"/>
-        </a:xfrm>
-        <a:prstGeom prst="round2SameRect">
-          <a:avLst>
-            <a:gd name="adj1" fmla="val 8000"/>
-            <a:gd name="adj2" fmla="val 0"/>
-          </a:avLst>
-        </a:prstGeom>
-        <a:solidFill>
-          <a:schemeClr val="lt1">
-            <a:alpha val="90000"/>
-            <a:hueOff val="0"/>
-            <a:satOff val="0"/>
-            <a:lumOff val="0"/>
-            <a:alphaOff val="0"/>
-          </a:schemeClr>
-        </a:solidFill>
-        <a:ln w="15875" cap="flat" cmpd="sng" algn="ctr">
-          <a:solidFill>
-            <a:schemeClr val="accent1">
-              <a:hueOff val="0"/>
-              <a:satOff val="0"/>
-              <a:lumOff val="0"/>
-              <a:alphaOff val="0"/>
-            </a:schemeClr>
-          </a:solidFill>
-          <a:prstDash val="solid"/>
-        </a:ln>
-        <a:effectLst/>
-      </dsp:spPr>
-      <dsp:style>
-        <a:lnRef idx="2">
-          <a:scrgbClr r="0" g="0" b="0"/>
-        </a:lnRef>
-        <a:fillRef idx="1">
-          <a:scrgbClr r="0" g="0" b="0"/>
-        </a:fillRef>
-        <a:effectRef idx="0">
-          <a:scrgbClr r="0" g="0" b="0"/>
-        </a:effectRef>
-        <a:fontRef idx="minor"/>
-      </dsp:style>
-      <dsp:txBody>
-        <a:bodyPr spcFirstLastPara="0" vert="horz" wrap="square" lIns="25400" tIns="76200" rIns="25400" bIns="25400" numCol="1" spcCol="1270" anchor="t" anchorCtr="0">
-          <a:noAutofit/>
-        </a:bodyPr>
-        <a:lstStyle/>
-        <a:p>
-          <a:pPr marL="228600" lvl="1" indent="-228600" algn="l" defTabSz="889000">
-            <a:lnSpc>
-              <a:spcPct val="90000"/>
-            </a:lnSpc>
-            <a:spcBef>
-              <a:spcPct val="0"/>
-            </a:spcBef>
-            <a:spcAft>
-              <a:spcPct val="15000"/>
-            </a:spcAft>
-            <a:buChar char="••"/>
-          </a:pPr>
-          <a:r>
-            <a:rPr lang="id-ID" sz="2000" kern="1200" dirty="0" smtClean="0"/>
-            <a:t>Mutya D.A.</a:t>
-          </a:r>
-          <a:endParaRPr lang="en-US" sz="2000" kern="1200" dirty="0"/>
-        </a:p>
-        <a:p>
-          <a:pPr marL="228600" lvl="1" indent="-228600" algn="l" defTabSz="889000">
-            <a:lnSpc>
-              <a:spcPct val="90000"/>
-            </a:lnSpc>
-            <a:spcBef>
-              <a:spcPct val="0"/>
-            </a:spcBef>
-            <a:spcAft>
-              <a:spcPct val="15000"/>
-            </a:spcAft>
-            <a:buChar char="••"/>
-          </a:pPr>
-          <a:r>
-            <a:rPr lang="id-ID" sz="2000" kern="1200" dirty="0" smtClean="0"/>
-            <a:t>Nuril F.</a:t>
-          </a:r>
-          <a:endParaRPr lang="en-US" sz="2000" kern="1200" dirty="0"/>
-        </a:p>
-        <a:p>
-          <a:pPr marL="228600" lvl="1" indent="-228600" algn="l" defTabSz="889000">
-            <a:lnSpc>
-              <a:spcPct val="90000"/>
-            </a:lnSpc>
-            <a:spcBef>
-              <a:spcPct val="0"/>
-            </a:spcBef>
-            <a:spcAft>
-              <a:spcPct val="15000"/>
-            </a:spcAft>
-            <a:buChar char="••"/>
-          </a:pPr>
-          <a:r>
-            <a:rPr lang="id-ID" sz="2000" kern="1200" smtClean="0"/>
-            <a:t>Audylam G</a:t>
-          </a:r>
-          <a:endParaRPr lang="en-US" sz="2000" kern="1200" dirty="0"/>
-        </a:p>
-      </dsp:txBody>
-      <dsp:txXfrm>
-        <a:off x="5910143" y="32157"/>
-        <a:ext cx="1569861" cy="1185895"/>
-      </dsp:txXfrm>
-    </dsp:sp>
-    <dsp:sp modelId="{318AACCD-F906-45D1-AD28-0DB3AC3F4751}">
-      <dsp:nvSpPr>
-        <dsp:cNvPr id="0" name=""/>
-        <dsp:cNvSpPr/>
-      </dsp:nvSpPr>
-      <dsp:spPr>
-        <a:xfrm>
-          <a:off x="5881689" y="1218052"/>
-          <a:ext cx="1626769" cy="522170"/>
-        </a:xfrm>
-        <a:prstGeom prst="rect">
-          <a:avLst/>
-        </a:prstGeom>
-        <a:solidFill>
-          <a:schemeClr val="accent1">
-            <a:hueOff val="0"/>
-            <a:satOff val="0"/>
-            <a:lumOff val="0"/>
-            <a:alphaOff val="0"/>
-          </a:schemeClr>
-        </a:solidFill>
-        <a:ln w="15875" cap="flat" cmpd="sng" algn="ctr">
-          <a:solidFill>
-            <a:schemeClr val="accent1">
-              <a:hueOff val="0"/>
-              <a:satOff val="0"/>
-              <a:lumOff val="0"/>
-              <a:alphaOff val="0"/>
-            </a:schemeClr>
-          </a:solidFill>
-          <a:prstDash val="solid"/>
-        </a:ln>
-        <a:effectLst/>
-      </dsp:spPr>
-      <dsp:style>
-        <a:lnRef idx="2">
-          <a:scrgbClr r="0" g="0" b="0"/>
-        </a:lnRef>
-        <a:fillRef idx="1">
-          <a:scrgbClr r="0" g="0" b="0"/>
-        </a:fillRef>
-        <a:effectRef idx="0">
-          <a:scrgbClr r="0" g="0" b="0"/>
-        </a:effectRef>
-        <a:fontRef idx="minor">
-          <a:schemeClr val="lt1"/>
-        </a:fontRef>
-      </dsp:style>
-      <dsp:txBody>
-        <a:bodyPr spcFirstLastPara="0" vert="horz" wrap="square" lIns="72390" tIns="0" rIns="24130" bIns="0" numCol="1" spcCol="1270" anchor="ctr" anchorCtr="0">
-          <a:noAutofit/>
-        </a:bodyPr>
-        <a:lstStyle/>
-        <a:p>
-          <a:pPr lvl="0" algn="l" defTabSz="844550">
-            <a:lnSpc>
-              <a:spcPct val="90000"/>
-            </a:lnSpc>
-            <a:spcBef>
-              <a:spcPct val="0"/>
-            </a:spcBef>
-            <a:spcAft>
-              <a:spcPct val="35000"/>
-            </a:spcAft>
-          </a:pPr>
-          <a:r>
-            <a:rPr lang="id-ID" sz="1900" kern="1200" dirty="0" smtClean="0"/>
-            <a:t>Decorator</a:t>
-          </a:r>
-          <a:endParaRPr lang="en-US" sz="1900" kern="1200" dirty="0"/>
-        </a:p>
-      </dsp:txBody>
-      <dsp:txXfrm>
-        <a:off x="5881689" y="1218052"/>
-        <a:ext cx="1145612" cy="522170"/>
-      </dsp:txXfrm>
-    </dsp:sp>
-    <dsp:sp modelId="{16755752-A2E2-4948-A3C1-57FCA8A78CE0}">
-      <dsp:nvSpPr>
-        <dsp:cNvPr id="0" name=""/>
-        <dsp:cNvSpPr/>
-      </dsp:nvSpPr>
-      <dsp:spPr>
-        <a:xfrm>
-          <a:off x="7073320" y="1300994"/>
-          <a:ext cx="569369" cy="569369"/>
-        </a:xfrm>
-        <a:prstGeom prst="ellipse">
-          <a:avLst/>
-        </a:prstGeom>
-        <a:solidFill>
-          <a:schemeClr val="accent1">
-            <a:alpha val="90000"/>
-            <a:tint val="40000"/>
-            <a:hueOff val="0"/>
-            <a:satOff val="0"/>
-            <a:lumOff val="0"/>
-            <a:alphaOff val="0"/>
-          </a:schemeClr>
-        </a:solidFill>
-        <a:ln w="15875" cap="flat" cmpd="sng" algn="ctr">
-          <a:solidFill>
-            <a:schemeClr val="accent1">
-              <a:alpha val="90000"/>
-              <a:tint val="40000"/>
-              <a:hueOff val="0"/>
-              <a:satOff val="0"/>
-              <a:lumOff val="0"/>
-              <a:alphaOff val="0"/>
-            </a:schemeClr>
-          </a:solidFill>
-          <a:prstDash val="solid"/>
-        </a:ln>
-        <a:effectLst/>
-      </dsp:spPr>
-      <dsp:style>
-        <a:lnRef idx="2">
-          <a:scrgbClr r="0" g="0" b="0"/>
-        </a:lnRef>
-        <a:fillRef idx="1">
-          <a:scrgbClr r="0" g="0" b="0"/>
-        </a:fillRef>
-        <a:effectRef idx="0">
-          <a:scrgbClr r="0" g="0" b="0"/>
-        </a:effectRef>
-        <a:fontRef idx="minor"/>
-      </dsp:style>
-    </dsp:sp>
-    <dsp:sp modelId="{88B429D6-3E5F-44F3-BED1-4555888A5EEF}">
-      <dsp:nvSpPr>
-        <dsp:cNvPr id="0" name=""/>
-        <dsp:cNvSpPr/>
-      </dsp:nvSpPr>
-      <dsp:spPr>
-        <a:xfrm>
-          <a:off x="7783747" y="3703"/>
-          <a:ext cx="1626769" cy="1214349"/>
-        </a:xfrm>
-        <a:prstGeom prst="round2SameRect">
-          <a:avLst>
-            <a:gd name="adj1" fmla="val 8000"/>
-            <a:gd name="adj2" fmla="val 0"/>
-          </a:avLst>
-        </a:prstGeom>
-        <a:solidFill>
-          <a:schemeClr val="lt1">
-            <a:alpha val="90000"/>
-            <a:hueOff val="0"/>
-            <a:satOff val="0"/>
-            <a:lumOff val="0"/>
-            <a:alphaOff val="0"/>
-          </a:schemeClr>
-        </a:solidFill>
-        <a:ln w="15875" cap="flat" cmpd="sng" algn="ctr">
-          <a:solidFill>
-            <a:schemeClr val="accent1">
-              <a:hueOff val="0"/>
-              <a:satOff val="0"/>
-              <a:lumOff val="0"/>
-              <a:alphaOff val="0"/>
-            </a:schemeClr>
-          </a:solidFill>
-          <a:prstDash val="solid"/>
-        </a:ln>
-        <a:effectLst/>
-      </dsp:spPr>
-      <dsp:style>
-        <a:lnRef idx="2">
-          <a:scrgbClr r="0" g="0" b="0"/>
-        </a:lnRef>
-        <a:fillRef idx="1">
-          <a:scrgbClr r="0" g="0" b="0"/>
-        </a:fillRef>
-        <a:effectRef idx="0">
-          <a:scrgbClr r="0" g="0" b="0"/>
-        </a:effectRef>
-        <a:fontRef idx="minor"/>
-      </dsp:style>
-      <dsp:txBody>
-        <a:bodyPr spcFirstLastPara="0" vert="horz" wrap="square" lIns="25400" tIns="76200" rIns="25400" bIns="25400" numCol="1" spcCol="1270" anchor="t" anchorCtr="0">
-          <a:noAutofit/>
-        </a:bodyPr>
-        <a:lstStyle/>
-        <a:p>
-          <a:pPr marL="228600" lvl="1" indent="-228600" algn="l" defTabSz="889000">
-            <a:lnSpc>
-              <a:spcPct val="90000"/>
-            </a:lnSpc>
-            <a:spcBef>
-              <a:spcPct val="0"/>
-            </a:spcBef>
-            <a:spcAft>
-              <a:spcPct val="15000"/>
-            </a:spcAft>
-            <a:buChar char="••"/>
-          </a:pPr>
-          <a:r>
-            <a:rPr lang="id-ID" sz="2000" kern="1200" dirty="0" smtClean="0"/>
-            <a:t>Adi S.H.</a:t>
-          </a:r>
-          <a:endParaRPr lang="en-US" sz="2000" kern="1200" dirty="0"/>
-        </a:p>
-        <a:p>
-          <a:pPr marL="228600" lvl="1" indent="-228600" algn="l" defTabSz="889000">
-            <a:lnSpc>
-              <a:spcPct val="90000"/>
-            </a:lnSpc>
-            <a:spcBef>
-              <a:spcPct val="0"/>
-            </a:spcBef>
-            <a:spcAft>
-              <a:spcPct val="15000"/>
-            </a:spcAft>
-            <a:buChar char="••"/>
-          </a:pPr>
-          <a:r>
-            <a:rPr lang="id-ID" sz="2000" kern="1200" dirty="0" smtClean="0"/>
-            <a:t>Anes Y.P.</a:t>
-          </a:r>
-          <a:endParaRPr lang="en-US" sz="2000" kern="1200" dirty="0"/>
-        </a:p>
-      </dsp:txBody>
-      <dsp:txXfrm>
-        <a:off x="7812201" y="32157"/>
-        <a:ext cx="1569861" cy="1185895"/>
-      </dsp:txXfrm>
-    </dsp:sp>
-    <dsp:sp modelId="{64C58537-A40B-4953-A8D7-BF3769C7CD9D}">
-      <dsp:nvSpPr>
-        <dsp:cNvPr id="0" name=""/>
-        <dsp:cNvSpPr/>
-      </dsp:nvSpPr>
-      <dsp:spPr>
-        <a:xfrm>
-          <a:off x="7783747" y="1218052"/>
-          <a:ext cx="1626769" cy="522170"/>
-        </a:xfrm>
-        <a:prstGeom prst="rect">
-          <a:avLst/>
-        </a:prstGeom>
-        <a:solidFill>
-          <a:schemeClr val="accent1">
-            <a:hueOff val="0"/>
-            <a:satOff val="0"/>
-            <a:lumOff val="0"/>
-            <a:alphaOff val="0"/>
-          </a:schemeClr>
-        </a:solidFill>
-        <a:ln w="15875" cap="flat" cmpd="sng" algn="ctr">
-          <a:solidFill>
-            <a:schemeClr val="accent1">
-              <a:hueOff val="0"/>
-              <a:satOff val="0"/>
-              <a:lumOff val="0"/>
-              <a:alphaOff val="0"/>
-            </a:schemeClr>
-          </a:solidFill>
-          <a:prstDash val="solid"/>
-        </a:ln>
-        <a:effectLst/>
-      </dsp:spPr>
-      <dsp:style>
-        <a:lnRef idx="2">
-          <a:scrgbClr r="0" g="0" b="0"/>
-        </a:lnRef>
-        <a:fillRef idx="1">
-          <a:scrgbClr r="0" g="0" b="0"/>
-        </a:fillRef>
-        <a:effectRef idx="0">
-          <a:scrgbClr r="0" g="0" b="0"/>
-        </a:effectRef>
-        <a:fontRef idx="minor">
-          <a:schemeClr val="lt1"/>
-        </a:fontRef>
-      </dsp:style>
-      <dsp:txBody>
-        <a:bodyPr spcFirstLastPara="0" vert="horz" wrap="square" lIns="72390" tIns="0" rIns="24130" bIns="0" numCol="1" spcCol="1270" anchor="ctr" anchorCtr="0">
-          <a:noAutofit/>
-        </a:bodyPr>
-        <a:lstStyle/>
-        <a:p>
-          <a:pPr lvl="0" algn="l" defTabSz="844550">
-            <a:lnSpc>
-              <a:spcPct val="90000"/>
-            </a:lnSpc>
-            <a:spcBef>
-              <a:spcPct val="0"/>
-            </a:spcBef>
-            <a:spcAft>
-              <a:spcPct val="35000"/>
-            </a:spcAft>
-          </a:pPr>
-          <a:r>
-            <a:rPr lang="id-ID" sz="1900" kern="1200" dirty="0" smtClean="0"/>
-            <a:t>Facade</a:t>
-          </a:r>
-          <a:endParaRPr lang="en-US" sz="1900" kern="1200" dirty="0"/>
-        </a:p>
-      </dsp:txBody>
-      <dsp:txXfrm>
-        <a:off x="7783747" y="1218052"/>
-        <a:ext cx="1145612" cy="522170"/>
-      </dsp:txXfrm>
-    </dsp:sp>
-    <dsp:sp modelId="{69505C7F-AC53-4160-91C5-A38461B726EA}">
-      <dsp:nvSpPr>
-        <dsp:cNvPr id="0" name=""/>
-        <dsp:cNvSpPr/>
-      </dsp:nvSpPr>
-      <dsp:spPr>
-        <a:xfrm>
-          <a:off x="8975378" y="1300994"/>
-          <a:ext cx="569369" cy="569369"/>
-        </a:xfrm>
-        <a:prstGeom prst="ellipse">
-          <a:avLst/>
-        </a:prstGeom>
-        <a:solidFill>
-          <a:schemeClr val="accent1">
-            <a:alpha val="90000"/>
-            <a:tint val="40000"/>
-            <a:hueOff val="0"/>
-            <a:satOff val="0"/>
-            <a:lumOff val="0"/>
-            <a:alphaOff val="0"/>
-          </a:schemeClr>
-        </a:solidFill>
-        <a:ln w="15875" cap="flat" cmpd="sng" algn="ctr">
-          <a:solidFill>
-            <a:schemeClr val="accent1">
-              <a:alpha val="90000"/>
-              <a:tint val="40000"/>
-              <a:hueOff val="0"/>
-              <a:satOff val="0"/>
-              <a:lumOff val="0"/>
-              <a:alphaOff val="0"/>
-            </a:schemeClr>
-          </a:solidFill>
-          <a:prstDash val="solid"/>
-        </a:ln>
-        <a:effectLst/>
-      </dsp:spPr>
-      <dsp:style>
-        <a:lnRef idx="2">
-          <a:scrgbClr r="0" g="0" b="0"/>
-        </a:lnRef>
-        <a:fillRef idx="1">
-          <a:scrgbClr r="0" g="0" b="0"/>
-        </a:fillRef>
-        <a:effectRef idx="0">
-          <a:scrgbClr r="0" g="0" b="0"/>
-        </a:effectRef>
-        <a:fontRef idx="minor"/>
-      </dsp:style>
-    </dsp:sp>
-    <dsp:sp modelId="{C174BB0B-CC4F-4673-A7E4-45B9416E2CBE}">
-      <dsp:nvSpPr>
-        <dsp:cNvPr id="0" name=""/>
-        <dsp:cNvSpPr/>
-      </dsp:nvSpPr>
-      <dsp:spPr>
-        <a:xfrm>
-          <a:off x="175514" y="2152360"/>
-          <a:ext cx="1626769" cy="1214349"/>
-        </a:xfrm>
-        <a:prstGeom prst="round2SameRect">
-          <a:avLst>
-            <a:gd name="adj1" fmla="val 8000"/>
-            <a:gd name="adj2" fmla="val 0"/>
-          </a:avLst>
-        </a:prstGeom>
-        <a:solidFill>
-          <a:schemeClr val="lt1">
-            <a:alpha val="90000"/>
-            <a:hueOff val="0"/>
-            <a:satOff val="0"/>
-            <a:lumOff val="0"/>
-            <a:alphaOff val="0"/>
-          </a:schemeClr>
-        </a:solidFill>
-        <a:ln w="15875" cap="flat" cmpd="sng" algn="ctr">
-          <a:solidFill>
-            <a:schemeClr val="accent1">
-              <a:hueOff val="0"/>
-              <a:satOff val="0"/>
-              <a:lumOff val="0"/>
-              <a:alphaOff val="0"/>
-            </a:schemeClr>
-          </a:solidFill>
-          <a:prstDash val="solid"/>
-        </a:ln>
-        <a:effectLst/>
-      </dsp:spPr>
-      <dsp:style>
-        <a:lnRef idx="2">
-          <a:scrgbClr r="0" g="0" b="0"/>
-        </a:lnRef>
-        <a:fillRef idx="1">
-          <a:scrgbClr r="0" g="0" b="0"/>
-        </a:fillRef>
-        <a:effectRef idx="0">
-          <a:scrgbClr r="0" g="0" b="0"/>
-        </a:effectRef>
-        <a:fontRef idx="minor"/>
-      </dsp:style>
-      <dsp:txBody>
-        <a:bodyPr spcFirstLastPara="0" vert="horz" wrap="square" lIns="25400" tIns="76200" rIns="25400" bIns="25400" numCol="1" spcCol="1270" anchor="t" anchorCtr="0">
-          <a:noAutofit/>
-        </a:bodyPr>
-        <a:lstStyle/>
-        <a:p>
-          <a:pPr marL="228600" lvl="1" indent="-228600" algn="l" defTabSz="889000">
-            <a:lnSpc>
-              <a:spcPct val="90000"/>
-            </a:lnSpc>
-            <a:spcBef>
-              <a:spcPct val="0"/>
-            </a:spcBef>
-            <a:spcAft>
-              <a:spcPct val="15000"/>
-            </a:spcAft>
-            <a:buChar char="••"/>
-          </a:pPr>
-          <a:r>
-            <a:rPr lang="id-ID" sz="2000" kern="1200" dirty="0" smtClean="0"/>
-            <a:t>Riyan M.</a:t>
-          </a:r>
-          <a:endParaRPr lang="en-US" sz="2000" kern="1200" dirty="0"/>
-        </a:p>
-        <a:p>
-          <a:pPr marL="228600" lvl="1" indent="-228600" algn="l" defTabSz="889000">
-            <a:lnSpc>
-              <a:spcPct val="90000"/>
-            </a:lnSpc>
-            <a:spcBef>
-              <a:spcPct val="0"/>
-            </a:spcBef>
-            <a:spcAft>
-              <a:spcPct val="15000"/>
-            </a:spcAft>
-            <a:buChar char="••"/>
-          </a:pPr>
-          <a:r>
-            <a:rPr lang="id-ID" sz="2000" kern="1200" dirty="0" smtClean="0"/>
-            <a:t>Sella R.</a:t>
-          </a:r>
-          <a:endParaRPr lang="en-US" sz="2000" kern="1200" dirty="0"/>
-        </a:p>
-        <a:p>
-          <a:pPr marL="228600" lvl="1" indent="-228600" algn="l" defTabSz="889000">
-            <a:lnSpc>
-              <a:spcPct val="90000"/>
-            </a:lnSpc>
-            <a:spcBef>
-              <a:spcPct val="0"/>
-            </a:spcBef>
-            <a:spcAft>
-              <a:spcPct val="15000"/>
-            </a:spcAft>
-            <a:buChar char="••"/>
-          </a:pPr>
-          <a:r>
-            <a:rPr lang="id-ID" sz="2000" kern="1200" dirty="0" smtClean="0"/>
-            <a:t>Wahyu R.</a:t>
-          </a:r>
-          <a:endParaRPr lang="en-US" sz="2000" kern="1200" dirty="0"/>
-        </a:p>
-      </dsp:txBody>
-      <dsp:txXfrm>
-        <a:off x="203968" y="2180814"/>
-        <a:ext cx="1569861" cy="1185895"/>
-      </dsp:txXfrm>
-    </dsp:sp>
-    <dsp:sp modelId="{6A797303-0B30-43AA-814B-4026A142F97D}">
-      <dsp:nvSpPr>
-        <dsp:cNvPr id="0" name=""/>
-        <dsp:cNvSpPr/>
-      </dsp:nvSpPr>
-      <dsp:spPr>
-        <a:xfrm>
-          <a:off x="175514" y="3366710"/>
-          <a:ext cx="1626769" cy="522170"/>
-        </a:xfrm>
-        <a:prstGeom prst="rect">
-          <a:avLst/>
-        </a:prstGeom>
-        <a:solidFill>
-          <a:schemeClr val="accent1">
-            <a:hueOff val="0"/>
-            <a:satOff val="0"/>
-            <a:lumOff val="0"/>
-            <a:alphaOff val="0"/>
-          </a:schemeClr>
-        </a:solidFill>
-        <a:ln w="15875" cap="flat" cmpd="sng" algn="ctr">
-          <a:solidFill>
-            <a:schemeClr val="accent1">
-              <a:hueOff val="0"/>
-              <a:satOff val="0"/>
-              <a:lumOff val="0"/>
-              <a:alphaOff val="0"/>
-            </a:schemeClr>
-          </a:solidFill>
-          <a:prstDash val="solid"/>
-        </a:ln>
-        <a:effectLst/>
-      </dsp:spPr>
-      <dsp:style>
-        <a:lnRef idx="2">
-          <a:scrgbClr r="0" g="0" b="0"/>
-        </a:lnRef>
-        <a:fillRef idx="1">
-          <a:scrgbClr r="0" g="0" b="0"/>
-        </a:fillRef>
-        <a:effectRef idx="0">
-          <a:scrgbClr r="0" g="0" b="0"/>
-        </a:effectRef>
-        <a:fontRef idx="minor">
-          <a:schemeClr val="lt1"/>
-        </a:fontRef>
-      </dsp:style>
-      <dsp:txBody>
-        <a:bodyPr spcFirstLastPara="0" vert="horz" wrap="square" lIns="72390" tIns="0" rIns="24130" bIns="0" numCol="1" spcCol="1270" anchor="ctr" anchorCtr="0">
-          <a:noAutofit/>
-        </a:bodyPr>
-        <a:lstStyle/>
-        <a:p>
-          <a:pPr lvl="0" algn="l" defTabSz="844550">
-            <a:lnSpc>
-              <a:spcPct val="90000"/>
-            </a:lnSpc>
-            <a:spcBef>
-              <a:spcPct val="0"/>
-            </a:spcBef>
-            <a:spcAft>
-              <a:spcPct val="35000"/>
-            </a:spcAft>
-          </a:pPr>
-          <a:r>
-            <a:rPr lang="id-ID" sz="1900" kern="1200" dirty="0" smtClean="0"/>
-            <a:t>Factory</a:t>
-          </a:r>
-          <a:endParaRPr lang="en-US" sz="1900" kern="1200" dirty="0"/>
-        </a:p>
-      </dsp:txBody>
-      <dsp:txXfrm>
-        <a:off x="175514" y="3366710"/>
-        <a:ext cx="1145612" cy="522170"/>
-      </dsp:txXfrm>
-    </dsp:sp>
-    <dsp:sp modelId="{359DE6A7-69BC-4356-8D93-D3CE4642CF44}">
-      <dsp:nvSpPr>
-        <dsp:cNvPr id="0" name=""/>
-        <dsp:cNvSpPr/>
-      </dsp:nvSpPr>
-      <dsp:spPr>
-        <a:xfrm>
-          <a:off x="1367145" y="3449652"/>
-          <a:ext cx="569369" cy="569369"/>
-        </a:xfrm>
-        <a:prstGeom prst="ellipse">
-          <a:avLst/>
-        </a:prstGeom>
-        <a:solidFill>
-          <a:schemeClr val="accent1">
-            <a:alpha val="90000"/>
-            <a:tint val="40000"/>
-            <a:hueOff val="0"/>
-            <a:satOff val="0"/>
-            <a:lumOff val="0"/>
-            <a:alphaOff val="0"/>
-          </a:schemeClr>
-        </a:solidFill>
-        <a:ln w="15875" cap="flat" cmpd="sng" algn="ctr">
-          <a:solidFill>
-            <a:schemeClr val="accent1">
-              <a:alpha val="90000"/>
-              <a:tint val="40000"/>
-              <a:hueOff val="0"/>
-              <a:satOff val="0"/>
-              <a:lumOff val="0"/>
-              <a:alphaOff val="0"/>
-            </a:schemeClr>
-          </a:solidFill>
-          <a:prstDash val="solid"/>
-        </a:ln>
-        <a:effectLst/>
-      </dsp:spPr>
-      <dsp:style>
-        <a:lnRef idx="2">
-          <a:scrgbClr r="0" g="0" b="0"/>
-        </a:lnRef>
-        <a:fillRef idx="1">
-          <a:scrgbClr r="0" g="0" b="0"/>
-        </a:fillRef>
-        <a:effectRef idx="0">
-          <a:scrgbClr r="0" g="0" b="0"/>
-        </a:effectRef>
-        <a:fontRef idx="minor"/>
-      </dsp:style>
-    </dsp:sp>
-    <dsp:sp modelId="{8C2B451B-6F08-4093-BEBB-CC4A0CFBCDD8}">
-      <dsp:nvSpPr>
-        <dsp:cNvPr id="0" name=""/>
-        <dsp:cNvSpPr/>
-      </dsp:nvSpPr>
-      <dsp:spPr>
-        <a:xfrm>
-          <a:off x="2077572" y="2152360"/>
-          <a:ext cx="1626769" cy="1214349"/>
-        </a:xfrm>
-        <a:prstGeom prst="round2SameRect">
-          <a:avLst>
-            <a:gd name="adj1" fmla="val 8000"/>
-            <a:gd name="adj2" fmla="val 0"/>
-          </a:avLst>
-        </a:prstGeom>
-        <a:solidFill>
-          <a:schemeClr val="lt1">
-            <a:alpha val="90000"/>
-            <a:hueOff val="0"/>
-            <a:satOff val="0"/>
-            <a:lumOff val="0"/>
-            <a:alphaOff val="0"/>
-          </a:schemeClr>
-        </a:solidFill>
-        <a:ln w="15875" cap="flat" cmpd="sng" algn="ctr">
-          <a:solidFill>
-            <a:schemeClr val="accent1">
-              <a:hueOff val="0"/>
-              <a:satOff val="0"/>
-              <a:lumOff val="0"/>
-              <a:alphaOff val="0"/>
-            </a:schemeClr>
-          </a:solidFill>
-          <a:prstDash val="solid"/>
-        </a:ln>
-        <a:effectLst/>
-      </dsp:spPr>
-      <dsp:style>
-        <a:lnRef idx="2">
-          <a:scrgbClr r="0" g="0" b="0"/>
-        </a:lnRef>
-        <a:fillRef idx="1">
-          <a:scrgbClr r="0" g="0" b="0"/>
-        </a:fillRef>
-        <a:effectRef idx="0">
-          <a:scrgbClr r="0" g="0" b="0"/>
-        </a:effectRef>
-        <a:fontRef idx="minor"/>
-      </dsp:style>
-      <dsp:txBody>
-        <a:bodyPr spcFirstLastPara="0" vert="horz" wrap="square" lIns="25400" tIns="76200" rIns="25400" bIns="25400" numCol="1" spcCol="1270" anchor="t" anchorCtr="0">
-          <a:noAutofit/>
-        </a:bodyPr>
-        <a:lstStyle/>
-        <a:p>
-          <a:pPr marL="228600" lvl="1" indent="-228600" algn="l" defTabSz="889000">
-            <a:lnSpc>
-              <a:spcPct val="90000"/>
-            </a:lnSpc>
-            <a:spcBef>
-              <a:spcPct val="0"/>
-            </a:spcBef>
-            <a:spcAft>
-              <a:spcPct val="15000"/>
-            </a:spcAft>
-            <a:buChar char="••"/>
-          </a:pPr>
-          <a:r>
-            <a:rPr lang="id-ID" sz="2000" kern="1200" dirty="0" smtClean="0"/>
-            <a:t>Royhan R.F.</a:t>
-          </a:r>
-          <a:endParaRPr lang="en-US" sz="2000" kern="1200" dirty="0"/>
-        </a:p>
-        <a:p>
-          <a:pPr marL="228600" lvl="1" indent="-228600" algn="l" defTabSz="889000">
-            <a:lnSpc>
-              <a:spcPct val="90000"/>
-            </a:lnSpc>
-            <a:spcBef>
-              <a:spcPct val="0"/>
-            </a:spcBef>
-            <a:spcAft>
-              <a:spcPct val="15000"/>
-            </a:spcAft>
-            <a:buChar char="••"/>
-          </a:pPr>
-          <a:r>
-            <a:rPr lang="id-ID" sz="2000" kern="1200" dirty="0" smtClean="0"/>
-            <a:t>Erizka N.N.</a:t>
-          </a:r>
-          <a:endParaRPr lang="en-US" sz="2000" kern="1200" dirty="0"/>
-        </a:p>
-      </dsp:txBody>
-      <dsp:txXfrm>
-        <a:off x="2106026" y="2180814"/>
-        <a:ext cx="1569861" cy="1185895"/>
-      </dsp:txXfrm>
-    </dsp:sp>
-    <dsp:sp modelId="{ADDA6BFD-484D-4C59-866B-F1D25AF904F7}">
-      <dsp:nvSpPr>
-        <dsp:cNvPr id="0" name=""/>
-        <dsp:cNvSpPr/>
-      </dsp:nvSpPr>
-      <dsp:spPr>
-        <a:xfrm>
-          <a:off x="2077572" y="3366710"/>
-          <a:ext cx="1626769" cy="522170"/>
-        </a:xfrm>
-        <a:prstGeom prst="rect">
-          <a:avLst/>
-        </a:prstGeom>
-        <a:solidFill>
-          <a:schemeClr val="accent1">
-            <a:hueOff val="0"/>
-            <a:satOff val="0"/>
-            <a:lumOff val="0"/>
-            <a:alphaOff val="0"/>
-          </a:schemeClr>
-        </a:solidFill>
-        <a:ln w="15875" cap="flat" cmpd="sng" algn="ctr">
-          <a:solidFill>
-            <a:schemeClr val="accent1">
-              <a:hueOff val="0"/>
-              <a:satOff val="0"/>
-              <a:lumOff val="0"/>
-              <a:alphaOff val="0"/>
-            </a:schemeClr>
-          </a:solidFill>
-          <a:prstDash val="solid"/>
-        </a:ln>
-        <a:effectLst/>
-      </dsp:spPr>
-      <dsp:style>
-        <a:lnRef idx="2">
-          <a:scrgbClr r="0" g="0" b="0"/>
-        </a:lnRef>
-        <a:fillRef idx="1">
-          <a:scrgbClr r="0" g="0" b="0"/>
-        </a:fillRef>
-        <a:effectRef idx="0">
-          <a:scrgbClr r="0" g="0" b="0"/>
-        </a:effectRef>
-        <a:fontRef idx="minor">
-          <a:schemeClr val="lt1"/>
-        </a:fontRef>
-      </dsp:style>
-      <dsp:txBody>
-        <a:bodyPr spcFirstLastPara="0" vert="horz" wrap="square" lIns="72390" tIns="0" rIns="24130" bIns="0" numCol="1" spcCol="1270" anchor="ctr" anchorCtr="0">
-          <a:noAutofit/>
-        </a:bodyPr>
-        <a:lstStyle/>
-        <a:p>
-          <a:pPr lvl="0" algn="l" defTabSz="844550">
-            <a:lnSpc>
-              <a:spcPct val="90000"/>
-            </a:lnSpc>
-            <a:spcBef>
-              <a:spcPct val="0"/>
-            </a:spcBef>
-            <a:spcAft>
-              <a:spcPct val="35000"/>
-            </a:spcAft>
-          </a:pPr>
-          <a:r>
-            <a:rPr lang="id-ID" sz="1900" kern="1200" dirty="0" smtClean="0"/>
-            <a:t>Iterator</a:t>
-          </a:r>
-          <a:endParaRPr lang="en-US" sz="1900" kern="1200" dirty="0"/>
-        </a:p>
-      </dsp:txBody>
-      <dsp:txXfrm>
-        <a:off x="2077572" y="3366710"/>
-        <a:ext cx="1145612" cy="522170"/>
-      </dsp:txXfrm>
-    </dsp:sp>
-    <dsp:sp modelId="{BB317E2A-2D58-4106-934F-264CB3235CAE}">
-      <dsp:nvSpPr>
-        <dsp:cNvPr id="0" name=""/>
-        <dsp:cNvSpPr/>
-      </dsp:nvSpPr>
-      <dsp:spPr>
-        <a:xfrm>
-          <a:off x="3269203" y="3449652"/>
-          <a:ext cx="569369" cy="569369"/>
-        </a:xfrm>
-        <a:prstGeom prst="ellipse">
-          <a:avLst/>
-        </a:prstGeom>
-        <a:solidFill>
-          <a:schemeClr val="accent1">
-            <a:alpha val="90000"/>
-            <a:tint val="40000"/>
-            <a:hueOff val="0"/>
-            <a:satOff val="0"/>
-            <a:lumOff val="0"/>
-            <a:alphaOff val="0"/>
-          </a:schemeClr>
-        </a:solidFill>
-        <a:ln w="15875" cap="flat" cmpd="sng" algn="ctr">
-          <a:solidFill>
-            <a:schemeClr val="accent1">
-              <a:alpha val="90000"/>
-              <a:tint val="40000"/>
-              <a:hueOff val="0"/>
-              <a:satOff val="0"/>
-              <a:lumOff val="0"/>
-              <a:alphaOff val="0"/>
-            </a:schemeClr>
-          </a:solidFill>
-          <a:prstDash val="solid"/>
-        </a:ln>
-        <a:effectLst/>
-      </dsp:spPr>
-      <dsp:style>
-        <a:lnRef idx="2">
-          <a:scrgbClr r="0" g="0" b="0"/>
-        </a:lnRef>
-        <a:fillRef idx="1">
-          <a:scrgbClr r="0" g="0" b="0"/>
-        </a:fillRef>
-        <a:effectRef idx="0">
-          <a:scrgbClr r="0" g="0" b="0"/>
-        </a:effectRef>
-        <a:fontRef idx="minor"/>
-      </dsp:style>
-    </dsp:sp>
-    <dsp:sp modelId="{B75CCBEA-A2DA-45C2-80CD-FF8A1FE60543}">
-      <dsp:nvSpPr>
-        <dsp:cNvPr id="0" name=""/>
-        <dsp:cNvSpPr/>
-      </dsp:nvSpPr>
-      <dsp:spPr>
-        <a:xfrm>
-          <a:off x="3979630" y="2152360"/>
-          <a:ext cx="1626769" cy="1214349"/>
-        </a:xfrm>
-        <a:prstGeom prst="round2SameRect">
-          <a:avLst>
-            <a:gd name="adj1" fmla="val 8000"/>
-            <a:gd name="adj2" fmla="val 0"/>
-          </a:avLst>
-        </a:prstGeom>
-        <a:solidFill>
-          <a:schemeClr val="lt1">
-            <a:alpha val="90000"/>
-            <a:hueOff val="0"/>
-            <a:satOff val="0"/>
-            <a:lumOff val="0"/>
-            <a:alphaOff val="0"/>
-          </a:schemeClr>
-        </a:solidFill>
-        <a:ln w="15875" cap="flat" cmpd="sng" algn="ctr">
-          <a:solidFill>
-            <a:schemeClr val="accent1">
-              <a:hueOff val="0"/>
-              <a:satOff val="0"/>
-              <a:lumOff val="0"/>
-              <a:alphaOff val="0"/>
-            </a:schemeClr>
-          </a:solidFill>
-          <a:prstDash val="solid"/>
-        </a:ln>
-        <a:effectLst/>
-      </dsp:spPr>
-      <dsp:style>
-        <a:lnRef idx="2">
-          <a:scrgbClr r="0" g="0" b="0"/>
-        </a:lnRef>
-        <a:fillRef idx="1">
-          <a:scrgbClr r="0" g="0" b="0"/>
-        </a:fillRef>
-        <a:effectRef idx="0">
-          <a:scrgbClr r="0" g="0" b="0"/>
-        </a:effectRef>
-        <a:fontRef idx="minor"/>
-      </dsp:style>
-      <dsp:txBody>
-        <a:bodyPr spcFirstLastPara="0" vert="horz" wrap="square" lIns="25400" tIns="76200" rIns="25400" bIns="25400" numCol="1" spcCol="1270" anchor="t" anchorCtr="0">
-          <a:noAutofit/>
-        </a:bodyPr>
-        <a:lstStyle/>
-        <a:p>
-          <a:pPr marL="228600" lvl="1" indent="-228600" algn="l" defTabSz="889000">
-            <a:lnSpc>
-              <a:spcPct val="90000"/>
-            </a:lnSpc>
-            <a:spcBef>
-              <a:spcPct val="0"/>
-            </a:spcBef>
-            <a:spcAft>
-              <a:spcPct val="15000"/>
-            </a:spcAft>
-            <a:buChar char="••"/>
-          </a:pPr>
-          <a:r>
-            <a:rPr lang="id-ID" sz="2000" kern="1200" dirty="0" smtClean="0"/>
-            <a:t>Anindi W.K.</a:t>
-          </a:r>
-          <a:endParaRPr lang="en-US" sz="2000" kern="1200" dirty="0"/>
-        </a:p>
-        <a:p>
-          <a:pPr marL="228600" lvl="1" indent="-228600" algn="l" defTabSz="889000">
-            <a:lnSpc>
-              <a:spcPct val="90000"/>
-            </a:lnSpc>
-            <a:spcBef>
-              <a:spcPct val="0"/>
-            </a:spcBef>
-            <a:spcAft>
-              <a:spcPct val="15000"/>
-            </a:spcAft>
-            <a:buChar char="••"/>
-          </a:pPr>
-          <a:r>
-            <a:rPr lang="id-ID" sz="2000" kern="1200" dirty="0" smtClean="0"/>
-            <a:t>Maria U.</a:t>
-          </a:r>
-          <a:endParaRPr lang="en-US" sz="2000" kern="1200" dirty="0"/>
-        </a:p>
-      </dsp:txBody>
-      <dsp:txXfrm>
-        <a:off x="4008084" y="2180814"/>
-        <a:ext cx="1569861" cy="1185895"/>
-      </dsp:txXfrm>
-    </dsp:sp>
-    <dsp:sp modelId="{4C88545F-A2BE-4690-B2A9-8354CDFDD2F7}">
-      <dsp:nvSpPr>
-        <dsp:cNvPr id="0" name=""/>
-        <dsp:cNvSpPr/>
-      </dsp:nvSpPr>
-      <dsp:spPr>
-        <a:xfrm>
-          <a:off x="3979630" y="3366710"/>
-          <a:ext cx="1626769" cy="522170"/>
-        </a:xfrm>
-        <a:prstGeom prst="rect">
-          <a:avLst/>
-        </a:prstGeom>
-        <a:solidFill>
-          <a:schemeClr val="accent1">
-            <a:hueOff val="0"/>
-            <a:satOff val="0"/>
-            <a:lumOff val="0"/>
-            <a:alphaOff val="0"/>
-          </a:schemeClr>
-        </a:solidFill>
-        <a:ln w="15875" cap="flat" cmpd="sng" algn="ctr">
-          <a:solidFill>
-            <a:schemeClr val="accent1">
-              <a:hueOff val="0"/>
-              <a:satOff val="0"/>
-              <a:lumOff val="0"/>
-              <a:alphaOff val="0"/>
-            </a:schemeClr>
-          </a:solidFill>
-          <a:prstDash val="solid"/>
-        </a:ln>
-        <a:effectLst/>
-      </dsp:spPr>
-      <dsp:style>
-        <a:lnRef idx="2">
-          <a:scrgbClr r="0" g="0" b="0"/>
-        </a:lnRef>
-        <a:fillRef idx="1">
-          <a:scrgbClr r="0" g="0" b="0"/>
-        </a:fillRef>
-        <a:effectRef idx="0">
-          <a:scrgbClr r="0" g="0" b="0"/>
-        </a:effectRef>
-        <a:fontRef idx="minor">
-          <a:schemeClr val="lt1"/>
-        </a:fontRef>
-      </dsp:style>
-      <dsp:txBody>
-        <a:bodyPr spcFirstLastPara="0" vert="horz" wrap="square" lIns="72390" tIns="0" rIns="24130" bIns="0" numCol="1" spcCol="1270" anchor="ctr" anchorCtr="0">
-          <a:noAutofit/>
-        </a:bodyPr>
-        <a:lstStyle/>
-        <a:p>
-          <a:pPr lvl="0" algn="l" defTabSz="844550">
-            <a:lnSpc>
-              <a:spcPct val="90000"/>
-            </a:lnSpc>
-            <a:spcBef>
-              <a:spcPct val="0"/>
-            </a:spcBef>
-            <a:spcAft>
-              <a:spcPct val="35000"/>
-            </a:spcAft>
-          </a:pPr>
-          <a:r>
-            <a:rPr lang="id-ID" sz="1900" kern="1200" dirty="0" smtClean="0"/>
-            <a:t>Observer</a:t>
-          </a:r>
-          <a:endParaRPr lang="en-US" sz="1900" kern="1200" dirty="0"/>
-        </a:p>
-      </dsp:txBody>
-      <dsp:txXfrm>
-        <a:off x="3979630" y="3366710"/>
-        <a:ext cx="1145612" cy="522170"/>
-      </dsp:txXfrm>
-    </dsp:sp>
-    <dsp:sp modelId="{34B0F557-D18B-4A4F-891B-956D2B2781A3}">
-      <dsp:nvSpPr>
-        <dsp:cNvPr id="0" name=""/>
-        <dsp:cNvSpPr/>
-      </dsp:nvSpPr>
-      <dsp:spPr>
-        <a:xfrm>
-          <a:off x="5171261" y="3449652"/>
-          <a:ext cx="569369" cy="569369"/>
-        </a:xfrm>
-        <a:prstGeom prst="ellipse">
-          <a:avLst/>
-        </a:prstGeom>
-        <a:solidFill>
-          <a:schemeClr val="accent1">
-            <a:alpha val="90000"/>
-            <a:tint val="40000"/>
-            <a:hueOff val="0"/>
-            <a:satOff val="0"/>
-            <a:lumOff val="0"/>
-            <a:alphaOff val="0"/>
-          </a:schemeClr>
-        </a:solidFill>
-        <a:ln w="15875" cap="flat" cmpd="sng" algn="ctr">
-          <a:solidFill>
-            <a:schemeClr val="accent1">
-              <a:alpha val="90000"/>
-              <a:tint val="40000"/>
-              <a:hueOff val="0"/>
-              <a:satOff val="0"/>
-              <a:lumOff val="0"/>
-              <a:alphaOff val="0"/>
-            </a:schemeClr>
-          </a:solidFill>
-          <a:prstDash val="solid"/>
-        </a:ln>
-        <a:effectLst/>
-      </dsp:spPr>
-      <dsp:style>
-        <a:lnRef idx="2">
-          <a:scrgbClr r="0" g="0" b="0"/>
-        </a:lnRef>
-        <a:fillRef idx="1">
-          <a:scrgbClr r="0" g="0" b="0"/>
-        </a:fillRef>
-        <a:effectRef idx="0">
-          <a:scrgbClr r="0" g="0" b="0"/>
-        </a:effectRef>
-        <a:fontRef idx="minor"/>
-      </dsp:style>
-    </dsp:sp>
-    <dsp:sp modelId="{A999AC6A-1F69-4AF1-9D2F-37CE7AEAD4B2}">
-      <dsp:nvSpPr>
-        <dsp:cNvPr id="0" name=""/>
-        <dsp:cNvSpPr/>
-      </dsp:nvSpPr>
-      <dsp:spPr>
-        <a:xfrm>
-          <a:off x="5881689" y="2152360"/>
-          <a:ext cx="1626769" cy="1214349"/>
-        </a:xfrm>
-        <a:prstGeom prst="round2SameRect">
-          <a:avLst>
-            <a:gd name="adj1" fmla="val 8000"/>
-            <a:gd name="adj2" fmla="val 0"/>
-          </a:avLst>
-        </a:prstGeom>
-        <a:solidFill>
-          <a:schemeClr val="lt1">
-            <a:alpha val="90000"/>
-            <a:hueOff val="0"/>
-            <a:satOff val="0"/>
-            <a:lumOff val="0"/>
-            <a:alphaOff val="0"/>
-          </a:schemeClr>
-        </a:solidFill>
-        <a:ln w="15875" cap="flat" cmpd="sng" algn="ctr">
-          <a:solidFill>
-            <a:schemeClr val="accent1">
-              <a:hueOff val="0"/>
-              <a:satOff val="0"/>
-              <a:lumOff val="0"/>
-              <a:alphaOff val="0"/>
-            </a:schemeClr>
-          </a:solidFill>
-          <a:prstDash val="solid"/>
-        </a:ln>
-        <a:effectLst/>
-      </dsp:spPr>
-      <dsp:style>
-        <a:lnRef idx="2">
-          <a:scrgbClr r="0" g="0" b="0"/>
-        </a:lnRef>
-        <a:fillRef idx="1">
-          <a:scrgbClr r="0" g="0" b="0"/>
-        </a:fillRef>
-        <a:effectRef idx="0">
-          <a:scrgbClr r="0" g="0" b="0"/>
-        </a:effectRef>
-        <a:fontRef idx="minor"/>
-      </dsp:style>
-      <dsp:txBody>
-        <a:bodyPr spcFirstLastPara="0" vert="horz" wrap="square" lIns="25400" tIns="76200" rIns="25400" bIns="25400" numCol="1" spcCol="1270" anchor="t" anchorCtr="0">
-          <a:noAutofit/>
-        </a:bodyPr>
-        <a:lstStyle/>
-        <a:p>
-          <a:pPr marL="228600" lvl="1" indent="-228600" algn="l" defTabSz="889000">
-            <a:lnSpc>
-              <a:spcPct val="90000"/>
-            </a:lnSpc>
-            <a:spcBef>
-              <a:spcPct val="0"/>
-            </a:spcBef>
-            <a:spcAft>
-              <a:spcPct val="15000"/>
-            </a:spcAft>
-            <a:buChar char="••"/>
-          </a:pPr>
-          <a:r>
-            <a:rPr lang="id-ID" sz="2000" kern="1200" dirty="0" smtClean="0"/>
-            <a:t>Arif S.B.</a:t>
-          </a:r>
-          <a:endParaRPr lang="en-US" sz="2000" kern="1200" dirty="0"/>
-        </a:p>
-        <a:p>
-          <a:pPr marL="228600" lvl="1" indent="-228600" algn="l" defTabSz="889000">
-            <a:lnSpc>
-              <a:spcPct val="90000"/>
-            </a:lnSpc>
-            <a:spcBef>
-              <a:spcPct val="0"/>
-            </a:spcBef>
-            <a:spcAft>
-              <a:spcPct val="15000"/>
-            </a:spcAft>
-            <a:buChar char="••"/>
-          </a:pPr>
-          <a:r>
-            <a:rPr lang="id-ID" sz="2000" kern="1200" dirty="0" smtClean="0"/>
-            <a:t>Shofia S.J.</a:t>
-          </a:r>
-          <a:endParaRPr lang="en-US" sz="2000" kern="1200" dirty="0"/>
-        </a:p>
-        <a:p>
-          <a:pPr marL="228600" lvl="1" indent="-228600" algn="l" defTabSz="889000">
-            <a:lnSpc>
-              <a:spcPct val="90000"/>
-            </a:lnSpc>
-            <a:spcBef>
-              <a:spcPct val="0"/>
-            </a:spcBef>
-            <a:spcAft>
-              <a:spcPct val="15000"/>
-            </a:spcAft>
-            <a:buChar char="••"/>
-          </a:pPr>
-          <a:r>
-            <a:rPr lang="id-ID" sz="2000" kern="1200" dirty="0" smtClean="0"/>
-            <a:t>Putri A.</a:t>
-          </a:r>
-          <a:endParaRPr lang="en-US" sz="2000" kern="1200" dirty="0"/>
-        </a:p>
-      </dsp:txBody>
-      <dsp:txXfrm>
-        <a:off x="5910143" y="2180814"/>
-        <a:ext cx="1569861" cy="1185895"/>
-      </dsp:txXfrm>
-    </dsp:sp>
-    <dsp:sp modelId="{1D756465-5B86-4E74-BE6A-16850F6E9514}">
-      <dsp:nvSpPr>
-        <dsp:cNvPr id="0" name=""/>
-        <dsp:cNvSpPr/>
-      </dsp:nvSpPr>
-      <dsp:spPr>
-        <a:xfrm>
-          <a:off x="5881689" y="3366710"/>
-          <a:ext cx="1626769" cy="522170"/>
-        </a:xfrm>
-        <a:prstGeom prst="rect">
-          <a:avLst/>
-        </a:prstGeom>
-        <a:solidFill>
-          <a:schemeClr val="accent1">
-            <a:hueOff val="0"/>
-            <a:satOff val="0"/>
-            <a:lumOff val="0"/>
-            <a:alphaOff val="0"/>
-          </a:schemeClr>
-        </a:solidFill>
-        <a:ln w="15875" cap="flat" cmpd="sng" algn="ctr">
-          <a:solidFill>
-            <a:schemeClr val="accent1">
-              <a:hueOff val="0"/>
-              <a:satOff val="0"/>
-              <a:lumOff val="0"/>
-              <a:alphaOff val="0"/>
-            </a:schemeClr>
-          </a:solidFill>
-          <a:prstDash val="solid"/>
-        </a:ln>
-        <a:effectLst/>
-      </dsp:spPr>
-      <dsp:style>
-        <a:lnRef idx="2">
-          <a:scrgbClr r="0" g="0" b="0"/>
-        </a:lnRef>
-        <a:fillRef idx="1">
-          <a:scrgbClr r="0" g="0" b="0"/>
-        </a:fillRef>
-        <a:effectRef idx="0">
-          <a:scrgbClr r="0" g="0" b="0"/>
-        </a:effectRef>
-        <a:fontRef idx="minor">
-          <a:schemeClr val="lt1"/>
-        </a:fontRef>
-      </dsp:style>
-      <dsp:txBody>
-        <a:bodyPr spcFirstLastPara="0" vert="horz" wrap="square" lIns="72390" tIns="0" rIns="24130" bIns="0" numCol="1" spcCol="1270" anchor="ctr" anchorCtr="0">
-          <a:noAutofit/>
-        </a:bodyPr>
-        <a:lstStyle/>
-        <a:p>
-          <a:pPr lvl="0" algn="l" defTabSz="844550">
-            <a:lnSpc>
-              <a:spcPct val="90000"/>
-            </a:lnSpc>
-            <a:spcBef>
-              <a:spcPct val="0"/>
-            </a:spcBef>
-            <a:spcAft>
-              <a:spcPct val="35000"/>
-            </a:spcAft>
-          </a:pPr>
-          <a:r>
-            <a:rPr lang="id-ID" sz="1900" kern="1200" dirty="0" smtClean="0"/>
-            <a:t>Singleton</a:t>
-          </a:r>
-          <a:endParaRPr lang="en-US" sz="1900" kern="1200" dirty="0"/>
-        </a:p>
-      </dsp:txBody>
-      <dsp:txXfrm>
-        <a:off x="5881689" y="3366710"/>
-        <a:ext cx="1145612" cy="522170"/>
-      </dsp:txXfrm>
-    </dsp:sp>
-    <dsp:sp modelId="{FB65B613-FDC2-4F18-873F-B3A154F7780B}">
-      <dsp:nvSpPr>
-        <dsp:cNvPr id="0" name=""/>
-        <dsp:cNvSpPr/>
-      </dsp:nvSpPr>
-      <dsp:spPr>
-        <a:xfrm>
-          <a:off x="7073320" y="3449652"/>
-          <a:ext cx="569369" cy="569369"/>
-        </a:xfrm>
-        <a:prstGeom prst="ellipse">
-          <a:avLst/>
-        </a:prstGeom>
-        <a:solidFill>
-          <a:schemeClr val="accent1">
-            <a:alpha val="90000"/>
-            <a:tint val="40000"/>
-            <a:hueOff val="0"/>
-            <a:satOff val="0"/>
-            <a:lumOff val="0"/>
-            <a:alphaOff val="0"/>
-          </a:schemeClr>
-        </a:solidFill>
-        <a:ln w="15875" cap="flat" cmpd="sng" algn="ctr">
-          <a:solidFill>
-            <a:schemeClr val="accent1">
-              <a:alpha val="90000"/>
-              <a:tint val="40000"/>
-              <a:hueOff val="0"/>
-              <a:satOff val="0"/>
-              <a:lumOff val="0"/>
-              <a:alphaOff val="0"/>
-            </a:schemeClr>
-          </a:solidFill>
-          <a:prstDash val="solid"/>
-        </a:ln>
-        <a:effectLst/>
-      </dsp:spPr>
-      <dsp:style>
-        <a:lnRef idx="2">
-          <a:scrgbClr r="0" g="0" b="0"/>
-        </a:lnRef>
-        <a:fillRef idx="1">
-          <a:scrgbClr r="0" g="0" b="0"/>
-        </a:fillRef>
-        <a:effectRef idx="0">
-          <a:scrgbClr r="0" g="0" b="0"/>
-        </a:effectRef>
-        <a:fontRef idx="minor"/>
-      </dsp:style>
-    </dsp:sp>
-    <dsp:sp modelId="{D853D8C2-E0C8-4F90-91EA-786545408879}">
-      <dsp:nvSpPr>
-        <dsp:cNvPr id="0" name=""/>
-        <dsp:cNvSpPr/>
-      </dsp:nvSpPr>
-      <dsp:spPr>
-        <a:xfrm>
-          <a:off x="7783747" y="2152360"/>
-          <a:ext cx="1626769" cy="1214349"/>
-        </a:xfrm>
-        <a:prstGeom prst="round2SameRect">
-          <a:avLst>
-            <a:gd name="adj1" fmla="val 8000"/>
-            <a:gd name="adj2" fmla="val 0"/>
-          </a:avLst>
-        </a:prstGeom>
-        <a:solidFill>
-          <a:schemeClr val="lt1">
-            <a:alpha val="90000"/>
-            <a:hueOff val="0"/>
-            <a:satOff val="0"/>
-            <a:lumOff val="0"/>
-            <a:alphaOff val="0"/>
-          </a:schemeClr>
-        </a:solidFill>
-        <a:ln w="15875" cap="flat" cmpd="sng" algn="ctr">
-          <a:solidFill>
-            <a:schemeClr val="accent1">
-              <a:hueOff val="0"/>
-              <a:satOff val="0"/>
-              <a:lumOff val="0"/>
-              <a:alphaOff val="0"/>
-            </a:schemeClr>
-          </a:solidFill>
-          <a:prstDash val="solid"/>
-        </a:ln>
-        <a:effectLst/>
-      </dsp:spPr>
-      <dsp:style>
-        <a:lnRef idx="2">
-          <a:scrgbClr r="0" g="0" b="0"/>
-        </a:lnRef>
-        <a:fillRef idx="1">
-          <a:scrgbClr r="0" g="0" b="0"/>
-        </a:fillRef>
-        <a:effectRef idx="0">
-          <a:scrgbClr r="0" g="0" b="0"/>
-        </a:effectRef>
-        <a:fontRef idx="minor"/>
-      </dsp:style>
-      <dsp:txBody>
-        <a:bodyPr spcFirstLastPara="0" vert="horz" wrap="square" lIns="25400" tIns="76200" rIns="25400" bIns="25400" numCol="1" spcCol="1270" anchor="t" anchorCtr="0">
-          <a:noAutofit/>
-        </a:bodyPr>
-        <a:lstStyle/>
-        <a:p>
-          <a:pPr marL="228600" lvl="1" indent="-228600" algn="l" defTabSz="889000">
-            <a:lnSpc>
-              <a:spcPct val="90000"/>
-            </a:lnSpc>
-            <a:spcBef>
-              <a:spcPct val="0"/>
-            </a:spcBef>
-            <a:spcAft>
-              <a:spcPct val="15000"/>
-            </a:spcAft>
-            <a:buChar char="••"/>
-          </a:pPr>
-          <a:r>
-            <a:rPr lang="id-ID" sz="2000" kern="1200" dirty="0" smtClean="0"/>
-            <a:t>Hasan F.</a:t>
-          </a:r>
-          <a:endParaRPr lang="en-US" sz="2000" kern="1200" dirty="0"/>
-        </a:p>
-        <a:p>
-          <a:pPr marL="228600" lvl="1" indent="-228600" algn="l" defTabSz="889000">
-            <a:lnSpc>
-              <a:spcPct val="90000"/>
-            </a:lnSpc>
-            <a:spcBef>
-              <a:spcPct val="0"/>
-            </a:spcBef>
-            <a:spcAft>
-              <a:spcPct val="15000"/>
-            </a:spcAft>
-            <a:buChar char="••"/>
-          </a:pPr>
-          <a:r>
-            <a:rPr lang="id-ID" sz="2000" kern="1200" dirty="0" smtClean="0"/>
-            <a:t>Miftahul A</a:t>
-          </a:r>
-          <a:endParaRPr lang="en-US" sz="2000" kern="1200" dirty="0"/>
-        </a:p>
-      </dsp:txBody>
-      <dsp:txXfrm>
-        <a:off x="7812201" y="2180814"/>
-        <a:ext cx="1569861" cy="1185895"/>
-      </dsp:txXfrm>
-    </dsp:sp>
-    <dsp:sp modelId="{AC103858-2B44-42E1-994E-604DB1225965}">
-      <dsp:nvSpPr>
-        <dsp:cNvPr id="0" name=""/>
-        <dsp:cNvSpPr/>
-      </dsp:nvSpPr>
-      <dsp:spPr>
-        <a:xfrm>
-          <a:off x="7783747" y="3366710"/>
-          <a:ext cx="1626769" cy="522170"/>
-        </a:xfrm>
-        <a:prstGeom prst="rect">
-          <a:avLst/>
-        </a:prstGeom>
-        <a:solidFill>
-          <a:schemeClr val="accent1">
-            <a:hueOff val="0"/>
-            <a:satOff val="0"/>
-            <a:lumOff val="0"/>
-            <a:alphaOff val="0"/>
-          </a:schemeClr>
-        </a:solidFill>
-        <a:ln w="15875" cap="flat" cmpd="sng" algn="ctr">
-          <a:solidFill>
-            <a:schemeClr val="accent1">
-              <a:hueOff val="0"/>
-              <a:satOff val="0"/>
-              <a:lumOff val="0"/>
-              <a:alphaOff val="0"/>
-            </a:schemeClr>
-          </a:solidFill>
-          <a:prstDash val="solid"/>
-        </a:ln>
-        <a:effectLst/>
-      </dsp:spPr>
-      <dsp:style>
-        <a:lnRef idx="2">
-          <a:scrgbClr r="0" g="0" b="0"/>
-        </a:lnRef>
-        <a:fillRef idx="1">
-          <a:scrgbClr r="0" g="0" b="0"/>
-        </a:fillRef>
-        <a:effectRef idx="0">
-          <a:scrgbClr r="0" g="0" b="0"/>
-        </a:effectRef>
-        <a:fontRef idx="minor">
-          <a:schemeClr val="lt1"/>
-        </a:fontRef>
-      </dsp:style>
-      <dsp:txBody>
-        <a:bodyPr spcFirstLastPara="0" vert="horz" wrap="square" lIns="72390" tIns="0" rIns="24130" bIns="0" numCol="1" spcCol="1270" anchor="ctr" anchorCtr="0">
-          <a:noAutofit/>
-        </a:bodyPr>
-        <a:lstStyle/>
-        <a:p>
-          <a:pPr lvl="0" algn="l" defTabSz="844550">
-            <a:lnSpc>
-              <a:spcPct val="90000"/>
-            </a:lnSpc>
-            <a:spcBef>
-              <a:spcPct val="0"/>
-            </a:spcBef>
-            <a:spcAft>
-              <a:spcPct val="35000"/>
-            </a:spcAft>
-          </a:pPr>
-          <a:r>
-            <a:rPr lang="id-ID" sz="1900" kern="1200" dirty="0" smtClean="0"/>
-            <a:t>Template</a:t>
-          </a:r>
-          <a:endParaRPr lang="en-US" sz="1900" kern="1200" dirty="0"/>
-        </a:p>
-      </dsp:txBody>
-      <dsp:txXfrm>
-        <a:off x="7783747" y="3366710"/>
-        <a:ext cx="1145612" cy="522170"/>
-      </dsp:txXfrm>
-    </dsp:sp>
-    <dsp:sp modelId="{4ABB3540-DAAD-467E-8283-9C7852BBC395}">
-      <dsp:nvSpPr>
-        <dsp:cNvPr id="0" name=""/>
-        <dsp:cNvSpPr/>
-      </dsp:nvSpPr>
-      <dsp:spPr>
-        <a:xfrm>
-          <a:off x="8975378" y="3449652"/>
-          <a:ext cx="569369" cy="569369"/>
-        </a:xfrm>
-        <a:prstGeom prst="ellipse">
-          <a:avLst/>
-        </a:prstGeom>
-        <a:solidFill>
-          <a:schemeClr val="accent1">
-            <a:alpha val="90000"/>
-            <a:tint val="40000"/>
-            <a:hueOff val="0"/>
-            <a:satOff val="0"/>
-            <a:lumOff val="0"/>
-            <a:alphaOff val="0"/>
-          </a:schemeClr>
-        </a:solidFill>
-        <a:ln w="15875" cap="flat" cmpd="sng" algn="ctr">
-          <a:solidFill>
-            <a:schemeClr val="accent1">
-              <a:alpha val="90000"/>
-              <a:tint val="40000"/>
-              <a:hueOff val="0"/>
-              <a:satOff val="0"/>
-              <a:lumOff val="0"/>
-              <a:alphaOff val="0"/>
-            </a:schemeClr>
-          </a:solidFill>
-          <a:prstDash val="solid"/>
-        </a:ln>
-        <a:effectLst/>
-      </dsp:spPr>
-      <dsp:style>
-        <a:lnRef idx="2">
-          <a:scrgbClr r="0" g="0" b="0"/>
-        </a:lnRef>
-        <a:fillRef idx="1">
-          <a:scrgbClr r="0" g="0" b="0"/>
-        </a:fillRef>
-        <a:effectRef idx="0">
-          <a:scrgbClr r="0" g="0" b="0"/>
-        </a:effectRef>
-        <a:fontRef idx="minor"/>
-      </dsp:style>
-    </dsp:sp>
-  </dsp:spTree>
-</dsp:drawing>
-</file>
-
 <file path=ppt/diagrams/layout1.xml><?xml version="1.0" encoding="utf-8"?>
 <dgm:layoutDef xmlns:dgm="http://schemas.openxmlformats.org/drawingml/2006/diagram" xmlns:a="http://schemas.openxmlformats.org/drawingml/2006/main" uniqueId="urn:microsoft.com/office/officeart/2005/8/layout/matrix3">
   <dgm:title val=""/>
@@ -14099,256 +9838,6 @@
 </dgm:layoutDef>
 </file>
 
-<file path=ppt/diagrams/layout5.xml><?xml version="1.0" encoding="utf-8"?>
-<dgm:layoutDef xmlns:dgm="http://schemas.openxmlformats.org/drawingml/2006/diagram" xmlns:a="http://schemas.openxmlformats.org/drawingml/2006/main" uniqueId="urn:microsoft.com/office/officeart/2005/8/layout/bList2">
-  <dgm:title val=""/>
-  <dgm:desc val=""/>
-  <dgm:catLst>
-    <dgm:cat type="list" pri="7000"/>
-    <dgm:cat type="convert" pri="16000"/>
-    <dgm:cat type="picture" pri="28000"/>
-    <dgm:cat type="pictureconvert" pri="28000"/>
-  </dgm:catLst>
-  <dgm:sampData useDef="1">
-    <dgm:dataModel>
-      <dgm:ptLst/>
-      <dgm:bg/>
-      <dgm:whole/>
-    </dgm:dataModel>
-  </dgm:sampData>
-  <dgm:styleData>
-    <dgm:dataModel>
-      <dgm:ptLst>
-        <dgm:pt modelId="0" type="doc"/>
-        <dgm:pt modelId="1"/>
-        <dgm:pt modelId="11"/>
-        <dgm:pt modelId="2"/>
-        <dgm:pt modelId="21"/>
-      </dgm:ptLst>
-      <dgm:cxnLst>
-        <dgm:cxn modelId="4" srcId="0" destId="1" srcOrd="0" destOrd="0"/>
-        <dgm:cxn modelId="5" srcId="0" destId="2" srcOrd="1" destOrd="0"/>
-        <dgm:cxn modelId="13" srcId="1" destId="11" srcOrd="0" destOrd="0"/>
-        <dgm:cxn modelId="23" srcId="2" destId="21" srcOrd="0" destOrd="0"/>
-      </dgm:cxnLst>
-      <dgm:bg/>
-      <dgm:whole/>
-    </dgm:dataModel>
-  </dgm:styleData>
-  <dgm:clrData>
-    <dgm:dataModel>
-      <dgm:ptLst>
-        <dgm:pt modelId="0" type="doc"/>
-        <dgm:pt modelId="1"/>
-        <dgm:pt modelId="11"/>
-        <dgm:pt modelId="2"/>
-        <dgm:pt modelId="21"/>
-        <dgm:pt modelId="3"/>
-        <dgm:pt modelId="31"/>
-        <dgm:pt modelId="4"/>
-        <dgm:pt modelId="41"/>
-      </dgm:ptLst>
-      <dgm:cxnLst>
-        <dgm:cxn modelId="5" srcId="0" destId="1" srcOrd="0" destOrd="0"/>
-        <dgm:cxn modelId="6" srcId="0" destId="2" srcOrd="1" destOrd="0"/>
-        <dgm:cxn modelId="7" srcId="0" destId="3" srcOrd="2" destOrd="0"/>
-        <dgm:cxn modelId="8" srcId="0" destId="4" srcOrd="3" destOrd="0"/>
-        <dgm:cxn modelId="13" srcId="1" destId="11" srcOrd="0" destOrd="0"/>
-        <dgm:cxn modelId="23" srcId="2" destId="21" srcOrd="0" destOrd="0"/>
-        <dgm:cxn modelId="33" srcId="3" destId="31" srcOrd="0" destOrd="0"/>
-        <dgm:cxn modelId="43" srcId="4" destId="41" srcOrd="0" destOrd="0"/>
-      </dgm:cxnLst>
-      <dgm:bg/>
-      <dgm:whole/>
-    </dgm:dataModel>
-  </dgm:clrData>
-  <dgm:layoutNode name="diagram">
-    <dgm:varLst>
-      <dgm:dir/>
-      <dgm:animLvl val="lvl"/>
-      <dgm:resizeHandles val="exact"/>
-    </dgm:varLst>
-    <dgm:choose name="Name0">
-      <dgm:if name="Name1" axis="self" func="var" arg="dir" op="equ" val="norm">
-        <dgm:alg type="snake">
-          <dgm:param type="grDir" val="tL"/>
-          <dgm:param type="flowDir" val="row"/>
-          <dgm:param type="contDir" val="sameDir"/>
-          <dgm:param type="off" val="ctr"/>
-        </dgm:alg>
-      </dgm:if>
-      <dgm:else name="Name2">
-        <dgm:alg type="snake">
-          <dgm:param type="grDir" val="tR"/>
-          <dgm:param type="flowDir" val="row"/>
-          <dgm:param type="contDir" val="sameDir"/>
-          <dgm:param type="off" val="ctr"/>
-        </dgm:alg>
-      </dgm:else>
-    </dgm:choose>
-    <dgm:shape xmlns:r="http://schemas.openxmlformats.org/officeDocument/2006/relationships" r:blip="">
-      <dgm:adjLst/>
-    </dgm:shape>
-    <dgm:presOf/>
-    <dgm:constrLst>
-      <dgm:constr type="w" for="ch" forName="compNode" refType="w"/>
-      <dgm:constr type="w" for="ch" ptType="sibTrans" refType="w" refFor="ch" refForName="compNode" op="equ" fact="0.08"/>
-      <dgm:constr type="sp" refType="w" refFor="ch" refForName="compNode" op="equ" fact="0.16"/>
-      <dgm:constr type="primFontSz" for="des" forName="parentText" op="equ" val="65"/>
-      <dgm:constr type="primFontSz" for="des" forName="childRect" op="equ" val="65"/>
-    </dgm:constrLst>
-    <dgm:ruleLst/>
-    <dgm:forEach name="nodesForEach" axis="ch" ptType="node">
-      <dgm:layoutNode name="compNode">
-        <dgm:alg type="composite">
-          <dgm:param type="ar" val="0.943"/>
-        </dgm:alg>
-        <dgm:shape xmlns:r="http://schemas.openxmlformats.org/officeDocument/2006/relationships" r:blip="">
-          <dgm:adjLst/>
-        </dgm:shape>
-        <dgm:presOf/>
-        <dgm:choose name="Name3">
-          <dgm:if name="Name4" axis="self" func="var" arg="dir" op="equ" val="norm">
-            <dgm:constrLst>
-              <dgm:constr type="w" val="1"/>
-              <dgm:constr type="h" refType="w" fact="1.06"/>
-              <dgm:constr type="h" for="ch" forName="childRect" refType="h" fact="0.65"/>
-              <dgm:constr type="w" for="ch" forName="childRect" refType="w" fact="0.923"/>
-              <dgm:constr type="l" for="ch" forName="childRect"/>
-              <dgm:constr type="t" for="ch" forName="childRect"/>
-              <dgm:constr type="w" for="ch" forName="parentText" refType="w" fact="0.65"/>
-              <dgm:constr type="h" for="ch" forName="parentText" refType="h" refFor="ch" refForName="childRect" fact="0.43"/>
-              <dgm:constr type="l" for="ch" forName="parentText"/>
-              <dgm:constr type="t" for="ch" forName="parentText" refType="h" refFor="ch" refForName="childRect"/>
-              <dgm:constr type="w" for="ch" forName="parentRect" refType="w" fact="0.923"/>
-              <dgm:constr type="h" for="ch" forName="parentRect" refType="h" refFor="ch" refForName="parentText"/>
-              <dgm:constr type="l" for="ch" forName="parentRect"/>
-              <dgm:constr type="t" for="ch" forName="parentRect" refType="t" refFor="ch" refForName="parentText"/>
-              <dgm:constr type="w" for="ch" forName="adorn" refType="w" refFor="ch" refForName="parentRect" fact="0.35"/>
-              <dgm:constr type="h" for="ch" forName="adorn" refType="w" refFor="ch" refForName="parentRect" fact="0.35"/>
-              <dgm:constr type="b" for="ch" forName="adorn" refType="h"/>
-              <dgm:constr type="r" for="ch" forName="adorn" refType="w"/>
-            </dgm:constrLst>
-          </dgm:if>
-          <dgm:else name="Name5">
-            <dgm:constrLst>
-              <dgm:constr type="w" val="1"/>
-              <dgm:constr type="h" refType="w" fact="1.06"/>
-              <dgm:constr type="h" for="ch" forName="childRect" refType="h" fact="0.65"/>
-              <dgm:constr type="w" for="ch" forName="childRect" refType="w" fact="0.923"/>
-              <dgm:constr type="r" for="ch" forName="childRect" refType="w"/>
-              <dgm:constr type="t" for="ch" forName="childRect"/>
-              <dgm:constr type="w" for="ch" forName="parentText" refType="w" fact="0.65"/>
-              <dgm:constr type="h" for="ch" forName="parentText" refType="h" refFor="ch" refForName="childRect" fact="0.43"/>
-              <dgm:constr type="r" for="ch" forName="parentText" refType="w"/>
-              <dgm:constr type="t" for="ch" forName="parentText" refType="h" refFor="ch" refForName="childRect"/>
-              <dgm:constr type="w" for="ch" forName="parentRect" refType="w" fact="0.923"/>
-              <dgm:constr type="h" for="ch" forName="parentRect" refType="h" refFor="ch" refForName="parentText"/>
-              <dgm:constr type="r" for="ch" forName="parentRect" refType="w"/>
-              <dgm:constr type="t" for="ch" forName="parentRect" refType="t" refFor="ch" refForName="parentText"/>
-              <dgm:constr type="w" for="ch" forName="adorn" refType="w" refFor="ch" refForName="parentRect" fact="0.35"/>
-              <dgm:constr type="h" for="ch" forName="adorn" refType="w" refFor="ch" refForName="parentRect" fact="0.35"/>
-              <dgm:constr type="b" for="ch" forName="adorn" refType="h"/>
-              <dgm:constr type="l" for="ch" forName="adorn"/>
-            </dgm:constrLst>
-          </dgm:else>
-        </dgm:choose>
-        <dgm:ruleLst/>
-        <dgm:layoutNode name="childRect" styleLbl="bgAcc1">
-          <dgm:varLst>
-            <dgm:bulletEnabled val="1"/>
-          </dgm:varLst>
-          <dgm:alg type="tx">
-            <dgm:param type="stBulletLvl" val="1"/>
-          </dgm:alg>
-          <dgm:shape xmlns:r="http://schemas.openxmlformats.org/officeDocument/2006/relationships" type="round2SameRect" r:blip="">
-            <dgm:adjLst>
-              <dgm:adj idx="1" val="0.08"/>
-            </dgm:adjLst>
-          </dgm:shape>
-          <dgm:presOf axis="des" ptType="node"/>
-          <dgm:constrLst>
-            <dgm:constr type="secFontSz" refType="primFontSz"/>
-            <dgm:constr type="tMarg" refType="primFontSz" fact="0.3"/>
-            <dgm:constr type="bMarg" refType="primFontSz" fact="0.1"/>
-            <dgm:constr type="lMarg" refType="primFontSz" fact="0.1"/>
-            <dgm:constr type="rMarg" refType="primFontSz" fact="0.1"/>
-          </dgm:constrLst>
-          <dgm:ruleLst>
-            <dgm:rule type="primFontSz" val="5" fact="NaN" max="NaN"/>
-          </dgm:ruleLst>
-        </dgm:layoutNode>
-        <dgm:layoutNode name="parentText">
-          <dgm:varLst>
-            <dgm:chMax val="0"/>
-            <dgm:bulletEnabled val="1"/>
-          </dgm:varLst>
-          <dgm:choose name="Name6">
-            <dgm:if name="Name7" func="var" arg="dir" op="equ" val="norm">
-              <dgm:alg type="tx">
-                <dgm:param type="parTxLTRAlign" val="l"/>
-                <dgm:param type="parTxRTLAlign" val="l"/>
-              </dgm:alg>
-            </dgm:if>
-            <dgm:else name="Name8">
-              <dgm:alg type="tx">
-                <dgm:param type="parTxLTRAlign" val="r"/>
-                <dgm:param type="parTxRTLAlign" val="r"/>
-              </dgm:alg>
-            </dgm:else>
-          </dgm:choose>
-          <dgm:shape xmlns:r="http://schemas.openxmlformats.org/officeDocument/2006/relationships" type="rect" r:blip="" zOrderOff="1" hideGeom="1">
-            <dgm:adjLst/>
-          </dgm:shape>
-          <dgm:presOf axis="self" ptType="node"/>
-          <dgm:constrLst>
-            <dgm:constr type="tMarg"/>
-            <dgm:constr type="bMarg"/>
-            <dgm:constr type="lMarg" refType="primFontSz" fact="0.3"/>
-            <dgm:constr type="rMarg" refType="primFontSz" fact="0.1"/>
-          </dgm:constrLst>
-          <dgm:ruleLst>
-            <dgm:rule type="primFontSz" val="5" fact="NaN" max="NaN"/>
-          </dgm:ruleLst>
-        </dgm:layoutNode>
-        <dgm:layoutNode name="parentRect" styleLbl="alignNode1">
-          <dgm:alg type="sp"/>
-          <dgm:shape xmlns:r="http://schemas.openxmlformats.org/officeDocument/2006/relationships" type="rect" r:blip="">
-            <dgm:adjLst/>
-          </dgm:shape>
-          <dgm:presOf axis="self" ptType="node"/>
-          <dgm:constrLst/>
-          <dgm:ruleLst/>
-        </dgm:layoutNode>
-        <dgm:layoutNode name="adorn" styleLbl="fgAccFollowNode1">
-          <dgm:alg type="sp"/>
-          <dgm:shape xmlns:r="http://schemas.openxmlformats.org/officeDocument/2006/relationships" type="ellipse" r:blip="" blipPhldr="1">
-            <dgm:adjLst/>
-          </dgm:shape>
-          <dgm:presOf/>
-          <dgm:constrLst/>
-          <dgm:ruleLst/>
-        </dgm:layoutNode>
-      </dgm:layoutNode>
-      <dgm:forEach name="sibTransForEach" axis="followSib" ptType="sibTrans" cnt="1">
-        <dgm:layoutNode name="sibTrans">
-          <dgm:alg type="sp"/>
-          <dgm:shape xmlns:r="http://schemas.openxmlformats.org/officeDocument/2006/relationships" type="rect" r:blip="" hideGeom="1">
-            <dgm:adjLst/>
-          </dgm:shape>
-          <dgm:presOf axis="self"/>
-          <dgm:constrLst>
-            <dgm:constr type="w" val="1"/>
-            <dgm:constr type="h" refType="w"/>
-          </dgm:constrLst>
-          <dgm:ruleLst/>
-        </dgm:layoutNode>
-      </dgm:forEach>
-    </dgm:forEach>
-  </dgm:layoutNode>
-</dgm:layoutDef>
-</file>
-
 <file path=ppt/diagrams/quickStyle1.xml><?xml version="1.0" encoding="utf-8"?>
 <dgm:styleDef xmlns:dgm="http://schemas.openxmlformats.org/drawingml/2006/diagram" xmlns:a="http://schemas.openxmlformats.org/drawingml/2006/main" uniqueId="urn:microsoft.com/office/officeart/2005/8/quickstyle/simple1">
   <dgm:title val=""/>
@@ -17452,1040 +12941,6 @@
 </file>
 
 <file path=ppt/diagrams/quickStyle4.xml><?xml version="1.0" encoding="utf-8"?>
-<dgm:styleDef xmlns:dgm="http://schemas.openxmlformats.org/drawingml/2006/diagram" xmlns:a="http://schemas.openxmlformats.org/drawingml/2006/main" uniqueId="urn:microsoft.com/office/officeart/2005/8/quickstyle/simple1">
-  <dgm:title val=""/>
-  <dgm:desc val=""/>
-  <dgm:catLst>
-    <dgm:cat type="simple" pri="10100"/>
-  </dgm:catLst>
-  <dgm:scene3d>
-    <a:camera prst="orthographicFront"/>
-    <a:lightRig rig="threePt" dir="t"/>
-  </dgm:scene3d>
-  <dgm:styleLbl name="node0">
-    <dgm:scene3d>
-      <a:camera prst="orthographicFront"/>
-      <a:lightRig rig="threePt" dir="t"/>
-    </dgm:scene3d>
-    <dgm:sp3d/>
-    <dgm:txPr/>
-    <dgm:style>
-      <a:lnRef idx="2">
-        <a:scrgbClr r="0" g="0" b="0"/>
-      </a:lnRef>
-      <a:fillRef idx="1">
-        <a:scrgbClr r="0" g="0" b="0"/>
-      </a:fillRef>
-      <a:effectRef idx="0">
-        <a:scrgbClr r="0" g="0" b="0"/>
-      </a:effectRef>
-      <a:fontRef idx="minor">
-        <a:schemeClr val="lt1"/>
-      </a:fontRef>
-    </dgm:style>
-  </dgm:styleLbl>
-  <dgm:styleLbl name="lnNode1">
-    <dgm:scene3d>
-      <a:camera prst="orthographicFront"/>
-      <a:lightRig rig="threePt" dir="t"/>
-    </dgm:scene3d>
-    <dgm:sp3d/>
-    <dgm:txPr/>
-    <dgm:style>
-      <a:lnRef idx="2">
-        <a:scrgbClr r="0" g="0" b="0"/>
-      </a:lnRef>
-      <a:fillRef idx="1">
-        <a:scrgbClr r="0" g="0" b="0"/>
-      </a:fillRef>
-      <a:effectRef idx="0">
-        <a:scrgbClr r="0" g="0" b="0"/>
-      </a:effectRef>
-      <a:fontRef idx="minor">
-        <a:schemeClr val="lt1"/>
-      </a:fontRef>
-    </dgm:style>
-  </dgm:styleLbl>
-  <dgm:styleLbl name="vennNode1">
-    <dgm:scene3d>
-      <a:camera prst="orthographicFront"/>
-      <a:lightRig rig="threePt" dir="t"/>
-    </dgm:scene3d>
-    <dgm:sp3d/>
-    <dgm:txPr/>
-    <dgm:style>
-      <a:lnRef idx="2">
-        <a:scrgbClr r="0" g="0" b="0"/>
-      </a:lnRef>
-      <a:fillRef idx="1">
-        <a:scrgbClr r="0" g="0" b="0"/>
-      </a:fillRef>
-      <a:effectRef idx="0">
-        <a:scrgbClr r="0" g="0" b="0"/>
-      </a:effectRef>
-      <a:fontRef idx="minor">
-        <a:schemeClr val="tx1"/>
-      </a:fontRef>
-    </dgm:style>
-  </dgm:styleLbl>
-  <dgm:styleLbl name="alignNode1">
-    <dgm:scene3d>
-      <a:camera prst="orthographicFront"/>
-      <a:lightRig rig="threePt" dir="t"/>
-    </dgm:scene3d>
-    <dgm:sp3d/>
-    <dgm:txPr/>
-    <dgm:style>
-      <a:lnRef idx="2">
-        <a:scrgbClr r="0" g="0" b="0"/>
-      </a:lnRef>
-      <a:fillRef idx="1">
-        <a:scrgbClr r="0" g="0" b="0"/>
-      </a:fillRef>
-      <a:effectRef idx="0">
-        <a:scrgbClr r="0" g="0" b="0"/>
-      </a:effectRef>
-      <a:fontRef idx="minor">
-        <a:schemeClr val="lt1"/>
-      </a:fontRef>
-    </dgm:style>
-  </dgm:styleLbl>
-  <dgm:styleLbl name="node1">
-    <dgm:scene3d>
-      <a:camera prst="orthographicFront"/>
-      <a:lightRig rig="threePt" dir="t"/>
-    </dgm:scene3d>
-    <dgm:sp3d/>
-    <dgm:txPr/>
-    <dgm:style>
-      <a:lnRef idx="2">
-        <a:scrgbClr r="0" g="0" b="0"/>
-      </a:lnRef>
-      <a:fillRef idx="1">
-        <a:scrgbClr r="0" g="0" b="0"/>
-      </a:fillRef>
-      <a:effectRef idx="0">
-        <a:scrgbClr r="0" g="0" b="0"/>
-      </a:effectRef>
-      <a:fontRef idx="minor">
-        <a:schemeClr val="lt1"/>
-      </a:fontRef>
-    </dgm:style>
-  </dgm:styleLbl>
-  <dgm:styleLbl name="node2">
-    <dgm:scene3d>
-      <a:camera prst="orthographicFront"/>
-      <a:lightRig rig="threePt" dir="t"/>
-    </dgm:scene3d>
-    <dgm:sp3d/>
-    <dgm:txPr/>
-    <dgm:style>
-      <a:lnRef idx="2">
-        <a:scrgbClr r="0" g="0" b="0"/>
-      </a:lnRef>
-      <a:fillRef idx="1">
-        <a:scrgbClr r="0" g="0" b="0"/>
-      </a:fillRef>
-      <a:effectRef idx="0">
-        <a:scrgbClr r="0" g="0" b="0"/>
-      </a:effectRef>
-      <a:fontRef idx="minor">
-        <a:schemeClr val="lt1"/>
-      </a:fontRef>
-    </dgm:style>
-  </dgm:styleLbl>
-  <dgm:styleLbl name="node3">
-    <dgm:scene3d>
-      <a:camera prst="orthographicFront"/>
-      <a:lightRig rig="threePt" dir="t"/>
-    </dgm:scene3d>
-    <dgm:sp3d/>
-    <dgm:txPr/>
-    <dgm:style>
-      <a:lnRef idx="2">
-        <a:scrgbClr r="0" g="0" b="0"/>
-      </a:lnRef>
-      <a:fillRef idx="1">
-        <a:scrgbClr r="0" g="0" b="0"/>
-      </a:fillRef>
-      <a:effectRef idx="0">
-        <a:scrgbClr r="0" g="0" b="0"/>
-      </a:effectRef>
-      <a:fontRef idx="minor">
-        <a:schemeClr val="lt1"/>
-      </a:fontRef>
-    </dgm:style>
-  </dgm:styleLbl>
-  <dgm:styleLbl name="node4">
-    <dgm:scene3d>
-      <a:camera prst="orthographicFront"/>
-      <a:lightRig rig="threePt" dir="t"/>
-    </dgm:scene3d>
-    <dgm:sp3d/>
-    <dgm:txPr/>
-    <dgm:style>
-      <a:lnRef idx="2">
-        <a:scrgbClr r="0" g="0" b="0"/>
-      </a:lnRef>
-      <a:fillRef idx="1">
-        <a:scrgbClr r="0" g="0" b="0"/>
-      </a:fillRef>
-      <a:effectRef idx="0">
-        <a:scrgbClr r="0" g="0" b="0"/>
-      </a:effectRef>
-      <a:fontRef idx="minor">
-        <a:schemeClr val="lt1"/>
-      </a:fontRef>
-    </dgm:style>
-  </dgm:styleLbl>
-  <dgm:styleLbl name="fgImgPlace1">
-    <dgm:scene3d>
-      <a:camera prst="orthographicFront"/>
-      <a:lightRig rig="threePt" dir="t"/>
-    </dgm:scene3d>
-    <dgm:sp3d/>
-    <dgm:txPr/>
-    <dgm:style>
-      <a:lnRef idx="2">
-        <a:scrgbClr r="0" g="0" b="0"/>
-      </a:lnRef>
-      <a:fillRef idx="1">
-        <a:scrgbClr r="0" g="0" b="0"/>
-      </a:fillRef>
-      <a:effectRef idx="0">
-        <a:scrgbClr r="0" g="0" b="0"/>
-      </a:effectRef>
-      <a:fontRef idx="minor"/>
-    </dgm:style>
-  </dgm:styleLbl>
-  <dgm:styleLbl name="alignImgPlace1">
-    <dgm:scene3d>
-      <a:camera prst="orthographicFront"/>
-      <a:lightRig rig="threePt" dir="t"/>
-    </dgm:scene3d>
-    <dgm:sp3d/>
-    <dgm:txPr/>
-    <dgm:style>
-      <a:lnRef idx="2">
-        <a:scrgbClr r="0" g="0" b="0"/>
-      </a:lnRef>
-      <a:fillRef idx="1">
-        <a:scrgbClr r="0" g="0" b="0"/>
-      </a:fillRef>
-      <a:effectRef idx="0">
-        <a:scrgbClr r="0" g="0" b="0"/>
-      </a:effectRef>
-      <a:fontRef idx="minor"/>
-    </dgm:style>
-  </dgm:styleLbl>
-  <dgm:styleLbl name="bgImgPlace1">
-    <dgm:scene3d>
-      <a:camera prst="orthographicFront"/>
-      <a:lightRig rig="threePt" dir="t"/>
-    </dgm:scene3d>
-    <dgm:sp3d/>
-    <dgm:txPr/>
-    <dgm:style>
-      <a:lnRef idx="2">
-        <a:scrgbClr r="0" g="0" b="0"/>
-      </a:lnRef>
-      <a:fillRef idx="1">
-        <a:scrgbClr r="0" g="0" b="0"/>
-      </a:fillRef>
-      <a:effectRef idx="0">
-        <a:scrgbClr r="0" g="0" b="0"/>
-      </a:effectRef>
-      <a:fontRef idx="minor"/>
-    </dgm:style>
-  </dgm:styleLbl>
-  <dgm:styleLbl name="sibTrans2D1">
-    <dgm:scene3d>
-      <a:camera prst="orthographicFront"/>
-      <a:lightRig rig="threePt" dir="t"/>
-    </dgm:scene3d>
-    <dgm:sp3d/>
-    <dgm:txPr/>
-    <dgm:style>
-      <a:lnRef idx="0">
-        <a:scrgbClr r="0" g="0" b="0"/>
-      </a:lnRef>
-      <a:fillRef idx="1">
-        <a:scrgbClr r="0" g="0" b="0"/>
-      </a:fillRef>
-      <a:effectRef idx="0">
-        <a:scrgbClr r="0" g="0" b="0"/>
-      </a:effectRef>
-      <a:fontRef idx="minor">
-        <a:schemeClr val="lt1"/>
-      </a:fontRef>
-    </dgm:style>
-  </dgm:styleLbl>
-  <dgm:styleLbl name="fgSibTrans2D1">
-    <dgm:scene3d>
-      <a:camera prst="orthographicFront"/>
-      <a:lightRig rig="threePt" dir="t"/>
-    </dgm:scene3d>
-    <dgm:sp3d/>
-    <dgm:txPr/>
-    <dgm:style>
-      <a:lnRef idx="0">
-        <a:scrgbClr r="0" g="0" b="0"/>
-      </a:lnRef>
-      <a:fillRef idx="1">
-        <a:scrgbClr r="0" g="0" b="0"/>
-      </a:fillRef>
-      <a:effectRef idx="0">
-        <a:scrgbClr r="0" g="0" b="0"/>
-      </a:effectRef>
-      <a:fontRef idx="minor">
-        <a:schemeClr val="lt1"/>
-      </a:fontRef>
-    </dgm:style>
-  </dgm:styleLbl>
-  <dgm:styleLbl name="bgSibTrans2D1">
-    <dgm:scene3d>
-      <a:camera prst="orthographicFront"/>
-      <a:lightRig rig="threePt" dir="t"/>
-    </dgm:scene3d>
-    <dgm:sp3d/>
-    <dgm:txPr/>
-    <dgm:style>
-      <a:lnRef idx="0">
-        <a:scrgbClr r="0" g="0" b="0"/>
-      </a:lnRef>
-      <a:fillRef idx="1">
-        <a:scrgbClr r="0" g="0" b="0"/>
-      </a:fillRef>
-      <a:effectRef idx="0">
-        <a:scrgbClr r="0" g="0" b="0"/>
-      </a:effectRef>
-      <a:fontRef idx="minor">
-        <a:schemeClr val="lt1"/>
-      </a:fontRef>
-    </dgm:style>
-  </dgm:styleLbl>
-  <dgm:styleLbl name="sibTrans1D1">
-    <dgm:scene3d>
-      <a:camera prst="orthographicFront"/>
-      <a:lightRig rig="threePt" dir="t"/>
-    </dgm:scene3d>
-    <dgm:sp3d/>
-    <dgm:txPr/>
-    <dgm:style>
-      <a:lnRef idx="1">
-        <a:scrgbClr r="0" g="0" b="0"/>
-      </a:lnRef>
-      <a:fillRef idx="0">
-        <a:scrgbClr r="0" g="0" b="0"/>
-      </a:fillRef>
-      <a:effectRef idx="0">
-        <a:scrgbClr r="0" g="0" b="0"/>
-      </a:effectRef>
-      <a:fontRef idx="minor"/>
-    </dgm:style>
-  </dgm:styleLbl>
-  <dgm:styleLbl name="callout">
-    <dgm:scene3d>
-      <a:camera prst="orthographicFront"/>
-      <a:lightRig rig="threePt" dir="t"/>
-    </dgm:scene3d>
-    <dgm:sp3d/>
-    <dgm:txPr/>
-    <dgm:style>
-      <a:lnRef idx="2">
-        <a:scrgbClr r="0" g="0" b="0"/>
-      </a:lnRef>
-      <a:fillRef idx="1">
-        <a:scrgbClr r="0" g="0" b="0"/>
-      </a:fillRef>
-      <a:effectRef idx="0">
-        <a:scrgbClr r="0" g="0" b="0"/>
-      </a:effectRef>
-      <a:fontRef idx="minor"/>
-    </dgm:style>
-  </dgm:styleLbl>
-  <dgm:styleLbl name="asst0">
-    <dgm:scene3d>
-      <a:camera prst="orthographicFront"/>
-      <a:lightRig rig="threePt" dir="t"/>
-    </dgm:scene3d>
-    <dgm:sp3d/>
-    <dgm:txPr/>
-    <dgm:style>
-      <a:lnRef idx="2">
-        <a:scrgbClr r="0" g="0" b="0"/>
-      </a:lnRef>
-      <a:fillRef idx="1">
-        <a:scrgbClr r="0" g="0" b="0"/>
-      </a:fillRef>
-      <a:effectRef idx="0">
-        <a:scrgbClr r="0" g="0" b="0"/>
-      </a:effectRef>
-      <a:fontRef idx="minor">
-        <a:schemeClr val="lt1"/>
-      </a:fontRef>
-    </dgm:style>
-  </dgm:styleLbl>
-  <dgm:styleLbl name="asst1">
-    <dgm:scene3d>
-      <a:camera prst="orthographicFront"/>
-      <a:lightRig rig="threePt" dir="t"/>
-    </dgm:scene3d>
-    <dgm:sp3d/>
-    <dgm:txPr/>
-    <dgm:style>
-      <a:lnRef idx="2">
-        <a:scrgbClr r="0" g="0" b="0"/>
-      </a:lnRef>
-      <a:fillRef idx="1">
-        <a:scrgbClr r="0" g="0" b="0"/>
-      </a:fillRef>
-      <a:effectRef idx="0">
-        <a:scrgbClr r="0" g="0" b="0"/>
-      </a:effectRef>
-      <a:fontRef idx="minor">
-        <a:schemeClr val="lt1"/>
-      </a:fontRef>
-    </dgm:style>
-  </dgm:styleLbl>
-  <dgm:styleLbl name="asst2">
-    <dgm:scene3d>
-      <a:camera prst="orthographicFront"/>
-      <a:lightRig rig="threePt" dir="t"/>
-    </dgm:scene3d>
-    <dgm:sp3d/>
-    <dgm:txPr/>
-    <dgm:style>
-      <a:lnRef idx="2">
-        <a:scrgbClr r="0" g="0" b="0"/>
-      </a:lnRef>
-      <a:fillRef idx="1">
-        <a:scrgbClr r="0" g="0" b="0"/>
-      </a:fillRef>
-      <a:effectRef idx="0">
-        <a:scrgbClr r="0" g="0" b="0"/>
-      </a:effectRef>
-      <a:fontRef idx="minor">
-        <a:schemeClr val="lt1"/>
-      </a:fontRef>
-    </dgm:style>
-  </dgm:styleLbl>
-  <dgm:styleLbl name="asst3">
-    <dgm:scene3d>
-      <a:camera prst="orthographicFront"/>
-      <a:lightRig rig="threePt" dir="t"/>
-    </dgm:scene3d>
-    <dgm:sp3d/>
-    <dgm:txPr/>
-    <dgm:style>
-      <a:lnRef idx="2">
-        <a:scrgbClr r="0" g="0" b="0"/>
-      </a:lnRef>
-      <a:fillRef idx="1">
-        <a:scrgbClr r="0" g="0" b="0"/>
-      </a:fillRef>
-      <a:effectRef idx="0">
-        <a:scrgbClr r="0" g="0" b="0"/>
-      </a:effectRef>
-      <a:fontRef idx="minor">
-        <a:schemeClr val="lt1"/>
-      </a:fontRef>
-    </dgm:style>
-  </dgm:styleLbl>
-  <dgm:styleLbl name="asst4">
-    <dgm:scene3d>
-      <a:camera prst="orthographicFront"/>
-      <a:lightRig rig="threePt" dir="t"/>
-    </dgm:scene3d>
-    <dgm:sp3d/>
-    <dgm:txPr/>
-    <dgm:style>
-      <a:lnRef idx="2">
-        <a:scrgbClr r="0" g="0" b="0"/>
-      </a:lnRef>
-      <a:fillRef idx="1">
-        <a:scrgbClr r="0" g="0" b="0"/>
-      </a:fillRef>
-      <a:effectRef idx="0">
-        <a:scrgbClr r="0" g="0" b="0"/>
-      </a:effectRef>
-      <a:fontRef idx="minor">
-        <a:schemeClr val="lt1"/>
-      </a:fontRef>
-    </dgm:style>
-  </dgm:styleLbl>
-  <dgm:styleLbl name="parChTrans2D1">
-    <dgm:scene3d>
-      <a:camera prst="orthographicFront"/>
-      <a:lightRig rig="threePt" dir="t"/>
-    </dgm:scene3d>
-    <dgm:sp3d/>
-    <dgm:txPr/>
-    <dgm:style>
-      <a:lnRef idx="2">
-        <a:scrgbClr r="0" g="0" b="0"/>
-      </a:lnRef>
-      <a:fillRef idx="1">
-        <a:scrgbClr r="0" g="0" b="0"/>
-      </a:fillRef>
-      <a:effectRef idx="0">
-        <a:scrgbClr r="0" g="0" b="0"/>
-      </a:effectRef>
-      <a:fontRef idx="minor">
-        <a:schemeClr val="lt1"/>
-      </a:fontRef>
-    </dgm:style>
-  </dgm:styleLbl>
-  <dgm:styleLbl name="parChTrans2D2">
-    <dgm:scene3d>
-      <a:camera prst="orthographicFront"/>
-      <a:lightRig rig="threePt" dir="t"/>
-    </dgm:scene3d>
-    <dgm:sp3d/>
-    <dgm:txPr/>
-    <dgm:style>
-      <a:lnRef idx="2">
-        <a:scrgbClr r="0" g="0" b="0"/>
-      </a:lnRef>
-      <a:fillRef idx="1">
-        <a:scrgbClr r="0" g="0" b="0"/>
-      </a:fillRef>
-      <a:effectRef idx="0">
-        <a:scrgbClr r="0" g="0" b="0"/>
-      </a:effectRef>
-      <a:fontRef idx="minor">
-        <a:schemeClr val="lt1"/>
-      </a:fontRef>
-    </dgm:style>
-  </dgm:styleLbl>
-  <dgm:styleLbl name="parChTrans2D3">
-    <dgm:scene3d>
-      <a:camera prst="orthographicFront"/>
-      <a:lightRig rig="threePt" dir="t"/>
-    </dgm:scene3d>
-    <dgm:sp3d/>
-    <dgm:txPr/>
-    <dgm:style>
-      <a:lnRef idx="2">
-        <a:scrgbClr r="0" g="0" b="0"/>
-      </a:lnRef>
-      <a:fillRef idx="1">
-        <a:scrgbClr r="0" g="0" b="0"/>
-      </a:fillRef>
-      <a:effectRef idx="0">
-        <a:scrgbClr r="0" g="0" b="0"/>
-      </a:effectRef>
-      <a:fontRef idx="minor">
-        <a:schemeClr val="lt1"/>
-      </a:fontRef>
-    </dgm:style>
-  </dgm:styleLbl>
-  <dgm:styleLbl name="parChTrans2D4">
-    <dgm:scene3d>
-      <a:camera prst="orthographicFront"/>
-      <a:lightRig rig="threePt" dir="t"/>
-    </dgm:scene3d>
-    <dgm:sp3d/>
-    <dgm:txPr/>
-    <dgm:style>
-      <a:lnRef idx="2">
-        <a:scrgbClr r="0" g="0" b="0"/>
-      </a:lnRef>
-      <a:fillRef idx="1">
-        <a:scrgbClr r="0" g="0" b="0"/>
-      </a:fillRef>
-      <a:effectRef idx="0">
-        <a:scrgbClr r="0" g="0" b="0"/>
-      </a:effectRef>
-      <a:fontRef idx="minor">
-        <a:schemeClr val="lt1"/>
-      </a:fontRef>
-    </dgm:style>
-  </dgm:styleLbl>
-  <dgm:styleLbl name="parChTrans1D1">
-    <dgm:scene3d>
-      <a:camera prst="orthographicFront"/>
-      <a:lightRig rig="threePt" dir="t"/>
-    </dgm:scene3d>
-    <dgm:sp3d/>
-    <dgm:txPr/>
-    <dgm:style>
-      <a:lnRef idx="2">
-        <a:scrgbClr r="0" g="0" b="0"/>
-      </a:lnRef>
-      <a:fillRef idx="0">
-        <a:scrgbClr r="0" g="0" b="0"/>
-      </a:fillRef>
-      <a:effectRef idx="0">
-        <a:scrgbClr r="0" g="0" b="0"/>
-      </a:effectRef>
-      <a:fontRef idx="minor"/>
-    </dgm:style>
-  </dgm:styleLbl>
-  <dgm:styleLbl name="parChTrans1D2">
-    <dgm:scene3d>
-      <a:camera prst="orthographicFront"/>
-      <a:lightRig rig="threePt" dir="t"/>
-    </dgm:scene3d>
-    <dgm:sp3d/>
-    <dgm:txPr/>
-    <dgm:style>
-      <a:lnRef idx="2">
-        <a:scrgbClr r="0" g="0" b="0"/>
-      </a:lnRef>
-      <a:fillRef idx="0">
-        <a:scrgbClr r="0" g="0" b="0"/>
-      </a:fillRef>
-      <a:effectRef idx="0">
-        <a:scrgbClr r="0" g="0" b="0"/>
-      </a:effectRef>
-      <a:fontRef idx="minor"/>
-    </dgm:style>
-  </dgm:styleLbl>
-  <dgm:styleLbl name="parChTrans1D3">
-    <dgm:scene3d>
-      <a:camera prst="orthographicFront"/>
-      <a:lightRig rig="threePt" dir="t"/>
-    </dgm:scene3d>
-    <dgm:sp3d/>
-    <dgm:txPr/>
-    <dgm:style>
-      <a:lnRef idx="2">
-        <a:scrgbClr r="0" g="0" b="0"/>
-      </a:lnRef>
-      <a:fillRef idx="0">
-        <a:scrgbClr r="0" g="0" b="0"/>
-      </a:fillRef>
-      <a:effectRef idx="0">
-        <a:scrgbClr r="0" g="0" b="0"/>
-      </a:effectRef>
-      <a:fontRef idx="minor"/>
-    </dgm:style>
-  </dgm:styleLbl>
-  <dgm:styleLbl name="parChTrans1D4">
-    <dgm:scene3d>
-      <a:camera prst="orthographicFront"/>
-      <a:lightRig rig="threePt" dir="t"/>
-    </dgm:scene3d>
-    <dgm:sp3d/>
-    <dgm:txPr/>
-    <dgm:style>
-      <a:lnRef idx="2">
-        <a:scrgbClr r="0" g="0" b="0"/>
-      </a:lnRef>
-      <a:fillRef idx="0">
-        <a:scrgbClr r="0" g="0" b="0"/>
-      </a:fillRef>
-      <a:effectRef idx="0">
-        <a:scrgbClr r="0" g="0" b="0"/>
-      </a:effectRef>
-      <a:fontRef idx="minor"/>
-    </dgm:style>
-  </dgm:styleLbl>
-  <dgm:styleLbl name="fgAcc1">
-    <dgm:scene3d>
-      <a:camera prst="orthographicFront"/>
-      <a:lightRig rig="threePt" dir="t"/>
-    </dgm:scene3d>
-    <dgm:sp3d/>
-    <dgm:txPr/>
-    <dgm:style>
-      <a:lnRef idx="2">
-        <a:scrgbClr r="0" g="0" b="0"/>
-      </a:lnRef>
-      <a:fillRef idx="1">
-        <a:scrgbClr r="0" g="0" b="0"/>
-      </a:fillRef>
-      <a:effectRef idx="0">
-        <a:scrgbClr r="0" g="0" b="0"/>
-      </a:effectRef>
-      <a:fontRef idx="minor"/>
-    </dgm:style>
-  </dgm:styleLbl>
-  <dgm:styleLbl name="conFgAcc1">
-    <dgm:scene3d>
-      <a:camera prst="orthographicFront"/>
-      <a:lightRig rig="threePt" dir="t"/>
-    </dgm:scene3d>
-    <dgm:sp3d/>
-    <dgm:txPr/>
-    <dgm:style>
-      <a:lnRef idx="2">
-        <a:scrgbClr r="0" g="0" b="0"/>
-      </a:lnRef>
-      <a:fillRef idx="1">
-        <a:scrgbClr r="0" g="0" b="0"/>
-      </a:fillRef>
-      <a:effectRef idx="0">
-        <a:scrgbClr r="0" g="0" b="0"/>
-      </a:effectRef>
-      <a:fontRef idx="minor"/>
-    </dgm:style>
-  </dgm:styleLbl>
-  <dgm:styleLbl name="alignAcc1">
-    <dgm:scene3d>
-      <a:camera prst="orthographicFront"/>
-      <a:lightRig rig="threePt" dir="t"/>
-    </dgm:scene3d>
-    <dgm:sp3d/>
-    <dgm:txPr/>
-    <dgm:style>
-      <a:lnRef idx="2">
-        <a:scrgbClr r="0" g="0" b="0"/>
-      </a:lnRef>
-      <a:fillRef idx="1">
-        <a:scrgbClr r="0" g="0" b="0"/>
-      </a:fillRef>
-      <a:effectRef idx="0">
-        <a:scrgbClr r="0" g="0" b="0"/>
-      </a:effectRef>
-      <a:fontRef idx="minor"/>
-    </dgm:style>
-  </dgm:styleLbl>
-  <dgm:styleLbl name="trAlignAcc1">
-    <dgm:scene3d>
-      <a:camera prst="orthographicFront"/>
-      <a:lightRig rig="threePt" dir="t"/>
-    </dgm:scene3d>
-    <dgm:sp3d/>
-    <dgm:txPr/>
-    <dgm:style>
-      <a:lnRef idx="1">
-        <a:scrgbClr r="0" g="0" b="0"/>
-      </a:lnRef>
-      <a:fillRef idx="1">
-        <a:scrgbClr r="0" g="0" b="0"/>
-      </a:fillRef>
-      <a:effectRef idx="0">
-        <a:scrgbClr r="0" g="0" b="0"/>
-      </a:effectRef>
-      <a:fontRef idx="minor"/>
-    </dgm:style>
-  </dgm:styleLbl>
-  <dgm:styleLbl name="bgAcc1">
-    <dgm:scene3d>
-      <a:camera prst="orthographicFront"/>
-      <a:lightRig rig="threePt" dir="t"/>
-    </dgm:scene3d>
-    <dgm:sp3d/>
-    <dgm:txPr/>
-    <dgm:style>
-      <a:lnRef idx="2">
-        <a:scrgbClr r="0" g="0" b="0"/>
-      </a:lnRef>
-      <a:fillRef idx="1">
-        <a:scrgbClr r="0" g="0" b="0"/>
-      </a:fillRef>
-      <a:effectRef idx="0">
-        <a:scrgbClr r="0" g="0" b="0"/>
-      </a:effectRef>
-      <a:fontRef idx="minor"/>
-    </dgm:style>
-  </dgm:styleLbl>
-  <dgm:styleLbl name="solidFgAcc1">
-    <dgm:scene3d>
-      <a:camera prst="orthographicFront"/>
-      <a:lightRig rig="threePt" dir="t"/>
-    </dgm:scene3d>
-    <dgm:sp3d/>
-    <dgm:txPr/>
-    <dgm:style>
-      <a:lnRef idx="2">
-        <a:scrgbClr r="0" g="0" b="0"/>
-      </a:lnRef>
-      <a:fillRef idx="1">
-        <a:scrgbClr r="0" g="0" b="0"/>
-      </a:fillRef>
-      <a:effectRef idx="0">
-        <a:scrgbClr r="0" g="0" b="0"/>
-      </a:effectRef>
-      <a:fontRef idx="minor"/>
-    </dgm:style>
-  </dgm:styleLbl>
-  <dgm:styleLbl name="solidAlignAcc1">
-    <dgm:scene3d>
-      <a:camera prst="orthographicFront"/>
-      <a:lightRig rig="threePt" dir="t"/>
-    </dgm:scene3d>
-    <dgm:sp3d/>
-    <dgm:txPr/>
-    <dgm:style>
-      <a:lnRef idx="2">
-        <a:scrgbClr r="0" g="0" b="0"/>
-      </a:lnRef>
-      <a:fillRef idx="1">
-        <a:scrgbClr r="0" g="0" b="0"/>
-      </a:fillRef>
-      <a:effectRef idx="0">
-        <a:scrgbClr r="0" g="0" b="0"/>
-      </a:effectRef>
-      <a:fontRef idx="minor"/>
-    </dgm:style>
-  </dgm:styleLbl>
-  <dgm:styleLbl name="solidBgAcc1">
-    <dgm:scene3d>
-      <a:camera prst="orthographicFront"/>
-      <a:lightRig rig="threePt" dir="t"/>
-    </dgm:scene3d>
-    <dgm:sp3d/>
-    <dgm:txPr/>
-    <dgm:style>
-      <a:lnRef idx="2">
-        <a:scrgbClr r="0" g="0" b="0"/>
-      </a:lnRef>
-      <a:fillRef idx="1">
-        <a:scrgbClr r="0" g="0" b="0"/>
-      </a:fillRef>
-      <a:effectRef idx="0">
-        <a:scrgbClr r="0" g="0" b="0"/>
-      </a:effectRef>
-      <a:fontRef idx="minor"/>
-    </dgm:style>
-  </dgm:styleLbl>
-  <dgm:styleLbl name="fgAccFollowNode1">
-    <dgm:scene3d>
-      <a:camera prst="orthographicFront"/>
-      <a:lightRig rig="threePt" dir="t"/>
-    </dgm:scene3d>
-    <dgm:sp3d/>
-    <dgm:txPr/>
-    <dgm:style>
-      <a:lnRef idx="2">
-        <a:scrgbClr r="0" g="0" b="0"/>
-      </a:lnRef>
-      <a:fillRef idx="1">
-        <a:scrgbClr r="0" g="0" b="0"/>
-      </a:fillRef>
-      <a:effectRef idx="0">
-        <a:scrgbClr r="0" g="0" b="0"/>
-      </a:effectRef>
-      <a:fontRef idx="minor"/>
-    </dgm:style>
-  </dgm:styleLbl>
-  <dgm:styleLbl name="alignAccFollowNode1">
-    <dgm:scene3d>
-      <a:camera prst="orthographicFront"/>
-      <a:lightRig rig="threePt" dir="t"/>
-    </dgm:scene3d>
-    <dgm:sp3d/>
-    <dgm:txPr/>
-    <dgm:style>
-      <a:lnRef idx="2">
-        <a:scrgbClr r="0" g="0" b="0"/>
-      </a:lnRef>
-      <a:fillRef idx="1">
-        <a:scrgbClr r="0" g="0" b="0"/>
-      </a:fillRef>
-      <a:effectRef idx="0">
-        <a:scrgbClr r="0" g="0" b="0"/>
-      </a:effectRef>
-      <a:fontRef idx="minor"/>
-    </dgm:style>
-  </dgm:styleLbl>
-  <dgm:styleLbl name="bgAccFollowNode1">
-    <dgm:scene3d>
-      <a:camera prst="orthographicFront"/>
-      <a:lightRig rig="threePt" dir="t"/>
-    </dgm:scene3d>
-    <dgm:sp3d/>
-    <dgm:txPr/>
-    <dgm:style>
-      <a:lnRef idx="2">
-        <a:scrgbClr r="0" g="0" b="0"/>
-      </a:lnRef>
-      <a:fillRef idx="1">
-        <a:scrgbClr r="0" g="0" b="0"/>
-      </a:fillRef>
-      <a:effectRef idx="0">
-        <a:scrgbClr r="0" g="0" b="0"/>
-      </a:effectRef>
-      <a:fontRef idx="minor"/>
-    </dgm:style>
-  </dgm:styleLbl>
-  <dgm:styleLbl name="fgAcc0">
-    <dgm:scene3d>
-      <a:camera prst="orthographicFront"/>
-      <a:lightRig rig="threePt" dir="t"/>
-    </dgm:scene3d>
-    <dgm:sp3d/>
-    <dgm:txPr/>
-    <dgm:style>
-      <a:lnRef idx="2">
-        <a:scrgbClr r="0" g="0" b="0"/>
-      </a:lnRef>
-      <a:fillRef idx="1">
-        <a:scrgbClr r="0" g="0" b="0"/>
-      </a:fillRef>
-      <a:effectRef idx="0">
-        <a:scrgbClr r="0" g="0" b="0"/>
-      </a:effectRef>
-      <a:fontRef idx="minor"/>
-    </dgm:style>
-  </dgm:styleLbl>
-  <dgm:styleLbl name="fgAcc2">
-    <dgm:scene3d>
-      <a:camera prst="orthographicFront"/>
-      <a:lightRig rig="threePt" dir="t"/>
-    </dgm:scene3d>
-    <dgm:sp3d/>
-    <dgm:txPr/>
-    <dgm:style>
-      <a:lnRef idx="2">
-        <a:scrgbClr r="0" g="0" b="0"/>
-      </a:lnRef>
-      <a:fillRef idx="1">
-        <a:scrgbClr r="0" g="0" b="0"/>
-      </a:fillRef>
-      <a:effectRef idx="0">
-        <a:scrgbClr r="0" g="0" b="0"/>
-      </a:effectRef>
-      <a:fontRef idx="minor"/>
-    </dgm:style>
-  </dgm:styleLbl>
-  <dgm:styleLbl name="fgAcc3">
-    <dgm:scene3d>
-      <a:camera prst="orthographicFront"/>
-      <a:lightRig rig="threePt" dir="t"/>
-    </dgm:scene3d>
-    <dgm:sp3d/>
-    <dgm:txPr/>
-    <dgm:style>
-      <a:lnRef idx="2">
-        <a:scrgbClr r="0" g="0" b="0"/>
-      </a:lnRef>
-      <a:fillRef idx="1">
-        <a:scrgbClr r="0" g="0" b="0"/>
-      </a:fillRef>
-      <a:effectRef idx="0">
-        <a:scrgbClr r="0" g="0" b="0"/>
-      </a:effectRef>
-      <a:fontRef idx="minor"/>
-    </dgm:style>
-  </dgm:styleLbl>
-  <dgm:styleLbl name="fgAcc4">
-    <dgm:scene3d>
-      <a:camera prst="orthographicFront"/>
-      <a:lightRig rig="threePt" dir="t"/>
-    </dgm:scene3d>
-    <dgm:sp3d/>
-    <dgm:txPr/>
-    <dgm:style>
-      <a:lnRef idx="2">
-        <a:scrgbClr r="0" g="0" b="0"/>
-      </a:lnRef>
-      <a:fillRef idx="1">
-        <a:scrgbClr r="0" g="0" b="0"/>
-      </a:fillRef>
-      <a:effectRef idx="0">
-        <a:scrgbClr r="0" g="0" b="0"/>
-      </a:effectRef>
-      <a:fontRef idx="minor"/>
-    </dgm:style>
-  </dgm:styleLbl>
-  <dgm:styleLbl name="bgShp">
-    <dgm:scene3d>
-      <a:camera prst="orthographicFront"/>
-      <a:lightRig rig="threePt" dir="t"/>
-    </dgm:scene3d>
-    <dgm:sp3d/>
-    <dgm:txPr/>
-    <dgm:style>
-      <a:lnRef idx="0">
-        <a:scrgbClr r="0" g="0" b="0"/>
-      </a:lnRef>
-      <a:fillRef idx="1">
-        <a:scrgbClr r="0" g="0" b="0"/>
-      </a:fillRef>
-      <a:effectRef idx="0">
-        <a:scrgbClr r="0" g="0" b="0"/>
-      </a:effectRef>
-      <a:fontRef idx="minor"/>
-    </dgm:style>
-  </dgm:styleLbl>
-  <dgm:styleLbl name="dkBgShp">
-    <dgm:scene3d>
-      <a:camera prst="orthographicFront"/>
-      <a:lightRig rig="threePt" dir="t"/>
-    </dgm:scene3d>
-    <dgm:sp3d/>
-    <dgm:txPr/>
-    <dgm:style>
-      <a:lnRef idx="0">
-        <a:scrgbClr r="0" g="0" b="0"/>
-      </a:lnRef>
-      <a:fillRef idx="1">
-        <a:scrgbClr r="0" g="0" b="0"/>
-      </a:fillRef>
-      <a:effectRef idx="0">
-        <a:scrgbClr r="0" g="0" b="0"/>
-      </a:effectRef>
-      <a:fontRef idx="minor"/>
-    </dgm:style>
-  </dgm:styleLbl>
-  <dgm:styleLbl name="trBgShp">
-    <dgm:scene3d>
-      <a:camera prst="orthographicFront"/>
-      <a:lightRig rig="threePt" dir="t"/>
-    </dgm:scene3d>
-    <dgm:sp3d/>
-    <dgm:txPr/>
-    <dgm:style>
-      <a:lnRef idx="0">
-        <a:scrgbClr r="0" g="0" b="0"/>
-      </a:lnRef>
-      <a:fillRef idx="1">
-        <a:scrgbClr r="0" g="0" b="0"/>
-      </a:fillRef>
-      <a:effectRef idx="0">
-        <a:scrgbClr r="0" g="0" b="0"/>
-      </a:effectRef>
-      <a:fontRef idx="minor"/>
-    </dgm:style>
-  </dgm:styleLbl>
-  <dgm:styleLbl name="fgShp">
-    <dgm:scene3d>
-      <a:camera prst="orthographicFront"/>
-      <a:lightRig rig="threePt" dir="t"/>
-    </dgm:scene3d>
-    <dgm:sp3d/>
-    <dgm:txPr/>
-    <dgm:style>
-      <a:lnRef idx="2">
-        <a:scrgbClr r="0" g="0" b="0"/>
-      </a:lnRef>
-      <a:fillRef idx="1">
-        <a:scrgbClr r="0" g="0" b="0"/>
-      </a:fillRef>
-      <a:effectRef idx="0">
-        <a:scrgbClr r="0" g="0" b="0"/>
-      </a:effectRef>
-      <a:fontRef idx="minor"/>
-    </dgm:style>
-  </dgm:styleLbl>
-  <dgm:styleLbl name="revTx">
-    <dgm:scene3d>
-      <a:camera prst="orthographicFront"/>
-      <a:lightRig rig="threePt" dir="t"/>
-    </dgm:scene3d>
-    <dgm:sp3d/>
-    <dgm:txPr/>
-    <dgm:style>
-      <a:lnRef idx="0">
-        <a:scrgbClr r="0" g="0" b="0"/>
-      </a:lnRef>
-      <a:fillRef idx="0">
-        <a:scrgbClr r="0" g="0" b="0"/>
-      </a:fillRef>
-      <a:effectRef idx="0">
-        <a:scrgbClr r="0" g="0" b="0"/>
-      </a:effectRef>
-      <a:fontRef idx="minor"/>
-    </dgm:style>
-  </dgm:styleLbl>
-</dgm:styleDef>
-</file>
-
-<file path=ppt/diagrams/quickStyle5.xml><?xml version="1.0" encoding="utf-8"?>
 <dgm:styleDef xmlns:dgm="http://schemas.openxmlformats.org/drawingml/2006/diagram" xmlns:a="http://schemas.openxmlformats.org/drawingml/2006/main" uniqueId="urn:microsoft.com/office/officeart/2005/8/quickstyle/simple1">
   <dgm:title val=""/>
   <dgm:desc val=""/>
@@ -19601,7 +14056,7 @@
           <a:p>
             <a:fld id="{CB72CE30-0798-4FA5-A77A-173E68FCFABD}" type="datetimeFigureOut">
               <a:rPr lang="id-ID" smtClean="0"/>
-              <a:t>30/01/2017</a:t>
+              <a:t>07/08/2017</a:t>
             </a:fld>
             <a:endParaRPr lang="id-ID"/>
           </a:p>
@@ -20021,7 +14476,7 @@
           <a:p>
             <a:fld id="{2797BE76-A178-44FD-B133-ADB874CDF211}" type="datetime1">
               <a:rPr lang="en-US" smtClean="0"/>
-              <a:t>1/30/2017</a:t>
+              <a:t>8/7/2017</a:t>
             </a:fld>
             <a:endParaRPr lang="en-US" dirty="0"/>
           </a:p>
@@ -20278,7 +14733,7 @@
           <a:p>
             <a:fld id="{B2CA0F8C-A7A6-41AB-B81F-DE18C292EF2C}" type="datetime1">
               <a:rPr lang="en-US" smtClean="0"/>
-              <a:t>1/30/2017</a:t>
+              <a:t>8/7/2017</a:t>
             </a:fld>
             <a:endParaRPr lang="en-US" dirty="0"/>
           </a:p>
@@ -20462,7 +14917,7 @@
           <a:p>
             <a:fld id="{692B3E27-1A14-41D5-B46F-31C175907593}" type="datetime1">
               <a:rPr lang="en-US" smtClean="0"/>
-              <a:t>1/30/2017</a:t>
+              <a:t>8/7/2017</a:t>
             </a:fld>
             <a:endParaRPr lang="en-US" dirty="0"/>
           </a:p>
@@ -20671,7 +15126,7 @@
           <a:p>
             <a:fld id="{7F612A62-92D0-4DBF-BA41-D7CEE15F44C1}" type="datetime1">
               <a:rPr lang="en-US" smtClean="0"/>
-              <a:t>1/30/2017</a:t>
+              <a:t>8/7/2017</a:t>
             </a:fld>
             <a:endParaRPr lang="en-US" dirty="0"/>
           </a:p>
@@ -20932,7 +15387,7 @@
           <a:p>
             <a:fld id="{A44D3D01-C2A4-4AAD-9587-13019A4E2239}" type="datetime1">
               <a:rPr lang="en-US" smtClean="0"/>
-              <a:t>1/30/2017</a:t>
+              <a:t>8/7/2017</a:t>
             </a:fld>
             <a:endParaRPr lang="en-US" dirty="0"/>
           </a:p>
@@ -21258,7 +15713,7 @@
           <a:p>
             <a:fld id="{751237B3-AFB9-40FD-975A-9E5837A7FEE7}" type="datetime1">
               <a:rPr lang="en-US" smtClean="0"/>
-              <a:t>1/30/2017</a:t>
+              <a:t>8/7/2017</a:t>
             </a:fld>
             <a:endParaRPr lang="en-US" dirty="0"/>
           </a:p>
@@ -21660,7 +16115,7 @@
           <a:p>
             <a:fld id="{147213DB-5280-4713-BCD1-D2F9B0E95645}" type="datetime1">
               <a:rPr lang="en-US" smtClean="0"/>
-              <a:t>1/30/2017</a:t>
+              <a:t>8/7/2017</a:t>
             </a:fld>
             <a:endParaRPr lang="en-US" dirty="0"/>
           </a:p>
@@ -21782,7 +16237,7 @@
           <a:p>
             <a:fld id="{C08F8B92-BBA1-4F32-A025-92D61069222C}" type="datetime1">
               <a:rPr lang="en-US" smtClean="0"/>
-              <a:t>1/30/2017</a:t>
+              <a:t>8/7/2017</a:t>
             </a:fld>
             <a:endParaRPr lang="en-US" dirty="0"/>
           </a:p>
@@ -21881,7 +16336,7 @@
           <a:p>
             <a:fld id="{E61A73E5-40FA-4FC1-BF4B-9154337BA112}" type="datetime1">
               <a:rPr lang="en-US" smtClean="0"/>
-              <a:t>1/30/2017</a:t>
+              <a:t>8/7/2017</a:t>
             </a:fld>
             <a:endParaRPr lang="en-US" dirty="0"/>
           </a:p>
@@ -22175,7 +16630,7 @@
           <a:p>
             <a:fld id="{E1C3C029-3F97-4BC2-A0B3-1BCA895D2B8C}" type="datetime1">
               <a:rPr lang="en-US" smtClean="0"/>
-              <a:t>1/30/2017</a:t>
+              <a:t>8/7/2017</a:t>
             </a:fld>
             <a:endParaRPr lang="en-US" dirty="0"/>
           </a:p>
@@ -22459,7 +16914,7 @@
           <a:p>
             <a:fld id="{5EB5E58D-AC6A-4B2C-B39C-F218B826CEFD}" type="datetime1">
               <a:rPr lang="en-US" smtClean="0"/>
-              <a:t>1/30/2017</a:t>
+              <a:t>8/7/2017</a:t>
             </a:fld>
             <a:endParaRPr lang="en-US" dirty="0"/>
           </a:p>
@@ -22713,7 +17168,7 @@
           <a:p>
             <a:fld id="{932C9AE0-82BA-494E-82ED-815FE58AD3CD}" type="datetime1">
               <a:rPr lang="en-US" smtClean="0"/>
-              <a:t>1/30/2017</a:t>
+              <a:t>8/7/2017</a:t>
             </a:fld>
             <a:endParaRPr lang="en-US" dirty="0"/>
           </a:p>
@@ -24758,37 +19213,12 @@
           <a:p>
             <a:r>
               <a:rPr lang="id-ID" dirty="0" smtClean="0"/>
-              <a:t>Kelompok Presentasi</a:t>
+              <a:t>Penilaian</a:t>
             </a:r>
             <a:endParaRPr lang="id-ID" dirty="0"/>
           </a:p>
         </p:txBody>
       </p:sp>
-      <p:graphicFrame>
-        <p:nvGraphicFramePr>
-          <p:cNvPr id="6" name="Content Placeholder 5"/>
-          <p:cNvGraphicFramePr>
-            <a:graphicFrameLocks noGrp="1"/>
-          </p:cNvGraphicFramePr>
-          <p:nvPr>
-            <p:ph idx="1"/>
-            <p:extLst>
-              <p:ext uri="{D42A27DB-BD31-4B8C-83A1-F6EECF244321}">
-                <p14:modId xmlns:p14="http://schemas.microsoft.com/office/powerpoint/2010/main" val="2383323527"/>
-              </p:ext>
-            </p:extLst>
-          </p:nvPr>
-        </p:nvGraphicFramePr>
-        <p:xfrm>
-          <a:off x="1023938" y="2286000"/>
-          <a:ext cx="9720262" cy="4022725"/>
-        </p:xfrm>
-        <a:graphic>
-          <a:graphicData uri="http://schemas.openxmlformats.org/drawingml/2006/diagram">
-            <dgm:relIds xmlns:dgm="http://schemas.openxmlformats.org/drawingml/2006/diagram" xmlns:r="http://schemas.openxmlformats.org/officeDocument/2006/relationships" r:dm="rId2" r:lo="rId3" r:qs="rId4" r:cs="rId5"/>
-          </a:graphicData>
-        </a:graphic>
-      </p:graphicFrame>
       <p:sp>
         <p:nvSpPr>
           <p:cNvPr id="4" name="Footer Placeholder 3"/>
@@ -24835,10 +19265,35 @@
           </a:p>
         </p:txBody>
       </p:sp>
+      <p:graphicFrame>
+        <p:nvGraphicFramePr>
+          <p:cNvPr id="9" name="Content Placeholder 8"/>
+          <p:cNvGraphicFramePr>
+            <a:graphicFrameLocks noGrp="1"/>
+          </p:cNvGraphicFramePr>
+          <p:nvPr>
+            <p:ph idx="1"/>
+            <p:extLst>
+              <p:ext uri="{D42A27DB-BD31-4B8C-83A1-F6EECF244321}">
+                <p14:modId xmlns:p14="http://schemas.microsoft.com/office/powerpoint/2010/main" val="4181157062"/>
+              </p:ext>
+            </p:extLst>
+          </p:nvPr>
+        </p:nvGraphicFramePr>
+        <p:xfrm>
+          <a:off x="1023938" y="2286000"/>
+          <a:ext cx="9720262" cy="4022725"/>
+        </p:xfrm>
+        <a:graphic>
+          <a:graphicData uri="http://schemas.openxmlformats.org/drawingml/2006/chart">
+            <c:chart xmlns:c="http://schemas.openxmlformats.org/drawingml/2006/chart" xmlns:r="http://schemas.openxmlformats.org/officeDocument/2006/relationships" r:id="rId2"/>
+          </a:graphicData>
+        </a:graphic>
+      </p:graphicFrame>
     </p:spTree>
     <p:extLst>
       <p:ext uri="{BB962C8B-B14F-4D97-AF65-F5344CB8AC3E}">
-        <p14:creationId xmlns:p14="http://schemas.microsoft.com/office/powerpoint/2010/main" val="3991994929"/>
+        <p14:creationId xmlns:p14="http://schemas.microsoft.com/office/powerpoint/2010/main" val="146957262"/>
       </p:ext>
     </p:extLst>
   </p:cSld>
@@ -24889,7 +19344,7 @@
           <a:p>
             <a:r>
               <a:rPr lang="id-ID" dirty="0" smtClean="0"/>
-              <a:t>Tugas Presentasi Kelompok</a:t>
+              <a:t>Repositori Materi</a:t>
             </a:r>
             <a:endParaRPr lang="id-ID" dirty="0"/>
           </a:p>
@@ -24907,113 +19362,43 @@
         </p:nvSpPr>
         <p:spPr/>
         <p:txBody>
-          <a:bodyPr>
-            <a:normAutofit/>
-          </a:bodyPr>
+          <a:bodyPr/>
           <a:lstStyle/>
           <a:p>
             <a:r>
-              <a:rPr lang="id-ID" sz="2800" dirty="0" smtClean="0"/>
-              <a:t>Buat </a:t>
+              <a:rPr lang="id-ID" dirty="0" smtClean="0"/>
+              <a:t>Materi perkuliahan, ebook, PPT, dan dokumen lainnya terkait perkuliahan ini dapat diakses secara online di repositori </a:t>
             </a:r>
             <a:r>
-              <a:rPr lang="id-ID" sz="2800" smtClean="0"/>
-              <a:t>sebuah </a:t>
+              <a:rPr lang="id-ID" dirty="0" smtClean="0">
+                <a:hlinkClick r:id="rId2"/>
+              </a:rPr>
+              <a:t>http://github.com/ksatria/MK-Design-Pattern</a:t>
             </a:r>
             <a:r>
-              <a:rPr lang="id-ID" sz="2800" smtClean="0"/>
-              <a:t>file </a:t>
-            </a:r>
-            <a:r>
-              <a:rPr lang="id-ID" sz="2800" dirty="0" smtClean="0"/>
-              <a:t>presentasi (PPT) </a:t>
-            </a:r>
-            <a:r>
-              <a:rPr lang="id-ID" sz="2800" smtClean="0"/>
-              <a:t>terkait </a:t>
-            </a:r>
-            <a:r>
-              <a:rPr lang="id-ID" sz="2800" smtClean="0"/>
-              <a:t>jenis design </a:t>
-            </a:r>
-            <a:r>
-              <a:rPr lang="id-ID" sz="2800" dirty="0" smtClean="0"/>
-              <a:t>pattern yang Anda dapatkan!</a:t>
+              <a:rPr lang="id-ID" dirty="0" smtClean="0"/>
+              <a:t> </a:t>
             </a:r>
           </a:p>
           <a:p>
-            <a:pPr lvl="1"/>
             <a:r>
-              <a:rPr lang="id-ID" sz="2400" dirty="0" smtClean="0"/>
-              <a:t>Definisi terkait pattern</a:t>
+              <a:rPr lang="id-ID" dirty="0" smtClean="0"/>
+              <a:t>Setiap mahasiswa diharapkan melakukan </a:t>
+            </a:r>
+            <a:r>
+              <a:rPr lang="id-ID" i="1" dirty="0" smtClean="0"/>
+              <a:t>forking</a:t>
+            </a:r>
+            <a:r>
+              <a:rPr lang="id-ID" dirty="0" smtClean="0"/>
+              <a:t> terhadap repositori tersebut agar tetap update dengan perkembangan materi</a:t>
             </a:r>
           </a:p>
           <a:p>
-            <a:pPr lvl="1"/>
             <a:r>
-              <a:rPr lang="id-ID" sz="2400" dirty="0" smtClean="0"/>
-              <a:t>Kapan menggunakan pattern tersebut (problem)</a:t>
+              <a:rPr lang="id-ID" smtClean="0"/>
+              <a:t>Pengumpulan tugas juga akan dilakukan melalui repositori tersebut</a:t>
             </a:r>
-          </a:p>
-          <a:p>
-            <a:pPr lvl="1"/>
-            <a:r>
-              <a:rPr lang="id-ID" sz="2400" dirty="0" smtClean="0"/>
-              <a:t>Prinsip / ide dasar pattern tersebut (solution)</a:t>
-            </a:r>
-          </a:p>
-          <a:p>
-            <a:pPr lvl="1"/>
-            <a:r>
-              <a:rPr lang="id-ID" sz="2400" dirty="0" smtClean="0"/>
-              <a:t>Contoh-contoh kasus (kode program/class diagram</a:t>
-            </a:r>
-            <a:r>
-              <a:rPr lang="id-ID" sz="2400" dirty="0" smtClean="0"/>
-              <a:t>)</a:t>
-            </a:r>
-          </a:p>
-          <a:p>
-            <a:pPr lvl="1"/>
-            <a:r>
-              <a:rPr lang="id-ID" sz="2400" dirty="0" smtClean="0"/>
-              <a:t>dll</a:t>
-            </a:r>
-            <a:endParaRPr lang="id-ID" sz="2400" dirty="0" smtClean="0"/>
-          </a:p>
-          <a:p>
-            <a:pPr marL="128016" lvl="1" indent="0">
-              <a:buNone/>
-            </a:pPr>
-            <a:endParaRPr lang="id-ID" sz="2400" dirty="0"/>
-          </a:p>
-          <a:p>
-            <a:pPr marL="128016" lvl="1" indent="0">
-              <a:buNone/>
-            </a:pPr>
-            <a:r>
-              <a:rPr lang="id-ID" sz="2400" dirty="0" smtClean="0"/>
-              <a:t>Deadline pengumpulan slide tanggal </a:t>
-            </a:r>
-            <a:r>
-              <a:rPr lang="id-ID" sz="2400" b="1" dirty="0" smtClean="0"/>
-              <a:t>3 FEBRUARI 2017</a:t>
-            </a:r>
-            <a:r>
-              <a:rPr lang="id-ID" sz="2400" dirty="0" smtClean="0"/>
-              <a:t> via email </a:t>
-            </a:r>
-            <a:r>
-              <a:rPr lang="id-ID" sz="2400" b="1" dirty="0" smtClean="0">
-                <a:hlinkClick r:id="rId2"/>
-              </a:rPr>
-              <a:t>umam@stikombanyuwangi.ac.id</a:t>
-            </a:r>
-            <a:r>
-              <a:rPr lang="id-ID" sz="2400" b="1" dirty="0" smtClean="0"/>
-              <a:t> </a:t>
-            </a:r>
-            <a:endParaRPr lang="id-ID" sz="2400" dirty="0"/>
           </a:p>
         </p:txBody>
       </p:sp>
@@ -25066,239 +19451,13 @@
     </p:spTree>
     <p:extLst>
       <p:ext uri="{BB962C8B-B14F-4D97-AF65-F5344CB8AC3E}">
-        <p14:creationId xmlns:p14="http://schemas.microsoft.com/office/powerpoint/2010/main" val="1431404446"/>
+        <p14:creationId xmlns:p14="http://schemas.microsoft.com/office/powerpoint/2010/main" val="508439716"/>
       </p:ext>
     </p:extLst>
   </p:cSld>
   <p:clrMapOvr>
     <a:masterClrMapping/>
   </p:clrMapOvr>
-  <p:timing>
-    <p:tnLst>
-      <p:par>
-        <p:cTn id="1" dur="indefinite" restart="never" nodeType="tmRoot"/>
-      </p:par>
-    </p:tnLst>
-  </p:timing>
-</p:sld>
-</file>
-
-<file path=ppt/slides/slide15.xml><?xml version="1.0" encoding="utf-8"?>
-<p:sld xmlns:a="http://schemas.openxmlformats.org/drawingml/2006/main" xmlns:r="http://schemas.openxmlformats.org/officeDocument/2006/relationships" xmlns:p="http://schemas.openxmlformats.org/presentationml/2006/main">
-  <p:cSld>
-    <p:spTree>
-      <p:nvGrpSpPr>
-        <p:cNvPr id="1" name=""/>
-        <p:cNvGrpSpPr/>
-        <p:nvPr/>
-      </p:nvGrpSpPr>
-      <p:grpSpPr>
-        <a:xfrm>
-          <a:off x="0" y="0"/>
-          <a:ext cx="0" cy="0"/>
-          <a:chOff x="0" y="0"/>
-          <a:chExt cx="0" cy="0"/>
-        </a:xfrm>
-      </p:grpSpPr>
-      <p:sp>
-        <p:nvSpPr>
-          <p:cNvPr id="2" name="Title 1"/>
-          <p:cNvSpPr>
-            <a:spLocks noGrp="1"/>
-          </p:cNvSpPr>
-          <p:nvPr>
-            <p:ph type="title"/>
-          </p:nvPr>
-        </p:nvSpPr>
-        <p:spPr/>
-        <p:txBody>
-          <a:bodyPr/>
-          <a:lstStyle/>
-          <a:p>
-            <a:r>
-              <a:rPr lang="id-ID" dirty="0" smtClean="0"/>
-              <a:t>UTS &amp; UAS</a:t>
-            </a:r>
-            <a:endParaRPr lang="id-ID" dirty="0"/>
-          </a:p>
-        </p:txBody>
-      </p:sp>
-      <p:sp>
-        <p:nvSpPr>
-          <p:cNvPr id="6" name="Text Placeholder 5"/>
-          <p:cNvSpPr>
-            <a:spLocks noGrp="1"/>
-          </p:cNvSpPr>
-          <p:nvPr>
-            <p:ph type="body" idx="1"/>
-          </p:nvPr>
-        </p:nvSpPr>
-        <p:spPr/>
-        <p:txBody>
-          <a:bodyPr/>
-          <a:lstStyle/>
-          <a:p>
-            <a:r>
-              <a:rPr lang="id-ID" dirty="0" smtClean="0"/>
-              <a:t>UTS</a:t>
-            </a:r>
-            <a:endParaRPr lang="id-ID" dirty="0"/>
-          </a:p>
-        </p:txBody>
-      </p:sp>
-      <p:sp>
-        <p:nvSpPr>
-          <p:cNvPr id="7" name="Content Placeholder 6"/>
-          <p:cNvSpPr>
-            <a:spLocks noGrp="1"/>
-          </p:cNvSpPr>
-          <p:nvPr>
-            <p:ph sz="half" idx="2"/>
-          </p:nvPr>
-        </p:nvSpPr>
-        <p:spPr/>
-        <p:txBody>
-          <a:bodyPr>
-            <a:normAutofit/>
-          </a:bodyPr>
-          <a:lstStyle/>
-          <a:p>
-            <a:r>
-              <a:rPr lang="id-ID" sz="2800" dirty="0" smtClean="0"/>
-              <a:t>Usulkan sebuah aplikasi sederhana yang akan dikembangkan dengan pendekatan pattern kelompok Anda! Gambarkan rancangannya dalam </a:t>
-            </a:r>
-            <a:r>
-              <a:rPr lang="id-ID" sz="2800" b="1" dirty="0" smtClean="0"/>
-              <a:t>class diagram</a:t>
-            </a:r>
-            <a:r>
-              <a:rPr lang="id-ID" sz="2800" dirty="0" smtClean="0"/>
-              <a:t>!</a:t>
-            </a:r>
-            <a:endParaRPr lang="id-ID" sz="2800" dirty="0"/>
-          </a:p>
-        </p:txBody>
-      </p:sp>
-      <p:sp>
-        <p:nvSpPr>
-          <p:cNvPr id="8" name="Text Placeholder 7"/>
-          <p:cNvSpPr>
-            <a:spLocks noGrp="1"/>
-          </p:cNvSpPr>
-          <p:nvPr>
-            <p:ph type="body" sz="quarter" idx="3"/>
-          </p:nvPr>
-        </p:nvSpPr>
-        <p:spPr/>
-        <p:txBody>
-          <a:bodyPr/>
-          <a:lstStyle/>
-          <a:p>
-            <a:r>
-              <a:rPr lang="id-ID" dirty="0" smtClean="0"/>
-              <a:t>UAS</a:t>
-            </a:r>
-            <a:endParaRPr lang="id-ID" dirty="0"/>
-          </a:p>
-        </p:txBody>
-      </p:sp>
-      <p:sp>
-        <p:nvSpPr>
-          <p:cNvPr id="9" name="Content Placeholder 8"/>
-          <p:cNvSpPr>
-            <a:spLocks noGrp="1"/>
-          </p:cNvSpPr>
-          <p:nvPr>
-            <p:ph sz="quarter" idx="4"/>
-          </p:nvPr>
-        </p:nvSpPr>
-        <p:spPr/>
-        <p:txBody>
-          <a:bodyPr>
-            <a:normAutofit/>
-          </a:bodyPr>
-          <a:lstStyle/>
-          <a:p>
-            <a:r>
-              <a:rPr lang="id-ID" sz="2800" dirty="0" smtClean="0"/>
-              <a:t>Implementasikan rancangan Anda di UTS ke dalam aplikasi jadi (desktop based / web based)!</a:t>
-            </a:r>
-          </a:p>
-          <a:p>
-            <a:endParaRPr lang="id-ID" sz="2800" dirty="0"/>
-          </a:p>
-          <a:p>
-            <a:r>
-              <a:rPr lang="id-ID" sz="2800" smtClean="0"/>
-              <a:t>Tampilan bukan yang utama (meskipun tetap ada harganya)</a:t>
-            </a:r>
-            <a:endParaRPr lang="id-ID" sz="2800" dirty="0"/>
-          </a:p>
-        </p:txBody>
-      </p:sp>
-      <p:sp>
-        <p:nvSpPr>
-          <p:cNvPr id="4" name="Footer Placeholder 3"/>
-          <p:cNvSpPr>
-            <a:spLocks noGrp="1"/>
-          </p:cNvSpPr>
-          <p:nvPr>
-            <p:ph type="ftr" sz="quarter" idx="11"/>
-          </p:nvPr>
-        </p:nvSpPr>
-        <p:spPr/>
-        <p:txBody>
-          <a:bodyPr/>
-          <a:lstStyle/>
-          <a:p>
-            <a:r>
-              <a:rPr lang="en-US" smtClean="0"/>
-              <a:t>Design Pattern - Pengantar Design Pattern</a:t>
-            </a:r>
-            <a:endParaRPr lang="en-US" dirty="0"/>
-          </a:p>
-        </p:txBody>
-      </p:sp>
-      <p:sp>
-        <p:nvSpPr>
-          <p:cNvPr id="5" name="Slide Number Placeholder 4"/>
-          <p:cNvSpPr>
-            <a:spLocks noGrp="1"/>
-          </p:cNvSpPr>
-          <p:nvPr>
-            <p:ph type="sldNum" sz="quarter" idx="12"/>
-          </p:nvPr>
-        </p:nvSpPr>
-        <p:spPr/>
-        <p:txBody>
-          <a:bodyPr/>
-          <a:lstStyle/>
-          <a:p>
-            <a:fld id="{48F63A3B-78C7-47BE-AE5E-E10140E04643}" type="slidenum">
-              <a:rPr lang="en-US" smtClean="0"/>
-              <a:t>15</a:t>
-            </a:fld>
-            <a:endParaRPr lang="en-US" dirty="0"/>
-          </a:p>
-        </p:txBody>
-      </p:sp>
-    </p:spTree>
-    <p:extLst>
-      <p:ext uri="{BB962C8B-B14F-4D97-AF65-F5344CB8AC3E}">
-        <p14:creationId xmlns:p14="http://schemas.microsoft.com/office/powerpoint/2010/main" val="2191104763"/>
-      </p:ext>
-    </p:extLst>
-  </p:cSld>
-  <p:clrMapOvr>
-    <a:masterClrMapping/>
-  </p:clrMapOvr>
-  <p:timing>
-    <p:tnLst>
-      <p:par>
-        <p:cTn id="1" dur="indefinite" restart="never" nodeType="tmRoot"/>
-      </p:par>
-    </p:tnLst>
-  </p:timing>
 </p:sld>
 </file>
 

--- a/PPT/Design Pattern 1 - Pengantar Design Pattern.pptx
+++ b/PPT/Design Pattern 1 - Pengantar Design Pattern.pptx
@@ -5,23 +5,29 @@
     <p:sldMasterId id="2147483792" r:id="rId1"/>
   </p:sldMasterIdLst>
   <p:notesMasterIdLst>
-    <p:notesMasterId r:id="rId16"/>
+    <p:notesMasterId r:id="rId22"/>
   </p:notesMasterIdLst>
   <p:sldIdLst>
     <p:sldId id="256" r:id="rId2"/>
-    <p:sldId id="266" r:id="rId3"/>
-    <p:sldId id="267" r:id="rId4"/>
-    <p:sldId id="268" r:id="rId5"/>
-    <p:sldId id="264" r:id="rId6"/>
-    <p:sldId id="257" r:id="rId7"/>
-    <p:sldId id="269" r:id="rId8"/>
-    <p:sldId id="270" r:id="rId9"/>
-    <p:sldId id="259" r:id="rId10"/>
-    <p:sldId id="258" r:id="rId11"/>
-    <p:sldId id="271" r:id="rId12"/>
-    <p:sldId id="272" r:id="rId13"/>
-    <p:sldId id="273" r:id="rId14"/>
-    <p:sldId id="274" r:id="rId15"/>
+    <p:sldId id="275" r:id="rId3"/>
+    <p:sldId id="276" r:id="rId4"/>
+    <p:sldId id="277" r:id="rId5"/>
+    <p:sldId id="279" r:id="rId6"/>
+    <p:sldId id="280" r:id="rId7"/>
+    <p:sldId id="278" r:id="rId8"/>
+    <p:sldId id="281" r:id="rId9"/>
+    <p:sldId id="266" r:id="rId10"/>
+    <p:sldId id="267" r:id="rId11"/>
+    <p:sldId id="268" r:id="rId12"/>
+    <p:sldId id="264" r:id="rId13"/>
+    <p:sldId id="257" r:id="rId14"/>
+    <p:sldId id="269" r:id="rId15"/>
+    <p:sldId id="270" r:id="rId16"/>
+    <p:sldId id="259" r:id="rId17"/>
+    <p:sldId id="258" r:id="rId18"/>
+    <p:sldId id="271" r:id="rId19"/>
+    <p:sldId id="273" r:id="rId20"/>
+    <p:sldId id="274" r:id="rId21"/>
   </p:sldIdLst>
   <p:sldSz cx="12192000" cy="6858000"/>
   <p:notesSz cx="6858000" cy="9144000"/>
@@ -206,6 +212,11 @@
               </a:ln>
               <a:effectLst/>
             </c:spPr>
+            <c:extLst>
+              <c:ext xmlns:c16="http://schemas.microsoft.com/office/drawing/2014/chart" uri="{C3380CC4-5D6E-409C-BE32-E72D297353CC}">
+                <c16:uniqueId val="{00000001-20AA-4551-B0EB-B13E1009F75C}"/>
+              </c:ext>
+            </c:extLst>
           </c:dPt>
           <c:dPt>
             <c:idx val="1"/>
@@ -221,6 +232,11 @@
               </a:ln>
               <a:effectLst/>
             </c:spPr>
+            <c:extLst>
+              <c:ext xmlns:c16="http://schemas.microsoft.com/office/drawing/2014/chart" uri="{C3380CC4-5D6E-409C-BE32-E72D297353CC}">
+                <c16:uniqueId val="{00000003-20AA-4551-B0EB-B13E1009F75C}"/>
+              </c:ext>
+            </c:extLst>
           </c:dPt>
           <c:dPt>
             <c:idx val="2"/>
@@ -236,6 +252,11 @@
               </a:ln>
               <a:effectLst/>
             </c:spPr>
+            <c:extLst>
+              <c:ext xmlns:c16="http://schemas.microsoft.com/office/drawing/2014/chart" uri="{C3380CC4-5D6E-409C-BE32-E72D297353CC}">
+                <c16:uniqueId val="{00000005-20AA-4551-B0EB-B13E1009F75C}"/>
+              </c:ext>
+            </c:extLst>
           </c:dPt>
           <c:dPt>
             <c:idx val="3"/>
@@ -251,6 +272,11 @@
               </a:ln>
               <a:effectLst/>
             </c:spPr>
+            <c:extLst>
+              <c:ext xmlns:c16="http://schemas.microsoft.com/office/drawing/2014/chart" uri="{C3380CC4-5D6E-409C-BE32-E72D297353CC}">
+                <c16:uniqueId val="{00000007-20AA-4551-B0EB-B13E1009F75C}"/>
+              </c:ext>
+            </c:extLst>
           </c:dPt>
           <c:dLbls>
             <c:spPr>
@@ -6273,10 +6299,10 @@
         <a:lstStyle/>
         <a:p>
           <a:r>
-            <a:rPr lang="id-ID" b="0" i="0" u="none" smtClean="0"/>
+            <a:rPr lang="id-ID" b="0" i="0" u="none" dirty="0" smtClean="0"/>
             <a:t>Observer</a:t>
           </a:r>
-          <a:endParaRPr lang="id-ID"/>
+          <a:endParaRPr lang="id-ID" dirty="0"/>
         </a:p>
       </dgm:t>
     </dgm:pt>
@@ -6310,10 +6336,10 @@
         <a:lstStyle/>
         <a:p>
           <a:r>
-            <a:rPr lang="id-ID" b="0" i="0" u="none" smtClean="0"/>
+            <a:rPr lang="id-ID" b="0" i="0" u="none" dirty="0" smtClean="0"/>
             <a:t>Singleton</a:t>
           </a:r>
-          <a:endParaRPr lang="id-ID"/>
+          <a:endParaRPr lang="id-ID" dirty="0"/>
         </a:p>
       </dgm:t>
     </dgm:pt>
@@ -6376,6 +6402,80 @@
         </a:p>
       </dgm:t>
     </dgm:pt>
+    <dgm:pt modelId="{ED415A97-6A0F-4ED8-A5C9-CA62734D54B6}">
+      <dgm:prSet/>
+      <dgm:spPr/>
+      <dgm:t>
+        <a:bodyPr/>
+        <a:lstStyle/>
+        <a:p>
+          <a:r>
+            <a:rPr lang="id-ID" dirty="0" smtClean="0"/>
+            <a:t>State</a:t>
+          </a:r>
+          <a:endParaRPr lang="id-ID" dirty="0"/>
+        </a:p>
+      </dgm:t>
+    </dgm:pt>
+    <dgm:pt modelId="{FC8913E3-19ED-4525-A346-065E4125C51E}" type="parTrans" cxnId="{AC564C98-43AE-4B9E-880C-2851E53C5B2B}">
+      <dgm:prSet/>
+      <dgm:spPr/>
+      <dgm:t>
+        <a:bodyPr/>
+        <a:lstStyle/>
+        <a:p>
+          <a:endParaRPr lang="en-US"/>
+        </a:p>
+      </dgm:t>
+    </dgm:pt>
+    <dgm:pt modelId="{6F9603BD-586C-486F-AECC-BB07C2CD000B}" type="sibTrans" cxnId="{AC564C98-43AE-4B9E-880C-2851E53C5B2B}">
+      <dgm:prSet/>
+      <dgm:spPr/>
+      <dgm:t>
+        <a:bodyPr/>
+        <a:lstStyle/>
+        <a:p>
+          <a:endParaRPr lang="en-US"/>
+        </a:p>
+      </dgm:t>
+    </dgm:pt>
+    <dgm:pt modelId="{15A85486-D063-4B3B-AE93-8013A52A4F63}">
+      <dgm:prSet/>
+      <dgm:spPr/>
+      <dgm:t>
+        <a:bodyPr/>
+        <a:lstStyle/>
+        <a:p>
+          <a:r>
+            <a:rPr lang="id-ID" dirty="0" smtClean="0"/>
+            <a:t>Proxy</a:t>
+          </a:r>
+          <a:endParaRPr lang="id-ID" dirty="0"/>
+        </a:p>
+      </dgm:t>
+    </dgm:pt>
+    <dgm:pt modelId="{7D944D5D-F6C0-4FDD-9E26-03E086328627}" type="parTrans" cxnId="{BC4D57BF-2551-425C-90F5-44EF89455FAB}">
+      <dgm:prSet/>
+      <dgm:spPr/>
+      <dgm:t>
+        <a:bodyPr/>
+        <a:lstStyle/>
+        <a:p>
+          <a:endParaRPr lang="en-US"/>
+        </a:p>
+      </dgm:t>
+    </dgm:pt>
+    <dgm:pt modelId="{D5F2F8B3-8712-4C10-A9CB-58088CB80D27}" type="sibTrans" cxnId="{BC4D57BF-2551-425C-90F5-44EF89455FAB}">
+      <dgm:prSet/>
+      <dgm:spPr/>
+      <dgm:t>
+        <a:bodyPr/>
+        <a:lstStyle/>
+        <a:p>
+          <a:endParaRPr lang="en-US"/>
+        </a:p>
+      </dgm:t>
+    </dgm:pt>
     <dgm:pt modelId="{6B154F68-8B51-467A-BA10-172481035887}" type="pres">
       <dgm:prSet presAssocID="{5E6B5F31-D388-4E6B-9F32-4179217555AA}" presName="diagram" presStyleCnt="0">
         <dgm:presLayoutVars>
@@ -6393,7 +6493,7 @@
       </dgm:t>
     </dgm:pt>
     <dgm:pt modelId="{B5A656E4-A593-4B06-992F-1CB098854AFE}" type="pres">
-      <dgm:prSet presAssocID="{01C8ECFC-1952-45B6-A87A-C52ADAF70BC0}" presName="node" presStyleLbl="node1" presStyleIdx="0" presStyleCnt="10">
+      <dgm:prSet presAssocID="{01C8ECFC-1952-45B6-A87A-C52ADAF70BC0}" presName="node" presStyleLbl="node1" presStyleIdx="0" presStyleCnt="12">
         <dgm:presLayoutVars>
           <dgm:bulletEnabled val="1"/>
         </dgm:presLayoutVars>
@@ -6412,7 +6512,7 @@
       <dgm:spPr/>
     </dgm:pt>
     <dgm:pt modelId="{9A42CF42-AA19-4377-97DA-43CED5D1860C}" type="pres">
-      <dgm:prSet presAssocID="{A5404D0E-8812-4F5B-A47B-ABE167BAF463}" presName="node" presStyleLbl="node1" presStyleIdx="1" presStyleCnt="10">
+      <dgm:prSet presAssocID="{A5404D0E-8812-4F5B-A47B-ABE167BAF463}" presName="node" presStyleLbl="node1" presStyleIdx="1" presStyleCnt="12">
         <dgm:presLayoutVars>
           <dgm:bulletEnabled val="1"/>
         </dgm:presLayoutVars>
@@ -6431,7 +6531,7 @@
       <dgm:spPr/>
     </dgm:pt>
     <dgm:pt modelId="{973627DE-F9DF-4194-B4D1-EE32891234C4}" type="pres">
-      <dgm:prSet presAssocID="{A5FD4D7C-1E6F-45D2-8224-E2771961A9B9}" presName="node" presStyleLbl="node1" presStyleIdx="2" presStyleCnt="10">
+      <dgm:prSet presAssocID="{A5FD4D7C-1E6F-45D2-8224-E2771961A9B9}" presName="node" presStyleLbl="node1" presStyleIdx="2" presStyleCnt="12">
         <dgm:presLayoutVars>
           <dgm:bulletEnabled val="1"/>
         </dgm:presLayoutVars>
@@ -6450,7 +6550,7 @@
       <dgm:spPr/>
     </dgm:pt>
     <dgm:pt modelId="{FA6594CC-068C-48E5-8596-5B098B55FF4C}" type="pres">
-      <dgm:prSet presAssocID="{96BFA222-9CE0-4F3C-9F27-CF87E5BCF804}" presName="node" presStyleLbl="node1" presStyleIdx="3" presStyleCnt="10">
+      <dgm:prSet presAssocID="{96BFA222-9CE0-4F3C-9F27-CF87E5BCF804}" presName="node" presStyleLbl="node1" presStyleIdx="3" presStyleCnt="12">
         <dgm:presLayoutVars>
           <dgm:bulletEnabled val="1"/>
         </dgm:presLayoutVars>
@@ -6469,7 +6569,7 @@
       <dgm:spPr/>
     </dgm:pt>
     <dgm:pt modelId="{397397A5-25C2-473C-89AE-8B5D4BA8C9DA}" type="pres">
-      <dgm:prSet presAssocID="{779679DA-7924-4012-8A7B-23C237FBF29F}" presName="node" presStyleLbl="node1" presStyleIdx="4" presStyleCnt="10">
+      <dgm:prSet presAssocID="{779679DA-7924-4012-8A7B-23C237FBF29F}" presName="node" presStyleLbl="node1" presStyleIdx="4" presStyleCnt="12">
         <dgm:presLayoutVars>
           <dgm:bulletEnabled val="1"/>
         </dgm:presLayoutVars>
@@ -6488,7 +6588,7 @@
       <dgm:spPr/>
     </dgm:pt>
     <dgm:pt modelId="{F05CDB0D-C06C-4B1B-8190-06AC8E82A2FD}" type="pres">
-      <dgm:prSet presAssocID="{234AA1C4-C50D-4D4B-A279-F4A103F8D6D5}" presName="node" presStyleLbl="node1" presStyleIdx="5" presStyleCnt="10">
+      <dgm:prSet presAssocID="{234AA1C4-C50D-4D4B-A279-F4A103F8D6D5}" presName="node" presStyleLbl="node1" presStyleIdx="5" presStyleCnt="12">
         <dgm:presLayoutVars>
           <dgm:bulletEnabled val="1"/>
         </dgm:presLayoutVars>
@@ -6507,7 +6607,7 @@
       <dgm:spPr/>
     </dgm:pt>
     <dgm:pt modelId="{2CE14FB2-0B11-4ABB-8EBE-C99115F7A2B4}" type="pres">
-      <dgm:prSet presAssocID="{4EC6BD02-8BD7-47A3-9E19-CA5CA1B771C0}" presName="node" presStyleLbl="node1" presStyleIdx="6" presStyleCnt="10">
+      <dgm:prSet presAssocID="{4EC6BD02-8BD7-47A3-9E19-CA5CA1B771C0}" presName="node" presStyleLbl="node1" presStyleIdx="6" presStyleCnt="12">
         <dgm:presLayoutVars>
           <dgm:bulletEnabled val="1"/>
         </dgm:presLayoutVars>
@@ -6526,7 +6626,7 @@
       <dgm:spPr/>
     </dgm:pt>
     <dgm:pt modelId="{7488B38C-15E8-487D-A98F-ECC283B523BE}" type="pres">
-      <dgm:prSet presAssocID="{9DFE345C-251F-4A49-874F-A1CE4C154896}" presName="node" presStyleLbl="node1" presStyleIdx="7" presStyleCnt="10">
+      <dgm:prSet presAssocID="{9DFE345C-251F-4A49-874F-A1CE4C154896}" presName="node" presStyleLbl="node1" presStyleIdx="7" presStyleCnt="12">
         <dgm:presLayoutVars>
           <dgm:bulletEnabled val="1"/>
         </dgm:presLayoutVars>
@@ -6544,8 +6644,27 @@
       <dgm:prSet presAssocID="{4EFCC75D-A249-46C8-97A9-36DFAA208C9F}" presName="sibTrans" presStyleCnt="0"/>
       <dgm:spPr/>
     </dgm:pt>
+    <dgm:pt modelId="{80AC113A-BA98-4C55-B19D-877C8D92AF9D}" type="pres">
+      <dgm:prSet presAssocID="{15A85486-D063-4B3B-AE93-8013A52A4F63}" presName="node" presStyleLbl="node1" presStyleIdx="8" presStyleCnt="12">
+        <dgm:presLayoutVars>
+          <dgm:bulletEnabled val="1"/>
+        </dgm:presLayoutVars>
+      </dgm:prSet>
+      <dgm:spPr/>
+      <dgm:t>
+        <a:bodyPr/>
+        <a:lstStyle/>
+        <a:p>
+          <a:endParaRPr lang="en-US"/>
+        </a:p>
+      </dgm:t>
+    </dgm:pt>
+    <dgm:pt modelId="{D78250D8-4D12-4A9E-B69F-D3E3C0036310}" type="pres">
+      <dgm:prSet presAssocID="{D5F2F8B3-8712-4C10-A9CB-58088CB80D27}" presName="sibTrans" presStyleCnt="0"/>
+      <dgm:spPr/>
+    </dgm:pt>
     <dgm:pt modelId="{BF8DED3A-AFDB-49B9-9884-8CDD5DEEC40E}" type="pres">
-      <dgm:prSet presAssocID="{79AFF0B2-D20A-49AD-9A64-11F6D835982D}" presName="node" presStyleLbl="node1" presStyleIdx="8" presStyleCnt="10">
+      <dgm:prSet presAssocID="{79AFF0B2-D20A-49AD-9A64-11F6D835982D}" presName="node" presStyleLbl="node1" presStyleIdx="9" presStyleCnt="12">
         <dgm:presLayoutVars>
           <dgm:bulletEnabled val="1"/>
         </dgm:presLayoutVars>
@@ -6563,8 +6682,27 @@
       <dgm:prSet presAssocID="{DED6A872-71EB-444C-8D0F-DA503C04DD91}" presName="sibTrans" presStyleCnt="0"/>
       <dgm:spPr/>
     </dgm:pt>
+    <dgm:pt modelId="{3E179B20-4AF1-4FFE-8C7A-0F4A3A1EACCB}" type="pres">
+      <dgm:prSet presAssocID="{ED415A97-6A0F-4ED8-A5C9-CA62734D54B6}" presName="node" presStyleLbl="node1" presStyleIdx="10" presStyleCnt="12">
+        <dgm:presLayoutVars>
+          <dgm:bulletEnabled val="1"/>
+        </dgm:presLayoutVars>
+      </dgm:prSet>
+      <dgm:spPr/>
+      <dgm:t>
+        <a:bodyPr/>
+        <a:lstStyle/>
+        <a:p>
+          <a:endParaRPr lang="en-US"/>
+        </a:p>
+      </dgm:t>
+    </dgm:pt>
+    <dgm:pt modelId="{0E3F3BFE-62B5-4502-891D-5FC26BB7F552}" type="pres">
+      <dgm:prSet presAssocID="{6F9603BD-586C-486F-AECC-BB07C2CD000B}" presName="sibTrans" presStyleCnt="0"/>
+      <dgm:spPr/>
+    </dgm:pt>
     <dgm:pt modelId="{CD45B8C6-ED5B-4E20-BA5D-E1E72348CE23}" type="pres">
-      <dgm:prSet presAssocID="{150EC4B6-8D82-466B-99FC-DE17D7179B0D}" presName="node" presStyleLbl="node1" presStyleIdx="9" presStyleCnt="10">
+      <dgm:prSet presAssocID="{150EC4B6-8D82-466B-99FC-DE17D7179B0D}" presName="node" presStyleLbl="node1" presStyleIdx="11" presStyleCnt="12">
         <dgm:presLayoutVars>
           <dgm:bulletEnabled val="1"/>
         </dgm:presLayoutVars>
@@ -6580,27 +6718,31 @@
     </dgm:pt>
   </dgm:ptLst>
   <dgm:cxnLst>
-    <dgm:cxn modelId="{2CBCD6F4-49AB-4A4B-B143-7FB39BEF91FA}" type="presOf" srcId="{96BFA222-9CE0-4F3C-9F27-CF87E5BCF804}" destId="{FA6594CC-068C-48E5-8596-5B098B55FF4C}" srcOrd="0" destOrd="0" presId="urn:microsoft.com/office/officeart/2005/8/layout/default"/>
-    <dgm:cxn modelId="{B97726B3-D5DF-4AA8-BA00-699283D3DFB9}" srcId="{5E6B5F31-D388-4E6B-9F32-4179217555AA}" destId="{79AFF0B2-D20A-49AD-9A64-11F6D835982D}" srcOrd="8" destOrd="0" parTransId="{6194D66C-D1C1-4F09-8D56-340B05440519}" sibTransId="{DED6A872-71EB-444C-8D0F-DA503C04DD91}"/>
-    <dgm:cxn modelId="{5EABDD2B-9423-4F16-906F-4AD51313B503}" srcId="{5E6B5F31-D388-4E6B-9F32-4179217555AA}" destId="{96BFA222-9CE0-4F3C-9F27-CF87E5BCF804}" srcOrd="3" destOrd="0" parTransId="{D3C04186-0A8C-4E8B-B246-B79C0D1B7B95}" sibTransId="{0067FDDA-F1BD-41B2-9951-A938980D8FD2}"/>
-    <dgm:cxn modelId="{793F261C-7833-4579-9674-93DA598FA4E6}" srcId="{5E6B5F31-D388-4E6B-9F32-4179217555AA}" destId="{779679DA-7924-4012-8A7B-23C237FBF29F}" srcOrd="4" destOrd="0" parTransId="{04718F6D-DCE8-4455-9495-6314CC96A528}" sibTransId="{2B90E8E2-B623-417C-A21A-97CBA6E3C4CA}"/>
-    <dgm:cxn modelId="{96E4318D-D854-4DA3-BCB5-5E97255AC068}" type="presOf" srcId="{9DFE345C-251F-4A49-874F-A1CE4C154896}" destId="{7488B38C-15E8-487D-A98F-ECC283B523BE}" srcOrd="0" destOrd="0" presId="urn:microsoft.com/office/officeart/2005/8/layout/default"/>
-    <dgm:cxn modelId="{A54F7BE7-2068-43F4-B76A-ABB59C6D604B}" srcId="{5E6B5F31-D388-4E6B-9F32-4179217555AA}" destId="{234AA1C4-C50D-4D4B-A279-F4A103F8D6D5}" srcOrd="5" destOrd="0" parTransId="{98FA7083-DB68-46B5-8570-7FC00503AFEC}" sibTransId="{F48CEE82-1E3F-4E32-9EA3-85B76298787F}"/>
-    <dgm:cxn modelId="{7D3F457E-E7F2-4840-9795-342A956A8058}" type="presOf" srcId="{4EC6BD02-8BD7-47A3-9E19-CA5CA1B771C0}" destId="{2CE14FB2-0B11-4ABB-8EBE-C99115F7A2B4}" srcOrd="0" destOrd="0" presId="urn:microsoft.com/office/officeart/2005/8/layout/default"/>
+    <dgm:cxn modelId="{5F437698-04F2-4C69-9E9B-136C4612C4CD}" type="presOf" srcId="{150EC4B6-8D82-466B-99FC-DE17D7179B0D}" destId="{CD45B8C6-ED5B-4E20-BA5D-E1E72348CE23}" srcOrd="0" destOrd="0" presId="urn:microsoft.com/office/officeart/2005/8/layout/default"/>
     <dgm:cxn modelId="{33D62471-8B9E-4CA0-9B16-2EF869BE3061}" type="presOf" srcId="{01C8ECFC-1952-45B6-A87A-C52ADAF70BC0}" destId="{B5A656E4-A593-4B06-992F-1CB098854AFE}" srcOrd="0" destOrd="0" presId="urn:microsoft.com/office/officeart/2005/8/layout/default"/>
     <dgm:cxn modelId="{B93CB5CC-53D0-4F59-8B14-3C0A3898C939}" srcId="{5E6B5F31-D388-4E6B-9F32-4179217555AA}" destId="{9DFE345C-251F-4A49-874F-A1CE4C154896}" srcOrd="7" destOrd="0" parTransId="{B15AC715-DE17-46B0-B7ED-A5934FC1A502}" sibTransId="{4EFCC75D-A249-46C8-97A9-36DFAA208C9F}"/>
+    <dgm:cxn modelId="{ABA48FD1-B7F2-431D-A2D7-32D80B5DDE97}" type="presOf" srcId="{5E6B5F31-D388-4E6B-9F32-4179217555AA}" destId="{6B154F68-8B51-467A-BA10-172481035887}" srcOrd="0" destOrd="0" presId="urn:microsoft.com/office/officeart/2005/8/layout/default"/>
+    <dgm:cxn modelId="{BC4D57BF-2551-425C-90F5-44EF89455FAB}" srcId="{5E6B5F31-D388-4E6B-9F32-4179217555AA}" destId="{15A85486-D063-4B3B-AE93-8013A52A4F63}" srcOrd="8" destOrd="0" parTransId="{7D944D5D-F6C0-4FDD-9E26-03E086328627}" sibTransId="{D5F2F8B3-8712-4C10-A9CB-58088CB80D27}"/>
+    <dgm:cxn modelId="{E663E451-AA5B-4BA6-9A5C-ED7ECE869C9C}" srcId="{5E6B5F31-D388-4E6B-9F32-4179217555AA}" destId="{A5FD4D7C-1E6F-45D2-8224-E2771961A9B9}" srcOrd="2" destOrd="0" parTransId="{AD24520A-FA7F-4824-BFE6-0072E69A06DE}" sibTransId="{B9355F26-F34B-44AB-8D0A-37BC5518FF54}"/>
+    <dgm:cxn modelId="{AC564C98-43AE-4B9E-880C-2851E53C5B2B}" srcId="{5E6B5F31-D388-4E6B-9F32-4179217555AA}" destId="{ED415A97-6A0F-4ED8-A5C9-CA62734D54B6}" srcOrd="10" destOrd="0" parTransId="{FC8913E3-19ED-4525-A346-065E4125C51E}" sibTransId="{6F9603BD-586C-486F-AECC-BB07C2CD000B}"/>
+    <dgm:cxn modelId="{DD5ECC13-B619-4DE9-A763-24E8DBEBB724}" type="presOf" srcId="{ED415A97-6A0F-4ED8-A5C9-CA62734D54B6}" destId="{3E179B20-4AF1-4FFE-8C7A-0F4A3A1EACCB}" srcOrd="0" destOrd="0" presId="urn:microsoft.com/office/officeart/2005/8/layout/default"/>
+    <dgm:cxn modelId="{7D3F457E-E7F2-4840-9795-342A956A8058}" type="presOf" srcId="{4EC6BD02-8BD7-47A3-9E19-CA5CA1B771C0}" destId="{2CE14FB2-0B11-4ABB-8EBE-C99115F7A2B4}" srcOrd="0" destOrd="0" presId="urn:microsoft.com/office/officeart/2005/8/layout/default"/>
+    <dgm:cxn modelId="{41DAEFA6-FAA9-49F0-BB5F-D16D29852380}" type="presOf" srcId="{234AA1C4-C50D-4D4B-A279-F4A103F8D6D5}" destId="{F05CDB0D-C06C-4B1B-8190-06AC8E82A2FD}" srcOrd="0" destOrd="0" presId="urn:microsoft.com/office/officeart/2005/8/layout/default"/>
+    <dgm:cxn modelId="{5EABDD2B-9423-4F16-906F-4AD51313B503}" srcId="{5E6B5F31-D388-4E6B-9F32-4179217555AA}" destId="{96BFA222-9CE0-4F3C-9F27-CF87E5BCF804}" srcOrd="3" destOrd="0" parTransId="{D3C04186-0A8C-4E8B-B246-B79C0D1B7B95}" sibTransId="{0067FDDA-F1BD-41B2-9951-A938980D8FD2}"/>
+    <dgm:cxn modelId="{AD5CE37F-E22B-4424-8744-F9EA49D48C1C}" srcId="{5E6B5F31-D388-4E6B-9F32-4179217555AA}" destId="{A5404D0E-8812-4F5B-A47B-ABE167BAF463}" srcOrd="1" destOrd="0" parTransId="{4FB9CF8A-786A-4CB1-B859-F49C9234B9F6}" sibTransId="{3B416538-89F3-4566-A67C-11461F3BF0C2}"/>
     <dgm:cxn modelId="{C5DE27BA-6BCB-4AB3-8B0B-EAB7F86193A2}" srcId="{5E6B5F31-D388-4E6B-9F32-4179217555AA}" destId="{4EC6BD02-8BD7-47A3-9E19-CA5CA1B771C0}" srcOrd="6" destOrd="0" parTransId="{2D47C6BF-3AE3-460F-BBD8-AC6FD8FE14CD}" sibTransId="{F938D919-E0C9-433A-A92C-FA3793D4DDD1}"/>
-    <dgm:cxn modelId="{720C8CDE-204F-4619-9F4B-66F6D84788D1}" srcId="{5E6B5F31-D388-4E6B-9F32-4179217555AA}" destId="{150EC4B6-8D82-466B-99FC-DE17D7179B0D}" srcOrd="9" destOrd="0" parTransId="{0472F49E-2A4B-4927-902E-AD71B5F0E5E8}" sibTransId="{46009121-1522-49D8-A6C2-ACEE9044838D}"/>
-    <dgm:cxn modelId="{5F437698-04F2-4C69-9E9B-136C4612C4CD}" type="presOf" srcId="{150EC4B6-8D82-466B-99FC-DE17D7179B0D}" destId="{CD45B8C6-ED5B-4E20-BA5D-E1E72348CE23}" srcOrd="0" destOrd="0" presId="urn:microsoft.com/office/officeart/2005/8/layout/default"/>
-    <dgm:cxn modelId="{ABA48FD1-B7F2-431D-A2D7-32D80B5DDE97}" type="presOf" srcId="{5E6B5F31-D388-4E6B-9F32-4179217555AA}" destId="{6B154F68-8B51-467A-BA10-172481035887}" srcOrd="0" destOrd="0" presId="urn:microsoft.com/office/officeart/2005/8/layout/default"/>
-    <dgm:cxn modelId="{E663E451-AA5B-4BA6-9A5C-ED7ECE869C9C}" srcId="{5E6B5F31-D388-4E6B-9F32-4179217555AA}" destId="{A5FD4D7C-1E6F-45D2-8224-E2771961A9B9}" srcOrd="2" destOrd="0" parTransId="{AD24520A-FA7F-4824-BFE6-0072E69A06DE}" sibTransId="{B9355F26-F34B-44AB-8D0A-37BC5518FF54}"/>
     <dgm:cxn modelId="{25723DFD-2111-4EB3-BBA1-861F80979292}" srcId="{5E6B5F31-D388-4E6B-9F32-4179217555AA}" destId="{01C8ECFC-1952-45B6-A87A-C52ADAF70BC0}" srcOrd="0" destOrd="0" parTransId="{3F22A71F-44F1-491D-B7B9-1CDEFB8A2797}" sibTransId="{B4A4D8DF-234C-4693-8C09-BBD9D78FF07D}"/>
-    <dgm:cxn modelId="{AD5CE37F-E22B-4424-8744-F9EA49D48C1C}" srcId="{5E6B5F31-D388-4E6B-9F32-4179217555AA}" destId="{A5404D0E-8812-4F5B-A47B-ABE167BAF463}" srcOrd="1" destOrd="0" parTransId="{4FB9CF8A-786A-4CB1-B859-F49C9234B9F6}" sibTransId="{3B416538-89F3-4566-A67C-11461F3BF0C2}"/>
+    <dgm:cxn modelId="{720C8CDE-204F-4619-9F4B-66F6D84788D1}" srcId="{5E6B5F31-D388-4E6B-9F32-4179217555AA}" destId="{150EC4B6-8D82-466B-99FC-DE17D7179B0D}" srcOrd="11" destOrd="0" parTransId="{0472F49E-2A4B-4927-902E-AD71B5F0E5E8}" sibTransId="{46009121-1522-49D8-A6C2-ACEE9044838D}"/>
+    <dgm:cxn modelId="{A2626C7D-E565-4E25-98F5-A904C76C0899}" type="presOf" srcId="{A5404D0E-8812-4F5B-A47B-ABE167BAF463}" destId="{9A42CF42-AA19-4377-97DA-43CED5D1860C}" srcOrd="0" destOrd="0" presId="urn:microsoft.com/office/officeart/2005/8/layout/default"/>
+    <dgm:cxn modelId="{B97726B3-D5DF-4AA8-BA00-699283D3DFB9}" srcId="{5E6B5F31-D388-4E6B-9F32-4179217555AA}" destId="{79AFF0B2-D20A-49AD-9A64-11F6D835982D}" srcOrd="9" destOrd="0" parTransId="{6194D66C-D1C1-4F09-8D56-340B05440519}" sibTransId="{DED6A872-71EB-444C-8D0F-DA503C04DD91}"/>
+    <dgm:cxn modelId="{3CA7D958-ED3E-4733-9313-A1B83533695B}" type="presOf" srcId="{15A85486-D063-4B3B-AE93-8013A52A4F63}" destId="{80AC113A-BA98-4C55-B19D-877C8D92AF9D}" srcOrd="0" destOrd="0" presId="urn:microsoft.com/office/officeart/2005/8/layout/default"/>
+    <dgm:cxn modelId="{96E4318D-D854-4DA3-BCB5-5E97255AC068}" type="presOf" srcId="{9DFE345C-251F-4A49-874F-A1CE4C154896}" destId="{7488B38C-15E8-487D-A98F-ECC283B523BE}" srcOrd="0" destOrd="0" presId="urn:microsoft.com/office/officeart/2005/8/layout/default"/>
+    <dgm:cxn modelId="{A2E4E66F-FF53-4F53-B853-35E670B4E13A}" type="presOf" srcId="{79AFF0B2-D20A-49AD-9A64-11F6D835982D}" destId="{BF8DED3A-AFDB-49B9-9884-8CDD5DEEC40E}" srcOrd="0" destOrd="0" presId="urn:microsoft.com/office/officeart/2005/8/layout/default"/>
+    <dgm:cxn modelId="{A54F7BE7-2068-43F4-B76A-ABB59C6D604B}" srcId="{5E6B5F31-D388-4E6B-9F32-4179217555AA}" destId="{234AA1C4-C50D-4D4B-A279-F4A103F8D6D5}" srcOrd="5" destOrd="0" parTransId="{98FA7083-DB68-46B5-8570-7FC00503AFEC}" sibTransId="{F48CEE82-1E3F-4E32-9EA3-85B76298787F}"/>
     <dgm:cxn modelId="{E4451929-F4E9-483B-B511-E3721B99612D}" type="presOf" srcId="{A5FD4D7C-1E6F-45D2-8224-E2771961A9B9}" destId="{973627DE-F9DF-4194-B4D1-EE32891234C4}" srcOrd="0" destOrd="0" presId="urn:microsoft.com/office/officeart/2005/8/layout/default"/>
     <dgm:cxn modelId="{4A164199-5C99-44A9-B88F-EED15D75A9C5}" type="presOf" srcId="{779679DA-7924-4012-8A7B-23C237FBF29F}" destId="{397397A5-25C2-473C-89AE-8B5D4BA8C9DA}" srcOrd="0" destOrd="0" presId="urn:microsoft.com/office/officeart/2005/8/layout/default"/>
-    <dgm:cxn modelId="{A2626C7D-E565-4E25-98F5-A904C76C0899}" type="presOf" srcId="{A5404D0E-8812-4F5B-A47B-ABE167BAF463}" destId="{9A42CF42-AA19-4377-97DA-43CED5D1860C}" srcOrd="0" destOrd="0" presId="urn:microsoft.com/office/officeart/2005/8/layout/default"/>
-    <dgm:cxn modelId="{41DAEFA6-FAA9-49F0-BB5F-D16D29852380}" type="presOf" srcId="{234AA1C4-C50D-4D4B-A279-F4A103F8D6D5}" destId="{F05CDB0D-C06C-4B1B-8190-06AC8E82A2FD}" srcOrd="0" destOrd="0" presId="urn:microsoft.com/office/officeart/2005/8/layout/default"/>
-    <dgm:cxn modelId="{A2E4E66F-FF53-4F53-B853-35E670B4E13A}" type="presOf" srcId="{79AFF0B2-D20A-49AD-9A64-11F6D835982D}" destId="{BF8DED3A-AFDB-49B9-9884-8CDD5DEEC40E}" srcOrd="0" destOrd="0" presId="urn:microsoft.com/office/officeart/2005/8/layout/default"/>
+    <dgm:cxn modelId="{793F261C-7833-4579-9674-93DA598FA4E6}" srcId="{5E6B5F31-D388-4E6B-9F32-4179217555AA}" destId="{779679DA-7924-4012-8A7B-23C237FBF29F}" srcOrd="4" destOrd="0" parTransId="{04718F6D-DCE8-4455-9495-6314CC96A528}" sibTransId="{2B90E8E2-B623-417C-A21A-97CBA6E3C4CA}"/>
+    <dgm:cxn modelId="{2CBCD6F4-49AB-4A4B-B143-7FB39BEF91FA}" type="presOf" srcId="{96BFA222-9CE0-4F3C-9F27-CF87E5BCF804}" destId="{FA6594CC-068C-48E5-8596-5B098B55FF4C}" srcOrd="0" destOrd="0" presId="urn:microsoft.com/office/officeart/2005/8/layout/default"/>
     <dgm:cxn modelId="{CF1915FE-AB25-4830-A89E-2E8D9F1E2A30}" type="presParOf" srcId="{6B154F68-8B51-467A-BA10-172481035887}" destId="{B5A656E4-A593-4B06-992F-1CB098854AFE}" srcOrd="0" destOrd="0" presId="urn:microsoft.com/office/officeart/2005/8/layout/default"/>
     <dgm:cxn modelId="{6840715C-932F-492D-BE6F-668178CCC3BB}" type="presParOf" srcId="{6B154F68-8B51-467A-BA10-172481035887}" destId="{F8F1CB1D-3A7F-4485-9814-F3C412028453}" srcOrd="1" destOrd="0" presId="urn:microsoft.com/office/officeart/2005/8/layout/default"/>
     <dgm:cxn modelId="{8340A953-0B82-4B87-9CB7-7BA081FDB39C}" type="presParOf" srcId="{6B154F68-8B51-467A-BA10-172481035887}" destId="{9A42CF42-AA19-4377-97DA-43CED5D1860C}" srcOrd="2" destOrd="0" presId="urn:microsoft.com/office/officeart/2005/8/layout/default"/>
@@ -6617,9 +6759,13 @@
     <dgm:cxn modelId="{C034D5E4-25B0-4EC7-AE9E-2FD438E38475}" type="presParOf" srcId="{6B154F68-8B51-467A-BA10-172481035887}" destId="{199FE718-B990-4160-8332-28A8D0FE78C0}" srcOrd="13" destOrd="0" presId="urn:microsoft.com/office/officeart/2005/8/layout/default"/>
     <dgm:cxn modelId="{2455D655-6F76-40FB-912D-F53D51B1755A}" type="presParOf" srcId="{6B154F68-8B51-467A-BA10-172481035887}" destId="{7488B38C-15E8-487D-A98F-ECC283B523BE}" srcOrd="14" destOrd="0" presId="urn:microsoft.com/office/officeart/2005/8/layout/default"/>
     <dgm:cxn modelId="{6CE19889-4054-47EB-B519-4AE0DB747969}" type="presParOf" srcId="{6B154F68-8B51-467A-BA10-172481035887}" destId="{F3480B5D-100F-4BF1-9E29-AE499F6ED8FA}" srcOrd="15" destOrd="0" presId="urn:microsoft.com/office/officeart/2005/8/layout/default"/>
-    <dgm:cxn modelId="{F98D31A4-C8F8-4FAC-872F-0A0654CADE06}" type="presParOf" srcId="{6B154F68-8B51-467A-BA10-172481035887}" destId="{BF8DED3A-AFDB-49B9-9884-8CDD5DEEC40E}" srcOrd="16" destOrd="0" presId="urn:microsoft.com/office/officeart/2005/8/layout/default"/>
-    <dgm:cxn modelId="{C079FC94-C1EE-41DF-8380-844FC6429399}" type="presParOf" srcId="{6B154F68-8B51-467A-BA10-172481035887}" destId="{9E238163-009B-4909-8C1A-DF5CA42476DA}" srcOrd="17" destOrd="0" presId="urn:microsoft.com/office/officeart/2005/8/layout/default"/>
-    <dgm:cxn modelId="{7FA645D9-F4CA-4CA8-B651-D7C7D4095DFE}" type="presParOf" srcId="{6B154F68-8B51-467A-BA10-172481035887}" destId="{CD45B8C6-ED5B-4E20-BA5D-E1E72348CE23}" srcOrd="18" destOrd="0" presId="urn:microsoft.com/office/officeart/2005/8/layout/default"/>
+    <dgm:cxn modelId="{595FFA97-55CB-4240-9345-79AFF826F230}" type="presParOf" srcId="{6B154F68-8B51-467A-BA10-172481035887}" destId="{80AC113A-BA98-4C55-B19D-877C8D92AF9D}" srcOrd="16" destOrd="0" presId="urn:microsoft.com/office/officeart/2005/8/layout/default"/>
+    <dgm:cxn modelId="{D755877F-D0DB-4244-A47B-D0576C1A1F51}" type="presParOf" srcId="{6B154F68-8B51-467A-BA10-172481035887}" destId="{D78250D8-4D12-4A9E-B69F-D3E3C0036310}" srcOrd="17" destOrd="0" presId="urn:microsoft.com/office/officeart/2005/8/layout/default"/>
+    <dgm:cxn modelId="{F98D31A4-C8F8-4FAC-872F-0A0654CADE06}" type="presParOf" srcId="{6B154F68-8B51-467A-BA10-172481035887}" destId="{BF8DED3A-AFDB-49B9-9884-8CDD5DEEC40E}" srcOrd="18" destOrd="0" presId="urn:microsoft.com/office/officeart/2005/8/layout/default"/>
+    <dgm:cxn modelId="{C079FC94-C1EE-41DF-8380-844FC6429399}" type="presParOf" srcId="{6B154F68-8B51-467A-BA10-172481035887}" destId="{9E238163-009B-4909-8C1A-DF5CA42476DA}" srcOrd="19" destOrd="0" presId="urn:microsoft.com/office/officeart/2005/8/layout/default"/>
+    <dgm:cxn modelId="{83BE8AC9-9654-4808-AEB8-93DA05FCB5A9}" type="presParOf" srcId="{6B154F68-8B51-467A-BA10-172481035887}" destId="{3E179B20-4AF1-4FFE-8C7A-0F4A3A1EACCB}" srcOrd="20" destOrd="0" presId="urn:microsoft.com/office/officeart/2005/8/layout/default"/>
+    <dgm:cxn modelId="{9C3F1A93-6870-40B8-870C-EF56264A6BDD}" type="presParOf" srcId="{6B154F68-8B51-467A-BA10-172481035887}" destId="{0E3F3BFE-62B5-4502-891D-5FC26BB7F552}" srcOrd="21" destOrd="0" presId="urn:microsoft.com/office/officeart/2005/8/layout/default"/>
+    <dgm:cxn modelId="{7FA645D9-F4CA-4CA8-B651-D7C7D4095DFE}" type="presParOf" srcId="{6B154F68-8B51-467A-BA10-172481035887}" destId="{CD45B8C6-ED5B-4E20-BA5D-E1E72348CE23}" srcOrd="22" destOrd="0" presId="urn:microsoft.com/office/officeart/2005/8/layout/default"/>
   </dgm:cxnLst>
   <dgm:bg>
     <a:effectLst/>
@@ -8919,14 +9065,91 @@
             </a:spcAft>
           </a:pPr>
           <a:r>
-            <a:rPr lang="id-ID" sz="3300" b="0" i="0" u="none" kern="1200" smtClean="0"/>
+            <a:rPr lang="id-ID" sz="3300" b="0" i="0" u="none" kern="1200" dirty="0" smtClean="0"/>
             <a:t>Observer</a:t>
           </a:r>
-          <a:endParaRPr lang="id-ID" sz="3300" kern="1200"/>
+          <a:endParaRPr lang="id-ID" sz="3300" kern="1200" dirty="0"/>
         </a:p>
       </dsp:txBody>
       <dsp:txXfrm>
         <a:off x="7171659" y="1408355"/>
+        <a:ext cx="2010024" cy="1206014"/>
+      </dsp:txXfrm>
+    </dsp:sp>
+    <dsp:sp modelId="{80AC113A-BA98-4C55-B19D-877C8D92AF9D}">
+      <dsp:nvSpPr>
+        <dsp:cNvPr id="0" name=""/>
+        <dsp:cNvSpPr/>
+      </dsp:nvSpPr>
+      <dsp:spPr>
+        <a:xfrm>
+          <a:off x="538577" y="2815372"/>
+          <a:ext cx="2010024" cy="1206014"/>
+        </a:xfrm>
+        <a:prstGeom prst="rect">
+          <a:avLst/>
+        </a:prstGeom>
+        <a:solidFill>
+          <a:schemeClr val="accent1">
+            <a:hueOff val="0"/>
+            <a:satOff val="0"/>
+            <a:lumOff val="0"/>
+            <a:alphaOff val="0"/>
+          </a:schemeClr>
+        </a:solidFill>
+        <a:ln w="15875" cap="flat" cmpd="sng" algn="ctr">
+          <a:solidFill>
+            <a:schemeClr val="lt1">
+              <a:hueOff val="0"/>
+              <a:satOff val="0"/>
+              <a:lumOff val="0"/>
+              <a:alphaOff val="0"/>
+            </a:schemeClr>
+          </a:solidFill>
+          <a:prstDash val="solid"/>
+        </a:ln>
+        <a:effectLst/>
+      </dsp:spPr>
+      <dsp:style>
+        <a:lnRef idx="2">
+          <a:scrgbClr r="0" g="0" b="0"/>
+        </a:lnRef>
+        <a:fillRef idx="1">
+          <a:scrgbClr r="0" g="0" b="0"/>
+        </a:fillRef>
+        <a:effectRef idx="0">
+          <a:scrgbClr r="0" g="0" b="0"/>
+        </a:effectRef>
+        <a:fontRef idx="minor">
+          <a:schemeClr val="lt1"/>
+        </a:fontRef>
+      </dsp:style>
+      <dsp:txBody>
+        <a:bodyPr spcFirstLastPara="0" vert="horz" wrap="square" lIns="125730" tIns="125730" rIns="125730" bIns="125730" numCol="1" spcCol="1270" anchor="ctr" anchorCtr="0">
+          <a:noAutofit/>
+        </a:bodyPr>
+        <a:lstStyle/>
+        <a:p>
+          <a:pPr lvl="0" algn="ctr" defTabSz="1466850">
+            <a:lnSpc>
+              <a:spcPct val="90000"/>
+            </a:lnSpc>
+            <a:spcBef>
+              <a:spcPct val="0"/>
+            </a:spcBef>
+            <a:spcAft>
+              <a:spcPct val="35000"/>
+            </a:spcAft>
+          </a:pPr>
+          <a:r>
+            <a:rPr lang="id-ID" sz="3300" kern="1200" dirty="0" smtClean="0"/>
+            <a:t>Proxy</a:t>
+          </a:r>
+          <a:endParaRPr lang="id-ID" sz="3300" kern="1200" dirty="0"/>
+        </a:p>
+      </dsp:txBody>
+      <dsp:txXfrm>
+        <a:off x="538577" y="2815372"/>
         <a:ext cx="2010024" cy="1206014"/>
       </dsp:txXfrm>
     </dsp:sp>
@@ -8996,10 +9219,10 @@
             </a:spcAft>
           </a:pPr>
           <a:r>
-            <a:rPr lang="id-ID" sz="3300" b="0" i="0" u="none" kern="1200" smtClean="0"/>
+            <a:rPr lang="id-ID" sz="3300" b="0" i="0" u="none" kern="1200" dirty="0" smtClean="0"/>
             <a:t>Singleton</a:t>
           </a:r>
-          <a:endParaRPr lang="id-ID" sz="3300" kern="1200"/>
+          <a:endParaRPr lang="id-ID" sz="3300" kern="1200" dirty="0"/>
         </a:p>
       </dsp:txBody>
       <dsp:txXfrm>
@@ -9007,7 +9230,7 @@
         <a:ext cx="2010024" cy="1206014"/>
       </dsp:txXfrm>
     </dsp:sp>
-    <dsp:sp modelId="{CD45B8C6-ED5B-4E20-BA5D-E1E72348CE23}">
+    <dsp:sp modelId="{3E179B20-4AF1-4FFE-8C7A-0F4A3A1EACCB}">
       <dsp:nvSpPr>
         <dsp:cNvPr id="0" name=""/>
         <dsp:cNvSpPr/>
@@ -9073,6 +9296,83 @@
             </a:spcAft>
           </a:pPr>
           <a:r>
+            <a:rPr lang="id-ID" sz="3300" kern="1200" dirty="0" smtClean="0"/>
+            <a:t>State</a:t>
+          </a:r>
+          <a:endParaRPr lang="id-ID" sz="3300" kern="1200" dirty="0"/>
+        </a:p>
+      </dsp:txBody>
+      <dsp:txXfrm>
+        <a:off x="4960632" y="2815372"/>
+        <a:ext cx="2010024" cy="1206014"/>
+      </dsp:txXfrm>
+    </dsp:sp>
+    <dsp:sp modelId="{CD45B8C6-ED5B-4E20-BA5D-E1E72348CE23}">
+      <dsp:nvSpPr>
+        <dsp:cNvPr id="0" name=""/>
+        <dsp:cNvSpPr/>
+      </dsp:nvSpPr>
+      <dsp:spPr>
+        <a:xfrm>
+          <a:off x="7171659" y="2815372"/>
+          <a:ext cx="2010024" cy="1206014"/>
+        </a:xfrm>
+        <a:prstGeom prst="rect">
+          <a:avLst/>
+        </a:prstGeom>
+        <a:solidFill>
+          <a:schemeClr val="accent1">
+            <a:hueOff val="0"/>
+            <a:satOff val="0"/>
+            <a:lumOff val="0"/>
+            <a:alphaOff val="0"/>
+          </a:schemeClr>
+        </a:solidFill>
+        <a:ln w="15875" cap="flat" cmpd="sng" algn="ctr">
+          <a:solidFill>
+            <a:schemeClr val="lt1">
+              <a:hueOff val="0"/>
+              <a:satOff val="0"/>
+              <a:lumOff val="0"/>
+              <a:alphaOff val="0"/>
+            </a:schemeClr>
+          </a:solidFill>
+          <a:prstDash val="solid"/>
+        </a:ln>
+        <a:effectLst/>
+      </dsp:spPr>
+      <dsp:style>
+        <a:lnRef idx="2">
+          <a:scrgbClr r="0" g="0" b="0"/>
+        </a:lnRef>
+        <a:fillRef idx="1">
+          <a:scrgbClr r="0" g="0" b="0"/>
+        </a:fillRef>
+        <a:effectRef idx="0">
+          <a:scrgbClr r="0" g="0" b="0"/>
+        </a:effectRef>
+        <a:fontRef idx="minor">
+          <a:schemeClr val="lt1"/>
+        </a:fontRef>
+      </dsp:style>
+      <dsp:txBody>
+        <a:bodyPr spcFirstLastPara="0" vert="horz" wrap="square" lIns="125730" tIns="125730" rIns="125730" bIns="125730" numCol="1" spcCol="1270" anchor="ctr" anchorCtr="0">
+          <a:noAutofit/>
+        </a:bodyPr>
+        <a:lstStyle/>
+        <a:p>
+          <a:pPr lvl="0" algn="ctr" defTabSz="1466850">
+            <a:lnSpc>
+              <a:spcPct val="90000"/>
+            </a:lnSpc>
+            <a:spcBef>
+              <a:spcPct val="0"/>
+            </a:spcBef>
+            <a:spcAft>
+              <a:spcPct val="35000"/>
+            </a:spcAft>
+          </a:pPr>
+          <a:r>
             <a:rPr lang="id-ID" sz="3300" b="0" i="0" u="none" kern="1200" smtClean="0"/>
             <a:t>Template</a:t>
           </a:r>
@@ -9080,7 +9380,7 @@
         </a:p>
       </dsp:txBody>
       <dsp:txXfrm>
-        <a:off x="4960632" y="2815372"/>
+        <a:off x="7171659" y="2815372"/>
         <a:ext cx="2010024" cy="1206014"/>
       </dsp:txXfrm>
     </dsp:sp>
@@ -14056,7 +14356,7 @@
           <a:p>
             <a:fld id="{CB72CE30-0798-4FA5-A77A-173E68FCFABD}" type="datetimeFigureOut">
               <a:rPr lang="id-ID" smtClean="0"/>
-              <a:t>07/08/2017</a:t>
+              <a:t>08/08/2017</a:t>
             </a:fld>
             <a:endParaRPr lang="id-ID"/>
           </a:p>
@@ -14476,7 +14776,7 @@
           <a:p>
             <a:fld id="{2797BE76-A178-44FD-B133-ADB874CDF211}" type="datetime1">
               <a:rPr lang="en-US" smtClean="0"/>
-              <a:t>8/7/2017</a:t>
+              <a:t>8/8/2017</a:t>
             </a:fld>
             <a:endParaRPr lang="en-US" dirty="0"/>
           </a:p>
@@ -14733,7 +15033,7 @@
           <a:p>
             <a:fld id="{B2CA0F8C-A7A6-41AB-B81F-DE18C292EF2C}" type="datetime1">
               <a:rPr lang="en-US" smtClean="0"/>
-              <a:t>8/7/2017</a:t>
+              <a:t>8/8/2017</a:t>
             </a:fld>
             <a:endParaRPr lang="en-US" dirty="0"/>
           </a:p>
@@ -14917,7 +15217,7 @@
           <a:p>
             <a:fld id="{692B3E27-1A14-41D5-B46F-31C175907593}" type="datetime1">
               <a:rPr lang="en-US" smtClean="0"/>
-              <a:t>8/7/2017</a:t>
+              <a:t>8/8/2017</a:t>
             </a:fld>
             <a:endParaRPr lang="en-US" dirty="0"/>
           </a:p>
@@ -15126,7 +15426,7 @@
           <a:p>
             <a:fld id="{7F612A62-92D0-4DBF-BA41-D7CEE15F44C1}" type="datetime1">
               <a:rPr lang="en-US" smtClean="0"/>
-              <a:t>8/7/2017</a:t>
+              <a:t>8/8/2017</a:t>
             </a:fld>
             <a:endParaRPr lang="en-US" dirty="0"/>
           </a:p>
@@ -15387,7 +15687,7 @@
           <a:p>
             <a:fld id="{A44D3D01-C2A4-4AAD-9587-13019A4E2239}" type="datetime1">
               <a:rPr lang="en-US" smtClean="0"/>
-              <a:t>8/7/2017</a:t>
+              <a:t>8/8/2017</a:t>
             </a:fld>
             <a:endParaRPr lang="en-US" dirty="0"/>
           </a:p>
@@ -15713,7 +16013,7 @@
           <a:p>
             <a:fld id="{751237B3-AFB9-40FD-975A-9E5837A7FEE7}" type="datetime1">
               <a:rPr lang="en-US" smtClean="0"/>
-              <a:t>8/7/2017</a:t>
+              <a:t>8/8/2017</a:t>
             </a:fld>
             <a:endParaRPr lang="en-US" dirty="0"/>
           </a:p>
@@ -16115,7 +16415,7 @@
           <a:p>
             <a:fld id="{147213DB-5280-4713-BCD1-D2F9B0E95645}" type="datetime1">
               <a:rPr lang="en-US" smtClean="0"/>
-              <a:t>8/7/2017</a:t>
+              <a:t>8/8/2017</a:t>
             </a:fld>
             <a:endParaRPr lang="en-US" dirty="0"/>
           </a:p>
@@ -16237,7 +16537,7 @@
           <a:p>
             <a:fld id="{C08F8B92-BBA1-4F32-A025-92D61069222C}" type="datetime1">
               <a:rPr lang="en-US" smtClean="0"/>
-              <a:t>8/7/2017</a:t>
+              <a:t>8/8/2017</a:t>
             </a:fld>
             <a:endParaRPr lang="en-US" dirty="0"/>
           </a:p>
@@ -16336,7 +16636,7 @@
           <a:p>
             <a:fld id="{E61A73E5-40FA-4FC1-BF4B-9154337BA112}" type="datetime1">
               <a:rPr lang="en-US" smtClean="0"/>
-              <a:t>8/7/2017</a:t>
+              <a:t>8/8/2017</a:t>
             </a:fld>
             <a:endParaRPr lang="en-US" dirty="0"/>
           </a:p>
@@ -16630,7 +16930,7 @@
           <a:p>
             <a:fld id="{E1C3C029-3F97-4BC2-A0B3-1BCA895D2B8C}" type="datetime1">
               <a:rPr lang="en-US" smtClean="0"/>
-              <a:t>8/7/2017</a:t>
+              <a:t>8/8/2017</a:t>
             </a:fld>
             <a:endParaRPr lang="en-US" dirty="0"/>
           </a:p>
@@ -16914,7 +17214,7 @@
           <a:p>
             <a:fld id="{5EB5E58D-AC6A-4B2C-B39C-F218B826CEFD}" type="datetime1">
               <a:rPr lang="en-US" smtClean="0"/>
-              <a:t>8/7/2017</a:t>
+              <a:t>8/8/2017</a:t>
             </a:fld>
             <a:endParaRPr lang="en-US" dirty="0"/>
           </a:p>
@@ -17168,7 +17468,7 @@
           <a:p>
             <a:fld id="{932C9AE0-82BA-494E-82ED-815FE58AD3CD}" type="datetime1">
               <a:rPr lang="en-US" smtClean="0"/>
-              <a:t>8/7/2017</a:t>
+              <a:t>8/8/2017</a:t>
             </a:fld>
             <a:endParaRPr lang="en-US" dirty="0"/>
           </a:p>
@@ -17778,1821 +18078,6 @@
       </p:grpSpPr>
       <p:sp>
         <p:nvSpPr>
-          <p:cNvPr id="2" name="Title 1"/>
-          <p:cNvSpPr>
-            <a:spLocks noGrp="1"/>
-          </p:cNvSpPr>
-          <p:nvPr>
-            <p:ph type="title"/>
-          </p:nvPr>
-        </p:nvSpPr>
-        <p:spPr/>
-        <p:txBody>
-          <a:bodyPr/>
-          <a:lstStyle/>
-          <a:p>
-            <a:r>
-              <a:rPr lang="id-ID" dirty="0" smtClean="0"/>
-              <a:t>Pengelompokan Design PatterN</a:t>
-            </a:r>
-            <a:endParaRPr lang="id-ID" sz="2000" i="1" dirty="0"/>
-          </a:p>
-        </p:txBody>
-      </p:sp>
-      <p:graphicFrame>
-        <p:nvGraphicFramePr>
-          <p:cNvPr id="4" name="Content Placeholder 3"/>
-          <p:cNvGraphicFramePr>
-            <a:graphicFrameLocks noGrp="1"/>
-          </p:cNvGraphicFramePr>
-          <p:nvPr>
-            <p:ph idx="1"/>
-            <p:extLst>
-              <p:ext uri="{D42A27DB-BD31-4B8C-83A1-F6EECF244321}">
-                <p14:modId xmlns:p14="http://schemas.microsoft.com/office/powerpoint/2010/main" val="2855265568"/>
-              </p:ext>
-            </p:extLst>
-          </p:nvPr>
-        </p:nvGraphicFramePr>
-        <p:xfrm>
-          <a:off x="1023938" y="2286000"/>
-          <a:ext cx="9720262" cy="4022725"/>
-        </p:xfrm>
-        <a:graphic>
-          <a:graphicData uri="http://schemas.openxmlformats.org/drawingml/2006/diagram">
-            <dgm:relIds xmlns:dgm="http://schemas.openxmlformats.org/drawingml/2006/diagram" xmlns:r="http://schemas.openxmlformats.org/officeDocument/2006/relationships" r:dm="rId2" r:lo="rId3" r:qs="rId4" r:cs="rId5"/>
-          </a:graphicData>
-        </a:graphic>
-      </p:graphicFrame>
-      <p:sp>
-        <p:nvSpPr>
-          <p:cNvPr id="5" name="Footer Placeholder 4"/>
-          <p:cNvSpPr>
-            <a:spLocks noGrp="1"/>
-          </p:cNvSpPr>
-          <p:nvPr>
-            <p:ph type="ftr" sz="quarter" idx="11"/>
-          </p:nvPr>
-        </p:nvSpPr>
-        <p:spPr/>
-        <p:txBody>
-          <a:bodyPr/>
-          <a:lstStyle/>
-          <a:p>
-            <a:r>
-              <a:rPr lang="en-US" smtClean="0"/>
-              <a:t>Design Pattern - Pengantar Design Pattern</a:t>
-            </a:r>
-            <a:endParaRPr lang="en-US" dirty="0"/>
-          </a:p>
-        </p:txBody>
-      </p:sp>
-      <p:sp>
-        <p:nvSpPr>
-          <p:cNvPr id="6" name="Slide Number Placeholder 5"/>
-          <p:cNvSpPr>
-            <a:spLocks noGrp="1"/>
-          </p:cNvSpPr>
-          <p:nvPr>
-            <p:ph type="sldNum" sz="quarter" idx="12"/>
-          </p:nvPr>
-        </p:nvSpPr>
-        <p:spPr/>
-        <p:txBody>
-          <a:bodyPr/>
-          <a:lstStyle/>
-          <a:p>
-            <a:fld id="{48F63A3B-78C7-47BE-AE5E-E10140E04643}" type="slidenum">
-              <a:rPr lang="en-US" smtClean="0"/>
-              <a:t>10</a:t>
-            </a:fld>
-            <a:endParaRPr lang="en-US" dirty="0"/>
-          </a:p>
-        </p:txBody>
-      </p:sp>
-    </p:spTree>
-    <p:extLst>
-      <p:ext uri="{BB962C8B-B14F-4D97-AF65-F5344CB8AC3E}">
-        <p14:creationId xmlns:p14="http://schemas.microsoft.com/office/powerpoint/2010/main" val="3689737699"/>
-      </p:ext>
-    </p:extLst>
-  </p:cSld>
-  <p:clrMapOvr>
-    <a:masterClrMapping/>
-  </p:clrMapOvr>
-  <p:timing>
-    <p:tnLst>
-      <p:par>
-        <p:cTn id="1" dur="indefinite" restart="never" nodeType="tmRoot"/>
-      </p:par>
-    </p:tnLst>
-  </p:timing>
-</p:sld>
-</file>
-
-<file path=ppt/slides/slide11.xml><?xml version="1.0" encoding="utf-8"?>
-<p:sld xmlns:a="http://schemas.openxmlformats.org/drawingml/2006/main" xmlns:r="http://schemas.openxmlformats.org/officeDocument/2006/relationships" xmlns:p="http://schemas.openxmlformats.org/presentationml/2006/main">
-  <p:cSld>
-    <p:spTree>
-      <p:nvGrpSpPr>
-        <p:cNvPr id="1" name=""/>
-        <p:cNvGrpSpPr/>
-        <p:nvPr/>
-      </p:nvGrpSpPr>
-      <p:grpSpPr>
-        <a:xfrm>
-          <a:off x="0" y="0"/>
-          <a:ext cx="0" cy="0"/>
-          <a:chOff x="0" y="0"/>
-          <a:chExt cx="0" cy="0"/>
-        </a:xfrm>
-      </p:grpSpPr>
-      <p:sp>
-        <p:nvSpPr>
-          <p:cNvPr id="2" name="Title 1"/>
-          <p:cNvSpPr>
-            <a:spLocks noGrp="1"/>
-          </p:cNvSpPr>
-          <p:nvPr>
-            <p:ph type="title"/>
-          </p:nvPr>
-        </p:nvSpPr>
-        <p:spPr/>
-        <p:txBody>
-          <a:bodyPr/>
-          <a:lstStyle/>
-          <a:p>
-            <a:r>
-              <a:rPr lang="id-ID" dirty="0" smtClean="0"/>
-              <a:t>Pattern Yang dibahas di Matakuliah Ini</a:t>
-            </a:r>
-            <a:endParaRPr lang="id-ID" dirty="0"/>
-          </a:p>
-        </p:txBody>
-      </p:sp>
-      <p:graphicFrame>
-        <p:nvGraphicFramePr>
-          <p:cNvPr id="6" name="Content Placeholder 5"/>
-          <p:cNvGraphicFramePr>
-            <a:graphicFrameLocks noGrp="1"/>
-          </p:cNvGraphicFramePr>
-          <p:nvPr>
-            <p:ph idx="1"/>
-            <p:extLst>
-              <p:ext uri="{D42A27DB-BD31-4B8C-83A1-F6EECF244321}">
-                <p14:modId xmlns:p14="http://schemas.microsoft.com/office/powerpoint/2010/main" val="3053722592"/>
-              </p:ext>
-            </p:extLst>
-          </p:nvPr>
-        </p:nvGraphicFramePr>
-        <p:xfrm>
-          <a:off x="1023938" y="2286000"/>
-          <a:ext cx="9720262" cy="4022725"/>
-        </p:xfrm>
-        <a:graphic>
-          <a:graphicData uri="http://schemas.openxmlformats.org/drawingml/2006/diagram">
-            <dgm:relIds xmlns:dgm="http://schemas.openxmlformats.org/drawingml/2006/diagram" xmlns:r="http://schemas.openxmlformats.org/officeDocument/2006/relationships" r:dm="rId2" r:lo="rId3" r:qs="rId4" r:cs="rId5"/>
-          </a:graphicData>
-        </a:graphic>
-      </p:graphicFrame>
-      <p:sp>
-        <p:nvSpPr>
-          <p:cNvPr id="4" name="Footer Placeholder 3"/>
-          <p:cNvSpPr>
-            <a:spLocks noGrp="1"/>
-          </p:cNvSpPr>
-          <p:nvPr>
-            <p:ph type="ftr" sz="quarter" idx="11"/>
-          </p:nvPr>
-        </p:nvSpPr>
-        <p:spPr/>
-        <p:txBody>
-          <a:bodyPr/>
-          <a:lstStyle/>
-          <a:p>
-            <a:r>
-              <a:rPr lang="en-US" smtClean="0"/>
-              <a:t>Design Pattern - Pengantar Design Pattern</a:t>
-            </a:r>
-            <a:endParaRPr lang="en-US" dirty="0"/>
-          </a:p>
-        </p:txBody>
-      </p:sp>
-      <p:sp>
-        <p:nvSpPr>
-          <p:cNvPr id="5" name="Slide Number Placeholder 4"/>
-          <p:cNvSpPr>
-            <a:spLocks noGrp="1"/>
-          </p:cNvSpPr>
-          <p:nvPr>
-            <p:ph type="sldNum" sz="quarter" idx="12"/>
-          </p:nvPr>
-        </p:nvSpPr>
-        <p:spPr/>
-        <p:txBody>
-          <a:bodyPr/>
-          <a:lstStyle/>
-          <a:p>
-            <a:fld id="{48F63A3B-78C7-47BE-AE5E-E10140E04643}" type="slidenum">
-              <a:rPr lang="en-US" smtClean="0"/>
-              <a:t>11</a:t>
-            </a:fld>
-            <a:endParaRPr lang="en-US" dirty="0"/>
-          </a:p>
-        </p:txBody>
-      </p:sp>
-    </p:spTree>
-    <p:extLst>
-      <p:ext uri="{BB962C8B-B14F-4D97-AF65-F5344CB8AC3E}">
-        <p14:creationId xmlns:p14="http://schemas.microsoft.com/office/powerpoint/2010/main" val="1473107890"/>
-      </p:ext>
-    </p:extLst>
-  </p:cSld>
-  <p:clrMapOvr>
-    <a:masterClrMapping/>
-  </p:clrMapOvr>
-  <p:timing>
-    <p:tnLst>
-      <p:par>
-        <p:cTn id="1" dur="indefinite" restart="never" nodeType="tmRoot">
-          <p:childTnLst>
-            <p:seq concurrent="1" nextAc="seek">
-              <p:cTn id="2" dur="indefinite" nodeType="mainSeq">
-                <p:childTnLst>
-                  <p:par>
-                    <p:cTn id="3" fill="hold">
-                      <p:stCondLst>
-                        <p:cond delay="indefinite"/>
-                        <p:cond evt="onBegin" delay="0">
-                          <p:tn val="2"/>
-                        </p:cond>
-                      </p:stCondLst>
-                      <p:childTnLst>
-                        <p:par>
-                          <p:cTn id="4" fill="hold">
-                            <p:stCondLst>
-                              <p:cond delay="0"/>
-                            </p:stCondLst>
-                            <p:childTnLst>
-                              <p:par>
-                                <p:cTn id="5" presetID="12" presetClass="entr" presetSubtype="4" fill="hold" grpId="0" nodeType="afterEffect">
-                                  <p:stCondLst>
-                                    <p:cond delay="0"/>
-                                  </p:stCondLst>
-                                  <p:childTnLst>
-                                    <p:set>
-                                      <p:cBhvr>
-                                        <p:cTn id="6" dur="1" fill="hold">
-                                          <p:stCondLst>
-                                            <p:cond delay="0"/>
-                                          </p:stCondLst>
-                                        </p:cTn>
-                                        <p:tgtEl>
-                                          <p:spTgt spid="6">
-                                            <p:graphicEl>
-                                              <a:dgm id="{B5A656E4-A593-4B06-992F-1CB098854AFE}"/>
-                                            </p:graphicEl>
-                                          </p:spTgt>
-                                        </p:tgtEl>
-                                        <p:attrNameLst>
-                                          <p:attrName>style.visibility</p:attrName>
-                                        </p:attrNameLst>
-                                      </p:cBhvr>
-                                      <p:to>
-                                        <p:strVal val="visible"/>
-                                      </p:to>
-                                    </p:set>
-                                    <p:anim calcmode="lin" valueType="num">
-                                      <p:cBhvr additive="base">
-                                        <p:cTn id="7" dur="500"/>
-                                        <p:tgtEl>
-                                          <p:spTgt spid="6">
-                                            <p:graphicEl>
-                                              <a:dgm id="{B5A656E4-A593-4B06-992F-1CB098854AFE}"/>
-                                            </p:graphicEl>
-                                          </p:spTgt>
-                                        </p:tgtEl>
-                                        <p:attrNameLst>
-                                          <p:attrName>ppt_y</p:attrName>
-                                        </p:attrNameLst>
-                                      </p:cBhvr>
-                                      <p:tavLst>
-                                        <p:tav tm="0">
-                                          <p:val>
-                                            <p:strVal val="#ppt_y+#ppt_h*1.125000"/>
-                                          </p:val>
-                                        </p:tav>
-                                        <p:tav tm="100000">
-                                          <p:val>
-                                            <p:strVal val="#ppt_y"/>
-                                          </p:val>
-                                        </p:tav>
-                                      </p:tavLst>
-                                    </p:anim>
-                                    <p:animEffect transition="in" filter="wipe(up)">
-                                      <p:cBhvr>
-                                        <p:cTn id="8" dur="500"/>
-                                        <p:tgtEl>
-                                          <p:spTgt spid="6">
-                                            <p:graphicEl>
-                                              <a:dgm id="{B5A656E4-A593-4B06-992F-1CB098854AFE}"/>
-                                            </p:graphicEl>
-                                          </p:spTgt>
-                                        </p:tgtEl>
-                                      </p:cBhvr>
-                                    </p:animEffect>
-                                  </p:childTnLst>
-                                </p:cTn>
-                              </p:par>
-                            </p:childTnLst>
-                          </p:cTn>
-                        </p:par>
-                        <p:par>
-                          <p:cTn id="9" fill="hold">
-                            <p:stCondLst>
-                              <p:cond delay="500"/>
-                            </p:stCondLst>
-                            <p:childTnLst>
-                              <p:par>
-                                <p:cTn id="10" presetID="12" presetClass="entr" presetSubtype="4" fill="hold" grpId="0" nodeType="afterEffect">
-                                  <p:stCondLst>
-                                    <p:cond delay="0"/>
-                                  </p:stCondLst>
-                                  <p:childTnLst>
-                                    <p:set>
-                                      <p:cBhvr>
-                                        <p:cTn id="11" dur="1" fill="hold">
-                                          <p:stCondLst>
-                                            <p:cond delay="0"/>
-                                          </p:stCondLst>
-                                        </p:cTn>
-                                        <p:tgtEl>
-                                          <p:spTgt spid="6">
-                                            <p:graphicEl>
-                                              <a:dgm id="{9A42CF42-AA19-4377-97DA-43CED5D1860C}"/>
-                                            </p:graphicEl>
-                                          </p:spTgt>
-                                        </p:tgtEl>
-                                        <p:attrNameLst>
-                                          <p:attrName>style.visibility</p:attrName>
-                                        </p:attrNameLst>
-                                      </p:cBhvr>
-                                      <p:to>
-                                        <p:strVal val="visible"/>
-                                      </p:to>
-                                    </p:set>
-                                    <p:anim calcmode="lin" valueType="num">
-                                      <p:cBhvr additive="base">
-                                        <p:cTn id="12" dur="500"/>
-                                        <p:tgtEl>
-                                          <p:spTgt spid="6">
-                                            <p:graphicEl>
-                                              <a:dgm id="{9A42CF42-AA19-4377-97DA-43CED5D1860C}"/>
-                                            </p:graphicEl>
-                                          </p:spTgt>
-                                        </p:tgtEl>
-                                        <p:attrNameLst>
-                                          <p:attrName>ppt_y</p:attrName>
-                                        </p:attrNameLst>
-                                      </p:cBhvr>
-                                      <p:tavLst>
-                                        <p:tav tm="0">
-                                          <p:val>
-                                            <p:strVal val="#ppt_y+#ppt_h*1.125000"/>
-                                          </p:val>
-                                        </p:tav>
-                                        <p:tav tm="100000">
-                                          <p:val>
-                                            <p:strVal val="#ppt_y"/>
-                                          </p:val>
-                                        </p:tav>
-                                      </p:tavLst>
-                                    </p:anim>
-                                    <p:animEffect transition="in" filter="wipe(up)">
-                                      <p:cBhvr>
-                                        <p:cTn id="13" dur="500"/>
-                                        <p:tgtEl>
-                                          <p:spTgt spid="6">
-                                            <p:graphicEl>
-                                              <a:dgm id="{9A42CF42-AA19-4377-97DA-43CED5D1860C}"/>
-                                            </p:graphicEl>
-                                          </p:spTgt>
-                                        </p:tgtEl>
-                                      </p:cBhvr>
-                                    </p:animEffect>
-                                  </p:childTnLst>
-                                </p:cTn>
-                              </p:par>
-                            </p:childTnLst>
-                          </p:cTn>
-                        </p:par>
-                        <p:par>
-                          <p:cTn id="14" fill="hold">
-                            <p:stCondLst>
-                              <p:cond delay="1000"/>
-                            </p:stCondLst>
-                            <p:childTnLst>
-                              <p:par>
-                                <p:cTn id="15" presetID="12" presetClass="entr" presetSubtype="4" fill="hold" grpId="0" nodeType="afterEffect">
-                                  <p:stCondLst>
-                                    <p:cond delay="0"/>
-                                  </p:stCondLst>
-                                  <p:childTnLst>
-                                    <p:set>
-                                      <p:cBhvr>
-                                        <p:cTn id="16" dur="1" fill="hold">
-                                          <p:stCondLst>
-                                            <p:cond delay="0"/>
-                                          </p:stCondLst>
-                                        </p:cTn>
-                                        <p:tgtEl>
-                                          <p:spTgt spid="6">
-                                            <p:graphicEl>
-                                              <a:dgm id="{973627DE-F9DF-4194-B4D1-EE32891234C4}"/>
-                                            </p:graphicEl>
-                                          </p:spTgt>
-                                        </p:tgtEl>
-                                        <p:attrNameLst>
-                                          <p:attrName>style.visibility</p:attrName>
-                                        </p:attrNameLst>
-                                      </p:cBhvr>
-                                      <p:to>
-                                        <p:strVal val="visible"/>
-                                      </p:to>
-                                    </p:set>
-                                    <p:anim calcmode="lin" valueType="num">
-                                      <p:cBhvr additive="base">
-                                        <p:cTn id="17" dur="500"/>
-                                        <p:tgtEl>
-                                          <p:spTgt spid="6">
-                                            <p:graphicEl>
-                                              <a:dgm id="{973627DE-F9DF-4194-B4D1-EE32891234C4}"/>
-                                            </p:graphicEl>
-                                          </p:spTgt>
-                                        </p:tgtEl>
-                                        <p:attrNameLst>
-                                          <p:attrName>ppt_y</p:attrName>
-                                        </p:attrNameLst>
-                                      </p:cBhvr>
-                                      <p:tavLst>
-                                        <p:tav tm="0">
-                                          <p:val>
-                                            <p:strVal val="#ppt_y+#ppt_h*1.125000"/>
-                                          </p:val>
-                                        </p:tav>
-                                        <p:tav tm="100000">
-                                          <p:val>
-                                            <p:strVal val="#ppt_y"/>
-                                          </p:val>
-                                        </p:tav>
-                                      </p:tavLst>
-                                    </p:anim>
-                                    <p:animEffect transition="in" filter="wipe(up)">
-                                      <p:cBhvr>
-                                        <p:cTn id="18" dur="500"/>
-                                        <p:tgtEl>
-                                          <p:spTgt spid="6">
-                                            <p:graphicEl>
-                                              <a:dgm id="{973627DE-F9DF-4194-B4D1-EE32891234C4}"/>
-                                            </p:graphicEl>
-                                          </p:spTgt>
-                                        </p:tgtEl>
-                                      </p:cBhvr>
-                                    </p:animEffect>
-                                  </p:childTnLst>
-                                </p:cTn>
-                              </p:par>
-                            </p:childTnLst>
-                          </p:cTn>
-                        </p:par>
-                        <p:par>
-                          <p:cTn id="19" fill="hold">
-                            <p:stCondLst>
-                              <p:cond delay="1500"/>
-                            </p:stCondLst>
-                            <p:childTnLst>
-                              <p:par>
-                                <p:cTn id="20" presetID="12" presetClass="entr" presetSubtype="4" fill="hold" grpId="0" nodeType="afterEffect">
-                                  <p:stCondLst>
-                                    <p:cond delay="0"/>
-                                  </p:stCondLst>
-                                  <p:childTnLst>
-                                    <p:set>
-                                      <p:cBhvr>
-                                        <p:cTn id="21" dur="1" fill="hold">
-                                          <p:stCondLst>
-                                            <p:cond delay="0"/>
-                                          </p:stCondLst>
-                                        </p:cTn>
-                                        <p:tgtEl>
-                                          <p:spTgt spid="6">
-                                            <p:graphicEl>
-                                              <a:dgm id="{FA6594CC-068C-48E5-8596-5B098B55FF4C}"/>
-                                            </p:graphicEl>
-                                          </p:spTgt>
-                                        </p:tgtEl>
-                                        <p:attrNameLst>
-                                          <p:attrName>style.visibility</p:attrName>
-                                        </p:attrNameLst>
-                                      </p:cBhvr>
-                                      <p:to>
-                                        <p:strVal val="visible"/>
-                                      </p:to>
-                                    </p:set>
-                                    <p:anim calcmode="lin" valueType="num">
-                                      <p:cBhvr additive="base">
-                                        <p:cTn id="22" dur="500"/>
-                                        <p:tgtEl>
-                                          <p:spTgt spid="6">
-                                            <p:graphicEl>
-                                              <a:dgm id="{FA6594CC-068C-48E5-8596-5B098B55FF4C}"/>
-                                            </p:graphicEl>
-                                          </p:spTgt>
-                                        </p:tgtEl>
-                                        <p:attrNameLst>
-                                          <p:attrName>ppt_y</p:attrName>
-                                        </p:attrNameLst>
-                                      </p:cBhvr>
-                                      <p:tavLst>
-                                        <p:tav tm="0">
-                                          <p:val>
-                                            <p:strVal val="#ppt_y+#ppt_h*1.125000"/>
-                                          </p:val>
-                                        </p:tav>
-                                        <p:tav tm="100000">
-                                          <p:val>
-                                            <p:strVal val="#ppt_y"/>
-                                          </p:val>
-                                        </p:tav>
-                                      </p:tavLst>
-                                    </p:anim>
-                                    <p:animEffect transition="in" filter="wipe(up)">
-                                      <p:cBhvr>
-                                        <p:cTn id="23" dur="500"/>
-                                        <p:tgtEl>
-                                          <p:spTgt spid="6">
-                                            <p:graphicEl>
-                                              <a:dgm id="{FA6594CC-068C-48E5-8596-5B098B55FF4C}"/>
-                                            </p:graphicEl>
-                                          </p:spTgt>
-                                        </p:tgtEl>
-                                      </p:cBhvr>
-                                    </p:animEffect>
-                                  </p:childTnLst>
-                                </p:cTn>
-                              </p:par>
-                            </p:childTnLst>
-                          </p:cTn>
-                        </p:par>
-                        <p:par>
-                          <p:cTn id="24" fill="hold">
-                            <p:stCondLst>
-                              <p:cond delay="2000"/>
-                            </p:stCondLst>
-                            <p:childTnLst>
-                              <p:par>
-                                <p:cTn id="25" presetID="12" presetClass="entr" presetSubtype="4" fill="hold" grpId="0" nodeType="afterEffect">
-                                  <p:stCondLst>
-                                    <p:cond delay="0"/>
-                                  </p:stCondLst>
-                                  <p:childTnLst>
-                                    <p:set>
-                                      <p:cBhvr>
-                                        <p:cTn id="26" dur="1" fill="hold">
-                                          <p:stCondLst>
-                                            <p:cond delay="0"/>
-                                          </p:stCondLst>
-                                        </p:cTn>
-                                        <p:tgtEl>
-                                          <p:spTgt spid="6">
-                                            <p:graphicEl>
-                                              <a:dgm id="{397397A5-25C2-473C-89AE-8B5D4BA8C9DA}"/>
-                                            </p:graphicEl>
-                                          </p:spTgt>
-                                        </p:tgtEl>
-                                        <p:attrNameLst>
-                                          <p:attrName>style.visibility</p:attrName>
-                                        </p:attrNameLst>
-                                      </p:cBhvr>
-                                      <p:to>
-                                        <p:strVal val="visible"/>
-                                      </p:to>
-                                    </p:set>
-                                    <p:anim calcmode="lin" valueType="num">
-                                      <p:cBhvr additive="base">
-                                        <p:cTn id="27" dur="500"/>
-                                        <p:tgtEl>
-                                          <p:spTgt spid="6">
-                                            <p:graphicEl>
-                                              <a:dgm id="{397397A5-25C2-473C-89AE-8B5D4BA8C9DA}"/>
-                                            </p:graphicEl>
-                                          </p:spTgt>
-                                        </p:tgtEl>
-                                        <p:attrNameLst>
-                                          <p:attrName>ppt_y</p:attrName>
-                                        </p:attrNameLst>
-                                      </p:cBhvr>
-                                      <p:tavLst>
-                                        <p:tav tm="0">
-                                          <p:val>
-                                            <p:strVal val="#ppt_y+#ppt_h*1.125000"/>
-                                          </p:val>
-                                        </p:tav>
-                                        <p:tav tm="100000">
-                                          <p:val>
-                                            <p:strVal val="#ppt_y"/>
-                                          </p:val>
-                                        </p:tav>
-                                      </p:tavLst>
-                                    </p:anim>
-                                    <p:animEffect transition="in" filter="wipe(up)">
-                                      <p:cBhvr>
-                                        <p:cTn id="28" dur="500"/>
-                                        <p:tgtEl>
-                                          <p:spTgt spid="6">
-                                            <p:graphicEl>
-                                              <a:dgm id="{397397A5-25C2-473C-89AE-8B5D4BA8C9DA}"/>
-                                            </p:graphicEl>
-                                          </p:spTgt>
-                                        </p:tgtEl>
-                                      </p:cBhvr>
-                                    </p:animEffect>
-                                  </p:childTnLst>
-                                </p:cTn>
-                              </p:par>
-                            </p:childTnLst>
-                          </p:cTn>
-                        </p:par>
-                        <p:par>
-                          <p:cTn id="29" fill="hold">
-                            <p:stCondLst>
-                              <p:cond delay="2500"/>
-                            </p:stCondLst>
-                            <p:childTnLst>
-                              <p:par>
-                                <p:cTn id="30" presetID="12" presetClass="entr" presetSubtype="4" fill="hold" grpId="0" nodeType="afterEffect">
-                                  <p:stCondLst>
-                                    <p:cond delay="0"/>
-                                  </p:stCondLst>
-                                  <p:childTnLst>
-                                    <p:set>
-                                      <p:cBhvr>
-                                        <p:cTn id="31" dur="1" fill="hold">
-                                          <p:stCondLst>
-                                            <p:cond delay="0"/>
-                                          </p:stCondLst>
-                                        </p:cTn>
-                                        <p:tgtEl>
-                                          <p:spTgt spid="6">
-                                            <p:graphicEl>
-                                              <a:dgm id="{F05CDB0D-C06C-4B1B-8190-06AC8E82A2FD}"/>
-                                            </p:graphicEl>
-                                          </p:spTgt>
-                                        </p:tgtEl>
-                                        <p:attrNameLst>
-                                          <p:attrName>style.visibility</p:attrName>
-                                        </p:attrNameLst>
-                                      </p:cBhvr>
-                                      <p:to>
-                                        <p:strVal val="visible"/>
-                                      </p:to>
-                                    </p:set>
-                                    <p:anim calcmode="lin" valueType="num">
-                                      <p:cBhvr additive="base">
-                                        <p:cTn id="32" dur="500"/>
-                                        <p:tgtEl>
-                                          <p:spTgt spid="6">
-                                            <p:graphicEl>
-                                              <a:dgm id="{F05CDB0D-C06C-4B1B-8190-06AC8E82A2FD}"/>
-                                            </p:graphicEl>
-                                          </p:spTgt>
-                                        </p:tgtEl>
-                                        <p:attrNameLst>
-                                          <p:attrName>ppt_y</p:attrName>
-                                        </p:attrNameLst>
-                                      </p:cBhvr>
-                                      <p:tavLst>
-                                        <p:tav tm="0">
-                                          <p:val>
-                                            <p:strVal val="#ppt_y+#ppt_h*1.125000"/>
-                                          </p:val>
-                                        </p:tav>
-                                        <p:tav tm="100000">
-                                          <p:val>
-                                            <p:strVal val="#ppt_y"/>
-                                          </p:val>
-                                        </p:tav>
-                                      </p:tavLst>
-                                    </p:anim>
-                                    <p:animEffect transition="in" filter="wipe(up)">
-                                      <p:cBhvr>
-                                        <p:cTn id="33" dur="500"/>
-                                        <p:tgtEl>
-                                          <p:spTgt spid="6">
-                                            <p:graphicEl>
-                                              <a:dgm id="{F05CDB0D-C06C-4B1B-8190-06AC8E82A2FD}"/>
-                                            </p:graphicEl>
-                                          </p:spTgt>
-                                        </p:tgtEl>
-                                      </p:cBhvr>
-                                    </p:animEffect>
-                                  </p:childTnLst>
-                                </p:cTn>
-                              </p:par>
-                            </p:childTnLst>
-                          </p:cTn>
-                        </p:par>
-                        <p:par>
-                          <p:cTn id="34" fill="hold">
-                            <p:stCondLst>
-                              <p:cond delay="3000"/>
-                            </p:stCondLst>
-                            <p:childTnLst>
-                              <p:par>
-                                <p:cTn id="35" presetID="12" presetClass="entr" presetSubtype="4" fill="hold" grpId="0" nodeType="afterEffect">
-                                  <p:stCondLst>
-                                    <p:cond delay="0"/>
-                                  </p:stCondLst>
-                                  <p:childTnLst>
-                                    <p:set>
-                                      <p:cBhvr>
-                                        <p:cTn id="36" dur="1" fill="hold">
-                                          <p:stCondLst>
-                                            <p:cond delay="0"/>
-                                          </p:stCondLst>
-                                        </p:cTn>
-                                        <p:tgtEl>
-                                          <p:spTgt spid="6">
-                                            <p:graphicEl>
-                                              <a:dgm id="{2CE14FB2-0B11-4ABB-8EBE-C99115F7A2B4}"/>
-                                            </p:graphicEl>
-                                          </p:spTgt>
-                                        </p:tgtEl>
-                                        <p:attrNameLst>
-                                          <p:attrName>style.visibility</p:attrName>
-                                        </p:attrNameLst>
-                                      </p:cBhvr>
-                                      <p:to>
-                                        <p:strVal val="visible"/>
-                                      </p:to>
-                                    </p:set>
-                                    <p:anim calcmode="lin" valueType="num">
-                                      <p:cBhvr additive="base">
-                                        <p:cTn id="37" dur="500"/>
-                                        <p:tgtEl>
-                                          <p:spTgt spid="6">
-                                            <p:graphicEl>
-                                              <a:dgm id="{2CE14FB2-0B11-4ABB-8EBE-C99115F7A2B4}"/>
-                                            </p:graphicEl>
-                                          </p:spTgt>
-                                        </p:tgtEl>
-                                        <p:attrNameLst>
-                                          <p:attrName>ppt_y</p:attrName>
-                                        </p:attrNameLst>
-                                      </p:cBhvr>
-                                      <p:tavLst>
-                                        <p:tav tm="0">
-                                          <p:val>
-                                            <p:strVal val="#ppt_y+#ppt_h*1.125000"/>
-                                          </p:val>
-                                        </p:tav>
-                                        <p:tav tm="100000">
-                                          <p:val>
-                                            <p:strVal val="#ppt_y"/>
-                                          </p:val>
-                                        </p:tav>
-                                      </p:tavLst>
-                                    </p:anim>
-                                    <p:animEffect transition="in" filter="wipe(up)">
-                                      <p:cBhvr>
-                                        <p:cTn id="38" dur="500"/>
-                                        <p:tgtEl>
-                                          <p:spTgt spid="6">
-                                            <p:graphicEl>
-                                              <a:dgm id="{2CE14FB2-0B11-4ABB-8EBE-C99115F7A2B4}"/>
-                                            </p:graphicEl>
-                                          </p:spTgt>
-                                        </p:tgtEl>
-                                      </p:cBhvr>
-                                    </p:animEffect>
-                                  </p:childTnLst>
-                                </p:cTn>
-                              </p:par>
-                            </p:childTnLst>
-                          </p:cTn>
-                        </p:par>
-                        <p:par>
-                          <p:cTn id="39" fill="hold">
-                            <p:stCondLst>
-                              <p:cond delay="3500"/>
-                            </p:stCondLst>
-                            <p:childTnLst>
-                              <p:par>
-                                <p:cTn id="40" presetID="12" presetClass="entr" presetSubtype="4" fill="hold" grpId="0" nodeType="afterEffect">
-                                  <p:stCondLst>
-                                    <p:cond delay="0"/>
-                                  </p:stCondLst>
-                                  <p:childTnLst>
-                                    <p:set>
-                                      <p:cBhvr>
-                                        <p:cTn id="41" dur="1" fill="hold">
-                                          <p:stCondLst>
-                                            <p:cond delay="0"/>
-                                          </p:stCondLst>
-                                        </p:cTn>
-                                        <p:tgtEl>
-                                          <p:spTgt spid="6">
-                                            <p:graphicEl>
-                                              <a:dgm id="{7488B38C-15E8-487D-A98F-ECC283B523BE}"/>
-                                            </p:graphicEl>
-                                          </p:spTgt>
-                                        </p:tgtEl>
-                                        <p:attrNameLst>
-                                          <p:attrName>style.visibility</p:attrName>
-                                        </p:attrNameLst>
-                                      </p:cBhvr>
-                                      <p:to>
-                                        <p:strVal val="visible"/>
-                                      </p:to>
-                                    </p:set>
-                                    <p:anim calcmode="lin" valueType="num">
-                                      <p:cBhvr additive="base">
-                                        <p:cTn id="42" dur="500"/>
-                                        <p:tgtEl>
-                                          <p:spTgt spid="6">
-                                            <p:graphicEl>
-                                              <a:dgm id="{7488B38C-15E8-487D-A98F-ECC283B523BE}"/>
-                                            </p:graphicEl>
-                                          </p:spTgt>
-                                        </p:tgtEl>
-                                        <p:attrNameLst>
-                                          <p:attrName>ppt_y</p:attrName>
-                                        </p:attrNameLst>
-                                      </p:cBhvr>
-                                      <p:tavLst>
-                                        <p:tav tm="0">
-                                          <p:val>
-                                            <p:strVal val="#ppt_y+#ppt_h*1.125000"/>
-                                          </p:val>
-                                        </p:tav>
-                                        <p:tav tm="100000">
-                                          <p:val>
-                                            <p:strVal val="#ppt_y"/>
-                                          </p:val>
-                                        </p:tav>
-                                      </p:tavLst>
-                                    </p:anim>
-                                    <p:animEffect transition="in" filter="wipe(up)">
-                                      <p:cBhvr>
-                                        <p:cTn id="43" dur="500"/>
-                                        <p:tgtEl>
-                                          <p:spTgt spid="6">
-                                            <p:graphicEl>
-                                              <a:dgm id="{7488B38C-15E8-487D-A98F-ECC283B523BE}"/>
-                                            </p:graphicEl>
-                                          </p:spTgt>
-                                        </p:tgtEl>
-                                      </p:cBhvr>
-                                    </p:animEffect>
-                                  </p:childTnLst>
-                                </p:cTn>
-                              </p:par>
-                            </p:childTnLst>
-                          </p:cTn>
-                        </p:par>
-                        <p:par>
-                          <p:cTn id="44" fill="hold">
-                            <p:stCondLst>
-                              <p:cond delay="4000"/>
-                            </p:stCondLst>
-                            <p:childTnLst>
-                              <p:par>
-                                <p:cTn id="45" presetID="12" presetClass="entr" presetSubtype="4" fill="hold" grpId="0" nodeType="afterEffect">
-                                  <p:stCondLst>
-                                    <p:cond delay="0"/>
-                                  </p:stCondLst>
-                                  <p:childTnLst>
-                                    <p:set>
-                                      <p:cBhvr>
-                                        <p:cTn id="46" dur="1" fill="hold">
-                                          <p:stCondLst>
-                                            <p:cond delay="0"/>
-                                          </p:stCondLst>
-                                        </p:cTn>
-                                        <p:tgtEl>
-                                          <p:spTgt spid="6">
-                                            <p:graphicEl>
-                                              <a:dgm id="{BF8DED3A-AFDB-49B9-9884-8CDD5DEEC40E}"/>
-                                            </p:graphicEl>
-                                          </p:spTgt>
-                                        </p:tgtEl>
-                                        <p:attrNameLst>
-                                          <p:attrName>style.visibility</p:attrName>
-                                        </p:attrNameLst>
-                                      </p:cBhvr>
-                                      <p:to>
-                                        <p:strVal val="visible"/>
-                                      </p:to>
-                                    </p:set>
-                                    <p:anim calcmode="lin" valueType="num">
-                                      <p:cBhvr additive="base">
-                                        <p:cTn id="47" dur="500"/>
-                                        <p:tgtEl>
-                                          <p:spTgt spid="6">
-                                            <p:graphicEl>
-                                              <a:dgm id="{BF8DED3A-AFDB-49B9-9884-8CDD5DEEC40E}"/>
-                                            </p:graphicEl>
-                                          </p:spTgt>
-                                        </p:tgtEl>
-                                        <p:attrNameLst>
-                                          <p:attrName>ppt_y</p:attrName>
-                                        </p:attrNameLst>
-                                      </p:cBhvr>
-                                      <p:tavLst>
-                                        <p:tav tm="0">
-                                          <p:val>
-                                            <p:strVal val="#ppt_y+#ppt_h*1.125000"/>
-                                          </p:val>
-                                        </p:tav>
-                                        <p:tav tm="100000">
-                                          <p:val>
-                                            <p:strVal val="#ppt_y"/>
-                                          </p:val>
-                                        </p:tav>
-                                      </p:tavLst>
-                                    </p:anim>
-                                    <p:animEffect transition="in" filter="wipe(up)">
-                                      <p:cBhvr>
-                                        <p:cTn id="48" dur="500"/>
-                                        <p:tgtEl>
-                                          <p:spTgt spid="6">
-                                            <p:graphicEl>
-                                              <a:dgm id="{BF8DED3A-AFDB-49B9-9884-8CDD5DEEC40E}"/>
-                                            </p:graphicEl>
-                                          </p:spTgt>
-                                        </p:tgtEl>
-                                      </p:cBhvr>
-                                    </p:animEffect>
-                                  </p:childTnLst>
-                                </p:cTn>
-                              </p:par>
-                            </p:childTnLst>
-                          </p:cTn>
-                        </p:par>
-                        <p:par>
-                          <p:cTn id="49" fill="hold">
-                            <p:stCondLst>
-                              <p:cond delay="4500"/>
-                            </p:stCondLst>
-                            <p:childTnLst>
-                              <p:par>
-                                <p:cTn id="50" presetID="12" presetClass="entr" presetSubtype="4" fill="hold" grpId="0" nodeType="afterEffect">
-                                  <p:stCondLst>
-                                    <p:cond delay="0"/>
-                                  </p:stCondLst>
-                                  <p:childTnLst>
-                                    <p:set>
-                                      <p:cBhvr>
-                                        <p:cTn id="51" dur="1" fill="hold">
-                                          <p:stCondLst>
-                                            <p:cond delay="0"/>
-                                          </p:stCondLst>
-                                        </p:cTn>
-                                        <p:tgtEl>
-                                          <p:spTgt spid="6">
-                                            <p:graphicEl>
-                                              <a:dgm id="{CD45B8C6-ED5B-4E20-BA5D-E1E72348CE23}"/>
-                                            </p:graphicEl>
-                                          </p:spTgt>
-                                        </p:tgtEl>
-                                        <p:attrNameLst>
-                                          <p:attrName>style.visibility</p:attrName>
-                                        </p:attrNameLst>
-                                      </p:cBhvr>
-                                      <p:to>
-                                        <p:strVal val="visible"/>
-                                      </p:to>
-                                    </p:set>
-                                    <p:anim calcmode="lin" valueType="num">
-                                      <p:cBhvr additive="base">
-                                        <p:cTn id="52" dur="500"/>
-                                        <p:tgtEl>
-                                          <p:spTgt spid="6">
-                                            <p:graphicEl>
-                                              <a:dgm id="{CD45B8C6-ED5B-4E20-BA5D-E1E72348CE23}"/>
-                                            </p:graphicEl>
-                                          </p:spTgt>
-                                        </p:tgtEl>
-                                        <p:attrNameLst>
-                                          <p:attrName>ppt_y</p:attrName>
-                                        </p:attrNameLst>
-                                      </p:cBhvr>
-                                      <p:tavLst>
-                                        <p:tav tm="0">
-                                          <p:val>
-                                            <p:strVal val="#ppt_y+#ppt_h*1.125000"/>
-                                          </p:val>
-                                        </p:tav>
-                                        <p:tav tm="100000">
-                                          <p:val>
-                                            <p:strVal val="#ppt_y"/>
-                                          </p:val>
-                                        </p:tav>
-                                      </p:tavLst>
-                                    </p:anim>
-                                    <p:animEffect transition="in" filter="wipe(up)">
-                                      <p:cBhvr>
-                                        <p:cTn id="53" dur="500"/>
-                                        <p:tgtEl>
-                                          <p:spTgt spid="6">
-                                            <p:graphicEl>
-                                              <a:dgm id="{CD45B8C6-ED5B-4E20-BA5D-E1E72348CE23}"/>
-                                            </p:graphicEl>
-                                          </p:spTgt>
-                                        </p:tgtEl>
-                                      </p:cBhvr>
-                                    </p:animEffect>
-                                  </p:childTnLst>
-                                </p:cTn>
-                              </p:par>
-                            </p:childTnLst>
-                          </p:cTn>
-                        </p:par>
-                      </p:childTnLst>
-                    </p:cTn>
-                  </p:par>
-                </p:childTnLst>
-              </p:cTn>
-              <p:prevCondLst>
-                <p:cond evt="onPrev" delay="0">
-                  <p:tgtEl>
-                    <p:sldTgt/>
-                  </p:tgtEl>
-                </p:cond>
-              </p:prevCondLst>
-              <p:nextCondLst>
-                <p:cond evt="onNext" delay="0">
-                  <p:tgtEl>
-                    <p:sldTgt/>
-                  </p:tgtEl>
-                </p:cond>
-              </p:nextCondLst>
-            </p:seq>
-          </p:childTnLst>
-        </p:cTn>
-      </p:par>
-    </p:tnLst>
-    <p:bldLst>
-      <p:bldGraphic spid="6" grpId="0" uiExpand="1">
-        <p:bldSub>
-          <a:bldDgm bld="one"/>
-        </p:bldSub>
-      </p:bldGraphic>
-    </p:bldLst>
-  </p:timing>
-</p:sld>
-</file>
-
-<file path=ppt/slides/slide12.xml><?xml version="1.0" encoding="utf-8"?>
-<p:sld xmlns:a="http://schemas.openxmlformats.org/drawingml/2006/main" xmlns:r="http://schemas.openxmlformats.org/officeDocument/2006/relationships" xmlns:p="http://schemas.openxmlformats.org/presentationml/2006/main">
-  <p:cSld>
-    <p:spTree>
-      <p:nvGrpSpPr>
-        <p:cNvPr id="1" name=""/>
-        <p:cNvGrpSpPr/>
-        <p:nvPr/>
-      </p:nvGrpSpPr>
-      <p:grpSpPr>
-        <a:xfrm>
-          <a:off x="0" y="0"/>
-          <a:ext cx="0" cy="0"/>
-          <a:chOff x="0" y="0"/>
-          <a:chExt cx="0" cy="0"/>
-        </a:xfrm>
-      </p:grpSpPr>
-      <p:sp>
-        <p:nvSpPr>
-          <p:cNvPr id="2" name="Title 1"/>
-          <p:cNvSpPr>
-            <a:spLocks noGrp="1"/>
-          </p:cNvSpPr>
-          <p:nvPr>
-            <p:ph type="title"/>
-          </p:nvPr>
-        </p:nvSpPr>
-        <p:spPr/>
-        <p:txBody>
-          <a:bodyPr/>
-          <a:lstStyle/>
-          <a:p>
-            <a:r>
-              <a:rPr lang="id-ID" dirty="0" smtClean="0"/>
-              <a:t>Penilaian</a:t>
-            </a:r>
-            <a:endParaRPr lang="id-ID" dirty="0"/>
-          </a:p>
-        </p:txBody>
-      </p:sp>
-      <p:graphicFrame>
-        <p:nvGraphicFramePr>
-          <p:cNvPr id="6" name="Content Placeholder 5"/>
-          <p:cNvGraphicFramePr>
-            <a:graphicFrameLocks noGrp="1"/>
-          </p:cNvGraphicFramePr>
-          <p:nvPr>
-            <p:ph idx="1"/>
-            <p:extLst>
-              <p:ext uri="{D42A27DB-BD31-4B8C-83A1-F6EECF244321}">
-                <p14:modId xmlns:p14="http://schemas.microsoft.com/office/powerpoint/2010/main" val="1720130417"/>
-              </p:ext>
-            </p:extLst>
-          </p:nvPr>
-        </p:nvGraphicFramePr>
-        <p:xfrm>
-          <a:off x="2567936" y="2190466"/>
-          <a:ext cx="6632456" cy="3500650"/>
-        </p:xfrm>
-        <a:graphic>
-          <a:graphicData uri="http://schemas.openxmlformats.org/drawingml/2006/table">
-            <a:tbl>
-              <a:tblPr firstRow="1" bandRow="1">
-                <a:tableStyleId>{5C22544A-7EE6-4342-B048-85BDC9FD1C3A}</a:tableStyleId>
-              </a:tblPr>
-              <a:tblGrid>
-                <a:gridCol w="4339632">
-                  <a:extLst>
-                    <a:ext uri="{9D8B030D-6E8A-4147-A177-3AD203B41FA5}">
-                      <a16:colId xmlns:a16="http://schemas.microsoft.com/office/drawing/2014/main" val="2516282023"/>
-                    </a:ext>
-                  </a:extLst>
-                </a:gridCol>
-                <a:gridCol w="2292824">
-                  <a:extLst>
-                    <a:ext uri="{9D8B030D-6E8A-4147-A177-3AD203B41FA5}">
-                      <a16:colId xmlns:a16="http://schemas.microsoft.com/office/drawing/2014/main" val="3329692772"/>
-                    </a:ext>
-                  </a:extLst>
-                </a:gridCol>
-              </a:tblGrid>
-              <a:tr h="700130">
-                <a:tc>
-                  <a:txBody>
-                    <a:bodyPr/>
-                    <a:lstStyle/>
-                    <a:p>
-                      <a:r>
-                        <a:rPr lang="id-ID" sz="2800" dirty="0" smtClean="0"/>
-                        <a:t>Komponen</a:t>
-                      </a:r>
-                      <a:endParaRPr lang="id-ID" sz="2800" dirty="0"/>
-                    </a:p>
-                  </a:txBody>
-                  <a:tcPr/>
-                </a:tc>
-                <a:tc>
-                  <a:txBody>
-                    <a:bodyPr/>
-                    <a:lstStyle/>
-                    <a:p>
-                      <a:r>
-                        <a:rPr lang="id-ID" sz="2800" dirty="0" smtClean="0"/>
-                        <a:t>Bobot</a:t>
-                      </a:r>
-                      <a:endParaRPr lang="id-ID" sz="2800" dirty="0"/>
-                    </a:p>
-                  </a:txBody>
-                  <a:tcPr/>
-                </a:tc>
-                <a:extLst>
-                  <a:ext uri="{0D108BD9-81ED-4DB2-BD59-A6C34878D82A}">
-                    <a16:rowId xmlns:a16="http://schemas.microsoft.com/office/drawing/2014/main" val="801603283"/>
-                  </a:ext>
-                </a:extLst>
-              </a:tr>
-              <a:tr h="700130">
-                <a:tc>
-                  <a:txBody>
-                    <a:bodyPr/>
-                    <a:lstStyle/>
-                    <a:p>
-                      <a:r>
-                        <a:rPr lang="id-ID" sz="2800" dirty="0" smtClean="0"/>
-                        <a:t>Kehadiran</a:t>
-                      </a:r>
-                      <a:endParaRPr lang="id-ID" sz="2800" dirty="0"/>
-                    </a:p>
-                  </a:txBody>
-                  <a:tcPr/>
-                </a:tc>
-                <a:tc>
-                  <a:txBody>
-                    <a:bodyPr/>
-                    <a:lstStyle/>
-                    <a:p>
-                      <a:r>
-                        <a:rPr lang="id-ID" sz="2800" dirty="0" smtClean="0"/>
-                        <a:t>5%</a:t>
-                      </a:r>
-                      <a:endParaRPr lang="id-ID" sz="2800" dirty="0"/>
-                    </a:p>
-                  </a:txBody>
-                  <a:tcPr/>
-                </a:tc>
-                <a:extLst>
-                  <a:ext uri="{0D108BD9-81ED-4DB2-BD59-A6C34878D82A}">
-                    <a16:rowId xmlns:a16="http://schemas.microsoft.com/office/drawing/2014/main" val="1079956580"/>
-                  </a:ext>
-                </a:extLst>
-              </a:tr>
-              <a:tr h="700130">
-                <a:tc>
-                  <a:txBody>
-                    <a:bodyPr/>
-                    <a:lstStyle/>
-                    <a:p>
-                      <a:r>
-                        <a:rPr lang="id-ID" sz="2800" dirty="0" smtClean="0"/>
-                        <a:t>Presentasi</a:t>
-                      </a:r>
-                      <a:endParaRPr lang="id-ID" sz="2800" dirty="0"/>
-                    </a:p>
-                  </a:txBody>
-                  <a:tcPr/>
-                </a:tc>
-                <a:tc>
-                  <a:txBody>
-                    <a:bodyPr/>
-                    <a:lstStyle/>
-                    <a:p>
-                      <a:r>
-                        <a:rPr lang="id-ID" sz="2800" dirty="0" smtClean="0"/>
-                        <a:t>30%</a:t>
-                      </a:r>
-                      <a:endParaRPr lang="id-ID" sz="2800" dirty="0"/>
-                    </a:p>
-                  </a:txBody>
-                  <a:tcPr/>
-                </a:tc>
-                <a:extLst>
-                  <a:ext uri="{0D108BD9-81ED-4DB2-BD59-A6C34878D82A}">
-                    <a16:rowId xmlns:a16="http://schemas.microsoft.com/office/drawing/2014/main" val="927539414"/>
-                  </a:ext>
-                </a:extLst>
-              </a:tr>
-              <a:tr h="700130">
-                <a:tc>
-                  <a:txBody>
-                    <a:bodyPr/>
-                    <a:lstStyle/>
-                    <a:p>
-                      <a:r>
-                        <a:rPr lang="id-ID" sz="2800" dirty="0" smtClean="0"/>
-                        <a:t>UTS</a:t>
-                      </a:r>
-                      <a:endParaRPr lang="id-ID" sz="2800" dirty="0"/>
-                    </a:p>
-                  </a:txBody>
-                  <a:tcPr/>
-                </a:tc>
-                <a:tc>
-                  <a:txBody>
-                    <a:bodyPr/>
-                    <a:lstStyle/>
-                    <a:p>
-                      <a:r>
-                        <a:rPr lang="id-ID" sz="2800" dirty="0" smtClean="0"/>
-                        <a:t>30%</a:t>
-                      </a:r>
-                      <a:endParaRPr lang="id-ID" sz="2800" dirty="0"/>
-                    </a:p>
-                  </a:txBody>
-                  <a:tcPr/>
-                </a:tc>
-                <a:extLst>
-                  <a:ext uri="{0D108BD9-81ED-4DB2-BD59-A6C34878D82A}">
-                    <a16:rowId xmlns:a16="http://schemas.microsoft.com/office/drawing/2014/main" val="2889540417"/>
-                  </a:ext>
-                </a:extLst>
-              </a:tr>
-              <a:tr h="700130">
-                <a:tc>
-                  <a:txBody>
-                    <a:bodyPr/>
-                    <a:lstStyle/>
-                    <a:p>
-                      <a:r>
-                        <a:rPr lang="id-ID" sz="2800" dirty="0" smtClean="0"/>
-                        <a:t>UAS</a:t>
-                      </a:r>
-                      <a:endParaRPr lang="id-ID" sz="2800" dirty="0"/>
-                    </a:p>
-                  </a:txBody>
-                  <a:tcPr/>
-                </a:tc>
-                <a:tc>
-                  <a:txBody>
-                    <a:bodyPr/>
-                    <a:lstStyle/>
-                    <a:p>
-                      <a:r>
-                        <a:rPr lang="id-ID" sz="2800" dirty="0" smtClean="0"/>
-                        <a:t>35%</a:t>
-                      </a:r>
-                      <a:endParaRPr lang="id-ID" sz="2800" dirty="0"/>
-                    </a:p>
-                  </a:txBody>
-                  <a:tcPr/>
-                </a:tc>
-                <a:extLst>
-                  <a:ext uri="{0D108BD9-81ED-4DB2-BD59-A6C34878D82A}">
-                    <a16:rowId xmlns:a16="http://schemas.microsoft.com/office/drawing/2014/main" val="1477599043"/>
-                  </a:ext>
-                </a:extLst>
-              </a:tr>
-            </a:tbl>
-          </a:graphicData>
-        </a:graphic>
-      </p:graphicFrame>
-      <p:sp>
-        <p:nvSpPr>
-          <p:cNvPr id="4" name="Footer Placeholder 3"/>
-          <p:cNvSpPr>
-            <a:spLocks noGrp="1"/>
-          </p:cNvSpPr>
-          <p:nvPr>
-            <p:ph type="ftr" sz="quarter" idx="11"/>
-          </p:nvPr>
-        </p:nvSpPr>
-        <p:spPr/>
-        <p:txBody>
-          <a:bodyPr/>
-          <a:lstStyle/>
-          <a:p>
-            <a:r>
-              <a:rPr lang="en-US" smtClean="0"/>
-              <a:t>Design Pattern - Pengantar Design Pattern</a:t>
-            </a:r>
-            <a:endParaRPr lang="en-US" dirty="0"/>
-          </a:p>
-        </p:txBody>
-      </p:sp>
-      <p:sp>
-        <p:nvSpPr>
-          <p:cNvPr id="5" name="Slide Number Placeholder 4"/>
-          <p:cNvSpPr>
-            <a:spLocks noGrp="1"/>
-          </p:cNvSpPr>
-          <p:nvPr>
-            <p:ph type="sldNum" sz="quarter" idx="12"/>
-          </p:nvPr>
-        </p:nvSpPr>
-        <p:spPr/>
-        <p:txBody>
-          <a:bodyPr/>
-          <a:lstStyle/>
-          <a:p>
-            <a:fld id="{48F63A3B-78C7-47BE-AE5E-E10140E04643}" type="slidenum">
-              <a:rPr lang="en-US" smtClean="0"/>
-              <a:t>12</a:t>
-            </a:fld>
-            <a:endParaRPr lang="en-US" dirty="0"/>
-          </a:p>
-        </p:txBody>
-      </p:sp>
-    </p:spTree>
-    <p:extLst>
-      <p:ext uri="{BB962C8B-B14F-4D97-AF65-F5344CB8AC3E}">
-        <p14:creationId xmlns:p14="http://schemas.microsoft.com/office/powerpoint/2010/main" val="1527204888"/>
-      </p:ext>
-    </p:extLst>
-  </p:cSld>
-  <p:clrMapOvr>
-    <a:masterClrMapping/>
-  </p:clrMapOvr>
-  <p:timing>
-    <p:tnLst>
-      <p:par>
-        <p:cTn id="1" dur="indefinite" restart="never" nodeType="tmRoot"/>
-      </p:par>
-    </p:tnLst>
-  </p:timing>
-</p:sld>
-</file>
-
-<file path=ppt/slides/slide13.xml><?xml version="1.0" encoding="utf-8"?>
-<p:sld xmlns:a="http://schemas.openxmlformats.org/drawingml/2006/main" xmlns:r="http://schemas.openxmlformats.org/officeDocument/2006/relationships" xmlns:p="http://schemas.openxmlformats.org/presentationml/2006/main">
-  <p:cSld>
-    <p:spTree>
-      <p:nvGrpSpPr>
-        <p:cNvPr id="1" name=""/>
-        <p:cNvGrpSpPr/>
-        <p:nvPr/>
-      </p:nvGrpSpPr>
-      <p:grpSpPr>
-        <a:xfrm>
-          <a:off x="0" y="0"/>
-          <a:ext cx="0" cy="0"/>
-          <a:chOff x="0" y="0"/>
-          <a:chExt cx="0" cy="0"/>
-        </a:xfrm>
-      </p:grpSpPr>
-      <p:sp>
-        <p:nvSpPr>
-          <p:cNvPr id="2" name="Title 1"/>
-          <p:cNvSpPr>
-            <a:spLocks noGrp="1"/>
-          </p:cNvSpPr>
-          <p:nvPr>
-            <p:ph type="title"/>
-          </p:nvPr>
-        </p:nvSpPr>
-        <p:spPr/>
-        <p:txBody>
-          <a:bodyPr/>
-          <a:lstStyle/>
-          <a:p>
-            <a:r>
-              <a:rPr lang="id-ID" dirty="0" smtClean="0"/>
-              <a:t>Penilaian</a:t>
-            </a:r>
-            <a:endParaRPr lang="id-ID" dirty="0"/>
-          </a:p>
-        </p:txBody>
-      </p:sp>
-      <p:sp>
-        <p:nvSpPr>
-          <p:cNvPr id="4" name="Footer Placeholder 3"/>
-          <p:cNvSpPr>
-            <a:spLocks noGrp="1"/>
-          </p:cNvSpPr>
-          <p:nvPr>
-            <p:ph type="ftr" sz="quarter" idx="11"/>
-          </p:nvPr>
-        </p:nvSpPr>
-        <p:spPr/>
-        <p:txBody>
-          <a:bodyPr/>
-          <a:lstStyle/>
-          <a:p>
-            <a:r>
-              <a:rPr lang="en-US" smtClean="0"/>
-              <a:t>Design Pattern - Pengantar Design Pattern</a:t>
-            </a:r>
-            <a:endParaRPr lang="en-US" dirty="0"/>
-          </a:p>
-        </p:txBody>
-      </p:sp>
-      <p:sp>
-        <p:nvSpPr>
-          <p:cNvPr id="5" name="Slide Number Placeholder 4"/>
-          <p:cNvSpPr>
-            <a:spLocks noGrp="1"/>
-          </p:cNvSpPr>
-          <p:nvPr>
-            <p:ph type="sldNum" sz="quarter" idx="12"/>
-          </p:nvPr>
-        </p:nvSpPr>
-        <p:spPr/>
-        <p:txBody>
-          <a:bodyPr/>
-          <a:lstStyle/>
-          <a:p>
-            <a:fld id="{48F63A3B-78C7-47BE-AE5E-E10140E04643}" type="slidenum">
-              <a:rPr lang="en-US" smtClean="0"/>
-              <a:t>13</a:t>
-            </a:fld>
-            <a:endParaRPr lang="en-US" dirty="0"/>
-          </a:p>
-        </p:txBody>
-      </p:sp>
-      <p:graphicFrame>
-        <p:nvGraphicFramePr>
-          <p:cNvPr id="9" name="Content Placeholder 8"/>
-          <p:cNvGraphicFramePr>
-            <a:graphicFrameLocks noGrp="1"/>
-          </p:cNvGraphicFramePr>
-          <p:nvPr>
-            <p:ph idx="1"/>
-            <p:extLst>
-              <p:ext uri="{D42A27DB-BD31-4B8C-83A1-F6EECF244321}">
-                <p14:modId xmlns:p14="http://schemas.microsoft.com/office/powerpoint/2010/main" val="4181157062"/>
-              </p:ext>
-            </p:extLst>
-          </p:nvPr>
-        </p:nvGraphicFramePr>
-        <p:xfrm>
-          <a:off x="1023938" y="2286000"/>
-          <a:ext cx="9720262" cy="4022725"/>
-        </p:xfrm>
-        <a:graphic>
-          <a:graphicData uri="http://schemas.openxmlformats.org/drawingml/2006/chart">
-            <c:chart xmlns:c="http://schemas.openxmlformats.org/drawingml/2006/chart" xmlns:r="http://schemas.openxmlformats.org/officeDocument/2006/relationships" r:id="rId2"/>
-          </a:graphicData>
-        </a:graphic>
-      </p:graphicFrame>
-    </p:spTree>
-    <p:extLst>
-      <p:ext uri="{BB962C8B-B14F-4D97-AF65-F5344CB8AC3E}">
-        <p14:creationId xmlns:p14="http://schemas.microsoft.com/office/powerpoint/2010/main" val="146957262"/>
-      </p:ext>
-    </p:extLst>
-  </p:cSld>
-  <p:clrMapOvr>
-    <a:masterClrMapping/>
-  </p:clrMapOvr>
-  <p:timing>
-    <p:tnLst>
-      <p:par>
-        <p:cTn id="1" dur="indefinite" restart="never" nodeType="tmRoot"/>
-      </p:par>
-    </p:tnLst>
-  </p:timing>
-</p:sld>
-</file>
-
-<file path=ppt/slides/slide14.xml><?xml version="1.0" encoding="utf-8"?>
-<p:sld xmlns:a="http://schemas.openxmlformats.org/drawingml/2006/main" xmlns:r="http://schemas.openxmlformats.org/officeDocument/2006/relationships" xmlns:p="http://schemas.openxmlformats.org/presentationml/2006/main">
-  <p:cSld>
-    <p:spTree>
-      <p:nvGrpSpPr>
-        <p:cNvPr id="1" name=""/>
-        <p:cNvGrpSpPr/>
-        <p:nvPr/>
-      </p:nvGrpSpPr>
-      <p:grpSpPr>
-        <a:xfrm>
-          <a:off x="0" y="0"/>
-          <a:ext cx="0" cy="0"/>
-          <a:chOff x="0" y="0"/>
-          <a:chExt cx="0" cy="0"/>
-        </a:xfrm>
-      </p:grpSpPr>
-      <p:sp>
-        <p:nvSpPr>
-          <p:cNvPr id="2" name="Title 1"/>
-          <p:cNvSpPr>
-            <a:spLocks noGrp="1"/>
-          </p:cNvSpPr>
-          <p:nvPr>
-            <p:ph type="title"/>
-          </p:nvPr>
-        </p:nvSpPr>
-        <p:spPr/>
-        <p:txBody>
-          <a:bodyPr/>
-          <a:lstStyle/>
-          <a:p>
-            <a:r>
-              <a:rPr lang="id-ID" dirty="0" smtClean="0"/>
-              <a:t>Repositori Materi</a:t>
-            </a:r>
-            <a:endParaRPr lang="id-ID" dirty="0"/>
-          </a:p>
-        </p:txBody>
-      </p:sp>
-      <p:sp>
-        <p:nvSpPr>
-          <p:cNvPr id="3" name="Content Placeholder 2"/>
-          <p:cNvSpPr>
-            <a:spLocks noGrp="1"/>
-          </p:cNvSpPr>
-          <p:nvPr>
-            <p:ph idx="1"/>
-          </p:nvPr>
-        </p:nvSpPr>
-        <p:spPr/>
-        <p:txBody>
-          <a:bodyPr/>
-          <a:lstStyle/>
-          <a:p>
-            <a:r>
-              <a:rPr lang="id-ID" dirty="0" smtClean="0"/>
-              <a:t>Materi perkuliahan, ebook, PPT, dan dokumen lainnya terkait perkuliahan ini dapat diakses secara online di repositori </a:t>
-            </a:r>
-            <a:r>
-              <a:rPr lang="id-ID" dirty="0" smtClean="0">
-                <a:hlinkClick r:id="rId2"/>
-              </a:rPr>
-              <a:t>http://github.com/ksatria/MK-Design-Pattern</a:t>
-            </a:r>
-            <a:r>
-              <a:rPr lang="id-ID" dirty="0" smtClean="0"/>
-              <a:t> </a:t>
-            </a:r>
-          </a:p>
-          <a:p>
-            <a:r>
-              <a:rPr lang="id-ID" dirty="0" smtClean="0"/>
-              <a:t>Setiap mahasiswa diharapkan melakukan </a:t>
-            </a:r>
-            <a:r>
-              <a:rPr lang="id-ID" i="1" dirty="0" smtClean="0"/>
-              <a:t>forking</a:t>
-            </a:r>
-            <a:r>
-              <a:rPr lang="id-ID" dirty="0" smtClean="0"/>
-              <a:t> terhadap repositori tersebut agar tetap update dengan perkembangan materi</a:t>
-            </a:r>
-          </a:p>
-          <a:p>
-            <a:r>
-              <a:rPr lang="id-ID" smtClean="0"/>
-              <a:t>Pengumpulan tugas juga akan dilakukan melalui repositori tersebut</a:t>
-            </a:r>
-          </a:p>
-        </p:txBody>
-      </p:sp>
-      <p:sp>
-        <p:nvSpPr>
-          <p:cNvPr id="4" name="Footer Placeholder 3"/>
-          <p:cNvSpPr>
-            <a:spLocks noGrp="1"/>
-          </p:cNvSpPr>
-          <p:nvPr>
-            <p:ph type="ftr" sz="quarter" idx="11"/>
-          </p:nvPr>
-        </p:nvSpPr>
-        <p:spPr/>
-        <p:txBody>
-          <a:bodyPr/>
-          <a:lstStyle/>
-          <a:p>
-            <a:r>
-              <a:rPr lang="en-US" smtClean="0"/>
-              <a:t>Design Pattern - Pengantar Design Pattern</a:t>
-            </a:r>
-            <a:endParaRPr lang="en-US" dirty="0"/>
-          </a:p>
-        </p:txBody>
-      </p:sp>
-      <p:sp>
-        <p:nvSpPr>
-          <p:cNvPr id="5" name="Slide Number Placeholder 4"/>
-          <p:cNvSpPr>
-            <a:spLocks noGrp="1"/>
-          </p:cNvSpPr>
-          <p:nvPr>
-            <p:ph type="sldNum" sz="quarter" idx="12"/>
-          </p:nvPr>
-        </p:nvSpPr>
-        <p:spPr/>
-        <p:txBody>
-          <a:bodyPr/>
-          <a:lstStyle/>
-          <a:p>
-            <a:fld id="{48F63A3B-78C7-47BE-AE5E-E10140E04643}" type="slidenum">
-              <a:rPr lang="en-US" smtClean="0"/>
-              <a:t>14</a:t>
-            </a:fld>
-            <a:endParaRPr lang="en-US" dirty="0"/>
-          </a:p>
-        </p:txBody>
-      </p:sp>
-    </p:spTree>
-    <p:extLst>
-      <p:ext uri="{BB962C8B-B14F-4D97-AF65-F5344CB8AC3E}">
-        <p14:creationId xmlns:p14="http://schemas.microsoft.com/office/powerpoint/2010/main" val="508439716"/>
-      </p:ext>
-    </p:extLst>
-  </p:cSld>
-  <p:clrMapOvr>
-    <a:masterClrMapping/>
-  </p:clrMapOvr>
-</p:sld>
-</file>
-
-<file path=ppt/slides/slide2.xml><?xml version="1.0" encoding="utf-8"?>
-<p:sld xmlns:a="http://schemas.openxmlformats.org/drawingml/2006/main" xmlns:r="http://schemas.openxmlformats.org/officeDocument/2006/relationships" xmlns:p="http://schemas.openxmlformats.org/presentationml/2006/main">
-  <p:cSld>
-    <p:spTree>
-      <p:nvGrpSpPr>
-        <p:cNvPr id="1" name=""/>
-        <p:cNvGrpSpPr/>
-        <p:nvPr/>
-      </p:nvGrpSpPr>
-      <p:grpSpPr>
-        <a:xfrm>
-          <a:off x="0" y="0"/>
-          <a:ext cx="0" cy="0"/>
-          <a:chOff x="0" y="0"/>
-          <a:chExt cx="0" cy="0"/>
-        </a:xfrm>
-      </p:grpSpPr>
-      <p:sp>
-        <p:nvSpPr>
-          <p:cNvPr id="4" name="Footer Placeholder 3"/>
-          <p:cNvSpPr>
-            <a:spLocks noGrp="1"/>
-          </p:cNvSpPr>
-          <p:nvPr>
-            <p:ph type="ftr" sz="quarter" idx="11"/>
-          </p:nvPr>
-        </p:nvSpPr>
-        <p:spPr/>
-        <p:txBody>
-          <a:bodyPr/>
-          <a:lstStyle/>
-          <a:p>
-            <a:r>
-              <a:rPr lang="en-US" smtClean="0"/>
-              <a:t>Design Pattern - Pengantar Design Pattern</a:t>
-            </a:r>
-            <a:endParaRPr lang="en-US" dirty="0"/>
-          </a:p>
-        </p:txBody>
-      </p:sp>
-      <p:sp>
-        <p:nvSpPr>
-          <p:cNvPr id="5" name="Slide Number Placeholder 4"/>
-          <p:cNvSpPr>
-            <a:spLocks noGrp="1"/>
-          </p:cNvSpPr>
-          <p:nvPr>
-            <p:ph type="sldNum" sz="quarter" idx="12"/>
-          </p:nvPr>
-        </p:nvSpPr>
-        <p:spPr/>
-        <p:txBody>
-          <a:bodyPr/>
-          <a:lstStyle/>
-          <a:p>
-            <a:fld id="{48F63A3B-78C7-47BE-AE5E-E10140E04643}" type="slidenum">
-              <a:rPr lang="en-US" smtClean="0"/>
-              <a:t>2</a:t>
-            </a:fld>
-            <a:endParaRPr lang="en-US" dirty="0"/>
-          </a:p>
-        </p:txBody>
-      </p:sp>
-      <p:pic>
-        <p:nvPicPr>
-          <p:cNvPr id="6" name="Picture 5"/>
-          <p:cNvPicPr>
-            <a:picLocks noChangeAspect="1"/>
-          </p:cNvPicPr>
-          <p:nvPr/>
-        </p:nvPicPr>
-        <p:blipFill>
-          <a:blip r:embed="rId2">
-            <a:extLst>
-              <a:ext uri="{28A0092B-C50C-407E-A947-70E740481C1C}">
-                <a14:useLocalDpi xmlns:a14="http://schemas.microsoft.com/office/drawing/2010/main" val="0"/>
-              </a:ext>
-            </a:extLst>
-          </a:blip>
-          <a:stretch>
-            <a:fillRect/>
-          </a:stretch>
-        </p:blipFill>
-        <p:spPr>
-          <a:xfrm>
-            <a:off x="1410268" y="628587"/>
-            <a:ext cx="9371464" cy="5600826"/>
-          </a:xfrm>
-          <a:prstGeom prst="rect">
-            <a:avLst/>
-          </a:prstGeom>
-        </p:spPr>
-      </p:pic>
-    </p:spTree>
-    <p:extLst>
-      <p:ext uri="{BB962C8B-B14F-4D97-AF65-F5344CB8AC3E}">
-        <p14:creationId xmlns:p14="http://schemas.microsoft.com/office/powerpoint/2010/main" val="1170485502"/>
-      </p:ext>
-    </p:extLst>
-  </p:cSld>
-  <p:clrMapOvr>
-    <a:masterClrMapping/>
-  </p:clrMapOvr>
-  <p:timing>
-    <p:tnLst>
-      <p:par>
-        <p:cTn id="1" dur="indefinite" restart="never" nodeType="tmRoot"/>
-      </p:par>
-    </p:tnLst>
-  </p:timing>
-</p:sld>
-</file>
-
-<file path=ppt/slides/slide3.xml><?xml version="1.0" encoding="utf-8"?>
-<p:sld xmlns:a="http://schemas.openxmlformats.org/drawingml/2006/main" xmlns:r="http://schemas.openxmlformats.org/officeDocument/2006/relationships" xmlns:p="http://schemas.openxmlformats.org/presentationml/2006/main">
-  <p:cSld>
-    <p:spTree>
-      <p:nvGrpSpPr>
-        <p:cNvPr id="1" name=""/>
-        <p:cNvGrpSpPr/>
-        <p:nvPr/>
-      </p:nvGrpSpPr>
-      <p:grpSpPr>
-        <a:xfrm>
-          <a:off x="0" y="0"/>
-          <a:ext cx="0" cy="0"/>
-          <a:chOff x="0" y="0"/>
-          <a:chExt cx="0" cy="0"/>
-        </a:xfrm>
-      </p:grpSpPr>
-      <p:sp>
-        <p:nvSpPr>
           <p:cNvPr id="2" name="Footer Placeholder 1"/>
           <p:cNvSpPr>
             <a:spLocks noGrp="1"/>
@@ -19631,7 +18116,7 @@
           <a:p>
             <a:fld id="{48F63A3B-78C7-47BE-AE5E-E10140E04643}" type="slidenum">
               <a:rPr lang="en-US" smtClean="0"/>
-              <a:t>3</a:t>
+              <a:t>10</a:t>
             </a:fld>
             <a:endParaRPr lang="en-US" dirty="0"/>
           </a:p>
@@ -19744,7 +18229,7 @@
 </p:sld>
 </file>
 
-<file path=ppt/slides/slide4.xml><?xml version="1.0" encoding="utf-8"?>
+<file path=ppt/slides/slide11.xml><?xml version="1.0" encoding="utf-8"?>
 <p:sld xmlns:a="http://schemas.openxmlformats.org/drawingml/2006/main" xmlns:r="http://schemas.openxmlformats.org/officeDocument/2006/relationships" xmlns:p="http://schemas.openxmlformats.org/presentationml/2006/main">
   <p:cSld>
     <p:spTree>
@@ -19801,7 +18286,7 @@
           <a:p>
             <a:fld id="{48F63A3B-78C7-47BE-AE5E-E10140E04643}" type="slidenum">
               <a:rPr lang="en-US" smtClean="0"/>
-              <a:t>4</a:t>
+              <a:t>11</a:t>
             </a:fld>
             <a:endParaRPr lang="en-US" dirty="0"/>
           </a:p>
@@ -19957,7 +18442,7 @@
 </p:sld>
 </file>
 
-<file path=ppt/slides/slide5.xml><?xml version="1.0" encoding="utf-8"?>
+<file path=ppt/slides/slide12.xml><?xml version="1.0" encoding="utf-8"?>
 <p:sld xmlns:a="http://schemas.openxmlformats.org/drawingml/2006/main" xmlns:r="http://schemas.openxmlformats.org/officeDocument/2006/relationships" xmlns:p="http://schemas.openxmlformats.org/presentationml/2006/main">
   <p:cSld>
     <p:spTree>
@@ -20014,7 +18499,7 @@
           <a:p>
             <a:fld id="{48F63A3B-78C7-47BE-AE5E-E10140E04643}" type="slidenum">
               <a:rPr lang="en-US" smtClean="0"/>
-              <a:t>5</a:t>
+              <a:t>12</a:t>
             </a:fld>
             <a:endParaRPr lang="en-US" dirty="0"/>
           </a:p>
@@ -20170,7 +18655,7 @@
 </p:sld>
 </file>
 
-<file path=ppt/slides/slide6.xml><?xml version="1.0" encoding="utf-8"?>
+<file path=ppt/slides/slide13.xml><?xml version="1.0" encoding="utf-8"?>
 <p:sld xmlns:a="http://schemas.openxmlformats.org/drawingml/2006/main" xmlns:r="http://schemas.openxmlformats.org/officeDocument/2006/relationships" xmlns:p="http://schemas.openxmlformats.org/presentationml/2006/main">
   <p:cSld>
     <p:spTree>
@@ -20232,8 +18717,16 @@
               <a:buChar char="o"/>
             </a:pPr>
             <a:r>
+              <a:rPr lang="id-ID" sz="2800" dirty="0">
+                <a:solidFill>
+                  <a:srgbClr val="FF0000"/>
+                </a:solidFill>
+              </a:rPr>
+              <a:t>Solusi berulang </a:t>
+            </a:r>
+            <a:r>
               <a:rPr lang="id-ID" sz="2800" dirty="0"/>
-              <a:t>Solusi berulang untuk kasus umum dalam konteks tertentu dan sistem yang ada </a:t>
+              <a:t>untuk kasus umum dalam konteks tertentu dan sistem yang ada </a:t>
             </a:r>
             <a:r>
               <a:rPr lang="id-ID" sz="2800" i="1" dirty="0"/>
@@ -20252,7 +18745,31 @@
             </a:pPr>
             <a:r>
               <a:rPr lang="id-ID" sz="2800" dirty="0"/>
-              <a:t>Deskripsi dari komunikasi antarobjek dan kelas yang dikostumisasi untuk mengatasi masalah rancangan umum dalam konteks tertentu </a:t>
+              <a:t>Deskripsi dari </a:t>
+            </a:r>
+            <a:r>
+              <a:rPr lang="id-ID" sz="2800" dirty="0">
+                <a:solidFill>
+                  <a:srgbClr val="FF0000"/>
+                </a:solidFill>
+              </a:rPr>
+              <a:t>komunikasi</a:t>
+            </a:r>
+            <a:r>
+              <a:rPr lang="id-ID" sz="2800" dirty="0"/>
+              <a:t> antarobjek dan kelas yang </a:t>
+            </a:r>
+            <a:r>
+              <a:rPr lang="id-ID" sz="2800" dirty="0">
+                <a:solidFill>
+                  <a:srgbClr val="FF0000"/>
+                </a:solidFill>
+              </a:rPr>
+              <a:t>dikostumisasi</a:t>
+            </a:r>
+            <a:r>
+              <a:rPr lang="id-ID" sz="2800" dirty="0"/>
+              <a:t> untuk mengatasi masalah rancangan umum dalam konteks tertentu </a:t>
             </a:r>
             <a:r>
               <a:rPr lang="id-ID" sz="2800" i="1" dirty="0"/>
@@ -20271,7 +18788,19 @@
             </a:pPr>
             <a:r>
               <a:rPr lang="id-ID" sz="2800" dirty="0" smtClean="0"/>
-              <a:t>Dokumentasi dari solusi yang pernah berhasil diaplikasikan untuk mengatasi masalah yang sering muncul pada situasi tertentu </a:t>
+              <a:t>Dokumentasi dari </a:t>
+            </a:r>
+            <a:r>
+              <a:rPr lang="id-ID" sz="2800" dirty="0" smtClean="0">
+                <a:solidFill>
+                  <a:srgbClr val="FF0000"/>
+                </a:solidFill>
+              </a:rPr>
+              <a:t>solusi yang pernah berhasil </a:t>
+            </a:r>
+            <a:r>
+              <a:rPr lang="id-ID" sz="2800" dirty="0" smtClean="0"/>
+              <a:t>diaplikasikan untuk mengatasi masalah yang sering muncul pada situasi tertentu </a:t>
             </a:r>
             <a:r>
               <a:rPr lang="id-ID" sz="2800" i="1" dirty="0" smtClean="0"/>
@@ -20320,7 +18849,7 @@
           <a:p>
             <a:fld id="{48F63A3B-78C7-47BE-AE5E-E10140E04643}" type="slidenum">
               <a:rPr lang="en-US" smtClean="0"/>
-              <a:t>6</a:t>
+              <a:t>13</a:t>
             </a:fld>
             <a:endParaRPr lang="en-US" dirty="0"/>
           </a:p>
@@ -20516,7 +19045,7 @@
 </p:sld>
 </file>
 
-<file path=ppt/slides/slide7.xml><?xml version="1.0" encoding="utf-8"?>
+<file path=ppt/slides/slide14.xml><?xml version="1.0" encoding="utf-8"?>
 <p:sld xmlns:a="http://schemas.openxmlformats.org/drawingml/2006/main" xmlns:r="http://schemas.openxmlformats.org/officeDocument/2006/relationships" xmlns:p="http://schemas.openxmlformats.org/presentationml/2006/main">
   <p:cSld>
     <p:spTree>
@@ -20652,7 +19181,7 @@
           <a:p>
             <a:fld id="{48F63A3B-78C7-47BE-AE5E-E10140E04643}" type="slidenum">
               <a:rPr lang="en-US" smtClean="0"/>
-              <a:t>7</a:t>
+              <a:t>14</a:t>
             </a:fld>
             <a:endParaRPr lang="en-US" dirty="0"/>
           </a:p>
@@ -20897,7 +19426,7 @@
 </p:sld>
 </file>
 
-<file path=ppt/slides/slide8.xml><?xml version="1.0" encoding="utf-8"?>
+<file path=ppt/slides/slide15.xml><?xml version="1.0" encoding="utf-8"?>
 <p:sld xmlns:a="http://schemas.openxmlformats.org/drawingml/2006/main" xmlns:r="http://schemas.openxmlformats.org/officeDocument/2006/relationships" xmlns:p="http://schemas.openxmlformats.org/presentationml/2006/main">
   <p:cSld>
     <p:spTree>
@@ -21002,7 +19531,7 @@
           <a:p>
             <a:fld id="{48F63A3B-78C7-47BE-AE5E-E10140E04643}" type="slidenum">
               <a:rPr lang="en-US" smtClean="0"/>
-              <a:t>8</a:t>
+              <a:t>15</a:t>
             </a:fld>
             <a:endParaRPr lang="en-US" dirty="0"/>
           </a:p>
@@ -21028,7 +19557,7 @@
 </p:sld>
 </file>
 
-<file path=ppt/slides/slide9.xml><?xml version="1.0" encoding="utf-8"?>
+<file path=ppt/slides/slide16.xml><?xml version="1.0" encoding="utf-8"?>
 <p:sld xmlns:a="http://schemas.openxmlformats.org/drawingml/2006/main" xmlns:r="http://schemas.openxmlformats.org/officeDocument/2006/relationships" xmlns:p="http://schemas.openxmlformats.org/presentationml/2006/main">
   <p:cSld>
     <p:spTree>
@@ -21137,7 +19666,7 @@
           <a:p>
             <a:fld id="{48F63A3B-78C7-47BE-AE5E-E10140E04643}" type="slidenum">
               <a:rPr lang="en-US" smtClean="0"/>
-              <a:t>9</a:t>
+              <a:t>16</a:t>
             </a:fld>
             <a:endParaRPr lang="en-US" dirty="0"/>
           </a:p>
@@ -21721,6 +20250,4169 @@
 </p:sld>
 </file>
 
+<file path=ppt/slides/slide17.xml><?xml version="1.0" encoding="utf-8"?>
+<p:sld xmlns:a="http://schemas.openxmlformats.org/drawingml/2006/main" xmlns:r="http://schemas.openxmlformats.org/officeDocument/2006/relationships" xmlns:p="http://schemas.openxmlformats.org/presentationml/2006/main">
+  <p:cSld>
+    <p:spTree>
+      <p:nvGrpSpPr>
+        <p:cNvPr id="1" name=""/>
+        <p:cNvGrpSpPr/>
+        <p:nvPr/>
+      </p:nvGrpSpPr>
+      <p:grpSpPr>
+        <a:xfrm>
+          <a:off x="0" y="0"/>
+          <a:ext cx="0" cy="0"/>
+          <a:chOff x="0" y="0"/>
+          <a:chExt cx="0" cy="0"/>
+        </a:xfrm>
+      </p:grpSpPr>
+      <p:sp>
+        <p:nvSpPr>
+          <p:cNvPr id="2" name="Title 1"/>
+          <p:cNvSpPr>
+            <a:spLocks noGrp="1"/>
+          </p:cNvSpPr>
+          <p:nvPr>
+            <p:ph type="title"/>
+          </p:nvPr>
+        </p:nvSpPr>
+        <p:spPr/>
+        <p:txBody>
+          <a:bodyPr/>
+          <a:lstStyle/>
+          <a:p>
+            <a:r>
+              <a:rPr lang="id-ID" dirty="0" smtClean="0"/>
+              <a:t>Pengelompokan Design PatterN</a:t>
+            </a:r>
+            <a:endParaRPr lang="id-ID" sz="2000" i="1" dirty="0"/>
+          </a:p>
+        </p:txBody>
+      </p:sp>
+      <p:graphicFrame>
+        <p:nvGraphicFramePr>
+          <p:cNvPr id="4" name="Content Placeholder 3"/>
+          <p:cNvGraphicFramePr>
+            <a:graphicFrameLocks noGrp="1"/>
+          </p:cNvGraphicFramePr>
+          <p:nvPr>
+            <p:ph idx="1"/>
+            <p:extLst>
+              <p:ext uri="{D42A27DB-BD31-4B8C-83A1-F6EECF244321}">
+                <p14:modId xmlns:p14="http://schemas.microsoft.com/office/powerpoint/2010/main" val="2855265568"/>
+              </p:ext>
+            </p:extLst>
+          </p:nvPr>
+        </p:nvGraphicFramePr>
+        <p:xfrm>
+          <a:off x="1023938" y="2286000"/>
+          <a:ext cx="9720262" cy="4022725"/>
+        </p:xfrm>
+        <a:graphic>
+          <a:graphicData uri="http://schemas.openxmlformats.org/drawingml/2006/diagram">
+            <dgm:relIds xmlns:dgm="http://schemas.openxmlformats.org/drawingml/2006/diagram" xmlns:r="http://schemas.openxmlformats.org/officeDocument/2006/relationships" r:dm="rId2" r:lo="rId3" r:qs="rId4" r:cs="rId5"/>
+          </a:graphicData>
+        </a:graphic>
+      </p:graphicFrame>
+      <p:sp>
+        <p:nvSpPr>
+          <p:cNvPr id="5" name="Footer Placeholder 4"/>
+          <p:cNvSpPr>
+            <a:spLocks noGrp="1"/>
+          </p:cNvSpPr>
+          <p:nvPr>
+            <p:ph type="ftr" sz="quarter" idx="11"/>
+          </p:nvPr>
+        </p:nvSpPr>
+        <p:spPr/>
+        <p:txBody>
+          <a:bodyPr/>
+          <a:lstStyle/>
+          <a:p>
+            <a:r>
+              <a:rPr lang="en-US" smtClean="0"/>
+              <a:t>Design Pattern - Pengantar Design Pattern</a:t>
+            </a:r>
+            <a:endParaRPr lang="en-US" dirty="0"/>
+          </a:p>
+        </p:txBody>
+      </p:sp>
+      <p:sp>
+        <p:nvSpPr>
+          <p:cNvPr id="6" name="Slide Number Placeholder 5"/>
+          <p:cNvSpPr>
+            <a:spLocks noGrp="1"/>
+          </p:cNvSpPr>
+          <p:nvPr>
+            <p:ph type="sldNum" sz="quarter" idx="12"/>
+          </p:nvPr>
+        </p:nvSpPr>
+        <p:spPr/>
+        <p:txBody>
+          <a:bodyPr/>
+          <a:lstStyle/>
+          <a:p>
+            <a:fld id="{48F63A3B-78C7-47BE-AE5E-E10140E04643}" type="slidenum">
+              <a:rPr lang="en-US" smtClean="0"/>
+              <a:t>17</a:t>
+            </a:fld>
+            <a:endParaRPr lang="en-US" dirty="0"/>
+          </a:p>
+        </p:txBody>
+      </p:sp>
+    </p:spTree>
+    <p:extLst>
+      <p:ext uri="{BB962C8B-B14F-4D97-AF65-F5344CB8AC3E}">
+        <p14:creationId xmlns:p14="http://schemas.microsoft.com/office/powerpoint/2010/main" val="3689737699"/>
+      </p:ext>
+    </p:extLst>
+  </p:cSld>
+  <p:clrMapOvr>
+    <a:masterClrMapping/>
+  </p:clrMapOvr>
+  <p:timing>
+    <p:tnLst>
+      <p:par>
+        <p:cTn id="1" dur="indefinite" restart="never" nodeType="tmRoot"/>
+      </p:par>
+    </p:tnLst>
+  </p:timing>
+</p:sld>
+</file>
+
+<file path=ppt/slides/slide18.xml><?xml version="1.0" encoding="utf-8"?>
+<p:sld xmlns:a="http://schemas.openxmlformats.org/drawingml/2006/main" xmlns:r="http://schemas.openxmlformats.org/officeDocument/2006/relationships" xmlns:p="http://schemas.openxmlformats.org/presentationml/2006/main">
+  <p:cSld>
+    <p:spTree>
+      <p:nvGrpSpPr>
+        <p:cNvPr id="1" name=""/>
+        <p:cNvGrpSpPr/>
+        <p:nvPr/>
+      </p:nvGrpSpPr>
+      <p:grpSpPr>
+        <a:xfrm>
+          <a:off x="0" y="0"/>
+          <a:ext cx="0" cy="0"/>
+          <a:chOff x="0" y="0"/>
+          <a:chExt cx="0" cy="0"/>
+        </a:xfrm>
+      </p:grpSpPr>
+      <p:sp>
+        <p:nvSpPr>
+          <p:cNvPr id="2" name="Title 1"/>
+          <p:cNvSpPr>
+            <a:spLocks noGrp="1"/>
+          </p:cNvSpPr>
+          <p:nvPr>
+            <p:ph type="title"/>
+          </p:nvPr>
+        </p:nvSpPr>
+        <p:spPr/>
+        <p:txBody>
+          <a:bodyPr/>
+          <a:lstStyle/>
+          <a:p>
+            <a:r>
+              <a:rPr lang="id-ID" dirty="0" smtClean="0"/>
+              <a:t>Pattern Yang dibahas di Matakuliah Ini</a:t>
+            </a:r>
+            <a:endParaRPr lang="id-ID" dirty="0"/>
+          </a:p>
+        </p:txBody>
+      </p:sp>
+      <p:graphicFrame>
+        <p:nvGraphicFramePr>
+          <p:cNvPr id="6" name="Content Placeholder 5"/>
+          <p:cNvGraphicFramePr>
+            <a:graphicFrameLocks noGrp="1"/>
+          </p:cNvGraphicFramePr>
+          <p:nvPr>
+            <p:ph idx="1"/>
+            <p:extLst>
+              <p:ext uri="{D42A27DB-BD31-4B8C-83A1-F6EECF244321}">
+                <p14:modId xmlns:p14="http://schemas.microsoft.com/office/powerpoint/2010/main" val="1941831972"/>
+              </p:ext>
+            </p:extLst>
+          </p:nvPr>
+        </p:nvGraphicFramePr>
+        <p:xfrm>
+          <a:off x="1023938" y="2286000"/>
+          <a:ext cx="9720262" cy="4022725"/>
+        </p:xfrm>
+        <a:graphic>
+          <a:graphicData uri="http://schemas.openxmlformats.org/drawingml/2006/diagram">
+            <dgm:relIds xmlns:dgm="http://schemas.openxmlformats.org/drawingml/2006/diagram" xmlns:r="http://schemas.openxmlformats.org/officeDocument/2006/relationships" r:dm="rId2" r:lo="rId3" r:qs="rId4" r:cs="rId5"/>
+          </a:graphicData>
+        </a:graphic>
+      </p:graphicFrame>
+      <p:sp>
+        <p:nvSpPr>
+          <p:cNvPr id="4" name="Footer Placeholder 3"/>
+          <p:cNvSpPr>
+            <a:spLocks noGrp="1"/>
+          </p:cNvSpPr>
+          <p:nvPr>
+            <p:ph type="ftr" sz="quarter" idx="11"/>
+          </p:nvPr>
+        </p:nvSpPr>
+        <p:spPr/>
+        <p:txBody>
+          <a:bodyPr/>
+          <a:lstStyle/>
+          <a:p>
+            <a:r>
+              <a:rPr lang="en-US" smtClean="0"/>
+              <a:t>Design Pattern - Pengantar Design Pattern</a:t>
+            </a:r>
+            <a:endParaRPr lang="en-US" dirty="0"/>
+          </a:p>
+        </p:txBody>
+      </p:sp>
+      <p:sp>
+        <p:nvSpPr>
+          <p:cNvPr id="5" name="Slide Number Placeholder 4"/>
+          <p:cNvSpPr>
+            <a:spLocks noGrp="1"/>
+          </p:cNvSpPr>
+          <p:nvPr>
+            <p:ph type="sldNum" sz="quarter" idx="12"/>
+          </p:nvPr>
+        </p:nvSpPr>
+        <p:spPr/>
+        <p:txBody>
+          <a:bodyPr/>
+          <a:lstStyle/>
+          <a:p>
+            <a:fld id="{48F63A3B-78C7-47BE-AE5E-E10140E04643}" type="slidenum">
+              <a:rPr lang="en-US" smtClean="0"/>
+              <a:t>18</a:t>
+            </a:fld>
+            <a:endParaRPr lang="en-US" dirty="0"/>
+          </a:p>
+        </p:txBody>
+      </p:sp>
+    </p:spTree>
+    <p:extLst>
+      <p:ext uri="{BB962C8B-B14F-4D97-AF65-F5344CB8AC3E}">
+        <p14:creationId xmlns:p14="http://schemas.microsoft.com/office/powerpoint/2010/main" val="1473107890"/>
+      </p:ext>
+    </p:extLst>
+  </p:cSld>
+  <p:clrMapOvr>
+    <a:masterClrMapping/>
+  </p:clrMapOvr>
+  <p:timing>
+    <p:tnLst>
+      <p:par>
+        <p:cTn id="1" dur="indefinite" restart="never" nodeType="tmRoot">
+          <p:childTnLst>
+            <p:seq concurrent="1" nextAc="seek">
+              <p:cTn id="2" dur="indefinite" nodeType="mainSeq">
+                <p:childTnLst>
+                  <p:par>
+                    <p:cTn id="3" fill="hold">
+                      <p:stCondLst>
+                        <p:cond delay="indefinite"/>
+                      </p:stCondLst>
+                      <p:childTnLst>
+                        <p:par>
+                          <p:cTn id="4" fill="hold">
+                            <p:stCondLst>
+                              <p:cond delay="0"/>
+                            </p:stCondLst>
+                            <p:childTnLst>
+                              <p:par>
+                                <p:cTn id="5" presetID="12" presetClass="entr" presetSubtype="4" fill="hold" grpId="0" nodeType="clickEffect">
+                                  <p:stCondLst>
+                                    <p:cond delay="0"/>
+                                  </p:stCondLst>
+                                  <p:childTnLst>
+                                    <p:set>
+                                      <p:cBhvr>
+                                        <p:cTn id="6" dur="1" fill="hold">
+                                          <p:stCondLst>
+                                            <p:cond delay="0"/>
+                                          </p:stCondLst>
+                                        </p:cTn>
+                                        <p:tgtEl>
+                                          <p:spTgt spid="6">
+                                            <p:graphicEl>
+                                              <a:dgm id="{B5A656E4-A593-4B06-992F-1CB098854AFE}"/>
+                                            </p:graphicEl>
+                                          </p:spTgt>
+                                        </p:tgtEl>
+                                        <p:attrNameLst>
+                                          <p:attrName>style.visibility</p:attrName>
+                                        </p:attrNameLst>
+                                      </p:cBhvr>
+                                      <p:to>
+                                        <p:strVal val="visible"/>
+                                      </p:to>
+                                    </p:set>
+                                    <p:anim calcmode="lin" valueType="num">
+                                      <p:cBhvr additive="base">
+                                        <p:cTn id="7" dur="500"/>
+                                        <p:tgtEl>
+                                          <p:spTgt spid="6">
+                                            <p:graphicEl>
+                                              <a:dgm id="{B5A656E4-A593-4B06-992F-1CB098854AFE}"/>
+                                            </p:graphicEl>
+                                          </p:spTgt>
+                                        </p:tgtEl>
+                                        <p:attrNameLst>
+                                          <p:attrName>ppt_y</p:attrName>
+                                        </p:attrNameLst>
+                                      </p:cBhvr>
+                                      <p:tavLst>
+                                        <p:tav tm="0">
+                                          <p:val>
+                                            <p:strVal val="#ppt_y+#ppt_h*1.125000"/>
+                                          </p:val>
+                                        </p:tav>
+                                        <p:tav tm="100000">
+                                          <p:val>
+                                            <p:strVal val="#ppt_y"/>
+                                          </p:val>
+                                        </p:tav>
+                                      </p:tavLst>
+                                    </p:anim>
+                                    <p:animEffect transition="in" filter="wipe(up)">
+                                      <p:cBhvr>
+                                        <p:cTn id="8" dur="500"/>
+                                        <p:tgtEl>
+                                          <p:spTgt spid="6">
+                                            <p:graphicEl>
+                                              <a:dgm id="{B5A656E4-A593-4B06-992F-1CB098854AFE}"/>
+                                            </p:graphicEl>
+                                          </p:spTgt>
+                                        </p:tgtEl>
+                                      </p:cBhvr>
+                                    </p:animEffect>
+                                  </p:childTnLst>
+                                </p:cTn>
+                              </p:par>
+                            </p:childTnLst>
+                          </p:cTn>
+                        </p:par>
+                      </p:childTnLst>
+                    </p:cTn>
+                  </p:par>
+                  <p:par>
+                    <p:cTn id="9" fill="hold">
+                      <p:stCondLst>
+                        <p:cond delay="indefinite"/>
+                      </p:stCondLst>
+                      <p:childTnLst>
+                        <p:par>
+                          <p:cTn id="10" fill="hold">
+                            <p:stCondLst>
+                              <p:cond delay="0"/>
+                            </p:stCondLst>
+                            <p:childTnLst>
+                              <p:par>
+                                <p:cTn id="11" presetID="12" presetClass="entr" presetSubtype="4" fill="hold" grpId="0" nodeType="clickEffect">
+                                  <p:stCondLst>
+                                    <p:cond delay="0"/>
+                                  </p:stCondLst>
+                                  <p:childTnLst>
+                                    <p:set>
+                                      <p:cBhvr>
+                                        <p:cTn id="12" dur="1" fill="hold">
+                                          <p:stCondLst>
+                                            <p:cond delay="0"/>
+                                          </p:stCondLst>
+                                        </p:cTn>
+                                        <p:tgtEl>
+                                          <p:spTgt spid="6">
+                                            <p:graphicEl>
+                                              <a:dgm id="{9A42CF42-AA19-4377-97DA-43CED5D1860C}"/>
+                                            </p:graphicEl>
+                                          </p:spTgt>
+                                        </p:tgtEl>
+                                        <p:attrNameLst>
+                                          <p:attrName>style.visibility</p:attrName>
+                                        </p:attrNameLst>
+                                      </p:cBhvr>
+                                      <p:to>
+                                        <p:strVal val="visible"/>
+                                      </p:to>
+                                    </p:set>
+                                    <p:anim calcmode="lin" valueType="num">
+                                      <p:cBhvr additive="base">
+                                        <p:cTn id="13" dur="500"/>
+                                        <p:tgtEl>
+                                          <p:spTgt spid="6">
+                                            <p:graphicEl>
+                                              <a:dgm id="{9A42CF42-AA19-4377-97DA-43CED5D1860C}"/>
+                                            </p:graphicEl>
+                                          </p:spTgt>
+                                        </p:tgtEl>
+                                        <p:attrNameLst>
+                                          <p:attrName>ppt_y</p:attrName>
+                                        </p:attrNameLst>
+                                      </p:cBhvr>
+                                      <p:tavLst>
+                                        <p:tav tm="0">
+                                          <p:val>
+                                            <p:strVal val="#ppt_y+#ppt_h*1.125000"/>
+                                          </p:val>
+                                        </p:tav>
+                                        <p:tav tm="100000">
+                                          <p:val>
+                                            <p:strVal val="#ppt_y"/>
+                                          </p:val>
+                                        </p:tav>
+                                      </p:tavLst>
+                                    </p:anim>
+                                    <p:animEffect transition="in" filter="wipe(up)">
+                                      <p:cBhvr>
+                                        <p:cTn id="14" dur="500"/>
+                                        <p:tgtEl>
+                                          <p:spTgt spid="6">
+                                            <p:graphicEl>
+                                              <a:dgm id="{9A42CF42-AA19-4377-97DA-43CED5D1860C}"/>
+                                            </p:graphicEl>
+                                          </p:spTgt>
+                                        </p:tgtEl>
+                                      </p:cBhvr>
+                                    </p:animEffect>
+                                  </p:childTnLst>
+                                </p:cTn>
+                              </p:par>
+                            </p:childTnLst>
+                          </p:cTn>
+                        </p:par>
+                      </p:childTnLst>
+                    </p:cTn>
+                  </p:par>
+                  <p:par>
+                    <p:cTn id="15" fill="hold">
+                      <p:stCondLst>
+                        <p:cond delay="indefinite"/>
+                      </p:stCondLst>
+                      <p:childTnLst>
+                        <p:par>
+                          <p:cTn id="16" fill="hold">
+                            <p:stCondLst>
+                              <p:cond delay="0"/>
+                            </p:stCondLst>
+                            <p:childTnLst>
+                              <p:par>
+                                <p:cTn id="17" presetID="12" presetClass="entr" presetSubtype="4" fill="hold" grpId="0" nodeType="clickEffect">
+                                  <p:stCondLst>
+                                    <p:cond delay="0"/>
+                                  </p:stCondLst>
+                                  <p:childTnLst>
+                                    <p:set>
+                                      <p:cBhvr>
+                                        <p:cTn id="18" dur="1" fill="hold">
+                                          <p:stCondLst>
+                                            <p:cond delay="0"/>
+                                          </p:stCondLst>
+                                        </p:cTn>
+                                        <p:tgtEl>
+                                          <p:spTgt spid="6">
+                                            <p:graphicEl>
+                                              <a:dgm id="{973627DE-F9DF-4194-B4D1-EE32891234C4}"/>
+                                            </p:graphicEl>
+                                          </p:spTgt>
+                                        </p:tgtEl>
+                                        <p:attrNameLst>
+                                          <p:attrName>style.visibility</p:attrName>
+                                        </p:attrNameLst>
+                                      </p:cBhvr>
+                                      <p:to>
+                                        <p:strVal val="visible"/>
+                                      </p:to>
+                                    </p:set>
+                                    <p:anim calcmode="lin" valueType="num">
+                                      <p:cBhvr additive="base">
+                                        <p:cTn id="19" dur="500"/>
+                                        <p:tgtEl>
+                                          <p:spTgt spid="6">
+                                            <p:graphicEl>
+                                              <a:dgm id="{973627DE-F9DF-4194-B4D1-EE32891234C4}"/>
+                                            </p:graphicEl>
+                                          </p:spTgt>
+                                        </p:tgtEl>
+                                        <p:attrNameLst>
+                                          <p:attrName>ppt_y</p:attrName>
+                                        </p:attrNameLst>
+                                      </p:cBhvr>
+                                      <p:tavLst>
+                                        <p:tav tm="0">
+                                          <p:val>
+                                            <p:strVal val="#ppt_y+#ppt_h*1.125000"/>
+                                          </p:val>
+                                        </p:tav>
+                                        <p:tav tm="100000">
+                                          <p:val>
+                                            <p:strVal val="#ppt_y"/>
+                                          </p:val>
+                                        </p:tav>
+                                      </p:tavLst>
+                                    </p:anim>
+                                    <p:animEffect transition="in" filter="wipe(up)">
+                                      <p:cBhvr>
+                                        <p:cTn id="20" dur="500"/>
+                                        <p:tgtEl>
+                                          <p:spTgt spid="6">
+                                            <p:graphicEl>
+                                              <a:dgm id="{973627DE-F9DF-4194-B4D1-EE32891234C4}"/>
+                                            </p:graphicEl>
+                                          </p:spTgt>
+                                        </p:tgtEl>
+                                      </p:cBhvr>
+                                    </p:animEffect>
+                                  </p:childTnLst>
+                                </p:cTn>
+                              </p:par>
+                            </p:childTnLst>
+                          </p:cTn>
+                        </p:par>
+                      </p:childTnLst>
+                    </p:cTn>
+                  </p:par>
+                  <p:par>
+                    <p:cTn id="21" fill="hold">
+                      <p:stCondLst>
+                        <p:cond delay="indefinite"/>
+                      </p:stCondLst>
+                      <p:childTnLst>
+                        <p:par>
+                          <p:cTn id="22" fill="hold">
+                            <p:stCondLst>
+                              <p:cond delay="0"/>
+                            </p:stCondLst>
+                            <p:childTnLst>
+                              <p:par>
+                                <p:cTn id="23" presetID="12" presetClass="entr" presetSubtype="4" fill="hold" grpId="0" nodeType="clickEffect">
+                                  <p:stCondLst>
+                                    <p:cond delay="0"/>
+                                  </p:stCondLst>
+                                  <p:childTnLst>
+                                    <p:set>
+                                      <p:cBhvr>
+                                        <p:cTn id="24" dur="1" fill="hold">
+                                          <p:stCondLst>
+                                            <p:cond delay="0"/>
+                                          </p:stCondLst>
+                                        </p:cTn>
+                                        <p:tgtEl>
+                                          <p:spTgt spid="6">
+                                            <p:graphicEl>
+                                              <a:dgm id="{FA6594CC-068C-48E5-8596-5B098B55FF4C}"/>
+                                            </p:graphicEl>
+                                          </p:spTgt>
+                                        </p:tgtEl>
+                                        <p:attrNameLst>
+                                          <p:attrName>style.visibility</p:attrName>
+                                        </p:attrNameLst>
+                                      </p:cBhvr>
+                                      <p:to>
+                                        <p:strVal val="visible"/>
+                                      </p:to>
+                                    </p:set>
+                                    <p:anim calcmode="lin" valueType="num">
+                                      <p:cBhvr additive="base">
+                                        <p:cTn id="25" dur="500"/>
+                                        <p:tgtEl>
+                                          <p:spTgt spid="6">
+                                            <p:graphicEl>
+                                              <a:dgm id="{FA6594CC-068C-48E5-8596-5B098B55FF4C}"/>
+                                            </p:graphicEl>
+                                          </p:spTgt>
+                                        </p:tgtEl>
+                                        <p:attrNameLst>
+                                          <p:attrName>ppt_y</p:attrName>
+                                        </p:attrNameLst>
+                                      </p:cBhvr>
+                                      <p:tavLst>
+                                        <p:tav tm="0">
+                                          <p:val>
+                                            <p:strVal val="#ppt_y+#ppt_h*1.125000"/>
+                                          </p:val>
+                                        </p:tav>
+                                        <p:tav tm="100000">
+                                          <p:val>
+                                            <p:strVal val="#ppt_y"/>
+                                          </p:val>
+                                        </p:tav>
+                                      </p:tavLst>
+                                    </p:anim>
+                                    <p:animEffect transition="in" filter="wipe(up)">
+                                      <p:cBhvr>
+                                        <p:cTn id="26" dur="500"/>
+                                        <p:tgtEl>
+                                          <p:spTgt spid="6">
+                                            <p:graphicEl>
+                                              <a:dgm id="{FA6594CC-068C-48E5-8596-5B098B55FF4C}"/>
+                                            </p:graphicEl>
+                                          </p:spTgt>
+                                        </p:tgtEl>
+                                      </p:cBhvr>
+                                    </p:animEffect>
+                                  </p:childTnLst>
+                                </p:cTn>
+                              </p:par>
+                            </p:childTnLst>
+                          </p:cTn>
+                        </p:par>
+                      </p:childTnLst>
+                    </p:cTn>
+                  </p:par>
+                  <p:par>
+                    <p:cTn id="27" fill="hold">
+                      <p:stCondLst>
+                        <p:cond delay="indefinite"/>
+                      </p:stCondLst>
+                      <p:childTnLst>
+                        <p:par>
+                          <p:cTn id="28" fill="hold">
+                            <p:stCondLst>
+                              <p:cond delay="0"/>
+                            </p:stCondLst>
+                            <p:childTnLst>
+                              <p:par>
+                                <p:cTn id="29" presetID="12" presetClass="entr" presetSubtype="4" fill="hold" grpId="0" nodeType="clickEffect">
+                                  <p:stCondLst>
+                                    <p:cond delay="0"/>
+                                  </p:stCondLst>
+                                  <p:childTnLst>
+                                    <p:set>
+                                      <p:cBhvr>
+                                        <p:cTn id="30" dur="1" fill="hold">
+                                          <p:stCondLst>
+                                            <p:cond delay="0"/>
+                                          </p:stCondLst>
+                                        </p:cTn>
+                                        <p:tgtEl>
+                                          <p:spTgt spid="6">
+                                            <p:graphicEl>
+                                              <a:dgm id="{397397A5-25C2-473C-89AE-8B5D4BA8C9DA}"/>
+                                            </p:graphicEl>
+                                          </p:spTgt>
+                                        </p:tgtEl>
+                                        <p:attrNameLst>
+                                          <p:attrName>style.visibility</p:attrName>
+                                        </p:attrNameLst>
+                                      </p:cBhvr>
+                                      <p:to>
+                                        <p:strVal val="visible"/>
+                                      </p:to>
+                                    </p:set>
+                                    <p:anim calcmode="lin" valueType="num">
+                                      <p:cBhvr additive="base">
+                                        <p:cTn id="31" dur="500"/>
+                                        <p:tgtEl>
+                                          <p:spTgt spid="6">
+                                            <p:graphicEl>
+                                              <a:dgm id="{397397A5-25C2-473C-89AE-8B5D4BA8C9DA}"/>
+                                            </p:graphicEl>
+                                          </p:spTgt>
+                                        </p:tgtEl>
+                                        <p:attrNameLst>
+                                          <p:attrName>ppt_y</p:attrName>
+                                        </p:attrNameLst>
+                                      </p:cBhvr>
+                                      <p:tavLst>
+                                        <p:tav tm="0">
+                                          <p:val>
+                                            <p:strVal val="#ppt_y+#ppt_h*1.125000"/>
+                                          </p:val>
+                                        </p:tav>
+                                        <p:tav tm="100000">
+                                          <p:val>
+                                            <p:strVal val="#ppt_y"/>
+                                          </p:val>
+                                        </p:tav>
+                                      </p:tavLst>
+                                    </p:anim>
+                                    <p:animEffect transition="in" filter="wipe(up)">
+                                      <p:cBhvr>
+                                        <p:cTn id="32" dur="500"/>
+                                        <p:tgtEl>
+                                          <p:spTgt spid="6">
+                                            <p:graphicEl>
+                                              <a:dgm id="{397397A5-25C2-473C-89AE-8B5D4BA8C9DA}"/>
+                                            </p:graphicEl>
+                                          </p:spTgt>
+                                        </p:tgtEl>
+                                      </p:cBhvr>
+                                    </p:animEffect>
+                                  </p:childTnLst>
+                                </p:cTn>
+                              </p:par>
+                            </p:childTnLst>
+                          </p:cTn>
+                        </p:par>
+                      </p:childTnLst>
+                    </p:cTn>
+                  </p:par>
+                  <p:par>
+                    <p:cTn id="33" fill="hold">
+                      <p:stCondLst>
+                        <p:cond delay="indefinite"/>
+                      </p:stCondLst>
+                      <p:childTnLst>
+                        <p:par>
+                          <p:cTn id="34" fill="hold">
+                            <p:stCondLst>
+                              <p:cond delay="0"/>
+                            </p:stCondLst>
+                            <p:childTnLst>
+                              <p:par>
+                                <p:cTn id="35" presetID="12" presetClass="entr" presetSubtype="4" fill="hold" grpId="0" nodeType="clickEffect">
+                                  <p:stCondLst>
+                                    <p:cond delay="0"/>
+                                  </p:stCondLst>
+                                  <p:childTnLst>
+                                    <p:set>
+                                      <p:cBhvr>
+                                        <p:cTn id="36" dur="1" fill="hold">
+                                          <p:stCondLst>
+                                            <p:cond delay="0"/>
+                                          </p:stCondLst>
+                                        </p:cTn>
+                                        <p:tgtEl>
+                                          <p:spTgt spid="6">
+                                            <p:graphicEl>
+                                              <a:dgm id="{F05CDB0D-C06C-4B1B-8190-06AC8E82A2FD}"/>
+                                            </p:graphicEl>
+                                          </p:spTgt>
+                                        </p:tgtEl>
+                                        <p:attrNameLst>
+                                          <p:attrName>style.visibility</p:attrName>
+                                        </p:attrNameLst>
+                                      </p:cBhvr>
+                                      <p:to>
+                                        <p:strVal val="visible"/>
+                                      </p:to>
+                                    </p:set>
+                                    <p:anim calcmode="lin" valueType="num">
+                                      <p:cBhvr additive="base">
+                                        <p:cTn id="37" dur="500"/>
+                                        <p:tgtEl>
+                                          <p:spTgt spid="6">
+                                            <p:graphicEl>
+                                              <a:dgm id="{F05CDB0D-C06C-4B1B-8190-06AC8E82A2FD}"/>
+                                            </p:graphicEl>
+                                          </p:spTgt>
+                                        </p:tgtEl>
+                                        <p:attrNameLst>
+                                          <p:attrName>ppt_y</p:attrName>
+                                        </p:attrNameLst>
+                                      </p:cBhvr>
+                                      <p:tavLst>
+                                        <p:tav tm="0">
+                                          <p:val>
+                                            <p:strVal val="#ppt_y+#ppt_h*1.125000"/>
+                                          </p:val>
+                                        </p:tav>
+                                        <p:tav tm="100000">
+                                          <p:val>
+                                            <p:strVal val="#ppt_y"/>
+                                          </p:val>
+                                        </p:tav>
+                                      </p:tavLst>
+                                    </p:anim>
+                                    <p:animEffect transition="in" filter="wipe(up)">
+                                      <p:cBhvr>
+                                        <p:cTn id="38" dur="500"/>
+                                        <p:tgtEl>
+                                          <p:spTgt spid="6">
+                                            <p:graphicEl>
+                                              <a:dgm id="{F05CDB0D-C06C-4B1B-8190-06AC8E82A2FD}"/>
+                                            </p:graphicEl>
+                                          </p:spTgt>
+                                        </p:tgtEl>
+                                      </p:cBhvr>
+                                    </p:animEffect>
+                                  </p:childTnLst>
+                                </p:cTn>
+                              </p:par>
+                            </p:childTnLst>
+                          </p:cTn>
+                        </p:par>
+                      </p:childTnLst>
+                    </p:cTn>
+                  </p:par>
+                  <p:par>
+                    <p:cTn id="39" fill="hold">
+                      <p:stCondLst>
+                        <p:cond delay="indefinite"/>
+                      </p:stCondLst>
+                      <p:childTnLst>
+                        <p:par>
+                          <p:cTn id="40" fill="hold">
+                            <p:stCondLst>
+                              <p:cond delay="0"/>
+                            </p:stCondLst>
+                            <p:childTnLst>
+                              <p:par>
+                                <p:cTn id="41" presetID="12" presetClass="entr" presetSubtype="4" fill="hold" grpId="0" nodeType="clickEffect">
+                                  <p:stCondLst>
+                                    <p:cond delay="0"/>
+                                  </p:stCondLst>
+                                  <p:childTnLst>
+                                    <p:set>
+                                      <p:cBhvr>
+                                        <p:cTn id="42" dur="1" fill="hold">
+                                          <p:stCondLst>
+                                            <p:cond delay="0"/>
+                                          </p:stCondLst>
+                                        </p:cTn>
+                                        <p:tgtEl>
+                                          <p:spTgt spid="6">
+                                            <p:graphicEl>
+                                              <a:dgm id="{2CE14FB2-0B11-4ABB-8EBE-C99115F7A2B4}"/>
+                                            </p:graphicEl>
+                                          </p:spTgt>
+                                        </p:tgtEl>
+                                        <p:attrNameLst>
+                                          <p:attrName>style.visibility</p:attrName>
+                                        </p:attrNameLst>
+                                      </p:cBhvr>
+                                      <p:to>
+                                        <p:strVal val="visible"/>
+                                      </p:to>
+                                    </p:set>
+                                    <p:anim calcmode="lin" valueType="num">
+                                      <p:cBhvr additive="base">
+                                        <p:cTn id="43" dur="500"/>
+                                        <p:tgtEl>
+                                          <p:spTgt spid="6">
+                                            <p:graphicEl>
+                                              <a:dgm id="{2CE14FB2-0B11-4ABB-8EBE-C99115F7A2B4}"/>
+                                            </p:graphicEl>
+                                          </p:spTgt>
+                                        </p:tgtEl>
+                                        <p:attrNameLst>
+                                          <p:attrName>ppt_y</p:attrName>
+                                        </p:attrNameLst>
+                                      </p:cBhvr>
+                                      <p:tavLst>
+                                        <p:tav tm="0">
+                                          <p:val>
+                                            <p:strVal val="#ppt_y+#ppt_h*1.125000"/>
+                                          </p:val>
+                                        </p:tav>
+                                        <p:tav tm="100000">
+                                          <p:val>
+                                            <p:strVal val="#ppt_y"/>
+                                          </p:val>
+                                        </p:tav>
+                                      </p:tavLst>
+                                    </p:anim>
+                                    <p:animEffect transition="in" filter="wipe(up)">
+                                      <p:cBhvr>
+                                        <p:cTn id="44" dur="500"/>
+                                        <p:tgtEl>
+                                          <p:spTgt spid="6">
+                                            <p:graphicEl>
+                                              <a:dgm id="{2CE14FB2-0B11-4ABB-8EBE-C99115F7A2B4}"/>
+                                            </p:graphicEl>
+                                          </p:spTgt>
+                                        </p:tgtEl>
+                                      </p:cBhvr>
+                                    </p:animEffect>
+                                  </p:childTnLst>
+                                </p:cTn>
+                              </p:par>
+                            </p:childTnLst>
+                          </p:cTn>
+                        </p:par>
+                      </p:childTnLst>
+                    </p:cTn>
+                  </p:par>
+                  <p:par>
+                    <p:cTn id="45" fill="hold">
+                      <p:stCondLst>
+                        <p:cond delay="indefinite"/>
+                      </p:stCondLst>
+                      <p:childTnLst>
+                        <p:par>
+                          <p:cTn id="46" fill="hold">
+                            <p:stCondLst>
+                              <p:cond delay="0"/>
+                            </p:stCondLst>
+                            <p:childTnLst>
+                              <p:par>
+                                <p:cTn id="47" presetID="12" presetClass="entr" presetSubtype="4" fill="hold" grpId="0" nodeType="clickEffect">
+                                  <p:stCondLst>
+                                    <p:cond delay="0"/>
+                                  </p:stCondLst>
+                                  <p:childTnLst>
+                                    <p:set>
+                                      <p:cBhvr>
+                                        <p:cTn id="48" dur="1" fill="hold">
+                                          <p:stCondLst>
+                                            <p:cond delay="0"/>
+                                          </p:stCondLst>
+                                        </p:cTn>
+                                        <p:tgtEl>
+                                          <p:spTgt spid="6">
+                                            <p:graphicEl>
+                                              <a:dgm id="{7488B38C-15E8-487D-A98F-ECC283B523BE}"/>
+                                            </p:graphicEl>
+                                          </p:spTgt>
+                                        </p:tgtEl>
+                                        <p:attrNameLst>
+                                          <p:attrName>style.visibility</p:attrName>
+                                        </p:attrNameLst>
+                                      </p:cBhvr>
+                                      <p:to>
+                                        <p:strVal val="visible"/>
+                                      </p:to>
+                                    </p:set>
+                                    <p:anim calcmode="lin" valueType="num">
+                                      <p:cBhvr additive="base">
+                                        <p:cTn id="49" dur="500"/>
+                                        <p:tgtEl>
+                                          <p:spTgt spid="6">
+                                            <p:graphicEl>
+                                              <a:dgm id="{7488B38C-15E8-487D-A98F-ECC283B523BE}"/>
+                                            </p:graphicEl>
+                                          </p:spTgt>
+                                        </p:tgtEl>
+                                        <p:attrNameLst>
+                                          <p:attrName>ppt_y</p:attrName>
+                                        </p:attrNameLst>
+                                      </p:cBhvr>
+                                      <p:tavLst>
+                                        <p:tav tm="0">
+                                          <p:val>
+                                            <p:strVal val="#ppt_y+#ppt_h*1.125000"/>
+                                          </p:val>
+                                        </p:tav>
+                                        <p:tav tm="100000">
+                                          <p:val>
+                                            <p:strVal val="#ppt_y"/>
+                                          </p:val>
+                                        </p:tav>
+                                      </p:tavLst>
+                                    </p:anim>
+                                    <p:animEffect transition="in" filter="wipe(up)">
+                                      <p:cBhvr>
+                                        <p:cTn id="50" dur="500"/>
+                                        <p:tgtEl>
+                                          <p:spTgt spid="6">
+                                            <p:graphicEl>
+                                              <a:dgm id="{7488B38C-15E8-487D-A98F-ECC283B523BE}"/>
+                                            </p:graphicEl>
+                                          </p:spTgt>
+                                        </p:tgtEl>
+                                      </p:cBhvr>
+                                    </p:animEffect>
+                                  </p:childTnLst>
+                                </p:cTn>
+                              </p:par>
+                            </p:childTnLst>
+                          </p:cTn>
+                        </p:par>
+                      </p:childTnLst>
+                    </p:cTn>
+                  </p:par>
+                  <p:par>
+                    <p:cTn id="51" fill="hold">
+                      <p:stCondLst>
+                        <p:cond delay="indefinite"/>
+                      </p:stCondLst>
+                      <p:childTnLst>
+                        <p:par>
+                          <p:cTn id="52" fill="hold">
+                            <p:stCondLst>
+                              <p:cond delay="0"/>
+                            </p:stCondLst>
+                            <p:childTnLst>
+                              <p:par>
+                                <p:cTn id="53" presetID="12" presetClass="entr" presetSubtype="4" fill="hold" grpId="0" nodeType="clickEffect">
+                                  <p:stCondLst>
+                                    <p:cond delay="0"/>
+                                  </p:stCondLst>
+                                  <p:childTnLst>
+                                    <p:set>
+                                      <p:cBhvr>
+                                        <p:cTn id="54" dur="1" fill="hold">
+                                          <p:stCondLst>
+                                            <p:cond delay="0"/>
+                                          </p:stCondLst>
+                                        </p:cTn>
+                                        <p:tgtEl>
+                                          <p:spTgt spid="6">
+                                            <p:graphicEl>
+                                              <a:dgm id="{80AC113A-BA98-4C55-B19D-877C8D92AF9D}"/>
+                                            </p:graphicEl>
+                                          </p:spTgt>
+                                        </p:tgtEl>
+                                        <p:attrNameLst>
+                                          <p:attrName>style.visibility</p:attrName>
+                                        </p:attrNameLst>
+                                      </p:cBhvr>
+                                      <p:to>
+                                        <p:strVal val="visible"/>
+                                      </p:to>
+                                    </p:set>
+                                    <p:anim calcmode="lin" valueType="num">
+                                      <p:cBhvr additive="base">
+                                        <p:cTn id="55" dur="500"/>
+                                        <p:tgtEl>
+                                          <p:spTgt spid="6">
+                                            <p:graphicEl>
+                                              <a:dgm id="{80AC113A-BA98-4C55-B19D-877C8D92AF9D}"/>
+                                            </p:graphicEl>
+                                          </p:spTgt>
+                                        </p:tgtEl>
+                                        <p:attrNameLst>
+                                          <p:attrName>ppt_y</p:attrName>
+                                        </p:attrNameLst>
+                                      </p:cBhvr>
+                                      <p:tavLst>
+                                        <p:tav tm="0">
+                                          <p:val>
+                                            <p:strVal val="#ppt_y+#ppt_h*1.125000"/>
+                                          </p:val>
+                                        </p:tav>
+                                        <p:tav tm="100000">
+                                          <p:val>
+                                            <p:strVal val="#ppt_y"/>
+                                          </p:val>
+                                        </p:tav>
+                                      </p:tavLst>
+                                    </p:anim>
+                                    <p:animEffect transition="in" filter="wipe(up)">
+                                      <p:cBhvr>
+                                        <p:cTn id="56" dur="500"/>
+                                        <p:tgtEl>
+                                          <p:spTgt spid="6">
+                                            <p:graphicEl>
+                                              <a:dgm id="{80AC113A-BA98-4C55-B19D-877C8D92AF9D}"/>
+                                            </p:graphicEl>
+                                          </p:spTgt>
+                                        </p:tgtEl>
+                                      </p:cBhvr>
+                                    </p:animEffect>
+                                  </p:childTnLst>
+                                </p:cTn>
+                              </p:par>
+                            </p:childTnLst>
+                          </p:cTn>
+                        </p:par>
+                      </p:childTnLst>
+                    </p:cTn>
+                  </p:par>
+                  <p:par>
+                    <p:cTn id="57" fill="hold">
+                      <p:stCondLst>
+                        <p:cond delay="indefinite"/>
+                      </p:stCondLst>
+                      <p:childTnLst>
+                        <p:par>
+                          <p:cTn id="58" fill="hold">
+                            <p:stCondLst>
+                              <p:cond delay="0"/>
+                            </p:stCondLst>
+                            <p:childTnLst>
+                              <p:par>
+                                <p:cTn id="59" presetID="12" presetClass="entr" presetSubtype="4" fill="hold" grpId="0" nodeType="clickEffect">
+                                  <p:stCondLst>
+                                    <p:cond delay="0"/>
+                                  </p:stCondLst>
+                                  <p:childTnLst>
+                                    <p:set>
+                                      <p:cBhvr>
+                                        <p:cTn id="60" dur="1" fill="hold">
+                                          <p:stCondLst>
+                                            <p:cond delay="0"/>
+                                          </p:stCondLst>
+                                        </p:cTn>
+                                        <p:tgtEl>
+                                          <p:spTgt spid="6">
+                                            <p:graphicEl>
+                                              <a:dgm id="{BF8DED3A-AFDB-49B9-9884-8CDD5DEEC40E}"/>
+                                            </p:graphicEl>
+                                          </p:spTgt>
+                                        </p:tgtEl>
+                                        <p:attrNameLst>
+                                          <p:attrName>style.visibility</p:attrName>
+                                        </p:attrNameLst>
+                                      </p:cBhvr>
+                                      <p:to>
+                                        <p:strVal val="visible"/>
+                                      </p:to>
+                                    </p:set>
+                                    <p:anim calcmode="lin" valueType="num">
+                                      <p:cBhvr additive="base">
+                                        <p:cTn id="61" dur="500"/>
+                                        <p:tgtEl>
+                                          <p:spTgt spid="6">
+                                            <p:graphicEl>
+                                              <a:dgm id="{BF8DED3A-AFDB-49B9-9884-8CDD5DEEC40E}"/>
+                                            </p:graphicEl>
+                                          </p:spTgt>
+                                        </p:tgtEl>
+                                        <p:attrNameLst>
+                                          <p:attrName>ppt_y</p:attrName>
+                                        </p:attrNameLst>
+                                      </p:cBhvr>
+                                      <p:tavLst>
+                                        <p:tav tm="0">
+                                          <p:val>
+                                            <p:strVal val="#ppt_y+#ppt_h*1.125000"/>
+                                          </p:val>
+                                        </p:tav>
+                                        <p:tav tm="100000">
+                                          <p:val>
+                                            <p:strVal val="#ppt_y"/>
+                                          </p:val>
+                                        </p:tav>
+                                      </p:tavLst>
+                                    </p:anim>
+                                    <p:animEffect transition="in" filter="wipe(up)">
+                                      <p:cBhvr>
+                                        <p:cTn id="62" dur="500"/>
+                                        <p:tgtEl>
+                                          <p:spTgt spid="6">
+                                            <p:graphicEl>
+                                              <a:dgm id="{BF8DED3A-AFDB-49B9-9884-8CDD5DEEC40E}"/>
+                                            </p:graphicEl>
+                                          </p:spTgt>
+                                        </p:tgtEl>
+                                      </p:cBhvr>
+                                    </p:animEffect>
+                                  </p:childTnLst>
+                                </p:cTn>
+                              </p:par>
+                            </p:childTnLst>
+                          </p:cTn>
+                        </p:par>
+                      </p:childTnLst>
+                    </p:cTn>
+                  </p:par>
+                  <p:par>
+                    <p:cTn id="63" fill="hold">
+                      <p:stCondLst>
+                        <p:cond delay="indefinite"/>
+                      </p:stCondLst>
+                      <p:childTnLst>
+                        <p:par>
+                          <p:cTn id="64" fill="hold">
+                            <p:stCondLst>
+                              <p:cond delay="0"/>
+                            </p:stCondLst>
+                            <p:childTnLst>
+                              <p:par>
+                                <p:cTn id="65" presetID="12" presetClass="entr" presetSubtype="4" fill="hold" grpId="0" nodeType="clickEffect">
+                                  <p:stCondLst>
+                                    <p:cond delay="0"/>
+                                  </p:stCondLst>
+                                  <p:childTnLst>
+                                    <p:set>
+                                      <p:cBhvr>
+                                        <p:cTn id="66" dur="1" fill="hold">
+                                          <p:stCondLst>
+                                            <p:cond delay="0"/>
+                                          </p:stCondLst>
+                                        </p:cTn>
+                                        <p:tgtEl>
+                                          <p:spTgt spid="6">
+                                            <p:graphicEl>
+                                              <a:dgm id="{3E179B20-4AF1-4FFE-8C7A-0F4A3A1EACCB}"/>
+                                            </p:graphicEl>
+                                          </p:spTgt>
+                                        </p:tgtEl>
+                                        <p:attrNameLst>
+                                          <p:attrName>style.visibility</p:attrName>
+                                        </p:attrNameLst>
+                                      </p:cBhvr>
+                                      <p:to>
+                                        <p:strVal val="visible"/>
+                                      </p:to>
+                                    </p:set>
+                                    <p:anim calcmode="lin" valueType="num">
+                                      <p:cBhvr additive="base">
+                                        <p:cTn id="67" dur="500"/>
+                                        <p:tgtEl>
+                                          <p:spTgt spid="6">
+                                            <p:graphicEl>
+                                              <a:dgm id="{3E179B20-4AF1-4FFE-8C7A-0F4A3A1EACCB}"/>
+                                            </p:graphicEl>
+                                          </p:spTgt>
+                                        </p:tgtEl>
+                                        <p:attrNameLst>
+                                          <p:attrName>ppt_y</p:attrName>
+                                        </p:attrNameLst>
+                                      </p:cBhvr>
+                                      <p:tavLst>
+                                        <p:tav tm="0">
+                                          <p:val>
+                                            <p:strVal val="#ppt_y+#ppt_h*1.125000"/>
+                                          </p:val>
+                                        </p:tav>
+                                        <p:tav tm="100000">
+                                          <p:val>
+                                            <p:strVal val="#ppt_y"/>
+                                          </p:val>
+                                        </p:tav>
+                                      </p:tavLst>
+                                    </p:anim>
+                                    <p:animEffect transition="in" filter="wipe(up)">
+                                      <p:cBhvr>
+                                        <p:cTn id="68" dur="500"/>
+                                        <p:tgtEl>
+                                          <p:spTgt spid="6">
+                                            <p:graphicEl>
+                                              <a:dgm id="{3E179B20-4AF1-4FFE-8C7A-0F4A3A1EACCB}"/>
+                                            </p:graphicEl>
+                                          </p:spTgt>
+                                        </p:tgtEl>
+                                      </p:cBhvr>
+                                    </p:animEffect>
+                                  </p:childTnLst>
+                                </p:cTn>
+                              </p:par>
+                            </p:childTnLst>
+                          </p:cTn>
+                        </p:par>
+                      </p:childTnLst>
+                    </p:cTn>
+                  </p:par>
+                  <p:par>
+                    <p:cTn id="69" fill="hold">
+                      <p:stCondLst>
+                        <p:cond delay="indefinite"/>
+                      </p:stCondLst>
+                      <p:childTnLst>
+                        <p:par>
+                          <p:cTn id="70" fill="hold">
+                            <p:stCondLst>
+                              <p:cond delay="0"/>
+                            </p:stCondLst>
+                            <p:childTnLst>
+                              <p:par>
+                                <p:cTn id="71" presetID="12" presetClass="entr" presetSubtype="4" fill="hold" grpId="0" nodeType="clickEffect">
+                                  <p:stCondLst>
+                                    <p:cond delay="0"/>
+                                  </p:stCondLst>
+                                  <p:childTnLst>
+                                    <p:set>
+                                      <p:cBhvr>
+                                        <p:cTn id="72" dur="1" fill="hold">
+                                          <p:stCondLst>
+                                            <p:cond delay="0"/>
+                                          </p:stCondLst>
+                                        </p:cTn>
+                                        <p:tgtEl>
+                                          <p:spTgt spid="6">
+                                            <p:graphicEl>
+                                              <a:dgm id="{CD45B8C6-ED5B-4E20-BA5D-E1E72348CE23}"/>
+                                            </p:graphicEl>
+                                          </p:spTgt>
+                                        </p:tgtEl>
+                                        <p:attrNameLst>
+                                          <p:attrName>style.visibility</p:attrName>
+                                        </p:attrNameLst>
+                                      </p:cBhvr>
+                                      <p:to>
+                                        <p:strVal val="visible"/>
+                                      </p:to>
+                                    </p:set>
+                                    <p:anim calcmode="lin" valueType="num">
+                                      <p:cBhvr additive="base">
+                                        <p:cTn id="73" dur="500"/>
+                                        <p:tgtEl>
+                                          <p:spTgt spid="6">
+                                            <p:graphicEl>
+                                              <a:dgm id="{CD45B8C6-ED5B-4E20-BA5D-E1E72348CE23}"/>
+                                            </p:graphicEl>
+                                          </p:spTgt>
+                                        </p:tgtEl>
+                                        <p:attrNameLst>
+                                          <p:attrName>ppt_y</p:attrName>
+                                        </p:attrNameLst>
+                                      </p:cBhvr>
+                                      <p:tavLst>
+                                        <p:tav tm="0">
+                                          <p:val>
+                                            <p:strVal val="#ppt_y+#ppt_h*1.125000"/>
+                                          </p:val>
+                                        </p:tav>
+                                        <p:tav tm="100000">
+                                          <p:val>
+                                            <p:strVal val="#ppt_y"/>
+                                          </p:val>
+                                        </p:tav>
+                                      </p:tavLst>
+                                    </p:anim>
+                                    <p:animEffect transition="in" filter="wipe(up)">
+                                      <p:cBhvr>
+                                        <p:cTn id="74" dur="500"/>
+                                        <p:tgtEl>
+                                          <p:spTgt spid="6">
+                                            <p:graphicEl>
+                                              <a:dgm id="{CD45B8C6-ED5B-4E20-BA5D-E1E72348CE23}"/>
+                                            </p:graphicEl>
+                                          </p:spTgt>
+                                        </p:tgtEl>
+                                      </p:cBhvr>
+                                    </p:animEffect>
+                                  </p:childTnLst>
+                                </p:cTn>
+                              </p:par>
+                            </p:childTnLst>
+                          </p:cTn>
+                        </p:par>
+                      </p:childTnLst>
+                    </p:cTn>
+                  </p:par>
+                </p:childTnLst>
+              </p:cTn>
+              <p:prevCondLst>
+                <p:cond evt="onPrev" delay="0">
+                  <p:tgtEl>
+                    <p:sldTgt/>
+                  </p:tgtEl>
+                </p:cond>
+              </p:prevCondLst>
+              <p:nextCondLst>
+                <p:cond evt="onNext" delay="0">
+                  <p:tgtEl>
+                    <p:sldTgt/>
+                  </p:tgtEl>
+                </p:cond>
+              </p:nextCondLst>
+            </p:seq>
+          </p:childTnLst>
+        </p:cTn>
+      </p:par>
+    </p:tnLst>
+    <p:bldLst>
+      <p:bldGraphic spid="6" grpId="0" uiExpand="1">
+        <p:bldSub>
+          <a:bldDgm bld="one"/>
+        </p:bldSub>
+      </p:bldGraphic>
+    </p:bldLst>
+  </p:timing>
+</p:sld>
+</file>
+
+<file path=ppt/slides/slide19.xml><?xml version="1.0" encoding="utf-8"?>
+<p:sld xmlns:a="http://schemas.openxmlformats.org/drawingml/2006/main" xmlns:r="http://schemas.openxmlformats.org/officeDocument/2006/relationships" xmlns:p="http://schemas.openxmlformats.org/presentationml/2006/main">
+  <p:cSld>
+    <p:spTree>
+      <p:nvGrpSpPr>
+        <p:cNvPr id="1" name=""/>
+        <p:cNvGrpSpPr/>
+        <p:nvPr/>
+      </p:nvGrpSpPr>
+      <p:grpSpPr>
+        <a:xfrm>
+          <a:off x="0" y="0"/>
+          <a:ext cx="0" cy="0"/>
+          <a:chOff x="0" y="0"/>
+          <a:chExt cx="0" cy="0"/>
+        </a:xfrm>
+      </p:grpSpPr>
+      <p:sp>
+        <p:nvSpPr>
+          <p:cNvPr id="2" name="Title 1"/>
+          <p:cNvSpPr>
+            <a:spLocks noGrp="1"/>
+          </p:cNvSpPr>
+          <p:nvPr>
+            <p:ph type="title"/>
+          </p:nvPr>
+        </p:nvSpPr>
+        <p:spPr/>
+        <p:txBody>
+          <a:bodyPr/>
+          <a:lstStyle/>
+          <a:p>
+            <a:r>
+              <a:rPr lang="id-ID" dirty="0" smtClean="0"/>
+              <a:t>Penilaian</a:t>
+            </a:r>
+            <a:endParaRPr lang="id-ID" dirty="0"/>
+          </a:p>
+        </p:txBody>
+      </p:sp>
+      <p:sp>
+        <p:nvSpPr>
+          <p:cNvPr id="4" name="Footer Placeholder 3"/>
+          <p:cNvSpPr>
+            <a:spLocks noGrp="1"/>
+          </p:cNvSpPr>
+          <p:nvPr>
+            <p:ph type="ftr" sz="quarter" idx="11"/>
+          </p:nvPr>
+        </p:nvSpPr>
+        <p:spPr/>
+        <p:txBody>
+          <a:bodyPr/>
+          <a:lstStyle/>
+          <a:p>
+            <a:r>
+              <a:rPr lang="en-US" smtClean="0"/>
+              <a:t>Design Pattern - Pengantar Design Pattern</a:t>
+            </a:r>
+            <a:endParaRPr lang="en-US" dirty="0"/>
+          </a:p>
+        </p:txBody>
+      </p:sp>
+      <p:sp>
+        <p:nvSpPr>
+          <p:cNvPr id="5" name="Slide Number Placeholder 4"/>
+          <p:cNvSpPr>
+            <a:spLocks noGrp="1"/>
+          </p:cNvSpPr>
+          <p:nvPr>
+            <p:ph type="sldNum" sz="quarter" idx="12"/>
+          </p:nvPr>
+        </p:nvSpPr>
+        <p:spPr/>
+        <p:txBody>
+          <a:bodyPr/>
+          <a:lstStyle/>
+          <a:p>
+            <a:fld id="{48F63A3B-78C7-47BE-AE5E-E10140E04643}" type="slidenum">
+              <a:rPr lang="en-US" smtClean="0"/>
+              <a:t>19</a:t>
+            </a:fld>
+            <a:endParaRPr lang="en-US" dirty="0"/>
+          </a:p>
+        </p:txBody>
+      </p:sp>
+      <p:graphicFrame>
+        <p:nvGraphicFramePr>
+          <p:cNvPr id="9" name="Content Placeholder 8"/>
+          <p:cNvGraphicFramePr>
+            <a:graphicFrameLocks noGrp="1"/>
+          </p:cNvGraphicFramePr>
+          <p:nvPr>
+            <p:ph idx="1"/>
+            <p:extLst>
+              <p:ext uri="{D42A27DB-BD31-4B8C-83A1-F6EECF244321}">
+                <p14:modId xmlns:p14="http://schemas.microsoft.com/office/powerpoint/2010/main" val="4264324958"/>
+              </p:ext>
+            </p:extLst>
+          </p:nvPr>
+        </p:nvGraphicFramePr>
+        <p:xfrm>
+          <a:off x="1023938" y="1665028"/>
+          <a:ext cx="9720262" cy="4643698"/>
+        </p:xfrm>
+        <a:graphic>
+          <a:graphicData uri="http://schemas.openxmlformats.org/drawingml/2006/chart">
+            <c:chart xmlns:c="http://schemas.openxmlformats.org/drawingml/2006/chart" xmlns:r="http://schemas.openxmlformats.org/officeDocument/2006/relationships" r:id="rId2"/>
+          </a:graphicData>
+        </a:graphic>
+      </p:graphicFrame>
+    </p:spTree>
+    <p:extLst>
+      <p:ext uri="{BB962C8B-B14F-4D97-AF65-F5344CB8AC3E}">
+        <p14:creationId xmlns:p14="http://schemas.microsoft.com/office/powerpoint/2010/main" val="146957262"/>
+      </p:ext>
+    </p:extLst>
+  </p:cSld>
+  <p:clrMapOvr>
+    <a:masterClrMapping/>
+  </p:clrMapOvr>
+  <p:timing>
+    <p:tnLst>
+      <p:par>
+        <p:cTn id="1" dur="indefinite" restart="never" nodeType="tmRoot"/>
+      </p:par>
+    </p:tnLst>
+  </p:timing>
+</p:sld>
+</file>
+
+<file path=ppt/slides/slide2.xml><?xml version="1.0" encoding="utf-8"?>
+<p:sld xmlns:a="http://schemas.openxmlformats.org/drawingml/2006/main" xmlns:r="http://schemas.openxmlformats.org/officeDocument/2006/relationships" xmlns:p="http://schemas.openxmlformats.org/presentationml/2006/main">
+  <p:cSld>
+    <p:spTree>
+      <p:nvGrpSpPr>
+        <p:cNvPr id="1" name=""/>
+        <p:cNvGrpSpPr/>
+        <p:nvPr/>
+      </p:nvGrpSpPr>
+      <p:grpSpPr>
+        <a:xfrm>
+          <a:off x="0" y="0"/>
+          <a:ext cx="0" cy="0"/>
+          <a:chOff x="0" y="0"/>
+          <a:chExt cx="0" cy="0"/>
+        </a:xfrm>
+      </p:grpSpPr>
+      <p:sp>
+        <p:nvSpPr>
+          <p:cNvPr id="2" name="Title 1"/>
+          <p:cNvSpPr>
+            <a:spLocks noGrp="1"/>
+          </p:cNvSpPr>
+          <p:nvPr>
+            <p:ph type="title"/>
+          </p:nvPr>
+        </p:nvSpPr>
+        <p:spPr/>
+        <p:txBody>
+          <a:bodyPr/>
+          <a:lstStyle/>
+          <a:p>
+            <a:endParaRPr lang="id-ID"/>
+          </a:p>
+        </p:txBody>
+      </p:sp>
+      <p:sp>
+        <p:nvSpPr>
+          <p:cNvPr id="3" name="Content Placeholder 2"/>
+          <p:cNvSpPr>
+            <a:spLocks noGrp="1"/>
+          </p:cNvSpPr>
+          <p:nvPr>
+            <p:ph idx="1"/>
+          </p:nvPr>
+        </p:nvSpPr>
+        <p:spPr/>
+        <p:txBody>
+          <a:bodyPr/>
+          <a:lstStyle/>
+          <a:p>
+            <a:endParaRPr lang="id-ID"/>
+          </a:p>
+        </p:txBody>
+      </p:sp>
+      <p:sp>
+        <p:nvSpPr>
+          <p:cNvPr id="4" name="Footer Placeholder 3"/>
+          <p:cNvSpPr>
+            <a:spLocks noGrp="1"/>
+          </p:cNvSpPr>
+          <p:nvPr>
+            <p:ph type="ftr" sz="quarter" idx="11"/>
+          </p:nvPr>
+        </p:nvSpPr>
+        <p:spPr/>
+        <p:txBody>
+          <a:bodyPr/>
+          <a:lstStyle/>
+          <a:p>
+            <a:r>
+              <a:rPr lang="en-US" smtClean="0"/>
+              <a:t>Design Pattern - Pengantar Design Pattern</a:t>
+            </a:r>
+            <a:endParaRPr lang="en-US" dirty="0"/>
+          </a:p>
+        </p:txBody>
+      </p:sp>
+      <p:sp>
+        <p:nvSpPr>
+          <p:cNvPr id="5" name="Slide Number Placeholder 4"/>
+          <p:cNvSpPr>
+            <a:spLocks noGrp="1"/>
+          </p:cNvSpPr>
+          <p:nvPr>
+            <p:ph type="sldNum" sz="quarter" idx="12"/>
+          </p:nvPr>
+        </p:nvSpPr>
+        <p:spPr/>
+        <p:txBody>
+          <a:bodyPr/>
+          <a:lstStyle/>
+          <a:p>
+            <a:fld id="{48F63A3B-78C7-47BE-AE5E-E10140E04643}" type="slidenum">
+              <a:rPr lang="en-US" smtClean="0"/>
+              <a:t>2</a:t>
+            </a:fld>
+            <a:endParaRPr lang="en-US" dirty="0"/>
+          </a:p>
+        </p:txBody>
+      </p:sp>
+    </p:spTree>
+    <p:extLst>
+      <p:ext uri="{BB962C8B-B14F-4D97-AF65-F5344CB8AC3E}">
+        <p14:creationId xmlns:p14="http://schemas.microsoft.com/office/powerpoint/2010/main" val="3025478062"/>
+      </p:ext>
+    </p:extLst>
+  </p:cSld>
+  <p:clrMapOvr>
+    <a:masterClrMapping/>
+  </p:clrMapOvr>
+  <p:timing>
+    <p:tnLst>
+      <p:par>
+        <p:cTn id="1" dur="indefinite" restart="never" nodeType="tmRoot"/>
+      </p:par>
+    </p:tnLst>
+  </p:timing>
+</p:sld>
+</file>
+
+<file path=ppt/slides/slide20.xml><?xml version="1.0" encoding="utf-8"?>
+<p:sld xmlns:a="http://schemas.openxmlformats.org/drawingml/2006/main" xmlns:r="http://schemas.openxmlformats.org/officeDocument/2006/relationships" xmlns:p="http://schemas.openxmlformats.org/presentationml/2006/main">
+  <p:cSld>
+    <p:spTree>
+      <p:nvGrpSpPr>
+        <p:cNvPr id="1" name=""/>
+        <p:cNvGrpSpPr/>
+        <p:nvPr/>
+      </p:nvGrpSpPr>
+      <p:grpSpPr>
+        <a:xfrm>
+          <a:off x="0" y="0"/>
+          <a:ext cx="0" cy="0"/>
+          <a:chOff x="0" y="0"/>
+          <a:chExt cx="0" cy="0"/>
+        </a:xfrm>
+      </p:grpSpPr>
+      <p:sp>
+        <p:nvSpPr>
+          <p:cNvPr id="2" name="Title 1"/>
+          <p:cNvSpPr>
+            <a:spLocks noGrp="1"/>
+          </p:cNvSpPr>
+          <p:nvPr>
+            <p:ph type="title"/>
+          </p:nvPr>
+        </p:nvSpPr>
+        <p:spPr/>
+        <p:txBody>
+          <a:bodyPr/>
+          <a:lstStyle/>
+          <a:p>
+            <a:r>
+              <a:rPr lang="id-ID" dirty="0" smtClean="0"/>
+              <a:t>Repositori Materi</a:t>
+            </a:r>
+            <a:endParaRPr lang="id-ID" dirty="0"/>
+          </a:p>
+        </p:txBody>
+      </p:sp>
+      <p:sp>
+        <p:nvSpPr>
+          <p:cNvPr id="3" name="Content Placeholder 2"/>
+          <p:cNvSpPr>
+            <a:spLocks noGrp="1"/>
+          </p:cNvSpPr>
+          <p:nvPr>
+            <p:ph idx="1"/>
+          </p:nvPr>
+        </p:nvSpPr>
+        <p:spPr/>
+        <p:txBody>
+          <a:bodyPr/>
+          <a:lstStyle/>
+          <a:p>
+            <a:r>
+              <a:rPr lang="id-ID" dirty="0" smtClean="0"/>
+              <a:t>Materi perkuliahan, ebook, PPT, dan dokumen lainnya terkait perkuliahan ini dapat diakses secara online di repositori </a:t>
+            </a:r>
+            <a:r>
+              <a:rPr lang="id-ID" dirty="0" smtClean="0">
+                <a:hlinkClick r:id="rId2"/>
+              </a:rPr>
+              <a:t>http://github.com/ksatria/MK-Design-Pattern</a:t>
+            </a:r>
+            <a:r>
+              <a:rPr lang="id-ID" dirty="0" smtClean="0"/>
+              <a:t> </a:t>
+            </a:r>
+          </a:p>
+          <a:p>
+            <a:r>
+              <a:rPr lang="id-ID" dirty="0" smtClean="0"/>
+              <a:t>Setiap mahasiswa diharapkan melakukan </a:t>
+            </a:r>
+            <a:r>
+              <a:rPr lang="id-ID" i="1" dirty="0" smtClean="0"/>
+              <a:t>forking</a:t>
+            </a:r>
+            <a:r>
+              <a:rPr lang="id-ID" dirty="0" smtClean="0"/>
+              <a:t> terhadap repositori tersebut agar tetap update dengan perkembangan materi</a:t>
+            </a:r>
+          </a:p>
+          <a:p>
+            <a:r>
+              <a:rPr lang="id-ID" smtClean="0"/>
+              <a:t>Pengumpulan tugas juga akan dilakukan melalui repositori tersebut</a:t>
+            </a:r>
+          </a:p>
+        </p:txBody>
+      </p:sp>
+      <p:sp>
+        <p:nvSpPr>
+          <p:cNvPr id="4" name="Footer Placeholder 3"/>
+          <p:cNvSpPr>
+            <a:spLocks noGrp="1"/>
+          </p:cNvSpPr>
+          <p:nvPr>
+            <p:ph type="ftr" sz="quarter" idx="11"/>
+          </p:nvPr>
+        </p:nvSpPr>
+        <p:spPr/>
+        <p:txBody>
+          <a:bodyPr/>
+          <a:lstStyle/>
+          <a:p>
+            <a:r>
+              <a:rPr lang="en-US" smtClean="0"/>
+              <a:t>Design Pattern - Pengantar Design Pattern</a:t>
+            </a:r>
+            <a:endParaRPr lang="en-US" dirty="0"/>
+          </a:p>
+        </p:txBody>
+      </p:sp>
+      <p:sp>
+        <p:nvSpPr>
+          <p:cNvPr id="5" name="Slide Number Placeholder 4"/>
+          <p:cNvSpPr>
+            <a:spLocks noGrp="1"/>
+          </p:cNvSpPr>
+          <p:nvPr>
+            <p:ph type="sldNum" sz="quarter" idx="12"/>
+          </p:nvPr>
+        </p:nvSpPr>
+        <p:spPr/>
+        <p:txBody>
+          <a:bodyPr/>
+          <a:lstStyle/>
+          <a:p>
+            <a:fld id="{48F63A3B-78C7-47BE-AE5E-E10140E04643}" type="slidenum">
+              <a:rPr lang="en-US" smtClean="0"/>
+              <a:t>20</a:t>
+            </a:fld>
+            <a:endParaRPr lang="en-US" dirty="0"/>
+          </a:p>
+        </p:txBody>
+      </p:sp>
+    </p:spTree>
+    <p:extLst>
+      <p:ext uri="{BB962C8B-B14F-4D97-AF65-F5344CB8AC3E}">
+        <p14:creationId xmlns:p14="http://schemas.microsoft.com/office/powerpoint/2010/main" val="508439716"/>
+      </p:ext>
+    </p:extLst>
+  </p:cSld>
+  <p:clrMapOvr>
+    <a:masterClrMapping/>
+  </p:clrMapOvr>
+  <p:timing>
+    <p:tnLst>
+      <p:par>
+        <p:cTn id="1" dur="indefinite" restart="never" nodeType="tmRoot"/>
+      </p:par>
+    </p:tnLst>
+  </p:timing>
+</p:sld>
+</file>
+
+<file path=ppt/slides/slide3.xml><?xml version="1.0" encoding="utf-8"?>
+<p:sld xmlns:a="http://schemas.openxmlformats.org/drawingml/2006/main" xmlns:r="http://schemas.openxmlformats.org/officeDocument/2006/relationships" xmlns:p="http://schemas.openxmlformats.org/presentationml/2006/main">
+  <p:cSld>
+    <p:spTree>
+      <p:nvGrpSpPr>
+        <p:cNvPr id="1" name=""/>
+        <p:cNvGrpSpPr/>
+        <p:nvPr/>
+      </p:nvGrpSpPr>
+      <p:grpSpPr>
+        <a:xfrm>
+          <a:off x="0" y="0"/>
+          <a:ext cx="0" cy="0"/>
+          <a:chOff x="0" y="0"/>
+          <a:chExt cx="0" cy="0"/>
+        </a:xfrm>
+      </p:grpSpPr>
+      <p:sp>
+        <p:nvSpPr>
+          <p:cNvPr id="2" name="Footer Placeholder 1"/>
+          <p:cNvSpPr>
+            <a:spLocks noGrp="1"/>
+          </p:cNvSpPr>
+          <p:nvPr>
+            <p:ph type="ftr" sz="quarter" idx="11"/>
+          </p:nvPr>
+        </p:nvSpPr>
+        <p:spPr/>
+        <p:txBody>
+          <a:bodyPr/>
+          <a:lstStyle/>
+          <a:p>
+            <a:r>
+              <a:rPr lang="en-US" smtClean="0"/>
+              <a:t>Design Pattern - Pengantar Design Pattern</a:t>
+            </a:r>
+            <a:endParaRPr lang="en-US" dirty="0"/>
+          </a:p>
+        </p:txBody>
+      </p:sp>
+      <p:sp>
+        <p:nvSpPr>
+          <p:cNvPr id="3" name="Slide Number Placeholder 2"/>
+          <p:cNvSpPr>
+            <a:spLocks noGrp="1"/>
+          </p:cNvSpPr>
+          <p:nvPr>
+            <p:ph type="sldNum" sz="quarter" idx="12"/>
+          </p:nvPr>
+        </p:nvSpPr>
+        <p:spPr/>
+        <p:txBody>
+          <a:bodyPr/>
+          <a:lstStyle/>
+          <a:p>
+            <a:fld id="{48F63A3B-78C7-47BE-AE5E-E10140E04643}" type="slidenum">
+              <a:rPr lang="en-US" smtClean="0"/>
+              <a:t>3</a:t>
+            </a:fld>
+            <a:endParaRPr lang="en-US" dirty="0"/>
+          </a:p>
+        </p:txBody>
+      </p:sp>
+      <p:sp>
+        <p:nvSpPr>
+          <p:cNvPr id="4" name="Rectangle 3"/>
+          <p:cNvSpPr/>
+          <p:nvPr/>
+        </p:nvSpPr>
+        <p:spPr>
+          <a:xfrm>
+            <a:off x="4126842" y="2967335"/>
+            <a:ext cx="3938322" cy="923330"/>
+          </a:xfrm>
+          <a:prstGeom prst="rect">
+            <a:avLst/>
+          </a:prstGeom>
+          <a:noFill/>
+        </p:spPr>
+        <p:txBody>
+          <a:bodyPr wrap="none" lIns="91440" tIns="45720" rIns="91440" bIns="45720">
+            <a:spAutoFit/>
+          </a:bodyPr>
+          <a:lstStyle/>
+          <a:p>
+            <a:pPr algn="ctr"/>
+            <a:r>
+              <a:rPr lang="id-ID" sz="5400" b="1" spc="50" dirty="0" smtClean="0">
+                <a:ln w="9525" cmpd="sng">
+                  <a:solidFill>
+                    <a:schemeClr val="accent1"/>
+                  </a:solidFill>
+                  <a:prstDash val="solid"/>
+                </a:ln>
+                <a:solidFill>
+                  <a:srgbClr val="70AD47">
+                    <a:tint val="1000"/>
+                  </a:srgbClr>
+                </a:solidFill>
+                <a:effectLst>
+                  <a:glow rad="38100">
+                    <a:schemeClr val="accent1">
+                      <a:alpha val="40000"/>
+                    </a:schemeClr>
+                  </a:glow>
+                </a:effectLst>
+              </a:rPr>
+              <a:t>What is this?</a:t>
+            </a:r>
+            <a:endParaRPr lang="en-US" sz="5400" b="1" spc="50" dirty="0">
+              <a:ln w="9525" cmpd="sng">
+                <a:solidFill>
+                  <a:schemeClr val="accent1"/>
+                </a:solidFill>
+                <a:prstDash val="solid"/>
+              </a:ln>
+              <a:solidFill>
+                <a:srgbClr val="70AD47">
+                  <a:tint val="1000"/>
+                </a:srgbClr>
+              </a:solidFill>
+              <a:effectLst>
+                <a:glow rad="38100">
+                  <a:schemeClr val="accent1">
+                    <a:alpha val="40000"/>
+                  </a:schemeClr>
+                </a:glow>
+              </a:effectLst>
+            </a:endParaRPr>
+          </a:p>
+        </p:txBody>
+      </p:sp>
+    </p:spTree>
+    <p:extLst>
+      <p:ext uri="{BB962C8B-B14F-4D97-AF65-F5344CB8AC3E}">
+        <p14:creationId xmlns:p14="http://schemas.microsoft.com/office/powerpoint/2010/main" val="397612737"/>
+      </p:ext>
+    </p:extLst>
+  </p:cSld>
+  <p:clrMapOvr>
+    <a:masterClrMapping/>
+  </p:clrMapOvr>
+  <p:timing>
+    <p:tnLst>
+      <p:par>
+        <p:cTn id="1" dur="indefinite" restart="never" nodeType="tmRoot"/>
+      </p:par>
+    </p:tnLst>
+  </p:timing>
+</p:sld>
+</file>
+
+<file path=ppt/slides/slide4.xml><?xml version="1.0" encoding="utf-8"?>
+<p:sld xmlns:a="http://schemas.openxmlformats.org/drawingml/2006/main" xmlns:r="http://schemas.openxmlformats.org/officeDocument/2006/relationships" xmlns:p="http://schemas.openxmlformats.org/presentationml/2006/main">
+  <p:cSld>
+    <p:spTree>
+      <p:nvGrpSpPr>
+        <p:cNvPr id="1" name=""/>
+        <p:cNvGrpSpPr/>
+        <p:nvPr/>
+      </p:nvGrpSpPr>
+      <p:grpSpPr>
+        <a:xfrm>
+          <a:off x="0" y="0"/>
+          <a:ext cx="0" cy="0"/>
+          <a:chOff x="0" y="0"/>
+          <a:chExt cx="0" cy="0"/>
+        </a:xfrm>
+      </p:grpSpPr>
+      <p:sp>
+        <p:nvSpPr>
+          <p:cNvPr id="2" name="Footer Placeholder 1"/>
+          <p:cNvSpPr>
+            <a:spLocks noGrp="1"/>
+          </p:cNvSpPr>
+          <p:nvPr>
+            <p:ph type="ftr" sz="quarter" idx="11"/>
+          </p:nvPr>
+        </p:nvSpPr>
+        <p:spPr/>
+        <p:txBody>
+          <a:bodyPr/>
+          <a:lstStyle/>
+          <a:p>
+            <a:r>
+              <a:rPr lang="en-US" smtClean="0"/>
+              <a:t>Design Pattern - Pengantar Design Pattern</a:t>
+            </a:r>
+            <a:endParaRPr lang="en-US" dirty="0"/>
+          </a:p>
+        </p:txBody>
+      </p:sp>
+      <p:sp>
+        <p:nvSpPr>
+          <p:cNvPr id="3" name="Slide Number Placeholder 2"/>
+          <p:cNvSpPr>
+            <a:spLocks noGrp="1"/>
+          </p:cNvSpPr>
+          <p:nvPr>
+            <p:ph type="sldNum" sz="quarter" idx="12"/>
+          </p:nvPr>
+        </p:nvSpPr>
+        <p:spPr/>
+        <p:txBody>
+          <a:bodyPr/>
+          <a:lstStyle/>
+          <a:p>
+            <a:fld id="{48F63A3B-78C7-47BE-AE5E-E10140E04643}" type="slidenum">
+              <a:rPr lang="en-US" smtClean="0"/>
+              <a:t>4</a:t>
+            </a:fld>
+            <a:endParaRPr lang="en-US" dirty="0"/>
+          </a:p>
+        </p:txBody>
+      </p:sp>
+      <p:pic>
+        <p:nvPicPr>
+          <p:cNvPr id="4" name="Picture 3"/>
+          <p:cNvPicPr>
+            <a:picLocks noChangeAspect="1"/>
+          </p:cNvPicPr>
+          <p:nvPr/>
+        </p:nvPicPr>
+        <p:blipFill>
+          <a:blip r:embed="rId2">
+            <a:extLst>
+              <a:ext uri="{28A0092B-C50C-407E-A947-70E740481C1C}">
+                <a14:useLocalDpi xmlns:a14="http://schemas.microsoft.com/office/drawing/2010/main" val="0"/>
+              </a:ext>
+            </a:extLst>
+          </a:blip>
+          <a:stretch>
+            <a:fillRect/>
+          </a:stretch>
+        </p:blipFill>
+        <p:spPr>
+          <a:xfrm>
+            <a:off x="3317230" y="313063"/>
+            <a:ext cx="3593912" cy="2695434"/>
+          </a:xfrm>
+          <a:prstGeom prst="rect">
+            <a:avLst/>
+          </a:prstGeom>
+        </p:spPr>
+      </p:pic>
+      <p:pic>
+        <p:nvPicPr>
+          <p:cNvPr id="5" name="Picture 4"/>
+          <p:cNvPicPr>
+            <a:picLocks noChangeAspect="1"/>
+          </p:cNvPicPr>
+          <p:nvPr/>
+        </p:nvPicPr>
+        <p:blipFill>
+          <a:blip r:embed="rId3">
+            <a:extLst>
+              <a:ext uri="{28A0092B-C50C-407E-A947-70E740481C1C}">
+                <a14:useLocalDpi xmlns:a14="http://schemas.microsoft.com/office/drawing/2010/main" val="0"/>
+              </a:ext>
+            </a:extLst>
+          </a:blip>
+          <a:stretch>
+            <a:fillRect/>
+          </a:stretch>
+        </p:blipFill>
+        <p:spPr>
+          <a:xfrm>
+            <a:off x="4547695" y="3227996"/>
+            <a:ext cx="4233837" cy="3175378"/>
+          </a:xfrm>
+          <a:prstGeom prst="rect">
+            <a:avLst/>
+          </a:prstGeom>
+        </p:spPr>
+      </p:pic>
+      <p:pic>
+        <p:nvPicPr>
+          <p:cNvPr id="6" name="Picture 5"/>
+          <p:cNvPicPr>
+            <a:picLocks noChangeAspect="1"/>
+          </p:cNvPicPr>
+          <p:nvPr/>
+        </p:nvPicPr>
+        <p:blipFill>
+          <a:blip r:embed="rId4">
+            <a:extLst>
+              <a:ext uri="{28A0092B-C50C-407E-A947-70E740481C1C}">
+                <a14:useLocalDpi xmlns:a14="http://schemas.microsoft.com/office/drawing/2010/main" val="0"/>
+              </a:ext>
+            </a:extLst>
+          </a:blip>
+          <a:stretch>
+            <a:fillRect/>
+          </a:stretch>
+        </p:blipFill>
+        <p:spPr>
+          <a:xfrm>
+            <a:off x="2587178" y="3467969"/>
+            <a:ext cx="1798621" cy="2695433"/>
+          </a:xfrm>
+          <a:prstGeom prst="rect">
+            <a:avLst/>
+          </a:prstGeom>
+        </p:spPr>
+      </p:pic>
+      <p:pic>
+        <p:nvPicPr>
+          <p:cNvPr id="7" name="Picture 6"/>
+          <p:cNvPicPr>
+            <a:picLocks noChangeAspect="1"/>
+          </p:cNvPicPr>
+          <p:nvPr/>
+        </p:nvPicPr>
+        <p:blipFill>
+          <a:blip r:embed="rId5">
+            <a:extLst>
+              <a:ext uri="{28A0092B-C50C-407E-A947-70E740481C1C}">
+                <a14:useLocalDpi xmlns:a14="http://schemas.microsoft.com/office/drawing/2010/main" val="0"/>
+              </a:ext>
+            </a:extLst>
+          </a:blip>
+          <a:stretch>
+            <a:fillRect/>
+          </a:stretch>
+        </p:blipFill>
+        <p:spPr>
+          <a:xfrm>
+            <a:off x="9092913" y="4152208"/>
+            <a:ext cx="1497959" cy="2244858"/>
+          </a:xfrm>
+          <a:prstGeom prst="rect">
+            <a:avLst/>
+          </a:prstGeom>
+        </p:spPr>
+      </p:pic>
+      <p:pic>
+        <p:nvPicPr>
+          <p:cNvPr id="8" name="Picture 7"/>
+          <p:cNvPicPr>
+            <a:picLocks noChangeAspect="1"/>
+          </p:cNvPicPr>
+          <p:nvPr/>
+        </p:nvPicPr>
+        <p:blipFill rotWithShape="1">
+          <a:blip r:embed="rId6">
+            <a:extLst>
+              <a:ext uri="{28A0092B-C50C-407E-A947-70E740481C1C}">
+                <a14:useLocalDpi xmlns:a14="http://schemas.microsoft.com/office/drawing/2010/main" val="0"/>
+              </a:ext>
+            </a:extLst>
+          </a:blip>
+          <a:srcRect l="28198" t="8222" r="31921" b="7154"/>
+          <a:stretch/>
+        </p:blipFill>
+        <p:spPr>
+          <a:xfrm>
+            <a:off x="215078" y="2858596"/>
+            <a:ext cx="2279178" cy="3603009"/>
+          </a:xfrm>
+          <a:prstGeom prst="rect">
+            <a:avLst/>
+          </a:prstGeom>
+        </p:spPr>
+      </p:pic>
+      <p:pic>
+        <p:nvPicPr>
+          <p:cNvPr id="9" name="Picture 8"/>
+          <p:cNvPicPr>
+            <a:picLocks noChangeAspect="1"/>
+          </p:cNvPicPr>
+          <p:nvPr/>
+        </p:nvPicPr>
+        <p:blipFill>
+          <a:blip r:embed="rId7">
+            <a:extLst>
+              <a:ext uri="{28A0092B-C50C-407E-A947-70E740481C1C}">
+                <a14:useLocalDpi xmlns:a14="http://schemas.microsoft.com/office/drawing/2010/main" val="0"/>
+              </a:ext>
+            </a:extLst>
+          </a:blip>
+          <a:stretch>
+            <a:fillRect/>
+          </a:stretch>
+        </p:blipFill>
+        <p:spPr>
+          <a:xfrm>
+            <a:off x="7096595" y="88353"/>
+            <a:ext cx="2857500" cy="1981200"/>
+          </a:xfrm>
+          <a:prstGeom prst="rect">
+            <a:avLst/>
+          </a:prstGeom>
+        </p:spPr>
+      </p:pic>
+      <p:pic>
+        <p:nvPicPr>
+          <p:cNvPr id="10" name="Picture 9"/>
+          <p:cNvPicPr>
+            <a:picLocks noChangeAspect="1"/>
+          </p:cNvPicPr>
+          <p:nvPr/>
+        </p:nvPicPr>
+        <p:blipFill>
+          <a:blip r:embed="rId8">
+            <a:extLst>
+              <a:ext uri="{28A0092B-C50C-407E-A947-70E740481C1C}">
+                <a14:useLocalDpi xmlns:a14="http://schemas.microsoft.com/office/drawing/2010/main" val="0"/>
+              </a:ext>
+            </a:extLst>
+          </a:blip>
+          <a:stretch>
+            <a:fillRect/>
+          </a:stretch>
+        </p:blipFill>
+        <p:spPr>
+          <a:xfrm>
+            <a:off x="302141" y="457200"/>
+            <a:ext cx="2829636" cy="2122227"/>
+          </a:xfrm>
+          <a:prstGeom prst="rect">
+            <a:avLst/>
+          </a:prstGeom>
+        </p:spPr>
+      </p:pic>
+      <p:pic>
+        <p:nvPicPr>
+          <p:cNvPr id="11" name="Picture 10"/>
+          <p:cNvPicPr>
+            <a:picLocks noChangeAspect="1"/>
+          </p:cNvPicPr>
+          <p:nvPr/>
+        </p:nvPicPr>
+        <p:blipFill>
+          <a:blip r:embed="rId9">
+            <a:extLst>
+              <a:ext uri="{28A0092B-C50C-407E-A947-70E740481C1C}">
+                <a14:useLocalDpi xmlns:a14="http://schemas.microsoft.com/office/drawing/2010/main" val="0"/>
+              </a:ext>
+            </a:extLst>
+          </a:blip>
+          <a:stretch>
+            <a:fillRect/>
+          </a:stretch>
+        </p:blipFill>
+        <p:spPr>
+          <a:xfrm>
+            <a:off x="8781532" y="2313655"/>
+            <a:ext cx="2361631" cy="1771223"/>
+          </a:xfrm>
+          <a:prstGeom prst="rect">
+            <a:avLst/>
+          </a:prstGeom>
+        </p:spPr>
+      </p:pic>
+      <p:pic>
+        <p:nvPicPr>
+          <p:cNvPr id="12" name="Picture 11"/>
+          <p:cNvPicPr>
+            <a:picLocks noChangeAspect="1"/>
+          </p:cNvPicPr>
+          <p:nvPr/>
+        </p:nvPicPr>
+        <p:blipFill>
+          <a:blip r:embed="rId10">
+            <a:extLst>
+              <a:ext uri="{28A0092B-C50C-407E-A947-70E740481C1C}">
+                <a14:useLocalDpi xmlns:a14="http://schemas.microsoft.com/office/drawing/2010/main" val="0"/>
+              </a:ext>
+            </a:extLst>
+          </a:blip>
+          <a:stretch>
+            <a:fillRect/>
+          </a:stretch>
+        </p:blipFill>
+        <p:spPr>
+          <a:xfrm>
+            <a:off x="10196755" y="124509"/>
+            <a:ext cx="1614245" cy="2152327"/>
+          </a:xfrm>
+          <a:prstGeom prst="rect">
+            <a:avLst/>
+          </a:prstGeom>
+        </p:spPr>
+      </p:pic>
+    </p:spTree>
+    <p:extLst>
+      <p:ext uri="{BB962C8B-B14F-4D97-AF65-F5344CB8AC3E}">
+        <p14:creationId xmlns:p14="http://schemas.microsoft.com/office/powerpoint/2010/main" val="2586694477"/>
+      </p:ext>
+    </p:extLst>
+  </p:cSld>
+  <p:clrMapOvr>
+    <a:masterClrMapping/>
+  </p:clrMapOvr>
+  <p:timing>
+    <p:tnLst>
+      <p:par>
+        <p:cTn id="1" dur="indefinite" restart="never" nodeType="tmRoot">
+          <p:childTnLst>
+            <p:seq concurrent="1" nextAc="seek">
+              <p:cTn id="2" dur="indefinite" nodeType="mainSeq">
+                <p:childTnLst>
+                  <p:par>
+                    <p:cTn id="3" fill="hold">
+                      <p:stCondLst>
+                        <p:cond delay="indefinite"/>
+                      </p:stCondLst>
+                      <p:childTnLst>
+                        <p:par>
+                          <p:cTn id="4" fill="hold">
+                            <p:stCondLst>
+                              <p:cond delay="0"/>
+                            </p:stCondLst>
+                            <p:childTnLst>
+                              <p:par>
+                                <p:cTn id="5" presetID="1" presetClass="entr" presetSubtype="0" fill="hold" nodeType="clickEffect">
+                                  <p:stCondLst>
+                                    <p:cond delay="0"/>
+                                  </p:stCondLst>
+                                  <p:childTnLst>
+                                    <p:set>
+                                      <p:cBhvr>
+                                        <p:cTn id="6" dur="1" fill="hold">
+                                          <p:stCondLst>
+                                            <p:cond delay="0"/>
+                                          </p:stCondLst>
+                                        </p:cTn>
+                                        <p:tgtEl>
+                                          <p:spTgt spid="10"/>
+                                        </p:tgtEl>
+                                        <p:attrNameLst>
+                                          <p:attrName>style.visibility</p:attrName>
+                                        </p:attrNameLst>
+                                      </p:cBhvr>
+                                      <p:to>
+                                        <p:strVal val="visible"/>
+                                      </p:to>
+                                    </p:set>
+                                  </p:childTnLst>
+                                </p:cTn>
+                              </p:par>
+                            </p:childTnLst>
+                          </p:cTn>
+                        </p:par>
+                        <p:par>
+                          <p:cTn id="7" fill="hold">
+                            <p:stCondLst>
+                              <p:cond delay="0"/>
+                            </p:stCondLst>
+                            <p:childTnLst>
+                              <p:par>
+                                <p:cTn id="8" presetID="1" presetClass="entr" presetSubtype="0" fill="hold" nodeType="afterEffect">
+                                  <p:stCondLst>
+                                    <p:cond delay="500"/>
+                                  </p:stCondLst>
+                                  <p:childTnLst>
+                                    <p:set>
+                                      <p:cBhvr>
+                                        <p:cTn id="9" dur="1" fill="hold">
+                                          <p:stCondLst>
+                                            <p:cond delay="0"/>
+                                          </p:stCondLst>
+                                        </p:cTn>
+                                        <p:tgtEl>
+                                          <p:spTgt spid="4"/>
+                                        </p:tgtEl>
+                                        <p:attrNameLst>
+                                          <p:attrName>style.visibility</p:attrName>
+                                        </p:attrNameLst>
+                                      </p:cBhvr>
+                                      <p:to>
+                                        <p:strVal val="visible"/>
+                                      </p:to>
+                                    </p:set>
+                                  </p:childTnLst>
+                                </p:cTn>
+                              </p:par>
+                            </p:childTnLst>
+                          </p:cTn>
+                        </p:par>
+                        <p:par>
+                          <p:cTn id="10" fill="hold">
+                            <p:stCondLst>
+                              <p:cond delay="500"/>
+                            </p:stCondLst>
+                            <p:childTnLst>
+                              <p:par>
+                                <p:cTn id="11" presetID="1" presetClass="entr" presetSubtype="0" fill="hold" nodeType="afterEffect">
+                                  <p:stCondLst>
+                                    <p:cond delay="500"/>
+                                  </p:stCondLst>
+                                  <p:childTnLst>
+                                    <p:set>
+                                      <p:cBhvr>
+                                        <p:cTn id="12" dur="1" fill="hold">
+                                          <p:stCondLst>
+                                            <p:cond delay="0"/>
+                                          </p:stCondLst>
+                                        </p:cTn>
+                                        <p:tgtEl>
+                                          <p:spTgt spid="9"/>
+                                        </p:tgtEl>
+                                        <p:attrNameLst>
+                                          <p:attrName>style.visibility</p:attrName>
+                                        </p:attrNameLst>
+                                      </p:cBhvr>
+                                      <p:to>
+                                        <p:strVal val="visible"/>
+                                      </p:to>
+                                    </p:set>
+                                  </p:childTnLst>
+                                </p:cTn>
+                              </p:par>
+                            </p:childTnLst>
+                          </p:cTn>
+                        </p:par>
+                        <p:par>
+                          <p:cTn id="13" fill="hold">
+                            <p:stCondLst>
+                              <p:cond delay="1000"/>
+                            </p:stCondLst>
+                            <p:childTnLst>
+                              <p:par>
+                                <p:cTn id="14" presetID="1" presetClass="entr" presetSubtype="0" fill="hold" nodeType="afterEffect">
+                                  <p:stCondLst>
+                                    <p:cond delay="500"/>
+                                  </p:stCondLst>
+                                  <p:childTnLst>
+                                    <p:set>
+                                      <p:cBhvr>
+                                        <p:cTn id="15" dur="1" fill="hold">
+                                          <p:stCondLst>
+                                            <p:cond delay="0"/>
+                                          </p:stCondLst>
+                                        </p:cTn>
+                                        <p:tgtEl>
+                                          <p:spTgt spid="12"/>
+                                        </p:tgtEl>
+                                        <p:attrNameLst>
+                                          <p:attrName>style.visibility</p:attrName>
+                                        </p:attrNameLst>
+                                      </p:cBhvr>
+                                      <p:to>
+                                        <p:strVal val="visible"/>
+                                      </p:to>
+                                    </p:set>
+                                  </p:childTnLst>
+                                </p:cTn>
+                              </p:par>
+                            </p:childTnLst>
+                          </p:cTn>
+                        </p:par>
+                        <p:par>
+                          <p:cTn id="16" fill="hold">
+                            <p:stCondLst>
+                              <p:cond delay="1500"/>
+                            </p:stCondLst>
+                            <p:childTnLst>
+                              <p:par>
+                                <p:cTn id="17" presetID="1" presetClass="entr" presetSubtype="0" fill="hold" nodeType="afterEffect">
+                                  <p:stCondLst>
+                                    <p:cond delay="500"/>
+                                  </p:stCondLst>
+                                  <p:childTnLst>
+                                    <p:set>
+                                      <p:cBhvr>
+                                        <p:cTn id="18" dur="1" fill="hold">
+                                          <p:stCondLst>
+                                            <p:cond delay="0"/>
+                                          </p:stCondLst>
+                                        </p:cTn>
+                                        <p:tgtEl>
+                                          <p:spTgt spid="8"/>
+                                        </p:tgtEl>
+                                        <p:attrNameLst>
+                                          <p:attrName>style.visibility</p:attrName>
+                                        </p:attrNameLst>
+                                      </p:cBhvr>
+                                      <p:to>
+                                        <p:strVal val="visible"/>
+                                      </p:to>
+                                    </p:set>
+                                  </p:childTnLst>
+                                </p:cTn>
+                              </p:par>
+                            </p:childTnLst>
+                          </p:cTn>
+                        </p:par>
+                        <p:par>
+                          <p:cTn id="19" fill="hold">
+                            <p:stCondLst>
+                              <p:cond delay="2000"/>
+                            </p:stCondLst>
+                            <p:childTnLst>
+                              <p:par>
+                                <p:cTn id="20" presetID="1" presetClass="entr" presetSubtype="0" fill="hold" nodeType="afterEffect">
+                                  <p:stCondLst>
+                                    <p:cond delay="500"/>
+                                  </p:stCondLst>
+                                  <p:childTnLst>
+                                    <p:set>
+                                      <p:cBhvr>
+                                        <p:cTn id="21" dur="1" fill="hold">
+                                          <p:stCondLst>
+                                            <p:cond delay="0"/>
+                                          </p:stCondLst>
+                                        </p:cTn>
+                                        <p:tgtEl>
+                                          <p:spTgt spid="6"/>
+                                        </p:tgtEl>
+                                        <p:attrNameLst>
+                                          <p:attrName>style.visibility</p:attrName>
+                                        </p:attrNameLst>
+                                      </p:cBhvr>
+                                      <p:to>
+                                        <p:strVal val="visible"/>
+                                      </p:to>
+                                    </p:set>
+                                  </p:childTnLst>
+                                </p:cTn>
+                              </p:par>
+                            </p:childTnLst>
+                          </p:cTn>
+                        </p:par>
+                        <p:par>
+                          <p:cTn id="22" fill="hold">
+                            <p:stCondLst>
+                              <p:cond delay="2500"/>
+                            </p:stCondLst>
+                            <p:childTnLst>
+                              <p:par>
+                                <p:cTn id="23" presetID="1" presetClass="entr" presetSubtype="0" fill="hold" nodeType="afterEffect">
+                                  <p:stCondLst>
+                                    <p:cond delay="500"/>
+                                  </p:stCondLst>
+                                  <p:childTnLst>
+                                    <p:set>
+                                      <p:cBhvr>
+                                        <p:cTn id="24" dur="1" fill="hold">
+                                          <p:stCondLst>
+                                            <p:cond delay="0"/>
+                                          </p:stCondLst>
+                                        </p:cTn>
+                                        <p:tgtEl>
+                                          <p:spTgt spid="5"/>
+                                        </p:tgtEl>
+                                        <p:attrNameLst>
+                                          <p:attrName>style.visibility</p:attrName>
+                                        </p:attrNameLst>
+                                      </p:cBhvr>
+                                      <p:to>
+                                        <p:strVal val="visible"/>
+                                      </p:to>
+                                    </p:set>
+                                  </p:childTnLst>
+                                </p:cTn>
+                              </p:par>
+                            </p:childTnLst>
+                          </p:cTn>
+                        </p:par>
+                        <p:par>
+                          <p:cTn id="25" fill="hold">
+                            <p:stCondLst>
+                              <p:cond delay="3000"/>
+                            </p:stCondLst>
+                            <p:childTnLst>
+                              <p:par>
+                                <p:cTn id="26" presetID="1" presetClass="entr" presetSubtype="0" fill="hold" nodeType="afterEffect">
+                                  <p:stCondLst>
+                                    <p:cond delay="500"/>
+                                  </p:stCondLst>
+                                  <p:childTnLst>
+                                    <p:set>
+                                      <p:cBhvr>
+                                        <p:cTn id="27" dur="1" fill="hold">
+                                          <p:stCondLst>
+                                            <p:cond delay="0"/>
+                                          </p:stCondLst>
+                                        </p:cTn>
+                                        <p:tgtEl>
+                                          <p:spTgt spid="11"/>
+                                        </p:tgtEl>
+                                        <p:attrNameLst>
+                                          <p:attrName>style.visibility</p:attrName>
+                                        </p:attrNameLst>
+                                      </p:cBhvr>
+                                      <p:to>
+                                        <p:strVal val="visible"/>
+                                      </p:to>
+                                    </p:set>
+                                  </p:childTnLst>
+                                </p:cTn>
+                              </p:par>
+                            </p:childTnLst>
+                          </p:cTn>
+                        </p:par>
+                        <p:par>
+                          <p:cTn id="28" fill="hold">
+                            <p:stCondLst>
+                              <p:cond delay="3500"/>
+                            </p:stCondLst>
+                            <p:childTnLst>
+                              <p:par>
+                                <p:cTn id="29" presetID="1" presetClass="entr" presetSubtype="0" fill="hold" nodeType="afterEffect">
+                                  <p:stCondLst>
+                                    <p:cond delay="500"/>
+                                  </p:stCondLst>
+                                  <p:childTnLst>
+                                    <p:set>
+                                      <p:cBhvr>
+                                        <p:cTn id="30" dur="1" fill="hold">
+                                          <p:stCondLst>
+                                            <p:cond delay="0"/>
+                                          </p:stCondLst>
+                                        </p:cTn>
+                                        <p:tgtEl>
+                                          <p:spTgt spid="7"/>
+                                        </p:tgtEl>
+                                        <p:attrNameLst>
+                                          <p:attrName>style.visibility</p:attrName>
+                                        </p:attrNameLst>
+                                      </p:cBhvr>
+                                      <p:to>
+                                        <p:strVal val="visible"/>
+                                      </p:to>
+                                    </p:set>
+                                  </p:childTnLst>
+                                </p:cTn>
+                              </p:par>
+                            </p:childTnLst>
+                          </p:cTn>
+                        </p:par>
+                      </p:childTnLst>
+                    </p:cTn>
+                  </p:par>
+                </p:childTnLst>
+              </p:cTn>
+              <p:prevCondLst>
+                <p:cond evt="onPrev" delay="0">
+                  <p:tgtEl>
+                    <p:sldTgt/>
+                  </p:tgtEl>
+                </p:cond>
+              </p:prevCondLst>
+              <p:nextCondLst>
+                <p:cond evt="onNext" delay="0">
+                  <p:tgtEl>
+                    <p:sldTgt/>
+                  </p:tgtEl>
+                </p:cond>
+              </p:nextCondLst>
+            </p:seq>
+          </p:childTnLst>
+        </p:cTn>
+      </p:par>
+    </p:tnLst>
+  </p:timing>
+</p:sld>
+</file>
+
+<file path=ppt/slides/slide5.xml><?xml version="1.0" encoding="utf-8"?>
+<p:sld xmlns:a="http://schemas.openxmlformats.org/drawingml/2006/main" xmlns:r="http://schemas.openxmlformats.org/officeDocument/2006/relationships" xmlns:p="http://schemas.openxmlformats.org/presentationml/2006/main">
+  <p:cSld>
+    <p:spTree>
+      <p:nvGrpSpPr>
+        <p:cNvPr id="1" name=""/>
+        <p:cNvGrpSpPr/>
+        <p:nvPr/>
+      </p:nvGrpSpPr>
+      <p:grpSpPr>
+        <a:xfrm>
+          <a:off x="0" y="0"/>
+          <a:ext cx="0" cy="0"/>
+          <a:chOff x="0" y="0"/>
+          <a:chExt cx="0" cy="0"/>
+        </a:xfrm>
+      </p:grpSpPr>
+      <p:sp>
+        <p:nvSpPr>
+          <p:cNvPr id="2" name="Footer Placeholder 1"/>
+          <p:cNvSpPr>
+            <a:spLocks noGrp="1"/>
+          </p:cNvSpPr>
+          <p:nvPr>
+            <p:ph type="ftr" sz="quarter" idx="11"/>
+          </p:nvPr>
+        </p:nvSpPr>
+        <p:spPr/>
+        <p:txBody>
+          <a:bodyPr/>
+          <a:lstStyle/>
+          <a:p>
+            <a:r>
+              <a:rPr lang="en-US" smtClean="0"/>
+              <a:t>Design Pattern - Pengantar Design Pattern</a:t>
+            </a:r>
+            <a:endParaRPr lang="en-US" dirty="0"/>
+          </a:p>
+        </p:txBody>
+      </p:sp>
+      <p:sp>
+        <p:nvSpPr>
+          <p:cNvPr id="3" name="Slide Number Placeholder 2"/>
+          <p:cNvSpPr>
+            <a:spLocks noGrp="1"/>
+          </p:cNvSpPr>
+          <p:nvPr>
+            <p:ph type="sldNum" sz="quarter" idx="12"/>
+          </p:nvPr>
+        </p:nvSpPr>
+        <p:spPr/>
+        <p:txBody>
+          <a:bodyPr/>
+          <a:lstStyle/>
+          <a:p>
+            <a:fld id="{48F63A3B-78C7-47BE-AE5E-E10140E04643}" type="slidenum">
+              <a:rPr lang="en-US" smtClean="0"/>
+              <a:t>5</a:t>
+            </a:fld>
+            <a:endParaRPr lang="en-US" dirty="0"/>
+          </a:p>
+        </p:txBody>
+      </p:sp>
+      <p:pic>
+        <p:nvPicPr>
+          <p:cNvPr id="4" name="Picture 3"/>
+          <p:cNvPicPr>
+            <a:picLocks noChangeAspect="1"/>
+          </p:cNvPicPr>
+          <p:nvPr/>
+        </p:nvPicPr>
+        <p:blipFill rotWithShape="1">
+          <a:blip r:embed="rId2">
+            <a:extLst>
+              <a:ext uri="{28A0092B-C50C-407E-A947-70E740481C1C}">
+                <a14:useLocalDpi xmlns:a14="http://schemas.microsoft.com/office/drawing/2010/main" val="0"/>
+              </a:ext>
+            </a:extLst>
+          </a:blip>
+          <a:srcRect t="13296" r="8110"/>
+          <a:stretch/>
+        </p:blipFill>
+        <p:spPr>
+          <a:xfrm>
+            <a:off x="6906778" y="3411657"/>
+            <a:ext cx="3930555" cy="2784427"/>
+          </a:xfrm>
+          <a:prstGeom prst="rect">
+            <a:avLst/>
+          </a:prstGeom>
+        </p:spPr>
+      </p:pic>
+      <p:pic>
+        <p:nvPicPr>
+          <p:cNvPr id="5" name="Picture 4"/>
+          <p:cNvPicPr>
+            <a:picLocks noChangeAspect="1"/>
+          </p:cNvPicPr>
+          <p:nvPr/>
+        </p:nvPicPr>
+        <p:blipFill>
+          <a:blip r:embed="rId3">
+            <a:extLst>
+              <a:ext uri="{28A0092B-C50C-407E-A947-70E740481C1C}">
+                <a14:useLocalDpi xmlns:a14="http://schemas.microsoft.com/office/drawing/2010/main" val="0"/>
+              </a:ext>
+            </a:extLst>
+          </a:blip>
+          <a:stretch>
+            <a:fillRect/>
+          </a:stretch>
+        </p:blipFill>
+        <p:spPr>
+          <a:xfrm>
+            <a:off x="473868" y="4005262"/>
+            <a:ext cx="2286000" cy="1704975"/>
+          </a:xfrm>
+          <a:prstGeom prst="rect">
+            <a:avLst/>
+          </a:prstGeom>
+        </p:spPr>
+      </p:pic>
+      <p:pic>
+        <p:nvPicPr>
+          <p:cNvPr id="6" name="Picture 5"/>
+          <p:cNvPicPr>
+            <a:picLocks noChangeAspect="1"/>
+          </p:cNvPicPr>
+          <p:nvPr/>
+        </p:nvPicPr>
+        <p:blipFill>
+          <a:blip r:embed="rId4">
+            <a:extLst>
+              <a:ext uri="{28A0092B-C50C-407E-A947-70E740481C1C}">
+                <a14:useLocalDpi xmlns:a14="http://schemas.microsoft.com/office/drawing/2010/main" val="0"/>
+              </a:ext>
+            </a:extLst>
+          </a:blip>
+          <a:stretch>
+            <a:fillRect/>
+          </a:stretch>
+        </p:blipFill>
+        <p:spPr>
+          <a:xfrm>
+            <a:off x="3066427" y="4090330"/>
+            <a:ext cx="2945110" cy="2105754"/>
+          </a:xfrm>
+          <a:prstGeom prst="rect">
+            <a:avLst/>
+          </a:prstGeom>
+        </p:spPr>
+      </p:pic>
+      <p:pic>
+        <p:nvPicPr>
+          <p:cNvPr id="7" name="Picture 6"/>
+          <p:cNvPicPr>
+            <a:picLocks noChangeAspect="1"/>
+          </p:cNvPicPr>
+          <p:nvPr/>
+        </p:nvPicPr>
+        <p:blipFill>
+          <a:blip r:embed="rId5">
+            <a:extLst>
+              <a:ext uri="{28A0092B-C50C-407E-A947-70E740481C1C}">
+                <a14:useLocalDpi xmlns:a14="http://schemas.microsoft.com/office/drawing/2010/main" val="0"/>
+              </a:ext>
+            </a:extLst>
+          </a:blip>
+          <a:stretch>
+            <a:fillRect/>
+          </a:stretch>
+        </p:blipFill>
+        <p:spPr>
+          <a:xfrm>
+            <a:off x="7276041" y="352424"/>
+            <a:ext cx="4048125" cy="2781300"/>
+          </a:xfrm>
+          <a:prstGeom prst="rect">
+            <a:avLst/>
+          </a:prstGeom>
+        </p:spPr>
+      </p:pic>
+      <p:pic>
+        <p:nvPicPr>
+          <p:cNvPr id="8" name="Picture 7"/>
+          <p:cNvPicPr>
+            <a:picLocks noChangeAspect="1"/>
+          </p:cNvPicPr>
+          <p:nvPr/>
+        </p:nvPicPr>
+        <p:blipFill>
+          <a:blip r:embed="rId6">
+            <a:extLst>
+              <a:ext uri="{28A0092B-C50C-407E-A947-70E740481C1C}">
+                <a14:useLocalDpi xmlns:a14="http://schemas.microsoft.com/office/drawing/2010/main" val="0"/>
+              </a:ext>
+            </a:extLst>
+          </a:blip>
+          <a:stretch>
+            <a:fillRect/>
+          </a:stretch>
+        </p:blipFill>
+        <p:spPr>
+          <a:xfrm>
+            <a:off x="176211" y="352424"/>
+            <a:ext cx="5762625" cy="3371850"/>
+          </a:xfrm>
+          <a:prstGeom prst="rect">
+            <a:avLst/>
+          </a:prstGeom>
+        </p:spPr>
+      </p:pic>
+    </p:spTree>
+    <p:extLst>
+      <p:ext uri="{BB962C8B-B14F-4D97-AF65-F5344CB8AC3E}">
+        <p14:creationId xmlns:p14="http://schemas.microsoft.com/office/powerpoint/2010/main" val="1439494296"/>
+      </p:ext>
+    </p:extLst>
+  </p:cSld>
+  <p:clrMapOvr>
+    <a:masterClrMapping/>
+  </p:clrMapOvr>
+  <p:timing>
+    <p:tnLst>
+      <p:par>
+        <p:cTn id="1" dur="indefinite" restart="never" nodeType="tmRoot">
+          <p:childTnLst>
+            <p:seq concurrent="1" nextAc="seek">
+              <p:cTn id="2" dur="indefinite" nodeType="mainSeq">
+                <p:childTnLst>
+                  <p:par>
+                    <p:cTn id="3" fill="hold">
+                      <p:stCondLst>
+                        <p:cond delay="indefinite"/>
+                      </p:stCondLst>
+                      <p:childTnLst>
+                        <p:par>
+                          <p:cTn id="4" fill="hold">
+                            <p:stCondLst>
+                              <p:cond delay="0"/>
+                            </p:stCondLst>
+                            <p:childTnLst>
+                              <p:par>
+                                <p:cTn id="5" presetID="1" presetClass="entr" presetSubtype="0" fill="hold" nodeType="clickEffect">
+                                  <p:stCondLst>
+                                    <p:cond delay="0"/>
+                                  </p:stCondLst>
+                                  <p:childTnLst>
+                                    <p:set>
+                                      <p:cBhvr>
+                                        <p:cTn id="6" dur="1" fill="hold">
+                                          <p:stCondLst>
+                                            <p:cond delay="0"/>
+                                          </p:stCondLst>
+                                        </p:cTn>
+                                        <p:tgtEl>
+                                          <p:spTgt spid="8"/>
+                                        </p:tgtEl>
+                                        <p:attrNameLst>
+                                          <p:attrName>style.visibility</p:attrName>
+                                        </p:attrNameLst>
+                                      </p:cBhvr>
+                                      <p:to>
+                                        <p:strVal val="visible"/>
+                                      </p:to>
+                                    </p:set>
+                                  </p:childTnLst>
+                                </p:cTn>
+                              </p:par>
+                            </p:childTnLst>
+                          </p:cTn>
+                        </p:par>
+                        <p:par>
+                          <p:cTn id="7" fill="hold">
+                            <p:stCondLst>
+                              <p:cond delay="0"/>
+                            </p:stCondLst>
+                            <p:childTnLst>
+                              <p:par>
+                                <p:cTn id="8" presetID="1" presetClass="entr" presetSubtype="0" fill="hold" nodeType="afterEffect">
+                                  <p:stCondLst>
+                                    <p:cond delay="500"/>
+                                  </p:stCondLst>
+                                  <p:childTnLst>
+                                    <p:set>
+                                      <p:cBhvr>
+                                        <p:cTn id="9" dur="1" fill="hold">
+                                          <p:stCondLst>
+                                            <p:cond delay="0"/>
+                                          </p:stCondLst>
+                                        </p:cTn>
+                                        <p:tgtEl>
+                                          <p:spTgt spid="7"/>
+                                        </p:tgtEl>
+                                        <p:attrNameLst>
+                                          <p:attrName>style.visibility</p:attrName>
+                                        </p:attrNameLst>
+                                      </p:cBhvr>
+                                      <p:to>
+                                        <p:strVal val="visible"/>
+                                      </p:to>
+                                    </p:set>
+                                  </p:childTnLst>
+                                </p:cTn>
+                              </p:par>
+                            </p:childTnLst>
+                          </p:cTn>
+                        </p:par>
+                        <p:par>
+                          <p:cTn id="10" fill="hold">
+                            <p:stCondLst>
+                              <p:cond delay="500"/>
+                            </p:stCondLst>
+                            <p:childTnLst>
+                              <p:par>
+                                <p:cTn id="11" presetID="1" presetClass="entr" presetSubtype="0" fill="hold" nodeType="afterEffect">
+                                  <p:stCondLst>
+                                    <p:cond delay="500"/>
+                                  </p:stCondLst>
+                                  <p:childTnLst>
+                                    <p:set>
+                                      <p:cBhvr>
+                                        <p:cTn id="12" dur="1" fill="hold">
+                                          <p:stCondLst>
+                                            <p:cond delay="0"/>
+                                          </p:stCondLst>
+                                        </p:cTn>
+                                        <p:tgtEl>
+                                          <p:spTgt spid="5"/>
+                                        </p:tgtEl>
+                                        <p:attrNameLst>
+                                          <p:attrName>style.visibility</p:attrName>
+                                        </p:attrNameLst>
+                                      </p:cBhvr>
+                                      <p:to>
+                                        <p:strVal val="visible"/>
+                                      </p:to>
+                                    </p:set>
+                                  </p:childTnLst>
+                                </p:cTn>
+                              </p:par>
+                            </p:childTnLst>
+                          </p:cTn>
+                        </p:par>
+                        <p:par>
+                          <p:cTn id="13" fill="hold">
+                            <p:stCondLst>
+                              <p:cond delay="1000"/>
+                            </p:stCondLst>
+                            <p:childTnLst>
+                              <p:par>
+                                <p:cTn id="14" presetID="1" presetClass="entr" presetSubtype="0" fill="hold" nodeType="afterEffect">
+                                  <p:stCondLst>
+                                    <p:cond delay="500"/>
+                                  </p:stCondLst>
+                                  <p:childTnLst>
+                                    <p:set>
+                                      <p:cBhvr>
+                                        <p:cTn id="15" dur="1" fill="hold">
+                                          <p:stCondLst>
+                                            <p:cond delay="0"/>
+                                          </p:stCondLst>
+                                        </p:cTn>
+                                        <p:tgtEl>
+                                          <p:spTgt spid="6"/>
+                                        </p:tgtEl>
+                                        <p:attrNameLst>
+                                          <p:attrName>style.visibility</p:attrName>
+                                        </p:attrNameLst>
+                                      </p:cBhvr>
+                                      <p:to>
+                                        <p:strVal val="visible"/>
+                                      </p:to>
+                                    </p:set>
+                                  </p:childTnLst>
+                                </p:cTn>
+                              </p:par>
+                            </p:childTnLst>
+                          </p:cTn>
+                        </p:par>
+                        <p:par>
+                          <p:cTn id="16" fill="hold">
+                            <p:stCondLst>
+                              <p:cond delay="1500"/>
+                            </p:stCondLst>
+                            <p:childTnLst>
+                              <p:par>
+                                <p:cTn id="17" presetID="1" presetClass="entr" presetSubtype="0" fill="hold" nodeType="afterEffect">
+                                  <p:stCondLst>
+                                    <p:cond delay="500"/>
+                                  </p:stCondLst>
+                                  <p:childTnLst>
+                                    <p:set>
+                                      <p:cBhvr>
+                                        <p:cTn id="18" dur="1" fill="hold">
+                                          <p:stCondLst>
+                                            <p:cond delay="0"/>
+                                          </p:stCondLst>
+                                        </p:cTn>
+                                        <p:tgtEl>
+                                          <p:spTgt spid="4"/>
+                                        </p:tgtEl>
+                                        <p:attrNameLst>
+                                          <p:attrName>style.visibility</p:attrName>
+                                        </p:attrNameLst>
+                                      </p:cBhvr>
+                                      <p:to>
+                                        <p:strVal val="visible"/>
+                                      </p:to>
+                                    </p:set>
+                                  </p:childTnLst>
+                                </p:cTn>
+                              </p:par>
+                            </p:childTnLst>
+                          </p:cTn>
+                        </p:par>
+                      </p:childTnLst>
+                    </p:cTn>
+                  </p:par>
+                </p:childTnLst>
+              </p:cTn>
+              <p:prevCondLst>
+                <p:cond evt="onPrev" delay="0">
+                  <p:tgtEl>
+                    <p:sldTgt/>
+                  </p:tgtEl>
+                </p:cond>
+              </p:prevCondLst>
+              <p:nextCondLst>
+                <p:cond evt="onNext" delay="0">
+                  <p:tgtEl>
+                    <p:sldTgt/>
+                  </p:tgtEl>
+                </p:cond>
+              </p:nextCondLst>
+            </p:seq>
+          </p:childTnLst>
+        </p:cTn>
+      </p:par>
+    </p:tnLst>
+  </p:timing>
+</p:sld>
+</file>
+
+<file path=ppt/slides/slide6.xml><?xml version="1.0" encoding="utf-8"?>
+<p:sld xmlns:a="http://schemas.openxmlformats.org/drawingml/2006/main" xmlns:r="http://schemas.openxmlformats.org/officeDocument/2006/relationships" xmlns:p="http://schemas.openxmlformats.org/presentationml/2006/main">
+  <p:cSld>
+    <p:spTree>
+      <p:nvGrpSpPr>
+        <p:cNvPr id="1" name=""/>
+        <p:cNvGrpSpPr/>
+        <p:nvPr/>
+      </p:nvGrpSpPr>
+      <p:grpSpPr>
+        <a:xfrm>
+          <a:off x="0" y="0"/>
+          <a:ext cx="0" cy="0"/>
+          <a:chOff x="0" y="0"/>
+          <a:chExt cx="0" cy="0"/>
+        </a:xfrm>
+      </p:grpSpPr>
+      <p:sp>
+        <p:nvSpPr>
+          <p:cNvPr id="2" name="Footer Placeholder 1"/>
+          <p:cNvSpPr>
+            <a:spLocks noGrp="1"/>
+          </p:cNvSpPr>
+          <p:nvPr>
+            <p:ph type="ftr" sz="quarter" idx="11"/>
+          </p:nvPr>
+        </p:nvSpPr>
+        <p:spPr/>
+        <p:txBody>
+          <a:bodyPr/>
+          <a:lstStyle/>
+          <a:p>
+            <a:r>
+              <a:rPr lang="en-US" smtClean="0"/>
+              <a:t>Design Pattern - Pengantar Design Pattern</a:t>
+            </a:r>
+            <a:endParaRPr lang="en-US" dirty="0"/>
+          </a:p>
+        </p:txBody>
+      </p:sp>
+      <p:sp>
+        <p:nvSpPr>
+          <p:cNvPr id="3" name="Slide Number Placeholder 2"/>
+          <p:cNvSpPr>
+            <a:spLocks noGrp="1"/>
+          </p:cNvSpPr>
+          <p:nvPr>
+            <p:ph type="sldNum" sz="quarter" idx="12"/>
+          </p:nvPr>
+        </p:nvSpPr>
+        <p:spPr/>
+        <p:txBody>
+          <a:bodyPr/>
+          <a:lstStyle/>
+          <a:p>
+            <a:fld id="{48F63A3B-78C7-47BE-AE5E-E10140E04643}" type="slidenum">
+              <a:rPr lang="en-US" smtClean="0"/>
+              <a:t>6</a:t>
+            </a:fld>
+            <a:endParaRPr lang="en-US" dirty="0"/>
+          </a:p>
+        </p:txBody>
+      </p:sp>
+      <p:pic>
+        <p:nvPicPr>
+          <p:cNvPr id="4" name="Picture 3"/>
+          <p:cNvPicPr>
+            <a:picLocks noChangeAspect="1"/>
+          </p:cNvPicPr>
+          <p:nvPr/>
+        </p:nvPicPr>
+        <p:blipFill>
+          <a:blip r:embed="rId2">
+            <a:extLst>
+              <a:ext uri="{28A0092B-C50C-407E-A947-70E740481C1C}">
+                <a14:useLocalDpi xmlns:a14="http://schemas.microsoft.com/office/drawing/2010/main" val="0"/>
+              </a:ext>
+            </a:extLst>
+          </a:blip>
+          <a:stretch>
+            <a:fillRect/>
+          </a:stretch>
+        </p:blipFill>
+        <p:spPr>
+          <a:xfrm>
+            <a:off x="5486062" y="525496"/>
+            <a:ext cx="1847945" cy="3230673"/>
+          </a:xfrm>
+          <a:prstGeom prst="rect">
+            <a:avLst/>
+          </a:prstGeom>
+        </p:spPr>
+      </p:pic>
+      <p:pic>
+        <p:nvPicPr>
+          <p:cNvPr id="6" name="Picture 5"/>
+          <p:cNvPicPr>
+            <a:picLocks noChangeAspect="1"/>
+          </p:cNvPicPr>
+          <p:nvPr/>
+        </p:nvPicPr>
+        <p:blipFill>
+          <a:blip r:embed="rId3">
+            <a:extLst>
+              <a:ext uri="{28A0092B-C50C-407E-A947-70E740481C1C}">
+                <a14:useLocalDpi xmlns:a14="http://schemas.microsoft.com/office/drawing/2010/main" val="0"/>
+              </a:ext>
+            </a:extLst>
+          </a:blip>
+          <a:stretch>
+            <a:fillRect/>
+          </a:stretch>
+        </p:blipFill>
+        <p:spPr>
+          <a:xfrm>
+            <a:off x="4412396" y="3830545"/>
+            <a:ext cx="3284029" cy="2777319"/>
+          </a:xfrm>
+          <a:prstGeom prst="rect">
+            <a:avLst/>
+          </a:prstGeom>
+        </p:spPr>
+      </p:pic>
+      <p:pic>
+        <p:nvPicPr>
+          <p:cNvPr id="7" name="Picture 6"/>
+          <p:cNvPicPr>
+            <a:picLocks noChangeAspect="1"/>
+          </p:cNvPicPr>
+          <p:nvPr/>
+        </p:nvPicPr>
+        <p:blipFill>
+          <a:blip r:embed="rId4">
+            <a:extLst>
+              <a:ext uri="{28A0092B-C50C-407E-A947-70E740481C1C}">
+                <a14:useLocalDpi xmlns:a14="http://schemas.microsoft.com/office/drawing/2010/main" val="0"/>
+              </a:ext>
+            </a:extLst>
+          </a:blip>
+          <a:stretch>
+            <a:fillRect/>
+          </a:stretch>
+        </p:blipFill>
+        <p:spPr>
+          <a:xfrm>
+            <a:off x="815653" y="3756169"/>
+            <a:ext cx="2326373" cy="3101830"/>
+          </a:xfrm>
+          <a:prstGeom prst="rect">
+            <a:avLst/>
+          </a:prstGeom>
+        </p:spPr>
+      </p:pic>
+      <p:pic>
+        <p:nvPicPr>
+          <p:cNvPr id="8" name="Picture 7"/>
+          <p:cNvPicPr>
+            <a:picLocks noChangeAspect="1"/>
+          </p:cNvPicPr>
+          <p:nvPr/>
+        </p:nvPicPr>
+        <p:blipFill>
+          <a:blip r:embed="rId5">
+            <a:extLst>
+              <a:ext uri="{28A0092B-C50C-407E-A947-70E740481C1C}">
+                <a14:useLocalDpi xmlns:a14="http://schemas.microsoft.com/office/drawing/2010/main" val="0"/>
+              </a:ext>
+            </a:extLst>
+          </a:blip>
+          <a:stretch>
+            <a:fillRect/>
+          </a:stretch>
+        </p:blipFill>
+        <p:spPr>
+          <a:xfrm>
+            <a:off x="8464022" y="454984"/>
+            <a:ext cx="2771917" cy="3695889"/>
+          </a:xfrm>
+          <a:prstGeom prst="rect">
+            <a:avLst/>
+          </a:prstGeom>
+        </p:spPr>
+      </p:pic>
+      <p:pic>
+        <p:nvPicPr>
+          <p:cNvPr id="9" name="Picture 8"/>
+          <p:cNvPicPr>
+            <a:picLocks noChangeAspect="1"/>
+          </p:cNvPicPr>
+          <p:nvPr/>
+        </p:nvPicPr>
+        <p:blipFill>
+          <a:blip r:embed="rId6">
+            <a:extLst>
+              <a:ext uri="{28A0092B-C50C-407E-A947-70E740481C1C}">
+                <a14:useLocalDpi xmlns:a14="http://schemas.microsoft.com/office/drawing/2010/main" val="0"/>
+              </a:ext>
+            </a:extLst>
+          </a:blip>
+          <a:stretch>
+            <a:fillRect/>
+          </a:stretch>
+        </p:blipFill>
+        <p:spPr>
+          <a:xfrm>
+            <a:off x="416033" y="-112976"/>
+            <a:ext cx="3321708" cy="4193657"/>
+          </a:xfrm>
+          <a:prstGeom prst="rect">
+            <a:avLst/>
+          </a:prstGeom>
+        </p:spPr>
+      </p:pic>
+      <p:pic>
+        <p:nvPicPr>
+          <p:cNvPr id="10" name="Picture 9"/>
+          <p:cNvPicPr>
+            <a:picLocks noChangeAspect="1"/>
+          </p:cNvPicPr>
+          <p:nvPr/>
+        </p:nvPicPr>
+        <p:blipFill>
+          <a:blip r:embed="rId7">
+            <a:extLst>
+              <a:ext uri="{28A0092B-C50C-407E-A947-70E740481C1C}">
+                <a14:useLocalDpi xmlns:a14="http://schemas.microsoft.com/office/drawing/2010/main" val="0"/>
+              </a:ext>
+            </a:extLst>
+          </a:blip>
+          <a:stretch>
+            <a:fillRect/>
+          </a:stretch>
+        </p:blipFill>
+        <p:spPr>
+          <a:xfrm>
+            <a:off x="8811778" y="4177490"/>
+            <a:ext cx="2025555" cy="2083428"/>
+          </a:xfrm>
+          <a:prstGeom prst="rect">
+            <a:avLst/>
+          </a:prstGeom>
+        </p:spPr>
+      </p:pic>
+    </p:spTree>
+    <p:extLst>
+      <p:ext uri="{BB962C8B-B14F-4D97-AF65-F5344CB8AC3E}">
+        <p14:creationId xmlns:p14="http://schemas.microsoft.com/office/powerpoint/2010/main" val="3897214991"/>
+      </p:ext>
+    </p:extLst>
+  </p:cSld>
+  <p:clrMapOvr>
+    <a:masterClrMapping/>
+  </p:clrMapOvr>
+  <p:timing>
+    <p:tnLst>
+      <p:par>
+        <p:cTn id="1" dur="indefinite" restart="never" nodeType="tmRoot">
+          <p:childTnLst>
+            <p:seq concurrent="1" nextAc="seek">
+              <p:cTn id="2" dur="indefinite" nodeType="mainSeq">
+                <p:childTnLst>
+                  <p:par>
+                    <p:cTn id="3" fill="hold">
+                      <p:stCondLst>
+                        <p:cond delay="indefinite"/>
+                      </p:stCondLst>
+                      <p:childTnLst>
+                        <p:par>
+                          <p:cTn id="4" fill="hold">
+                            <p:stCondLst>
+                              <p:cond delay="0"/>
+                            </p:stCondLst>
+                            <p:childTnLst>
+                              <p:par>
+                                <p:cTn id="5" presetID="1" presetClass="entr" presetSubtype="0" fill="hold" nodeType="clickEffect">
+                                  <p:stCondLst>
+                                    <p:cond delay="0"/>
+                                  </p:stCondLst>
+                                  <p:childTnLst>
+                                    <p:set>
+                                      <p:cBhvr>
+                                        <p:cTn id="6" dur="1" fill="hold">
+                                          <p:stCondLst>
+                                            <p:cond delay="0"/>
+                                          </p:stCondLst>
+                                        </p:cTn>
+                                        <p:tgtEl>
+                                          <p:spTgt spid="9"/>
+                                        </p:tgtEl>
+                                        <p:attrNameLst>
+                                          <p:attrName>style.visibility</p:attrName>
+                                        </p:attrNameLst>
+                                      </p:cBhvr>
+                                      <p:to>
+                                        <p:strVal val="visible"/>
+                                      </p:to>
+                                    </p:set>
+                                  </p:childTnLst>
+                                </p:cTn>
+                              </p:par>
+                            </p:childTnLst>
+                          </p:cTn>
+                        </p:par>
+                        <p:par>
+                          <p:cTn id="7" fill="hold">
+                            <p:stCondLst>
+                              <p:cond delay="0"/>
+                            </p:stCondLst>
+                            <p:childTnLst>
+                              <p:par>
+                                <p:cTn id="8" presetID="1" presetClass="entr" presetSubtype="0" fill="hold" nodeType="afterEffect">
+                                  <p:stCondLst>
+                                    <p:cond delay="500"/>
+                                  </p:stCondLst>
+                                  <p:childTnLst>
+                                    <p:set>
+                                      <p:cBhvr>
+                                        <p:cTn id="9" dur="1" fill="hold">
+                                          <p:stCondLst>
+                                            <p:cond delay="0"/>
+                                          </p:stCondLst>
+                                        </p:cTn>
+                                        <p:tgtEl>
+                                          <p:spTgt spid="4"/>
+                                        </p:tgtEl>
+                                        <p:attrNameLst>
+                                          <p:attrName>style.visibility</p:attrName>
+                                        </p:attrNameLst>
+                                      </p:cBhvr>
+                                      <p:to>
+                                        <p:strVal val="visible"/>
+                                      </p:to>
+                                    </p:set>
+                                  </p:childTnLst>
+                                </p:cTn>
+                              </p:par>
+                            </p:childTnLst>
+                          </p:cTn>
+                        </p:par>
+                        <p:par>
+                          <p:cTn id="10" fill="hold">
+                            <p:stCondLst>
+                              <p:cond delay="500"/>
+                            </p:stCondLst>
+                            <p:childTnLst>
+                              <p:par>
+                                <p:cTn id="11" presetID="1" presetClass="entr" presetSubtype="0" fill="hold" nodeType="afterEffect">
+                                  <p:stCondLst>
+                                    <p:cond delay="500"/>
+                                  </p:stCondLst>
+                                  <p:childTnLst>
+                                    <p:set>
+                                      <p:cBhvr>
+                                        <p:cTn id="12" dur="1" fill="hold">
+                                          <p:stCondLst>
+                                            <p:cond delay="0"/>
+                                          </p:stCondLst>
+                                        </p:cTn>
+                                        <p:tgtEl>
+                                          <p:spTgt spid="8"/>
+                                        </p:tgtEl>
+                                        <p:attrNameLst>
+                                          <p:attrName>style.visibility</p:attrName>
+                                        </p:attrNameLst>
+                                      </p:cBhvr>
+                                      <p:to>
+                                        <p:strVal val="visible"/>
+                                      </p:to>
+                                    </p:set>
+                                  </p:childTnLst>
+                                </p:cTn>
+                              </p:par>
+                            </p:childTnLst>
+                          </p:cTn>
+                        </p:par>
+                        <p:par>
+                          <p:cTn id="13" fill="hold">
+                            <p:stCondLst>
+                              <p:cond delay="1000"/>
+                            </p:stCondLst>
+                            <p:childTnLst>
+                              <p:par>
+                                <p:cTn id="14" presetID="1" presetClass="entr" presetSubtype="0" fill="hold" nodeType="afterEffect">
+                                  <p:stCondLst>
+                                    <p:cond delay="500"/>
+                                  </p:stCondLst>
+                                  <p:childTnLst>
+                                    <p:set>
+                                      <p:cBhvr>
+                                        <p:cTn id="15" dur="1" fill="hold">
+                                          <p:stCondLst>
+                                            <p:cond delay="0"/>
+                                          </p:stCondLst>
+                                        </p:cTn>
+                                        <p:tgtEl>
+                                          <p:spTgt spid="7"/>
+                                        </p:tgtEl>
+                                        <p:attrNameLst>
+                                          <p:attrName>style.visibility</p:attrName>
+                                        </p:attrNameLst>
+                                      </p:cBhvr>
+                                      <p:to>
+                                        <p:strVal val="visible"/>
+                                      </p:to>
+                                    </p:set>
+                                  </p:childTnLst>
+                                </p:cTn>
+                              </p:par>
+                            </p:childTnLst>
+                          </p:cTn>
+                        </p:par>
+                        <p:par>
+                          <p:cTn id="16" fill="hold">
+                            <p:stCondLst>
+                              <p:cond delay="1500"/>
+                            </p:stCondLst>
+                            <p:childTnLst>
+                              <p:par>
+                                <p:cTn id="17" presetID="1" presetClass="entr" presetSubtype="0" fill="hold" nodeType="afterEffect">
+                                  <p:stCondLst>
+                                    <p:cond delay="500"/>
+                                  </p:stCondLst>
+                                  <p:childTnLst>
+                                    <p:set>
+                                      <p:cBhvr>
+                                        <p:cTn id="18" dur="1" fill="hold">
+                                          <p:stCondLst>
+                                            <p:cond delay="0"/>
+                                          </p:stCondLst>
+                                        </p:cTn>
+                                        <p:tgtEl>
+                                          <p:spTgt spid="6"/>
+                                        </p:tgtEl>
+                                        <p:attrNameLst>
+                                          <p:attrName>style.visibility</p:attrName>
+                                        </p:attrNameLst>
+                                      </p:cBhvr>
+                                      <p:to>
+                                        <p:strVal val="visible"/>
+                                      </p:to>
+                                    </p:set>
+                                  </p:childTnLst>
+                                </p:cTn>
+                              </p:par>
+                            </p:childTnLst>
+                          </p:cTn>
+                        </p:par>
+                        <p:par>
+                          <p:cTn id="19" fill="hold">
+                            <p:stCondLst>
+                              <p:cond delay="2000"/>
+                            </p:stCondLst>
+                            <p:childTnLst>
+                              <p:par>
+                                <p:cTn id="20" presetID="1" presetClass="entr" presetSubtype="0" fill="hold" nodeType="afterEffect">
+                                  <p:stCondLst>
+                                    <p:cond delay="500"/>
+                                  </p:stCondLst>
+                                  <p:childTnLst>
+                                    <p:set>
+                                      <p:cBhvr>
+                                        <p:cTn id="21" dur="1" fill="hold">
+                                          <p:stCondLst>
+                                            <p:cond delay="0"/>
+                                          </p:stCondLst>
+                                        </p:cTn>
+                                        <p:tgtEl>
+                                          <p:spTgt spid="10"/>
+                                        </p:tgtEl>
+                                        <p:attrNameLst>
+                                          <p:attrName>style.visibility</p:attrName>
+                                        </p:attrNameLst>
+                                      </p:cBhvr>
+                                      <p:to>
+                                        <p:strVal val="visible"/>
+                                      </p:to>
+                                    </p:set>
+                                  </p:childTnLst>
+                                </p:cTn>
+                              </p:par>
+                            </p:childTnLst>
+                          </p:cTn>
+                        </p:par>
+                      </p:childTnLst>
+                    </p:cTn>
+                  </p:par>
+                </p:childTnLst>
+              </p:cTn>
+              <p:prevCondLst>
+                <p:cond evt="onPrev" delay="0">
+                  <p:tgtEl>
+                    <p:sldTgt/>
+                  </p:tgtEl>
+                </p:cond>
+              </p:prevCondLst>
+              <p:nextCondLst>
+                <p:cond evt="onNext" delay="0">
+                  <p:tgtEl>
+                    <p:sldTgt/>
+                  </p:tgtEl>
+                </p:cond>
+              </p:nextCondLst>
+            </p:seq>
+          </p:childTnLst>
+        </p:cTn>
+      </p:par>
+    </p:tnLst>
+  </p:timing>
+</p:sld>
+</file>
+
+<file path=ppt/slides/slide7.xml><?xml version="1.0" encoding="utf-8"?>
+<p:sld xmlns:a="http://schemas.openxmlformats.org/drawingml/2006/main" xmlns:r="http://schemas.openxmlformats.org/officeDocument/2006/relationships" xmlns:p="http://schemas.openxmlformats.org/presentationml/2006/main">
+  <p:cSld>
+    <p:spTree>
+      <p:nvGrpSpPr>
+        <p:cNvPr id="1" name=""/>
+        <p:cNvGrpSpPr/>
+        <p:nvPr/>
+      </p:nvGrpSpPr>
+      <p:grpSpPr>
+        <a:xfrm>
+          <a:off x="0" y="0"/>
+          <a:ext cx="0" cy="0"/>
+          <a:chOff x="0" y="0"/>
+          <a:chExt cx="0" cy="0"/>
+        </a:xfrm>
+      </p:grpSpPr>
+      <p:sp>
+        <p:nvSpPr>
+          <p:cNvPr id="7" name="Title 6"/>
+          <p:cNvSpPr>
+            <a:spLocks noGrp="1"/>
+          </p:cNvSpPr>
+          <p:nvPr>
+            <p:ph type="title"/>
+          </p:nvPr>
+        </p:nvSpPr>
+        <p:spPr/>
+        <p:txBody>
+          <a:bodyPr/>
+          <a:lstStyle/>
+          <a:p>
+            <a:r>
+              <a:rPr lang="id-ID" dirty="0" smtClean="0"/>
+              <a:t>Adakah pola yang muncul dalam potongan kode program berikut?</a:t>
+            </a:r>
+            <a:endParaRPr lang="id-ID" dirty="0"/>
+          </a:p>
+        </p:txBody>
+      </p:sp>
+      <p:sp>
+        <p:nvSpPr>
+          <p:cNvPr id="2" name="Footer Placeholder 1"/>
+          <p:cNvSpPr>
+            <a:spLocks noGrp="1"/>
+          </p:cNvSpPr>
+          <p:nvPr>
+            <p:ph type="ftr" sz="quarter" idx="11"/>
+          </p:nvPr>
+        </p:nvSpPr>
+        <p:spPr/>
+        <p:txBody>
+          <a:bodyPr/>
+          <a:lstStyle/>
+          <a:p>
+            <a:r>
+              <a:rPr lang="en-US" smtClean="0"/>
+              <a:t>Design Pattern - Pengantar Design Pattern</a:t>
+            </a:r>
+            <a:endParaRPr lang="en-US" dirty="0"/>
+          </a:p>
+        </p:txBody>
+      </p:sp>
+      <p:sp>
+        <p:nvSpPr>
+          <p:cNvPr id="3" name="Slide Number Placeholder 2"/>
+          <p:cNvSpPr>
+            <a:spLocks noGrp="1"/>
+          </p:cNvSpPr>
+          <p:nvPr>
+            <p:ph type="sldNum" sz="quarter" idx="12"/>
+          </p:nvPr>
+        </p:nvSpPr>
+        <p:spPr/>
+        <p:txBody>
+          <a:bodyPr/>
+          <a:lstStyle/>
+          <a:p>
+            <a:fld id="{48F63A3B-78C7-47BE-AE5E-E10140E04643}" type="slidenum">
+              <a:rPr lang="en-US" smtClean="0"/>
+              <a:t>7</a:t>
+            </a:fld>
+            <a:endParaRPr lang="en-US" dirty="0"/>
+          </a:p>
+        </p:txBody>
+      </p:sp>
+      <p:pic>
+        <p:nvPicPr>
+          <p:cNvPr id="4" name="Picture 3"/>
+          <p:cNvPicPr>
+            <a:picLocks noChangeAspect="1"/>
+          </p:cNvPicPr>
+          <p:nvPr/>
+        </p:nvPicPr>
+        <p:blipFill>
+          <a:blip r:embed="rId2"/>
+          <a:stretch>
+            <a:fillRect/>
+          </a:stretch>
+        </p:blipFill>
+        <p:spPr>
+          <a:xfrm>
+            <a:off x="3268021" y="2420074"/>
+            <a:ext cx="4427293" cy="1584349"/>
+          </a:xfrm>
+          <a:prstGeom prst="rect">
+            <a:avLst/>
+          </a:prstGeom>
+          <a:ln>
+            <a:solidFill>
+              <a:schemeClr val="tx1"/>
+            </a:solidFill>
+          </a:ln>
+        </p:spPr>
+      </p:pic>
+      <p:pic>
+        <p:nvPicPr>
+          <p:cNvPr id="5" name="Picture 4"/>
+          <p:cNvPicPr>
+            <a:picLocks noChangeAspect="1"/>
+          </p:cNvPicPr>
+          <p:nvPr/>
+        </p:nvPicPr>
+        <p:blipFill>
+          <a:blip r:embed="rId3"/>
+          <a:stretch>
+            <a:fillRect/>
+          </a:stretch>
+        </p:blipFill>
+        <p:spPr>
+          <a:xfrm>
+            <a:off x="805430" y="4488296"/>
+            <a:ext cx="2996145" cy="1584349"/>
+          </a:xfrm>
+          <a:prstGeom prst="rect">
+            <a:avLst/>
+          </a:prstGeom>
+          <a:ln>
+            <a:solidFill>
+              <a:schemeClr val="tx1"/>
+            </a:solidFill>
+          </a:ln>
+        </p:spPr>
+      </p:pic>
+      <p:pic>
+        <p:nvPicPr>
+          <p:cNvPr id="6" name="Picture 5"/>
+          <p:cNvPicPr>
+            <a:picLocks noChangeAspect="1"/>
+          </p:cNvPicPr>
+          <p:nvPr/>
+        </p:nvPicPr>
+        <p:blipFill>
+          <a:blip r:embed="rId4"/>
+          <a:stretch>
+            <a:fillRect/>
+          </a:stretch>
+        </p:blipFill>
+        <p:spPr>
+          <a:xfrm>
+            <a:off x="6633976" y="4577220"/>
+            <a:ext cx="4203357" cy="1495425"/>
+          </a:xfrm>
+          <a:prstGeom prst="rect">
+            <a:avLst/>
+          </a:prstGeom>
+          <a:ln>
+            <a:solidFill>
+              <a:schemeClr val="tx1"/>
+            </a:solidFill>
+          </a:ln>
+        </p:spPr>
+      </p:pic>
+    </p:spTree>
+    <p:extLst>
+      <p:ext uri="{BB962C8B-B14F-4D97-AF65-F5344CB8AC3E}">
+        <p14:creationId xmlns:p14="http://schemas.microsoft.com/office/powerpoint/2010/main" val="2350597774"/>
+      </p:ext>
+    </p:extLst>
+  </p:cSld>
+  <p:clrMapOvr>
+    <a:masterClrMapping/>
+  </p:clrMapOvr>
+  <p:timing>
+    <p:tnLst>
+      <p:par>
+        <p:cTn id="1" dur="indefinite" restart="never" nodeType="tmRoot">
+          <p:childTnLst>
+            <p:seq concurrent="1" nextAc="seek">
+              <p:cTn id="2" dur="indefinite" nodeType="mainSeq">
+                <p:childTnLst>
+                  <p:par>
+                    <p:cTn id="3" fill="hold">
+                      <p:stCondLst>
+                        <p:cond delay="indefinite"/>
+                      </p:stCondLst>
+                      <p:childTnLst>
+                        <p:par>
+                          <p:cTn id="4" fill="hold">
+                            <p:stCondLst>
+                              <p:cond delay="0"/>
+                            </p:stCondLst>
+                            <p:childTnLst>
+                              <p:par>
+                                <p:cTn id="5" presetID="1" presetClass="entr" presetSubtype="0" fill="hold" nodeType="clickEffect">
+                                  <p:stCondLst>
+                                    <p:cond delay="0"/>
+                                  </p:stCondLst>
+                                  <p:childTnLst>
+                                    <p:set>
+                                      <p:cBhvr>
+                                        <p:cTn id="6" dur="1" fill="hold">
+                                          <p:stCondLst>
+                                            <p:cond delay="0"/>
+                                          </p:stCondLst>
+                                        </p:cTn>
+                                        <p:tgtEl>
+                                          <p:spTgt spid="4"/>
+                                        </p:tgtEl>
+                                        <p:attrNameLst>
+                                          <p:attrName>style.visibility</p:attrName>
+                                        </p:attrNameLst>
+                                      </p:cBhvr>
+                                      <p:to>
+                                        <p:strVal val="visible"/>
+                                      </p:to>
+                                    </p:set>
+                                  </p:childTnLst>
+                                </p:cTn>
+                              </p:par>
+                            </p:childTnLst>
+                          </p:cTn>
+                        </p:par>
+                        <p:par>
+                          <p:cTn id="7" fill="hold">
+                            <p:stCondLst>
+                              <p:cond delay="0"/>
+                            </p:stCondLst>
+                            <p:childTnLst>
+                              <p:par>
+                                <p:cTn id="8" presetID="1" presetClass="entr" presetSubtype="0" fill="hold" nodeType="afterEffect">
+                                  <p:stCondLst>
+                                    <p:cond delay="500"/>
+                                  </p:stCondLst>
+                                  <p:childTnLst>
+                                    <p:set>
+                                      <p:cBhvr>
+                                        <p:cTn id="9" dur="1" fill="hold">
+                                          <p:stCondLst>
+                                            <p:cond delay="0"/>
+                                          </p:stCondLst>
+                                        </p:cTn>
+                                        <p:tgtEl>
+                                          <p:spTgt spid="5"/>
+                                        </p:tgtEl>
+                                        <p:attrNameLst>
+                                          <p:attrName>style.visibility</p:attrName>
+                                        </p:attrNameLst>
+                                      </p:cBhvr>
+                                      <p:to>
+                                        <p:strVal val="visible"/>
+                                      </p:to>
+                                    </p:set>
+                                  </p:childTnLst>
+                                </p:cTn>
+                              </p:par>
+                            </p:childTnLst>
+                          </p:cTn>
+                        </p:par>
+                        <p:par>
+                          <p:cTn id="10" fill="hold">
+                            <p:stCondLst>
+                              <p:cond delay="500"/>
+                            </p:stCondLst>
+                            <p:childTnLst>
+                              <p:par>
+                                <p:cTn id="11" presetID="1" presetClass="entr" presetSubtype="0" fill="hold" nodeType="afterEffect">
+                                  <p:stCondLst>
+                                    <p:cond delay="500"/>
+                                  </p:stCondLst>
+                                  <p:childTnLst>
+                                    <p:set>
+                                      <p:cBhvr>
+                                        <p:cTn id="12" dur="1" fill="hold">
+                                          <p:stCondLst>
+                                            <p:cond delay="0"/>
+                                          </p:stCondLst>
+                                        </p:cTn>
+                                        <p:tgtEl>
+                                          <p:spTgt spid="6"/>
+                                        </p:tgtEl>
+                                        <p:attrNameLst>
+                                          <p:attrName>style.visibility</p:attrName>
+                                        </p:attrNameLst>
+                                      </p:cBhvr>
+                                      <p:to>
+                                        <p:strVal val="visible"/>
+                                      </p:to>
+                                    </p:set>
+                                  </p:childTnLst>
+                                </p:cTn>
+                              </p:par>
+                            </p:childTnLst>
+                          </p:cTn>
+                        </p:par>
+                      </p:childTnLst>
+                    </p:cTn>
+                  </p:par>
+                </p:childTnLst>
+              </p:cTn>
+              <p:prevCondLst>
+                <p:cond evt="onPrev" delay="0">
+                  <p:tgtEl>
+                    <p:sldTgt/>
+                  </p:tgtEl>
+                </p:cond>
+              </p:prevCondLst>
+              <p:nextCondLst>
+                <p:cond evt="onNext" delay="0">
+                  <p:tgtEl>
+                    <p:sldTgt/>
+                  </p:tgtEl>
+                </p:cond>
+              </p:nextCondLst>
+            </p:seq>
+          </p:childTnLst>
+        </p:cTn>
+      </p:par>
+    </p:tnLst>
+  </p:timing>
+</p:sld>
+</file>
+
+<file path=ppt/slides/slide8.xml><?xml version="1.0" encoding="utf-8"?>
+<p:sld xmlns:a="http://schemas.openxmlformats.org/drawingml/2006/main" xmlns:r="http://schemas.openxmlformats.org/officeDocument/2006/relationships" xmlns:p="http://schemas.openxmlformats.org/presentationml/2006/main">
+  <p:cSld>
+    <p:spTree>
+      <p:nvGrpSpPr>
+        <p:cNvPr id="1" name=""/>
+        <p:cNvGrpSpPr/>
+        <p:nvPr/>
+      </p:nvGrpSpPr>
+      <p:grpSpPr>
+        <a:xfrm>
+          <a:off x="0" y="0"/>
+          <a:ext cx="0" cy="0"/>
+          <a:chOff x="0" y="0"/>
+          <a:chExt cx="0" cy="0"/>
+        </a:xfrm>
+      </p:grpSpPr>
+      <p:sp>
+        <p:nvSpPr>
+          <p:cNvPr id="2" name="Footer Placeholder 1"/>
+          <p:cNvSpPr>
+            <a:spLocks noGrp="1"/>
+          </p:cNvSpPr>
+          <p:nvPr>
+            <p:ph type="ftr" sz="quarter" idx="11"/>
+          </p:nvPr>
+        </p:nvSpPr>
+        <p:spPr/>
+        <p:txBody>
+          <a:bodyPr/>
+          <a:lstStyle/>
+          <a:p>
+            <a:r>
+              <a:rPr lang="en-US" smtClean="0"/>
+              <a:t>Design Pattern - Pengantar Design Pattern</a:t>
+            </a:r>
+            <a:endParaRPr lang="en-US" dirty="0"/>
+          </a:p>
+        </p:txBody>
+      </p:sp>
+      <p:sp>
+        <p:nvSpPr>
+          <p:cNvPr id="3" name="Slide Number Placeholder 2"/>
+          <p:cNvSpPr>
+            <a:spLocks noGrp="1"/>
+          </p:cNvSpPr>
+          <p:nvPr>
+            <p:ph type="sldNum" sz="quarter" idx="12"/>
+          </p:nvPr>
+        </p:nvSpPr>
+        <p:spPr/>
+        <p:txBody>
+          <a:bodyPr/>
+          <a:lstStyle/>
+          <a:p>
+            <a:fld id="{48F63A3B-78C7-47BE-AE5E-E10140E04643}" type="slidenum">
+              <a:rPr lang="en-US" smtClean="0"/>
+              <a:t>8</a:t>
+            </a:fld>
+            <a:endParaRPr lang="en-US" dirty="0"/>
+          </a:p>
+        </p:txBody>
+      </p:sp>
+      <p:sp>
+        <p:nvSpPr>
+          <p:cNvPr id="4" name="Rectangle 3"/>
+          <p:cNvSpPr/>
+          <p:nvPr/>
+        </p:nvSpPr>
+        <p:spPr>
+          <a:xfrm>
+            <a:off x="3995109" y="2967335"/>
+            <a:ext cx="4201791" cy="923330"/>
+          </a:xfrm>
+          <a:prstGeom prst="rect">
+            <a:avLst/>
+          </a:prstGeom>
+          <a:noFill/>
+        </p:spPr>
+        <p:txBody>
+          <a:bodyPr wrap="none" lIns="91440" tIns="45720" rIns="91440" bIns="45720">
+            <a:spAutoFit/>
+          </a:bodyPr>
+          <a:lstStyle/>
+          <a:p>
+            <a:pPr algn="ctr"/>
+            <a:r>
+              <a:rPr lang="id-ID" sz="5400" b="1" cap="none" spc="0" dirty="0" smtClean="0">
+                <a:ln w="6600">
+                  <a:solidFill>
+                    <a:schemeClr val="accent2"/>
+                  </a:solidFill>
+                  <a:prstDash val="solid"/>
+                </a:ln>
+                <a:solidFill>
+                  <a:srgbClr val="FFFFFF"/>
+                </a:solidFill>
+                <a:effectLst>
+                  <a:outerShdw dist="38100" dir="2700000" algn="tl" rotWithShape="0">
+                    <a:schemeClr val="accent2"/>
+                  </a:outerShdw>
+                </a:effectLst>
+              </a:rPr>
+              <a:t>A simple case</a:t>
+            </a:r>
+            <a:endParaRPr lang="en-US" sz="5400" b="1" cap="none" spc="0" dirty="0">
+              <a:ln w="6600">
+                <a:solidFill>
+                  <a:schemeClr val="accent2"/>
+                </a:solidFill>
+                <a:prstDash val="solid"/>
+              </a:ln>
+              <a:solidFill>
+                <a:srgbClr val="FFFFFF"/>
+              </a:solidFill>
+              <a:effectLst>
+                <a:outerShdw dist="38100" dir="2700000" algn="tl" rotWithShape="0">
+                  <a:schemeClr val="accent2"/>
+                </a:outerShdw>
+              </a:effectLst>
+            </a:endParaRPr>
+          </a:p>
+        </p:txBody>
+      </p:sp>
+    </p:spTree>
+    <p:extLst>
+      <p:ext uri="{BB962C8B-B14F-4D97-AF65-F5344CB8AC3E}">
+        <p14:creationId xmlns:p14="http://schemas.microsoft.com/office/powerpoint/2010/main" val="2734992517"/>
+      </p:ext>
+    </p:extLst>
+  </p:cSld>
+  <p:clrMapOvr>
+    <a:masterClrMapping/>
+  </p:clrMapOvr>
+  <p:timing>
+    <p:tnLst>
+      <p:par>
+        <p:cTn id="1" dur="indefinite" restart="never" nodeType="tmRoot"/>
+      </p:par>
+    </p:tnLst>
+  </p:timing>
+</p:sld>
+</file>
+
+<file path=ppt/slides/slide9.xml><?xml version="1.0" encoding="utf-8"?>
+<p:sld xmlns:a="http://schemas.openxmlformats.org/drawingml/2006/main" xmlns:r="http://schemas.openxmlformats.org/officeDocument/2006/relationships" xmlns:p="http://schemas.openxmlformats.org/presentationml/2006/main">
+  <p:cSld>
+    <p:spTree>
+      <p:nvGrpSpPr>
+        <p:cNvPr id="1" name=""/>
+        <p:cNvGrpSpPr/>
+        <p:nvPr/>
+      </p:nvGrpSpPr>
+      <p:grpSpPr>
+        <a:xfrm>
+          <a:off x="0" y="0"/>
+          <a:ext cx="0" cy="0"/>
+          <a:chOff x="0" y="0"/>
+          <a:chExt cx="0" cy="0"/>
+        </a:xfrm>
+      </p:grpSpPr>
+      <p:sp>
+        <p:nvSpPr>
+          <p:cNvPr id="4" name="Footer Placeholder 3"/>
+          <p:cNvSpPr>
+            <a:spLocks noGrp="1"/>
+          </p:cNvSpPr>
+          <p:nvPr>
+            <p:ph type="ftr" sz="quarter" idx="11"/>
+          </p:nvPr>
+        </p:nvSpPr>
+        <p:spPr/>
+        <p:txBody>
+          <a:bodyPr/>
+          <a:lstStyle/>
+          <a:p>
+            <a:r>
+              <a:rPr lang="en-US" smtClean="0"/>
+              <a:t>Design Pattern - Pengantar Design Pattern</a:t>
+            </a:r>
+            <a:endParaRPr lang="en-US" dirty="0"/>
+          </a:p>
+        </p:txBody>
+      </p:sp>
+      <p:sp>
+        <p:nvSpPr>
+          <p:cNvPr id="5" name="Slide Number Placeholder 4"/>
+          <p:cNvSpPr>
+            <a:spLocks noGrp="1"/>
+          </p:cNvSpPr>
+          <p:nvPr>
+            <p:ph type="sldNum" sz="quarter" idx="12"/>
+          </p:nvPr>
+        </p:nvSpPr>
+        <p:spPr/>
+        <p:txBody>
+          <a:bodyPr/>
+          <a:lstStyle/>
+          <a:p>
+            <a:fld id="{48F63A3B-78C7-47BE-AE5E-E10140E04643}" type="slidenum">
+              <a:rPr lang="en-US" smtClean="0"/>
+              <a:t>9</a:t>
+            </a:fld>
+            <a:endParaRPr lang="en-US" dirty="0"/>
+          </a:p>
+        </p:txBody>
+      </p:sp>
+      <p:pic>
+        <p:nvPicPr>
+          <p:cNvPr id="6" name="Picture 5"/>
+          <p:cNvPicPr>
+            <a:picLocks noChangeAspect="1"/>
+          </p:cNvPicPr>
+          <p:nvPr/>
+        </p:nvPicPr>
+        <p:blipFill>
+          <a:blip r:embed="rId2">
+            <a:extLst>
+              <a:ext uri="{28A0092B-C50C-407E-A947-70E740481C1C}">
+                <a14:useLocalDpi xmlns:a14="http://schemas.microsoft.com/office/drawing/2010/main" val="0"/>
+              </a:ext>
+            </a:extLst>
+          </a:blip>
+          <a:stretch>
+            <a:fillRect/>
+          </a:stretch>
+        </p:blipFill>
+        <p:spPr>
+          <a:xfrm>
+            <a:off x="1410268" y="628587"/>
+            <a:ext cx="9371464" cy="5600826"/>
+          </a:xfrm>
+          <a:prstGeom prst="rect">
+            <a:avLst/>
+          </a:prstGeom>
+        </p:spPr>
+      </p:pic>
+    </p:spTree>
+    <p:extLst>
+      <p:ext uri="{BB962C8B-B14F-4D97-AF65-F5344CB8AC3E}">
+        <p14:creationId xmlns:p14="http://schemas.microsoft.com/office/powerpoint/2010/main" val="1170485502"/>
+      </p:ext>
+    </p:extLst>
+  </p:cSld>
+  <p:clrMapOvr>
+    <a:masterClrMapping/>
+  </p:clrMapOvr>
+  <p:timing>
+    <p:tnLst>
+      <p:par>
+        <p:cTn id="1" dur="indefinite" restart="never" nodeType="tmRoot"/>
+      </p:par>
+    </p:tnLst>
+  </p:timing>
+</p:sld>
+</file>
+
 <file path=ppt/theme/theme1.xml><?xml version="1.0" encoding="utf-8"?>
 <a:theme xmlns:a="http://schemas.openxmlformats.org/drawingml/2006/main" name="Integral">
   <a:themeElements>
